--- a/unchained-flight-insurance-web/Notes techniques.pptx
+++ b/unchained-flight-insurance-web/Notes techniques.pptx
@@ -8,6 +8,10 @@
     <p:sldId id="256" r:id="rId2"/>
     <p:sldId id="257" r:id="rId3"/>
     <p:sldId id="258" r:id="rId4"/>
+    <p:sldId id="260" r:id="rId5"/>
+    <p:sldId id="259" r:id="rId6"/>
+    <p:sldId id="261" r:id="rId7"/>
+    <p:sldId id="262" r:id="rId8"/>
   </p:sldIdLst>
   <p:sldSz cx="12192000" cy="6858000"/>
   <p:notesSz cx="6858000" cy="9144000"/>
@@ -107,6 +111,3176 @@
     </a:lvl9pPr>
   </p:defaultTextStyle>
 </p:presentation>
+</file>
+
+<file path=ppt/charts/chart1.xml><?xml version="1.0" encoding="utf-8"?>
+<c:chartSpace xmlns:c="http://schemas.openxmlformats.org/drawingml/2006/chart" xmlns:a="http://schemas.openxmlformats.org/drawingml/2006/main" xmlns:r="http://schemas.openxmlformats.org/officeDocument/2006/relationships" xmlns:c16r2="http://schemas.microsoft.com/office/drawing/2015/06/chart">
+  <c:date1904 val="0"/>
+  <c:lang val="en-US"/>
+  <c:roundedCorners val="0"/>
+  <mc:AlternateContent xmlns:mc="http://schemas.openxmlformats.org/markup-compatibility/2006">
+    <mc:Choice xmlns:c14="http://schemas.microsoft.com/office/drawing/2007/8/2/chart" Requires="c14">
+      <c14:style val="102"/>
+    </mc:Choice>
+    <mc:Fallback>
+      <c:style val="2"/>
+    </mc:Fallback>
+  </mc:AlternateContent>
+  <c:chart>
+    <c:title>
+      <c:tx>
+        <c:rich>
+          <a:bodyPr rot="0" spcFirstLastPara="1" vertOverflow="ellipsis" vert="horz" wrap="square" anchor="ctr" anchorCtr="1"/>
+          <a:lstStyle/>
+          <a:p>
+            <a:pPr>
+              <a:defRPr sz="1680" b="0" i="0" u="none" strike="noStrike" kern="1200" spc="0" baseline="0">
+                <a:solidFill>
+                  <a:schemeClr val="tx1">
+                    <a:lumMod val="65000"/>
+                    <a:lumOff val="35000"/>
+                  </a:schemeClr>
+                </a:solidFill>
+                <a:latin typeface="+mn-lt"/>
+                <a:ea typeface="+mn-ea"/>
+                <a:cs typeface="+mn-cs"/>
+              </a:defRPr>
+            </a:pPr>
+            <a:r>
+              <a:rPr lang="fr-CH"/>
+              <a:t>Probability of being late by at least one hour on sunday</a:t>
+            </a:r>
+          </a:p>
+        </c:rich>
+      </c:tx>
+      <c:overlay val="0"/>
+      <c:spPr>
+        <a:noFill/>
+        <a:ln>
+          <a:noFill/>
+        </a:ln>
+        <a:effectLst/>
+      </c:spPr>
+      <c:txPr>
+        <a:bodyPr rot="0" spcFirstLastPara="1" vertOverflow="ellipsis" vert="horz" wrap="square" anchor="ctr" anchorCtr="1"/>
+        <a:lstStyle/>
+        <a:p>
+          <a:pPr>
+            <a:defRPr sz="1680" b="0" i="0" u="none" strike="noStrike" kern="1200" spc="0" baseline="0">
+              <a:solidFill>
+                <a:schemeClr val="tx1">
+                  <a:lumMod val="65000"/>
+                  <a:lumOff val="35000"/>
+                </a:schemeClr>
+              </a:solidFill>
+              <a:latin typeface="+mn-lt"/>
+              <a:ea typeface="+mn-ea"/>
+              <a:cs typeface="+mn-cs"/>
+            </a:defRPr>
+          </a:pPr>
+          <a:endParaRPr lang="fr-FR"/>
+        </a:p>
+      </c:txPr>
+    </c:title>
+    <c:autoTitleDeleted val="0"/>
+    <c:plotArea>
+      <c:layout/>
+      <c:barChart>
+        <c:barDir val="col"/>
+        <c:grouping val="clustered"/>
+        <c:varyColors val="0"/>
+        <c:ser>
+          <c:idx val="0"/>
+          <c:order val="0"/>
+          <c:tx>
+            <c:v>Easyjet</c:v>
+          </c:tx>
+          <c:spPr>
+            <a:solidFill>
+              <a:schemeClr val="accent1"/>
+            </a:solidFill>
+            <a:ln>
+              <a:noFill/>
+            </a:ln>
+            <a:effectLst/>
+          </c:spPr>
+          <c:invertIfNegative val="0"/>
+          <c:cat>
+            <c:strRef>
+              <c:f>Graphics!$B$25:$B$28</c:f>
+              <c:strCache>
+                <c:ptCount val="4"/>
+                <c:pt idx="0">
+                  <c:v>0-11</c:v>
+                </c:pt>
+                <c:pt idx="1">
+                  <c:v>12-15</c:v>
+                </c:pt>
+                <c:pt idx="2">
+                  <c:v>16-19</c:v>
+                </c:pt>
+                <c:pt idx="3">
+                  <c:v>20-23</c:v>
+                </c:pt>
+              </c:strCache>
+            </c:strRef>
+          </c:cat>
+          <c:val>
+            <c:numRef>
+              <c:f>Graphics!$D$25:$D$28</c:f>
+              <c:numCache>
+                <c:formatCode>General</c:formatCode>
+                <c:ptCount val="4"/>
+                <c:pt idx="0">
+                  <c:v>6.9767441860465101E-2</c:v>
+                </c:pt>
+                <c:pt idx="1">
+                  <c:v>0.32</c:v>
+                </c:pt>
+                <c:pt idx="2">
+                  <c:v>0.314285714285714</c:v>
+                </c:pt>
+                <c:pt idx="3">
+                  <c:v>0.32258064516128998</c:v>
+                </c:pt>
+              </c:numCache>
+            </c:numRef>
+          </c:val>
+          <c:extLst>
+            <c:ext xmlns:c16="http://schemas.microsoft.com/office/drawing/2014/chart" uri="{C3380CC4-5D6E-409C-BE32-E72D297353CC}">
+              <c16:uniqueId val="{00000000-D70B-4ADB-8133-482964743060}"/>
+            </c:ext>
+          </c:extLst>
+        </c:ser>
+        <c:ser>
+          <c:idx val="1"/>
+          <c:order val="1"/>
+          <c:tx>
+            <c:v>Swiss</c:v>
+          </c:tx>
+          <c:spPr>
+            <a:solidFill>
+              <a:schemeClr val="accent2"/>
+            </a:solidFill>
+            <a:ln>
+              <a:noFill/>
+            </a:ln>
+            <a:effectLst/>
+          </c:spPr>
+          <c:invertIfNegative val="0"/>
+          <c:cat>
+            <c:strRef>
+              <c:f>Graphics!$B$25:$B$28</c:f>
+              <c:strCache>
+                <c:ptCount val="4"/>
+                <c:pt idx="0">
+                  <c:v>0-11</c:v>
+                </c:pt>
+                <c:pt idx="1">
+                  <c:v>12-15</c:v>
+                </c:pt>
+                <c:pt idx="2">
+                  <c:v>16-19</c:v>
+                </c:pt>
+                <c:pt idx="3">
+                  <c:v>20-23</c:v>
+                </c:pt>
+              </c:strCache>
+            </c:strRef>
+          </c:cat>
+          <c:val>
+            <c:numRef>
+              <c:f>Graphics!$D$29:$D$32</c:f>
+              <c:numCache>
+                <c:formatCode>General</c:formatCode>
+                <c:ptCount val="4"/>
+                <c:pt idx="0">
+                  <c:v>8.3333333333333301E-2</c:v>
+                </c:pt>
+                <c:pt idx="1">
+                  <c:v>0.15384615384615299</c:v>
+                </c:pt>
+                <c:pt idx="2">
+                  <c:v>0.17647058823529399</c:v>
+                </c:pt>
+                <c:pt idx="3">
+                  <c:v>7.1428571428571397E-2</c:v>
+                </c:pt>
+              </c:numCache>
+            </c:numRef>
+          </c:val>
+          <c:extLst>
+            <c:ext xmlns:c16="http://schemas.microsoft.com/office/drawing/2014/chart" uri="{C3380CC4-5D6E-409C-BE32-E72D297353CC}">
+              <c16:uniqueId val="{00000001-D70B-4ADB-8133-482964743060}"/>
+            </c:ext>
+          </c:extLst>
+        </c:ser>
+        <c:dLbls>
+          <c:showLegendKey val="0"/>
+          <c:showVal val="0"/>
+          <c:showCatName val="0"/>
+          <c:showSerName val="0"/>
+          <c:showPercent val="0"/>
+          <c:showBubbleSize val="0"/>
+        </c:dLbls>
+        <c:gapWidth val="219"/>
+        <c:overlap val="-27"/>
+        <c:axId val="1724197760"/>
+        <c:axId val="257345136"/>
+      </c:barChart>
+      <c:catAx>
+        <c:axId val="1724197760"/>
+        <c:scaling>
+          <c:orientation val="minMax"/>
+        </c:scaling>
+        <c:delete val="0"/>
+        <c:axPos val="b"/>
+        <c:title>
+          <c:tx>
+            <c:rich>
+              <a:bodyPr rot="0" spcFirstLastPara="1" vertOverflow="ellipsis" vert="horz" wrap="square" anchor="ctr" anchorCtr="1"/>
+              <a:lstStyle/>
+              <a:p>
+                <a:pPr>
+                  <a:defRPr sz="1400" b="0" i="0" u="none" strike="noStrike" kern="1200" baseline="0">
+                    <a:solidFill>
+                      <a:schemeClr val="tx1">
+                        <a:lumMod val="65000"/>
+                        <a:lumOff val="35000"/>
+                      </a:schemeClr>
+                    </a:solidFill>
+                    <a:latin typeface="+mn-lt"/>
+                    <a:ea typeface="+mn-ea"/>
+                    <a:cs typeface="+mn-cs"/>
+                  </a:defRPr>
+                </a:pPr>
+                <a:r>
+                  <a:rPr lang="fr-CH"/>
+                  <a:t>Hour of the day</a:t>
+                </a:r>
+              </a:p>
+            </c:rich>
+          </c:tx>
+          <c:overlay val="0"/>
+          <c:spPr>
+            <a:noFill/>
+            <a:ln>
+              <a:noFill/>
+            </a:ln>
+            <a:effectLst/>
+          </c:spPr>
+          <c:txPr>
+            <a:bodyPr rot="0" spcFirstLastPara="1" vertOverflow="ellipsis" vert="horz" wrap="square" anchor="ctr" anchorCtr="1"/>
+            <a:lstStyle/>
+            <a:p>
+              <a:pPr>
+                <a:defRPr sz="1400" b="0" i="0" u="none" strike="noStrike" kern="1200" baseline="0">
+                  <a:solidFill>
+                    <a:schemeClr val="tx1">
+                      <a:lumMod val="65000"/>
+                      <a:lumOff val="35000"/>
+                    </a:schemeClr>
+                  </a:solidFill>
+                  <a:latin typeface="+mn-lt"/>
+                  <a:ea typeface="+mn-ea"/>
+                  <a:cs typeface="+mn-cs"/>
+                </a:defRPr>
+              </a:pPr>
+              <a:endParaRPr lang="fr-FR"/>
+            </a:p>
+          </c:txPr>
+        </c:title>
+        <c:numFmt formatCode="General" sourceLinked="1"/>
+        <c:majorTickMark val="none"/>
+        <c:minorTickMark val="none"/>
+        <c:tickLblPos val="nextTo"/>
+        <c:spPr>
+          <a:noFill/>
+          <a:ln w="9525" cap="flat" cmpd="sng" algn="ctr">
+            <a:solidFill>
+              <a:schemeClr val="tx1">
+                <a:lumMod val="15000"/>
+                <a:lumOff val="85000"/>
+              </a:schemeClr>
+            </a:solidFill>
+            <a:round/>
+          </a:ln>
+          <a:effectLst/>
+        </c:spPr>
+        <c:txPr>
+          <a:bodyPr rot="-60000000" spcFirstLastPara="1" vertOverflow="ellipsis" vert="horz" wrap="square" anchor="ctr" anchorCtr="1"/>
+          <a:lstStyle/>
+          <a:p>
+            <a:pPr>
+              <a:defRPr sz="1400" b="0" i="0" u="none" strike="noStrike" kern="1200" baseline="0">
+                <a:solidFill>
+                  <a:schemeClr val="tx1">
+                    <a:lumMod val="65000"/>
+                    <a:lumOff val="35000"/>
+                  </a:schemeClr>
+                </a:solidFill>
+                <a:latin typeface="+mn-lt"/>
+                <a:ea typeface="+mn-ea"/>
+                <a:cs typeface="+mn-cs"/>
+              </a:defRPr>
+            </a:pPr>
+            <a:endParaRPr lang="fr-FR"/>
+          </a:p>
+        </c:txPr>
+        <c:crossAx val="257345136"/>
+        <c:crosses val="autoZero"/>
+        <c:auto val="1"/>
+        <c:lblAlgn val="ctr"/>
+        <c:lblOffset val="100"/>
+        <c:noMultiLvlLbl val="0"/>
+      </c:catAx>
+      <c:valAx>
+        <c:axId val="257345136"/>
+        <c:scaling>
+          <c:orientation val="minMax"/>
+        </c:scaling>
+        <c:delete val="0"/>
+        <c:axPos val="l"/>
+        <c:majorGridlines>
+          <c:spPr>
+            <a:ln w="9525" cap="flat" cmpd="sng" algn="ctr">
+              <a:solidFill>
+                <a:schemeClr val="tx1">
+                  <a:lumMod val="15000"/>
+                  <a:lumOff val="85000"/>
+                </a:schemeClr>
+              </a:solidFill>
+              <a:round/>
+            </a:ln>
+            <a:effectLst/>
+          </c:spPr>
+        </c:majorGridlines>
+        <c:title>
+          <c:tx>
+            <c:rich>
+              <a:bodyPr rot="-5400000" spcFirstLastPara="1" vertOverflow="ellipsis" vert="horz" wrap="square" anchor="ctr" anchorCtr="1"/>
+              <a:lstStyle/>
+              <a:p>
+                <a:pPr>
+                  <a:defRPr sz="1400" b="0" i="0" u="none" strike="noStrike" kern="1200" baseline="0">
+                    <a:solidFill>
+                      <a:schemeClr val="tx1">
+                        <a:lumMod val="65000"/>
+                        <a:lumOff val="35000"/>
+                      </a:schemeClr>
+                    </a:solidFill>
+                    <a:latin typeface="+mn-lt"/>
+                    <a:ea typeface="+mn-ea"/>
+                    <a:cs typeface="+mn-cs"/>
+                  </a:defRPr>
+                </a:pPr>
+                <a:r>
+                  <a:rPr lang="fr-CH"/>
+                  <a:t>Probability of being late</a:t>
+                </a:r>
+              </a:p>
+            </c:rich>
+          </c:tx>
+          <c:overlay val="0"/>
+          <c:spPr>
+            <a:noFill/>
+            <a:ln>
+              <a:noFill/>
+            </a:ln>
+            <a:effectLst/>
+          </c:spPr>
+          <c:txPr>
+            <a:bodyPr rot="-5400000" spcFirstLastPara="1" vertOverflow="ellipsis" vert="horz" wrap="square" anchor="ctr" anchorCtr="1"/>
+            <a:lstStyle/>
+            <a:p>
+              <a:pPr>
+                <a:defRPr sz="1400" b="0" i="0" u="none" strike="noStrike" kern="1200" baseline="0">
+                  <a:solidFill>
+                    <a:schemeClr val="tx1">
+                      <a:lumMod val="65000"/>
+                      <a:lumOff val="35000"/>
+                    </a:schemeClr>
+                  </a:solidFill>
+                  <a:latin typeface="+mn-lt"/>
+                  <a:ea typeface="+mn-ea"/>
+                  <a:cs typeface="+mn-cs"/>
+                </a:defRPr>
+              </a:pPr>
+              <a:endParaRPr lang="fr-FR"/>
+            </a:p>
+          </c:txPr>
+        </c:title>
+        <c:numFmt formatCode="0%" sourceLinked="0"/>
+        <c:majorTickMark val="none"/>
+        <c:minorTickMark val="none"/>
+        <c:tickLblPos val="nextTo"/>
+        <c:spPr>
+          <a:noFill/>
+          <a:ln>
+            <a:noFill/>
+          </a:ln>
+          <a:effectLst/>
+        </c:spPr>
+        <c:txPr>
+          <a:bodyPr rot="-60000000" spcFirstLastPara="1" vertOverflow="ellipsis" vert="horz" wrap="square" anchor="ctr" anchorCtr="1"/>
+          <a:lstStyle/>
+          <a:p>
+            <a:pPr>
+              <a:defRPr sz="1400" b="0" i="0" u="none" strike="noStrike" kern="1200" baseline="0">
+                <a:solidFill>
+                  <a:schemeClr val="tx1">
+                    <a:lumMod val="65000"/>
+                    <a:lumOff val="35000"/>
+                  </a:schemeClr>
+                </a:solidFill>
+                <a:latin typeface="+mn-lt"/>
+                <a:ea typeface="+mn-ea"/>
+                <a:cs typeface="+mn-cs"/>
+              </a:defRPr>
+            </a:pPr>
+            <a:endParaRPr lang="fr-FR"/>
+          </a:p>
+        </c:txPr>
+        <c:crossAx val="1724197760"/>
+        <c:crosses val="autoZero"/>
+        <c:crossBetween val="between"/>
+      </c:valAx>
+      <c:spPr>
+        <a:noFill/>
+        <a:ln>
+          <a:noFill/>
+        </a:ln>
+        <a:effectLst/>
+      </c:spPr>
+    </c:plotArea>
+    <c:legend>
+      <c:legendPos val="t"/>
+      <c:overlay val="0"/>
+      <c:spPr>
+        <a:noFill/>
+        <a:ln>
+          <a:noFill/>
+        </a:ln>
+        <a:effectLst/>
+      </c:spPr>
+      <c:txPr>
+        <a:bodyPr rot="0" spcFirstLastPara="1" vertOverflow="ellipsis" vert="horz" wrap="square" anchor="ctr" anchorCtr="1"/>
+        <a:lstStyle/>
+        <a:p>
+          <a:pPr>
+            <a:defRPr sz="1400" b="0" i="0" u="none" strike="noStrike" kern="1200" baseline="0">
+              <a:solidFill>
+                <a:schemeClr val="tx1">
+                  <a:lumMod val="65000"/>
+                  <a:lumOff val="35000"/>
+                </a:schemeClr>
+              </a:solidFill>
+              <a:latin typeface="+mn-lt"/>
+              <a:ea typeface="+mn-ea"/>
+              <a:cs typeface="+mn-cs"/>
+            </a:defRPr>
+          </a:pPr>
+          <a:endParaRPr lang="fr-FR"/>
+        </a:p>
+      </c:txPr>
+    </c:legend>
+    <c:plotVisOnly val="1"/>
+    <c:dispBlanksAs val="gap"/>
+    <c:showDLblsOverMax val="0"/>
+  </c:chart>
+  <c:spPr>
+    <a:noFill/>
+    <a:ln>
+      <a:noFill/>
+    </a:ln>
+    <a:effectLst/>
+  </c:spPr>
+  <c:txPr>
+    <a:bodyPr/>
+    <a:lstStyle/>
+    <a:p>
+      <a:pPr>
+        <a:defRPr sz="1400"/>
+      </a:pPr>
+      <a:endParaRPr lang="fr-FR"/>
+    </a:p>
+  </c:txPr>
+  <c:externalData r:id="rId3">
+    <c:autoUpdate val="0"/>
+  </c:externalData>
+</c:chartSpace>
+</file>
+
+<file path=ppt/charts/chart2.xml><?xml version="1.0" encoding="utf-8"?>
+<c:chartSpace xmlns:c="http://schemas.openxmlformats.org/drawingml/2006/chart" xmlns:a="http://schemas.openxmlformats.org/drawingml/2006/main" xmlns:r="http://schemas.openxmlformats.org/officeDocument/2006/relationships" xmlns:c16r2="http://schemas.microsoft.com/office/drawing/2015/06/chart">
+  <c:date1904 val="0"/>
+  <c:lang val="en-US"/>
+  <c:roundedCorners val="0"/>
+  <mc:AlternateContent xmlns:mc="http://schemas.openxmlformats.org/markup-compatibility/2006">
+    <mc:Choice xmlns:c14="http://schemas.microsoft.com/office/drawing/2007/8/2/chart" Requires="c14">
+      <c14:style val="102"/>
+    </mc:Choice>
+    <mc:Fallback>
+      <c:style val="2"/>
+    </mc:Fallback>
+  </mc:AlternateContent>
+  <c:chart>
+    <c:title>
+      <c:tx>
+        <c:rich>
+          <a:bodyPr rot="0" spcFirstLastPara="1" vertOverflow="ellipsis" vert="horz" wrap="square" anchor="ctr" anchorCtr="1"/>
+          <a:lstStyle/>
+          <a:p>
+            <a:pPr>
+              <a:defRPr sz="1680" b="0" i="0" u="none" strike="noStrike" kern="1200" spc="0" baseline="0">
+                <a:solidFill>
+                  <a:schemeClr val="tx1">
+                    <a:lumMod val="65000"/>
+                    <a:lumOff val="35000"/>
+                  </a:schemeClr>
+                </a:solidFill>
+                <a:latin typeface="+mn-lt"/>
+                <a:ea typeface="+mn-ea"/>
+                <a:cs typeface="+mn-cs"/>
+              </a:defRPr>
+            </a:pPr>
+            <a:r>
+              <a:rPr lang="fr-CH"/>
+              <a:t>Probability of being late with Easyjet</a:t>
+            </a:r>
+          </a:p>
+        </c:rich>
+      </c:tx>
+      <c:overlay val="0"/>
+      <c:spPr>
+        <a:noFill/>
+        <a:ln>
+          <a:noFill/>
+        </a:ln>
+        <a:effectLst/>
+      </c:spPr>
+      <c:txPr>
+        <a:bodyPr rot="0" spcFirstLastPara="1" vertOverflow="ellipsis" vert="horz" wrap="square" anchor="ctr" anchorCtr="1"/>
+        <a:lstStyle/>
+        <a:p>
+          <a:pPr>
+            <a:defRPr sz="1680" b="0" i="0" u="none" strike="noStrike" kern="1200" spc="0" baseline="0">
+              <a:solidFill>
+                <a:schemeClr val="tx1">
+                  <a:lumMod val="65000"/>
+                  <a:lumOff val="35000"/>
+                </a:schemeClr>
+              </a:solidFill>
+              <a:latin typeface="+mn-lt"/>
+              <a:ea typeface="+mn-ea"/>
+              <a:cs typeface="+mn-cs"/>
+            </a:defRPr>
+          </a:pPr>
+          <a:endParaRPr lang="fr-FR"/>
+        </a:p>
+      </c:txPr>
+    </c:title>
+    <c:autoTitleDeleted val="0"/>
+    <c:plotArea>
+      <c:layout/>
+      <c:barChart>
+        <c:barDir val="col"/>
+        <c:grouping val="clustered"/>
+        <c:varyColors val="0"/>
+        <c:ser>
+          <c:idx val="0"/>
+          <c:order val="0"/>
+          <c:tx>
+            <c:v>Monday</c:v>
+          </c:tx>
+          <c:spPr>
+            <a:solidFill>
+              <a:schemeClr val="accent1"/>
+            </a:solidFill>
+            <a:ln>
+              <a:noFill/>
+            </a:ln>
+            <a:effectLst/>
+          </c:spPr>
+          <c:invertIfNegative val="0"/>
+          <c:cat>
+            <c:strRef>
+              <c:f>Graphics!$B$2:$B$5</c:f>
+              <c:strCache>
+                <c:ptCount val="4"/>
+                <c:pt idx="0">
+                  <c:v>0-11</c:v>
+                </c:pt>
+                <c:pt idx="1">
+                  <c:v>12-15</c:v>
+                </c:pt>
+                <c:pt idx="2">
+                  <c:v>16-19</c:v>
+                </c:pt>
+                <c:pt idx="3">
+                  <c:v>20-23</c:v>
+                </c:pt>
+              </c:strCache>
+            </c:strRef>
+          </c:cat>
+          <c:val>
+            <c:numRef>
+              <c:f>Graphics!$D$2:$D$5</c:f>
+              <c:numCache>
+                <c:formatCode>General</c:formatCode>
+                <c:ptCount val="4"/>
+                <c:pt idx="0">
+                  <c:v>1.51515151515151E-2</c:v>
+                </c:pt>
+                <c:pt idx="1">
+                  <c:v>7.3170731707316999E-2</c:v>
+                </c:pt>
+                <c:pt idx="2">
+                  <c:v>0.133333333333333</c:v>
+                </c:pt>
+                <c:pt idx="3">
+                  <c:v>0.214285714285714</c:v>
+                </c:pt>
+              </c:numCache>
+            </c:numRef>
+          </c:val>
+          <c:extLst>
+            <c:ext xmlns:c16="http://schemas.microsoft.com/office/drawing/2014/chart" uri="{C3380CC4-5D6E-409C-BE32-E72D297353CC}">
+              <c16:uniqueId val="{00000000-2BF1-4122-8F2A-8890911B72F4}"/>
+            </c:ext>
+          </c:extLst>
+        </c:ser>
+        <c:ser>
+          <c:idx val="1"/>
+          <c:order val="1"/>
+          <c:tx>
+            <c:v>Sunday</c:v>
+          </c:tx>
+          <c:spPr>
+            <a:solidFill>
+              <a:schemeClr val="accent2"/>
+            </a:solidFill>
+            <a:ln>
+              <a:noFill/>
+            </a:ln>
+            <a:effectLst/>
+          </c:spPr>
+          <c:invertIfNegative val="0"/>
+          <c:val>
+            <c:numRef>
+              <c:f>Graphics!$D$6:$D$9</c:f>
+              <c:numCache>
+                <c:formatCode>General</c:formatCode>
+                <c:ptCount val="4"/>
+                <c:pt idx="0">
+                  <c:v>6.9767441860465101E-2</c:v>
+                </c:pt>
+                <c:pt idx="1">
+                  <c:v>0.32</c:v>
+                </c:pt>
+                <c:pt idx="2">
+                  <c:v>0.314285714285714</c:v>
+                </c:pt>
+                <c:pt idx="3">
+                  <c:v>0.32258064516128998</c:v>
+                </c:pt>
+              </c:numCache>
+            </c:numRef>
+          </c:val>
+          <c:extLst>
+            <c:ext xmlns:c16="http://schemas.microsoft.com/office/drawing/2014/chart" uri="{C3380CC4-5D6E-409C-BE32-E72D297353CC}">
+              <c16:uniqueId val="{00000001-2BF1-4122-8F2A-8890911B72F4}"/>
+            </c:ext>
+          </c:extLst>
+        </c:ser>
+        <c:dLbls>
+          <c:showLegendKey val="0"/>
+          <c:showVal val="0"/>
+          <c:showCatName val="0"/>
+          <c:showSerName val="0"/>
+          <c:showPercent val="0"/>
+          <c:showBubbleSize val="0"/>
+        </c:dLbls>
+        <c:gapWidth val="219"/>
+        <c:overlap val="-27"/>
+        <c:axId val="1724197760"/>
+        <c:axId val="257345136"/>
+      </c:barChart>
+      <c:catAx>
+        <c:axId val="1724197760"/>
+        <c:scaling>
+          <c:orientation val="minMax"/>
+        </c:scaling>
+        <c:delete val="0"/>
+        <c:axPos val="b"/>
+        <c:title>
+          <c:tx>
+            <c:rich>
+              <a:bodyPr rot="0" spcFirstLastPara="1" vertOverflow="ellipsis" vert="horz" wrap="square" anchor="ctr" anchorCtr="1"/>
+              <a:lstStyle/>
+              <a:p>
+                <a:pPr>
+                  <a:defRPr sz="1400" b="0" i="0" u="none" strike="noStrike" kern="1200" baseline="0">
+                    <a:solidFill>
+                      <a:schemeClr val="tx1">
+                        <a:lumMod val="65000"/>
+                        <a:lumOff val="35000"/>
+                      </a:schemeClr>
+                    </a:solidFill>
+                    <a:latin typeface="+mn-lt"/>
+                    <a:ea typeface="+mn-ea"/>
+                    <a:cs typeface="+mn-cs"/>
+                  </a:defRPr>
+                </a:pPr>
+                <a:r>
+                  <a:rPr lang="fr-CH"/>
+                  <a:t>Hour of the day</a:t>
+                </a:r>
+              </a:p>
+            </c:rich>
+          </c:tx>
+          <c:overlay val="0"/>
+          <c:spPr>
+            <a:noFill/>
+            <a:ln>
+              <a:noFill/>
+            </a:ln>
+            <a:effectLst/>
+          </c:spPr>
+          <c:txPr>
+            <a:bodyPr rot="0" spcFirstLastPara="1" vertOverflow="ellipsis" vert="horz" wrap="square" anchor="ctr" anchorCtr="1"/>
+            <a:lstStyle/>
+            <a:p>
+              <a:pPr>
+                <a:defRPr sz="1400" b="0" i="0" u="none" strike="noStrike" kern="1200" baseline="0">
+                  <a:solidFill>
+                    <a:schemeClr val="tx1">
+                      <a:lumMod val="65000"/>
+                      <a:lumOff val="35000"/>
+                    </a:schemeClr>
+                  </a:solidFill>
+                  <a:latin typeface="+mn-lt"/>
+                  <a:ea typeface="+mn-ea"/>
+                  <a:cs typeface="+mn-cs"/>
+                </a:defRPr>
+              </a:pPr>
+              <a:endParaRPr lang="fr-FR"/>
+            </a:p>
+          </c:txPr>
+        </c:title>
+        <c:numFmt formatCode="General" sourceLinked="1"/>
+        <c:majorTickMark val="none"/>
+        <c:minorTickMark val="none"/>
+        <c:tickLblPos val="nextTo"/>
+        <c:spPr>
+          <a:noFill/>
+          <a:ln w="9525" cap="flat" cmpd="sng" algn="ctr">
+            <a:solidFill>
+              <a:schemeClr val="tx1">
+                <a:lumMod val="15000"/>
+                <a:lumOff val="85000"/>
+              </a:schemeClr>
+            </a:solidFill>
+            <a:round/>
+          </a:ln>
+          <a:effectLst/>
+        </c:spPr>
+        <c:txPr>
+          <a:bodyPr rot="-60000000" spcFirstLastPara="1" vertOverflow="ellipsis" vert="horz" wrap="square" anchor="ctr" anchorCtr="1"/>
+          <a:lstStyle/>
+          <a:p>
+            <a:pPr>
+              <a:defRPr sz="1400" b="0" i="0" u="none" strike="noStrike" kern="1200" baseline="0">
+                <a:solidFill>
+                  <a:schemeClr val="tx1">
+                    <a:lumMod val="65000"/>
+                    <a:lumOff val="35000"/>
+                  </a:schemeClr>
+                </a:solidFill>
+                <a:latin typeface="+mn-lt"/>
+                <a:ea typeface="+mn-ea"/>
+                <a:cs typeface="+mn-cs"/>
+              </a:defRPr>
+            </a:pPr>
+            <a:endParaRPr lang="fr-FR"/>
+          </a:p>
+        </c:txPr>
+        <c:crossAx val="257345136"/>
+        <c:crosses val="autoZero"/>
+        <c:auto val="1"/>
+        <c:lblAlgn val="ctr"/>
+        <c:lblOffset val="100"/>
+        <c:noMultiLvlLbl val="0"/>
+      </c:catAx>
+      <c:valAx>
+        <c:axId val="257345136"/>
+        <c:scaling>
+          <c:orientation val="minMax"/>
+        </c:scaling>
+        <c:delete val="0"/>
+        <c:axPos val="l"/>
+        <c:majorGridlines>
+          <c:spPr>
+            <a:ln w="9525" cap="flat" cmpd="sng" algn="ctr">
+              <a:solidFill>
+                <a:schemeClr val="tx1">
+                  <a:lumMod val="15000"/>
+                  <a:lumOff val="85000"/>
+                </a:schemeClr>
+              </a:solidFill>
+              <a:round/>
+            </a:ln>
+            <a:effectLst/>
+          </c:spPr>
+        </c:majorGridlines>
+        <c:title>
+          <c:tx>
+            <c:rich>
+              <a:bodyPr rot="-5400000" spcFirstLastPara="1" vertOverflow="ellipsis" vert="horz" wrap="square" anchor="ctr" anchorCtr="1"/>
+              <a:lstStyle/>
+              <a:p>
+                <a:pPr>
+                  <a:defRPr sz="1400" b="0" i="0" u="none" strike="noStrike" kern="1200" baseline="0">
+                    <a:solidFill>
+                      <a:schemeClr val="tx1">
+                        <a:lumMod val="65000"/>
+                        <a:lumOff val="35000"/>
+                      </a:schemeClr>
+                    </a:solidFill>
+                    <a:latin typeface="+mn-lt"/>
+                    <a:ea typeface="+mn-ea"/>
+                    <a:cs typeface="+mn-cs"/>
+                  </a:defRPr>
+                </a:pPr>
+                <a:r>
+                  <a:rPr lang="fr-CH"/>
+                  <a:t>Probability of being late</a:t>
+                </a:r>
+              </a:p>
+            </c:rich>
+          </c:tx>
+          <c:overlay val="0"/>
+          <c:spPr>
+            <a:noFill/>
+            <a:ln>
+              <a:noFill/>
+            </a:ln>
+            <a:effectLst/>
+          </c:spPr>
+          <c:txPr>
+            <a:bodyPr rot="-5400000" spcFirstLastPara="1" vertOverflow="ellipsis" vert="horz" wrap="square" anchor="ctr" anchorCtr="1"/>
+            <a:lstStyle/>
+            <a:p>
+              <a:pPr>
+                <a:defRPr sz="1400" b="0" i="0" u="none" strike="noStrike" kern="1200" baseline="0">
+                  <a:solidFill>
+                    <a:schemeClr val="tx1">
+                      <a:lumMod val="65000"/>
+                      <a:lumOff val="35000"/>
+                    </a:schemeClr>
+                  </a:solidFill>
+                  <a:latin typeface="+mn-lt"/>
+                  <a:ea typeface="+mn-ea"/>
+                  <a:cs typeface="+mn-cs"/>
+                </a:defRPr>
+              </a:pPr>
+              <a:endParaRPr lang="fr-FR"/>
+            </a:p>
+          </c:txPr>
+        </c:title>
+        <c:numFmt formatCode="0%" sourceLinked="0"/>
+        <c:majorTickMark val="none"/>
+        <c:minorTickMark val="none"/>
+        <c:tickLblPos val="nextTo"/>
+        <c:spPr>
+          <a:noFill/>
+          <a:ln>
+            <a:noFill/>
+          </a:ln>
+          <a:effectLst/>
+        </c:spPr>
+        <c:txPr>
+          <a:bodyPr rot="-60000000" spcFirstLastPara="1" vertOverflow="ellipsis" vert="horz" wrap="square" anchor="ctr" anchorCtr="1"/>
+          <a:lstStyle/>
+          <a:p>
+            <a:pPr>
+              <a:defRPr sz="1400" b="0" i="0" u="none" strike="noStrike" kern="1200" baseline="0">
+                <a:solidFill>
+                  <a:schemeClr val="tx1">
+                    <a:lumMod val="65000"/>
+                    <a:lumOff val="35000"/>
+                  </a:schemeClr>
+                </a:solidFill>
+                <a:latin typeface="+mn-lt"/>
+                <a:ea typeface="+mn-ea"/>
+                <a:cs typeface="+mn-cs"/>
+              </a:defRPr>
+            </a:pPr>
+            <a:endParaRPr lang="fr-FR"/>
+          </a:p>
+        </c:txPr>
+        <c:crossAx val="1724197760"/>
+        <c:crosses val="autoZero"/>
+        <c:crossBetween val="between"/>
+        <c:majorUnit val="0.1"/>
+      </c:valAx>
+      <c:spPr>
+        <a:noFill/>
+        <a:ln>
+          <a:noFill/>
+        </a:ln>
+        <a:effectLst/>
+      </c:spPr>
+    </c:plotArea>
+    <c:legend>
+      <c:legendPos val="t"/>
+      <c:overlay val="0"/>
+      <c:spPr>
+        <a:noFill/>
+        <a:ln>
+          <a:noFill/>
+        </a:ln>
+        <a:effectLst/>
+      </c:spPr>
+      <c:txPr>
+        <a:bodyPr rot="0" spcFirstLastPara="1" vertOverflow="ellipsis" vert="horz" wrap="square" anchor="ctr" anchorCtr="1"/>
+        <a:lstStyle/>
+        <a:p>
+          <a:pPr>
+            <a:defRPr sz="1400" b="0" i="0" u="none" strike="noStrike" kern="1200" baseline="0">
+              <a:solidFill>
+                <a:schemeClr val="tx1">
+                  <a:lumMod val="65000"/>
+                  <a:lumOff val="35000"/>
+                </a:schemeClr>
+              </a:solidFill>
+              <a:latin typeface="+mn-lt"/>
+              <a:ea typeface="+mn-ea"/>
+              <a:cs typeface="+mn-cs"/>
+            </a:defRPr>
+          </a:pPr>
+          <a:endParaRPr lang="fr-FR"/>
+        </a:p>
+      </c:txPr>
+    </c:legend>
+    <c:plotVisOnly val="1"/>
+    <c:dispBlanksAs val="gap"/>
+    <c:showDLblsOverMax val="0"/>
+  </c:chart>
+  <c:spPr>
+    <a:noFill/>
+    <a:ln>
+      <a:noFill/>
+    </a:ln>
+    <a:effectLst/>
+  </c:spPr>
+  <c:txPr>
+    <a:bodyPr/>
+    <a:lstStyle/>
+    <a:p>
+      <a:pPr>
+        <a:defRPr sz="1400"/>
+      </a:pPr>
+      <a:endParaRPr lang="fr-FR"/>
+    </a:p>
+  </c:txPr>
+  <c:externalData r:id="rId3">
+    <c:autoUpdate val="0"/>
+  </c:externalData>
+</c:chartSpace>
+</file>
+
+<file path=ppt/charts/chart3.xml><?xml version="1.0" encoding="utf-8"?>
+<c:chartSpace xmlns:c="http://schemas.openxmlformats.org/drawingml/2006/chart" xmlns:a="http://schemas.openxmlformats.org/drawingml/2006/main" xmlns:r="http://schemas.openxmlformats.org/officeDocument/2006/relationships" xmlns:c16r2="http://schemas.microsoft.com/office/drawing/2015/06/chart">
+  <c:date1904 val="0"/>
+  <c:lang val="en-US"/>
+  <c:roundedCorners val="0"/>
+  <mc:AlternateContent xmlns:mc="http://schemas.openxmlformats.org/markup-compatibility/2006">
+    <mc:Choice xmlns:c14="http://schemas.microsoft.com/office/drawing/2007/8/2/chart" Requires="c14">
+      <c14:style val="102"/>
+    </mc:Choice>
+    <mc:Fallback>
+      <c:style val="2"/>
+    </mc:Fallback>
+  </mc:AlternateContent>
+  <c:chart>
+    <c:title>
+      <c:tx>
+        <c:rich>
+          <a:bodyPr rot="0" spcFirstLastPara="1" vertOverflow="ellipsis" vert="horz" wrap="square" anchor="ctr" anchorCtr="1"/>
+          <a:lstStyle/>
+          <a:p>
+            <a:pPr>
+              <a:defRPr sz="1400" b="0" i="0" u="none" strike="noStrike" kern="1200" spc="0" baseline="0">
+                <a:solidFill>
+                  <a:schemeClr val="tx1">
+                    <a:lumMod val="65000"/>
+                    <a:lumOff val="35000"/>
+                  </a:schemeClr>
+                </a:solidFill>
+                <a:latin typeface="+mn-lt"/>
+                <a:ea typeface="+mn-ea"/>
+                <a:cs typeface="+mn-cs"/>
+              </a:defRPr>
+            </a:pPr>
+            <a:r>
+              <a:rPr lang="en-US"/>
+              <a:t>Delay probability histogram</a:t>
+            </a:r>
+          </a:p>
+        </c:rich>
+      </c:tx>
+      <c:overlay val="0"/>
+      <c:spPr>
+        <a:noFill/>
+        <a:ln>
+          <a:noFill/>
+        </a:ln>
+        <a:effectLst/>
+      </c:spPr>
+      <c:txPr>
+        <a:bodyPr rot="0" spcFirstLastPara="1" vertOverflow="ellipsis" vert="horz" wrap="square" anchor="ctr" anchorCtr="1"/>
+        <a:lstStyle/>
+        <a:p>
+          <a:pPr>
+            <a:defRPr sz="1400" b="0" i="0" u="none" strike="noStrike" kern="1200" spc="0" baseline="0">
+              <a:solidFill>
+                <a:schemeClr val="tx1">
+                  <a:lumMod val="65000"/>
+                  <a:lumOff val="35000"/>
+                </a:schemeClr>
+              </a:solidFill>
+              <a:latin typeface="+mn-lt"/>
+              <a:ea typeface="+mn-ea"/>
+              <a:cs typeface="+mn-cs"/>
+            </a:defRPr>
+          </a:pPr>
+          <a:endParaRPr lang="fr-FR"/>
+        </a:p>
+      </c:txPr>
+    </c:title>
+    <c:autoTitleDeleted val="0"/>
+    <c:plotArea>
+      <c:layout/>
+      <c:barChart>
+        <c:barDir val="col"/>
+        <c:grouping val="clustered"/>
+        <c:varyColors val="0"/>
+        <c:ser>
+          <c:idx val="0"/>
+          <c:order val="0"/>
+          <c:tx>
+            <c:strRef>
+              <c:f>Graphics!$D$44</c:f>
+              <c:strCache>
+                <c:ptCount val="1"/>
+                <c:pt idx="0">
+                  <c:v>Number of occurrences</c:v>
+                </c:pt>
+              </c:strCache>
+            </c:strRef>
+          </c:tx>
+          <c:spPr>
+            <a:solidFill>
+              <a:schemeClr val="accent1"/>
+            </a:solidFill>
+            <a:ln>
+              <a:noFill/>
+            </a:ln>
+            <a:effectLst/>
+          </c:spPr>
+          <c:invertIfNegative val="0"/>
+          <c:cat>
+            <c:numRef>
+              <c:f>Graphics!$C$46:$C$55</c:f>
+              <c:numCache>
+                <c:formatCode>0%</c:formatCode>
+                <c:ptCount val="10"/>
+                <c:pt idx="0">
+                  <c:v>0.1</c:v>
+                </c:pt>
+                <c:pt idx="1">
+                  <c:v>0.2</c:v>
+                </c:pt>
+                <c:pt idx="2">
+                  <c:v>0.3</c:v>
+                </c:pt>
+                <c:pt idx="3">
+                  <c:v>0.4</c:v>
+                </c:pt>
+                <c:pt idx="4">
+                  <c:v>0.5</c:v>
+                </c:pt>
+                <c:pt idx="5">
+                  <c:v>0.6</c:v>
+                </c:pt>
+                <c:pt idx="6">
+                  <c:v>0.7</c:v>
+                </c:pt>
+                <c:pt idx="7">
+                  <c:v>0.8</c:v>
+                </c:pt>
+                <c:pt idx="8">
+                  <c:v>0.9</c:v>
+                </c:pt>
+                <c:pt idx="9">
+                  <c:v>1</c:v>
+                </c:pt>
+              </c:numCache>
+            </c:numRef>
+          </c:cat>
+          <c:val>
+            <c:numRef>
+              <c:f>Graphics!$D$46:$D$55</c:f>
+              <c:numCache>
+                <c:formatCode>General</c:formatCode>
+                <c:ptCount val="10"/>
+                <c:pt idx="0">
+                  <c:v>659</c:v>
+                </c:pt>
+                <c:pt idx="1">
+                  <c:v>560</c:v>
+                </c:pt>
+                <c:pt idx="2">
+                  <c:v>365</c:v>
+                </c:pt>
+                <c:pt idx="3">
+                  <c:v>243</c:v>
+                </c:pt>
+                <c:pt idx="4">
+                  <c:v>70</c:v>
+                </c:pt>
+                <c:pt idx="5">
+                  <c:v>0</c:v>
+                </c:pt>
+                <c:pt idx="6">
+                  <c:v>27</c:v>
+                </c:pt>
+                <c:pt idx="7">
+                  <c:v>0</c:v>
+                </c:pt>
+                <c:pt idx="8">
+                  <c:v>0</c:v>
+                </c:pt>
+                <c:pt idx="9">
+                  <c:v>21</c:v>
+                </c:pt>
+              </c:numCache>
+            </c:numRef>
+          </c:val>
+          <c:extLst>
+            <c:ext xmlns:c16="http://schemas.microsoft.com/office/drawing/2014/chart" uri="{C3380CC4-5D6E-409C-BE32-E72D297353CC}">
+              <c16:uniqueId val="{00000000-0439-4826-845E-27F3486CF37C}"/>
+            </c:ext>
+          </c:extLst>
+        </c:ser>
+        <c:dLbls>
+          <c:showLegendKey val="0"/>
+          <c:showVal val="0"/>
+          <c:showCatName val="0"/>
+          <c:showSerName val="0"/>
+          <c:showPercent val="0"/>
+          <c:showBubbleSize val="0"/>
+        </c:dLbls>
+        <c:gapWidth val="219"/>
+        <c:overlap val="-27"/>
+        <c:axId val="1724191520"/>
+        <c:axId val="257347296"/>
+      </c:barChart>
+      <c:catAx>
+        <c:axId val="1724191520"/>
+        <c:scaling>
+          <c:orientation val="minMax"/>
+        </c:scaling>
+        <c:delete val="0"/>
+        <c:axPos val="b"/>
+        <c:title>
+          <c:tx>
+            <c:rich>
+              <a:bodyPr rot="0" spcFirstLastPara="1" vertOverflow="ellipsis" vert="horz" wrap="square" anchor="ctr" anchorCtr="1"/>
+              <a:lstStyle/>
+              <a:p>
+                <a:pPr>
+                  <a:defRPr sz="1000" b="0" i="0" u="none" strike="noStrike" kern="1200" baseline="0">
+                    <a:solidFill>
+                      <a:schemeClr val="tx1">
+                        <a:lumMod val="65000"/>
+                        <a:lumOff val="35000"/>
+                      </a:schemeClr>
+                    </a:solidFill>
+                    <a:latin typeface="+mn-lt"/>
+                    <a:ea typeface="+mn-ea"/>
+                    <a:cs typeface="+mn-cs"/>
+                  </a:defRPr>
+                </a:pPr>
+                <a:r>
+                  <a:rPr lang="fr-CH"/>
+                  <a:t>Delay probability</a:t>
+                </a:r>
+              </a:p>
+            </c:rich>
+          </c:tx>
+          <c:layout>
+            <c:manualLayout>
+              <c:xMode val="edge"/>
+              <c:yMode val="edge"/>
+              <c:x val="0.44320013123359586"/>
+              <c:y val="0.88331000291630213"/>
+            </c:manualLayout>
+          </c:layout>
+          <c:overlay val="0"/>
+          <c:spPr>
+            <a:noFill/>
+            <a:ln>
+              <a:noFill/>
+            </a:ln>
+            <a:effectLst/>
+          </c:spPr>
+          <c:txPr>
+            <a:bodyPr rot="0" spcFirstLastPara="1" vertOverflow="ellipsis" vert="horz" wrap="square" anchor="ctr" anchorCtr="1"/>
+            <a:lstStyle/>
+            <a:p>
+              <a:pPr>
+                <a:defRPr sz="1000" b="0" i="0" u="none" strike="noStrike" kern="1200" baseline="0">
+                  <a:solidFill>
+                    <a:schemeClr val="tx1">
+                      <a:lumMod val="65000"/>
+                      <a:lumOff val="35000"/>
+                    </a:schemeClr>
+                  </a:solidFill>
+                  <a:latin typeface="+mn-lt"/>
+                  <a:ea typeface="+mn-ea"/>
+                  <a:cs typeface="+mn-cs"/>
+                </a:defRPr>
+              </a:pPr>
+              <a:endParaRPr lang="fr-FR"/>
+            </a:p>
+          </c:txPr>
+        </c:title>
+        <c:numFmt formatCode="0%" sourceLinked="0"/>
+        <c:majorTickMark val="none"/>
+        <c:minorTickMark val="none"/>
+        <c:tickLblPos val="nextTo"/>
+        <c:spPr>
+          <a:noFill/>
+          <a:ln w="9525" cap="flat" cmpd="sng" algn="ctr">
+            <a:solidFill>
+              <a:schemeClr val="tx1">
+                <a:lumMod val="15000"/>
+                <a:lumOff val="85000"/>
+              </a:schemeClr>
+            </a:solidFill>
+            <a:round/>
+          </a:ln>
+          <a:effectLst/>
+        </c:spPr>
+        <c:txPr>
+          <a:bodyPr rot="-60000000" spcFirstLastPara="1" vertOverflow="ellipsis" vert="horz" wrap="square" anchor="ctr" anchorCtr="1"/>
+          <a:lstStyle/>
+          <a:p>
+            <a:pPr>
+              <a:defRPr sz="900" b="0" i="0" u="none" strike="noStrike" kern="1200" baseline="0">
+                <a:solidFill>
+                  <a:schemeClr val="tx1">
+                    <a:lumMod val="65000"/>
+                    <a:lumOff val="35000"/>
+                  </a:schemeClr>
+                </a:solidFill>
+                <a:latin typeface="+mn-lt"/>
+                <a:ea typeface="+mn-ea"/>
+                <a:cs typeface="+mn-cs"/>
+              </a:defRPr>
+            </a:pPr>
+            <a:endParaRPr lang="fr-FR"/>
+          </a:p>
+        </c:txPr>
+        <c:crossAx val="257347296"/>
+        <c:crosses val="autoZero"/>
+        <c:auto val="1"/>
+        <c:lblAlgn val="ctr"/>
+        <c:lblOffset val="100"/>
+        <c:noMultiLvlLbl val="0"/>
+      </c:catAx>
+      <c:valAx>
+        <c:axId val="257347296"/>
+        <c:scaling>
+          <c:orientation val="minMax"/>
+        </c:scaling>
+        <c:delete val="0"/>
+        <c:axPos val="l"/>
+        <c:majorGridlines>
+          <c:spPr>
+            <a:ln w="9525" cap="flat" cmpd="sng" algn="ctr">
+              <a:solidFill>
+                <a:schemeClr val="tx1">
+                  <a:lumMod val="15000"/>
+                  <a:lumOff val="85000"/>
+                </a:schemeClr>
+              </a:solidFill>
+              <a:round/>
+            </a:ln>
+            <a:effectLst/>
+          </c:spPr>
+        </c:majorGridlines>
+        <c:title>
+          <c:tx>
+            <c:rich>
+              <a:bodyPr rot="-5400000" spcFirstLastPara="1" vertOverflow="ellipsis" vert="horz" wrap="square" anchor="ctr" anchorCtr="1"/>
+              <a:lstStyle/>
+              <a:p>
+                <a:pPr>
+                  <a:defRPr sz="1000" b="0" i="0" u="none" strike="noStrike" kern="1200" baseline="0">
+                    <a:solidFill>
+                      <a:schemeClr val="tx1">
+                        <a:lumMod val="65000"/>
+                        <a:lumOff val="35000"/>
+                      </a:schemeClr>
+                    </a:solidFill>
+                    <a:latin typeface="+mn-lt"/>
+                    <a:ea typeface="+mn-ea"/>
+                    <a:cs typeface="+mn-cs"/>
+                  </a:defRPr>
+                </a:pPr>
+                <a:r>
+                  <a:rPr lang="fr-CH"/>
+                  <a:t>Number of occurences</a:t>
+                </a:r>
+              </a:p>
+            </c:rich>
+          </c:tx>
+          <c:overlay val="0"/>
+          <c:spPr>
+            <a:noFill/>
+            <a:ln>
+              <a:noFill/>
+            </a:ln>
+            <a:effectLst/>
+          </c:spPr>
+          <c:txPr>
+            <a:bodyPr rot="-5400000" spcFirstLastPara="1" vertOverflow="ellipsis" vert="horz" wrap="square" anchor="ctr" anchorCtr="1"/>
+            <a:lstStyle/>
+            <a:p>
+              <a:pPr>
+                <a:defRPr sz="1000" b="0" i="0" u="none" strike="noStrike" kern="1200" baseline="0">
+                  <a:solidFill>
+                    <a:schemeClr val="tx1">
+                      <a:lumMod val="65000"/>
+                      <a:lumOff val="35000"/>
+                    </a:schemeClr>
+                  </a:solidFill>
+                  <a:latin typeface="+mn-lt"/>
+                  <a:ea typeface="+mn-ea"/>
+                  <a:cs typeface="+mn-cs"/>
+                </a:defRPr>
+              </a:pPr>
+              <a:endParaRPr lang="fr-FR"/>
+            </a:p>
+          </c:txPr>
+        </c:title>
+        <c:numFmt formatCode="General" sourceLinked="1"/>
+        <c:majorTickMark val="none"/>
+        <c:minorTickMark val="none"/>
+        <c:tickLblPos val="nextTo"/>
+        <c:spPr>
+          <a:noFill/>
+          <a:ln>
+            <a:noFill/>
+          </a:ln>
+          <a:effectLst/>
+        </c:spPr>
+        <c:txPr>
+          <a:bodyPr rot="-60000000" spcFirstLastPara="1" vertOverflow="ellipsis" vert="horz" wrap="square" anchor="ctr" anchorCtr="1"/>
+          <a:lstStyle/>
+          <a:p>
+            <a:pPr>
+              <a:defRPr sz="900" b="0" i="0" u="none" strike="noStrike" kern="1200" baseline="0">
+                <a:solidFill>
+                  <a:schemeClr val="tx1">
+                    <a:lumMod val="65000"/>
+                    <a:lumOff val="35000"/>
+                  </a:schemeClr>
+                </a:solidFill>
+                <a:latin typeface="+mn-lt"/>
+                <a:ea typeface="+mn-ea"/>
+                <a:cs typeface="+mn-cs"/>
+              </a:defRPr>
+            </a:pPr>
+            <a:endParaRPr lang="fr-FR"/>
+          </a:p>
+        </c:txPr>
+        <c:crossAx val="1724191520"/>
+        <c:crosses val="autoZero"/>
+        <c:crossBetween val="between"/>
+      </c:valAx>
+      <c:spPr>
+        <a:noFill/>
+        <a:ln>
+          <a:noFill/>
+        </a:ln>
+        <a:effectLst/>
+      </c:spPr>
+    </c:plotArea>
+    <c:plotVisOnly val="1"/>
+    <c:dispBlanksAs val="gap"/>
+    <c:showDLblsOverMax val="0"/>
+  </c:chart>
+  <c:spPr>
+    <a:noFill/>
+    <a:ln>
+      <a:noFill/>
+    </a:ln>
+    <a:effectLst/>
+  </c:spPr>
+  <c:txPr>
+    <a:bodyPr/>
+    <a:lstStyle/>
+    <a:p>
+      <a:pPr>
+        <a:defRPr/>
+      </a:pPr>
+      <a:endParaRPr lang="fr-FR"/>
+    </a:p>
+  </c:txPr>
+  <c:externalData r:id="rId3">
+    <c:autoUpdate val="0"/>
+  </c:externalData>
+  <c:userShapes r:id="rId4"/>
+</c:chartSpace>
+</file>
+
+<file path=ppt/charts/colors1.xml><?xml version="1.0" encoding="utf-8"?>
+<cs:colorStyle xmlns:cs="http://schemas.microsoft.com/office/drawing/2012/chartStyle" xmlns:a="http://schemas.openxmlformats.org/drawingml/2006/main" meth="cycle" id="10">
+  <a:schemeClr val="accent1"/>
+  <a:schemeClr val="accent2"/>
+  <a:schemeClr val="accent3"/>
+  <a:schemeClr val="accent4"/>
+  <a:schemeClr val="accent5"/>
+  <a:schemeClr val="accent6"/>
+  <cs:variation/>
+  <cs:variation>
+    <a:lumMod val="60000"/>
+  </cs:variation>
+  <cs:variation>
+    <a:lumMod val="80000"/>
+    <a:lumOff val="20000"/>
+  </cs:variation>
+  <cs:variation>
+    <a:lumMod val="80000"/>
+  </cs:variation>
+  <cs:variation>
+    <a:lumMod val="60000"/>
+    <a:lumOff val="40000"/>
+  </cs:variation>
+  <cs:variation>
+    <a:lumMod val="50000"/>
+  </cs:variation>
+  <cs:variation>
+    <a:lumMod val="70000"/>
+    <a:lumOff val="30000"/>
+  </cs:variation>
+  <cs:variation>
+    <a:lumMod val="70000"/>
+  </cs:variation>
+  <cs:variation>
+    <a:lumMod val="50000"/>
+    <a:lumOff val="50000"/>
+  </cs:variation>
+</cs:colorStyle>
+</file>
+
+<file path=ppt/charts/colors2.xml><?xml version="1.0" encoding="utf-8"?>
+<cs:colorStyle xmlns:cs="http://schemas.microsoft.com/office/drawing/2012/chartStyle" xmlns:a="http://schemas.openxmlformats.org/drawingml/2006/main" meth="cycle" id="10">
+  <a:schemeClr val="accent1"/>
+  <a:schemeClr val="accent2"/>
+  <a:schemeClr val="accent3"/>
+  <a:schemeClr val="accent4"/>
+  <a:schemeClr val="accent5"/>
+  <a:schemeClr val="accent6"/>
+  <cs:variation/>
+  <cs:variation>
+    <a:lumMod val="60000"/>
+  </cs:variation>
+  <cs:variation>
+    <a:lumMod val="80000"/>
+    <a:lumOff val="20000"/>
+  </cs:variation>
+  <cs:variation>
+    <a:lumMod val="80000"/>
+  </cs:variation>
+  <cs:variation>
+    <a:lumMod val="60000"/>
+    <a:lumOff val="40000"/>
+  </cs:variation>
+  <cs:variation>
+    <a:lumMod val="50000"/>
+  </cs:variation>
+  <cs:variation>
+    <a:lumMod val="70000"/>
+    <a:lumOff val="30000"/>
+  </cs:variation>
+  <cs:variation>
+    <a:lumMod val="70000"/>
+  </cs:variation>
+  <cs:variation>
+    <a:lumMod val="50000"/>
+    <a:lumOff val="50000"/>
+  </cs:variation>
+</cs:colorStyle>
+</file>
+
+<file path=ppt/charts/colors3.xml><?xml version="1.0" encoding="utf-8"?>
+<cs:colorStyle xmlns:cs="http://schemas.microsoft.com/office/drawing/2012/chartStyle" xmlns:a="http://schemas.openxmlformats.org/drawingml/2006/main" meth="cycle" id="10">
+  <a:schemeClr val="accent1"/>
+  <a:schemeClr val="accent2"/>
+  <a:schemeClr val="accent3"/>
+  <a:schemeClr val="accent4"/>
+  <a:schemeClr val="accent5"/>
+  <a:schemeClr val="accent6"/>
+  <cs:variation/>
+  <cs:variation>
+    <a:lumMod val="60000"/>
+  </cs:variation>
+  <cs:variation>
+    <a:lumMod val="80000"/>
+    <a:lumOff val="20000"/>
+  </cs:variation>
+  <cs:variation>
+    <a:lumMod val="80000"/>
+  </cs:variation>
+  <cs:variation>
+    <a:lumMod val="60000"/>
+    <a:lumOff val="40000"/>
+  </cs:variation>
+  <cs:variation>
+    <a:lumMod val="50000"/>
+  </cs:variation>
+  <cs:variation>
+    <a:lumMod val="70000"/>
+    <a:lumOff val="30000"/>
+  </cs:variation>
+  <cs:variation>
+    <a:lumMod val="70000"/>
+  </cs:variation>
+  <cs:variation>
+    <a:lumMod val="50000"/>
+    <a:lumOff val="50000"/>
+  </cs:variation>
+</cs:colorStyle>
+</file>
+
+<file path=ppt/charts/style1.xml><?xml version="1.0" encoding="utf-8"?>
+<cs:chartStyle xmlns:cs="http://schemas.microsoft.com/office/drawing/2012/chartStyle" xmlns:a="http://schemas.openxmlformats.org/drawingml/2006/main" id="201">
+  <cs:axisTitle>
+    <cs:lnRef idx="0"/>
+    <cs:fillRef idx="0"/>
+    <cs:effectRef idx="0"/>
+    <cs:fontRef idx="minor">
+      <a:schemeClr val="tx1">
+        <a:lumMod val="65000"/>
+        <a:lumOff val="35000"/>
+      </a:schemeClr>
+    </cs:fontRef>
+    <cs:defRPr sz="1000" kern="1200"/>
+  </cs:axisTitle>
+  <cs:categoryAxis>
+    <cs:lnRef idx="0"/>
+    <cs:fillRef idx="0"/>
+    <cs:effectRef idx="0"/>
+    <cs:fontRef idx="minor">
+      <a:schemeClr val="tx1">
+        <a:lumMod val="65000"/>
+        <a:lumOff val="35000"/>
+      </a:schemeClr>
+    </cs:fontRef>
+    <cs:spPr>
+      <a:ln w="9525" cap="flat" cmpd="sng" algn="ctr">
+        <a:solidFill>
+          <a:schemeClr val="tx1">
+            <a:lumMod val="15000"/>
+            <a:lumOff val="85000"/>
+          </a:schemeClr>
+        </a:solidFill>
+        <a:round/>
+      </a:ln>
+    </cs:spPr>
+    <cs:defRPr sz="900" kern="1200"/>
+  </cs:categoryAxis>
+  <cs:chartArea mods="allowNoFillOverride allowNoLineOverride">
+    <cs:lnRef idx="0"/>
+    <cs:fillRef idx="0"/>
+    <cs:effectRef idx="0"/>
+    <cs:fontRef idx="minor">
+      <a:schemeClr val="tx1"/>
+    </cs:fontRef>
+    <cs:spPr>
+      <a:solidFill>
+        <a:schemeClr val="bg1"/>
+      </a:solidFill>
+      <a:ln w="9525" cap="flat" cmpd="sng" algn="ctr">
+        <a:solidFill>
+          <a:schemeClr val="tx1">
+            <a:lumMod val="15000"/>
+            <a:lumOff val="85000"/>
+          </a:schemeClr>
+        </a:solidFill>
+        <a:round/>
+      </a:ln>
+    </cs:spPr>
+    <cs:defRPr sz="1000" kern="1200"/>
+  </cs:chartArea>
+  <cs:dataLabel>
+    <cs:lnRef idx="0"/>
+    <cs:fillRef idx="0"/>
+    <cs:effectRef idx="0"/>
+    <cs:fontRef idx="minor">
+      <a:schemeClr val="tx1">
+        <a:lumMod val="75000"/>
+        <a:lumOff val="25000"/>
+      </a:schemeClr>
+    </cs:fontRef>
+    <cs:defRPr sz="900" kern="1200"/>
+  </cs:dataLabel>
+  <cs:dataLabelCallout>
+    <cs:lnRef idx="0"/>
+    <cs:fillRef idx="0"/>
+    <cs:effectRef idx="0"/>
+    <cs:fontRef idx="minor">
+      <a:schemeClr val="dk1">
+        <a:lumMod val="65000"/>
+        <a:lumOff val="35000"/>
+      </a:schemeClr>
+    </cs:fontRef>
+    <cs:spPr>
+      <a:solidFill>
+        <a:schemeClr val="lt1"/>
+      </a:solidFill>
+      <a:ln>
+        <a:solidFill>
+          <a:schemeClr val="dk1">
+            <a:lumMod val="25000"/>
+            <a:lumOff val="75000"/>
+          </a:schemeClr>
+        </a:solidFill>
+      </a:ln>
+    </cs:spPr>
+    <cs:defRPr sz="900" kern="1200"/>
+    <cs:bodyPr rot="0" spcFirstLastPara="1" vertOverflow="clip" horzOverflow="clip" vert="horz" wrap="square" lIns="36576" tIns="18288" rIns="36576" bIns="18288" anchor="ctr" anchorCtr="1">
+      <a:spAutoFit/>
+    </cs:bodyPr>
+  </cs:dataLabelCallout>
+  <cs:dataPoint>
+    <cs:lnRef idx="0"/>
+    <cs:fillRef idx="1">
+      <cs:styleClr val="auto"/>
+    </cs:fillRef>
+    <cs:effectRef idx="0"/>
+    <cs:fontRef idx="minor">
+      <a:schemeClr val="tx1"/>
+    </cs:fontRef>
+  </cs:dataPoint>
+  <cs:dataPoint3D>
+    <cs:lnRef idx="0"/>
+    <cs:fillRef idx="1">
+      <cs:styleClr val="auto"/>
+    </cs:fillRef>
+    <cs:effectRef idx="0"/>
+    <cs:fontRef idx="minor">
+      <a:schemeClr val="tx1"/>
+    </cs:fontRef>
+  </cs:dataPoint3D>
+  <cs:dataPointLine>
+    <cs:lnRef idx="0">
+      <cs:styleClr val="auto"/>
+    </cs:lnRef>
+    <cs:fillRef idx="1"/>
+    <cs:effectRef idx="0"/>
+    <cs:fontRef idx="minor">
+      <a:schemeClr val="tx1"/>
+    </cs:fontRef>
+    <cs:spPr>
+      <a:ln w="28575" cap="rnd">
+        <a:solidFill>
+          <a:schemeClr val="phClr"/>
+        </a:solidFill>
+        <a:round/>
+      </a:ln>
+    </cs:spPr>
+  </cs:dataPointLine>
+  <cs:dataPointMarker>
+    <cs:lnRef idx="0">
+      <cs:styleClr val="auto"/>
+    </cs:lnRef>
+    <cs:fillRef idx="1">
+      <cs:styleClr val="auto"/>
+    </cs:fillRef>
+    <cs:effectRef idx="0"/>
+    <cs:fontRef idx="minor">
+      <a:schemeClr val="tx1"/>
+    </cs:fontRef>
+    <cs:spPr>
+      <a:ln w="9525">
+        <a:solidFill>
+          <a:schemeClr val="phClr"/>
+        </a:solidFill>
+      </a:ln>
+    </cs:spPr>
+  </cs:dataPointMarker>
+  <cs:dataPointMarkerLayout symbol="circle" size="5"/>
+  <cs:dataPointWireframe>
+    <cs:lnRef idx="0">
+      <cs:styleClr val="auto"/>
+    </cs:lnRef>
+    <cs:fillRef idx="1"/>
+    <cs:effectRef idx="0"/>
+    <cs:fontRef idx="minor">
+      <a:schemeClr val="tx1"/>
+    </cs:fontRef>
+    <cs:spPr>
+      <a:ln w="9525" cap="rnd">
+        <a:solidFill>
+          <a:schemeClr val="phClr"/>
+        </a:solidFill>
+        <a:round/>
+      </a:ln>
+    </cs:spPr>
+  </cs:dataPointWireframe>
+  <cs:dataTable>
+    <cs:lnRef idx="0"/>
+    <cs:fillRef idx="0"/>
+    <cs:effectRef idx="0"/>
+    <cs:fontRef idx="minor">
+      <a:schemeClr val="tx1">
+        <a:lumMod val="65000"/>
+        <a:lumOff val="35000"/>
+      </a:schemeClr>
+    </cs:fontRef>
+    <cs:spPr>
+      <a:noFill/>
+      <a:ln w="9525" cap="flat" cmpd="sng" algn="ctr">
+        <a:solidFill>
+          <a:schemeClr val="tx1">
+            <a:lumMod val="15000"/>
+            <a:lumOff val="85000"/>
+          </a:schemeClr>
+        </a:solidFill>
+        <a:round/>
+      </a:ln>
+    </cs:spPr>
+    <cs:defRPr sz="900" kern="1200"/>
+  </cs:dataTable>
+  <cs:downBar>
+    <cs:lnRef idx="0"/>
+    <cs:fillRef idx="0"/>
+    <cs:effectRef idx="0"/>
+    <cs:fontRef idx="minor">
+      <a:schemeClr val="dk1"/>
+    </cs:fontRef>
+    <cs:spPr>
+      <a:solidFill>
+        <a:schemeClr val="dk1">
+          <a:lumMod val="65000"/>
+          <a:lumOff val="35000"/>
+        </a:schemeClr>
+      </a:solidFill>
+      <a:ln w="9525">
+        <a:solidFill>
+          <a:schemeClr val="tx1">
+            <a:lumMod val="65000"/>
+            <a:lumOff val="35000"/>
+          </a:schemeClr>
+        </a:solidFill>
+      </a:ln>
+    </cs:spPr>
+  </cs:downBar>
+  <cs:dropLine>
+    <cs:lnRef idx="0"/>
+    <cs:fillRef idx="0"/>
+    <cs:effectRef idx="0"/>
+    <cs:fontRef idx="minor">
+      <a:schemeClr val="tx1"/>
+    </cs:fontRef>
+    <cs:spPr>
+      <a:ln w="9525" cap="flat" cmpd="sng" algn="ctr">
+        <a:solidFill>
+          <a:schemeClr val="tx1">
+            <a:lumMod val="35000"/>
+            <a:lumOff val="65000"/>
+          </a:schemeClr>
+        </a:solidFill>
+        <a:round/>
+      </a:ln>
+    </cs:spPr>
+  </cs:dropLine>
+  <cs:errorBar>
+    <cs:lnRef idx="0"/>
+    <cs:fillRef idx="0"/>
+    <cs:effectRef idx="0"/>
+    <cs:fontRef idx="minor">
+      <a:schemeClr val="tx1"/>
+    </cs:fontRef>
+    <cs:spPr>
+      <a:ln w="9525" cap="flat" cmpd="sng" algn="ctr">
+        <a:solidFill>
+          <a:schemeClr val="tx1">
+            <a:lumMod val="65000"/>
+            <a:lumOff val="35000"/>
+          </a:schemeClr>
+        </a:solidFill>
+        <a:round/>
+      </a:ln>
+    </cs:spPr>
+  </cs:errorBar>
+  <cs:floor>
+    <cs:lnRef idx="0"/>
+    <cs:fillRef idx="0"/>
+    <cs:effectRef idx="0"/>
+    <cs:fontRef idx="minor">
+      <a:schemeClr val="tx1"/>
+    </cs:fontRef>
+    <cs:spPr>
+      <a:noFill/>
+      <a:ln>
+        <a:noFill/>
+      </a:ln>
+    </cs:spPr>
+  </cs:floor>
+  <cs:gridlineMajor>
+    <cs:lnRef idx="0"/>
+    <cs:fillRef idx="0"/>
+    <cs:effectRef idx="0"/>
+    <cs:fontRef idx="minor">
+      <a:schemeClr val="tx1"/>
+    </cs:fontRef>
+    <cs:spPr>
+      <a:ln w="9525" cap="flat" cmpd="sng" algn="ctr">
+        <a:solidFill>
+          <a:schemeClr val="tx1">
+            <a:lumMod val="15000"/>
+            <a:lumOff val="85000"/>
+          </a:schemeClr>
+        </a:solidFill>
+        <a:round/>
+      </a:ln>
+    </cs:spPr>
+  </cs:gridlineMajor>
+  <cs:gridlineMinor>
+    <cs:lnRef idx="0"/>
+    <cs:fillRef idx="0"/>
+    <cs:effectRef idx="0"/>
+    <cs:fontRef idx="minor">
+      <a:schemeClr val="tx1"/>
+    </cs:fontRef>
+    <cs:spPr>
+      <a:ln w="9525" cap="flat" cmpd="sng" algn="ctr">
+        <a:solidFill>
+          <a:schemeClr val="tx1">
+            <a:lumMod val="5000"/>
+            <a:lumOff val="95000"/>
+          </a:schemeClr>
+        </a:solidFill>
+        <a:round/>
+      </a:ln>
+    </cs:spPr>
+  </cs:gridlineMinor>
+  <cs:hiLoLine>
+    <cs:lnRef idx="0"/>
+    <cs:fillRef idx="0"/>
+    <cs:effectRef idx="0"/>
+    <cs:fontRef idx="minor">
+      <a:schemeClr val="tx1"/>
+    </cs:fontRef>
+    <cs:spPr>
+      <a:ln w="9525" cap="flat" cmpd="sng" algn="ctr">
+        <a:solidFill>
+          <a:schemeClr val="tx1">
+            <a:lumMod val="75000"/>
+            <a:lumOff val="25000"/>
+          </a:schemeClr>
+        </a:solidFill>
+        <a:round/>
+      </a:ln>
+    </cs:spPr>
+  </cs:hiLoLine>
+  <cs:leaderLine>
+    <cs:lnRef idx="0"/>
+    <cs:fillRef idx="0"/>
+    <cs:effectRef idx="0"/>
+    <cs:fontRef idx="minor">
+      <a:schemeClr val="tx1"/>
+    </cs:fontRef>
+    <cs:spPr>
+      <a:ln w="9525" cap="flat" cmpd="sng" algn="ctr">
+        <a:solidFill>
+          <a:schemeClr val="tx1">
+            <a:lumMod val="35000"/>
+            <a:lumOff val="65000"/>
+          </a:schemeClr>
+        </a:solidFill>
+        <a:round/>
+      </a:ln>
+    </cs:spPr>
+  </cs:leaderLine>
+  <cs:legend>
+    <cs:lnRef idx="0"/>
+    <cs:fillRef idx="0"/>
+    <cs:effectRef idx="0"/>
+    <cs:fontRef idx="minor">
+      <a:schemeClr val="tx1">
+        <a:lumMod val="65000"/>
+        <a:lumOff val="35000"/>
+      </a:schemeClr>
+    </cs:fontRef>
+    <cs:defRPr sz="900" kern="1200"/>
+  </cs:legend>
+  <cs:plotArea mods="allowNoFillOverride allowNoLineOverride">
+    <cs:lnRef idx="0"/>
+    <cs:fillRef idx="0"/>
+    <cs:effectRef idx="0"/>
+    <cs:fontRef idx="minor">
+      <a:schemeClr val="tx1"/>
+    </cs:fontRef>
+  </cs:plotArea>
+  <cs:plotArea3D mods="allowNoFillOverride allowNoLineOverride">
+    <cs:lnRef idx="0"/>
+    <cs:fillRef idx="0"/>
+    <cs:effectRef idx="0"/>
+    <cs:fontRef idx="minor">
+      <a:schemeClr val="tx1"/>
+    </cs:fontRef>
+  </cs:plotArea3D>
+  <cs:seriesAxis>
+    <cs:lnRef idx="0"/>
+    <cs:fillRef idx="0"/>
+    <cs:effectRef idx="0"/>
+    <cs:fontRef idx="minor">
+      <a:schemeClr val="tx1">
+        <a:lumMod val="65000"/>
+        <a:lumOff val="35000"/>
+      </a:schemeClr>
+    </cs:fontRef>
+    <cs:defRPr sz="900" kern="1200"/>
+  </cs:seriesAxis>
+  <cs:seriesLine>
+    <cs:lnRef idx="0"/>
+    <cs:fillRef idx="0"/>
+    <cs:effectRef idx="0"/>
+    <cs:fontRef idx="minor">
+      <a:schemeClr val="tx1"/>
+    </cs:fontRef>
+    <cs:spPr>
+      <a:ln w="9525" cap="flat" cmpd="sng" algn="ctr">
+        <a:solidFill>
+          <a:schemeClr val="tx1">
+            <a:lumMod val="35000"/>
+            <a:lumOff val="65000"/>
+          </a:schemeClr>
+        </a:solidFill>
+        <a:round/>
+      </a:ln>
+    </cs:spPr>
+  </cs:seriesLine>
+  <cs:title>
+    <cs:lnRef idx="0"/>
+    <cs:fillRef idx="0"/>
+    <cs:effectRef idx="0"/>
+    <cs:fontRef idx="minor">
+      <a:schemeClr val="tx1">
+        <a:lumMod val="65000"/>
+        <a:lumOff val="35000"/>
+      </a:schemeClr>
+    </cs:fontRef>
+    <cs:defRPr sz="1400" b="0" kern="1200" spc="0" baseline="0"/>
+  </cs:title>
+  <cs:trendline>
+    <cs:lnRef idx="0">
+      <cs:styleClr val="auto"/>
+    </cs:lnRef>
+    <cs:fillRef idx="0"/>
+    <cs:effectRef idx="0"/>
+    <cs:fontRef idx="minor">
+      <a:schemeClr val="tx1"/>
+    </cs:fontRef>
+    <cs:spPr>
+      <a:ln w="19050" cap="rnd">
+        <a:solidFill>
+          <a:schemeClr val="phClr"/>
+        </a:solidFill>
+        <a:prstDash val="sysDot"/>
+      </a:ln>
+    </cs:spPr>
+  </cs:trendline>
+  <cs:trendlineLabel>
+    <cs:lnRef idx="0"/>
+    <cs:fillRef idx="0"/>
+    <cs:effectRef idx="0"/>
+    <cs:fontRef idx="minor">
+      <a:schemeClr val="tx1">
+        <a:lumMod val="65000"/>
+        <a:lumOff val="35000"/>
+      </a:schemeClr>
+    </cs:fontRef>
+    <cs:defRPr sz="900" kern="1200"/>
+  </cs:trendlineLabel>
+  <cs:upBar>
+    <cs:lnRef idx="0"/>
+    <cs:fillRef idx="0"/>
+    <cs:effectRef idx="0"/>
+    <cs:fontRef idx="minor">
+      <a:schemeClr val="dk1"/>
+    </cs:fontRef>
+    <cs:spPr>
+      <a:solidFill>
+        <a:schemeClr val="lt1"/>
+      </a:solidFill>
+      <a:ln w="9525">
+        <a:solidFill>
+          <a:schemeClr val="tx1">
+            <a:lumMod val="15000"/>
+            <a:lumOff val="85000"/>
+          </a:schemeClr>
+        </a:solidFill>
+      </a:ln>
+    </cs:spPr>
+  </cs:upBar>
+  <cs:valueAxis>
+    <cs:lnRef idx="0"/>
+    <cs:fillRef idx="0"/>
+    <cs:effectRef idx="0"/>
+    <cs:fontRef idx="minor">
+      <a:schemeClr val="tx1">
+        <a:lumMod val="65000"/>
+        <a:lumOff val="35000"/>
+      </a:schemeClr>
+    </cs:fontRef>
+    <cs:defRPr sz="900" kern="1200"/>
+  </cs:valueAxis>
+  <cs:wall>
+    <cs:lnRef idx="0"/>
+    <cs:fillRef idx="0"/>
+    <cs:effectRef idx="0"/>
+    <cs:fontRef idx="minor">
+      <a:schemeClr val="tx1"/>
+    </cs:fontRef>
+    <cs:spPr>
+      <a:noFill/>
+      <a:ln>
+        <a:noFill/>
+      </a:ln>
+    </cs:spPr>
+  </cs:wall>
+</cs:chartStyle>
+</file>
+
+<file path=ppt/charts/style2.xml><?xml version="1.0" encoding="utf-8"?>
+<cs:chartStyle xmlns:cs="http://schemas.microsoft.com/office/drawing/2012/chartStyle" xmlns:a="http://schemas.openxmlformats.org/drawingml/2006/main" id="201">
+  <cs:axisTitle>
+    <cs:lnRef idx="0"/>
+    <cs:fillRef idx="0"/>
+    <cs:effectRef idx="0"/>
+    <cs:fontRef idx="minor">
+      <a:schemeClr val="tx1">
+        <a:lumMod val="65000"/>
+        <a:lumOff val="35000"/>
+      </a:schemeClr>
+    </cs:fontRef>
+    <cs:defRPr sz="1000" kern="1200"/>
+  </cs:axisTitle>
+  <cs:categoryAxis>
+    <cs:lnRef idx="0"/>
+    <cs:fillRef idx="0"/>
+    <cs:effectRef idx="0"/>
+    <cs:fontRef idx="minor">
+      <a:schemeClr val="tx1">
+        <a:lumMod val="65000"/>
+        <a:lumOff val="35000"/>
+      </a:schemeClr>
+    </cs:fontRef>
+    <cs:spPr>
+      <a:ln w="9525" cap="flat" cmpd="sng" algn="ctr">
+        <a:solidFill>
+          <a:schemeClr val="tx1">
+            <a:lumMod val="15000"/>
+            <a:lumOff val="85000"/>
+          </a:schemeClr>
+        </a:solidFill>
+        <a:round/>
+      </a:ln>
+    </cs:spPr>
+    <cs:defRPr sz="900" kern="1200"/>
+  </cs:categoryAxis>
+  <cs:chartArea mods="allowNoFillOverride allowNoLineOverride">
+    <cs:lnRef idx="0"/>
+    <cs:fillRef idx="0"/>
+    <cs:effectRef idx="0"/>
+    <cs:fontRef idx="minor">
+      <a:schemeClr val="tx1"/>
+    </cs:fontRef>
+    <cs:spPr>
+      <a:solidFill>
+        <a:schemeClr val="bg1"/>
+      </a:solidFill>
+      <a:ln w="9525" cap="flat" cmpd="sng" algn="ctr">
+        <a:solidFill>
+          <a:schemeClr val="tx1">
+            <a:lumMod val="15000"/>
+            <a:lumOff val="85000"/>
+          </a:schemeClr>
+        </a:solidFill>
+        <a:round/>
+      </a:ln>
+    </cs:spPr>
+    <cs:defRPr sz="1000" kern="1200"/>
+  </cs:chartArea>
+  <cs:dataLabel>
+    <cs:lnRef idx="0"/>
+    <cs:fillRef idx="0"/>
+    <cs:effectRef idx="0"/>
+    <cs:fontRef idx="minor">
+      <a:schemeClr val="tx1">
+        <a:lumMod val="75000"/>
+        <a:lumOff val="25000"/>
+      </a:schemeClr>
+    </cs:fontRef>
+    <cs:defRPr sz="900" kern="1200"/>
+  </cs:dataLabel>
+  <cs:dataLabelCallout>
+    <cs:lnRef idx="0"/>
+    <cs:fillRef idx="0"/>
+    <cs:effectRef idx="0"/>
+    <cs:fontRef idx="minor">
+      <a:schemeClr val="dk1">
+        <a:lumMod val="65000"/>
+        <a:lumOff val="35000"/>
+      </a:schemeClr>
+    </cs:fontRef>
+    <cs:spPr>
+      <a:solidFill>
+        <a:schemeClr val="lt1"/>
+      </a:solidFill>
+      <a:ln>
+        <a:solidFill>
+          <a:schemeClr val="dk1">
+            <a:lumMod val="25000"/>
+            <a:lumOff val="75000"/>
+          </a:schemeClr>
+        </a:solidFill>
+      </a:ln>
+    </cs:spPr>
+    <cs:defRPr sz="900" kern="1200"/>
+    <cs:bodyPr rot="0" spcFirstLastPara="1" vertOverflow="clip" horzOverflow="clip" vert="horz" wrap="square" lIns="36576" tIns="18288" rIns="36576" bIns="18288" anchor="ctr" anchorCtr="1">
+      <a:spAutoFit/>
+    </cs:bodyPr>
+  </cs:dataLabelCallout>
+  <cs:dataPoint>
+    <cs:lnRef idx="0"/>
+    <cs:fillRef idx="1">
+      <cs:styleClr val="auto"/>
+    </cs:fillRef>
+    <cs:effectRef idx="0"/>
+    <cs:fontRef idx="minor">
+      <a:schemeClr val="tx1"/>
+    </cs:fontRef>
+  </cs:dataPoint>
+  <cs:dataPoint3D>
+    <cs:lnRef idx="0"/>
+    <cs:fillRef idx="1">
+      <cs:styleClr val="auto"/>
+    </cs:fillRef>
+    <cs:effectRef idx="0"/>
+    <cs:fontRef idx="minor">
+      <a:schemeClr val="tx1"/>
+    </cs:fontRef>
+  </cs:dataPoint3D>
+  <cs:dataPointLine>
+    <cs:lnRef idx="0">
+      <cs:styleClr val="auto"/>
+    </cs:lnRef>
+    <cs:fillRef idx="1"/>
+    <cs:effectRef idx="0"/>
+    <cs:fontRef idx="minor">
+      <a:schemeClr val="tx1"/>
+    </cs:fontRef>
+    <cs:spPr>
+      <a:ln w="28575" cap="rnd">
+        <a:solidFill>
+          <a:schemeClr val="phClr"/>
+        </a:solidFill>
+        <a:round/>
+      </a:ln>
+    </cs:spPr>
+  </cs:dataPointLine>
+  <cs:dataPointMarker>
+    <cs:lnRef idx="0">
+      <cs:styleClr val="auto"/>
+    </cs:lnRef>
+    <cs:fillRef idx="1">
+      <cs:styleClr val="auto"/>
+    </cs:fillRef>
+    <cs:effectRef idx="0"/>
+    <cs:fontRef idx="minor">
+      <a:schemeClr val="tx1"/>
+    </cs:fontRef>
+    <cs:spPr>
+      <a:ln w="9525">
+        <a:solidFill>
+          <a:schemeClr val="phClr"/>
+        </a:solidFill>
+      </a:ln>
+    </cs:spPr>
+  </cs:dataPointMarker>
+  <cs:dataPointMarkerLayout symbol="circle" size="5"/>
+  <cs:dataPointWireframe>
+    <cs:lnRef idx="0">
+      <cs:styleClr val="auto"/>
+    </cs:lnRef>
+    <cs:fillRef idx="1"/>
+    <cs:effectRef idx="0"/>
+    <cs:fontRef idx="minor">
+      <a:schemeClr val="tx1"/>
+    </cs:fontRef>
+    <cs:spPr>
+      <a:ln w="9525" cap="rnd">
+        <a:solidFill>
+          <a:schemeClr val="phClr"/>
+        </a:solidFill>
+        <a:round/>
+      </a:ln>
+    </cs:spPr>
+  </cs:dataPointWireframe>
+  <cs:dataTable>
+    <cs:lnRef idx="0"/>
+    <cs:fillRef idx="0"/>
+    <cs:effectRef idx="0"/>
+    <cs:fontRef idx="minor">
+      <a:schemeClr val="tx1">
+        <a:lumMod val="65000"/>
+        <a:lumOff val="35000"/>
+      </a:schemeClr>
+    </cs:fontRef>
+    <cs:spPr>
+      <a:noFill/>
+      <a:ln w="9525" cap="flat" cmpd="sng" algn="ctr">
+        <a:solidFill>
+          <a:schemeClr val="tx1">
+            <a:lumMod val="15000"/>
+            <a:lumOff val="85000"/>
+          </a:schemeClr>
+        </a:solidFill>
+        <a:round/>
+      </a:ln>
+    </cs:spPr>
+    <cs:defRPr sz="900" kern="1200"/>
+  </cs:dataTable>
+  <cs:downBar>
+    <cs:lnRef idx="0"/>
+    <cs:fillRef idx="0"/>
+    <cs:effectRef idx="0"/>
+    <cs:fontRef idx="minor">
+      <a:schemeClr val="dk1"/>
+    </cs:fontRef>
+    <cs:spPr>
+      <a:solidFill>
+        <a:schemeClr val="dk1">
+          <a:lumMod val="65000"/>
+          <a:lumOff val="35000"/>
+        </a:schemeClr>
+      </a:solidFill>
+      <a:ln w="9525">
+        <a:solidFill>
+          <a:schemeClr val="tx1">
+            <a:lumMod val="65000"/>
+            <a:lumOff val="35000"/>
+          </a:schemeClr>
+        </a:solidFill>
+      </a:ln>
+    </cs:spPr>
+  </cs:downBar>
+  <cs:dropLine>
+    <cs:lnRef idx="0"/>
+    <cs:fillRef idx="0"/>
+    <cs:effectRef idx="0"/>
+    <cs:fontRef idx="minor">
+      <a:schemeClr val="tx1"/>
+    </cs:fontRef>
+    <cs:spPr>
+      <a:ln w="9525" cap="flat" cmpd="sng" algn="ctr">
+        <a:solidFill>
+          <a:schemeClr val="tx1">
+            <a:lumMod val="35000"/>
+            <a:lumOff val="65000"/>
+          </a:schemeClr>
+        </a:solidFill>
+        <a:round/>
+      </a:ln>
+    </cs:spPr>
+  </cs:dropLine>
+  <cs:errorBar>
+    <cs:lnRef idx="0"/>
+    <cs:fillRef idx="0"/>
+    <cs:effectRef idx="0"/>
+    <cs:fontRef idx="minor">
+      <a:schemeClr val="tx1"/>
+    </cs:fontRef>
+    <cs:spPr>
+      <a:ln w="9525" cap="flat" cmpd="sng" algn="ctr">
+        <a:solidFill>
+          <a:schemeClr val="tx1">
+            <a:lumMod val="65000"/>
+            <a:lumOff val="35000"/>
+          </a:schemeClr>
+        </a:solidFill>
+        <a:round/>
+      </a:ln>
+    </cs:spPr>
+  </cs:errorBar>
+  <cs:floor>
+    <cs:lnRef idx="0"/>
+    <cs:fillRef idx="0"/>
+    <cs:effectRef idx="0"/>
+    <cs:fontRef idx="minor">
+      <a:schemeClr val="tx1"/>
+    </cs:fontRef>
+    <cs:spPr>
+      <a:noFill/>
+      <a:ln>
+        <a:noFill/>
+      </a:ln>
+    </cs:spPr>
+  </cs:floor>
+  <cs:gridlineMajor>
+    <cs:lnRef idx="0"/>
+    <cs:fillRef idx="0"/>
+    <cs:effectRef idx="0"/>
+    <cs:fontRef idx="minor">
+      <a:schemeClr val="tx1"/>
+    </cs:fontRef>
+    <cs:spPr>
+      <a:ln w="9525" cap="flat" cmpd="sng" algn="ctr">
+        <a:solidFill>
+          <a:schemeClr val="tx1">
+            <a:lumMod val="15000"/>
+            <a:lumOff val="85000"/>
+          </a:schemeClr>
+        </a:solidFill>
+        <a:round/>
+      </a:ln>
+    </cs:spPr>
+  </cs:gridlineMajor>
+  <cs:gridlineMinor>
+    <cs:lnRef idx="0"/>
+    <cs:fillRef idx="0"/>
+    <cs:effectRef idx="0"/>
+    <cs:fontRef idx="minor">
+      <a:schemeClr val="tx1"/>
+    </cs:fontRef>
+    <cs:spPr>
+      <a:ln w="9525" cap="flat" cmpd="sng" algn="ctr">
+        <a:solidFill>
+          <a:schemeClr val="tx1">
+            <a:lumMod val="5000"/>
+            <a:lumOff val="95000"/>
+          </a:schemeClr>
+        </a:solidFill>
+        <a:round/>
+      </a:ln>
+    </cs:spPr>
+  </cs:gridlineMinor>
+  <cs:hiLoLine>
+    <cs:lnRef idx="0"/>
+    <cs:fillRef idx="0"/>
+    <cs:effectRef idx="0"/>
+    <cs:fontRef idx="minor">
+      <a:schemeClr val="tx1"/>
+    </cs:fontRef>
+    <cs:spPr>
+      <a:ln w="9525" cap="flat" cmpd="sng" algn="ctr">
+        <a:solidFill>
+          <a:schemeClr val="tx1">
+            <a:lumMod val="75000"/>
+            <a:lumOff val="25000"/>
+          </a:schemeClr>
+        </a:solidFill>
+        <a:round/>
+      </a:ln>
+    </cs:spPr>
+  </cs:hiLoLine>
+  <cs:leaderLine>
+    <cs:lnRef idx="0"/>
+    <cs:fillRef idx="0"/>
+    <cs:effectRef idx="0"/>
+    <cs:fontRef idx="minor">
+      <a:schemeClr val="tx1"/>
+    </cs:fontRef>
+    <cs:spPr>
+      <a:ln w="9525" cap="flat" cmpd="sng" algn="ctr">
+        <a:solidFill>
+          <a:schemeClr val="tx1">
+            <a:lumMod val="35000"/>
+            <a:lumOff val="65000"/>
+          </a:schemeClr>
+        </a:solidFill>
+        <a:round/>
+      </a:ln>
+    </cs:spPr>
+  </cs:leaderLine>
+  <cs:legend>
+    <cs:lnRef idx="0"/>
+    <cs:fillRef idx="0"/>
+    <cs:effectRef idx="0"/>
+    <cs:fontRef idx="minor">
+      <a:schemeClr val="tx1">
+        <a:lumMod val="65000"/>
+        <a:lumOff val="35000"/>
+      </a:schemeClr>
+    </cs:fontRef>
+    <cs:defRPr sz="900" kern="1200"/>
+  </cs:legend>
+  <cs:plotArea mods="allowNoFillOverride allowNoLineOverride">
+    <cs:lnRef idx="0"/>
+    <cs:fillRef idx="0"/>
+    <cs:effectRef idx="0"/>
+    <cs:fontRef idx="minor">
+      <a:schemeClr val="tx1"/>
+    </cs:fontRef>
+  </cs:plotArea>
+  <cs:plotArea3D mods="allowNoFillOverride allowNoLineOverride">
+    <cs:lnRef idx="0"/>
+    <cs:fillRef idx="0"/>
+    <cs:effectRef idx="0"/>
+    <cs:fontRef idx="minor">
+      <a:schemeClr val="tx1"/>
+    </cs:fontRef>
+  </cs:plotArea3D>
+  <cs:seriesAxis>
+    <cs:lnRef idx="0"/>
+    <cs:fillRef idx="0"/>
+    <cs:effectRef idx="0"/>
+    <cs:fontRef idx="minor">
+      <a:schemeClr val="tx1">
+        <a:lumMod val="65000"/>
+        <a:lumOff val="35000"/>
+      </a:schemeClr>
+    </cs:fontRef>
+    <cs:defRPr sz="900" kern="1200"/>
+  </cs:seriesAxis>
+  <cs:seriesLine>
+    <cs:lnRef idx="0"/>
+    <cs:fillRef idx="0"/>
+    <cs:effectRef idx="0"/>
+    <cs:fontRef idx="minor">
+      <a:schemeClr val="tx1"/>
+    </cs:fontRef>
+    <cs:spPr>
+      <a:ln w="9525" cap="flat" cmpd="sng" algn="ctr">
+        <a:solidFill>
+          <a:schemeClr val="tx1">
+            <a:lumMod val="35000"/>
+            <a:lumOff val="65000"/>
+          </a:schemeClr>
+        </a:solidFill>
+        <a:round/>
+      </a:ln>
+    </cs:spPr>
+  </cs:seriesLine>
+  <cs:title>
+    <cs:lnRef idx="0"/>
+    <cs:fillRef idx="0"/>
+    <cs:effectRef idx="0"/>
+    <cs:fontRef idx="minor">
+      <a:schemeClr val="tx1">
+        <a:lumMod val="65000"/>
+        <a:lumOff val="35000"/>
+      </a:schemeClr>
+    </cs:fontRef>
+    <cs:defRPr sz="1400" b="0" kern="1200" spc="0" baseline="0"/>
+  </cs:title>
+  <cs:trendline>
+    <cs:lnRef idx="0">
+      <cs:styleClr val="auto"/>
+    </cs:lnRef>
+    <cs:fillRef idx="0"/>
+    <cs:effectRef idx="0"/>
+    <cs:fontRef idx="minor">
+      <a:schemeClr val="tx1"/>
+    </cs:fontRef>
+    <cs:spPr>
+      <a:ln w="19050" cap="rnd">
+        <a:solidFill>
+          <a:schemeClr val="phClr"/>
+        </a:solidFill>
+        <a:prstDash val="sysDot"/>
+      </a:ln>
+    </cs:spPr>
+  </cs:trendline>
+  <cs:trendlineLabel>
+    <cs:lnRef idx="0"/>
+    <cs:fillRef idx="0"/>
+    <cs:effectRef idx="0"/>
+    <cs:fontRef idx="minor">
+      <a:schemeClr val="tx1">
+        <a:lumMod val="65000"/>
+        <a:lumOff val="35000"/>
+      </a:schemeClr>
+    </cs:fontRef>
+    <cs:defRPr sz="900" kern="1200"/>
+  </cs:trendlineLabel>
+  <cs:upBar>
+    <cs:lnRef idx="0"/>
+    <cs:fillRef idx="0"/>
+    <cs:effectRef idx="0"/>
+    <cs:fontRef idx="minor">
+      <a:schemeClr val="dk1"/>
+    </cs:fontRef>
+    <cs:spPr>
+      <a:solidFill>
+        <a:schemeClr val="lt1"/>
+      </a:solidFill>
+      <a:ln w="9525">
+        <a:solidFill>
+          <a:schemeClr val="tx1">
+            <a:lumMod val="15000"/>
+            <a:lumOff val="85000"/>
+          </a:schemeClr>
+        </a:solidFill>
+      </a:ln>
+    </cs:spPr>
+  </cs:upBar>
+  <cs:valueAxis>
+    <cs:lnRef idx="0"/>
+    <cs:fillRef idx="0"/>
+    <cs:effectRef idx="0"/>
+    <cs:fontRef idx="minor">
+      <a:schemeClr val="tx1">
+        <a:lumMod val="65000"/>
+        <a:lumOff val="35000"/>
+      </a:schemeClr>
+    </cs:fontRef>
+    <cs:defRPr sz="900" kern="1200"/>
+  </cs:valueAxis>
+  <cs:wall>
+    <cs:lnRef idx="0"/>
+    <cs:fillRef idx="0"/>
+    <cs:effectRef idx="0"/>
+    <cs:fontRef idx="minor">
+      <a:schemeClr val="tx1"/>
+    </cs:fontRef>
+    <cs:spPr>
+      <a:noFill/>
+      <a:ln>
+        <a:noFill/>
+      </a:ln>
+    </cs:spPr>
+  </cs:wall>
+</cs:chartStyle>
+</file>
+
+<file path=ppt/charts/style3.xml><?xml version="1.0" encoding="utf-8"?>
+<cs:chartStyle xmlns:cs="http://schemas.microsoft.com/office/drawing/2012/chartStyle" xmlns:a="http://schemas.openxmlformats.org/drawingml/2006/main" id="201">
+  <cs:axisTitle>
+    <cs:lnRef idx="0"/>
+    <cs:fillRef idx="0"/>
+    <cs:effectRef idx="0"/>
+    <cs:fontRef idx="minor">
+      <a:schemeClr val="tx1">
+        <a:lumMod val="65000"/>
+        <a:lumOff val="35000"/>
+      </a:schemeClr>
+    </cs:fontRef>
+    <cs:defRPr sz="1000" kern="1200"/>
+  </cs:axisTitle>
+  <cs:categoryAxis>
+    <cs:lnRef idx="0"/>
+    <cs:fillRef idx="0"/>
+    <cs:effectRef idx="0"/>
+    <cs:fontRef idx="minor">
+      <a:schemeClr val="tx1">
+        <a:lumMod val="65000"/>
+        <a:lumOff val="35000"/>
+      </a:schemeClr>
+    </cs:fontRef>
+    <cs:spPr>
+      <a:ln w="9525" cap="flat" cmpd="sng" algn="ctr">
+        <a:solidFill>
+          <a:schemeClr val="tx1">
+            <a:lumMod val="15000"/>
+            <a:lumOff val="85000"/>
+          </a:schemeClr>
+        </a:solidFill>
+        <a:round/>
+      </a:ln>
+    </cs:spPr>
+    <cs:defRPr sz="900" kern="1200"/>
+  </cs:categoryAxis>
+  <cs:chartArea mods="allowNoFillOverride allowNoLineOverride">
+    <cs:lnRef idx="0"/>
+    <cs:fillRef idx="0"/>
+    <cs:effectRef idx="0"/>
+    <cs:fontRef idx="minor">
+      <a:schemeClr val="tx1"/>
+    </cs:fontRef>
+    <cs:spPr>
+      <a:solidFill>
+        <a:schemeClr val="bg1"/>
+      </a:solidFill>
+      <a:ln w="9525" cap="flat" cmpd="sng" algn="ctr">
+        <a:solidFill>
+          <a:schemeClr val="tx1">
+            <a:lumMod val="15000"/>
+            <a:lumOff val="85000"/>
+          </a:schemeClr>
+        </a:solidFill>
+        <a:round/>
+      </a:ln>
+    </cs:spPr>
+    <cs:defRPr sz="1000" kern="1200"/>
+  </cs:chartArea>
+  <cs:dataLabel>
+    <cs:lnRef idx="0"/>
+    <cs:fillRef idx="0"/>
+    <cs:effectRef idx="0"/>
+    <cs:fontRef idx="minor">
+      <a:schemeClr val="tx1">
+        <a:lumMod val="75000"/>
+        <a:lumOff val="25000"/>
+      </a:schemeClr>
+    </cs:fontRef>
+    <cs:defRPr sz="900" kern="1200"/>
+  </cs:dataLabel>
+  <cs:dataLabelCallout>
+    <cs:lnRef idx="0"/>
+    <cs:fillRef idx="0"/>
+    <cs:effectRef idx="0"/>
+    <cs:fontRef idx="minor">
+      <a:schemeClr val="dk1">
+        <a:lumMod val="65000"/>
+        <a:lumOff val="35000"/>
+      </a:schemeClr>
+    </cs:fontRef>
+    <cs:spPr>
+      <a:solidFill>
+        <a:schemeClr val="lt1"/>
+      </a:solidFill>
+      <a:ln>
+        <a:solidFill>
+          <a:schemeClr val="dk1">
+            <a:lumMod val="25000"/>
+            <a:lumOff val="75000"/>
+          </a:schemeClr>
+        </a:solidFill>
+      </a:ln>
+    </cs:spPr>
+    <cs:defRPr sz="900" kern="1200"/>
+    <cs:bodyPr rot="0" spcFirstLastPara="1" vertOverflow="clip" horzOverflow="clip" vert="horz" wrap="square" lIns="36576" tIns="18288" rIns="36576" bIns="18288" anchor="ctr" anchorCtr="1">
+      <a:spAutoFit/>
+    </cs:bodyPr>
+  </cs:dataLabelCallout>
+  <cs:dataPoint>
+    <cs:lnRef idx="0"/>
+    <cs:fillRef idx="1">
+      <cs:styleClr val="auto"/>
+    </cs:fillRef>
+    <cs:effectRef idx="0"/>
+    <cs:fontRef idx="minor">
+      <a:schemeClr val="tx1"/>
+    </cs:fontRef>
+  </cs:dataPoint>
+  <cs:dataPoint3D>
+    <cs:lnRef idx="0"/>
+    <cs:fillRef idx="1">
+      <cs:styleClr val="auto"/>
+    </cs:fillRef>
+    <cs:effectRef idx="0"/>
+    <cs:fontRef idx="minor">
+      <a:schemeClr val="tx1"/>
+    </cs:fontRef>
+  </cs:dataPoint3D>
+  <cs:dataPointLine>
+    <cs:lnRef idx="0">
+      <cs:styleClr val="auto"/>
+    </cs:lnRef>
+    <cs:fillRef idx="1"/>
+    <cs:effectRef idx="0"/>
+    <cs:fontRef idx="minor">
+      <a:schemeClr val="tx1"/>
+    </cs:fontRef>
+    <cs:spPr>
+      <a:ln w="28575" cap="rnd">
+        <a:solidFill>
+          <a:schemeClr val="phClr"/>
+        </a:solidFill>
+        <a:round/>
+      </a:ln>
+    </cs:spPr>
+  </cs:dataPointLine>
+  <cs:dataPointMarker>
+    <cs:lnRef idx="0">
+      <cs:styleClr val="auto"/>
+    </cs:lnRef>
+    <cs:fillRef idx="1">
+      <cs:styleClr val="auto"/>
+    </cs:fillRef>
+    <cs:effectRef idx="0"/>
+    <cs:fontRef idx="minor">
+      <a:schemeClr val="tx1"/>
+    </cs:fontRef>
+    <cs:spPr>
+      <a:ln w="9525">
+        <a:solidFill>
+          <a:schemeClr val="phClr"/>
+        </a:solidFill>
+      </a:ln>
+    </cs:spPr>
+  </cs:dataPointMarker>
+  <cs:dataPointMarkerLayout symbol="circle" size="5"/>
+  <cs:dataPointWireframe>
+    <cs:lnRef idx="0">
+      <cs:styleClr val="auto"/>
+    </cs:lnRef>
+    <cs:fillRef idx="1"/>
+    <cs:effectRef idx="0"/>
+    <cs:fontRef idx="minor">
+      <a:schemeClr val="tx1"/>
+    </cs:fontRef>
+    <cs:spPr>
+      <a:ln w="9525" cap="rnd">
+        <a:solidFill>
+          <a:schemeClr val="phClr"/>
+        </a:solidFill>
+        <a:round/>
+      </a:ln>
+    </cs:spPr>
+  </cs:dataPointWireframe>
+  <cs:dataTable>
+    <cs:lnRef idx="0"/>
+    <cs:fillRef idx="0"/>
+    <cs:effectRef idx="0"/>
+    <cs:fontRef idx="minor">
+      <a:schemeClr val="tx1">
+        <a:lumMod val="65000"/>
+        <a:lumOff val="35000"/>
+      </a:schemeClr>
+    </cs:fontRef>
+    <cs:spPr>
+      <a:noFill/>
+      <a:ln w="9525" cap="flat" cmpd="sng" algn="ctr">
+        <a:solidFill>
+          <a:schemeClr val="tx1">
+            <a:lumMod val="15000"/>
+            <a:lumOff val="85000"/>
+          </a:schemeClr>
+        </a:solidFill>
+        <a:round/>
+      </a:ln>
+    </cs:spPr>
+    <cs:defRPr sz="900" kern="1200"/>
+  </cs:dataTable>
+  <cs:downBar>
+    <cs:lnRef idx="0"/>
+    <cs:fillRef idx="0"/>
+    <cs:effectRef idx="0"/>
+    <cs:fontRef idx="minor">
+      <a:schemeClr val="dk1"/>
+    </cs:fontRef>
+    <cs:spPr>
+      <a:solidFill>
+        <a:schemeClr val="dk1">
+          <a:lumMod val="65000"/>
+          <a:lumOff val="35000"/>
+        </a:schemeClr>
+      </a:solidFill>
+      <a:ln w="9525">
+        <a:solidFill>
+          <a:schemeClr val="tx1">
+            <a:lumMod val="65000"/>
+            <a:lumOff val="35000"/>
+          </a:schemeClr>
+        </a:solidFill>
+      </a:ln>
+    </cs:spPr>
+  </cs:downBar>
+  <cs:dropLine>
+    <cs:lnRef idx="0"/>
+    <cs:fillRef idx="0"/>
+    <cs:effectRef idx="0"/>
+    <cs:fontRef idx="minor">
+      <a:schemeClr val="tx1"/>
+    </cs:fontRef>
+    <cs:spPr>
+      <a:ln w="9525" cap="flat" cmpd="sng" algn="ctr">
+        <a:solidFill>
+          <a:schemeClr val="tx1">
+            <a:lumMod val="35000"/>
+            <a:lumOff val="65000"/>
+          </a:schemeClr>
+        </a:solidFill>
+        <a:round/>
+      </a:ln>
+    </cs:spPr>
+  </cs:dropLine>
+  <cs:errorBar>
+    <cs:lnRef idx="0"/>
+    <cs:fillRef idx="0"/>
+    <cs:effectRef idx="0"/>
+    <cs:fontRef idx="minor">
+      <a:schemeClr val="tx1"/>
+    </cs:fontRef>
+    <cs:spPr>
+      <a:ln w="9525" cap="flat" cmpd="sng" algn="ctr">
+        <a:solidFill>
+          <a:schemeClr val="tx1">
+            <a:lumMod val="65000"/>
+            <a:lumOff val="35000"/>
+          </a:schemeClr>
+        </a:solidFill>
+        <a:round/>
+      </a:ln>
+    </cs:spPr>
+  </cs:errorBar>
+  <cs:floor>
+    <cs:lnRef idx="0"/>
+    <cs:fillRef idx="0"/>
+    <cs:effectRef idx="0"/>
+    <cs:fontRef idx="minor">
+      <a:schemeClr val="tx1"/>
+    </cs:fontRef>
+    <cs:spPr>
+      <a:noFill/>
+      <a:ln>
+        <a:noFill/>
+      </a:ln>
+    </cs:spPr>
+  </cs:floor>
+  <cs:gridlineMajor>
+    <cs:lnRef idx="0"/>
+    <cs:fillRef idx="0"/>
+    <cs:effectRef idx="0"/>
+    <cs:fontRef idx="minor">
+      <a:schemeClr val="tx1"/>
+    </cs:fontRef>
+    <cs:spPr>
+      <a:ln w="9525" cap="flat" cmpd="sng" algn="ctr">
+        <a:solidFill>
+          <a:schemeClr val="tx1">
+            <a:lumMod val="15000"/>
+            <a:lumOff val="85000"/>
+          </a:schemeClr>
+        </a:solidFill>
+        <a:round/>
+      </a:ln>
+    </cs:spPr>
+  </cs:gridlineMajor>
+  <cs:gridlineMinor>
+    <cs:lnRef idx="0"/>
+    <cs:fillRef idx="0"/>
+    <cs:effectRef idx="0"/>
+    <cs:fontRef idx="minor">
+      <a:schemeClr val="tx1"/>
+    </cs:fontRef>
+    <cs:spPr>
+      <a:ln w="9525" cap="flat" cmpd="sng" algn="ctr">
+        <a:solidFill>
+          <a:schemeClr val="tx1">
+            <a:lumMod val="5000"/>
+            <a:lumOff val="95000"/>
+          </a:schemeClr>
+        </a:solidFill>
+        <a:round/>
+      </a:ln>
+    </cs:spPr>
+  </cs:gridlineMinor>
+  <cs:hiLoLine>
+    <cs:lnRef idx="0"/>
+    <cs:fillRef idx="0"/>
+    <cs:effectRef idx="0"/>
+    <cs:fontRef idx="minor">
+      <a:schemeClr val="tx1"/>
+    </cs:fontRef>
+    <cs:spPr>
+      <a:ln w="9525" cap="flat" cmpd="sng" algn="ctr">
+        <a:solidFill>
+          <a:schemeClr val="tx1">
+            <a:lumMod val="75000"/>
+            <a:lumOff val="25000"/>
+          </a:schemeClr>
+        </a:solidFill>
+        <a:round/>
+      </a:ln>
+    </cs:spPr>
+  </cs:hiLoLine>
+  <cs:leaderLine>
+    <cs:lnRef idx="0"/>
+    <cs:fillRef idx="0"/>
+    <cs:effectRef idx="0"/>
+    <cs:fontRef idx="minor">
+      <a:schemeClr val="tx1"/>
+    </cs:fontRef>
+    <cs:spPr>
+      <a:ln w="9525" cap="flat" cmpd="sng" algn="ctr">
+        <a:solidFill>
+          <a:schemeClr val="tx1">
+            <a:lumMod val="35000"/>
+            <a:lumOff val="65000"/>
+          </a:schemeClr>
+        </a:solidFill>
+        <a:round/>
+      </a:ln>
+    </cs:spPr>
+  </cs:leaderLine>
+  <cs:legend>
+    <cs:lnRef idx="0"/>
+    <cs:fillRef idx="0"/>
+    <cs:effectRef idx="0"/>
+    <cs:fontRef idx="minor">
+      <a:schemeClr val="tx1">
+        <a:lumMod val="65000"/>
+        <a:lumOff val="35000"/>
+      </a:schemeClr>
+    </cs:fontRef>
+    <cs:defRPr sz="900" kern="1200"/>
+  </cs:legend>
+  <cs:plotArea mods="allowNoFillOverride allowNoLineOverride">
+    <cs:lnRef idx="0"/>
+    <cs:fillRef idx="0"/>
+    <cs:effectRef idx="0"/>
+    <cs:fontRef idx="minor">
+      <a:schemeClr val="tx1"/>
+    </cs:fontRef>
+  </cs:plotArea>
+  <cs:plotArea3D mods="allowNoFillOverride allowNoLineOverride">
+    <cs:lnRef idx="0"/>
+    <cs:fillRef idx="0"/>
+    <cs:effectRef idx="0"/>
+    <cs:fontRef idx="minor">
+      <a:schemeClr val="tx1"/>
+    </cs:fontRef>
+  </cs:plotArea3D>
+  <cs:seriesAxis>
+    <cs:lnRef idx="0"/>
+    <cs:fillRef idx="0"/>
+    <cs:effectRef idx="0"/>
+    <cs:fontRef idx="minor">
+      <a:schemeClr val="tx1">
+        <a:lumMod val="65000"/>
+        <a:lumOff val="35000"/>
+      </a:schemeClr>
+    </cs:fontRef>
+    <cs:defRPr sz="900" kern="1200"/>
+  </cs:seriesAxis>
+  <cs:seriesLine>
+    <cs:lnRef idx="0"/>
+    <cs:fillRef idx="0"/>
+    <cs:effectRef idx="0"/>
+    <cs:fontRef idx="minor">
+      <a:schemeClr val="tx1"/>
+    </cs:fontRef>
+    <cs:spPr>
+      <a:ln w="9525" cap="flat" cmpd="sng" algn="ctr">
+        <a:solidFill>
+          <a:schemeClr val="tx1">
+            <a:lumMod val="35000"/>
+            <a:lumOff val="65000"/>
+          </a:schemeClr>
+        </a:solidFill>
+        <a:round/>
+      </a:ln>
+    </cs:spPr>
+  </cs:seriesLine>
+  <cs:title>
+    <cs:lnRef idx="0"/>
+    <cs:fillRef idx="0"/>
+    <cs:effectRef idx="0"/>
+    <cs:fontRef idx="minor">
+      <a:schemeClr val="tx1">
+        <a:lumMod val="65000"/>
+        <a:lumOff val="35000"/>
+      </a:schemeClr>
+    </cs:fontRef>
+    <cs:defRPr sz="1400" b="0" kern="1200" spc="0" baseline="0"/>
+  </cs:title>
+  <cs:trendline>
+    <cs:lnRef idx="0">
+      <cs:styleClr val="auto"/>
+    </cs:lnRef>
+    <cs:fillRef idx="0"/>
+    <cs:effectRef idx="0"/>
+    <cs:fontRef idx="minor">
+      <a:schemeClr val="tx1"/>
+    </cs:fontRef>
+    <cs:spPr>
+      <a:ln w="19050" cap="rnd">
+        <a:solidFill>
+          <a:schemeClr val="phClr"/>
+        </a:solidFill>
+        <a:prstDash val="sysDot"/>
+      </a:ln>
+    </cs:spPr>
+  </cs:trendline>
+  <cs:trendlineLabel>
+    <cs:lnRef idx="0"/>
+    <cs:fillRef idx="0"/>
+    <cs:effectRef idx="0"/>
+    <cs:fontRef idx="minor">
+      <a:schemeClr val="tx1">
+        <a:lumMod val="65000"/>
+        <a:lumOff val="35000"/>
+      </a:schemeClr>
+    </cs:fontRef>
+    <cs:defRPr sz="900" kern="1200"/>
+  </cs:trendlineLabel>
+  <cs:upBar>
+    <cs:lnRef idx="0"/>
+    <cs:fillRef idx="0"/>
+    <cs:effectRef idx="0"/>
+    <cs:fontRef idx="minor">
+      <a:schemeClr val="dk1"/>
+    </cs:fontRef>
+    <cs:spPr>
+      <a:solidFill>
+        <a:schemeClr val="lt1"/>
+      </a:solidFill>
+      <a:ln w="9525">
+        <a:solidFill>
+          <a:schemeClr val="tx1">
+            <a:lumMod val="15000"/>
+            <a:lumOff val="85000"/>
+          </a:schemeClr>
+        </a:solidFill>
+      </a:ln>
+    </cs:spPr>
+  </cs:upBar>
+  <cs:valueAxis>
+    <cs:lnRef idx="0"/>
+    <cs:fillRef idx="0"/>
+    <cs:effectRef idx="0"/>
+    <cs:fontRef idx="minor">
+      <a:schemeClr val="tx1">
+        <a:lumMod val="65000"/>
+        <a:lumOff val="35000"/>
+      </a:schemeClr>
+    </cs:fontRef>
+    <cs:defRPr sz="900" kern="1200"/>
+  </cs:valueAxis>
+  <cs:wall>
+    <cs:lnRef idx="0"/>
+    <cs:fillRef idx="0"/>
+    <cs:effectRef idx="0"/>
+    <cs:fontRef idx="minor">
+      <a:schemeClr val="tx1"/>
+    </cs:fontRef>
+    <cs:spPr>
+      <a:noFill/>
+      <a:ln>
+        <a:noFill/>
+      </a:ln>
+    </cs:spPr>
+  </cs:wall>
+</cs:chartStyle>
+</file>
+
+<file path=ppt/drawings/drawing1.xml><?xml version="1.0" encoding="utf-8"?>
+<c:userShapes xmlns:c="http://schemas.openxmlformats.org/drawingml/2006/chart">
+  <cdr:relSizeAnchor xmlns:cdr="http://schemas.openxmlformats.org/drawingml/2006/chartDrawing">
+    <cdr:from>
+      <cdr:x>0.62593</cdr:x>
+      <cdr:y>0.64275</cdr:y>
+    </cdr:from>
+    <cdr:to>
+      <cdr:x>0.95833</cdr:x>
+      <cdr:y>0.81559</cdr:y>
+    </cdr:to>
+    <cdr:sp macro="" textlink="">
+      <cdr:nvSpPr>
+        <cdr:cNvPr id="2" name="Rectangle: Rounded Corners 1">
+          <a:extLst xmlns:a="http://schemas.openxmlformats.org/drawingml/2006/main">
+            <a:ext uri="{FF2B5EF4-FFF2-40B4-BE49-F238E27FC236}">
+              <a16:creationId xmlns:a16="http://schemas.microsoft.com/office/drawing/2014/main" id="{8DD6E110-08A6-4778-B1DA-526115679AA5}"/>
+            </a:ext>
+          </a:extLst>
+        </cdr:cNvPr>
+        <cdr:cNvSpPr/>
+      </cdr:nvSpPr>
+      <cdr:spPr>
+        <a:xfrm xmlns:a="http://schemas.openxmlformats.org/drawingml/2006/main">
+          <a:off x="2861734" y="1763184"/>
+          <a:ext cx="1519767" cy="474133"/>
+        </a:xfrm>
+        <a:prstGeom xmlns:a="http://schemas.openxmlformats.org/drawingml/2006/main" prst="roundRect">
+          <a:avLst/>
+        </a:prstGeom>
+        <a:noFill xmlns:a="http://schemas.openxmlformats.org/drawingml/2006/main"/>
+        <a:ln xmlns:a="http://schemas.openxmlformats.org/drawingml/2006/main">
+          <a:solidFill>
+            <a:srgbClr val="FF0000"/>
+          </a:solidFill>
+        </a:ln>
+      </cdr:spPr>
+      <cdr:style>
+        <a:lnRef xmlns:a="http://schemas.openxmlformats.org/drawingml/2006/main" idx="2">
+          <a:schemeClr val="accent1">
+            <a:shade val="50000"/>
+          </a:schemeClr>
+        </a:lnRef>
+        <a:fillRef xmlns:a="http://schemas.openxmlformats.org/drawingml/2006/main" idx="1">
+          <a:schemeClr val="accent1"/>
+        </a:fillRef>
+        <a:effectRef xmlns:a="http://schemas.openxmlformats.org/drawingml/2006/main" idx="0">
+          <a:schemeClr val="accent1"/>
+        </a:effectRef>
+        <a:fontRef xmlns:a="http://schemas.openxmlformats.org/drawingml/2006/main" idx="minor">
+          <a:schemeClr val="lt1"/>
+        </a:fontRef>
+      </cdr:style>
+      <cdr:txBody>
+        <a:bodyPr xmlns:a="http://schemas.openxmlformats.org/drawingml/2006/main" vertOverflow="clip"/>
+        <a:lstStyle xmlns:a="http://schemas.openxmlformats.org/drawingml/2006/main"/>
+        <a:p xmlns:a="http://schemas.openxmlformats.org/drawingml/2006/main">
+          <a:endParaRPr lang="fr-FR"/>
+        </a:p>
+      </cdr:txBody>
+    </cdr:sp>
+  </cdr:relSizeAnchor>
+  <cdr:relSizeAnchor xmlns:cdr="http://schemas.openxmlformats.org/drawingml/2006/chartDrawing">
+    <cdr:from>
+      <cdr:x>0.61574</cdr:x>
+      <cdr:y>0.55478</cdr:y>
+    </cdr:from>
+    <cdr:to>
+      <cdr:x>0.88796</cdr:x>
+      <cdr:y>0.88812</cdr:y>
+    </cdr:to>
+    <cdr:sp macro="" textlink="">
+      <cdr:nvSpPr>
+        <cdr:cNvPr id="3" name="TextBox 2">
+          <a:extLst xmlns:a="http://schemas.openxmlformats.org/drawingml/2006/main">
+            <a:ext uri="{FF2B5EF4-FFF2-40B4-BE49-F238E27FC236}">
+              <a16:creationId xmlns:a16="http://schemas.microsoft.com/office/drawing/2014/main" id="{92BBE043-C024-4A59-922A-9A47E0568A1E}"/>
+            </a:ext>
+          </a:extLst>
+        </cdr:cNvPr>
+        <cdr:cNvSpPr txBox="1"/>
+      </cdr:nvSpPr>
+      <cdr:spPr>
+        <a:xfrm xmlns:a="http://schemas.openxmlformats.org/drawingml/2006/main">
+          <a:off x="2815167" y="1521884"/>
+          <a:ext cx="1244600" cy="914400"/>
+        </a:xfrm>
+        <a:prstGeom xmlns:a="http://schemas.openxmlformats.org/drawingml/2006/main" prst="rect">
+          <a:avLst/>
+        </a:prstGeom>
+      </cdr:spPr>
+      <cdr:txBody>
+        <a:bodyPr xmlns:a="http://schemas.openxmlformats.org/drawingml/2006/main" vertOverflow="clip" wrap="none" rtlCol="0"/>
+        <a:lstStyle xmlns:a="http://schemas.openxmlformats.org/drawingml/2006/main"/>
+        <a:p xmlns:a="http://schemas.openxmlformats.org/drawingml/2006/main">
+          <a:r>
+            <a:rPr lang="fr-CH" sz="1100"/>
+            <a:t>outliers (not enough data)</a:t>
+          </a:r>
+        </a:p>
+      </cdr:txBody>
+    </cdr:sp>
+  </cdr:relSizeAnchor>
+</c:userShapes>
 </file>
 
 <file path=ppt/slideLayouts/slideLayout1.xml><?xml version="1.0" encoding="utf-8"?>
@@ -3954,6 +7128,5312 @@
 </p:sld>
 </file>
 
+<file path=ppt/slides/slide4.xml><?xml version="1.0" encoding="utf-8"?>
+<p:sld xmlns:a="http://schemas.openxmlformats.org/drawingml/2006/main" xmlns:r="http://schemas.openxmlformats.org/officeDocument/2006/relationships" xmlns:p="http://schemas.openxmlformats.org/presentationml/2006/main">
+  <p:cSld>
+    <p:spTree>
+      <p:nvGrpSpPr>
+        <p:cNvPr id="1" name=""/>
+        <p:cNvGrpSpPr/>
+        <p:nvPr/>
+      </p:nvGrpSpPr>
+      <p:grpSpPr>
+        <a:xfrm>
+          <a:off x="0" y="0"/>
+          <a:ext cx="0" cy="0"/>
+          <a:chOff x="0" y="0"/>
+          <a:chExt cx="0" cy="0"/>
+        </a:xfrm>
+      </p:grpSpPr>
+      <p:sp>
+        <p:nvSpPr>
+          <p:cNvPr id="2" name="Title 1">
+            <a:extLst>
+              <a:ext uri="{FF2B5EF4-FFF2-40B4-BE49-F238E27FC236}">
+                <a16:creationId xmlns:a16="http://schemas.microsoft.com/office/drawing/2014/main" id="{9AB89671-A7E8-4EF8-9CD0-0280BE2E13AC}"/>
+              </a:ext>
+            </a:extLst>
+          </p:cNvPr>
+          <p:cNvSpPr>
+            <a:spLocks noGrp="1"/>
+          </p:cNvSpPr>
+          <p:nvPr>
+            <p:ph type="title"/>
+          </p:nvPr>
+        </p:nvSpPr>
+        <p:spPr/>
+        <p:txBody>
+          <a:bodyPr/>
+          <a:lstStyle/>
+          <a:p>
+            <a:r>
+              <a:rPr lang="fr-CH" dirty="0"/>
+              <a:t>Global flight </a:t>
+            </a:r>
+            <a:r>
+              <a:rPr lang="fr-CH" dirty="0" err="1"/>
+              <a:t>delay</a:t>
+            </a:r>
+            <a:r>
+              <a:rPr lang="fr-CH" dirty="0"/>
+              <a:t> </a:t>
+            </a:r>
+            <a:r>
+              <a:rPr lang="fr-CH" dirty="0" err="1"/>
+              <a:t>facts</a:t>
+            </a:r>
+            <a:endParaRPr lang="fr-CH" dirty="0"/>
+          </a:p>
+        </p:txBody>
+      </p:sp>
+      <p:sp>
+        <p:nvSpPr>
+          <p:cNvPr id="3" name="Content Placeholder 2">
+            <a:extLst>
+              <a:ext uri="{FF2B5EF4-FFF2-40B4-BE49-F238E27FC236}">
+                <a16:creationId xmlns:a16="http://schemas.microsoft.com/office/drawing/2014/main" id="{F031D0D8-D00D-44D3-A383-DF518705D974}"/>
+              </a:ext>
+            </a:extLst>
+          </p:cNvPr>
+          <p:cNvSpPr>
+            <a:spLocks noGrp="1"/>
+          </p:cNvSpPr>
+          <p:nvPr>
+            <p:ph idx="1"/>
+          </p:nvPr>
+        </p:nvSpPr>
+        <p:spPr/>
+        <p:txBody>
+          <a:bodyPr/>
+          <a:lstStyle/>
+          <a:p>
+            <a:r>
+              <a:rPr lang="fr-CH" dirty="0"/>
+              <a:t>TODO : texte de pascal</a:t>
+            </a:r>
+          </a:p>
+        </p:txBody>
+      </p:sp>
+    </p:spTree>
+    <p:extLst>
+      <p:ext uri="{BB962C8B-B14F-4D97-AF65-F5344CB8AC3E}">
+        <p14:creationId xmlns:p14="http://schemas.microsoft.com/office/powerpoint/2010/main" val="3349716706"/>
+      </p:ext>
+    </p:extLst>
+  </p:cSld>
+  <p:clrMapOvr>
+    <a:masterClrMapping/>
+  </p:clrMapOvr>
+</p:sld>
+</file>
+
+<file path=ppt/slides/slide5.xml><?xml version="1.0" encoding="utf-8"?>
+<p:sld xmlns:a="http://schemas.openxmlformats.org/drawingml/2006/main" xmlns:r="http://schemas.openxmlformats.org/officeDocument/2006/relationships" xmlns:p="http://schemas.openxmlformats.org/presentationml/2006/main">
+  <p:cSld>
+    <p:spTree>
+      <p:nvGrpSpPr>
+        <p:cNvPr id="1" name=""/>
+        <p:cNvGrpSpPr/>
+        <p:nvPr/>
+      </p:nvGrpSpPr>
+      <p:grpSpPr>
+        <a:xfrm>
+          <a:off x="0" y="0"/>
+          <a:ext cx="0" cy="0"/>
+          <a:chOff x="0" y="0"/>
+          <a:chExt cx="0" cy="0"/>
+        </a:xfrm>
+      </p:grpSpPr>
+      <p:sp>
+        <p:nvSpPr>
+          <p:cNvPr id="2" name="Title 1">
+            <a:extLst>
+              <a:ext uri="{FF2B5EF4-FFF2-40B4-BE49-F238E27FC236}">
+                <a16:creationId xmlns:a16="http://schemas.microsoft.com/office/drawing/2014/main" id="{76B06FC9-F9DF-44E3-AE40-C4761ECDE77C}"/>
+              </a:ext>
+            </a:extLst>
+          </p:cNvPr>
+          <p:cNvSpPr>
+            <a:spLocks noGrp="1"/>
+          </p:cNvSpPr>
+          <p:nvPr>
+            <p:ph type="title"/>
+          </p:nvPr>
+        </p:nvSpPr>
+        <p:spPr/>
+        <p:txBody>
+          <a:bodyPr/>
+          <a:lstStyle/>
+          <a:p>
+            <a:r>
+              <a:rPr lang="fr-CH" dirty="0"/>
+              <a:t>Our </a:t>
+            </a:r>
+            <a:r>
+              <a:rPr lang="fr-CH" dirty="0" err="1"/>
+              <a:t>Probabilistic</a:t>
+            </a:r>
+            <a:r>
+              <a:rPr lang="fr-CH" dirty="0"/>
+              <a:t> Model</a:t>
+            </a:r>
+          </a:p>
+        </p:txBody>
+      </p:sp>
+      <p:sp>
+        <p:nvSpPr>
+          <p:cNvPr id="3" name="Content Placeholder 2">
+            <a:extLst>
+              <a:ext uri="{FF2B5EF4-FFF2-40B4-BE49-F238E27FC236}">
+                <a16:creationId xmlns:a16="http://schemas.microsoft.com/office/drawing/2014/main" id="{09595E18-3364-4629-BB2D-A24B71E7D741}"/>
+              </a:ext>
+            </a:extLst>
+          </p:cNvPr>
+          <p:cNvSpPr>
+            <a:spLocks noGrp="1"/>
+          </p:cNvSpPr>
+          <p:nvPr>
+            <p:ph idx="1"/>
+          </p:nvPr>
+        </p:nvSpPr>
+        <p:spPr>
+          <a:xfrm>
+            <a:off x="838200" y="1847928"/>
+            <a:ext cx="10515600" cy="4351338"/>
+          </a:xfrm>
+        </p:spPr>
+        <p:txBody>
+          <a:bodyPr/>
+          <a:lstStyle/>
+          <a:p>
+            <a:r>
+              <a:rPr lang="fr-CH" dirty="0" err="1"/>
+              <a:t>Parameters</a:t>
+            </a:r>
+            <a:r>
+              <a:rPr lang="fr-CH" dirty="0"/>
+              <a:t>: </a:t>
+            </a:r>
+            <a:r>
+              <a:rPr lang="fr-CH" dirty="0" err="1"/>
+              <a:t>company</a:t>
+            </a:r>
+            <a:r>
+              <a:rPr lang="fr-CH" dirty="0"/>
+              <a:t>, </a:t>
+            </a:r>
+            <a:r>
+              <a:rPr lang="fr-CH" dirty="0" err="1"/>
+              <a:t>day</a:t>
+            </a:r>
+            <a:r>
+              <a:rPr lang="fr-CH" dirty="0"/>
+              <a:t> of </a:t>
+            </a:r>
+            <a:r>
+              <a:rPr lang="fr-CH" dirty="0" err="1"/>
+              <a:t>week</a:t>
+            </a:r>
+            <a:r>
+              <a:rPr lang="fr-CH" dirty="0"/>
+              <a:t>, </a:t>
+            </a:r>
+            <a:r>
+              <a:rPr lang="fr-CH" dirty="0" err="1"/>
+              <a:t>hour</a:t>
+            </a:r>
+            <a:r>
+              <a:rPr lang="fr-CH" dirty="0"/>
+              <a:t> of </a:t>
+            </a:r>
+            <a:r>
+              <a:rPr lang="fr-CH" dirty="0" err="1"/>
+              <a:t>day</a:t>
+            </a:r>
+            <a:endParaRPr lang="fr-CH" dirty="0"/>
+          </a:p>
+        </p:txBody>
+      </p:sp>
+      <p:sp>
+        <p:nvSpPr>
+          <p:cNvPr id="6" name="TextBox 5">
+            <a:extLst>
+              <a:ext uri="{FF2B5EF4-FFF2-40B4-BE49-F238E27FC236}">
+                <a16:creationId xmlns:a16="http://schemas.microsoft.com/office/drawing/2014/main" id="{245C66D6-0A06-43E3-A0FF-379CAE6C93E3}"/>
+              </a:ext>
+            </a:extLst>
+          </p:cNvPr>
+          <p:cNvSpPr txBox="1"/>
+          <p:nvPr/>
+        </p:nvSpPr>
+        <p:spPr>
+          <a:xfrm>
+            <a:off x="3621916" y="6414181"/>
+            <a:ext cx="2947474" cy="369332"/>
+          </a:xfrm>
+          <a:prstGeom prst="rect">
+            <a:avLst/>
+          </a:prstGeom>
+          <a:noFill/>
+        </p:spPr>
+        <p:txBody>
+          <a:bodyPr wrap="none" rtlCol="0">
+            <a:spAutoFit/>
+          </a:bodyPr>
+          <a:lstStyle/>
+          <a:p>
+            <a:r>
+              <a:rPr lang="fr-CH" dirty="0" err="1"/>
+              <a:t>Late</a:t>
+            </a:r>
+            <a:r>
+              <a:rPr lang="fr-CH" dirty="0"/>
+              <a:t> = at least one </a:t>
+            </a:r>
+            <a:r>
+              <a:rPr lang="fr-CH" dirty="0" err="1"/>
+              <a:t>hour</a:t>
+            </a:r>
+            <a:r>
+              <a:rPr lang="fr-CH" dirty="0"/>
+              <a:t> </a:t>
+            </a:r>
+            <a:r>
+              <a:rPr lang="fr-CH" dirty="0" err="1"/>
+              <a:t>delay</a:t>
+            </a:r>
+            <a:endParaRPr lang="fr-CH" dirty="0"/>
+          </a:p>
+        </p:txBody>
+      </p:sp>
+      <p:graphicFrame>
+        <p:nvGraphicFramePr>
+          <p:cNvPr id="8" name="Chart 7">
+            <a:extLst>
+              <a:ext uri="{FF2B5EF4-FFF2-40B4-BE49-F238E27FC236}">
+                <a16:creationId xmlns:a16="http://schemas.microsoft.com/office/drawing/2014/main" id="{81B4095B-3618-4D63-A98A-CEA9BE3AA7A6}"/>
+              </a:ext>
+            </a:extLst>
+          </p:cNvPr>
+          <p:cNvGraphicFramePr>
+            <a:graphicFrameLocks/>
+          </p:cNvGraphicFramePr>
+          <p:nvPr>
+            <p:extLst>
+              <p:ext uri="{D42A27DB-BD31-4B8C-83A1-F6EECF244321}">
+                <p14:modId xmlns:p14="http://schemas.microsoft.com/office/powerpoint/2010/main" val="719744012"/>
+              </p:ext>
+            </p:extLst>
+          </p:nvPr>
+        </p:nvGraphicFramePr>
+        <p:xfrm>
+          <a:off x="723696" y="2479149"/>
+          <a:ext cx="5372304" cy="3377656"/>
+        </p:xfrm>
+        <a:graphic>
+          <a:graphicData uri="http://schemas.openxmlformats.org/drawingml/2006/chart">
+            <c:chart xmlns:c="http://schemas.openxmlformats.org/drawingml/2006/chart" xmlns:r="http://schemas.openxmlformats.org/officeDocument/2006/relationships" r:id="rId2"/>
+          </a:graphicData>
+        </a:graphic>
+      </p:graphicFrame>
+      <p:graphicFrame>
+        <p:nvGraphicFramePr>
+          <p:cNvPr id="9" name="Chart 8">
+            <a:extLst>
+              <a:ext uri="{FF2B5EF4-FFF2-40B4-BE49-F238E27FC236}">
+                <a16:creationId xmlns:a16="http://schemas.microsoft.com/office/drawing/2014/main" id="{0F7DA4A9-6202-4096-90BA-2463C671E19C}"/>
+              </a:ext>
+            </a:extLst>
+          </p:cNvPr>
+          <p:cNvGraphicFramePr>
+            <a:graphicFrameLocks/>
+          </p:cNvGraphicFramePr>
+          <p:nvPr>
+            <p:extLst>
+              <p:ext uri="{D42A27DB-BD31-4B8C-83A1-F6EECF244321}">
+                <p14:modId xmlns:p14="http://schemas.microsoft.com/office/powerpoint/2010/main" val="3506427998"/>
+              </p:ext>
+            </p:extLst>
+          </p:nvPr>
+        </p:nvGraphicFramePr>
+        <p:xfrm>
+          <a:off x="6527935" y="2506043"/>
+          <a:ext cx="5055687" cy="3323868"/>
+        </p:xfrm>
+        <a:graphic>
+          <a:graphicData uri="http://schemas.openxmlformats.org/drawingml/2006/chart">
+            <c:chart xmlns:c="http://schemas.openxmlformats.org/drawingml/2006/chart" xmlns:r="http://schemas.openxmlformats.org/officeDocument/2006/relationships" r:id="rId3"/>
+          </a:graphicData>
+        </a:graphic>
+      </p:graphicFrame>
+    </p:spTree>
+    <p:extLst>
+      <p:ext uri="{BB962C8B-B14F-4D97-AF65-F5344CB8AC3E}">
+        <p14:creationId xmlns:p14="http://schemas.microsoft.com/office/powerpoint/2010/main" val="33946944"/>
+      </p:ext>
+    </p:extLst>
+  </p:cSld>
+  <p:clrMapOvr>
+    <a:masterClrMapping/>
+  </p:clrMapOvr>
+</p:sld>
+</file>
+
+<file path=ppt/slides/slide6.xml><?xml version="1.0" encoding="utf-8"?>
+<p:sld xmlns:a="http://schemas.openxmlformats.org/drawingml/2006/main" xmlns:r="http://schemas.openxmlformats.org/officeDocument/2006/relationships" xmlns:p="http://schemas.openxmlformats.org/presentationml/2006/main">
+  <p:cSld>
+    <p:spTree>
+      <p:nvGrpSpPr>
+        <p:cNvPr id="1" name=""/>
+        <p:cNvGrpSpPr/>
+        <p:nvPr/>
+      </p:nvGrpSpPr>
+      <p:grpSpPr>
+        <a:xfrm>
+          <a:off x="0" y="0"/>
+          <a:ext cx="0" cy="0"/>
+          <a:chOff x="0" y="0"/>
+          <a:chExt cx="0" cy="0"/>
+        </a:xfrm>
+      </p:grpSpPr>
+      <p:sp>
+        <p:nvSpPr>
+          <p:cNvPr id="2" name="Title 1">
+            <a:extLst>
+              <a:ext uri="{FF2B5EF4-FFF2-40B4-BE49-F238E27FC236}">
+                <a16:creationId xmlns:a16="http://schemas.microsoft.com/office/drawing/2014/main" id="{774D449A-FA07-4F82-AF73-6C314BEBEBA6}"/>
+              </a:ext>
+            </a:extLst>
+          </p:cNvPr>
+          <p:cNvSpPr>
+            <a:spLocks noGrp="1"/>
+          </p:cNvSpPr>
+          <p:nvPr>
+            <p:ph type="title"/>
+          </p:nvPr>
+        </p:nvSpPr>
+        <p:spPr/>
+        <p:txBody>
+          <a:bodyPr/>
+          <a:lstStyle/>
+          <a:p>
+            <a:r>
+              <a:rPr lang="fr-CH" dirty="0" err="1"/>
+              <a:t>Bayesian</a:t>
+            </a:r>
+            <a:r>
+              <a:rPr lang="fr-CH" dirty="0"/>
+              <a:t> </a:t>
+            </a:r>
+            <a:r>
+              <a:rPr lang="fr-CH" dirty="0" err="1"/>
+              <a:t>delay</a:t>
+            </a:r>
+            <a:r>
+              <a:rPr lang="fr-CH" dirty="0"/>
+              <a:t> </a:t>
+            </a:r>
+            <a:r>
+              <a:rPr lang="fr-CH" dirty="0" err="1"/>
+              <a:t>probability</a:t>
+            </a:r>
+            <a:r>
+              <a:rPr lang="fr-CH" dirty="0"/>
+              <a:t> </a:t>
+            </a:r>
+            <a:r>
+              <a:rPr lang="fr-CH" dirty="0" err="1"/>
+              <a:t>function</a:t>
+            </a:r>
+            <a:r>
+              <a:rPr lang="fr-CH" dirty="0"/>
+              <a:t> </a:t>
+            </a:r>
+          </a:p>
+        </p:txBody>
+      </p:sp>
+      <p:sp>
+        <p:nvSpPr>
+          <p:cNvPr id="3" name="Content Placeholder 2">
+            <a:extLst>
+              <a:ext uri="{FF2B5EF4-FFF2-40B4-BE49-F238E27FC236}">
+                <a16:creationId xmlns:a16="http://schemas.microsoft.com/office/drawing/2014/main" id="{08EED7F9-FECC-483C-99A7-EA82892A265E}"/>
+              </a:ext>
+            </a:extLst>
+          </p:cNvPr>
+          <p:cNvSpPr>
+            <a:spLocks noGrp="1"/>
+          </p:cNvSpPr>
+          <p:nvPr>
+            <p:ph idx="1"/>
+          </p:nvPr>
+        </p:nvSpPr>
+        <p:spPr/>
+        <p:txBody>
+          <a:bodyPr/>
+          <a:lstStyle/>
+          <a:p>
+            <a:r>
+              <a:rPr lang="fr-CH" dirty="0"/>
+              <a:t>f(</a:t>
+            </a:r>
+            <a:r>
+              <a:rPr lang="fr-CH" dirty="0" err="1"/>
+              <a:t>company</a:t>
+            </a:r>
+            <a:r>
+              <a:rPr lang="fr-CH" dirty="0"/>
+              <a:t>, </a:t>
+            </a:r>
+            <a:r>
+              <a:rPr lang="fr-CH" dirty="0" err="1"/>
+              <a:t>day</a:t>
+            </a:r>
+            <a:r>
+              <a:rPr lang="fr-CH" dirty="0"/>
+              <a:t> of </a:t>
+            </a:r>
+            <a:r>
+              <a:rPr lang="fr-CH" dirty="0" err="1"/>
+              <a:t>week</a:t>
+            </a:r>
+            <a:r>
+              <a:rPr lang="fr-CH" dirty="0"/>
+              <a:t>, </a:t>
+            </a:r>
+            <a:r>
+              <a:rPr lang="fr-CH" dirty="0" err="1"/>
+              <a:t>hour</a:t>
+            </a:r>
+            <a:r>
+              <a:rPr lang="fr-CH" dirty="0"/>
+              <a:t> of </a:t>
+            </a:r>
+            <a:r>
+              <a:rPr lang="fr-CH" dirty="0" err="1"/>
+              <a:t>day</a:t>
+            </a:r>
+            <a:r>
+              <a:rPr lang="fr-CH" dirty="0"/>
+              <a:t>) </a:t>
+            </a:r>
+            <a:r>
+              <a:rPr lang="fr-CH" dirty="0">
+                <a:sym typeface="Wingdings" panose="05000000000000000000" pitchFamily="2" charset="2"/>
+              </a:rPr>
+              <a:t> </a:t>
+            </a:r>
+            <a:r>
+              <a:rPr lang="fr-CH" dirty="0" err="1">
+                <a:sym typeface="Wingdings" panose="05000000000000000000" pitchFamily="2" charset="2"/>
+              </a:rPr>
+              <a:t>probability</a:t>
+            </a:r>
+            <a:r>
+              <a:rPr lang="fr-CH" dirty="0">
+                <a:sym typeface="Wingdings" panose="05000000000000000000" pitchFamily="2" charset="2"/>
+              </a:rPr>
+              <a:t> of </a:t>
+            </a:r>
+            <a:r>
+              <a:rPr lang="fr-CH" dirty="0" err="1">
+                <a:sym typeface="Wingdings" panose="05000000000000000000" pitchFamily="2" charset="2"/>
+              </a:rPr>
+              <a:t>being</a:t>
+            </a:r>
+            <a:r>
+              <a:rPr lang="fr-CH" dirty="0">
+                <a:sym typeface="Wingdings" panose="05000000000000000000" pitchFamily="2" charset="2"/>
+              </a:rPr>
+              <a:t> </a:t>
+            </a:r>
+            <a:r>
+              <a:rPr lang="fr-CH" dirty="0" err="1">
+                <a:sym typeface="Wingdings" panose="05000000000000000000" pitchFamily="2" charset="2"/>
+              </a:rPr>
+              <a:t>late</a:t>
+            </a:r>
+            <a:endParaRPr lang="fr-CH" dirty="0">
+              <a:sym typeface="Wingdings" panose="05000000000000000000" pitchFamily="2" charset="2"/>
+            </a:endParaRPr>
+          </a:p>
+          <a:p>
+            <a:endParaRPr lang="fr-CH" dirty="0">
+              <a:sym typeface="Wingdings" panose="05000000000000000000" pitchFamily="2" charset="2"/>
+            </a:endParaRPr>
+          </a:p>
+          <a:p>
+            <a:endParaRPr lang="fr-CH" dirty="0">
+              <a:sym typeface="Wingdings" panose="05000000000000000000" pitchFamily="2" charset="2"/>
+            </a:endParaRPr>
+          </a:p>
+          <a:p>
+            <a:r>
+              <a:rPr lang="fr-CH" dirty="0" err="1">
+                <a:sym typeface="Wingdings" panose="05000000000000000000" pitchFamily="2" charset="2"/>
+              </a:rPr>
+              <a:t>Dataset</a:t>
+            </a:r>
+            <a:r>
+              <a:rPr lang="fr-CH" dirty="0">
+                <a:sym typeface="Wingdings" panose="05000000000000000000" pitchFamily="2" charset="2"/>
+              </a:rPr>
+              <a:t>: </a:t>
+            </a:r>
+            <a:r>
+              <a:rPr lang="fr-CH" dirty="0" err="1">
+                <a:sym typeface="Wingdings" panose="05000000000000000000" pitchFamily="2" charset="2"/>
+              </a:rPr>
+              <a:t>flights</a:t>
+            </a:r>
+            <a:r>
+              <a:rPr lang="fr-CH" dirty="0">
+                <a:sym typeface="Wingdings" panose="05000000000000000000" pitchFamily="2" charset="2"/>
+              </a:rPr>
+              <a:t> </a:t>
+            </a:r>
+            <a:r>
+              <a:rPr lang="fr-CH" dirty="0" err="1">
+                <a:sym typeface="Wingdings" panose="05000000000000000000" pitchFamily="2" charset="2"/>
+              </a:rPr>
+              <a:t>arriving</a:t>
+            </a:r>
+            <a:r>
+              <a:rPr lang="fr-CH" dirty="0">
+                <a:sym typeface="Wingdings" panose="05000000000000000000" pitchFamily="2" charset="2"/>
+              </a:rPr>
+              <a:t> to Geneva </a:t>
+            </a:r>
+            <a:br>
+              <a:rPr lang="fr-CH" dirty="0">
+                <a:sym typeface="Wingdings" panose="05000000000000000000" pitchFamily="2" charset="2"/>
+              </a:rPr>
+            </a:br>
+            <a:r>
+              <a:rPr lang="fr-CH" dirty="0" err="1">
+                <a:sym typeface="Wingdings" panose="05000000000000000000" pitchFamily="2" charset="2"/>
+              </a:rPr>
+              <a:t>airport</a:t>
+            </a:r>
+            <a:r>
+              <a:rPr lang="fr-CH" dirty="0">
+                <a:sym typeface="Wingdings" panose="05000000000000000000" pitchFamily="2" charset="2"/>
+              </a:rPr>
+              <a:t> </a:t>
+            </a:r>
+            <a:r>
+              <a:rPr lang="fr-CH" dirty="0" err="1">
+                <a:sym typeface="Wingdings" panose="05000000000000000000" pitchFamily="2" charset="2"/>
+              </a:rPr>
+              <a:t>from</a:t>
+            </a:r>
+            <a:r>
+              <a:rPr lang="fr-CH" dirty="0">
+                <a:sym typeface="Wingdings" panose="05000000000000000000" pitchFamily="2" charset="2"/>
+              </a:rPr>
+              <a:t> 21.05.2018 to </a:t>
+            </a:r>
+            <a:r>
+              <a:rPr lang="fr-CH" dirty="0" err="1">
+                <a:sym typeface="Wingdings" panose="05000000000000000000" pitchFamily="2" charset="2"/>
+              </a:rPr>
+              <a:t>today</a:t>
+            </a:r>
+            <a:endParaRPr lang="fr-CH" dirty="0"/>
+          </a:p>
+        </p:txBody>
+      </p:sp>
+      <mc:AlternateContent xmlns:mc="http://schemas.openxmlformats.org/markup-compatibility/2006">
+        <mc:Choice xmlns:a14="http://schemas.microsoft.com/office/drawing/2010/main" Requires="a14">
+          <p:sp>
+            <p:nvSpPr>
+              <p:cNvPr id="5" name="TextBox 4">
+                <a:extLst>
+                  <a:ext uri="{FF2B5EF4-FFF2-40B4-BE49-F238E27FC236}">
+                    <a16:creationId xmlns:a16="http://schemas.microsoft.com/office/drawing/2014/main" id="{A2A7ED32-7EB5-4D4C-9E06-0186C5C61859}"/>
+                  </a:ext>
+                </a:extLst>
+              </p:cNvPr>
+              <p:cNvSpPr txBox="1"/>
+              <p:nvPr/>
+            </p:nvSpPr>
+            <p:spPr>
+              <a:xfrm>
+                <a:off x="572112" y="2446972"/>
+                <a:ext cx="11147502" cy="521553"/>
+              </a:xfrm>
+              <a:prstGeom prst="rect">
+                <a:avLst/>
+              </a:prstGeom>
+              <a:noFill/>
+            </p:spPr>
+            <p:txBody>
+              <a:bodyPr wrap="square" lIns="0" tIns="0" rIns="0" bIns="0" rtlCol="0">
+                <a:spAutoFit/>
+              </a:bodyPr>
+              <a:lstStyle/>
+              <a:p>
+                <a14:m>
+                  <m:oMathPara xmlns:m="http://schemas.openxmlformats.org/officeDocument/2006/math">
+                    <m:oMathParaPr>
+                      <m:jc m:val="centerGroup"/>
+                    </m:oMathParaPr>
+                    <m:oMath xmlns:m="http://schemas.openxmlformats.org/officeDocument/2006/math">
+                      <m:r>
+                        <a:rPr lang="fr-CH" sz="1600" b="0" i="1" smtClean="0">
+                          <a:latin typeface="Cambria Math" panose="02040503050406030204" pitchFamily="18" charset="0"/>
+                        </a:rPr>
+                        <m:t>𝑃</m:t>
+                      </m:r>
+                      <m:d>
+                        <m:dPr>
+                          <m:endChr m:val="|"/>
+                          <m:ctrlPr>
+                            <a:rPr lang="fr-CH" sz="1600" b="0" i="1" smtClean="0">
+                              <a:latin typeface="Cambria Math" panose="02040503050406030204" pitchFamily="18" charset="0"/>
+                            </a:rPr>
+                          </m:ctrlPr>
+                        </m:dPr>
+                        <m:e>
+                          <m:r>
+                            <a:rPr lang="fr-CH" sz="1600" b="0" i="1" smtClean="0">
+                              <a:latin typeface="Cambria Math" panose="02040503050406030204" pitchFamily="18" charset="0"/>
+                            </a:rPr>
+                            <m:t>𝑑𝑒𝑙𝑎𝑦</m:t>
+                          </m:r>
+                          <m:r>
+                            <a:rPr lang="fr-CH" sz="1600" b="0" i="1" smtClean="0">
+                              <a:latin typeface="Cambria Math" panose="02040503050406030204" pitchFamily="18" charset="0"/>
+                            </a:rPr>
+                            <m:t>&gt;1</m:t>
+                          </m:r>
+                          <m:r>
+                            <a:rPr lang="fr-CH" sz="1600" b="0" i="1" smtClean="0">
+                              <a:latin typeface="Cambria Math" panose="02040503050406030204" pitchFamily="18" charset="0"/>
+                            </a:rPr>
+                            <m:t>h</m:t>
+                          </m:r>
+                          <m:r>
+                            <a:rPr lang="fr-CH" sz="1600" b="0" i="1" smtClean="0">
+                              <a:latin typeface="Cambria Math" panose="02040503050406030204" pitchFamily="18" charset="0"/>
+                            </a:rPr>
+                            <m:t> </m:t>
+                          </m:r>
+                        </m:e>
+                      </m:d>
+                      <m:r>
+                        <a:rPr lang="fr-CH" sz="1600" b="0" i="1" smtClean="0">
+                          <a:latin typeface="Cambria Math" panose="02040503050406030204" pitchFamily="18" charset="0"/>
+                        </a:rPr>
+                        <m:t>𝑐𝑜𝑚𝑝𝑎𝑛𝑦</m:t>
+                      </m:r>
+                      <m:r>
+                        <a:rPr lang="fr-CH" sz="1600" b="0" i="1" smtClean="0">
+                          <a:latin typeface="Cambria Math" panose="02040503050406030204" pitchFamily="18" charset="0"/>
+                        </a:rPr>
+                        <m:t>, </m:t>
+                      </m:r>
+                      <m:r>
+                        <a:rPr lang="fr-CH" sz="1600" b="0" i="1" smtClean="0">
+                          <a:latin typeface="Cambria Math" panose="02040503050406030204" pitchFamily="18" charset="0"/>
+                        </a:rPr>
+                        <m:t>𝑑𝑎𝑦𝑂𝑓𝑊𝑒𝑒𝑘</m:t>
+                      </m:r>
+                      <m:r>
+                        <a:rPr lang="fr-CH" sz="1600" b="0" i="1" smtClean="0">
+                          <a:latin typeface="Cambria Math" panose="02040503050406030204" pitchFamily="18" charset="0"/>
+                        </a:rPr>
+                        <m:t>, </m:t>
+                      </m:r>
+                      <m:r>
+                        <a:rPr lang="fr-CH" sz="1600" b="0" i="1" smtClean="0">
+                          <a:latin typeface="Cambria Math" panose="02040503050406030204" pitchFamily="18" charset="0"/>
+                        </a:rPr>
+                        <m:t>h𝑜𝑢𝑟𝑂𝑓𝐷𝑎𝑦</m:t>
+                      </m:r>
+                      <m:r>
+                        <a:rPr lang="fr-CH" sz="1600" b="0" i="1" smtClean="0">
+                          <a:latin typeface="Cambria Math" panose="02040503050406030204" pitchFamily="18" charset="0"/>
+                        </a:rPr>
+                        <m:t>)=</m:t>
+                      </m:r>
+                      <m:f>
+                        <m:fPr>
+                          <m:ctrlPr>
+                            <a:rPr lang="fr-CH" sz="1600" b="0" i="1" smtClean="0">
+                              <a:latin typeface="Cambria Math" panose="02040503050406030204" pitchFamily="18" charset="0"/>
+                            </a:rPr>
+                          </m:ctrlPr>
+                        </m:fPr>
+                        <m:num>
+                          <m:r>
+                            <a:rPr lang="fr-CH" sz="1600" b="0" i="1" smtClean="0">
+                              <a:latin typeface="Cambria Math" panose="02040503050406030204" pitchFamily="18" charset="0"/>
+                            </a:rPr>
+                            <m:t>𝑃</m:t>
+                          </m:r>
+                          <m:d>
+                            <m:dPr>
+                              <m:endChr m:val="|"/>
+                              <m:ctrlPr>
+                                <a:rPr lang="fr-CH" sz="1600" b="0" i="1" smtClean="0">
+                                  <a:latin typeface="Cambria Math" panose="02040503050406030204" pitchFamily="18" charset="0"/>
+                                </a:rPr>
+                              </m:ctrlPr>
+                            </m:dPr>
+                            <m:e>
+                              <m:r>
+                                <a:rPr lang="fr-CH" sz="1600" b="0" i="1" smtClean="0">
+                                  <a:latin typeface="Cambria Math" panose="02040503050406030204" pitchFamily="18" charset="0"/>
+                                </a:rPr>
+                                <m:t>𝑑𝑒𝑙𝑎𝑦</m:t>
+                              </m:r>
+                              <m:r>
+                                <a:rPr lang="fr-CH" sz="1600" b="0" i="1" smtClean="0">
+                                  <a:latin typeface="Cambria Math" panose="02040503050406030204" pitchFamily="18" charset="0"/>
+                                </a:rPr>
+                                <m:t>&gt;1</m:t>
+                              </m:r>
+                              <m:r>
+                                <a:rPr lang="fr-CH" sz="1600" b="0" i="1" smtClean="0">
+                                  <a:latin typeface="Cambria Math" panose="02040503050406030204" pitchFamily="18" charset="0"/>
+                                </a:rPr>
+                                <m:t>h</m:t>
+                              </m:r>
+                              <m:r>
+                                <a:rPr lang="fr-CH" sz="1600" b="0" i="1" smtClean="0">
+                                  <a:latin typeface="Cambria Math" panose="02040503050406030204" pitchFamily="18" charset="0"/>
+                                </a:rPr>
+                                <m:t> </m:t>
+                              </m:r>
+                            </m:e>
+                          </m:d>
+                          <m:r>
+                            <a:rPr lang="fr-CH" sz="1600" b="0" i="1" smtClean="0">
+                              <a:latin typeface="Cambria Math" panose="02040503050406030204" pitchFamily="18" charset="0"/>
+                            </a:rPr>
+                            <m:t>𝑐𝑜𝑚𝑝𝑎𝑛𝑦</m:t>
+                          </m:r>
+                          <m:r>
+                            <a:rPr lang="fr-CH" sz="1600" b="0" i="1" smtClean="0">
+                              <a:latin typeface="Cambria Math" panose="02040503050406030204" pitchFamily="18" charset="0"/>
+                            </a:rPr>
+                            <m:t>, </m:t>
+                          </m:r>
+                          <m:r>
+                            <a:rPr lang="fr-CH" sz="1600" b="0" i="1" smtClean="0">
+                              <a:latin typeface="Cambria Math" panose="02040503050406030204" pitchFamily="18" charset="0"/>
+                            </a:rPr>
+                            <m:t>𝑑𝑎𝑦𝑂𝑓𝑊𝑒𝑒𝑘</m:t>
+                          </m:r>
+                          <m:r>
+                            <a:rPr lang="fr-CH" sz="1600" b="0" i="1" smtClean="0">
+                              <a:latin typeface="Cambria Math" panose="02040503050406030204" pitchFamily="18" charset="0"/>
+                            </a:rPr>
+                            <m:t>, </m:t>
+                          </m:r>
+                          <m:r>
+                            <a:rPr lang="fr-CH" sz="1600" b="0" i="1" smtClean="0">
+                              <a:latin typeface="Cambria Math" panose="02040503050406030204" pitchFamily="18" charset="0"/>
+                            </a:rPr>
+                            <m:t>h𝑜𝑢𝑟𝑂𝑓𝐷𝑎𝑦</m:t>
+                          </m:r>
+                          <m:r>
+                            <a:rPr lang="fr-CH" sz="1600" b="0" i="1" smtClean="0">
+                              <a:latin typeface="Cambria Math" panose="02040503050406030204" pitchFamily="18" charset="0"/>
+                            </a:rPr>
+                            <m:t>)∙</m:t>
+                          </m:r>
+                          <m:r>
+                            <a:rPr lang="fr-CH" sz="1600" b="0" i="1" smtClean="0">
+                              <a:latin typeface="Cambria Math" panose="02040503050406030204" pitchFamily="18" charset="0"/>
+                            </a:rPr>
+                            <m:t>𝑃</m:t>
+                          </m:r>
+                          <m:r>
+                            <a:rPr lang="fr-CH" sz="1600" b="0" i="1" smtClean="0">
+                              <a:latin typeface="Cambria Math" panose="02040503050406030204" pitchFamily="18" charset="0"/>
+                            </a:rPr>
+                            <m:t>(</m:t>
+                          </m:r>
+                          <m:r>
+                            <a:rPr lang="fr-CH" sz="1600" b="0" i="1" smtClean="0">
+                              <a:latin typeface="Cambria Math" panose="02040503050406030204" pitchFamily="18" charset="0"/>
+                            </a:rPr>
+                            <m:t>𝑑𝑒𝑙𝑎𝑦</m:t>
+                          </m:r>
+                          <m:r>
+                            <a:rPr lang="fr-CH" sz="1600" b="0" i="1" smtClean="0">
+                              <a:latin typeface="Cambria Math" panose="02040503050406030204" pitchFamily="18" charset="0"/>
+                            </a:rPr>
+                            <m:t>&gt;1</m:t>
+                          </m:r>
+                          <m:r>
+                            <a:rPr lang="fr-CH" sz="1600" b="0" i="1" smtClean="0">
+                              <a:latin typeface="Cambria Math" panose="02040503050406030204" pitchFamily="18" charset="0"/>
+                            </a:rPr>
+                            <m:t>h</m:t>
+                          </m:r>
+                          <m:r>
+                            <a:rPr lang="fr-CH" sz="1600" b="0" i="1" smtClean="0">
+                              <a:latin typeface="Cambria Math" panose="02040503050406030204" pitchFamily="18" charset="0"/>
+                            </a:rPr>
+                            <m:t>)</m:t>
+                          </m:r>
+                        </m:num>
+                        <m:den>
+                          <m:r>
+                            <a:rPr lang="fr-CH" sz="1600" b="0" i="1" smtClean="0">
+                              <a:latin typeface="Cambria Math" panose="02040503050406030204" pitchFamily="18" charset="0"/>
+                            </a:rPr>
+                            <m:t>𝑃</m:t>
+                          </m:r>
+                          <m:r>
+                            <a:rPr lang="fr-CH" sz="1600" b="0" i="1" smtClean="0">
+                              <a:latin typeface="Cambria Math" panose="02040503050406030204" pitchFamily="18" charset="0"/>
+                            </a:rPr>
+                            <m:t>(</m:t>
+                          </m:r>
+                          <m:r>
+                            <a:rPr lang="fr-CH" sz="1600" b="0" i="1" smtClean="0">
+                              <a:latin typeface="Cambria Math" panose="02040503050406030204" pitchFamily="18" charset="0"/>
+                            </a:rPr>
+                            <m:t>𝑐𝑜𝑚𝑝𝑎𝑛𝑦</m:t>
+                          </m:r>
+                          <m:r>
+                            <a:rPr lang="fr-CH" sz="1600" b="0" i="1" smtClean="0">
+                              <a:latin typeface="Cambria Math" panose="02040503050406030204" pitchFamily="18" charset="0"/>
+                            </a:rPr>
+                            <m:t>, </m:t>
+                          </m:r>
+                          <m:r>
+                            <a:rPr lang="fr-CH" sz="1600" b="0" i="1" smtClean="0">
+                              <a:latin typeface="Cambria Math" panose="02040503050406030204" pitchFamily="18" charset="0"/>
+                            </a:rPr>
+                            <m:t>𝑑𝑎𝑦𝑂𝑓𝑊𝑒𝑒𝑘</m:t>
+                          </m:r>
+                          <m:r>
+                            <a:rPr lang="fr-CH" sz="1600" b="0" i="1" smtClean="0">
+                              <a:latin typeface="Cambria Math" panose="02040503050406030204" pitchFamily="18" charset="0"/>
+                            </a:rPr>
+                            <m:t>, </m:t>
+                          </m:r>
+                          <m:r>
+                            <a:rPr lang="fr-CH" sz="1600" b="0" i="1" smtClean="0">
+                              <a:latin typeface="Cambria Math" panose="02040503050406030204" pitchFamily="18" charset="0"/>
+                            </a:rPr>
+                            <m:t>h𝑜𝑢𝑟𝑂𝑓𝐷𝑎𝑦</m:t>
+                          </m:r>
+                          <m:r>
+                            <a:rPr lang="fr-CH" sz="1600" b="0" i="1" smtClean="0">
+                              <a:latin typeface="Cambria Math" panose="02040503050406030204" pitchFamily="18" charset="0"/>
+                            </a:rPr>
+                            <m:t>)</m:t>
+                          </m:r>
+                        </m:den>
+                      </m:f>
+                      <m:r>
+                        <a:rPr lang="fr-CH" sz="1600" b="0" i="1" smtClean="0">
+                          <a:latin typeface="Cambria Math" panose="02040503050406030204" pitchFamily="18" charset="0"/>
+                        </a:rPr>
+                        <m:t> </m:t>
+                      </m:r>
+                    </m:oMath>
+                  </m:oMathPara>
+                </a14:m>
+                <a:endParaRPr lang="fr-CH" sz="1600" dirty="0"/>
+              </a:p>
+            </p:txBody>
+          </p:sp>
+        </mc:Choice>
+        <mc:Fallback>
+          <p:sp>
+            <p:nvSpPr>
+              <p:cNvPr id="5" name="TextBox 4">
+                <a:extLst>
+                  <a:ext uri="{FF2B5EF4-FFF2-40B4-BE49-F238E27FC236}">
+                    <a16:creationId xmlns:a16="http://schemas.microsoft.com/office/drawing/2014/main" id="{A2A7ED32-7EB5-4D4C-9E06-0186C5C61859}"/>
+                  </a:ext>
+                </a:extLst>
+              </p:cNvPr>
+              <p:cNvSpPr txBox="1">
+                <a:spLocks noRot="1" noChangeAspect="1" noMove="1" noResize="1" noEditPoints="1" noAdjustHandles="1" noChangeArrowheads="1" noChangeShapeType="1" noTextEdit="1"/>
+              </p:cNvSpPr>
+              <p:nvPr/>
+            </p:nvSpPr>
+            <p:spPr>
+              <a:xfrm>
+                <a:off x="572112" y="2446972"/>
+                <a:ext cx="11147502" cy="521553"/>
+              </a:xfrm>
+              <a:prstGeom prst="rect">
+                <a:avLst/>
+              </a:prstGeom>
+              <a:blipFill>
+                <a:blip r:embed="rId2"/>
+                <a:stretch>
+                  <a:fillRect/>
+                </a:stretch>
+              </a:blipFill>
+            </p:spPr>
+            <p:txBody>
+              <a:bodyPr/>
+              <a:lstStyle/>
+              <a:p>
+                <a:r>
+                  <a:rPr lang="fr-CH">
+                    <a:noFill/>
+                  </a:rPr>
+                  <a:t> </a:t>
+                </a:r>
+              </a:p>
+            </p:txBody>
+          </p:sp>
+        </mc:Fallback>
+      </mc:AlternateContent>
+      <p:graphicFrame>
+        <p:nvGraphicFramePr>
+          <p:cNvPr id="6" name="Chart 5">
+            <a:extLst>
+              <a:ext uri="{FF2B5EF4-FFF2-40B4-BE49-F238E27FC236}">
+                <a16:creationId xmlns:a16="http://schemas.microsoft.com/office/drawing/2014/main" id="{B4B60E45-658D-4EFD-BCE1-DE03AAB9ABA1}"/>
+              </a:ext>
+            </a:extLst>
+          </p:cNvPr>
+          <p:cNvGraphicFramePr>
+            <a:graphicFrameLocks/>
+          </p:cNvGraphicFramePr>
+          <p:nvPr>
+            <p:extLst>
+              <p:ext uri="{D42A27DB-BD31-4B8C-83A1-F6EECF244321}">
+                <p14:modId xmlns:p14="http://schemas.microsoft.com/office/powerpoint/2010/main" val="1460340685"/>
+              </p:ext>
+            </p:extLst>
+          </p:nvPr>
+        </p:nvGraphicFramePr>
+        <p:xfrm>
+          <a:off x="7183188" y="3999168"/>
+          <a:ext cx="4563824" cy="2727873"/>
+        </p:xfrm>
+        <a:graphic>
+          <a:graphicData uri="http://schemas.openxmlformats.org/drawingml/2006/chart">
+            <c:chart xmlns:c="http://schemas.openxmlformats.org/drawingml/2006/chart" xmlns:r="http://schemas.openxmlformats.org/officeDocument/2006/relationships" r:id="rId3"/>
+          </a:graphicData>
+        </a:graphic>
+      </p:graphicFrame>
+    </p:spTree>
+    <p:extLst>
+      <p:ext uri="{BB962C8B-B14F-4D97-AF65-F5344CB8AC3E}">
+        <p14:creationId xmlns:p14="http://schemas.microsoft.com/office/powerpoint/2010/main" val="3158198877"/>
+      </p:ext>
+    </p:extLst>
+  </p:cSld>
+  <p:clrMapOvr>
+    <a:masterClrMapping/>
+  </p:clrMapOvr>
+</p:sld>
+</file>
+
+<file path=ppt/slides/slide7.xml><?xml version="1.0" encoding="utf-8"?>
+<p:sld xmlns:a="http://schemas.openxmlformats.org/drawingml/2006/main" xmlns:r="http://schemas.openxmlformats.org/officeDocument/2006/relationships" xmlns:p="http://schemas.openxmlformats.org/presentationml/2006/main">
+  <p:cSld>
+    <p:spTree>
+      <p:nvGrpSpPr>
+        <p:cNvPr id="1" name=""/>
+        <p:cNvGrpSpPr/>
+        <p:nvPr/>
+      </p:nvGrpSpPr>
+      <p:grpSpPr>
+        <a:xfrm>
+          <a:off x="0" y="0"/>
+          <a:ext cx="0" cy="0"/>
+          <a:chOff x="0" y="0"/>
+          <a:chExt cx="0" cy="0"/>
+        </a:xfrm>
+      </p:grpSpPr>
+      <p:sp>
+        <p:nvSpPr>
+          <p:cNvPr id="2" name="Title 1">
+            <a:extLst>
+              <a:ext uri="{FF2B5EF4-FFF2-40B4-BE49-F238E27FC236}">
+                <a16:creationId xmlns:a16="http://schemas.microsoft.com/office/drawing/2014/main" id="{398DA869-ACFB-403D-A2CF-E59FAB42B629}"/>
+              </a:ext>
+            </a:extLst>
+          </p:cNvPr>
+          <p:cNvSpPr>
+            <a:spLocks noGrp="1"/>
+          </p:cNvSpPr>
+          <p:nvPr>
+            <p:ph type="title"/>
+          </p:nvPr>
+        </p:nvSpPr>
+        <p:spPr/>
+        <p:txBody>
+          <a:bodyPr/>
+          <a:lstStyle/>
+          <a:p>
+            <a:r>
+              <a:rPr lang="fr-CH" dirty="0" err="1"/>
+              <a:t>Cost</a:t>
+            </a:r>
+            <a:r>
+              <a:rPr lang="fr-CH" dirty="0"/>
+              <a:t> </a:t>
+            </a:r>
+            <a:r>
+              <a:rPr lang="fr-CH" dirty="0" err="1"/>
+              <a:t>function</a:t>
+            </a:r>
+            <a:endParaRPr lang="fr-CH" dirty="0"/>
+          </a:p>
+        </p:txBody>
+      </p:sp>
+      <p:sp>
+        <p:nvSpPr>
+          <p:cNvPr id="3" name="Content Placeholder 2">
+            <a:extLst>
+              <a:ext uri="{FF2B5EF4-FFF2-40B4-BE49-F238E27FC236}">
+                <a16:creationId xmlns:a16="http://schemas.microsoft.com/office/drawing/2014/main" id="{2B8EF4E6-FCD5-4A59-9C75-5BDE85A9D7CA}"/>
+              </a:ext>
+            </a:extLst>
+          </p:cNvPr>
+          <p:cNvSpPr>
+            <a:spLocks noGrp="1"/>
+          </p:cNvSpPr>
+          <p:nvPr>
+            <p:ph idx="1"/>
+          </p:nvPr>
+        </p:nvSpPr>
+        <p:spPr/>
+        <p:txBody>
+          <a:bodyPr/>
+          <a:lstStyle/>
+          <a:p>
+            <a:r>
+              <a:rPr lang="fr-CH" dirty="0"/>
+              <a:t>C(</a:t>
+            </a:r>
+            <a:r>
+              <a:rPr lang="fr-CH" dirty="0" err="1"/>
+              <a:t>delay</a:t>
+            </a:r>
+            <a:r>
+              <a:rPr lang="fr-CH" dirty="0"/>
+              <a:t>(..), </a:t>
+            </a:r>
+            <a:r>
+              <a:rPr lang="fr-CH" dirty="0" err="1"/>
+              <a:t>insuredAmount</a:t>
+            </a:r>
+            <a:r>
+              <a:rPr lang="fr-CH" dirty="0"/>
+              <a:t>, k, m1, m2) </a:t>
+            </a:r>
+            <a:r>
+              <a:rPr lang="fr-CH" dirty="0">
+                <a:sym typeface="Wingdings" panose="05000000000000000000" pitchFamily="2" charset="2"/>
+              </a:rPr>
+              <a:t> premium </a:t>
+            </a:r>
+            <a:r>
+              <a:rPr lang="fr-CH" dirty="0" err="1">
+                <a:sym typeface="Wingdings" panose="05000000000000000000" pitchFamily="2" charset="2"/>
+              </a:rPr>
+              <a:t>amount</a:t>
+            </a:r>
+            <a:endParaRPr lang="fr-CH" dirty="0">
+              <a:sym typeface="Wingdings" panose="05000000000000000000" pitchFamily="2" charset="2"/>
+            </a:endParaRPr>
+          </a:p>
+          <a:p>
+            <a:endParaRPr lang="fr-CH" dirty="0">
+              <a:sym typeface="Wingdings" panose="05000000000000000000" pitchFamily="2" charset="2"/>
+            </a:endParaRPr>
+          </a:p>
+          <a:p>
+            <a:endParaRPr lang="fr-CH" dirty="0">
+              <a:sym typeface="Wingdings" panose="05000000000000000000" pitchFamily="2" charset="2"/>
+            </a:endParaRPr>
+          </a:p>
+          <a:p>
+            <a:r>
+              <a:rPr lang="fr-CH" dirty="0" err="1">
+                <a:sym typeface="Wingdings" panose="05000000000000000000" pitchFamily="2" charset="2"/>
+              </a:rPr>
+              <a:t>Pay</a:t>
+            </a:r>
+            <a:r>
+              <a:rPr lang="fr-CH" dirty="0">
+                <a:sym typeface="Wingdings" panose="05000000000000000000" pitchFamily="2" charset="2"/>
+              </a:rPr>
+              <a:t>-as-</a:t>
+            </a:r>
+            <a:r>
+              <a:rPr lang="fr-CH" dirty="0" err="1">
+                <a:sym typeface="Wingdings" panose="05000000000000000000" pitchFamily="2" charset="2"/>
+              </a:rPr>
+              <a:t>you</a:t>
+            </a:r>
+            <a:r>
+              <a:rPr lang="fr-CH" dirty="0">
+                <a:sym typeface="Wingdings" panose="05000000000000000000" pitchFamily="2" charset="2"/>
+              </a:rPr>
+              <a:t>-</a:t>
+            </a:r>
+            <a:r>
+              <a:rPr lang="fr-CH" dirty="0" err="1">
+                <a:sym typeface="Wingdings" panose="05000000000000000000" pitchFamily="2" charset="2"/>
+              </a:rPr>
+              <a:t>fly</a:t>
+            </a:r>
+            <a:r>
+              <a:rPr lang="fr-CH" dirty="0">
+                <a:sym typeface="Wingdings" panose="05000000000000000000" pitchFamily="2" charset="2"/>
+              </a:rPr>
+              <a:t>, no </a:t>
+            </a:r>
+            <a:r>
+              <a:rPr lang="fr-CH" dirty="0" err="1">
+                <a:sym typeface="Wingdings" panose="05000000000000000000" pitchFamily="2" charset="2"/>
+              </a:rPr>
+              <a:t>solidarity</a:t>
+            </a:r>
+            <a:r>
+              <a:rPr lang="fr-CH" dirty="0">
+                <a:sym typeface="Wingdings" panose="05000000000000000000" pitchFamily="2" charset="2"/>
+              </a:rPr>
+              <a:t> </a:t>
+            </a:r>
+            <a:r>
+              <a:rPr lang="fr-CH" dirty="0" err="1">
+                <a:sym typeface="Wingdings" panose="05000000000000000000" pitchFamily="2" charset="2"/>
+              </a:rPr>
+              <a:t>between</a:t>
+            </a:r>
+            <a:r>
+              <a:rPr lang="fr-CH" dirty="0">
+                <a:sym typeface="Wingdings" panose="05000000000000000000" pitchFamily="2" charset="2"/>
+              </a:rPr>
+              <a:t> </a:t>
+            </a:r>
+            <a:r>
+              <a:rPr lang="fr-CH" dirty="0" err="1">
+                <a:sym typeface="Wingdings" panose="05000000000000000000" pitchFamily="2" charset="2"/>
+              </a:rPr>
+              <a:t>subscribers</a:t>
+            </a:r>
+            <a:endParaRPr lang="fr-CH" dirty="0"/>
+          </a:p>
+        </p:txBody>
+      </p:sp>
+      <mc:AlternateContent xmlns:mc="http://schemas.openxmlformats.org/markup-compatibility/2006">
+        <mc:Choice xmlns:a14="http://schemas.microsoft.com/office/drawing/2010/main" Requires="a14">
+          <p:sp>
+            <p:nvSpPr>
+              <p:cNvPr id="4" name="TextBox 3">
+                <a:extLst>
+                  <a:ext uri="{FF2B5EF4-FFF2-40B4-BE49-F238E27FC236}">
+                    <a16:creationId xmlns:a16="http://schemas.microsoft.com/office/drawing/2014/main" id="{E9262FE6-FF56-4CC8-9C6F-A93C8CEC6A14}"/>
+                  </a:ext>
+                </a:extLst>
+              </p:cNvPr>
+              <p:cNvSpPr txBox="1"/>
+              <p:nvPr/>
+            </p:nvSpPr>
+            <p:spPr>
+              <a:xfrm>
+                <a:off x="1882588" y="2581834"/>
+                <a:ext cx="6113853" cy="276999"/>
+              </a:xfrm>
+              <a:prstGeom prst="rect">
+                <a:avLst/>
+              </a:prstGeom>
+              <a:noFill/>
+            </p:spPr>
+            <p:txBody>
+              <a:bodyPr wrap="none" lIns="0" tIns="0" rIns="0" bIns="0" rtlCol="0">
+                <a:spAutoFit/>
+              </a:bodyPr>
+              <a:lstStyle/>
+              <a:p>
+                <a14:m>
+                  <m:oMathPara xmlns:m="http://schemas.openxmlformats.org/officeDocument/2006/math">
+                    <m:oMathParaPr>
+                      <m:jc m:val="centerGroup"/>
+                    </m:oMathParaPr>
+                    <m:oMath xmlns:m="http://schemas.openxmlformats.org/officeDocument/2006/math">
+                      <m:r>
+                        <a:rPr lang="fr-CH" b="0" i="1" smtClean="0">
+                          <a:latin typeface="Cambria Math" panose="02040503050406030204" pitchFamily="18" charset="0"/>
+                        </a:rPr>
+                        <m:t>𝑐𝑜𝑠𝑡</m:t>
+                      </m:r>
+                      <m:r>
+                        <a:rPr lang="fr-CH" b="0" i="1" smtClean="0">
+                          <a:latin typeface="Cambria Math" panose="02040503050406030204" pitchFamily="18" charset="0"/>
+                        </a:rPr>
+                        <m:t>=</m:t>
+                      </m:r>
+                      <m:r>
+                        <a:rPr lang="fr-CH" b="0" i="1" smtClean="0">
+                          <a:latin typeface="Cambria Math" panose="02040503050406030204" pitchFamily="18" charset="0"/>
+                        </a:rPr>
+                        <m:t>𝑖𝑛𝑠𝑢𝑟𝑒𝑑𝐴𝑚𝑜𝑢𝑛𝑡</m:t>
+                      </m:r>
+                      <m:r>
+                        <a:rPr lang="fr-CH" b="0" i="1" smtClean="0">
+                          <a:latin typeface="Cambria Math" panose="02040503050406030204" pitchFamily="18" charset="0"/>
+                          <a:ea typeface="Cambria Math" panose="02040503050406030204" pitchFamily="18" charset="0"/>
+                        </a:rPr>
+                        <m:t>∙</m:t>
+                      </m:r>
+                      <m:d>
+                        <m:dPr>
+                          <m:ctrlPr>
+                            <a:rPr lang="fr-CH" b="0" i="1" smtClean="0">
+                              <a:latin typeface="Cambria Math" panose="02040503050406030204" pitchFamily="18" charset="0"/>
+                              <a:ea typeface="Cambria Math" panose="02040503050406030204" pitchFamily="18" charset="0"/>
+                            </a:rPr>
+                          </m:ctrlPr>
+                        </m:dPr>
+                        <m:e>
+                          <m:r>
+                            <a:rPr lang="fr-CH" b="0" i="1" smtClean="0">
+                              <a:latin typeface="Cambria Math" panose="02040503050406030204" pitchFamily="18" charset="0"/>
+                              <a:ea typeface="Cambria Math" panose="02040503050406030204" pitchFamily="18" charset="0"/>
+                            </a:rPr>
+                            <m:t>𝑑𝑒𝑙𝑎𝑦𝑃𝑟𝑜𝑏𝑎𝑏𝑖𝑙𝑖𝑡𝑦</m:t>
+                          </m:r>
+                          <m:r>
+                            <a:rPr lang="fr-CH" b="0" i="1" smtClean="0">
+                              <a:latin typeface="Cambria Math" panose="02040503050406030204" pitchFamily="18" charset="0"/>
+                              <a:ea typeface="Cambria Math" panose="02040503050406030204" pitchFamily="18" charset="0"/>
+                            </a:rPr>
+                            <m:t>∙</m:t>
+                          </m:r>
+                          <m:r>
+                            <a:rPr lang="fr-CH" b="0" i="1" smtClean="0">
+                              <a:latin typeface="Cambria Math" panose="02040503050406030204" pitchFamily="18" charset="0"/>
+                              <a:ea typeface="Cambria Math" panose="02040503050406030204" pitchFamily="18" charset="0"/>
+                            </a:rPr>
+                            <m:t>𝐾</m:t>
+                          </m:r>
+                          <m:r>
+                            <a:rPr lang="fr-CH" b="0" i="1" smtClean="0">
+                              <a:latin typeface="Cambria Math" panose="02040503050406030204" pitchFamily="18" charset="0"/>
+                              <a:ea typeface="Cambria Math" panose="02040503050406030204" pitchFamily="18" charset="0"/>
+                            </a:rPr>
+                            <m:t>+</m:t>
+                          </m:r>
+                          <m:sSub>
+                            <m:sSubPr>
+                              <m:ctrlPr>
+                                <a:rPr lang="fr-CH" b="0" i="1" smtClean="0">
+                                  <a:latin typeface="Cambria Math" panose="02040503050406030204" pitchFamily="18" charset="0"/>
+                                  <a:ea typeface="Cambria Math" panose="02040503050406030204" pitchFamily="18" charset="0"/>
+                                </a:rPr>
+                              </m:ctrlPr>
+                            </m:sSubPr>
+                            <m:e>
+                              <m:r>
+                                <a:rPr lang="fr-CH" b="0" i="1" smtClean="0">
+                                  <a:latin typeface="Cambria Math" panose="02040503050406030204" pitchFamily="18" charset="0"/>
+                                  <a:ea typeface="Cambria Math" panose="02040503050406030204" pitchFamily="18" charset="0"/>
+                                </a:rPr>
+                                <m:t>𝑚</m:t>
+                              </m:r>
+                            </m:e>
+                            <m:sub>
+                              <m:r>
+                                <a:rPr lang="fr-CH" b="0" i="1" smtClean="0">
+                                  <a:latin typeface="Cambria Math" panose="02040503050406030204" pitchFamily="18" charset="0"/>
+                                  <a:ea typeface="Cambria Math" panose="02040503050406030204" pitchFamily="18" charset="0"/>
+                                </a:rPr>
+                                <m:t>1</m:t>
+                              </m:r>
+                            </m:sub>
+                          </m:sSub>
+                        </m:e>
+                      </m:d>
+                      <m:r>
+                        <a:rPr lang="fr-CH" b="0" i="1" smtClean="0">
+                          <a:latin typeface="Cambria Math" panose="02040503050406030204" pitchFamily="18" charset="0"/>
+                          <a:ea typeface="Cambria Math" panose="02040503050406030204" pitchFamily="18" charset="0"/>
+                        </a:rPr>
+                        <m:t>+</m:t>
+                      </m:r>
+                      <m:sSub>
+                        <m:sSubPr>
+                          <m:ctrlPr>
+                            <a:rPr lang="fr-CH" b="0" i="1" smtClean="0">
+                              <a:latin typeface="Cambria Math" panose="02040503050406030204" pitchFamily="18" charset="0"/>
+                              <a:ea typeface="Cambria Math" panose="02040503050406030204" pitchFamily="18" charset="0"/>
+                            </a:rPr>
+                          </m:ctrlPr>
+                        </m:sSubPr>
+                        <m:e>
+                          <m:r>
+                            <a:rPr lang="fr-CH" b="0" i="1" smtClean="0">
+                              <a:latin typeface="Cambria Math" panose="02040503050406030204" pitchFamily="18" charset="0"/>
+                              <a:ea typeface="Cambria Math" panose="02040503050406030204" pitchFamily="18" charset="0"/>
+                            </a:rPr>
+                            <m:t>𝑚</m:t>
+                          </m:r>
+                        </m:e>
+                        <m:sub>
+                          <m:r>
+                            <a:rPr lang="fr-CH" b="0" i="1" smtClean="0">
+                              <a:latin typeface="Cambria Math" panose="02040503050406030204" pitchFamily="18" charset="0"/>
+                              <a:ea typeface="Cambria Math" panose="02040503050406030204" pitchFamily="18" charset="0"/>
+                            </a:rPr>
+                            <m:t>2</m:t>
+                          </m:r>
+                        </m:sub>
+                      </m:sSub>
+                    </m:oMath>
+                  </m:oMathPara>
+                </a14:m>
+                <a:endParaRPr lang="fr-CH" dirty="0"/>
+              </a:p>
+            </p:txBody>
+          </p:sp>
+        </mc:Choice>
+        <mc:Fallback>
+          <p:sp>
+            <p:nvSpPr>
+              <p:cNvPr id="4" name="TextBox 3">
+                <a:extLst>
+                  <a:ext uri="{FF2B5EF4-FFF2-40B4-BE49-F238E27FC236}">
+                    <a16:creationId xmlns:a16="http://schemas.microsoft.com/office/drawing/2014/main" id="{E9262FE6-FF56-4CC8-9C6F-A93C8CEC6A14}"/>
+                  </a:ext>
+                </a:extLst>
+              </p:cNvPr>
+              <p:cNvSpPr txBox="1">
+                <a:spLocks noRot="1" noChangeAspect="1" noMove="1" noResize="1" noEditPoints="1" noAdjustHandles="1" noChangeArrowheads="1" noChangeShapeType="1" noTextEdit="1"/>
+              </p:cNvSpPr>
+              <p:nvPr/>
+            </p:nvSpPr>
+            <p:spPr>
+              <a:xfrm>
+                <a:off x="1882588" y="2581834"/>
+                <a:ext cx="6113853" cy="276999"/>
+              </a:xfrm>
+              <a:prstGeom prst="rect">
+                <a:avLst/>
+              </a:prstGeom>
+              <a:blipFill>
+                <a:blip r:embed="rId2"/>
+                <a:stretch>
+                  <a:fillRect t="-4444" b="-35556"/>
+                </a:stretch>
+              </a:blipFill>
+            </p:spPr>
+            <p:txBody>
+              <a:bodyPr/>
+              <a:lstStyle/>
+              <a:p>
+                <a:r>
+                  <a:rPr lang="fr-CH">
+                    <a:noFill/>
+                  </a:rPr>
+                  <a:t> </a:t>
+                </a:r>
+              </a:p>
+            </p:txBody>
+          </p:sp>
+        </mc:Fallback>
+      </mc:AlternateContent>
+      <p:graphicFrame>
+        <p:nvGraphicFramePr>
+          <p:cNvPr id="7" name="Table 6">
+            <a:extLst>
+              <a:ext uri="{FF2B5EF4-FFF2-40B4-BE49-F238E27FC236}">
+                <a16:creationId xmlns:a16="http://schemas.microsoft.com/office/drawing/2014/main" id="{067F99C4-5C03-44C0-A94F-FA9B5FAA58BC}"/>
+              </a:ext>
+            </a:extLst>
+          </p:cNvPr>
+          <p:cNvGraphicFramePr>
+            <a:graphicFrameLocks noGrp="1"/>
+          </p:cNvGraphicFramePr>
+          <p:nvPr>
+            <p:extLst>
+              <p:ext uri="{D42A27DB-BD31-4B8C-83A1-F6EECF244321}">
+                <p14:modId xmlns:p14="http://schemas.microsoft.com/office/powerpoint/2010/main" val="1834397945"/>
+              </p:ext>
+            </p:extLst>
+          </p:nvPr>
+        </p:nvGraphicFramePr>
+        <p:xfrm>
+          <a:off x="7415544" y="3910006"/>
+          <a:ext cx="3009594" cy="2824476"/>
+        </p:xfrm>
+        <a:graphic>
+          <a:graphicData uri="http://schemas.openxmlformats.org/drawingml/2006/table">
+            <a:tbl>
+              <a:tblPr/>
+              <a:tblGrid>
+                <a:gridCol w="941192">
+                  <a:extLst>
+                    <a:ext uri="{9D8B030D-6E8A-4147-A177-3AD203B41FA5}">
+                      <a16:colId xmlns:a16="http://schemas.microsoft.com/office/drawing/2014/main" val="3739961762"/>
+                    </a:ext>
+                  </a:extLst>
+                </a:gridCol>
+                <a:gridCol w="767705">
+                  <a:extLst>
+                    <a:ext uri="{9D8B030D-6E8A-4147-A177-3AD203B41FA5}">
+                      <a16:colId xmlns:a16="http://schemas.microsoft.com/office/drawing/2014/main" val="2230693441"/>
+                    </a:ext>
+                  </a:extLst>
+                </a:gridCol>
+                <a:gridCol w="738366">
+                  <a:extLst>
+                    <a:ext uri="{9D8B030D-6E8A-4147-A177-3AD203B41FA5}">
+                      <a16:colId xmlns:a16="http://schemas.microsoft.com/office/drawing/2014/main" val="1642179857"/>
+                    </a:ext>
+                  </a:extLst>
+                </a:gridCol>
+                <a:gridCol w="562331">
+                  <a:extLst>
+                    <a:ext uri="{9D8B030D-6E8A-4147-A177-3AD203B41FA5}">
+                      <a16:colId xmlns:a16="http://schemas.microsoft.com/office/drawing/2014/main" val="2044087862"/>
+                    </a:ext>
+                  </a:extLst>
+                </a:gridCol>
+              </a:tblGrid>
+              <a:tr h="165511">
+                <a:tc>
+                  <a:txBody>
+                    <a:bodyPr/>
+                    <a:lstStyle/>
+                    <a:p>
+                      <a:pPr algn="l" fontAlgn="b"/>
+                      <a:r>
+                        <a:rPr lang="fr-CH" sz="1400" b="1" i="0" u="none" strike="noStrike" dirty="0">
+                          <a:solidFill>
+                            <a:srgbClr val="000000"/>
+                          </a:solidFill>
+                          <a:effectLst/>
+                          <a:latin typeface="Calibri" panose="020F0502020204030204" pitchFamily="34" charset="0"/>
+                        </a:rPr>
+                        <a:t>Delay </a:t>
+                      </a:r>
+                      <a:br>
+                        <a:rPr lang="fr-CH" sz="1400" b="1" i="0" u="none" strike="noStrike" dirty="0">
+                          <a:solidFill>
+                            <a:srgbClr val="000000"/>
+                          </a:solidFill>
+                          <a:effectLst/>
+                          <a:latin typeface="Calibri" panose="020F0502020204030204" pitchFamily="34" charset="0"/>
+                        </a:rPr>
+                      </a:br>
+                      <a:r>
+                        <a:rPr lang="fr-CH" sz="1400" b="1" i="0" u="none" strike="noStrike" dirty="0" err="1">
+                          <a:solidFill>
+                            <a:srgbClr val="000000"/>
+                          </a:solidFill>
+                          <a:effectLst/>
+                          <a:latin typeface="Calibri" panose="020F0502020204030204" pitchFamily="34" charset="0"/>
+                        </a:rPr>
+                        <a:t>probability</a:t>
+                      </a:r>
+                      <a:endParaRPr lang="fr-CH" sz="1400" b="1" i="0" u="none" strike="noStrike" dirty="0">
+                        <a:solidFill>
+                          <a:srgbClr val="000000"/>
+                        </a:solidFill>
+                        <a:effectLst/>
+                        <a:latin typeface="Calibri" panose="020F0502020204030204" pitchFamily="34" charset="0"/>
+                      </a:endParaRPr>
+                    </a:p>
+                  </a:txBody>
+                  <a:tcPr marL="4233" marR="4233" marT="4233" marB="0" anchor="b">
+                    <a:lnL w="6350" cap="flat" cmpd="sng" algn="ctr">
+                      <a:solidFill>
+                        <a:srgbClr val="000000"/>
+                      </a:solidFill>
+                      <a:prstDash val="solid"/>
+                      <a:round/>
+                      <a:headEnd type="none" w="med" len="med"/>
+                      <a:tailEnd type="none" w="med" len="med"/>
+                    </a:lnL>
+                    <a:lnR w="6350" cap="flat" cmpd="sng" algn="ctr">
+                      <a:solidFill>
+                        <a:srgbClr val="000000"/>
+                      </a:solidFill>
+                      <a:prstDash val="solid"/>
+                      <a:round/>
+                      <a:headEnd type="none" w="med" len="med"/>
+                      <a:tailEnd type="none" w="med" len="med"/>
+                    </a:lnR>
+                    <a:lnT w="6350" cap="flat" cmpd="sng" algn="ctr">
+                      <a:solidFill>
+                        <a:srgbClr val="000000"/>
+                      </a:solidFill>
+                      <a:prstDash val="solid"/>
+                      <a:round/>
+                      <a:headEnd type="none" w="med" len="med"/>
+                      <a:tailEnd type="none" w="med" len="med"/>
+                    </a:lnT>
+                    <a:lnB w="6350" cap="flat" cmpd="sng" algn="ctr">
+                      <a:solidFill>
+                        <a:srgbClr val="000000"/>
+                      </a:solidFill>
+                      <a:prstDash val="solid"/>
+                      <a:round/>
+                      <a:headEnd type="none" w="med" len="med"/>
+                      <a:tailEnd type="none" w="med" len="med"/>
+                    </a:lnB>
+                  </a:tcPr>
+                </a:tc>
+                <a:tc>
+                  <a:txBody>
+                    <a:bodyPr/>
+                    <a:lstStyle/>
+                    <a:p>
+                      <a:pPr algn="l" fontAlgn="b"/>
+                      <a:r>
+                        <a:rPr lang="fr-CH" sz="1400" b="1" i="0" u="none" strike="noStrike">
+                          <a:solidFill>
+                            <a:srgbClr val="000000"/>
+                          </a:solidFill>
+                          <a:effectLst/>
+                          <a:latin typeface="Calibri" panose="020F0502020204030204" pitchFamily="34" charset="0"/>
+                        </a:rPr>
+                        <a:t>Ultimate</a:t>
+                      </a:r>
+                    </a:p>
+                  </a:txBody>
+                  <a:tcPr marL="4233" marR="4233" marT="4233" marB="0" anchor="b">
+                    <a:lnL w="6350" cap="flat" cmpd="sng" algn="ctr">
+                      <a:solidFill>
+                        <a:srgbClr val="000000"/>
+                      </a:solidFill>
+                      <a:prstDash val="solid"/>
+                      <a:round/>
+                      <a:headEnd type="none" w="med" len="med"/>
+                      <a:tailEnd type="none" w="med" len="med"/>
+                    </a:lnL>
+                    <a:lnR w="6350" cap="flat" cmpd="sng" algn="ctr">
+                      <a:solidFill>
+                        <a:srgbClr val="000000"/>
+                      </a:solidFill>
+                      <a:prstDash val="solid"/>
+                      <a:round/>
+                      <a:headEnd type="none" w="med" len="med"/>
+                      <a:tailEnd type="none" w="med" len="med"/>
+                    </a:lnR>
+                    <a:lnT w="6350" cap="flat" cmpd="sng" algn="ctr">
+                      <a:solidFill>
+                        <a:srgbClr val="000000"/>
+                      </a:solidFill>
+                      <a:prstDash val="solid"/>
+                      <a:round/>
+                      <a:headEnd type="none" w="med" len="med"/>
+                      <a:tailEnd type="none" w="med" len="med"/>
+                    </a:lnT>
+                    <a:lnB w="6350" cap="flat" cmpd="sng" algn="ctr">
+                      <a:solidFill>
+                        <a:srgbClr val="000000"/>
+                      </a:solidFill>
+                      <a:prstDash val="solid"/>
+                      <a:round/>
+                      <a:headEnd type="none" w="med" len="med"/>
+                      <a:tailEnd type="none" w="med" len="med"/>
+                    </a:lnB>
+                  </a:tcPr>
+                </a:tc>
+                <a:tc>
+                  <a:txBody>
+                    <a:bodyPr/>
+                    <a:lstStyle/>
+                    <a:p>
+                      <a:pPr algn="l" fontAlgn="b"/>
+                      <a:r>
+                        <a:rPr lang="fr-CH" sz="1400" b="1" i="0" u="none" strike="noStrike">
+                          <a:solidFill>
+                            <a:srgbClr val="000000"/>
+                          </a:solidFill>
+                          <a:effectLst/>
+                          <a:latin typeface="Calibri" panose="020F0502020204030204" pitchFamily="34" charset="0"/>
+                        </a:rPr>
+                        <a:t>Medium</a:t>
+                      </a:r>
+                    </a:p>
+                  </a:txBody>
+                  <a:tcPr marL="4233" marR="4233" marT="4233" marB="0" anchor="b">
+                    <a:lnL w="6350" cap="flat" cmpd="sng" algn="ctr">
+                      <a:solidFill>
+                        <a:srgbClr val="000000"/>
+                      </a:solidFill>
+                      <a:prstDash val="solid"/>
+                      <a:round/>
+                      <a:headEnd type="none" w="med" len="med"/>
+                      <a:tailEnd type="none" w="med" len="med"/>
+                    </a:lnL>
+                    <a:lnR w="6350" cap="flat" cmpd="sng" algn="ctr">
+                      <a:solidFill>
+                        <a:srgbClr val="000000"/>
+                      </a:solidFill>
+                      <a:prstDash val="solid"/>
+                      <a:round/>
+                      <a:headEnd type="none" w="med" len="med"/>
+                      <a:tailEnd type="none" w="med" len="med"/>
+                    </a:lnR>
+                    <a:lnT w="6350" cap="flat" cmpd="sng" algn="ctr">
+                      <a:solidFill>
+                        <a:srgbClr val="000000"/>
+                      </a:solidFill>
+                      <a:prstDash val="solid"/>
+                      <a:round/>
+                      <a:headEnd type="none" w="med" len="med"/>
+                      <a:tailEnd type="none" w="med" len="med"/>
+                    </a:lnT>
+                    <a:lnB w="6350" cap="flat" cmpd="sng" algn="ctr">
+                      <a:solidFill>
+                        <a:srgbClr val="000000"/>
+                      </a:solidFill>
+                      <a:prstDash val="solid"/>
+                      <a:round/>
+                      <a:headEnd type="none" w="med" len="med"/>
+                      <a:tailEnd type="none" w="med" len="med"/>
+                    </a:lnB>
+                  </a:tcPr>
+                </a:tc>
+                <a:tc>
+                  <a:txBody>
+                    <a:bodyPr/>
+                    <a:lstStyle/>
+                    <a:p>
+                      <a:pPr algn="l" fontAlgn="b"/>
+                      <a:r>
+                        <a:rPr lang="fr-CH" sz="1400" b="1" i="0" u="none" strike="noStrike">
+                          <a:solidFill>
+                            <a:srgbClr val="000000"/>
+                          </a:solidFill>
+                          <a:effectLst/>
+                          <a:latin typeface="Calibri" panose="020F0502020204030204" pitchFamily="34" charset="0"/>
+                        </a:rPr>
+                        <a:t>Basic</a:t>
+                      </a:r>
+                    </a:p>
+                  </a:txBody>
+                  <a:tcPr marL="4233" marR="4233" marT="4233" marB="0" anchor="b">
+                    <a:lnL w="6350" cap="flat" cmpd="sng" algn="ctr">
+                      <a:solidFill>
+                        <a:srgbClr val="000000"/>
+                      </a:solidFill>
+                      <a:prstDash val="solid"/>
+                      <a:round/>
+                      <a:headEnd type="none" w="med" len="med"/>
+                      <a:tailEnd type="none" w="med" len="med"/>
+                    </a:lnL>
+                    <a:lnR w="6350" cap="flat" cmpd="sng" algn="ctr">
+                      <a:solidFill>
+                        <a:srgbClr val="000000"/>
+                      </a:solidFill>
+                      <a:prstDash val="solid"/>
+                      <a:round/>
+                      <a:headEnd type="none" w="med" len="med"/>
+                      <a:tailEnd type="none" w="med" len="med"/>
+                    </a:lnR>
+                    <a:lnT w="6350" cap="flat" cmpd="sng" algn="ctr">
+                      <a:solidFill>
+                        <a:srgbClr val="000000"/>
+                      </a:solidFill>
+                      <a:prstDash val="solid"/>
+                      <a:round/>
+                      <a:headEnd type="none" w="med" len="med"/>
+                      <a:tailEnd type="none" w="med" len="med"/>
+                    </a:lnT>
+                    <a:lnB w="6350" cap="flat" cmpd="sng" algn="ctr">
+                      <a:solidFill>
+                        <a:srgbClr val="000000"/>
+                      </a:solidFill>
+                      <a:prstDash val="solid"/>
+                      <a:round/>
+                      <a:headEnd type="none" w="med" len="med"/>
+                      <a:tailEnd type="none" w="med" len="med"/>
+                    </a:lnB>
+                  </a:tcPr>
+                </a:tc>
+                <a:extLst>
+                  <a:ext uri="{0D108BD9-81ED-4DB2-BD59-A6C34878D82A}">
+                    <a16:rowId xmlns:a16="http://schemas.microsoft.com/office/drawing/2014/main" val="3824722769"/>
+                  </a:ext>
+                </a:extLst>
+              </a:tr>
+              <a:tr h="182245">
+                <a:tc>
+                  <a:txBody>
+                    <a:bodyPr/>
+                    <a:lstStyle/>
+                    <a:p>
+                      <a:pPr algn="r" fontAlgn="b"/>
+                      <a:r>
+                        <a:rPr lang="fr-CH" sz="1400" b="0" i="0" u="none" strike="noStrike" dirty="0">
+                          <a:solidFill>
+                            <a:srgbClr val="000000"/>
+                          </a:solidFill>
+                          <a:effectLst/>
+                          <a:latin typeface="Calibri" panose="020F0502020204030204" pitchFamily="34" charset="0"/>
+                        </a:rPr>
+                        <a:t>0%</a:t>
+                      </a:r>
+                    </a:p>
+                  </a:txBody>
+                  <a:tcPr marL="4233" marR="4233" marT="4233" marB="0" anchor="b">
+                    <a:lnL w="6350" cap="flat" cmpd="sng" algn="ctr">
+                      <a:solidFill>
+                        <a:srgbClr val="000000"/>
+                      </a:solidFill>
+                      <a:prstDash val="solid"/>
+                      <a:round/>
+                      <a:headEnd type="none" w="med" len="med"/>
+                      <a:tailEnd type="none" w="med" len="med"/>
+                    </a:lnL>
+                    <a:lnR w="6350" cap="flat" cmpd="sng" algn="ctr">
+                      <a:solidFill>
+                        <a:srgbClr val="000000"/>
+                      </a:solidFill>
+                      <a:prstDash val="solid"/>
+                      <a:round/>
+                      <a:headEnd type="none" w="med" len="med"/>
+                      <a:tailEnd type="none" w="med" len="med"/>
+                    </a:lnR>
+                    <a:lnT w="6350" cap="flat" cmpd="sng" algn="ctr">
+                      <a:solidFill>
+                        <a:srgbClr val="000000"/>
+                      </a:solidFill>
+                      <a:prstDash val="solid"/>
+                      <a:round/>
+                      <a:headEnd type="none" w="med" len="med"/>
+                      <a:tailEnd type="none" w="med" len="med"/>
+                    </a:lnT>
+                    <a:lnB w="6350" cap="flat" cmpd="sng" algn="ctr">
+                      <a:solidFill>
+                        <a:srgbClr val="000000"/>
+                      </a:solidFill>
+                      <a:prstDash val="solid"/>
+                      <a:round/>
+                      <a:headEnd type="none" w="med" len="med"/>
+                      <a:tailEnd type="none" w="med" len="med"/>
+                    </a:lnB>
+                  </a:tcPr>
+                </a:tc>
+                <a:tc>
+                  <a:txBody>
+                    <a:bodyPr/>
+                    <a:lstStyle/>
+                    <a:p>
+                      <a:pPr algn="r" fontAlgn="b"/>
+                      <a:r>
+                        <a:rPr lang="fr-CH" sz="1400" b="0" i="0" u="none" strike="noStrike">
+                          <a:solidFill>
+                            <a:srgbClr val="000000"/>
+                          </a:solidFill>
+                          <a:effectLst/>
+                          <a:latin typeface="Calibri" panose="020F0502020204030204" pitchFamily="34" charset="0"/>
+                        </a:rPr>
+                        <a:t>1005</a:t>
+                      </a:r>
+                    </a:p>
+                  </a:txBody>
+                  <a:tcPr marL="4233" marR="4233" marT="4233" marB="0" anchor="b">
+                    <a:lnL w="6350" cap="flat" cmpd="sng" algn="ctr">
+                      <a:solidFill>
+                        <a:srgbClr val="000000"/>
+                      </a:solidFill>
+                      <a:prstDash val="solid"/>
+                      <a:round/>
+                      <a:headEnd type="none" w="med" len="med"/>
+                      <a:tailEnd type="none" w="med" len="med"/>
+                    </a:lnL>
+                    <a:lnR w="6350" cap="flat" cmpd="sng" algn="ctr">
+                      <a:solidFill>
+                        <a:srgbClr val="000000"/>
+                      </a:solidFill>
+                      <a:prstDash val="solid"/>
+                      <a:round/>
+                      <a:headEnd type="none" w="med" len="med"/>
+                      <a:tailEnd type="none" w="med" len="med"/>
+                    </a:lnR>
+                    <a:lnT w="6350" cap="flat" cmpd="sng" algn="ctr">
+                      <a:solidFill>
+                        <a:srgbClr val="000000"/>
+                      </a:solidFill>
+                      <a:prstDash val="solid"/>
+                      <a:round/>
+                      <a:headEnd type="none" w="med" len="med"/>
+                      <a:tailEnd type="none" w="med" len="med"/>
+                    </a:lnT>
+                    <a:lnB w="6350" cap="flat" cmpd="sng" algn="ctr">
+                      <a:solidFill>
+                        <a:srgbClr val="000000"/>
+                      </a:solidFill>
+                      <a:prstDash val="solid"/>
+                      <a:round/>
+                      <a:headEnd type="none" w="med" len="med"/>
+                      <a:tailEnd type="none" w="med" len="med"/>
+                    </a:lnB>
+                  </a:tcPr>
+                </a:tc>
+                <a:tc>
+                  <a:txBody>
+                    <a:bodyPr/>
+                    <a:lstStyle/>
+                    <a:p>
+                      <a:pPr algn="r" fontAlgn="b"/>
+                      <a:r>
+                        <a:rPr lang="fr-CH" sz="1400" b="0" i="0" u="none" strike="noStrike">
+                          <a:solidFill>
+                            <a:srgbClr val="000000"/>
+                          </a:solidFill>
+                          <a:effectLst/>
+                          <a:latin typeface="Calibri" panose="020F0502020204030204" pitchFamily="34" charset="0"/>
+                        </a:rPr>
+                        <a:t>55</a:t>
+                      </a:r>
+                    </a:p>
+                  </a:txBody>
+                  <a:tcPr marL="4233" marR="4233" marT="4233" marB="0" anchor="b">
+                    <a:lnL w="6350" cap="flat" cmpd="sng" algn="ctr">
+                      <a:solidFill>
+                        <a:srgbClr val="000000"/>
+                      </a:solidFill>
+                      <a:prstDash val="solid"/>
+                      <a:round/>
+                      <a:headEnd type="none" w="med" len="med"/>
+                      <a:tailEnd type="none" w="med" len="med"/>
+                    </a:lnL>
+                    <a:lnR w="6350" cap="flat" cmpd="sng" algn="ctr">
+                      <a:solidFill>
+                        <a:srgbClr val="000000"/>
+                      </a:solidFill>
+                      <a:prstDash val="solid"/>
+                      <a:round/>
+                      <a:headEnd type="none" w="med" len="med"/>
+                      <a:tailEnd type="none" w="med" len="med"/>
+                    </a:lnR>
+                    <a:lnT w="6350" cap="flat" cmpd="sng" algn="ctr">
+                      <a:solidFill>
+                        <a:srgbClr val="000000"/>
+                      </a:solidFill>
+                      <a:prstDash val="solid"/>
+                      <a:round/>
+                      <a:headEnd type="none" w="med" len="med"/>
+                      <a:tailEnd type="none" w="med" len="med"/>
+                    </a:lnT>
+                    <a:lnB w="6350" cap="flat" cmpd="sng" algn="ctr">
+                      <a:solidFill>
+                        <a:srgbClr val="000000"/>
+                      </a:solidFill>
+                      <a:prstDash val="solid"/>
+                      <a:round/>
+                      <a:headEnd type="none" w="med" len="med"/>
+                      <a:tailEnd type="none" w="med" len="med"/>
+                    </a:lnB>
+                  </a:tcPr>
+                </a:tc>
+                <a:tc>
+                  <a:txBody>
+                    <a:bodyPr/>
+                    <a:lstStyle/>
+                    <a:p>
+                      <a:pPr algn="r" fontAlgn="b"/>
+                      <a:r>
+                        <a:rPr lang="fr-CH" sz="1400" b="0" i="0" u="none" strike="noStrike">
+                          <a:solidFill>
+                            <a:srgbClr val="000000"/>
+                          </a:solidFill>
+                          <a:effectLst/>
+                          <a:latin typeface="Calibri" panose="020F0502020204030204" pitchFamily="34" charset="0"/>
+                        </a:rPr>
+                        <a:t>15</a:t>
+                      </a:r>
+                    </a:p>
+                  </a:txBody>
+                  <a:tcPr marL="4233" marR="4233" marT="4233" marB="0" anchor="b">
+                    <a:lnL w="6350" cap="flat" cmpd="sng" algn="ctr">
+                      <a:solidFill>
+                        <a:srgbClr val="000000"/>
+                      </a:solidFill>
+                      <a:prstDash val="solid"/>
+                      <a:round/>
+                      <a:headEnd type="none" w="med" len="med"/>
+                      <a:tailEnd type="none" w="med" len="med"/>
+                    </a:lnL>
+                    <a:lnR w="6350" cap="flat" cmpd="sng" algn="ctr">
+                      <a:solidFill>
+                        <a:srgbClr val="000000"/>
+                      </a:solidFill>
+                      <a:prstDash val="solid"/>
+                      <a:round/>
+                      <a:headEnd type="none" w="med" len="med"/>
+                      <a:tailEnd type="none" w="med" len="med"/>
+                    </a:lnR>
+                    <a:lnT w="6350" cap="flat" cmpd="sng" algn="ctr">
+                      <a:solidFill>
+                        <a:srgbClr val="000000"/>
+                      </a:solidFill>
+                      <a:prstDash val="solid"/>
+                      <a:round/>
+                      <a:headEnd type="none" w="med" len="med"/>
+                      <a:tailEnd type="none" w="med" len="med"/>
+                    </a:lnT>
+                    <a:lnB w="6350" cap="flat" cmpd="sng" algn="ctr">
+                      <a:solidFill>
+                        <a:srgbClr val="000000"/>
+                      </a:solidFill>
+                      <a:prstDash val="solid"/>
+                      <a:round/>
+                      <a:headEnd type="none" w="med" len="med"/>
+                      <a:tailEnd type="none" w="med" len="med"/>
+                    </a:lnB>
+                  </a:tcPr>
+                </a:tc>
+                <a:extLst>
+                  <a:ext uri="{0D108BD9-81ED-4DB2-BD59-A6C34878D82A}">
+                    <a16:rowId xmlns:a16="http://schemas.microsoft.com/office/drawing/2014/main" val="1578564210"/>
+                  </a:ext>
+                </a:extLst>
+              </a:tr>
+              <a:tr h="182245">
+                <a:tc>
+                  <a:txBody>
+                    <a:bodyPr/>
+                    <a:lstStyle/>
+                    <a:p>
+                      <a:pPr algn="r" fontAlgn="b"/>
+                      <a:r>
+                        <a:rPr lang="fr-CH" sz="1400" b="0" i="0" u="none" strike="noStrike">
+                          <a:solidFill>
+                            <a:srgbClr val="000000"/>
+                          </a:solidFill>
+                          <a:effectLst/>
+                          <a:latin typeface="Calibri" panose="020F0502020204030204" pitchFamily="34" charset="0"/>
+                        </a:rPr>
+                        <a:t>10%</a:t>
+                      </a:r>
+                    </a:p>
+                  </a:txBody>
+                  <a:tcPr marL="4233" marR="4233" marT="4233" marB="0" anchor="b">
+                    <a:lnL w="6350" cap="flat" cmpd="sng" algn="ctr">
+                      <a:solidFill>
+                        <a:srgbClr val="000000"/>
+                      </a:solidFill>
+                      <a:prstDash val="solid"/>
+                      <a:round/>
+                      <a:headEnd type="none" w="med" len="med"/>
+                      <a:tailEnd type="none" w="med" len="med"/>
+                    </a:lnL>
+                    <a:lnR w="6350" cap="flat" cmpd="sng" algn="ctr">
+                      <a:solidFill>
+                        <a:srgbClr val="000000"/>
+                      </a:solidFill>
+                      <a:prstDash val="solid"/>
+                      <a:round/>
+                      <a:headEnd type="none" w="med" len="med"/>
+                      <a:tailEnd type="none" w="med" len="med"/>
+                    </a:lnR>
+                    <a:lnT w="6350" cap="flat" cmpd="sng" algn="ctr">
+                      <a:solidFill>
+                        <a:srgbClr val="000000"/>
+                      </a:solidFill>
+                      <a:prstDash val="solid"/>
+                      <a:round/>
+                      <a:headEnd type="none" w="med" len="med"/>
+                      <a:tailEnd type="none" w="med" len="med"/>
+                    </a:lnT>
+                    <a:lnB w="6350" cap="flat" cmpd="sng" algn="ctr">
+                      <a:solidFill>
+                        <a:srgbClr val="000000"/>
+                      </a:solidFill>
+                      <a:prstDash val="solid"/>
+                      <a:round/>
+                      <a:headEnd type="none" w="med" len="med"/>
+                      <a:tailEnd type="none" w="med" len="med"/>
+                    </a:lnB>
+                  </a:tcPr>
+                </a:tc>
+                <a:tc>
+                  <a:txBody>
+                    <a:bodyPr/>
+                    <a:lstStyle/>
+                    <a:p>
+                      <a:pPr algn="r" fontAlgn="b"/>
+                      <a:r>
+                        <a:rPr lang="fr-CH" sz="1400" b="0" i="0" u="none" strike="noStrike">
+                          <a:solidFill>
+                            <a:srgbClr val="000000"/>
+                          </a:solidFill>
+                          <a:effectLst/>
+                          <a:latin typeface="Calibri" panose="020F0502020204030204" pitchFamily="34" charset="0"/>
+                        </a:rPr>
+                        <a:t>2105</a:t>
+                      </a:r>
+                    </a:p>
+                  </a:txBody>
+                  <a:tcPr marL="4233" marR="4233" marT="4233" marB="0" anchor="b">
+                    <a:lnL w="6350" cap="flat" cmpd="sng" algn="ctr">
+                      <a:solidFill>
+                        <a:srgbClr val="000000"/>
+                      </a:solidFill>
+                      <a:prstDash val="solid"/>
+                      <a:round/>
+                      <a:headEnd type="none" w="med" len="med"/>
+                      <a:tailEnd type="none" w="med" len="med"/>
+                    </a:lnL>
+                    <a:lnR w="6350" cap="flat" cmpd="sng" algn="ctr">
+                      <a:solidFill>
+                        <a:srgbClr val="000000"/>
+                      </a:solidFill>
+                      <a:prstDash val="solid"/>
+                      <a:round/>
+                      <a:headEnd type="none" w="med" len="med"/>
+                      <a:tailEnd type="none" w="med" len="med"/>
+                    </a:lnR>
+                    <a:lnT w="6350" cap="flat" cmpd="sng" algn="ctr">
+                      <a:solidFill>
+                        <a:srgbClr val="000000"/>
+                      </a:solidFill>
+                      <a:prstDash val="solid"/>
+                      <a:round/>
+                      <a:headEnd type="none" w="med" len="med"/>
+                      <a:tailEnd type="none" w="med" len="med"/>
+                    </a:lnT>
+                    <a:lnB w="6350" cap="flat" cmpd="sng" algn="ctr">
+                      <a:solidFill>
+                        <a:srgbClr val="000000"/>
+                      </a:solidFill>
+                      <a:prstDash val="solid"/>
+                      <a:round/>
+                      <a:headEnd type="none" w="med" len="med"/>
+                      <a:tailEnd type="none" w="med" len="med"/>
+                    </a:lnB>
+                  </a:tcPr>
+                </a:tc>
+                <a:tc>
+                  <a:txBody>
+                    <a:bodyPr/>
+                    <a:lstStyle/>
+                    <a:p>
+                      <a:pPr algn="r" fontAlgn="b"/>
+                      <a:r>
+                        <a:rPr lang="fr-CH" sz="1400" b="0" i="0" u="none" strike="noStrike">
+                          <a:solidFill>
+                            <a:srgbClr val="000000"/>
+                          </a:solidFill>
+                          <a:effectLst/>
+                          <a:latin typeface="Calibri" panose="020F0502020204030204" pitchFamily="34" charset="0"/>
+                        </a:rPr>
+                        <a:t>110</a:t>
+                      </a:r>
+                    </a:p>
+                  </a:txBody>
+                  <a:tcPr marL="4233" marR="4233" marT="4233" marB="0" anchor="b">
+                    <a:lnL w="6350" cap="flat" cmpd="sng" algn="ctr">
+                      <a:solidFill>
+                        <a:srgbClr val="000000"/>
+                      </a:solidFill>
+                      <a:prstDash val="solid"/>
+                      <a:round/>
+                      <a:headEnd type="none" w="med" len="med"/>
+                      <a:tailEnd type="none" w="med" len="med"/>
+                    </a:lnL>
+                    <a:lnR w="6350" cap="flat" cmpd="sng" algn="ctr">
+                      <a:solidFill>
+                        <a:srgbClr val="000000"/>
+                      </a:solidFill>
+                      <a:prstDash val="solid"/>
+                      <a:round/>
+                      <a:headEnd type="none" w="med" len="med"/>
+                      <a:tailEnd type="none" w="med" len="med"/>
+                    </a:lnR>
+                    <a:lnT w="6350" cap="flat" cmpd="sng" algn="ctr">
+                      <a:solidFill>
+                        <a:srgbClr val="000000"/>
+                      </a:solidFill>
+                      <a:prstDash val="solid"/>
+                      <a:round/>
+                      <a:headEnd type="none" w="med" len="med"/>
+                      <a:tailEnd type="none" w="med" len="med"/>
+                    </a:lnT>
+                    <a:lnB w="6350" cap="flat" cmpd="sng" algn="ctr">
+                      <a:solidFill>
+                        <a:srgbClr val="000000"/>
+                      </a:solidFill>
+                      <a:prstDash val="solid"/>
+                      <a:round/>
+                      <a:headEnd type="none" w="med" len="med"/>
+                      <a:tailEnd type="none" w="med" len="med"/>
+                    </a:lnB>
+                  </a:tcPr>
+                </a:tc>
+                <a:tc>
+                  <a:txBody>
+                    <a:bodyPr/>
+                    <a:lstStyle/>
+                    <a:p>
+                      <a:pPr algn="r" fontAlgn="b"/>
+                      <a:r>
+                        <a:rPr lang="fr-CH" sz="1400" b="0" i="0" u="none" strike="noStrike">
+                          <a:solidFill>
+                            <a:srgbClr val="000000"/>
+                          </a:solidFill>
+                          <a:effectLst/>
+                          <a:latin typeface="Calibri" panose="020F0502020204030204" pitchFamily="34" charset="0"/>
+                        </a:rPr>
+                        <a:t>26</a:t>
+                      </a:r>
+                    </a:p>
+                  </a:txBody>
+                  <a:tcPr marL="4233" marR="4233" marT="4233" marB="0" anchor="b">
+                    <a:lnL w="6350" cap="flat" cmpd="sng" algn="ctr">
+                      <a:solidFill>
+                        <a:srgbClr val="000000"/>
+                      </a:solidFill>
+                      <a:prstDash val="solid"/>
+                      <a:round/>
+                      <a:headEnd type="none" w="med" len="med"/>
+                      <a:tailEnd type="none" w="med" len="med"/>
+                    </a:lnL>
+                    <a:lnR w="6350" cap="flat" cmpd="sng" algn="ctr">
+                      <a:solidFill>
+                        <a:srgbClr val="000000"/>
+                      </a:solidFill>
+                      <a:prstDash val="solid"/>
+                      <a:round/>
+                      <a:headEnd type="none" w="med" len="med"/>
+                      <a:tailEnd type="none" w="med" len="med"/>
+                    </a:lnR>
+                    <a:lnT w="6350" cap="flat" cmpd="sng" algn="ctr">
+                      <a:solidFill>
+                        <a:srgbClr val="000000"/>
+                      </a:solidFill>
+                      <a:prstDash val="solid"/>
+                      <a:round/>
+                      <a:headEnd type="none" w="med" len="med"/>
+                      <a:tailEnd type="none" w="med" len="med"/>
+                    </a:lnT>
+                    <a:lnB w="6350" cap="flat" cmpd="sng" algn="ctr">
+                      <a:solidFill>
+                        <a:srgbClr val="000000"/>
+                      </a:solidFill>
+                      <a:prstDash val="solid"/>
+                      <a:round/>
+                      <a:headEnd type="none" w="med" len="med"/>
+                      <a:tailEnd type="none" w="med" len="med"/>
+                    </a:lnB>
+                  </a:tcPr>
+                </a:tc>
+                <a:extLst>
+                  <a:ext uri="{0D108BD9-81ED-4DB2-BD59-A6C34878D82A}">
+                    <a16:rowId xmlns:a16="http://schemas.microsoft.com/office/drawing/2014/main" val="1312542512"/>
+                  </a:ext>
+                </a:extLst>
+              </a:tr>
+              <a:tr h="182245">
+                <a:tc>
+                  <a:txBody>
+                    <a:bodyPr/>
+                    <a:lstStyle/>
+                    <a:p>
+                      <a:pPr algn="r" fontAlgn="b"/>
+                      <a:r>
+                        <a:rPr lang="fr-CH" sz="1400" b="0" i="0" u="none" strike="noStrike">
+                          <a:solidFill>
+                            <a:srgbClr val="000000"/>
+                          </a:solidFill>
+                          <a:effectLst/>
+                          <a:latin typeface="Calibri" panose="020F0502020204030204" pitchFamily="34" charset="0"/>
+                        </a:rPr>
+                        <a:t>20%</a:t>
+                      </a:r>
+                    </a:p>
+                  </a:txBody>
+                  <a:tcPr marL="4233" marR="4233" marT="4233" marB="0" anchor="b">
+                    <a:lnL w="6350" cap="flat" cmpd="sng" algn="ctr">
+                      <a:solidFill>
+                        <a:srgbClr val="000000"/>
+                      </a:solidFill>
+                      <a:prstDash val="solid"/>
+                      <a:round/>
+                      <a:headEnd type="none" w="med" len="med"/>
+                      <a:tailEnd type="none" w="med" len="med"/>
+                    </a:lnL>
+                    <a:lnR w="6350" cap="flat" cmpd="sng" algn="ctr">
+                      <a:solidFill>
+                        <a:srgbClr val="000000"/>
+                      </a:solidFill>
+                      <a:prstDash val="solid"/>
+                      <a:round/>
+                      <a:headEnd type="none" w="med" len="med"/>
+                      <a:tailEnd type="none" w="med" len="med"/>
+                    </a:lnR>
+                    <a:lnT w="6350" cap="flat" cmpd="sng" algn="ctr">
+                      <a:solidFill>
+                        <a:srgbClr val="000000"/>
+                      </a:solidFill>
+                      <a:prstDash val="solid"/>
+                      <a:round/>
+                      <a:headEnd type="none" w="med" len="med"/>
+                      <a:tailEnd type="none" w="med" len="med"/>
+                    </a:lnT>
+                    <a:lnB w="6350" cap="flat" cmpd="sng" algn="ctr">
+                      <a:solidFill>
+                        <a:srgbClr val="000000"/>
+                      </a:solidFill>
+                      <a:prstDash val="solid"/>
+                      <a:round/>
+                      <a:headEnd type="none" w="med" len="med"/>
+                      <a:tailEnd type="none" w="med" len="med"/>
+                    </a:lnB>
+                  </a:tcPr>
+                </a:tc>
+                <a:tc>
+                  <a:txBody>
+                    <a:bodyPr/>
+                    <a:lstStyle/>
+                    <a:p>
+                      <a:pPr algn="r" fontAlgn="b"/>
+                      <a:r>
+                        <a:rPr lang="fr-CH" sz="1400" b="0" i="0" u="none" strike="noStrike">
+                          <a:solidFill>
+                            <a:srgbClr val="000000"/>
+                          </a:solidFill>
+                          <a:effectLst/>
+                          <a:latin typeface="Calibri" panose="020F0502020204030204" pitchFamily="34" charset="0"/>
+                        </a:rPr>
+                        <a:t>3205</a:t>
+                      </a:r>
+                    </a:p>
+                  </a:txBody>
+                  <a:tcPr marL="4233" marR="4233" marT="4233" marB="0" anchor="b">
+                    <a:lnL w="6350" cap="flat" cmpd="sng" algn="ctr">
+                      <a:solidFill>
+                        <a:srgbClr val="000000"/>
+                      </a:solidFill>
+                      <a:prstDash val="solid"/>
+                      <a:round/>
+                      <a:headEnd type="none" w="med" len="med"/>
+                      <a:tailEnd type="none" w="med" len="med"/>
+                    </a:lnL>
+                    <a:lnR w="6350" cap="flat" cmpd="sng" algn="ctr">
+                      <a:solidFill>
+                        <a:srgbClr val="000000"/>
+                      </a:solidFill>
+                      <a:prstDash val="solid"/>
+                      <a:round/>
+                      <a:headEnd type="none" w="med" len="med"/>
+                      <a:tailEnd type="none" w="med" len="med"/>
+                    </a:lnR>
+                    <a:lnT w="6350" cap="flat" cmpd="sng" algn="ctr">
+                      <a:solidFill>
+                        <a:srgbClr val="000000"/>
+                      </a:solidFill>
+                      <a:prstDash val="solid"/>
+                      <a:round/>
+                      <a:headEnd type="none" w="med" len="med"/>
+                      <a:tailEnd type="none" w="med" len="med"/>
+                    </a:lnT>
+                    <a:lnB w="6350" cap="flat" cmpd="sng" algn="ctr">
+                      <a:solidFill>
+                        <a:srgbClr val="000000"/>
+                      </a:solidFill>
+                      <a:prstDash val="solid"/>
+                      <a:round/>
+                      <a:headEnd type="none" w="med" len="med"/>
+                      <a:tailEnd type="none" w="med" len="med"/>
+                    </a:lnB>
+                  </a:tcPr>
+                </a:tc>
+                <a:tc>
+                  <a:txBody>
+                    <a:bodyPr/>
+                    <a:lstStyle/>
+                    <a:p>
+                      <a:pPr algn="r" fontAlgn="b"/>
+                      <a:r>
+                        <a:rPr lang="fr-CH" sz="1400" b="0" i="0" u="none" strike="noStrike">
+                          <a:solidFill>
+                            <a:srgbClr val="000000"/>
+                          </a:solidFill>
+                          <a:effectLst/>
+                          <a:latin typeface="Calibri" panose="020F0502020204030204" pitchFamily="34" charset="0"/>
+                        </a:rPr>
+                        <a:t>165</a:t>
+                      </a:r>
+                    </a:p>
+                  </a:txBody>
+                  <a:tcPr marL="4233" marR="4233" marT="4233" marB="0" anchor="b">
+                    <a:lnL w="6350" cap="flat" cmpd="sng" algn="ctr">
+                      <a:solidFill>
+                        <a:srgbClr val="000000"/>
+                      </a:solidFill>
+                      <a:prstDash val="solid"/>
+                      <a:round/>
+                      <a:headEnd type="none" w="med" len="med"/>
+                      <a:tailEnd type="none" w="med" len="med"/>
+                    </a:lnL>
+                    <a:lnR w="6350" cap="flat" cmpd="sng" algn="ctr">
+                      <a:solidFill>
+                        <a:srgbClr val="000000"/>
+                      </a:solidFill>
+                      <a:prstDash val="solid"/>
+                      <a:round/>
+                      <a:headEnd type="none" w="med" len="med"/>
+                      <a:tailEnd type="none" w="med" len="med"/>
+                    </a:lnR>
+                    <a:lnT w="6350" cap="flat" cmpd="sng" algn="ctr">
+                      <a:solidFill>
+                        <a:srgbClr val="000000"/>
+                      </a:solidFill>
+                      <a:prstDash val="solid"/>
+                      <a:round/>
+                      <a:headEnd type="none" w="med" len="med"/>
+                      <a:tailEnd type="none" w="med" len="med"/>
+                    </a:lnT>
+                    <a:lnB w="6350" cap="flat" cmpd="sng" algn="ctr">
+                      <a:solidFill>
+                        <a:srgbClr val="000000"/>
+                      </a:solidFill>
+                      <a:prstDash val="solid"/>
+                      <a:round/>
+                      <a:headEnd type="none" w="med" len="med"/>
+                      <a:tailEnd type="none" w="med" len="med"/>
+                    </a:lnB>
+                  </a:tcPr>
+                </a:tc>
+                <a:tc>
+                  <a:txBody>
+                    <a:bodyPr/>
+                    <a:lstStyle/>
+                    <a:p>
+                      <a:pPr algn="r" fontAlgn="b"/>
+                      <a:r>
+                        <a:rPr lang="fr-CH" sz="1400" b="0" i="0" u="none" strike="noStrike">
+                          <a:solidFill>
+                            <a:srgbClr val="000000"/>
+                          </a:solidFill>
+                          <a:effectLst/>
+                          <a:latin typeface="Calibri" panose="020F0502020204030204" pitchFamily="34" charset="0"/>
+                        </a:rPr>
+                        <a:t>37</a:t>
+                      </a:r>
+                    </a:p>
+                  </a:txBody>
+                  <a:tcPr marL="4233" marR="4233" marT="4233" marB="0" anchor="b">
+                    <a:lnL w="6350" cap="flat" cmpd="sng" algn="ctr">
+                      <a:solidFill>
+                        <a:srgbClr val="000000"/>
+                      </a:solidFill>
+                      <a:prstDash val="solid"/>
+                      <a:round/>
+                      <a:headEnd type="none" w="med" len="med"/>
+                      <a:tailEnd type="none" w="med" len="med"/>
+                    </a:lnL>
+                    <a:lnR w="6350" cap="flat" cmpd="sng" algn="ctr">
+                      <a:solidFill>
+                        <a:srgbClr val="000000"/>
+                      </a:solidFill>
+                      <a:prstDash val="solid"/>
+                      <a:round/>
+                      <a:headEnd type="none" w="med" len="med"/>
+                      <a:tailEnd type="none" w="med" len="med"/>
+                    </a:lnR>
+                    <a:lnT w="6350" cap="flat" cmpd="sng" algn="ctr">
+                      <a:solidFill>
+                        <a:srgbClr val="000000"/>
+                      </a:solidFill>
+                      <a:prstDash val="solid"/>
+                      <a:round/>
+                      <a:headEnd type="none" w="med" len="med"/>
+                      <a:tailEnd type="none" w="med" len="med"/>
+                    </a:lnT>
+                    <a:lnB w="6350" cap="flat" cmpd="sng" algn="ctr">
+                      <a:solidFill>
+                        <a:srgbClr val="000000"/>
+                      </a:solidFill>
+                      <a:prstDash val="solid"/>
+                      <a:round/>
+                      <a:headEnd type="none" w="med" len="med"/>
+                      <a:tailEnd type="none" w="med" len="med"/>
+                    </a:lnB>
+                  </a:tcPr>
+                </a:tc>
+                <a:extLst>
+                  <a:ext uri="{0D108BD9-81ED-4DB2-BD59-A6C34878D82A}">
+                    <a16:rowId xmlns:a16="http://schemas.microsoft.com/office/drawing/2014/main" val="525802604"/>
+                  </a:ext>
+                </a:extLst>
+              </a:tr>
+              <a:tr h="182245">
+                <a:tc>
+                  <a:txBody>
+                    <a:bodyPr/>
+                    <a:lstStyle/>
+                    <a:p>
+                      <a:pPr algn="r" fontAlgn="b"/>
+                      <a:r>
+                        <a:rPr lang="fr-CH" sz="1400" b="0" i="0" u="none" strike="noStrike">
+                          <a:solidFill>
+                            <a:srgbClr val="000000"/>
+                          </a:solidFill>
+                          <a:effectLst/>
+                          <a:latin typeface="Calibri" panose="020F0502020204030204" pitchFamily="34" charset="0"/>
+                        </a:rPr>
+                        <a:t>30%</a:t>
+                      </a:r>
+                    </a:p>
+                  </a:txBody>
+                  <a:tcPr marL="4233" marR="4233" marT="4233" marB="0" anchor="b">
+                    <a:lnL w="6350" cap="flat" cmpd="sng" algn="ctr">
+                      <a:solidFill>
+                        <a:srgbClr val="000000"/>
+                      </a:solidFill>
+                      <a:prstDash val="solid"/>
+                      <a:round/>
+                      <a:headEnd type="none" w="med" len="med"/>
+                      <a:tailEnd type="none" w="med" len="med"/>
+                    </a:lnL>
+                    <a:lnR w="6350" cap="flat" cmpd="sng" algn="ctr">
+                      <a:solidFill>
+                        <a:srgbClr val="000000"/>
+                      </a:solidFill>
+                      <a:prstDash val="solid"/>
+                      <a:round/>
+                      <a:headEnd type="none" w="med" len="med"/>
+                      <a:tailEnd type="none" w="med" len="med"/>
+                    </a:lnR>
+                    <a:lnT w="6350" cap="flat" cmpd="sng" algn="ctr">
+                      <a:solidFill>
+                        <a:srgbClr val="000000"/>
+                      </a:solidFill>
+                      <a:prstDash val="solid"/>
+                      <a:round/>
+                      <a:headEnd type="none" w="med" len="med"/>
+                      <a:tailEnd type="none" w="med" len="med"/>
+                    </a:lnT>
+                    <a:lnB w="6350" cap="flat" cmpd="sng" algn="ctr">
+                      <a:solidFill>
+                        <a:srgbClr val="000000"/>
+                      </a:solidFill>
+                      <a:prstDash val="solid"/>
+                      <a:round/>
+                      <a:headEnd type="none" w="med" len="med"/>
+                      <a:tailEnd type="none" w="med" len="med"/>
+                    </a:lnB>
+                  </a:tcPr>
+                </a:tc>
+                <a:tc>
+                  <a:txBody>
+                    <a:bodyPr/>
+                    <a:lstStyle/>
+                    <a:p>
+                      <a:pPr algn="r" fontAlgn="b"/>
+                      <a:r>
+                        <a:rPr lang="fr-CH" sz="1400" b="0" i="0" u="none" strike="noStrike">
+                          <a:solidFill>
+                            <a:srgbClr val="000000"/>
+                          </a:solidFill>
+                          <a:effectLst/>
+                          <a:latin typeface="Calibri" panose="020F0502020204030204" pitchFamily="34" charset="0"/>
+                        </a:rPr>
+                        <a:t>4305</a:t>
+                      </a:r>
+                    </a:p>
+                  </a:txBody>
+                  <a:tcPr marL="4233" marR="4233" marT="4233" marB="0" anchor="b">
+                    <a:lnL w="6350" cap="flat" cmpd="sng" algn="ctr">
+                      <a:solidFill>
+                        <a:srgbClr val="000000"/>
+                      </a:solidFill>
+                      <a:prstDash val="solid"/>
+                      <a:round/>
+                      <a:headEnd type="none" w="med" len="med"/>
+                      <a:tailEnd type="none" w="med" len="med"/>
+                    </a:lnL>
+                    <a:lnR w="6350" cap="flat" cmpd="sng" algn="ctr">
+                      <a:solidFill>
+                        <a:srgbClr val="000000"/>
+                      </a:solidFill>
+                      <a:prstDash val="solid"/>
+                      <a:round/>
+                      <a:headEnd type="none" w="med" len="med"/>
+                      <a:tailEnd type="none" w="med" len="med"/>
+                    </a:lnR>
+                    <a:lnT w="6350" cap="flat" cmpd="sng" algn="ctr">
+                      <a:solidFill>
+                        <a:srgbClr val="000000"/>
+                      </a:solidFill>
+                      <a:prstDash val="solid"/>
+                      <a:round/>
+                      <a:headEnd type="none" w="med" len="med"/>
+                      <a:tailEnd type="none" w="med" len="med"/>
+                    </a:lnT>
+                    <a:lnB w="6350" cap="flat" cmpd="sng" algn="ctr">
+                      <a:solidFill>
+                        <a:srgbClr val="000000"/>
+                      </a:solidFill>
+                      <a:prstDash val="solid"/>
+                      <a:round/>
+                      <a:headEnd type="none" w="med" len="med"/>
+                      <a:tailEnd type="none" w="med" len="med"/>
+                    </a:lnB>
+                  </a:tcPr>
+                </a:tc>
+                <a:tc>
+                  <a:txBody>
+                    <a:bodyPr/>
+                    <a:lstStyle/>
+                    <a:p>
+                      <a:pPr algn="r" fontAlgn="b"/>
+                      <a:r>
+                        <a:rPr lang="fr-CH" sz="1400" b="0" i="0" u="none" strike="noStrike">
+                          <a:solidFill>
+                            <a:srgbClr val="000000"/>
+                          </a:solidFill>
+                          <a:effectLst/>
+                          <a:latin typeface="Calibri" panose="020F0502020204030204" pitchFamily="34" charset="0"/>
+                        </a:rPr>
+                        <a:t>220</a:t>
+                      </a:r>
+                    </a:p>
+                  </a:txBody>
+                  <a:tcPr marL="4233" marR="4233" marT="4233" marB="0" anchor="b">
+                    <a:lnL w="6350" cap="flat" cmpd="sng" algn="ctr">
+                      <a:solidFill>
+                        <a:srgbClr val="000000"/>
+                      </a:solidFill>
+                      <a:prstDash val="solid"/>
+                      <a:round/>
+                      <a:headEnd type="none" w="med" len="med"/>
+                      <a:tailEnd type="none" w="med" len="med"/>
+                    </a:lnL>
+                    <a:lnR w="6350" cap="flat" cmpd="sng" algn="ctr">
+                      <a:solidFill>
+                        <a:srgbClr val="000000"/>
+                      </a:solidFill>
+                      <a:prstDash val="solid"/>
+                      <a:round/>
+                      <a:headEnd type="none" w="med" len="med"/>
+                      <a:tailEnd type="none" w="med" len="med"/>
+                    </a:lnR>
+                    <a:lnT w="6350" cap="flat" cmpd="sng" algn="ctr">
+                      <a:solidFill>
+                        <a:srgbClr val="000000"/>
+                      </a:solidFill>
+                      <a:prstDash val="solid"/>
+                      <a:round/>
+                      <a:headEnd type="none" w="med" len="med"/>
+                      <a:tailEnd type="none" w="med" len="med"/>
+                    </a:lnT>
+                    <a:lnB w="6350" cap="flat" cmpd="sng" algn="ctr">
+                      <a:solidFill>
+                        <a:srgbClr val="000000"/>
+                      </a:solidFill>
+                      <a:prstDash val="solid"/>
+                      <a:round/>
+                      <a:headEnd type="none" w="med" len="med"/>
+                      <a:tailEnd type="none" w="med" len="med"/>
+                    </a:lnB>
+                  </a:tcPr>
+                </a:tc>
+                <a:tc>
+                  <a:txBody>
+                    <a:bodyPr/>
+                    <a:lstStyle/>
+                    <a:p>
+                      <a:pPr algn="r" fontAlgn="b"/>
+                      <a:r>
+                        <a:rPr lang="fr-CH" sz="1400" b="0" i="0" u="none" strike="noStrike">
+                          <a:solidFill>
+                            <a:srgbClr val="000000"/>
+                          </a:solidFill>
+                          <a:effectLst/>
+                          <a:latin typeface="Calibri" panose="020F0502020204030204" pitchFamily="34" charset="0"/>
+                        </a:rPr>
+                        <a:t>48</a:t>
+                      </a:r>
+                    </a:p>
+                  </a:txBody>
+                  <a:tcPr marL="4233" marR="4233" marT="4233" marB="0" anchor="b">
+                    <a:lnL w="6350" cap="flat" cmpd="sng" algn="ctr">
+                      <a:solidFill>
+                        <a:srgbClr val="000000"/>
+                      </a:solidFill>
+                      <a:prstDash val="solid"/>
+                      <a:round/>
+                      <a:headEnd type="none" w="med" len="med"/>
+                      <a:tailEnd type="none" w="med" len="med"/>
+                    </a:lnL>
+                    <a:lnR w="6350" cap="flat" cmpd="sng" algn="ctr">
+                      <a:solidFill>
+                        <a:srgbClr val="000000"/>
+                      </a:solidFill>
+                      <a:prstDash val="solid"/>
+                      <a:round/>
+                      <a:headEnd type="none" w="med" len="med"/>
+                      <a:tailEnd type="none" w="med" len="med"/>
+                    </a:lnR>
+                    <a:lnT w="6350" cap="flat" cmpd="sng" algn="ctr">
+                      <a:solidFill>
+                        <a:srgbClr val="000000"/>
+                      </a:solidFill>
+                      <a:prstDash val="solid"/>
+                      <a:round/>
+                      <a:headEnd type="none" w="med" len="med"/>
+                      <a:tailEnd type="none" w="med" len="med"/>
+                    </a:lnT>
+                    <a:lnB w="6350" cap="flat" cmpd="sng" algn="ctr">
+                      <a:solidFill>
+                        <a:srgbClr val="000000"/>
+                      </a:solidFill>
+                      <a:prstDash val="solid"/>
+                      <a:round/>
+                      <a:headEnd type="none" w="med" len="med"/>
+                      <a:tailEnd type="none" w="med" len="med"/>
+                    </a:lnB>
+                  </a:tcPr>
+                </a:tc>
+                <a:extLst>
+                  <a:ext uri="{0D108BD9-81ED-4DB2-BD59-A6C34878D82A}">
+                    <a16:rowId xmlns:a16="http://schemas.microsoft.com/office/drawing/2014/main" val="3138326659"/>
+                  </a:ext>
+                </a:extLst>
+              </a:tr>
+              <a:tr h="182245">
+                <a:tc>
+                  <a:txBody>
+                    <a:bodyPr/>
+                    <a:lstStyle/>
+                    <a:p>
+                      <a:pPr algn="r" fontAlgn="b"/>
+                      <a:r>
+                        <a:rPr lang="fr-CH" sz="1400" b="0" i="0" u="none" strike="noStrike">
+                          <a:solidFill>
+                            <a:srgbClr val="000000"/>
+                          </a:solidFill>
+                          <a:effectLst/>
+                          <a:latin typeface="Calibri" panose="020F0502020204030204" pitchFamily="34" charset="0"/>
+                        </a:rPr>
+                        <a:t>40%</a:t>
+                      </a:r>
+                    </a:p>
+                  </a:txBody>
+                  <a:tcPr marL="4233" marR="4233" marT="4233" marB="0" anchor="b">
+                    <a:lnL w="6350" cap="flat" cmpd="sng" algn="ctr">
+                      <a:solidFill>
+                        <a:srgbClr val="000000"/>
+                      </a:solidFill>
+                      <a:prstDash val="solid"/>
+                      <a:round/>
+                      <a:headEnd type="none" w="med" len="med"/>
+                      <a:tailEnd type="none" w="med" len="med"/>
+                    </a:lnL>
+                    <a:lnR w="6350" cap="flat" cmpd="sng" algn="ctr">
+                      <a:solidFill>
+                        <a:srgbClr val="000000"/>
+                      </a:solidFill>
+                      <a:prstDash val="solid"/>
+                      <a:round/>
+                      <a:headEnd type="none" w="med" len="med"/>
+                      <a:tailEnd type="none" w="med" len="med"/>
+                    </a:lnR>
+                    <a:lnT w="6350" cap="flat" cmpd="sng" algn="ctr">
+                      <a:solidFill>
+                        <a:srgbClr val="000000"/>
+                      </a:solidFill>
+                      <a:prstDash val="solid"/>
+                      <a:round/>
+                      <a:headEnd type="none" w="med" len="med"/>
+                      <a:tailEnd type="none" w="med" len="med"/>
+                    </a:lnT>
+                    <a:lnB w="6350" cap="flat" cmpd="sng" algn="ctr">
+                      <a:solidFill>
+                        <a:srgbClr val="000000"/>
+                      </a:solidFill>
+                      <a:prstDash val="solid"/>
+                      <a:round/>
+                      <a:headEnd type="none" w="med" len="med"/>
+                      <a:tailEnd type="none" w="med" len="med"/>
+                    </a:lnB>
+                  </a:tcPr>
+                </a:tc>
+                <a:tc>
+                  <a:txBody>
+                    <a:bodyPr/>
+                    <a:lstStyle/>
+                    <a:p>
+                      <a:pPr algn="r" fontAlgn="b"/>
+                      <a:r>
+                        <a:rPr lang="fr-CH" sz="1400" b="0" i="0" u="none" strike="noStrike">
+                          <a:solidFill>
+                            <a:srgbClr val="000000"/>
+                          </a:solidFill>
+                          <a:effectLst/>
+                          <a:latin typeface="Calibri" panose="020F0502020204030204" pitchFamily="34" charset="0"/>
+                        </a:rPr>
+                        <a:t>5405</a:t>
+                      </a:r>
+                    </a:p>
+                  </a:txBody>
+                  <a:tcPr marL="4233" marR="4233" marT="4233" marB="0" anchor="b">
+                    <a:lnL w="6350" cap="flat" cmpd="sng" algn="ctr">
+                      <a:solidFill>
+                        <a:srgbClr val="000000"/>
+                      </a:solidFill>
+                      <a:prstDash val="solid"/>
+                      <a:round/>
+                      <a:headEnd type="none" w="med" len="med"/>
+                      <a:tailEnd type="none" w="med" len="med"/>
+                    </a:lnL>
+                    <a:lnR w="6350" cap="flat" cmpd="sng" algn="ctr">
+                      <a:solidFill>
+                        <a:srgbClr val="000000"/>
+                      </a:solidFill>
+                      <a:prstDash val="solid"/>
+                      <a:round/>
+                      <a:headEnd type="none" w="med" len="med"/>
+                      <a:tailEnd type="none" w="med" len="med"/>
+                    </a:lnR>
+                    <a:lnT w="6350" cap="flat" cmpd="sng" algn="ctr">
+                      <a:solidFill>
+                        <a:srgbClr val="000000"/>
+                      </a:solidFill>
+                      <a:prstDash val="solid"/>
+                      <a:round/>
+                      <a:headEnd type="none" w="med" len="med"/>
+                      <a:tailEnd type="none" w="med" len="med"/>
+                    </a:lnT>
+                    <a:lnB w="6350" cap="flat" cmpd="sng" algn="ctr">
+                      <a:solidFill>
+                        <a:srgbClr val="000000"/>
+                      </a:solidFill>
+                      <a:prstDash val="solid"/>
+                      <a:round/>
+                      <a:headEnd type="none" w="med" len="med"/>
+                      <a:tailEnd type="none" w="med" len="med"/>
+                    </a:lnB>
+                  </a:tcPr>
+                </a:tc>
+                <a:tc>
+                  <a:txBody>
+                    <a:bodyPr/>
+                    <a:lstStyle/>
+                    <a:p>
+                      <a:pPr algn="r" fontAlgn="b"/>
+                      <a:r>
+                        <a:rPr lang="fr-CH" sz="1400" b="0" i="0" u="none" strike="noStrike">
+                          <a:solidFill>
+                            <a:srgbClr val="000000"/>
+                          </a:solidFill>
+                          <a:effectLst/>
+                          <a:latin typeface="Calibri" panose="020F0502020204030204" pitchFamily="34" charset="0"/>
+                        </a:rPr>
+                        <a:t>275</a:t>
+                      </a:r>
+                    </a:p>
+                  </a:txBody>
+                  <a:tcPr marL="4233" marR="4233" marT="4233" marB="0" anchor="b">
+                    <a:lnL w="6350" cap="flat" cmpd="sng" algn="ctr">
+                      <a:solidFill>
+                        <a:srgbClr val="000000"/>
+                      </a:solidFill>
+                      <a:prstDash val="solid"/>
+                      <a:round/>
+                      <a:headEnd type="none" w="med" len="med"/>
+                      <a:tailEnd type="none" w="med" len="med"/>
+                    </a:lnL>
+                    <a:lnR w="6350" cap="flat" cmpd="sng" algn="ctr">
+                      <a:solidFill>
+                        <a:srgbClr val="000000"/>
+                      </a:solidFill>
+                      <a:prstDash val="solid"/>
+                      <a:round/>
+                      <a:headEnd type="none" w="med" len="med"/>
+                      <a:tailEnd type="none" w="med" len="med"/>
+                    </a:lnR>
+                    <a:lnT w="6350" cap="flat" cmpd="sng" algn="ctr">
+                      <a:solidFill>
+                        <a:srgbClr val="000000"/>
+                      </a:solidFill>
+                      <a:prstDash val="solid"/>
+                      <a:round/>
+                      <a:headEnd type="none" w="med" len="med"/>
+                      <a:tailEnd type="none" w="med" len="med"/>
+                    </a:lnT>
+                    <a:lnB w="6350" cap="flat" cmpd="sng" algn="ctr">
+                      <a:solidFill>
+                        <a:srgbClr val="000000"/>
+                      </a:solidFill>
+                      <a:prstDash val="solid"/>
+                      <a:round/>
+                      <a:headEnd type="none" w="med" len="med"/>
+                      <a:tailEnd type="none" w="med" len="med"/>
+                    </a:lnB>
+                  </a:tcPr>
+                </a:tc>
+                <a:tc>
+                  <a:txBody>
+                    <a:bodyPr/>
+                    <a:lstStyle/>
+                    <a:p>
+                      <a:pPr algn="r" fontAlgn="b"/>
+                      <a:r>
+                        <a:rPr lang="fr-CH" sz="1400" b="0" i="0" u="none" strike="noStrike">
+                          <a:solidFill>
+                            <a:srgbClr val="000000"/>
+                          </a:solidFill>
+                          <a:effectLst/>
+                          <a:latin typeface="Calibri" panose="020F0502020204030204" pitchFamily="34" charset="0"/>
+                        </a:rPr>
+                        <a:t>59</a:t>
+                      </a:r>
+                    </a:p>
+                  </a:txBody>
+                  <a:tcPr marL="4233" marR="4233" marT="4233" marB="0" anchor="b">
+                    <a:lnL w="6350" cap="flat" cmpd="sng" algn="ctr">
+                      <a:solidFill>
+                        <a:srgbClr val="000000"/>
+                      </a:solidFill>
+                      <a:prstDash val="solid"/>
+                      <a:round/>
+                      <a:headEnd type="none" w="med" len="med"/>
+                      <a:tailEnd type="none" w="med" len="med"/>
+                    </a:lnL>
+                    <a:lnR w="6350" cap="flat" cmpd="sng" algn="ctr">
+                      <a:solidFill>
+                        <a:srgbClr val="000000"/>
+                      </a:solidFill>
+                      <a:prstDash val="solid"/>
+                      <a:round/>
+                      <a:headEnd type="none" w="med" len="med"/>
+                      <a:tailEnd type="none" w="med" len="med"/>
+                    </a:lnR>
+                    <a:lnT w="6350" cap="flat" cmpd="sng" algn="ctr">
+                      <a:solidFill>
+                        <a:srgbClr val="000000"/>
+                      </a:solidFill>
+                      <a:prstDash val="solid"/>
+                      <a:round/>
+                      <a:headEnd type="none" w="med" len="med"/>
+                      <a:tailEnd type="none" w="med" len="med"/>
+                    </a:lnT>
+                    <a:lnB w="6350" cap="flat" cmpd="sng" algn="ctr">
+                      <a:solidFill>
+                        <a:srgbClr val="000000"/>
+                      </a:solidFill>
+                      <a:prstDash val="solid"/>
+                      <a:round/>
+                      <a:headEnd type="none" w="med" len="med"/>
+                      <a:tailEnd type="none" w="med" len="med"/>
+                    </a:lnB>
+                  </a:tcPr>
+                </a:tc>
+                <a:extLst>
+                  <a:ext uri="{0D108BD9-81ED-4DB2-BD59-A6C34878D82A}">
+                    <a16:rowId xmlns:a16="http://schemas.microsoft.com/office/drawing/2014/main" val="2291181559"/>
+                  </a:ext>
+                </a:extLst>
+              </a:tr>
+              <a:tr h="182245">
+                <a:tc>
+                  <a:txBody>
+                    <a:bodyPr/>
+                    <a:lstStyle/>
+                    <a:p>
+                      <a:pPr algn="r" fontAlgn="b"/>
+                      <a:r>
+                        <a:rPr lang="fr-CH" sz="1400" b="0" i="0" u="none" strike="noStrike">
+                          <a:solidFill>
+                            <a:srgbClr val="000000"/>
+                          </a:solidFill>
+                          <a:effectLst/>
+                          <a:latin typeface="Calibri" panose="020F0502020204030204" pitchFamily="34" charset="0"/>
+                        </a:rPr>
+                        <a:t>50%</a:t>
+                      </a:r>
+                    </a:p>
+                  </a:txBody>
+                  <a:tcPr marL="4233" marR="4233" marT="4233" marB="0" anchor="b">
+                    <a:lnL w="6350" cap="flat" cmpd="sng" algn="ctr">
+                      <a:solidFill>
+                        <a:srgbClr val="000000"/>
+                      </a:solidFill>
+                      <a:prstDash val="solid"/>
+                      <a:round/>
+                      <a:headEnd type="none" w="med" len="med"/>
+                      <a:tailEnd type="none" w="med" len="med"/>
+                    </a:lnL>
+                    <a:lnR w="6350" cap="flat" cmpd="sng" algn="ctr">
+                      <a:solidFill>
+                        <a:srgbClr val="000000"/>
+                      </a:solidFill>
+                      <a:prstDash val="solid"/>
+                      <a:round/>
+                      <a:headEnd type="none" w="med" len="med"/>
+                      <a:tailEnd type="none" w="med" len="med"/>
+                    </a:lnR>
+                    <a:lnT w="6350" cap="flat" cmpd="sng" algn="ctr">
+                      <a:solidFill>
+                        <a:srgbClr val="000000"/>
+                      </a:solidFill>
+                      <a:prstDash val="solid"/>
+                      <a:round/>
+                      <a:headEnd type="none" w="med" len="med"/>
+                      <a:tailEnd type="none" w="med" len="med"/>
+                    </a:lnT>
+                    <a:lnB w="6350" cap="flat" cmpd="sng" algn="ctr">
+                      <a:solidFill>
+                        <a:srgbClr val="000000"/>
+                      </a:solidFill>
+                      <a:prstDash val="solid"/>
+                      <a:round/>
+                      <a:headEnd type="none" w="med" len="med"/>
+                      <a:tailEnd type="none" w="med" len="med"/>
+                    </a:lnB>
+                  </a:tcPr>
+                </a:tc>
+                <a:tc>
+                  <a:txBody>
+                    <a:bodyPr/>
+                    <a:lstStyle/>
+                    <a:p>
+                      <a:pPr algn="r" fontAlgn="b"/>
+                      <a:r>
+                        <a:rPr lang="fr-CH" sz="1400" b="0" i="0" u="none" strike="noStrike">
+                          <a:solidFill>
+                            <a:srgbClr val="000000"/>
+                          </a:solidFill>
+                          <a:effectLst/>
+                          <a:latin typeface="Calibri" panose="020F0502020204030204" pitchFamily="34" charset="0"/>
+                        </a:rPr>
+                        <a:t>6505</a:t>
+                      </a:r>
+                    </a:p>
+                  </a:txBody>
+                  <a:tcPr marL="4233" marR="4233" marT="4233" marB="0" anchor="b">
+                    <a:lnL w="6350" cap="flat" cmpd="sng" algn="ctr">
+                      <a:solidFill>
+                        <a:srgbClr val="000000"/>
+                      </a:solidFill>
+                      <a:prstDash val="solid"/>
+                      <a:round/>
+                      <a:headEnd type="none" w="med" len="med"/>
+                      <a:tailEnd type="none" w="med" len="med"/>
+                    </a:lnL>
+                    <a:lnR w="6350" cap="flat" cmpd="sng" algn="ctr">
+                      <a:solidFill>
+                        <a:srgbClr val="000000"/>
+                      </a:solidFill>
+                      <a:prstDash val="solid"/>
+                      <a:round/>
+                      <a:headEnd type="none" w="med" len="med"/>
+                      <a:tailEnd type="none" w="med" len="med"/>
+                    </a:lnR>
+                    <a:lnT w="6350" cap="flat" cmpd="sng" algn="ctr">
+                      <a:solidFill>
+                        <a:srgbClr val="000000"/>
+                      </a:solidFill>
+                      <a:prstDash val="solid"/>
+                      <a:round/>
+                      <a:headEnd type="none" w="med" len="med"/>
+                      <a:tailEnd type="none" w="med" len="med"/>
+                    </a:lnT>
+                    <a:lnB w="6350" cap="flat" cmpd="sng" algn="ctr">
+                      <a:solidFill>
+                        <a:srgbClr val="000000"/>
+                      </a:solidFill>
+                      <a:prstDash val="solid"/>
+                      <a:round/>
+                      <a:headEnd type="none" w="med" len="med"/>
+                      <a:tailEnd type="none" w="med" len="med"/>
+                    </a:lnB>
+                  </a:tcPr>
+                </a:tc>
+                <a:tc>
+                  <a:txBody>
+                    <a:bodyPr/>
+                    <a:lstStyle/>
+                    <a:p>
+                      <a:pPr algn="r" fontAlgn="b"/>
+                      <a:r>
+                        <a:rPr lang="fr-CH" sz="1400" b="0" i="0" u="none" strike="noStrike">
+                          <a:solidFill>
+                            <a:srgbClr val="000000"/>
+                          </a:solidFill>
+                          <a:effectLst/>
+                          <a:latin typeface="Calibri" panose="020F0502020204030204" pitchFamily="34" charset="0"/>
+                        </a:rPr>
+                        <a:t>330</a:t>
+                      </a:r>
+                    </a:p>
+                  </a:txBody>
+                  <a:tcPr marL="4233" marR="4233" marT="4233" marB="0" anchor="b">
+                    <a:lnL w="6350" cap="flat" cmpd="sng" algn="ctr">
+                      <a:solidFill>
+                        <a:srgbClr val="000000"/>
+                      </a:solidFill>
+                      <a:prstDash val="solid"/>
+                      <a:round/>
+                      <a:headEnd type="none" w="med" len="med"/>
+                      <a:tailEnd type="none" w="med" len="med"/>
+                    </a:lnL>
+                    <a:lnR w="6350" cap="flat" cmpd="sng" algn="ctr">
+                      <a:solidFill>
+                        <a:srgbClr val="000000"/>
+                      </a:solidFill>
+                      <a:prstDash val="solid"/>
+                      <a:round/>
+                      <a:headEnd type="none" w="med" len="med"/>
+                      <a:tailEnd type="none" w="med" len="med"/>
+                    </a:lnR>
+                    <a:lnT w="6350" cap="flat" cmpd="sng" algn="ctr">
+                      <a:solidFill>
+                        <a:srgbClr val="000000"/>
+                      </a:solidFill>
+                      <a:prstDash val="solid"/>
+                      <a:round/>
+                      <a:headEnd type="none" w="med" len="med"/>
+                      <a:tailEnd type="none" w="med" len="med"/>
+                    </a:lnT>
+                    <a:lnB w="6350" cap="flat" cmpd="sng" algn="ctr">
+                      <a:solidFill>
+                        <a:srgbClr val="000000"/>
+                      </a:solidFill>
+                      <a:prstDash val="solid"/>
+                      <a:round/>
+                      <a:headEnd type="none" w="med" len="med"/>
+                      <a:tailEnd type="none" w="med" len="med"/>
+                    </a:lnB>
+                  </a:tcPr>
+                </a:tc>
+                <a:tc>
+                  <a:txBody>
+                    <a:bodyPr/>
+                    <a:lstStyle/>
+                    <a:p>
+                      <a:pPr algn="r" fontAlgn="b"/>
+                      <a:r>
+                        <a:rPr lang="fr-CH" sz="1400" b="0" i="0" u="none" strike="noStrike">
+                          <a:solidFill>
+                            <a:srgbClr val="000000"/>
+                          </a:solidFill>
+                          <a:effectLst/>
+                          <a:latin typeface="Calibri" panose="020F0502020204030204" pitchFamily="34" charset="0"/>
+                        </a:rPr>
+                        <a:t>70</a:t>
+                      </a:r>
+                    </a:p>
+                  </a:txBody>
+                  <a:tcPr marL="4233" marR="4233" marT="4233" marB="0" anchor="b">
+                    <a:lnL w="6350" cap="flat" cmpd="sng" algn="ctr">
+                      <a:solidFill>
+                        <a:srgbClr val="000000"/>
+                      </a:solidFill>
+                      <a:prstDash val="solid"/>
+                      <a:round/>
+                      <a:headEnd type="none" w="med" len="med"/>
+                      <a:tailEnd type="none" w="med" len="med"/>
+                    </a:lnL>
+                    <a:lnR w="6350" cap="flat" cmpd="sng" algn="ctr">
+                      <a:solidFill>
+                        <a:srgbClr val="000000"/>
+                      </a:solidFill>
+                      <a:prstDash val="solid"/>
+                      <a:round/>
+                      <a:headEnd type="none" w="med" len="med"/>
+                      <a:tailEnd type="none" w="med" len="med"/>
+                    </a:lnR>
+                    <a:lnT w="6350" cap="flat" cmpd="sng" algn="ctr">
+                      <a:solidFill>
+                        <a:srgbClr val="000000"/>
+                      </a:solidFill>
+                      <a:prstDash val="solid"/>
+                      <a:round/>
+                      <a:headEnd type="none" w="med" len="med"/>
+                      <a:tailEnd type="none" w="med" len="med"/>
+                    </a:lnT>
+                    <a:lnB w="6350" cap="flat" cmpd="sng" algn="ctr">
+                      <a:solidFill>
+                        <a:srgbClr val="000000"/>
+                      </a:solidFill>
+                      <a:prstDash val="solid"/>
+                      <a:round/>
+                      <a:headEnd type="none" w="med" len="med"/>
+                      <a:tailEnd type="none" w="med" len="med"/>
+                    </a:lnB>
+                  </a:tcPr>
+                </a:tc>
+                <a:extLst>
+                  <a:ext uri="{0D108BD9-81ED-4DB2-BD59-A6C34878D82A}">
+                    <a16:rowId xmlns:a16="http://schemas.microsoft.com/office/drawing/2014/main" val="1980727216"/>
+                  </a:ext>
+                </a:extLst>
+              </a:tr>
+              <a:tr h="182245">
+                <a:tc>
+                  <a:txBody>
+                    <a:bodyPr/>
+                    <a:lstStyle/>
+                    <a:p>
+                      <a:pPr algn="r" fontAlgn="b"/>
+                      <a:r>
+                        <a:rPr lang="fr-CH" sz="1400" b="0" i="0" u="none" strike="noStrike">
+                          <a:solidFill>
+                            <a:srgbClr val="000000"/>
+                          </a:solidFill>
+                          <a:effectLst/>
+                          <a:latin typeface="Calibri" panose="020F0502020204030204" pitchFamily="34" charset="0"/>
+                        </a:rPr>
+                        <a:t>60%</a:t>
+                      </a:r>
+                    </a:p>
+                  </a:txBody>
+                  <a:tcPr marL="4233" marR="4233" marT="4233" marB="0" anchor="b">
+                    <a:lnL w="6350" cap="flat" cmpd="sng" algn="ctr">
+                      <a:solidFill>
+                        <a:srgbClr val="000000"/>
+                      </a:solidFill>
+                      <a:prstDash val="solid"/>
+                      <a:round/>
+                      <a:headEnd type="none" w="med" len="med"/>
+                      <a:tailEnd type="none" w="med" len="med"/>
+                    </a:lnL>
+                    <a:lnR w="6350" cap="flat" cmpd="sng" algn="ctr">
+                      <a:solidFill>
+                        <a:srgbClr val="000000"/>
+                      </a:solidFill>
+                      <a:prstDash val="solid"/>
+                      <a:round/>
+                      <a:headEnd type="none" w="med" len="med"/>
+                      <a:tailEnd type="none" w="med" len="med"/>
+                    </a:lnR>
+                    <a:lnT w="6350" cap="flat" cmpd="sng" algn="ctr">
+                      <a:solidFill>
+                        <a:srgbClr val="000000"/>
+                      </a:solidFill>
+                      <a:prstDash val="solid"/>
+                      <a:round/>
+                      <a:headEnd type="none" w="med" len="med"/>
+                      <a:tailEnd type="none" w="med" len="med"/>
+                    </a:lnT>
+                    <a:lnB w="6350" cap="flat" cmpd="sng" algn="ctr">
+                      <a:solidFill>
+                        <a:srgbClr val="000000"/>
+                      </a:solidFill>
+                      <a:prstDash val="solid"/>
+                      <a:round/>
+                      <a:headEnd type="none" w="med" len="med"/>
+                      <a:tailEnd type="none" w="med" len="med"/>
+                    </a:lnB>
+                  </a:tcPr>
+                </a:tc>
+                <a:tc>
+                  <a:txBody>
+                    <a:bodyPr/>
+                    <a:lstStyle/>
+                    <a:p>
+                      <a:pPr algn="r" fontAlgn="b"/>
+                      <a:r>
+                        <a:rPr lang="fr-CH" sz="1400" b="0" i="0" u="none" strike="noStrike">
+                          <a:solidFill>
+                            <a:srgbClr val="000000"/>
+                          </a:solidFill>
+                          <a:effectLst/>
+                          <a:latin typeface="Calibri" panose="020F0502020204030204" pitchFamily="34" charset="0"/>
+                        </a:rPr>
+                        <a:t>7605</a:t>
+                      </a:r>
+                    </a:p>
+                  </a:txBody>
+                  <a:tcPr marL="4233" marR="4233" marT="4233" marB="0" anchor="b">
+                    <a:lnL w="6350" cap="flat" cmpd="sng" algn="ctr">
+                      <a:solidFill>
+                        <a:srgbClr val="000000"/>
+                      </a:solidFill>
+                      <a:prstDash val="solid"/>
+                      <a:round/>
+                      <a:headEnd type="none" w="med" len="med"/>
+                      <a:tailEnd type="none" w="med" len="med"/>
+                    </a:lnL>
+                    <a:lnR w="6350" cap="flat" cmpd="sng" algn="ctr">
+                      <a:solidFill>
+                        <a:srgbClr val="000000"/>
+                      </a:solidFill>
+                      <a:prstDash val="solid"/>
+                      <a:round/>
+                      <a:headEnd type="none" w="med" len="med"/>
+                      <a:tailEnd type="none" w="med" len="med"/>
+                    </a:lnR>
+                    <a:lnT w="6350" cap="flat" cmpd="sng" algn="ctr">
+                      <a:solidFill>
+                        <a:srgbClr val="000000"/>
+                      </a:solidFill>
+                      <a:prstDash val="solid"/>
+                      <a:round/>
+                      <a:headEnd type="none" w="med" len="med"/>
+                      <a:tailEnd type="none" w="med" len="med"/>
+                    </a:lnT>
+                    <a:lnB w="6350" cap="flat" cmpd="sng" algn="ctr">
+                      <a:solidFill>
+                        <a:srgbClr val="000000"/>
+                      </a:solidFill>
+                      <a:prstDash val="solid"/>
+                      <a:round/>
+                      <a:headEnd type="none" w="med" len="med"/>
+                      <a:tailEnd type="none" w="med" len="med"/>
+                    </a:lnB>
+                  </a:tcPr>
+                </a:tc>
+                <a:tc>
+                  <a:txBody>
+                    <a:bodyPr/>
+                    <a:lstStyle/>
+                    <a:p>
+                      <a:pPr algn="r" fontAlgn="b"/>
+                      <a:r>
+                        <a:rPr lang="fr-CH" sz="1400" b="0" i="0" u="none" strike="noStrike">
+                          <a:solidFill>
+                            <a:srgbClr val="000000"/>
+                          </a:solidFill>
+                          <a:effectLst/>
+                          <a:latin typeface="Calibri" panose="020F0502020204030204" pitchFamily="34" charset="0"/>
+                        </a:rPr>
+                        <a:t>385</a:t>
+                      </a:r>
+                    </a:p>
+                  </a:txBody>
+                  <a:tcPr marL="4233" marR="4233" marT="4233" marB="0" anchor="b">
+                    <a:lnL w="6350" cap="flat" cmpd="sng" algn="ctr">
+                      <a:solidFill>
+                        <a:srgbClr val="000000"/>
+                      </a:solidFill>
+                      <a:prstDash val="solid"/>
+                      <a:round/>
+                      <a:headEnd type="none" w="med" len="med"/>
+                      <a:tailEnd type="none" w="med" len="med"/>
+                    </a:lnL>
+                    <a:lnR w="6350" cap="flat" cmpd="sng" algn="ctr">
+                      <a:solidFill>
+                        <a:srgbClr val="000000"/>
+                      </a:solidFill>
+                      <a:prstDash val="solid"/>
+                      <a:round/>
+                      <a:headEnd type="none" w="med" len="med"/>
+                      <a:tailEnd type="none" w="med" len="med"/>
+                    </a:lnR>
+                    <a:lnT w="6350" cap="flat" cmpd="sng" algn="ctr">
+                      <a:solidFill>
+                        <a:srgbClr val="000000"/>
+                      </a:solidFill>
+                      <a:prstDash val="solid"/>
+                      <a:round/>
+                      <a:headEnd type="none" w="med" len="med"/>
+                      <a:tailEnd type="none" w="med" len="med"/>
+                    </a:lnT>
+                    <a:lnB w="6350" cap="flat" cmpd="sng" algn="ctr">
+                      <a:solidFill>
+                        <a:srgbClr val="000000"/>
+                      </a:solidFill>
+                      <a:prstDash val="solid"/>
+                      <a:round/>
+                      <a:headEnd type="none" w="med" len="med"/>
+                      <a:tailEnd type="none" w="med" len="med"/>
+                    </a:lnB>
+                  </a:tcPr>
+                </a:tc>
+                <a:tc>
+                  <a:txBody>
+                    <a:bodyPr/>
+                    <a:lstStyle/>
+                    <a:p>
+                      <a:pPr algn="r" fontAlgn="b"/>
+                      <a:r>
+                        <a:rPr lang="fr-CH" sz="1400" b="0" i="0" u="none" strike="noStrike">
+                          <a:solidFill>
+                            <a:srgbClr val="000000"/>
+                          </a:solidFill>
+                          <a:effectLst/>
+                          <a:latin typeface="Calibri" panose="020F0502020204030204" pitchFamily="34" charset="0"/>
+                        </a:rPr>
+                        <a:t>81</a:t>
+                      </a:r>
+                    </a:p>
+                  </a:txBody>
+                  <a:tcPr marL="4233" marR="4233" marT="4233" marB="0" anchor="b">
+                    <a:lnL w="6350" cap="flat" cmpd="sng" algn="ctr">
+                      <a:solidFill>
+                        <a:srgbClr val="000000"/>
+                      </a:solidFill>
+                      <a:prstDash val="solid"/>
+                      <a:round/>
+                      <a:headEnd type="none" w="med" len="med"/>
+                      <a:tailEnd type="none" w="med" len="med"/>
+                    </a:lnL>
+                    <a:lnR w="6350" cap="flat" cmpd="sng" algn="ctr">
+                      <a:solidFill>
+                        <a:srgbClr val="000000"/>
+                      </a:solidFill>
+                      <a:prstDash val="solid"/>
+                      <a:round/>
+                      <a:headEnd type="none" w="med" len="med"/>
+                      <a:tailEnd type="none" w="med" len="med"/>
+                    </a:lnR>
+                    <a:lnT w="6350" cap="flat" cmpd="sng" algn="ctr">
+                      <a:solidFill>
+                        <a:srgbClr val="000000"/>
+                      </a:solidFill>
+                      <a:prstDash val="solid"/>
+                      <a:round/>
+                      <a:headEnd type="none" w="med" len="med"/>
+                      <a:tailEnd type="none" w="med" len="med"/>
+                    </a:lnT>
+                    <a:lnB w="6350" cap="flat" cmpd="sng" algn="ctr">
+                      <a:solidFill>
+                        <a:srgbClr val="000000"/>
+                      </a:solidFill>
+                      <a:prstDash val="solid"/>
+                      <a:round/>
+                      <a:headEnd type="none" w="med" len="med"/>
+                      <a:tailEnd type="none" w="med" len="med"/>
+                    </a:lnB>
+                  </a:tcPr>
+                </a:tc>
+                <a:extLst>
+                  <a:ext uri="{0D108BD9-81ED-4DB2-BD59-A6C34878D82A}">
+                    <a16:rowId xmlns:a16="http://schemas.microsoft.com/office/drawing/2014/main" val="3057698918"/>
+                  </a:ext>
+                </a:extLst>
+              </a:tr>
+              <a:tr h="182245">
+                <a:tc>
+                  <a:txBody>
+                    <a:bodyPr/>
+                    <a:lstStyle/>
+                    <a:p>
+                      <a:pPr algn="r" fontAlgn="b"/>
+                      <a:r>
+                        <a:rPr lang="fr-CH" sz="1400" b="0" i="0" u="none" strike="noStrike">
+                          <a:solidFill>
+                            <a:srgbClr val="000000"/>
+                          </a:solidFill>
+                          <a:effectLst/>
+                          <a:latin typeface="Calibri" panose="020F0502020204030204" pitchFamily="34" charset="0"/>
+                        </a:rPr>
+                        <a:t>70%</a:t>
+                      </a:r>
+                    </a:p>
+                  </a:txBody>
+                  <a:tcPr marL="4233" marR="4233" marT="4233" marB="0" anchor="b">
+                    <a:lnL w="6350" cap="flat" cmpd="sng" algn="ctr">
+                      <a:solidFill>
+                        <a:srgbClr val="000000"/>
+                      </a:solidFill>
+                      <a:prstDash val="solid"/>
+                      <a:round/>
+                      <a:headEnd type="none" w="med" len="med"/>
+                      <a:tailEnd type="none" w="med" len="med"/>
+                    </a:lnL>
+                    <a:lnR w="6350" cap="flat" cmpd="sng" algn="ctr">
+                      <a:solidFill>
+                        <a:srgbClr val="000000"/>
+                      </a:solidFill>
+                      <a:prstDash val="solid"/>
+                      <a:round/>
+                      <a:headEnd type="none" w="med" len="med"/>
+                      <a:tailEnd type="none" w="med" len="med"/>
+                    </a:lnR>
+                    <a:lnT w="6350" cap="flat" cmpd="sng" algn="ctr">
+                      <a:solidFill>
+                        <a:srgbClr val="000000"/>
+                      </a:solidFill>
+                      <a:prstDash val="solid"/>
+                      <a:round/>
+                      <a:headEnd type="none" w="med" len="med"/>
+                      <a:tailEnd type="none" w="med" len="med"/>
+                    </a:lnT>
+                    <a:lnB w="6350" cap="flat" cmpd="sng" algn="ctr">
+                      <a:solidFill>
+                        <a:srgbClr val="000000"/>
+                      </a:solidFill>
+                      <a:prstDash val="solid"/>
+                      <a:round/>
+                      <a:headEnd type="none" w="med" len="med"/>
+                      <a:tailEnd type="none" w="med" len="med"/>
+                    </a:lnB>
+                  </a:tcPr>
+                </a:tc>
+                <a:tc>
+                  <a:txBody>
+                    <a:bodyPr/>
+                    <a:lstStyle/>
+                    <a:p>
+                      <a:pPr algn="r" fontAlgn="b"/>
+                      <a:r>
+                        <a:rPr lang="fr-CH" sz="1400" b="0" i="0" u="none" strike="noStrike">
+                          <a:solidFill>
+                            <a:srgbClr val="000000"/>
+                          </a:solidFill>
+                          <a:effectLst/>
+                          <a:latin typeface="Calibri" panose="020F0502020204030204" pitchFamily="34" charset="0"/>
+                        </a:rPr>
+                        <a:t>8705</a:t>
+                      </a:r>
+                    </a:p>
+                  </a:txBody>
+                  <a:tcPr marL="4233" marR="4233" marT="4233" marB="0" anchor="b">
+                    <a:lnL w="6350" cap="flat" cmpd="sng" algn="ctr">
+                      <a:solidFill>
+                        <a:srgbClr val="000000"/>
+                      </a:solidFill>
+                      <a:prstDash val="solid"/>
+                      <a:round/>
+                      <a:headEnd type="none" w="med" len="med"/>
+                      <a:tailEnd type="none" w="med" len="med"/>
+                    </a:lnL>
+                    <a:lnR w="6350" cap="flat" cmpd="sng" algn="ctr">
+                      <a:solidFill>
+                        <a:srgbClr val="000000"/>
+                      </a:solidFill>
+                      <a:prstDash val="solid"/>
+                      <a:round/>
+                      <a:headEnd type="none" w="med" len="med"/>
+                      <a:tailEnd type="none" w="med" len="med"/>
+                    </a:lnR>
+                    <a:lnT w="6350" cap="flat" cmpd="sng" algn="ctr">
+                      <a:solidFill>
+                        <a:srgbClr val="000000"/>
+                      </a:solidFill>
+                      <a:prstDash val="solid"/>
+                      <a:round/>
+                      <a:headEnd type="none" w="med" len="med"/>
+                      <a:tailEnd type="none" w="med" len="med"/>
+                    </a:lnT>
+                    <a:lnB w="6350" cap="flat" cmpd="sng" algn="ctr">
+                      <a:solidFill>
+                        <a:srgbClr val="000000"/>
+                      </a:solidFill>
+                      <a:prstDash val="solid"/>
+                      <a:round/>
+                      <a:headEnd type="none" w="med" len="med"/>
+                      <a:tailEnd type="none" w="med" len="med"/>
+                    </a:lnB>
+                  </a:tcPr>
+                </a:tc>
+                <a:tc>
+                  <a:txBody>
+                    <a:bodyPr/>
+                    <a:lstStyle/>
+                    <a:p>
+                      <a:pPr algn="r" fontAlgn="b"/>
+                      <a:r>
+                        <a:rPr lang="fr-CH" sz="1400" b="0" i="0" u="none" strike="noStrike">
+                          <a:solidFill>
+                            <a:srgbClr val="000000"/>
+                          </a:solidFill>
+                          <a:effectLst/>
+                          <a:latin typeface="Calibri" panose="020F0502020204030204" pitchFamily="34" charset="0"/>
+                        </a:rPr>
+                        <a:t>440</a:t>
+                      </a:r>
+                    </a:p>
+                  </a:txBody>
+                  <a:tcPr marL="4233" marR="4233" marT="4233" marB="0" anchor="b">
+                    <a:lnL w="6350" cap="flat" cmpd="sng" algn="ctr">
+                      <a:solidFill>
+                        <a:srgbClr val="000000"/>
+                      </a:solidFill>
+                      <a:prstDash val="solid"/>
+                      <a:round/>
+                      <a:headEnd type="none" w="med" len="med"/>
+                      <a:tailEnd type="none" w="med" len="med"/>
+                    </a:lnL>
+                    <a:lnR w="6350" cap="flat" cmpd="sng" algn="ctr">
+                      <a:solidFill>
+                        <a:srgbClr val="000000"/>
+                      </a:solidFill>
+                      <a:prstDash val="solid"/>
+                      <a:round/>
+                      <a:headEnd type="none" w="med" len="med"/>
+                      <a:tailEnd type="none" w="med" len="med"/>
+                    </a:lnR>
+                    <a:lnT w="6350" cap="flat" cmpd="sng" algn="ctr">
+                      <a:solidFill>
+                        <a:srgbClr val="000000"/>
+                      </a:solidFill>
+                      <a:prstDash val="solid"/>
+                      <a:round/>
+                      <a:headEnd type="none" w="med" len="med"/>
+                      <a:tailEnd type="none" w="med" len="med"/>
+                    </a:lnT>
+                    <a:lnB w="6350" cap="flat" cmpd="sng" algn="ctr">
+                      <a:solidFill>
+                        <a:srgbClr val="000000"/>
+                      </a:solidFill>
+                      <a:prstDash val="solid"/>
+                      <a:round/>
+                      <a:headEnd type="none" w="med" len="med"/>
+                      <a:tailEnd type="none" w="med" len="med"/>
+                    </a:lnB>
+                  </a:tcPr>
+                </a:tc>
+                <a:tc>
+                  <a:txBody>
+                    <a:bodyPr/>
+                    <a:lstStyle/>
+                    <a:p>
+                      <a:pPr algn="r" fontAlgn="b"/>
+                      <a:r>
+                        <a:rPr lang="fr-CH" sz="1400" b="0" i="0" u="none" strike="noStrike">
+                          <a:solidFill>
+                            <a:srgbClr val="000000"/>
+                          </a:solidFill>
+                          <a:effectLst/>
+                          <a:latin typeface="Calibri" panose="020F0502020204030204" pitchFamily="34" charset="0"/>
+                        </a:rPr>
+                        <a:t>92</a:t>
+                      </a:r>
+                    </a:p>
+                  </a:txBody>
+                  <a:tcPr marL="4233" marR="4233" marT="4233" marB="0" anchor="b">
+                    <a:lnL w="6350" cap="flat" cmpd="sng" algn="ctr">
+                      <a:solidFill>
+                        <a:srgbClr val="000000"/>
+                      </a:solidFill>
+                      <a:prstDash val="solid"/>
+                      <a:round/>
+                      <a:headEnd type="none" w="med" len="med"/>
+                      <a:tailEnd type="none" w="med" len="med"/>
+                    </a:lnL>
+                    <a:lnR w="6350" cap="flat" cmpd="sng" algn="ctr">
+                      <a:solidFill>
+                        <a:srgbClr val="000000"/>
+                      </a:solidFill>
+                      <a:prstDash val="solid"/>
+                      <a:round/>
+                      <a:headEnd type="none" w="med" len="med"/>
+                      <a:tailEnd type="none" w="med" len="med"/>
+                    </a:lnR>
+                    <a:lnT w="6350" cap="flat" cmpd="sng" algn="ctr">
+                      <a:solidFill>
+                        <a:srgbClr val="000000"/>
+                      </a:solidFill>
+                      <a:prstDash val="solid"/>
+                      <a:round/>
+                      <a:headEnd type="none" w="med" len="med"/>
+                      <a:tailEnd type="none" w="med" len="med"/>
+                    </a:lnT>
+                    <a:lnB w="6350" cap="flat" cmpd="sng" algn="ctr">
+                      <a:solidFill>
+                        <a:srgbClr val="000000"/>
+                      </a:solidFill>
+                      <a:prstDash val="solid"/>
+                      <a:round/>
+                      <a:headEnd type="none" w="med" len="med"/>
+                      <a:tailEnd type="none" w="med" len="med"/>
+                    </a:lnB>
+                  </a:tcPr>
+                </a:tc>
+                <a:extLst>
+                  <a:ext uri="{0D108BD9-81ED-4DB2-BD59-A6C34878D82A}">
+                    <a16:rowId xmlns:a16="http://schemas.microsoft.com/office/drawing/2014/main" val="3418602144"/>
+                  </a:ext>
+                </a:extLst>
+              </a:tr>
+              <a:tr h="182245">
+                <a:tc>
+                  <a:txBody>
+                    <a:bodyPr/>
+                    <a:lstStyle/>
+                    <a:p>
+                      <a:pPr algn="r" fontAlgn="b"/>
+                      <a:r>
+                        <a:rPr lang="fr-CH" sz="1400" b="0" i="0" u="none" strike="noStrike">
+                          <a:solidFill>
+                            <a:srgbClr val="000000"/>
+                          </a:solidFill>
+                          <a:effectLst/>
+                          <a:latin typeface="Calibri" panose="020F0502020204030204" pitchFamily="34" charset="0"/>
+                        </a:rPr>
+                        <a:t>80%</a:t>
+                      </a:r>
+                    </a:p>
+                  </a:txBody>
+                  <a:tcPr marL="4233" marR="4233" marT="4233" marB="0" anchor="b">
+                    <a:lnL w="6350" cap="flat" cmpd="sng" algn="ctr">
+                      <a:solidFill>
+                        <a:srgbClr val="000000"/>
+                      </a:solidFill>
+                      <a:prstDash val="solid"/>
+                      <a:round/>
+                      <a:headEnd type="none" w="med" len="med"/>
+                      <a:tailEnd type="none" w="med" len="med"/>
+                    </a:lnL>
+                    <a:lnR w="6350" cap="flat" cmpd="sng" algn="ctr">
+                      <a:solidFill>
+                        <a:srgbClr val="000000"/>
+                      </a:solidFill>
+                      <a:prstDash val="solid"/>
+                      <a:round/>
+                      <a:headEnd type="none" w="med" len="med"/>
+                      <a:tailEnd type="none" w="med" len="med"/>
+                    </a:lnR>
+                    <a:lnT w="6350" cap="flat" cmpd="sng" algn="ctr">
+                      <a:solidFill>
+                        <a:srgbClr val="000000"/>
+                      </a:solidFill>
+                      <a:prstDash val="solid"/>
+                      <a:round/>
+                      <a:headEnd type="none" w="med" len="med"/>
+                      <a:tailEnd type="none" w="med" len="med"/>
+                    </a:lnT>
+                    <a:lnB w="6350" cap="flat" cmpd="sng" algn="ctr">
+                      <a:solidFill>
+                        <a:srgbClr val="000000"/>
+                      </a:solidFill>
+                      <a:prstDash val="solid"/>
+                      <a:round/>
+                      <a:headEnd type="none" w="med" len="med"/>
+                      <a:tailEnd type="none" w="med" len="med"/>
+                    </a:lnB>
+                  </a:tcPr>
+                </a:tc>
+                <a:tc>
+                  <a:txBody>
+                    <a:bodyPr/>
+                    <a:lstStyle/>
+                    <a:p>
+                      <a:pPr algn="r" fontAlgn="b"/>
+                      <a:r>
+                        <a:rPr lang="fr-CH" sz="1400" b="0" i="0" u="none" strike="noStrike">
+                          <a:solidFill>
+                            <a:srgbClr val="000000"/>
+                          </a:solidFill>
+                          <a:effectLst/>
+                          <a:latin typeface="Calibri" panose="020F0502020204030204" pitchFamily="34" charset="0"/>
+                        </a:rPr>
+                        <a:t>9805</a:t>
+                      </a:r>
+                    </a:p>
+                  </a:txBody>
+                  <a:tcPr marL="4233" marR="4233" marT="4233" marB="0" anchor="b">
+                    <a:lnL w="6350" cap="flat" cmpd="sng" algn="ctr">
+                      <a:solidFill>
+                        <a:srgbClr val="000000"/>
+                      </a:solidFill>
+                      <a:prstDash val="solid"/>
+                      <a:round/>
+                      <a:headEnd type="none" w="med" len="med"/>
+                      <a:tailEnd type="none" w="med" len="med"/>
+                    </a:lnL>
+                    <a:lnR w="6350" cap="flat" cmpd="sng" algn="ctr">
+                      <a:solidFill>
+                        <a:srgbClr val="000000"/>
+                      </a:solidFill>
+                      <a:prstDash val="solid"/>
+                      <a:round/>
+                      <a:headEnd type="none" w="med" len="med"/>
+                      <a:tailEnd type="none" w="med" len="med"/>
+                    </a:lnR>
+                    <a:lnT w="6350" cap="flat" cmpd="sng" algn="ctr">
+                      <a:solidFill>
+                        <a:srgbClr val="000000"/>
+                      </a:solidFill>
+                      <a:prstDash val="solid"/>
+                      <a:round/>
+                      <a:headEnd type="none" w="med" len="med"/>
+                      <a:tailEnd type="none" w="med" len="med"/>
+                    </a:lnT>
+                    <a:lnB w="6350" cap="flat" cmpd="sng" algn="ctr">
+                      <a:solidFill>
+                        <a:srgbClr val="000000"/>
+                      </a:solidFill>
+                      <a:prstDash val="solid"/>
+                      <a:round/>
+                      <a:headEnd type="none" w="med" len="med"/>
+                      <a:tailEnd type="none" w="med" len="med"/>
+                    </a:lnB>
+                  </a:tcPr>
+                </a:tc>
+                <a:tc>
+                  <a:txBody>
+                    <a:bodyPr/>
+                    <a:lstStyle/>
+                    <a:p>
+                      <a:pPr algn="r" fontAlgn="b"/>
+                      <a:r>
+                        <a:rPr lang="fr-CH" sz="1400" b="0" i="0" u="none" strike="noStrike">
+                          <a:solidFill>
+                            <a:srgbClr val="000000"/>
+                          </a:solidFill>
+                          <a:effectLst/>
+                          <a:latin typeface="Calibri" panose="020F0502020204030204" pitchFamily="34" charset="0"/>
+                        </a:rPr>
+                        <a:t>495</a:t>
+                      </a:r>
+                    </a:p>
+                  </a:txBody>
+                  <a:tcPr marL="4233" marR="4233" marT="4233" marB="0" anchor="b">
+                    <a:lnL w="6350" cap="flat" cmpd="sng" algn="ctr">
+                      <a:solidFill>
+                        <a:srgbClr val="000000"/>
+                      </a:solidFill>
+                      <a:prstDash val="solid"/>
+                      <a:round/>
+                      <a:headEnd type="none" w="med" len="med"/>
+                      <a:tailEnd type="none" w="med" len="med"/>
+                    </a:lnL>
+                    <a:lnR w="6350" cap="flat" cmpd="sng" algn="ctr">
+                      <a:solidFill>
+                        <a:srgbClr val="000000"/>
+                      </a:solidFill>
+                      <a:prstDash val="solid"/>
+                      <a:round/>
+                      <a:headEnd type="none" w="med" len="med"/>
+                      <a:tailEnd type="none" w="med" len="med"/>
+                    </a:lnR>
+                    <a:lnT w="6350" cap="flat" cmpd="sng" algn="ctr">
+                      <a:solidFill>
+                        <a:srgbClr val="000000"/>
+                      </a:solidFill>
+                      <a:prstDash val="solid"/>
+                      <a:round/>
+                      <a:headEnd type="none" w="med" len="med"/>
+                      <a:tailEnd type="none" w="med" len="med"/>
+                    </a:lnT>
+                    <a:lnB w="6350" cap="flat" cmpd="sng" algn="ctr">
+                      <a:solidFill>
+                        <a:srgbClr val="000000"/>
+                      </a:solidFill>
+                      <a:prstDash val="solid"/>
+                      <a:round/>
+                      <a:headEnd type="none" w="med" len="med"/>
+                      <a:tailEnd type="none" w="med" len="med"/>
+                    </a:lnB>
+                  </a:tcPr>
+                </a:tc>
+                <a:tc>
+                  <a:txBody>
+                    <a:bodyPr/>
+                    <a:lstStyle/>
+                    <a:p>
+                      <a:pPr algn="r" fontAlgn="b"/>
+                      <a:r>
+                        <a:rPr lang="fr-CH" sz="1400" b="0" i="0" u="none" strike="noStrike">
+                          <a:solidFill>
+                            <a:srgbClr val="9C0006"/>
+                          </a:solidFill>
+                          <a:effectLst/>
+                          <a:latin typeface="Calibri" panose="020F0502020204030204" pitchFamily="34" charset="0"/>
+                        </a:rPr>
+                        <a:t>103</a:t>
+                      </a:r>
+                    </a:p>
+                  </a:txBody>
+                  <a:tcPr marL="4233" marR="4233" marT="4233" marB="0" anchor="b">
+                    <a:lnL w="6350" cap="flat" cmpd="sng" algn="ctr">
+                      <a:solidFill>
+                        <a:srgbClr val="000000"/>
+                      </a:solidFill>
+                      <a:prstDash val="solid"/>
+                      <a:round/>
+                      <a:headEnd type="none" w="med" len="med"/>
+                      <a:tailEnd type="none" w="med" len="med"/>
+                    </a:lnL>
+                    <a:lnR w="6350" cap="flat" cmpd="sng" algn="ctr">
+                      <a:solidFill>
+                        <a:srgbClr val="000000"/>
+                      </a:solidFill>
+                      <a:prstDash val="solid"/>
+                      <a:round/>
+                      <a:headEnd type="none" w="med" len="med"/>
+                      <a:tailEnd type="none" w="med" len="med"/>
+                    </a:lnR>
+                    <a:lnT w="6350" cap="flat" cmpd="sng" algn="ctr">
+                      <a:solidFill>
+                        <a:srgbClr val="000000"/>
+                      </a:solidFill>
+                      <a:prstDash val="solid"/>
+                      <a:round/>
+                      <a:headEnd type="none" w="med" len="med"/>
+                      <a:tailEnd type="none" w="med" len="med"/>
+                    </a:lnT>
+                    <a:lnB w="6350" cap="flat" cmpd="sng" algn="ctr">
+                      <a:solidFill>
+                        <a:srgbClr val="000000"/>
+                      </a:solidFill>
+                      <a:prstDash val="solid"/>
+                      <a:round/>
+                      <a:headEnd type="none" w="med" len="med"/>
+                      <a:tailEnd type="none" w="med" len="med"/>
+                    </a:lnB>
+                    <a:solidFill>
+                      <a:srgbClr val="FFC7CE"/>
+                    </a:solidFill>
+                  </a:tcPr>
+                </a:tc>
+                <a:extLst>
+                  <a:ext uri="{0D108BD9-81ED-4DB2-BD59-A6C34878D82A}">
+                    <a16:rowId xmlns:a16="http://schemas.microsoft.com/office/drawing/2014/main" val="2294906808"/>
+                  </a:ext>
+                </a:extLst>
+              </a:tr>
+              <a:tr h="182245">
+                <a:tc>
+                  <a:txBody>
+                    <a:bodyPr/>
+                    <a:lstStyle/>
+                    <a:p>
+                      <a:pPr algn="r" fontAlgn="b"/>
+                      <a:r>
+                        <a:rPr lang="fr-CH" sz="1400" b="0" i="0" u="none" strike="noStrike">
+                          <a:solidFill>
+                            <a:srgbClr val="000000"/>
+                          </a:solidFill>
+                          <a:effectLst/>
+                          <a:latin typeface="Calibri" panose="020F0502020204030204" pitchFamily="34" charset="0"/>
+                        </a:rPr>
+                        <a:t>90%</a:t>
+                      </a:r>
+                    </a:p>
+                  </a:txBody>
+                  <a:tcPr marL="4233" marR="4233" marT="4233" marB="0" anchor="b">
+                    <a:lnL w="6350" cap="flat" cmpd="sng" algn="ctr">
+                      <a:solidFill>
+                        <a:srgbClr val="000000"/>
+                      </a:solidFill>
+                      <a:prstDash val="solid"/>
+                      <a:round/>
+                      <a:headEnd type="none" w="med" len="med"/>
+                      <a:tailEnd type="none" w="med" len="med"/>
+                    </a:lnL>
+                    <a:lnR w="6350" cap="flat" cmpd="sng" algn="ctr">
+                      <a:solidFill>
+                        <a:srgbClr val="000000"/>
+                      </a:solidFill>
+                      <a:prstDash val="solid"/>
+                      <a:round/>
+                      <a:headEnd type="none" w="med" len="med"/>
+                      <a:tailEnd type="none" w="med" len="med"/>
+                    </a:lnR>
+                    <a:lnT w="6350" cap="flat" cmpd="sng" algn="ctr">
+                      <a:solidFill>
+                        <a:srgbClr val="000000"/>
+                      </a:solidFill>
+                      <a:prstDash val="solid"/>
+                      <a:round/>
+                      <a:headEnd type="none" w="med" len="med"/>
+                      <a:tailEnd type="none" w="med" len="med"/>
+                    </a:lnT>
+                    <a:lnB w="6350" cap="flat" cmpd="sng" algn="ctr">
+                      <a:solidFill>
+                        <a:srgbClr val="000000"/>
+                      </a:solidFill>
+                      <a:prstDash val="solid"/>
+                      <a:round/>
+                      <a:headEnd type="none" w="med" len="med"/>
+                      <a:tailEnd type="none" w="med" len="med"/>
+                    </a:lnB>
+                  </a:tcPr>
+                </a:tc>
+                <a:tc>
+                  <a:txBody>
+                    <a:bodyPr/>
+                    <a:lstStyle/>
+                    <a:p>
+                      <a:pPr algn="r" fontAlgn="b"/>
+                      <a:r>
+                        <a:rPr lang="fr-CH" sz="1400" b="0" i="0" u="none" strike="noStrike">
+                          <a:solidFill>
+                            <a:srgbClr val="9C0006"/>
+                          </a:solidFill>
+                          <a:effectLst/>
+                          <a:latin typeface="Calibri" panose="020F0502020204030204" pitchFamily="34" charset="0"/>
+                        </a:rPr>
+                        <a:t>10905</a:t>
+                      </a:r>
+                    </a:p>
+                  </a:txBody>
+                  <a:tcPr marL="4233" marR="4233" marT="4233" marB="0" anchor="b">
+                    <a:lnL w="6350" cap="flat" cmpd="sng" algn="ctr">
+                      <a:solidFill>
+                        <a:srgbClr val="000000"/>
+                      </a:solidFill>
+                      <a:prstDash val="solid"/>
+                      <a:round/>
+                      <a:headEnd type="none" w="med" len="med"/>
+                      <a:tailEnd type="none" w="med" len="med"/>
+                    </a:lnL>
+                    <a:lnR w="6350" cap="flat" cmpd="sng" algn="ctr">
+                      <a:solidFill>
+                        <a:srgbClr val="000000"/>
+                      </a:solidFill>
+                      <a:prstDash val="solid"/>
+                      <a:round/>
+                      <a:headEnd type="none" w="med" len="med"/>
+                      <a:tailEnd type="none" w="med" len="med"/>
+                    </a:lnR>
+                    <a:lnT w="6350" cap="flat" cmpd="sng" algn="ctr">
+                      <a:solidFill>
+                        <a:srgbClr val="000000"/>
+                      </a:solidFill>
+                      <a:prstDash val="solid"/>
+                      <a:round/>
+                      <a:headEnd type="none" w="med" len="med"/>
+                      <a:tailEnd type="none" w="med" len="med"/>
+                    </a:lnT>
+                    <a:lnB w="6350" cap="flat" cmpd="sng" algn="ctr">
+                      <a:solidFill>
+                        <a:srgbClr val="000000"/>
+                      </a:solidFill>
+                      <a:prstDash val="solid"/>
+                      <a:round/>
+                      <a:headEnd type="none" w="med" len="med"/>
+                      <a:tailEnd type="none" w="med" len="med"/>
+                    </a:lnB>
+                    <a:solidFill>
+                      <a:srgbClr val="FFC7CE"/>
+                    </a:solidFill>
+                  </a:tcPr>
+                </a:tc>
+                <a:tc>
+                  <a:txBody>
+                    <a:bodyPr/>
+                    <a:lstStyle/>
+                    <a:p>
+                      <a:pPr algn="r" fontAlgn="b"/>
+                      <a:r>
+                        <a:rPr lang="fr-CH" sz="1400" b="0" i="0" u="none" strike="noStrike">
+                          <a:solidFill>
+                            <a:srgbClr val="9C0006"/>
+                          </a:solidFill>
+                          <a:effectLst/>
+                          <a:latin typeface="Calibri" panose="020F0502020204030204" pitchFamily="34" charset="0"/>
+                        </a:rPr>
+                        <a:t>550</a:t>
+                      </a:r>
+                    </a:p>
+                  </a:txBody>
+                  <a:tcPr marL="4233" marR="4233" marT="4233" marB="0" anchor="b">
+                    <a:lnL w="6350" cap="flat" cmpd="sng" algn="ctr">
+                      <a:solidFill>
+                        <a:srgbClr val="000000"/>
+                      </a:solidFill>
+                      <a:prstDash val="solid"/>
+                      <a:round/>
+                      <a:headEnd type="none" w="med" len="med"/>
+                      <a:tailEnd type="none" w="med" len="med"/>
+                    </a:lnL>
+                    <a:lnR w="6350" cap="flat" cmpd="sng" algn="ctr">
+                      <a:solidFill>
+                        <a:srgbClr val="000000"/>
+                      </a:solidFill>
+                      <a:prstDash val="solid"/>
+                      <a:round/>
+                      <a:headEnd type="none" w="med" len="med"/>
+                      <a:tailEnd type="none" w="med" len="med"/>
+                    </a:lnR>
+                    <a:lnT w="6350" cap="flat" cmpd="sng" algn="ctr">
+                      <a:solidFill>
+                        <a:srgbClr val="000000"/>
+                      </a:solidFill>
+                      <a:prstDash val="solid"/>
+                      <a:round/>
+                      <a:headEnd type="none" w="med" len="med"/>
+                      <a:tailEnd type="none" w="med" len="med"/>
+                    </a:lnT>
+                    <a:lnB w="6350" cap="flat" cmpd="sng" algn="ctr">
+                      <a:solidFill>
+                        <a:srgbClr val="000000"/>
+                      </a:solidFill>
+                      <a:prstDash val="solid"/>
+                      <a:round/>
+                      <a:headEnd type="none" w="med" len="med"/>
+                      <a:tailEnd type="none" w="med" len="med"/>
+                    </a:lnB>
+                    <a:solidFill>
+                      <a:srgbClr val="FFC7CE"/>
+                    </a:solidFill>
+                  </a:tcPr>
+                </a:tc>
+                <a:tc>
+                  <a:txBody>
+                    <a:bodyPr/>
+                    <a:lstStyle/>
+                    <a:p>
+                      <a:pPr algn="r" fontAlgn="b"/>
+                      <a:r>
+                        <a:rPr lang="fr-CH" sz="1400" b="0" i="0" u="none" strike="noStrike">
+                          <a:solidFill>
+                            <a:srgbClr val="9C0006"/>
+                          </a:solidFill>
+                          <a:effectLst/>
+                          <a:latin typeface="Calibri" panose="020F0502020204030204" pitchFamily="34" charset="0"/>
+                        </a:rPr>
+                        <a:t>114</a:t>
+                      </a:r>
+                    </a:p>
+                  </a:txBody>
+                  <a:tcPr marL="4233" marR="4233" marT="4233" marB="0" anchor="b">
+                    <a:lnL w="6350" cap="flat" cmpd="sng" algn="ctr">
+                      <a:solidFill>
+                        <a:srgbClr val="000000"/>
+                      </a:solidFill>
+                      <a:prstDash val="solid"/>
+                      <a:round/>
+                      <a:headEnd type="none" w="med" len="med"/>
+                      <a:tailEnd type="none" w="med" len="med"/>
+                    </a:lnL>
+                    <a:lnR w="6350" cap="flat" cmpd="sng" algn="ctr">
+                      <a:solidFill>
+                        <a:srgbClr val="000000"/>
+                      </a:solidFill>
+                      <a:prstDash val="solid"/>
+                      <a:round/>
+                      <a:headEnd type="none" w="med" len="med"/>
+                      <a:tailEnd type="none" w="med" len="med"/>
+                    </a:lnR>
+                    <a:lnT w="6350" cap="flat" cmpd="sng" algn="ctr">
+                      <a:solidFill>
+                        <a:srgbClr val="000000"/>
+                      </a:solidFill>
+                      <a:prstDash val="solid"/>
+                      <a:round/>
+                      <a:headEnd type="none" w="med" len="med"/>
+                      <a:tailEnd type="none" w="med" len="med"/>
+                    </a:lnT>
+                    <a:lnB w="6350" cap="flat" cmpd="sng" algn="ctr">
+                      <a:solidFill>
+                        <a:srgbClr val="000000"/>
+                      </a:solidFill>
+                      <a:prstDash val="solid"/>
+                      <a:round/>
+                      <a:headEnd type="none" w="med" len="med"/>
+                      <a:tailEnd type="none" w="med" len="med"/>
+                    </a:lnB>
+                    <a:solidFill>
+                      <a:srgbClr val="FFC7CE"/>
+                    </a:solidFill>
+                  </a:tcPr>
+                </a:tc>
+                <a:extLst>
+                  <a:ext uri="{0D108BD9-81ED-4DB2-BD59-A6C34878D82A}">
+                    <a16:rowId xmlns:a16="http://schemas.microsoft.com/office/drawing/2014/main" val="1683385932"/>
+                  </a:ext>
+                </a:extLst>
+              </a:tr>
+              <a:tr h="182245">
+                <a:tc>
+                  <a:txBody>
+                    <a:bodyPr/>
+                    <a:lstStyle/>
+                    <a:p>
+                      <a:pPr algn="r" fontAlgn="b"/>
+                      <a:r>
+                        <a:rPr lang="fr-CH" sz="1400" b="0" i="0" u="none" strike="noStrike">
+                          <a:solidFill>
+                            <a:srgbClr val="000000"/>
+                          </a:solidFill>
+                          <a:effectLst/>
+                          <a:latin typeface="Calibri" panose="020F0502020204030204" pitchFamily="34" charset="0"/>
+                        </a:rPr>
+                        <a:t>100%</a:t>
+                      </a:r>
+                    </a:p>
+                  </a:txBody>
+                  <a:tcPr marL="4233" marR="4233" marT="4233" marB="0" anchor="b">
+                    <a:lnL w="6350" cap="flat" cmpd="sng" algn="ctr">
+                      <a:solidFill>
+                        <a:srgbClr val="000000"/>
+                      </a:solidFill>
+                      <a:prstDash val="solid"/>
+                      <a:round/>
+                      <a:headEnd type="none" w="med" len="med"/>
+                      <a:tailEnd type="none" w="med" len="med"/>
+                    </a:lnL>
+                    <a:lnR w="6350" cap="flat" cmpd="sng" algn="ctr">
+                      <a:solidFill>
+                        <a:srgbClr val="000000"/>
+                      </a:solidFill>
+                      <a:prstDash val="solid"/>
+                      <a:round/>
+                      <a:headEnd type="none" w="med" len="med"/>
+                      <a:tailEnd type="none" w="med" len="med"/>
+                    </a:lnR>
+                    <a:lnT w="6350" cap="flat" cmpd="sng" algn="ctr">
+                      <a:solidFill>
+                        <a:srgbClr val="000000"/>
+                      </a:solidFill>
+                      <a:prstDash val="solid"/>
+                      <a:round/>
+                      <a:headEnd type="none" w="med" len="med"/>
+                      <a:tailEnd type="none" w="med" len="med"/>
+                    </a:lnT>
+                    <a:lnB w="6350" cap="flat" cmpd="sng" algn="ctr">
+                      <a:solidFill>
+                        <a:srgbClr val="000000"/>
+                      </a:solidFill>
+                      <a:prstDash val="solid"/>
+                      <a:round/>
+                      <a:headEnd type="none" w="med" len="med"/>
+                      <a:tailEnd type="none" w="med" len="med"/>
+                    </a:lnB>
+                  </a:tcPr>
+                </a:tc>
+                <a:tc>
+                  <a:txBody>
+                    <a:bodyPr/>
+                    <a:lstStyle/>
+                    <a:p>
+                      <a:pPr algn="r" fontAlgn="b"/>
+                      <a:r>
+                        <a:rPr lang="fr-CH" sz="1400" b="0" i="0" u="none" strike="noStrike" dirty="0">
+                          <a:solidFill>
+                            <a:srgbClr val="9C0006"/>
+                          </a:solidFill>
+                          <a:effectLst/>
+                          <a:latin typeface="Calibri" panose="020F0502020204030204" pitchFamily="34" charset="0"/>
+                        </a:rPr>
+                        <a:t>12005</a:t>
+                      </a:r>
+                    </a:p>
+                  </a:txBody>
+                  <a:tcPr marL="4233" marR="4233" marT="4233" marB="0" anchor="b">
+                    <a:lnL w="6350" cap="flat" cmpd="sng" algn="ctr">
+                      <a:solidFill>
+                        <a:srgbClr val="000000"/>
+                      </a:solidFill>
+                      <a:prstDash val="solid"/>
+                      <a:round/>
+                      <a:headEnd type="none" w="med" len="med"/>
+                      <a:tailEnd type="none" w="med" len="med"/>
+                    </a:lnL>
+                    <a:lnR w="6350" cap="flat" cmpd="sng" algn="ctr">
+                      <a:solidFill>
+                        <a:srgbClr val="000000"/>
+                      </a:solidFill>
+                      <a:prstDash val="solid"/>
+                      <a:round/>
+                      <a:headEnd type="none" w="med" len="med"/>
+                      <a:tailEnd type="none" w="med" len="med"/>
+                    </a:lnR>
+                    <a:lnT w="6350" cap="flat" cmpd="sng" algn="ctr">
+                      <a:solidFill>
+                        <a:srgbClr val="000000"/>
+                      </a:solidFill>
+                      <a:prstDash val="solid"/>
+                      <a:round/>
+                      <a:headEnd type="none" w="med" len="med"/>
+                      <a:tailEnd type="none" w="med" len="med"/>
+                    </a:lnT>
+                    <a:lnB w="6350" cap="flat" cmpd="sng" algn="ctr">
+                      <a:solidFill>
+                        <a:srgbClr val="000000"/>
+                      </a:solidFill>
+                      <a:prstDash val="solid"/>
+                      <a:round/>
+                      <a:headEnd type="none" w="med" len="med"/>
+                      <a:tailEnd type="none" w="med" len="med"/>
+                    </a:lnB>
+                    <a:solidFill>
+                      <a:srgbClr val="FFC7CE"/>
+                    </a:solidFill>
+                  </a:tcPr>
+                </a:tc>
+                <a:tc>
+                  <a:txBody>
+                    <a:bodyPr/>
+                    <a:lstStyle/>
+                    <a:p>
+                      <a:pPr algn="r" fontAlgn="b"/>
+                      <a:r>
+                        <a:rPr lang="fr-CH" sz="1400" b="0" i="0" u="none" strike="noStrike">
+                          <a:solidFill>
+                            <a:srgbClr val="9C0006"/>
+                          </a:solidFill>
+                          <a:effectLst/>
+                          <a:latin typeface="Calibri" panose="020F0502020204030204" pitchFamily="34" charset="0"/>
+                        </a:rPr>
+                        <a:t>605</a:t>
+                      </a:r>
+                    </a:p>
+                  </a:txBody>
+                  <a:tcPr marL="4233" marR="4233" marT="4233" marB="0" anchor="b">
+                    <a:lnL w="6350" cap="flat" cmpd="sng" algn="ctr">
+                      <a:solidFill>
+                        <a:srgbClr val="000000"/>
+                      </a:solidFill>
+                      <a:prstDash val="solid"/>
+                      <a:round/>
+                      <a:headEnd type="none" w="med" len="med"/>
+                      <a:tailEnd type="none" w="med" len="med"/>
+                    </a:lnL>
+                    <a:lnR w="6350" cap="flat" cmpd="sng" algn="ctr">
+                      <a:solidFill>
+                        <a:srgbClr val="000000"/>
+                      </a:solidFill>
+                      <a:prstDash val="solid"/>
+                      <a:round/>
+                      <a:headEnd type="none" w="med" len="med"/>
+                      <a:tailEnd type="none" w="med" len="med"/>
+                    </a:lnR>
+                    <a:lnT w="6350" cap="flat" cmpd="sng" algn="ctr">
+                      <a:solidFill>
+                        <a:srgbClr val="000000"/>
+                      </a:solidFill>
+                      <a:prstDash val="solid"/>
+                      <a:round/>
+                      <a:headEnd type="none" w="med" len="med"/>
+                      <a:tailEnd type="none" w="med" len="med"/>
+                    </a:lnT>
+                    <a:lnB w="6350" cap="flat" cmpd="sng" algn="ctr">
+                      <a:solidFill>
+                        <a:srgbClr val="000000"/>
+                      </a:solidFill>
+                      <a:prstDash val="solid"/>
+                      <a:round/>
+                      <a:headEnd type="none" w="med" len="med"/>
+                      <a:tailEnd type="none" w="med" len="med"/>
+                    </a:lnB>
+                    <a:solidFill>
+                      <a:srgbClr val="FFC7CE"/>
+                    </a:solidFill>
+                  </a:tcPr>
+                </a:tc>
+                <a:tc>
+                  <a:txBody>
+                    <a:bodyPr/>
+                    <a:lstStyle/>
+                    <a:p>
+                      <a:pPr algn="r" fontAlgn="b"/>
+                      <a:r>
+                        <a:rPr lang="fr-CH" sz="1400" b="0" i="0" u="none" strike="noStrike" dirty="0">
+                          <a:solidFill>
+                            <a:srgbClr val="9C0006"/>
+                          </a:solidFill>
+                          <a:effectLst/>
+                          <a:latin typeface="Calibri" panose="020F0502020204030204" pitchFamily="34" charset="0"/>
+                        </a:rPr>
+                        <a:t>125</a:t>
+                      </a:r>
+                    </a:p>
+                  </a:txBody>
+                  <a:tcPr marL="4233" marR="4233" marT="4233" marB="0" anchor="b">
+                    <a:lnL w="6350" cap="flat" cmpd="sng" algn="ctr">
+                      <a:solidFill>
+                        <a:srgbClr val="000000"/>
+                      </a:solidFill>
+                      <a:prstDash val="solid"/>
+                      <a:round/>
+                      <a:headEnd type="none" w="med" len="med"/>
+                      <a:tailEnd type="none" w="med" len="med"/>
+                    </a:lnL>
+                    <a:lnR w="6350" cap="flat" cmpd="sng" algn="ctr">
+                      <a:solidFill>
+                        <a:srgbClr val="000000"/>
+                      </a:solidFill>
+                      <a:prstDash val="solid"/>
+                      <a:round/>
+                      <a:headEnd type="none" w="med" len="med"/>
+                      <a:tailEnd type="none" w="med" len="med"/>
+                    </a:lnR>
+                    <a:lnT w="6350" cap="flat" cmpd="sng" algn="ctr">
+                      <a:solidFill>
+                        <a:srgbClr val="000000"/>
+                      </a:solidFill>
+                      <a:prstDash val="solid"/>
+                      <a:round/>
+                      <a:headEnd type="none" w="med" len="med"/>
+                      <a:tailEnd type="none" w="med" len="med"/>
+                    </a:lnT>
+                    <a:lnB w="6350" cap="flat" cmpd="sng" algn="ctr">
+                      <a:solidFill>
+                        <a:srgbClr val="000000"/>
+                      </a:solidFill>
+                      <a:prstDash val="solid"/>
+                      <a:round/>
+                      <a:headEnd type="none" w="med" len="med"/>
+                      <a:tailEnd type="none" w="med" len="med"/>
+                    </a:lnB>
+                    <a:solidFill>
+                      <a:srgbClr val="FFC7CE"/>
+                    </a:solidFill>
+                  </a:tcPr>
+                </a:tc>
+                <a:extLst>
+                  <a:ext uri="{0D108BD9-81ED-4DB2-BD59-A6C34878D82A}">
+                    <a16:rowId xmlns:a16="http://schemas.microsoft.com/office/drawing/2014/main" val="1703014180"/>
+                  </a:ext>
+                </a:extLst>
+              </a:tr>
+            </a:tbl>
+          </a:graphicData>
+        </a:graphic>
+      </p:graphicFrame>
+      <p:graphicFrame>
+        <p:nvGraphicFramePr>
+          <p:cNvPr id="9" name="Table 8">
+            <a:extLst>
+              <a:ext uri="{FF2B5EF4-FFF2-40B4-BE49-F238E27FC236}">
+                <a16:creationId xmlns:a16="http://schemas.microsoft.com/office/drawing/2014/main" id="{1B5B39C2-7EE8-4E5A-9A75-48FE08A08F8A}"/>
+              </a:ext>
+            </a:extLst>
+          </p:cNvPr>
+          <p:cNvGraphicFramePr>
+            <a:graphicFrameLocks noGrp="1"/>
+          </p:cNvGraphicFramePr>
+          <p:nvPr>
+            <p:extLst>
+              <p:ext uri="{D42A27DB-BD31-4B8C-83A1-F6EECF244321}">
+                <p14:modId xmlns:p14="http://schemas.microsoft.com/office/powerpoint/2010/main" val="1672981146"/>
+              </p:ext>
+            </p:extLst>
+          </p:nvPr>
+        </p:nvGraphicFramePr>
+        <p:xfrm>
+          <a:off x="3349545" y="5021817"/>
+          <a:ext cx="1943100" cy="435186"/>
+        </p:xfrm>
+        <a:graphic>
+          <a:graphicData uri="http://schemas.openxmlformats.org/drawingml/2006/table">
+            <a:tbl>
+              <a:tblPr/>
+              <a:tblGrid>
+                <a:gridCol w="647700">
+                  <a:extLst>
+                    <a:ext uri="{9D8B030D-6E8A-4147-A177-3AD203B41FA5}">
+                      <a16:colId xmlns:a16="http://schemas.microsoft.com/office/drawing/2014/main" val="1361746845"/>
+                    </a:ext>
+                  </a:extLst>
+                </a:gridCol>
+                <a:gridCol w="647700">
+                  <a:extLst>
+                    <a:ext uri="{9D8B030D-6E8A-4147-A177-3AD203B41FA5}">
+                      <a16:colId xmlns:a16="http://schemas.microsoft.com/office/drawing/2014/main" val="3055299769"/>
+                    </a:ext>
+                  </a:extLst>
+                </a:gridCol>
+                <a:gridCol w="647700">
+                  <a:extLst>
+                    <a:ext uri="{9D8B030D-6E8A-4147-A177-3AD203B41FA5}">
+                      <a16:colId xmlns:a16="http://schemas.microsoft.com/office/drawing/2014/main" val="1518212147"/>
+                    </a:ext>
+                  </a:extLst>
+                </a:gridCol>
+              </a:tblGrid>
+              <a:tr h="182245">
+                <a:tc>
+                  <a:txBody>
+                    <a:bodyPr/>
+                    <a:lstStyle/>
+                    <a:p>
+                      <a:pPr algn="l" fontAlgn="b"/>
+                      <a:r>
+                        <a:rPr lang="fr-CH" sz="1400" b="0" i="0" u="none" strike="noStrike">
+                          <a:solidFill>
+                            <a:srgbClr val="000000"/>
+                          </a:solidFill>
+                          <a:effectLst/>
+                          <a:latin typeface="Calibri" panose="020F0502020204030204" pitchFamily="34" charset="0"/>
+                        </a:rPr>
+                        <a:t>Ultimate</a:t>
+                      </a:r>
+                    </a:p>
+                  </a:txBody>
+                  <a:tcPr marL="4233" marR="4233" marT="4233" marB="0" anchor="b">
+                    <a:lnL w="6350" cap="flat" cmpd="sng" algn="ctr">
+                      <a:solidFill>
+                        <a:srgbClr val="000000"/>
+                      </a:solidFill>
+                      <a:prstDash val="solid"/>
+                      <a:round/>
+                      <a:headEnd type="none" w="med" len="med"/>
+                      <a:tailEnd type="none" w="med" len="med"/>
+                    </a:lnL>
+                    <a:lnR w="6350" cap="flat" cmpd="sng" algn="ctr">
+                      <a:solidFill>
+                        <a:srgbClr val="000000"/>
+                      </a:solidFill>
+                      <a:prstDash val="solid"/>
+                      <a:round/>
+                      <a:headEnd type="none" w="med" len="med"/>
+                      <a:tailEnd type="none" w="med" len="med"/>
+                    </a:lnR>
+                    <a:lnT w="6350" cap="flat" cmpd="sng" algn="ctr">
+                      <a:solidFill>
+                        <a:srgbClr val="000000"/>
+                      </a:solidFill>
+                      <a:prstDash val="solid"/>
+                      <a:round/>
+                      <a:headEnd type="none" w="med" len="med"/>
+                      <a:tailEnd type="none" w="med" len="med"/>
+                    </a:lnT>
+                    <a:lnB w="6350" cap="flat" cmpd="sng" algn="ctr">
+                      <a:solidFill>
+                        <a:srgbClr val="000000"/>
+                      </a:solidFill>
+                      <a:prstDash val="solid"/>
+                      <a:round/>
+                      <a:headEnd type="none" w="med" len="med"/>
+                      <a:tailEnd type="none" w="med" len="med"/>
+                    </a:lnB>
+                  </a:tcPr>
+                </a:tc>
+                <a:tc>
+                  <a:txBody>
+                    <a:bodyPr/>
+                    <a:lstStyle/>
+                    <a:p>
+                      <a:pPr algn="l" fontAlgn="b"/>
+                      <a:r>
+                        <a:rPr lang="fr-CH" sz="1400" b="0" i="0" u="none" strike="noStrike">
+                          <a:solidFill>
+                            <a:srgbClr val="000000"/>
+                          </a:solidFill>
+                          <a:effectLst/>
+                          <a:latin typeface="Calibri" panose="020F0502020204030204" pitchFamily="34" charset="0"/>
+                        </a:rPr>
+                        <a:t>Medium</a:t>
+                      </a:r>
+                    </a:p>
+                  </a:txBody>
+                  <a:tcPr marL="4233" marR="4233" marT="4233" marB="0" anchor="b">
+                    <a:lnL w="6350" cap="flat" cmpd="sng" algn="ctr">
+                      <a:solidFill>
+                        <a:srgbClr val="000000"/>
+                      </a:solidFill>
+                      <a:prstDash val="solid"/>
+                      <a:round/>
+                      <a:headEnd type="none" w="med" len="med"/>
+                      <a:tailEnd type="none" w="med" len="med"/>
+                    </a:lnL>
+                    <a:lnR w="6350" cap="flat" cmpd="sng" algn="ctr">
+                      <a:solidFill>
+                        <a:srgbClr val="000000"/>
+                      </a:solidFill>
+                      <a:prstDash val="solid"/>
+                      <a:round/>
+                      <a:headEnd type="none" w="med" len="med"/>
+                      <a:tailEnd type="none" w="med" len="med"/>
+                    </a:lnR>
+                    <a:lnT w="6350" cap="flat" cmpd="sng" algn="ctr">
+                      <a:solidFill>
+                        <a:srgbClr val="000000"/>
+                      </a:solidFill>
+                      <a:prstDash val="solid"/>
+                      <a:round/>
+                      <a:headEnd type="none" w="med" len="med"/>
+                      <a:tailEnd type="none" w="med" len="med"/>
+                    </a:lnT>
+                    <a:lnB w="6350" cap="flat" cmpd="sng" algn="ctr">
+                      <a:solidFill>
+                        <a:srgbClr val="000000"/>
+                      </a:solidFill>
+                      <a:prstDash val="solid"/>
+                      <a:round/>
+                      <a:headEnd type="none" w="med" len="med"/>
+                      <a:tailEnd type="none" w="med" len="med"/>
+                    </a:lnB>
+                  </a:tcPr>
+                </a:tc>
+                <a:tc>
+                  <a:txBody>
+                    <a:bodyPr/>
+                    <a:lstStyle/>
+                    <a:p>
+                      <a:pPr algn="l" fontAlgn="b"/>
+                      <a:r>
+                        <a:rPr lang="fr-CH" sz="1400" b="0" i="0" u="none" strike="noStrike">
+                          <a:solidFill>
+                            <a:srgbClr val="000000"/>
+                          </a:solidFill>
+                          <a:effectLst/>
+                          <a:latin typeface="Calibri" panose="020F0502020204030204" pitchFamily="34" charset="0"/>
+                        </a:rPr>
+                        <a:t>Basic</a:t>
+                      </a:r>
+                    </a:p>
+                  </a:txBody>
+                  <a:tcPr marL="4233" marR="4233" marT="4233" marB="0" anchor="b">
+                    <a:lnL w="6350" cap="flat" cmpd="sng" algn="ctr">
+                      <a:solidFill>
+                        <a:srgbClr val="000000"/>
+                      </a:solidFill>
+                      <a:prstDash val="solid"/>
+                      <a:round/>
+                      <a:headEnd type="none" w="med" len="med"/>
+                      <a:tailEnd type="none" w="med" len="med"/>
+                    </a:lnL>
+                    <a:lnR w="6350" cap="flat" cmpd="sng" algn="ctr">
+                      <a:solidFill>
+                        <a:srgbClr val="000000"/>
+                      </a:solidFill>
+                      <a:prstDash val="solid"/>
+                      <a:round/>
+                      <a:headEnd type="none" w="med" len="med"/>
+                      <a:tailEnd type="none" w="med" len="med"/>
+                    </a:lnR>
+                    <a:lnT w="6350" cap="flat" cmpd="sng" algn="ctr">
+                      <a:solidFill>
+                        <a:srgbClr val="000000"/>
+                      </a:solidFill>
+                      <a:prstDash val="solid"/>
+                      <a:round/>
+                      <a:headEnd type="none" w="med" len="med"/>
+                      <a:tailEnd type="none" w="med" len="med"/>
+                    </a:lnT>
+                    <a:lnB w="6350" cap="flat" cmpd="sng" algn="ctr">
+                      <a:solidFill>
+                        <a:srgbClr val="000000"/>
+                      </a:solidFill>
+                      <a:prstDash val="solid"/>
+                      <a:round/>
+                      <a:headEnd type="none" w="med" len="med"/>
+                      <a:tailEnd type="none" w="med" len="med"/>
+                    </a:lnB>
+                  </a:tcPr>
+                </a:tc>
+                <a:extLst>
+                  <a:ext uri="{0D108BD9-81ED-4DB2-BD59-A6C34878D82A}">
+                    <a16:rowId xmlns:a16="http://schemas.microsoft.com/office/drawing/2014/main" val="2152591000"/>
+                  </a:ext>
+                </a:extLst>
+              </a:tr>
+              <a:tr h="182245">
+                <a:tc>
+                  <a:txBody>
+                    <a:bodyPr/>
+                    <a:lstStyle/>
+                    <a:p>
+                      <a:pPr algn="r" fontAlgn="b"/>
+                      <a:r>
+                        <a:rPr lang="fr-CH" sz="1400" b="0" i="0" u="none" strike="noStrike">
+                          <a:solidFill>
+                            <a:srgbClr val="000000"/>
+                          </a:solidFill>
+                          <a:effectLst/>
+                          <a:latin typeface="Calibri" panose="020F0502020204030204" pitchFamily="34" charset="0"/>
+                        </a:rPr>
+                        <a:t>10000</a:t>
+                      </a:r>
+                    </a:p>
+                  </a:txBody>
+                  <a:tcPr marL="4233" marR="4233" marT="4233" marB="0" anchor="b">
+                    <a:lnL w="6350" cap="flat" cmpd="sng" algn="ctr">
+                      <a:solidFill>
+                        <a:srgbClr val="000000"/>
+                      </a:solidFill>
+                      <a:prstDash val="solid"/>
+                      <a:round/>
+                      <a:headEnd type="none" w="med" len="med"/>
+                      <a:tailEnd type="none" w="med" len="med"/>
+                    </a:lnL>
+                    <a:lnR w="6350" cap="flat" cmpd="sng" algn="ctr">
+                      <a:solidFill>
+                        <a:srgbClr val="000000"/>
+                      </a:solidFill>
+                      <a:prstDash val="solid"/>
+                      <a:round/>
+                      <a:headEnd type="none" w="med" len="med"/>
+                      <a:tailEnd type="none" w="med" len="med"/>
+                    </a:lnR>
+                    <a:lnT w="6350" cap="flat" cmpd="sng" algn="ctr">
+                      <a:solidFill>
+                        <a:srgbClr val="000000"/>
+                      </a:solidFill>
+                      <a:prstDash val="solid"/>
+                      <a:round/>
+                      <a:headEnd type="none" w="med" len="med"/>
+                      <a:tailEnd type="none" w="med" len="med"/>
+                    </a:lnT>
+                    <a:lnB w="6350" cap="flat" cmpd="sng" algn="ctr">
+                      <a:solidFill>
+                        <a:srgbClr val="000000"/>
+                      </a:solidFill>
+                      <a:prstDash val="solid"/>
+                      <a:round/>
+                      <a:headEnd type="none" w="med" len="med"/>
+                      <a:tailEnd type="none" w="med" len="med"/>
+                    </a:lnB>
+                  </a:tcPr>
+                </a:tc>
+                <a:tc>
+                  <a:txBody>
+                    <a:bodyPr/>
+                    <a:lstStyle/>
+                    <a:p>
+                      <a:pPr algn="r" fontAlgn="b"/>
+                      <a:r>
+                        <a:rPr lang="fr-CH" sz="1400" b="0" i="0" u="none" strike="noStrike">
+                          <a:solidFill>
+                            <a:srgbClr val="000000"/>
+                          </a:solidFill>
+                          <a:effectLst/>
+                          <a:latin typeface="Calibri" panose="020F0502020204030204" pitchFamily="34" charset="0"/>
+                        </a:rPr>
+                        <a:t>500</a:t>
+                      </a:r>
+                    </a:p>
+                  </a:txBody>
+                  <a:tcPr marL="4233" marR="4233" marT="4233" marB="0" anchor="b">
+                    <a:lnL w="6350" cap="flat" cmpd="sng" algn="ctr">
+                      <a:solidFill>
+                        <a:srgbClr val="000000"/>
+                      </a:solidFill>
+                      <a:prstDash val="solid"/>
+                      <a:round/>
+                      <a:headEnd type="none" w="med" len="med"/>
+                      <a:tailEnd type="none" w="med" len="med"/>
+                    </a:lnL>
+                    <a:lnR w="6350" cap="flat" cmpd="sng" algn="ctr">
+                      <a:solidFill>
+                        <a:srgbClr val="000000"/>
+                      </a:solidFill>
+                      <a:prstDash val="solid"/>
+                      <a:round/>
+                      <a:headEnd type="none" w="med" len="med"/>
+                      <a:tailEnd type="none" w="med" len="med"/>
+                    </a:lnR>
+                    <a:lnT w="6350" cap="flat" cmpd="sng" algn="ctr">
+                      <a:solidFill>
+                        <a:srgbClr val="000000"/>
+                      </a:solidFill>
+                      <a:prstDash val="solid"/>
+                      <a:round/>
+                      <a:headEnd type="none" w="med" len="med"/>
+                      <a:tailEnd type="none" w="med" len="med"/>
+                    </a:lnT>
+                    <a:lnB w="6350" cap="flat" cmpd="sng" algn="ctr">
+                      <a:solidFill>
+                        <a:srgbClr val="000000"/>
+                      </a:solidFill>
+                      <a:prstDash val="solid"/>
+                      <a:round/>
+                      <a:headEnd type="none" w="med" len="med"/>
+                      <a:tailEnd type="none" w="med" len="med"/>
+                    </a:lnB>
+                  </a:tcPr>
+                </a:tc>
+                <a:tc>
+                  <a:txBody>
+                    <a:bodyPr/>
+                    <a:lstStyle/>
+                    <a:p>
+                      <a:pPr algn="r" fontAlgn="b"/>
+                      <a:r>
+                        <a:rPr lang="fr-CH" sz="1400" b="0" i="0" u="none" strike="noStrike" dirty="0">
+                          <a:solidFill>
+                            <a:srgbClr val="000000"/>
+                          </a:solidFill>
+                          <a:effectLst/>
+                          <a:latin typeface="Calibri" panose="020F0502020204030204" pitchFamily="34" charset="0"/>
+                        </a:rPr>
+                        <a:t>100</a:t>
+                      </a:r>
+                    </a:p>
+                  </a:txBody>
+                  <a:tcPr marL="4233" marR="4233" marT="4233" marB="0" anchor="b">
+                    <a:lnL w="6350" cap="flat" cmpd="sng" algn="ctr">
+                      <a:solidFill>
+                        <a:srgbClr val="000000"/>
+                      </a:solidFill>
+                      <a:prstDash val="solid"/>
+                      <a:round/>
+                      <a:headEnd type="none" w="med" len="med"/>
+                      <a:tailEnd type="none" w="med" len="med"/>
+                    </a:lnL>
+                    <a:lnR w="6350" cap="flat" cmpd="sng" algn="ctr">
+                      <a:solidFill>
+                        <a:srgbClr val="000000"/>
+                      </a:solidFill>
+                      <a:prstDash val="solid"/>
+                      <a:round/>
+                      <a:headEnd type="none" w="med" len="med"/>
+                      <a:tailEnd type="none" w="med" len="med"/>
+                    </a:lnR>
+                    <a:lnT w="6350" cap="flat" cmpd="sng" algn="ctr">
+                      <a:solidFill>
+                        <a:srgbClr val="000000"/>
+                      </a:solidFill>
+                      <a:prstDash val="solid"/>
+                      <a:round/>
+                      <a:headEnd type="none" w="med" len="med"/>
+                      <a:tailEnd type="none" w="med" len="med"/>
+                    </a:lnT>
+                    <a:lnB w="6350" cap="flat" cmpd="sng" algn="ctr">
+                      <a:solidFill>
+                        <a:srgbClr val="000000"/>
+                      </a:solidFill>
+                      <a:prstDash val="solid"/>
+                      <a:round/>
+                      <a:headEnd type="none" w="med" len="med"/>
+                      <a:tailEnd type="none" w="med" len="med"/>
+                    </a:lnB>
+                  </a:tcPr>
+                </a:tc>
+                <a:extLst>
+                  <a:ext uri="{0D108BD9-81ED-4DB2-BD59-A6C34878D82A}">
+                    <a16:rowId xmlns:a16="http://schemas.microsoft.com/office/drawing/2014/main" val="1916659583"/>
+                  </a:ext>
+                </a:extLst>
+              </a:tr>
+            </a:tbl>
+          </a:graphicData>
+        </a:graphic>
+      </p:graphicFrame>
+      <p:sp>
+        <p:nvSpPr>
+          <p:cNvPr id="10" name="TextBox 9">
+            <a:extLst>
+              <a:ext uri="{FF2B5EF4-FFF2-40B4-BE49-F238E27FC236}">
+                <a16:creationId xmlns:a16="http://schemas.microsoft.com/office/drawing/2014/main" id="{9033D9CC-AD85-4B77-83B1-0CA88851EB0F}"/>
+              </a:ext>
+            </a:extLst>
+          </p:cNvPr>
+          <p:cNvSpPr txBox="1"/>
+          <p:nvPr/>
+        </p:nvSpPr>
+        <p:spPr>
+          <a:xfrm>
+            <a:off x="1491401" y="5016975"/>
+            <a:ext cx="1678345" cy="369332"/>
+          </a:xfrm>
+          <a:prstGeom prst="rect">
+            <a:avLst/>
+          </a:prstGeom>
+          <a:noFill/>
+        </p:spPr>
+        <p:txBody>
+          <a:bodyPr wrap="none" rtlCol="0">
+            <a:spAutoFit/>
+          </a:bodyPr>
+          <a:lstStyle/>
+          <a:p>
+            <a:r>
+              <a:rPr lang="fr-CH" dirty="0" err="1"/>
+              <a:t>Insured</a:t>
+            </a:r>
+            <a:r>
+              <a:rPr lang="fr-CH" dirty="0"/>
+              <a:t> </a:t>
+            </a:r>
+            <a:r>
+              <a:rPr lang="fr-CH" dirty="0" err="1"/>
+              <a:t>amount</a:t>
+            </a:r>
+            <a:endParaRPr lang="fr-CH" dirty="0"/>
+          </a:p>
+        </p:txBody>
+      </p:sp>
+      <p:sp>
+        <p:nvSpPr>
+          <p:cNvPr id="11" name="TextBox 10">
+            <a:extLst>
+              <a:ext uri="{FF2B5EF4-FFF2-40B4-BE49-F238E27FC236}">
+                <a16:creationId xmlns:a16="http://schemas.microsoft.com/office/drawing/2014/main" id="{16A43286-85BA-4A53-821F-447CDA934E14}"/>
+              </a:ext>
+            </a:extLst>
+          </p:cNvPr>
+          <p:cNvSpPr txBox="1"/>
+          <p:nvPr/>
+        </p:nvSpPr>
+        <p:spPr>
+          <a:xfrm>
+            <a:off x="1510960" y="5457003"/>
+            <a:ext cx="976549" cy="923330"/>
+          </a:xfrm>
+          <a:prstGeom prst="rect">
+            <a:avLst/>
+          </a:prstGeom>
+          <a:noFill/>
+        </p:spPr>
+        <p:txBody>
+          <a:bodyPr wrap="none" rtlCol="0">
+            <a:spAutoFit/>
+          </a:bodyPr>
+          <a:lstStyle/>
+          <a:p>
+            <a:r>
+              <a:rPr lang="fr-CH" dirty="0"/>
+              <a:t>K    = 1.1</a:t>
+            </a:r>
+          </a:p>
+          <a:p>
+            <a:r>
+              <a:rPr lang="fr-CH" dirty="0"/>
+              <a:t>m</a:t>
+            </a:r>
+            <a:r>
+              <a:rPr lang="fr-CH" baseline="-25000" dirty="0"/>
+              <a:t>1</a:t>
+            </a:r>
+            <a:r>
+              <a:rPr lang="fr-CH" dirty="0"/>
+              <a:t> = 0.1</a:t>
+            </a:r>
+          </a:p>
+          <a:p>
+            <a:r>
+              <a:rPr lang="fr-CH" dirty="0"/>
+              <a:t>m</a:t>
+            </a:r>
+            <a:r>
+              <a:rPr lang="fr-CH" baseline="-25000" dirty="0"/>
+              <a:t>2</a:t>
+            </a:r>
+            <a:r>
+              <a:rPr lang="fr-CH" dirty="0"/>
+              <a:t> = 5</a:t>
+            </a:r>
+          </a:p>
+        </p:txBody>
+      </p:sp>
+      <p:sp>
+        <p:nvSpPr>
+          <p:cNvPr id="12" name="TextBox 11">
+            <a:extLst>
+              <a:ext uri="{FF2B5EF4-FFF2-40B4-BE49-F238E27FC236}">
+                <a16:creationId xmlns:a16="http://schemas.microsoft.com/office/drawing/2014/main" id="{B68B8B6F-BD72-4AE3-A6FA-547554234A6A}"/>
+              </a:ext>
+            </a:extLst>
+          </p:cNvPr>
+          <p:cNvSpPr txBox="1"/>
+          <p:nvPr/>
+        </p:nvSpPr>
+        <p:spPr>
+          <a:xfrm>
+            <a:off x="5858028" y="4278610"/>
+            <a:ext cx="1675139" cy="369332"/>
+          </a:xfrm>
+          <a:prstGeom prst="rect">
+            <a:avLst/>
+          </a:prstGeom>
+          <a:noFill/>
+        </p:spPr>
+        <p:txBody>
+          <a:bodyPr wrap="none" rtlCol="0">
+            <a:spAutoFit/>
+          </a:bodyPr>
+          <a:lstStyle/>
+          <a:p>
+            <a:r>
+              <a:rPr lang="fr-CH" dirty="0"/>
+              <a:t>Flight </a:t>
+            </a:r>
+            <a:r>
+              <a:rPr lang="fr-CH" dirty="0" err="1"/>
+              <a:t>is</a:t>
+            </a:r>
+            <a:r>
+              <a:rPr lang="fr-CH" dirty="0"/>
+              <a:t> not </a:t>
+            </a:r>
+            <a:r>
+              <a:rPr lang="fr-CH" dirty="0" err="1"/>
+              <a:t>late</a:t>
+            </a:r>
+            <a:endParaRPr lang="fr-CH" dirty="0"/>
+          </a:p>
+        </p:txBody>
+      </p:sp>
+      <p:sp>
+        <p:nvSpPr>
+          <p:cNvPr id="13" name="TextBox 12">
+            <a:extLst>
+              <a:ext uri="{FF2B5EF4-FFF2-40B4-BE49-F238E27FC236}">
+                <a16:creationId xmlns:a16="http://schemas.microsoft.com/office/drawing/2014/main" id="{CDBEB111-F2A7-4142-9F93-BB9DDD28282F}"/>
+              </a:ext>
+            </a:extLst>
+          </p:cNvPr>
+          <p:cNvSpPr txBox="1"/>
+          <p:nvPr/>
+        </p:nvSpPr>
+        <p:spPr>
+          <a:xfrm>
+            <a:off x="5366144" y="6430139"/>
+            <a:ext cx="1978747" cy="369332"/>
+          </a:xfrm>
+          <a:prstGeom prst="rect">
+            <a:avLst/>
+          </a:prstGeom>
+          <a:noFill/>
+        </p:spPr>
+        <p:txBody>
+          <a:bodyPr wrap="none" rtlCol="0">
+            <a:spAutoFit/>
+          </a:bodyPr>
+          <a:lstStyle/>
+          <a:p>
+            <a:r>
+              <a:rPr lang="fr-CH" dirty="0"/>
+              <a:t>Flight </a:t>
+            </a:r>
+            <a:r>
+              <a:rPr lang="fr-CH" dirty="0" err="1"/>
+              <a:t>is</a:t>
+            </a:r>
+            <a:r>
+              <a:rPr lang="fr-CH" dirty="0"/>
+              <a:t> </a:t>
+            </a:r>
+            <a:r>
+              <a:rPr lang="fr-CH" dirty="0" err="1"/>
+              <a:t>always</a:t>
+            </a:r>
+            <a:r>
+              <a:rPr lang="fr-CH" dirty="0"/>
+              <a:t> </a:t>
+            </a:r>
+            <a:r>
+              <a:rPr lang="fr-CH" dirty="0" err="1"/>
+              <a:t>late</a:t>
+            </a:r>
+            <a:endParaRPr lang="fr-CH" dirty="0"/>
+          </a:p>
+        </p:txBody>
+      </p:sp>
+      <p:sp>
+        <p:nvSpPr>
+          <p:cNvPr id="14" name="Rectangle: Rounded Corners 13">
+            <a:extLst>
+              <a:ext uri="{FF2B5EF4-FFF2-40B4-BE49-F238E27FC236}">
+                <a16:creationId xmlns:a16="http://schemas.microsoft.com/office/drawing/2014/main" id="{8BFDADDC-6E19-4197-8AE3-021DD5C77160}"/>
+              </a:ext>
+            </a:extLst>
+          </p:cNvPr>
+          <p:cNvSpPr/>
+          <p:nvPr/>
+        </p:nvSpPr>
+        <p:spPr>
+          <a:xfrm>
+            <a:off x="8268719" y="6009613"/>
+            <a:ext cx="2332453" cy="848387"/>
+          </a:xfrm>
+          <a:custGeom>
+            <a:avLst/>
+            <a:gdLst>
+              <a:gd name="connsiteX0" fmla="*/ 0 w 2332453"/>
+              <a:gd name="connsiteY0" fmla="*/ 58276 h 848387"/>
+              <a:gd name="connsiteX1" fmla="*/ 58276 w 2332453"/>
+              <a:gd name="connsiteY1" fmla="*/ 0 h 848387"/>
+              <a:gd name="connsiteX2" fmla="*/ 2274177 w 2332453"/>
+              <a:gd name="connsiteY2" fmla="*/ 0 h 848387"/>
+              <a:gd name="connsiteX3" fmla="*/ 2332453 w 2332453"/>
+              <a:gd name="connsiteY3" fmla="*/ 58276 h 848387"/>
+              <a:gd name="connsiteX4" fmla="*/ 2332453 w 2332453"/>
+              <a:gd name="connsiteY4" fmla="*/ 790111 h 848387"/>
+              <a:gd name="connsiteX5" fmla="*/ 2274177 w 2332453"/>
+              <a:gd name="connsiteY5" fmla="*/ 848387 h 848387"/>
+              <a:gd name="connsiteX6" fmla="*/ 58276 w 2332453"/>
+              <a:gd name="connsiteY6" fmla="*/ 848387 h 848387"/>
+              <a:gd name="connsiteX7" fmla="*/ 0 w 2332453"/>
+              <a:gd name="connsiteY7" fmla="*/ 790111 h 848387"/>
+              <a:gd name="connsiteX8" fmla="*/ 0 w 2332453"/>
+              <a:gd name="connsiteY8" fmla="*/ 58276 h 848387"/>
+              <a:gd name="connsiteX0" fmla="*/ 0 w 2332453"/>
+              <a:gd name="connsiteY0" fmla="*/ 58276 h 848387"/>
+              <a:gd name="connsiteX1" fmla="*/ 1593685 w 2332453"/>
+              <a:gd name="connsiteY1" fmla="*/ 312949 h 848387"/>
+              <a:gd name="connsiteX2" fmla="*/ 2274177 w 2332453"/>
+              <a:gd name="connsiteY2" fmla="*/ 0 h 848387"/>
+              <a:gd name="connsiteX3" fmla="*/ 2332453 w 2332453"/>
+              <a:gd name="connsiteY3" fmla="*/ 58276 h 848387"/>
+              <a:gd name="connsiteX4" fmla="*/ 2332453 w 2332453"/>
+              <a:gd name="connsiteY4" fmla="*/ 790111 h 848387"/>
+              <a:gd name="connsiteX5" fmla="*/ 2274177 w 2332453"/>
+              <a:gd name="connsiteY5" fmla="*/ 848387 h 848387"/>
+              <a:gd name="connsiteX6" fmla="*/ 58276 w 2332453"/>
+              <a:gd name="connsiteY6" fmla="*/ 848387 h 848387"/>
+              <a:gd name="connsiteX7" fmla="*/ 0 w 2332453"/>
+              <a:gd name="connsiteY7" fmla="*/ 790111 h 848387"/>
+              <a:gd name="connsiteX8" fmla="*/ 0 w 2332453"/>
+              <a:gd name="connsiteY8" fmla="*/ 58276 h 848387"/>
+              <a:gd name="connsiteX0" fmla="*/ 83127 w 2332453"/>
+              <a:gd name="connsiteY0" fmla="*/ 268539 h 848387"/>
+              <a:gd name="connsiteX1" fmla="*/ 1593685 w 2332453"/>
+              <a:gd name="connsiteY1" fmla="*/ 312949 h 848387"/>
+              <a:gd name="connsiteX2" fmla="*/ 2274177 w 2332453"/>
+              <a:gd name="connsiteY2" fmla="*/ 0 h 848387"/>
+              <a:gd name="connsiteX3" fmla="*/ 2332453 w 2332453"/>
+              <a:gd name="connsiteY3" fmla="*/ 58276 h 848387"/>
+              <a:gd name="connsiteX4" fmla="*/ 2332453 w 2332453"/>
+              <a:gd name="connsiteY4" fmla="*/ 790111 h 848387"/>
+              <a:gd name="connsiteX5" fmla="*/ 2274177 w 2332453"/>
+              <a:gd name="connsiteY5" fmla="*/ 848387 h 848387"/>
+              <a:gd name="connsiteX6" fmla="*/ 58276 w 2332453"/>
+              <a:gd name="connsiteY6" fmla="*/ 848387 h 848387"/>
+              <a:gd name="connsiteX7" fmla="*/ 0 w 2332453"/>
+              <a:gd name="connsiteY7" fmla="*/ 790111 h 848387"/>
+              <a:gd name="connsiteX8" fmla="*/ 83127 w 2332453"/>
+              <a:gd name="connsiteY8" fmla="*/ 268539 h 848387"/>
+              <a:gd name="connsiteX0" fmla="*/ 83127 w 2332453"/>
+              <a:gd name="connsiteY0" fmla="*/ 268539 h 848387"/>
+              <a:gd name="connsiteX1" fmla="*/ 1593685 w 2332453"/>
+              <a:gd name="connsiteY1" fmla="*/ 283610 h 848387"/>
+              <a:gd name="connsiteX2" fmla="*/ 2274177 w 2332453"/>
+              <a:gd name="connsiteY2" fmla="*/ 0 h 848387"/>
+              <a:gd name="connsiteX3" fmla="*/ 2332453 w 2332453"/>
+              <a:gd name="connsiteY3" fmla="*/ 58276 h 848387"/>
+              <a:gd name="connsiteX4" fmla="*/ 2332453 w 2332453"/>
+              <a:gd name="connsiteY4" fmla="*/ 790111 h 848387"/>
+              <a:gd name="connsiteX5" fmla="*/ 2274177 w 2332453"/>
+              <a:gd name="connsiteY5" fmla="*/ 848387 h 848387"/>
+              <a:gd name="connsiteX6" fmla="*/ 58276 w 2332453"/>
+              <a:gd name="connsiteY6" fmla="*/ 848387 h 848387"/>
+              <a:gd name="connsiteX7" fmla="*/ 0 w 2332453"/>
+              <a:gd name="connsiteY7" fmla="*/ 790111 h 848387"/>
+              <a:gd name="connsiteX8" fmla="*/ 83127 w 2332453"/>
+              <a:gd name="connsiteY8" fmla="*/ 268539 h 848387"/>
+              <a:gd name="connsiteX0" fmla="*/ 83127 w 2332453"/>
+              <a:gd name="connsiteY0" fmla="*/ 268539 h 848387"/>
+              <a:gd name="connsiteX1" fmla="*/ 1593685 w 2332453"/>
+              <a:gd name="connsiteY1" fmla="*/ 283610 h 848387"/>
+              <a:gd name="connsiteX2" fmla="*/ 1926597 w 2332453"/>
+              <a:gd name="connsiteY2" fmla="*/ 122246 h 848387"/>
+              <a:gd name="connsiteX3" fmla="*/ 2274177 w 2332453"/>
+              <a:gd name="connsiteY3" fmla="*/ 0 h 848387"/>
+              <a:gd name="connsiteX4" fmla="*/ 2332453 w 2332453"/>
+              <a:gd name="connsiteY4" fmla="*/ 58276 h 848387"/>
+              <a:gd name="connsiteX5" fmla="*/ 2332453 w 2332453"/>
+              <a:gd name="connsiteY5" fmla="*/ 790111 h 848387"/>
+              <a:gd name="connsiteX6" fmla="*/ 2274177 w 2332453"/>
+              <a:gd name="connsiteY6" fmla="*/ 848387 h 848387"/>
+              <a:gd name="connsiteX7" fmla="*/ 58276 w 2332453"/>
+              <a:gd name="connsiteY7" fmla="*/ 848387 h 848387"/>
+              <a:gd name="connsiteX8" fmla="*/ 0 w 2332453"/>
+              <a:gd name="connsiteY8" fmla="*/ 790111 h 848387"/>
+              <a:gd name="connsiteX9" fmla="*/ 83127 w 2332453"/>
+              <a:gd name="connsiteY9" fmla="*/ 268539 h 848387"/>
+              <a:gd name="connsiteX0" fmla="*/ 83127 w 2332453"/>
+              <a:gd name="connsiteY0" fmla="*/ 268539 h 848387"/>
+              <a:gd name="connsiteX1" fmla="*/ 1593685 w 2332453"/>
+              <a:gd name="connsiteY1" fmla="*/ 283610 h 848387"/>
+              <a:gd name="connsiteX2" fmla="*/ 1628317 w 2332453"/>
+              <a:gd name="connsiteY2" fmla="*/ 117356 h 848387"/>
+              <a:gd name="connsiteX3" fmla="*/ 2274177 w 2332453"/>
+              <a:gd name="connsiteY3" fmla="*/ 0 h 848387"/>
+              <a:gd name="connsiteX4" fmla="*/ 2332453 w 2332453"/>
+              <a:gd name="connsiteY4" fmla="*/ 58276 h 848387"/>
+              <a:gd name="connsiteX5" fmla="*/ 2332453 w 2332453"/>
+              <a:gd name="connsiteY5" fmla="*/ 790111 h 848387"/>
+              <a:gd name="connsiteX6" fmla="*/ 2274177 w 2332453"/>
+              <a:gd name="connsiteY6" fmla="*/ 848387 h 848387"/>
+              <a:gd name="connsiteX7" fmla="*/ 58276 w 2332453"/>
+              <a:gd name="connsiteY7" fmla="*/ 848387 h 848387"/>
+              <a:gd name="connsiteX8" fmla="*/ 0 w 2332453"/>
+              <a:gd name="connsiteY8" fmla="*/ 790111 h 848387"/>
+              <a:gd name="connsiteX9" fmla="*/ 83127 w 2332453"/>
+              <a:gd name="connsiteY9" fmla="*/ 268539 h 848387"/>
+              <a:gd name="connsiteX0" fmla="*/ 83127 w 2332453"/>
+              <a:gd name="connsiteY0" fmla="*/ 268539 h 848387"/>
+              <a:gd name="connsiteX1" fmla="*/ 1593685 w 2332453"/>
+              <a:gd name="connsiteY1" fmla="*/ 283610 h 848387"/>
+              <a:gd name="connsiteX2" fmla="*/ 1628317 w 2332453"/>
+              <a:gd name="connsiteY2" fmla="*/ 117356 h 848387"/>
+              <a:gd name="connsiteX3" fmla="*/ 2274177 w 2332453"/>
+              <a:gd name="connsiteY3" fmla="*/ 0 h 848387"/>
+              <a:gd name="connsiteX4" fmla="*/ 2332453 w 2332453"/>
+              <a:gd name="connsiteY4" fmla="*/ 58276 h 848387"/>
+              <a:gd name="connsiteX5" fmla="*/ 2332453 w 2332453"/>
+              <a:gd name="connsiteY5" fmla="*/ 790111 h 848387"/>
+              <a:gd name="connsiteX6" fmla="*/ 2274177 w 2332453"/>
+              <a:gd name="connsiteY6" fmla="*/ 848387 h 848387"/>
+              <a:gd name="connsiteX7" fmla="*/ 58276 w 2332453"/>
+              <a:gd name="connsiteY7" fmla="*/ 848387 h 848387"/>
+              <a:gd name="connsiteX8" fmla="*/ 0 w 2332453"/>
+              <a:gd name="connsiteY8" fmla="*/ 790111 h 848387"/>
+              <a:gd name="connsiteX9" fmla="*/ 83127 w 2332453"/>
+              <a:gd name="connsiteY9" fmla="*/ 268539 h 848387"/>
+              <a:gd name="connsiteX0" fmla="*/ 83127 w 2332453"/>
+              <a:gd name="connsiteY0" fmla="*/ 268539 h 848387"/>
+              <a:gd name="connsiteX1" fmla="*/ 1593685 w 2332453"/>
+              <a:gd name="connsiteY1" fmla="*/ 283610 h 848387"/>
+              <a:gd name="connsiteX2" fmla="*/ 1628317 w 2332453"/>
+              <a:gd name="connsiteY2" fmla="*/ 117356 h 848387"/>
+              <a:gd name="connsiteX3" fmla="*/ 2274177 w 2332453"/>
+              <a:gd name="connsiteY3" fmla="*/ 0 h 848387"/>
+              <a:gd name="connsiteX4" fmla="*/ 2332453 w 2332453"/>
+              <a:gd name="connsiteY4" fmla="*/ 58276 h 848387"/>
+              <a:gd name="connsiteX5" fmla="*/ 2332453 w 2332453"/>
+              <a:gd name="connsiteY5" fmla="*/ 790111 h 848387"/>
+              <a:gd name="connsiteX6" fmla="*/ 2274177 w 2332453"/>
+              <a:gd name="connsiteY6" fmla="*/ 848387 h 848387"/>
+              <a:gd name="connsiteX7" fmla="*/ 58276 w 2332453"/>
+              <a:gd name="connsiteY7" fmla="*/ 848387 h 848387"/>
+              <a:gd name="connsiteX8" fmla="*/ 0 w 2332453"/>
+              <a:gd name="connsiteY8" fmla="*/ 790111 h 848387"/>
+              <a:gd name="connsiteX9" fmla="*/ 83127 w 2332453"/>
+              <a:gd name="connsiteY9" fmla="*/ 268539 h 848387"/>
+              <a:gd name="connsiteX0" fmla="*/ 83127 w 2332453"/>
+              <a:gd name="connsiteY0" fmla="*/ 268539 h 848387"/>
+              <a:gd name="connsiteX1" fmla="*/ 1574125 w 2332453"/>
+              <a:gd name="connsiteY1" fmla="*/ 298280 h 848387"/>
+              <a:gd name="connsiteX2" fmla="*/ 1628317 w 2332453"/>
+              <a:gd name="connsiteY2" fmla="*/ 117356 h 848387"/>
+              <a:gd name="connsiteX3" fmla="*/ 2274177 w 2332453"/>
+              <a:gd name="connsiteY3" fmla="*/ 0 h 848387"/>
+              <a:gd name="connsiteX4" fmla="*/ 2332453 w 2332453"/>
+              <a:gd name="connsiteY4" fmla="*/ 58276 h 848387"/>
+              <a:gd name="connsiteX5" fmla="*/ 2332453 w 2332453"/>
+              <a:gd name="connsiteY5" fmla="*/ 790111 h 848387"/>
+              <a:gd name="connsiteX6" fmla="*/ 2274177 w 2332453"/>
+              <a:gd name="connsiteY6" fmla="*/ 848387 h 848387"/>
+              <a:gd name="connsiteX7" fmla="*/ 58276 w 2332453"/>
+              <a:gd name="connsiteY7" fmla="*/ 848387 h 848387"/>
+              <a:gd name="connsiteX8" fmla="*/ 0 w 2332453"/>
+              <a:gd name="connsiteY8" fmla="*/ 790111 h 848387"/>
+              <a:gd name="connsiteX9" fmla="*/ 83127 w 2332453"/>
+              <a:gd name="connsiteY9" fmla="*/ 268539 h 848387"/>
+              <a:gd name="connsiteX0" fmla="*/ 83127 w 2332453"/>
+              <a:gd name="connsiteY0" fmla="*/ 268539 h 848387"/>
+              <a:gd name="connsiteX1" fmla="*/ 1574125 w 2332453"/>
+              <a:gd name="connsiteY1" fmla="*/ 298280 h 848387"/>
+              <a:gd name="connsiteX2" fmla="*/ 1628317 w 2332453"/>
+              <a:gd name="connsiteY2" fmla="*/ 117356 h 848387"/>
+              <a:gd name="connsiteX3" fmla="*/ 2274177 w 2332453"/>
+              <a:gd name="connsiteY3" fmla="*/ 0 h 848387"/>
+              <a:gd name="connsiteX4" fmla="*/ 2332453 w 2332453"/>
+              <a:gd name="connsiteY4" fmla="*/ 58276 h 848387"/>
+              <a:gd name="connsiteX5" fmla="*/ 2332453 w 2332453"/>
+              <a:gd name="connsiteY5" fmla="*/ 790111 h 848387"/>
+              <a:gd name="connsiteX6" fmla="*/ 2274177 w 2332453"/>
+              <a:gd name="connsiteY6" fmla="*/ 848387 h 848387"/>
+              <a:gd name="connsiteX7" fmla="*/ 58276 w 2332453"/>
+              <a:gd name="connsiteY7" fmla="*/ 848387 h 848387"/>
+              <a:gd name="connsiteX8" fmla="*/ 0 w 2332453"/>
+              <a:gd name="connsiteY8" fmla="*/ 790111 h 848387"/>
+              <a:gd name="connsiteX9" fmla="*/ 83127 w 2332453"/>
+              <a:gd name="connsiteY9" fmla="*/ 268539 h 848387"/>
+            </a:gdLst>
+            <a:ahLst/>
+            <a:cxnLst>
+              <a:cxn ang="0">
+                <a:pos x="connsiteX0" y="connsiteY0"/>
+              </a:cxn>
+              <a:cxn ang="0">
+                <a:pos x="connsiteX1" y="connsiteY1"/>
+              </a:cxn>
+              <a:cxn ang="0">
+                <a:pos x="connsiteX2" y="connsiteY2"/>
+              </a:cxn>
+              <a:cxn ang="0">
+                <a:pos x="connsiteX3" y="connsiteY3"/>
+              </a:cxn>
+              <a:cxn ang="0">
+                <a:pos x="connsiteX4" y="connsiteY4"/>
+              </a:cxn>
+              <a:cxn ang="0">
+                <a:pos x="connsiteX5" y="connsiteY5"/>
+              </a:cxn>
+              <a:cxn ang="0">
+                <a:pos x="connsiteX6" y="connsiteY6"/>
+              </a:cxn>
+              <a:cxn ang="0">
+                <a:pos x="connsiteX7" y="connsiteY7"/>
+              </a:cxn>
+              <a:cxn ang="0">
+                <a:pos x="connsiteX8" y="connsiteY8"/>
+              </a:cxn>
+              <a:cxn ang="0">
+                <a:pos x="connsiteX9" y="connsiteY9"/>
+              </a:cxn>
+            </a:cxnLst>
+            <a:rect l="l" t="t" r="r" b="b"/>
+            <a:pathLst>
+              <a:path w="2332453" h="848387">
+                <a:moveTo>
+                  <a:pt x="83127" y="268539"/>
+                </a:moveTo>
+                <a:cubicBezTo>
+                  <a:pt x="83127" y="236354"/>
+                  <a:pt x="1541940" y="298280"/>
+                  <a:pt x="1574125" y="298280"/>
+                </a:cubicBezTo>
+                <a:cubicBezTo>
+                  <a:pt x="1641768" y="229889"/>
+                  <a:pt x="1637148" y="247751"/>
+                  <a:pt x="1628317" y="117356"/>
+                </a:cubicBezTo>
+                <a:cubicBezTo>
+                  <a:pt x="1580367" y="6520"/>
+                  <a:pt x="2206534" y="10662"/>
+                  <a:pt x="2274177" y="0"/>
+                </a:cubicBezTo>
+                <a:cubicBezTo>
+                  <a:pt x="2306362" y="0"/>
+                  <a:pt x="2332453" y="26091"/>
+                  <a:pt x="2332453" y="58276"/>
+                </a:cubicBezTo>
+                <a:lnTo>
+                  <a:pt x="2332453" y="790111"/>
+                </a:lnTo>
+                <a:cubicBezTo>
+                  <a:pt x="2332453" y="822296"/>
+                  <a:pt x="2306362" y="848387"/>
+                  <a:pt x="2274177" y="848387"/>
+                </a:cubicBezTo>
+                <a:lnTo>
+                  <a:pt x="58276" y="848387"/>
+                </a:lnTo>
+                <a:cubicBezTo>
+                  <a:pt x="26091" y="848387"/>
+                  <a:pt x="0" y="822296"/>
+                  <a:pt x="0" y="790111"/>
+                </a:cubicBezTo>
+                <a:lnTo>
+                  <a:pt x="83127" y="268539"/>
+                </a:lnTo>
+                <a:close/>
+              </a:path>
+            </a:pathLst>
+          </a:custGeom>
+          <a:noFill/>
+          <a:ln>
+            <a:solidFill>
+              <a:srgbClr val="FF0000"/>
+            </a:solidFill>
+          </a:ln>
+        </p:spPr>
+        <p:style>
+          <a:lnRef idx="2">
+            <a:schemeClr val="accent1">
+              <a:shade val="50000"/>
+            </a:schemeClr>
+          </a:lnRef>
+          <a:fillRef idx="1">
+            <a:schemeClr val="accent1"/>
+          </a:fillRef>
+          <a:effectRef idx="0">
+            <a:schemeClr val="accent1"/>
+          </a:effectRef>
+          <a:fontRef idx="minor">
+            <a:schemeClr val="lt1"/>
+          </a:fontRef>
+        </p:style>
+        <p:txBody>
+          <a:bodyPr rtlCol="0" anchor="ctr"/>
+          <a:lstStyle/>
+          <a:p>
+            <a:pPr algn="ctr"/>
+            <a:endParaRPr lang="fr-CH"/>
+          </a:p>
+        </p:txBody>
+      </p:sp>
+    </p:spTree>
+    <p:extLst>
+      <p:ext uri="{BB962C8B-B14F-4D97-AF65-F5344CB8AC3E}">
+        <p14:creationId xmlns:p14="http://schemas.microsoft.com/office/powerpoint/2010/main" val="1279980395"/>
+      </p:ext>
+    </p:extLst>
+  </p:cSld>
+  <p:clrMapOvr>
+    <a:masterClrMapping/>
+  </p:clrMapOvr>
+</p:sld>
+</file>
+
 <file path=ppt/theme/theme1.xml><?xml version="1.0" encoding="utf-8"?>
 <a:theme xmlns:a="http://schemas.openxmlformats.org/drawingml/2006/main" name="Office Theme">
   <a:themeElements>

--- a/unchained-flight-insurance-web/Notes techniques.pptx
+++ b/unchained-flight-insurance-web/Notes techniques.pptx
@@ -7421,7 +7421,7 @@
           <p:nvPr>
             <p:extLst>
               <p:ext uri="{D42A27DB-BD31-4B8C-83A1-F6EECF244321}">
-                <p14:modId xmlns:p14="http://schemas.microsoft.com/office/powerpoint/2010/main" val="719744012"/>
+                <p14:modId xmlns:p14="http://schemas.microsoft.com/office/powerpoint/2010/main" val="1902136941"/>
               </p:ext>
             </p:extLst>
           </p:nvPr>
@@ -7451,7 +7451,7 @@
           <p:nvPr>
             <p:extLst>
               <p:ext uri="{D42A27DB-BD31-4B8C-83A1-F6EECF244321}">
-                <p14:modId xmlns:p14="http://schemas.microsoft.com/office/powerpoint/2010/main" val="3506427998"/>
+                <p14:modId xmlns:p14="http://schemas.microsoft.com/office/powerpoint/2010/main" val="191829292"/>
               </p:ext>
             </p:extLst>
           </p:nvPr>
@@ -8106,7 +8106,7 @@
           <p:nvPr>
             <p:extLst>
               <p:ext uri="{D42A27DB-BD31-4B8C-83A1-F6EECF244321}">
-                <p14:modId xmlns:p14="http://schemas.microsoft.com/office/powerpoint/2010/main" val="1460340685"/>
+                <p14:modId xmlns:p14="http://schemas.microsoft.com/office/powerpoint/2010/main" val="921010583"/>
               </p:ext>
             </p:extLst>
           </p:nvPr>
@@ -12004,7 +12004,7 @@
         </p:nvSpPr>
         <p:spPr>
           <a:xfrm>
-            <a:off x="5858028" y="4278610"/>
+            <a:off x="5628297" y="4285185"/>
             <a:ext cx="1675139" cy="369332"/>
           </a:xfrm>
           <a:prstGeom prst="rect">
@@ -12052,7 +12052,7 @@
         </p:nvSpPr>
         <p:spPr>
           <a:xfrm>
-            <a:off x="5366144" y="6430139"/>
+            <a:off x="5212582" y="6433806"/>
             <a:ext cx="1978747" cy="369332"/>
           </a:xfrm>
           <a:prstGeom prst="rect">
@@ -12390,7 +12390,7 @@
             </a:pathLst>
           </a:custGeom>
           <a:noFill/>
-          <a:ln>
+          <a:ln w="38100">
             <a:solidFill>
               <a:srgbClr val="FF0000"/>
             </a:solidFill>
@@ -12421,6 +12421,172 @@
           </a:p>
         </p:txBody>
       </p:sp>
+      <p:sp>
+        <p:nvSpPr>
+          <p:cNvPr id="15" name="TextBox 14">
+            <a:extLst>
+              <a:ext uri="{FF2B5EF4-FFF2-40B4-BE49-F238E27FC236}">
+                <a16:creationId xmlns:a16="http://schemas.microsoft.com/office/drawing/2014/main" id="{6E3D56D5-5077-4428-A4D8-D179DF910D2D}"/>
+              </a:ext>
+            </a:extLst>
+          </p:cNvPr>
+          <p:cNvSpPr txBox="1"/>
+          <p:nvPr/>
+        </p:nvSpPr>
+        <p:spPr>
+          <a:xfrm>
+            <a:off x="10601172" y="5994058"/>
+            <a:ext cx="1590828" cy="923330"/>
+          </a:xfrm>
+          <a:prstGeom prst="rect">
+            <a:avLst/>
+          </a:prstGeom>
+          <a:noFill/>
+        </p:spPr>
+        <p:txBody>
+          <a:bodyPr wrap="square" rtlCol="0">
+            <a:spAutoFit/>
+          </a:bodyPr>
+          <a:lstStyle/>
+          <a:p>
+            <a:r>
+              <a:rPr lang="fr-CH" dirty="0"/>
+              <a:t>Risk </a:t>
+            </a:r>
+            <a:r>
+              <a:rPr lang="fr-CH" dirty="0" err="1"/>
+              <a:t>is</a:t>
+            </a:r>
+            <a:r>
+              <a:rPr lang="fr-CH" dirty="0"/>
+              <a:t> </a:t>
+            </a:r>
+            <a:r>
+              <a:rPr lang="fr-CH" dirty="0" err="1"/>
+              <a:t>too</a:t>
+            </a:r>
+            <a:r>
+              <a:rPr lang="fr-CH" dirty="0"/>
+              <a:t> high </a:t>
+            </a:r>
+            <a:r>
+              <a:rPr lang="fr-CH" dirty="0" err="1"/>
+              <a:t>so</a:t>
+            </a:r>
+            <a:r>
+              <a:rPr lang="fr-CH" dirty="0"/>
+              <a:t> </a:t>
+            </a:r>
+            <a:r>
+              <a:rPr lang="fr-CH" dirty="0" err="1"/>
+              <a:t>cannot</a:t>
+            </a:r>
+            <a:r>
+              <a:rPr lang="fr-CH" dirty="0"/>
+              <a:t> </a:t>
+            </a:r>
+            <a:r>
+              <a:rPr lang="fr-CH" dirty="0" err="1"/>
+              <a:t>be</a:t>
+            </a:r>
+            <a:r>
+              <a:rPr lang="fr-CH" dirty="0"/>
+              <a:t> </a:t>
+            </a:r>
+            <a:r>
+              <a:rPr lang="fr-CH" dirty="0" err="1"/>
+              <a:t>insured</a:t>
+            </a:r>
+            <a:endParaRPr lang="fr-CH" dirty="0"/>
+          </a:p>
+        </p:txBody>
+      </p:sp>
+      <p:cxnSp>
+        <p:nvCxnSpPr>
+          <p:cNvPr id="17" name="Straight Arrow Connector 16">
+            <a:extLst>
+              <a:ext uri="{FF2B5EF4-FFF2-40B4-BE49-F238E27FC236}">
+                <a16:creationId xmlns:a16="http://schemas.microsoft.com/office/drawing/2014/main" id="{98E9AA18-7DFB-4439-898D-60247A2F0F87}"/>
+              </a:ext>
+            </a:extLst>
+          </p:cNvPr>
+          <p:cNvCxnSpPr>
+            <a:stCxn id="13" idx="3"/>
+          </p:cNvCxnSpPr>
+          <p:nvPr/>
+        </p:nvCxnSpPr>
+        <p:spPr>
+          <a:xfrm flipV="1">
+            <a:off x="7191329" y="6611063"/>
+            <a:ext cx="607965" cy="7409"/>
+          </a:xfrm>
+          <a:prstGeom prst="straightConnector1">
+            <a:avLst/>
+          </a:prstGeom>
+          <a:ln w="38100">
+            <a:solidFill>
+              <a:srgbClr val="FF0000"/>
+            </a:solidFill>
+            <a:tailEnd type="triangle"/>
+          </a:ln>
+        </p:spPr>
+        <p:style>
+          <a:lnRef idx="1">
+            <a:schemeClr val="accent1"/>
+          </a:lnRef>
+          <a:fillRef idx="0">
+            <a:schemeClr val="accent1"/>
+          </a:fillRef>
+          <a:effectRef idx="0">
+            <a:schemeClr val="accent1"/>
+          </a:effectRef>
+          <a:fontRef idx="minor">
+            <a:schemeClr val="tx1"/>
+          </a:fontRef>
+        </p:style>
+      </p:cxnSp>
+      <p:cxnSp>
+        <p:nvCxnSpPr>
+          <p:cNvPr id="18" name="Straight Arrow Connector 17">
+            <a:extLst>
+              <a:ext uri="{FF2B5EF4-FFF2-40B4-BE49-F238E27FC236}">
+                <a16:creationId xmlns:a16="http://schemas.microsoft.com/office/drawing/2014/main" id="{0B00E228-7B9B-497E-B843-85F6F5B003F7}"/>
+              </a:ext>
+            </a:extLst>
+          </p:cNvPr>
+          <p:cNvCxnSpPr/>
+          <p:nvPr/>
+        </p:nvCxnSpPr>
+        <p:spPr>
+          <a:xfrm flipV="1">
+            <a:off x="7217875" y="4469851"/>
+            <a:ext cx="607965" cy="7409"/>
+          </a:xfrm>
+          <a:prstGeom prst="straightConnector1">
+            <a:avLst/>
+          </a:prstGeom>
+          <a:ln w="38100">
+            <a:solidFill>
+              <a:srgbClr val="FF0000"/>
+            </a:solidFill>
+            <a:tailEnd type="triangle"/>
+          </a:ln>
+        </p:spPr>
+        <p:style>
+          <a:lnRef idx="1">
+            <a:schemeClr val="accent1"/>
+          </a:lnRef>
+          <a:fillRef idx="0">
+            <a:schemeClr val="accent1"/>
+          </a:fillRef>
+          <a:effectRef idx="0">
+            <a:schemeClr val="accent1"/>
+          </a:effectRef>
+          <a:fontRef idx="minor">
+            <a:schemeClr val="tx1"/>
+          </a:fontRef>
+        </p:style>
+      </p:cxnSp>
     </p:spTree>
     <p:extLst>
       <p:ext uri="{BB962C8B-B14F-4D97-AF65-F5344CB8AC3E}">

--- a/unchained-flight-insurance-web/Notes techniques.pptx
+++ b/unchained-flight-insurance-web/Notes techniques.pptx
@@ -1548,6 +1548,1173 @@
 </c:chartSpace>
 </file>
 
+<file path=ppt/charts/chart4.xml><?xml version="1.0" encoding="utf-8"?>
+<c:chartSpace xmlns:c="http://schemas.openxmlformats.org/drawingml/2006/chart" xmlns:a="http://schemas.openxmlformats.org/drawingml/2006/main" xmlns:r="http://schemas.openxmlformats.org/officeDocument/2006/relationships" xmlns:c16r2="http://schemas.microsoft.com/office/drawing/2015/06/chart">
+  <c:date1904 val="0"/>
+  <c:lang val="en-US"/>
+  <c:roundedCorners val="0"/>
+  <mc:AlternateContent xmlns:mc="http://schemas.openxmlformats.org/markup-compatibility/2006">
+    <mc:Choice xmlns:c14="http://schemas.microsoft.com/office/drawing/2007/8/2/chart" Requires="c14">
+      <c14:style val="102"/>
+    </mc:Choice>
+    <mc:Fallback>
+      <c:style val="2"/>
+    </mc:Fallback>
+  </mc:AlternateContent>
+  <c:chart>
+    <c:title>
+      <c:tx>
+        <c:rich>
+          <a:bodyPr rot="0" spcFirstLastPara="1" vertOverflow="ellipsis" vert="horz" wrap="square" anchor="ctr" anchorCtr="1"/>
+          <a:lstStyle/>
+          <a:p>
+            <a:pPr>
+              <a:defRPr sz="1400" b="0" i="0" u="none" strike="noStrike" kern="1200" spc="0" baseline="0">
+                <a:solidFill>
+                  <a:schemeClr val="tx1">
+                    <a:lumMod val="65000"/>
+                    <a:lumOff val="35000"/>
+                  </a:schemeClr>
+                </a:solidFill>
+                <a:latin typeface="+mn-lt"/>
+                <a:ea typeface="+mn-ea"/>
+                <a:cs typeface="+mn-cs"/>
+              </a:defRPr>
+            </a:pPr>
+            <a:r>
+              <a:rPr lang="en-US"/>
+              <a:t>Cumulative number of flights with delay</a:t>
+            </a:r>
+          </a:p>
+        </c:rich>
+      </c:tx>
+      <c:overlay val="0"/>
+      <c:spPr>
+        <a:noFill/>
+        <a:ln>
+          <a:noFill/>
+        </a:ln>
+        <a:effectLst/>
+      </c:spPr>
+      <c:txPr>
+        <a:bodyPr rot="0" spcFirstLastPara="1" vertOverflow="ellipsis" vert="horz" wrap="square" anchor="ctr" anchorCtr="1"/>
+        <a:lstStyle/>
+        <a:p>
+          <a:pPr>
+            <a:defRPr sz="1400" b="0" i="0" u="none" strike="noStrike" kern="1200" spc="0" baseline="0">
+              <a:solidFill>
+                <a:schemeClr val="tx1">
+                  <a:lumMod val="65000"/>
+                  <a:lumOff val="35000"/>
+                </a:schemeClr>
+              </a:solidFill>
+              <a:latin typeface="+mn-lt"/>
+              <a:ea typeface="+mn-ea"/>
+              <a:cs typeface="+mn-cs"/>
+            </a:defRPr>
+          </a:pPr>
+          <a:endParaRPr lang="fr-FR"/>
+        </a:p>
+      </c:txPr>
+    </c:title>
+    <c:autoTitleDeleted val="0"/>
+    <c:plotArea>
+      <c:layout/>
+      <c:barChart>
+        <c:barDir val="col"/>
+        <c:grouping val="clustered"/>
+        <c:varyColors val="0"/>
+        <c:ser>
+          <c:idx val="0"/>
+          <c:order val="0"/>
+          <c:tx>
+            <c:strRef>
+              <c:f>Graphics!$D$44</c:f>
+              <c:strCache>
+                <c:ptCount val="1"/>
+                <c:pt idx="0">
+                  <c:v>Number of occurrences</c:v>
+                </c:pt>
+              </c:strCache>
+            </c:strRef>
+          </c:tx>
+          <c:spPr>
+            <a:solidFill>
+              <a:schemeClr val="accent1"/>
+            </a:solidFill>
+            <a:ln>
+              <a:noFill/>
+            </a:ln>
+            <a:effectLst/>
+          </c:spPr>
+          <c:invertIfNegative val="0"/>
+          <c:cat>
+            <c:numRef>
+              <c:f>Graphics!$C$46:$C$55</c:f>
+              <c:numCache>
+                <c:formatCode>0%</c:formatCode>
+                <c:ptCount val="10"/>
+                <c:pt idx="0">
+                  <c:v>0.1</c:v>
+                </c:pt>
+                <c:pt idx="1">
+                  <c:v>0.2</c:v>
+                </c:pt>
+                <c:pt idx="2">
+                  <c:v>0.3</c:v>
+                </c:pt>
+                <c:pt idx="3">
+                  <c:v>0.4</c:v>
+                </c:pt>
+                <c:pt idx="4">
+                  <c:v>0.5</c:v>
+                </c:pt>
+                <c:pt idx="5">
+                  <c:v>0.6</c:v>
+                </c:pt>
+                <c:pt idx="6">
+                  <c:v>0.7</c:v>
+                </c:pt>
+                <c:pt idx="7">
+                  <c:v>0.8</c:v>
+                </c:pt>
+                <c:pt idx="8">
+                  <c:v>0.9</c:v>
+                </c:pt>
+                <c:pt idx="9">
+                  <c:v>1</c:v>
+                </c:pt>
+              </c:numCache>
+            </c:numRef>
+          </c:cat>
+          <c:val>
+            <c:numRef>
+              <c:f>Graphics!$E$46:$E$55</c:f>
+              <c:numCache>
+                <c:formatCode>General</c:formatCode>
+                <c:ptCount val="10"/>
+                <c:pt idx="0">
+                  <c:v>0.63528077141236527</c:v>
+                </c:pt>
+                <c:pt idx="1">
+                  <c:v>0.79410096426545662</c:v>
+                </c:pt>
+                <c:pt idx="2">
+                  <c:v>0.89761769710720363</c:v>
+                </c:pt>
+                <c:pt idx="3">
+                  <c:v>0.96653431650595578</c:v>
+                </c:pt>
+                <c:pt idx="4">
+                  <c:v>0.98638684061259219</c:v>
+                </c:pt>
+                <c:pt idx="5">
+                  <c:v>0.98638684061259219</c:v>
+                </c:pt>
+                <c:pt idx="6">
+                  <c:v>0.99404424276800907</c:v>
+                </c:pt>
+                <c:pt idx="7">
+                  <c:v>0.99404424276800907</c:v>
+                </c:pt>
+                <c:pt idx="8">
+                  <c:v>0.99404424276800907</c:v>
+                </c:pt>
+                <c:pt idx="9">
+                  <c:v>1</c:v>
+                </c:pt>
+              </c:numCache>
+            </c:numRef>
+          </c:val>
+          <c:extLst>
+            <c:ext xmlns:c16="http://schemas.microsoft.com/office/drawing/2014/chart" uri="{C3380CC4-5D6E-409C-BE32-E72D297353CC}">
+              <c16:uniqueId val="{00000000-0872-4695-AD15-7BE8EE4C089E}"/>
+            </c:ext>
+          </c:extLst>
+        </c:ser>
+        <c:dLbls>
+          <c:showLegendKey val="0"/>
+          <c:showVal val="0"/>
+          <c:showCatName val="0"/>
+          <c:showSerName val="0"/>
+          <c:showPercent val="0"/>
+          <c:showBubbleSize val="0"/>
+        </c:dLbls>
+        <c:gapWidth val="219"/>
+        <c:overlap val="-27"/>
+        <c:axId val="1724191520"/>
+        <c:axId val="257347296"/>
+      </c:barChart>
+      <c:catAx>
+        <c:axId val="1724191520"/>
+        <c:scaling>
+          <c:orientation val="minMax"/>
+        </c:scaling>
+        <c:delete val="0"/>
+        <c:axPos val="b"/>
+        <c:title>
+          <c:tx>
+            <c:rich>
+              <a:bodyPr rot="0" spcFirstLastPara="1" vertOverflow="ellipsis" vert="horz" wrap="square" anchor="ctr" anchorCtr="1"/>
+              <a:lstStyle/>
+              <a:p>
+                <a:pPr>
+                  <a:defRPr sz="1000" b="0" i="0" u="none" strike="noStrike" kern="1200" baseline="0">
+                    <a:solidFill>
+                      <a:schemeClr val="tx1">
+                        <a:lumMod val="65000"/>
+                        <a:lumOff val="35000"/>
+                      </a:schemeClr>
+                    </a:solidFill>
+                    <a:latin typeface="+mn-lt"/>
+                    <a:ea typeface="+mn-ea"/>
+                    <a:cs typeface="+mn-cs"/>
+                  </a:defRPr>
+                </a:pPr>
+                <a:r>
+                  <a:rPr lang="fr-CH"/>
+                  <a:t>Delay probability</a:t>
+                </a:r>
+              </a:p>
+            </c:rich>
+          </c:tx>
+          <c:layout>
+            <c:manualLayout>
+              <c:xMode val="edge"/>
+              <c:yMode val="edge"/>
+              <c:x val="0.44320013123359586"/>
+              <c:y val="0.88331000291630213"/>
+            </c:manualLayout>
+          </c:layout>
+          <c:overlay val="0"/>
+          <c:spPr>
+            <a:noFill/>
+            <a:ln>
+              <a:noFill/>
+            </a:ln>
+            <a:effectLst/>
+          </c:spPr>
+          <c:txPr>
+            <a:bodyPr rot="0" spcFirstLastPara="1" vertOverflow="ellipsis" vert="horz" wrap="square" anchor="ctr" anchorCtr="1"/>
+            <a:lstStyle/>
+            <a:p>
+              <a:pPr>
+                <a:defRPr sz="1000" b="0" i="0" u="none" strike="noStrike" kern="1200" baseline="0">
+                  <a:solidFill>
+                    <a:schemeClr val="tx1">
+                      <a:lumMod val="65000"/>
+                      <a:lumOff val="35000"/>
+                    </a:schemeClr>
+                  </a:solidFill>
+                  <a:latin typeface="+mn-lt"/>
+                  <a:ea typeface="+mn-ea"/>
+                  <a:cs typeface="+mn-cs"/>
+                </a:defRPr>
+              </a:pPr>
+              <a:endParaRPr lang="fr-FR"/>
+            </a:p>
+          </c:txPr>
+        </c:title>
+        <c:numFmt formatCode="0%" sourceLinked="0"/>
+        <c:majorTickMark val="none"/>
+        <c:minorTickMark val="none"/>
+        <c:tickLblPos val="nextTo"/>
+        <c:spPr>
+          <a:noFill/>
+          <a:ln w="9525" cap="flat" cmpd="sng" algn="ctr">
+            <a:solidFill>
+              <a:schemeClr val="tx1">
+                <a:lumMod val="15000"/>
+                <a:lumOff val="85000"/>
+              </a:schemeClr>
+            </a:solidFill>
+            <a:round/>
+          </a:ln>
+          <a:effectLst/>
+        </c:spPr>
+        <c:txPr>
+          <a:bodyPr rot="-60000000" spcFirstLastPara="1" vertOverflow="ellipsis" vert="horz" wrap="square" anchor="ctr" anchorCtr="1"/>
+          <a:lstStyle/>
+          <a:p>
+            <a:pPr>
+              <a:defRPr sz="900" b="0" i="0" u="none" strike="noStrike" kern="1200" baseline="0">
+                <a:solidFill>
+                  <a:schemeClr val="tx1">
+                    <a:lumMod val="65000"/>
+                    <a:lumOff val="35000"/>
+                  </a:schemeClr>
+                </a:solidFill>
+                <a:latin typeface="+mn-lt"/>
+                <a:ea typeface="+mn-ea"/>
+                <a:cs typeface="+mn-cs"/>
+              </a:defRPr>
+            </a:pPr>
+            <a:endParaRPr lang="fr-FR"/>
+          </a:p>
+        </c:txPr>
+        <c:crossAx val="257347296"/>
+        <c:crosses val="autoZero"/>
+        <c:auto val="1"/>
+        <c:lblAlgn val="ctr"/>
+        <c:lblOffset val="100"/>
+        <c:noMultiLvlLbl val="0"/>
+      </c:catAx>
+      <c:valAx>
+        <c:axId val="257347296"/>
+        <c:scaling>
+          <c:orientation val="minMax"/>
+          <c:max val="1"/>
+        </c:scaling>
+        <c:delete val="0"/>
+        <c:axPos val="l"/>
+        <c:majorGridlines>
+          <c:spPr>
+            <a:ln w="9525" cap="flat" cmpd="sng" algn="ctr">
+              <a:solidFill>
+                <a:schemeClr val="tx1">
+                  <a:lumMod val="15000"/>
+                  <a:lumOff val="85000"/>
+                </a:schemeClr>
+              </a:solidFill>
+              <a:round/>
+            </a:ln>
+            <a:effectLst/>
+          </c:spPr>
+        </c:majorGridlines>
+        <c:title>
+          <c:tx>
+            <c:rich>
+              <a:bodyPr rot="-5400000" spcFirstLastPara="1" vertOverflow="ellipsis" vert="horz" wrap="square" anchor="ctr" anchorCtr="1"/>
+              <a:lstStyle/>
+              <a:p>
+                <a:pPr>
+                  <a:defRPr sz="1000" b="0" i="0" u="none" strike="noStrike" kern="1200" baseline="0">
+                    <a:solidFill>
+                      <a:schemeClr val="tx1">
+                        <a:lumMod val="65000"/>
+                        <a:lumOff val="35000"/>
+                      </a:schemeClr>
+                    </a:solidFill>
+                    <a:latin typeface="+mn-lt"/>
+                    <a:ea typeface="+mn-ea"/>
+                    <a:cs typeface="+mn-cs"/>
+                  </a:defRPr>
+                </a:pPr>
+                <a:r>
+                  <a:rPr lang="fr-CH"/>
+                  <a:t>Flights</a:t>
+                </a:r>
+                <a:r>
+                  <a:rPr lang="fr-CH" baseline="0"/>
+                  <a:t> with delay</a:t>
+                </a:r>
+                <a:endParaRPr lang="fr-CH"/>
+              </a:p>
+            </c:rich>
+          </c:tx>
+          <c:overlay val="0"/>
+          <c:spPr>
+            <a:noFill/>
+            <a:ln>
+              <a:noFill/>
+            </a:ln>
+            <a:effectLst/>
+          </c:spPr>
+          <c:txPr>
+            <a:bodyPr rot="-5400000" spcFirstLastPara="1" vertOverflow="ellipsis" vert="horz" wrap="square" anchor="ctr" anchorCtr="1"/>
+            <a:lstStyle/>
+            <a:p>
+              <a:pPr>
+                <a:defRPr sz="1000" b="0" i="0" u="none" strike="noStrike" kern="1200" baseline="0">
+                  <a:solidFill>
+                    <a:schemeClr val="tx1">
+                      <a:lumMod val="65000"/>
+                      <a:lumOff val="35000"/>
+                    </a:schemeClr>
+                  </a:solidFill>
+                  <a:latin typeface="+mn-lt"/>
+                  <a:ea typeface="+mn-ea"/>
+                  <a:cs typeface="+mn-cs"/>
+                </a:defRPr>
+              </a:pPr>
+              <a:endParaRPr lang="fr-FR"/>
+            </a:p>
+          </c:txPr>
+        </c:title>
+        <c:numFmt formatCode="0%" sourceLinked="0"/>
+        <c:majorTickMark val="none"/>
+        <c:minorTickMark val="none"/>
+        <c:tickLblPos val="nextTo"/>
+        <c:spPr>
+          <a:noFill/>
+          <a:ln>
+            <a:noFill/>
+          </a:ln>
+          <a:effectLst/>
+        </c:spPr>
+        <c:txPr>
+          <a:bodyPr rot="-60000000" spcFirstLastPara="1" vertOverflow="ellipsis" vert="horz" wrap="square" anchor="ctr" anchorCtr="1"/>
+          <a:lstStyle/>
+          <a:p>
+            <a:pPr>
+              <a:defRPr sz="900" b="0" i="0" u="none" strike="noStrike" kern="1200" baseline="0">
+                <a:solidFill>
+                  <a:schemeClr val="tx1">
+                    <a:lumMod val="65000"/>
+                    <a:lumOff val="35000"/>
+                  </a:schemeClr>
+                </a:solidFill>
+                <a:latin typeface="+mn-lt"/>
+                <a:ea typeface="+mn-ea"/>
+                <a:cs typeface="+mn-cs"/>
+              </a:defRPr>
+            </a:pPr>
+            <a:endParaRPr lang="fr-FR"/>
+          </a:p>
+        </c:txPr>
+        <c:crossAx val="1724191520"/>
+        <c:crosses val="autoZero"/>
+        <c:crossBetween val="between"/>
+      </c:valAx>
+      <c:spPr>
+        <a:noFill/>
+        <a:ln>
+          <a:noFill/>
+        </a:ln>
+        <a:effectLst/>
+      </c:spPr>
+    </c:plotArea>
+    <c:plotVisOnly val="1"/>
+    <c:dispBlanksAs val="gap"/>
+    <c:showDLblsOverMax val="0"/>
+  </c:chart>
+  <c:spPr>
+    <a:noFill/>
+    <a:ln>
+      <a:noFill/>
+    </a:ln>
+    <a:effectLst/>
+  </c:spPr>
+  <c:txPr>
+    <a:bodyPr/>
+    <a:lstStyle/>
+    <a:p>
+      <a:pPr>
+        <a:defRPr/>
+      </a:pPr>
+      <a:endParaRPr lang="fr-FR"/>
+    </a:p>
+  </c:txPr>
+  <c:externalData r:id="rId3">
+    <c:autoUpdate val="0"/>
+  </c:externalData>
+</c:chartSpace>
+</file>
+
+<file path=ppt/charts/chart5.xml><?xml version="1.0" encoding="utf-8"?>
+<c:chartSpace xmlns:c="http://schemas.openxmlformats.org/drawingml/2006/chart" xmlns:a="http://schemas.openxmlformats.org/drawingml/2006/main" xmlns:r="http://schemas.openxmlformats.org/officeDocument/2006/relationships" xmlns:c16r2="http://schemas.microsoft.com/office/drawing/2015/06/chart">
+  <c:date1904 val="0"/>
+  <c:lang val="en-US"/>
+  <c:roundedCorners val="0"/>
+  <mc:AlternateContent xmlns:mc="http://schemas.openxmlformats.org/markup-compatibility/2006">
+    <mc:Choice xmlns:c14="http://schemas.microsoft.com/office/drawing/2007/8/2/chart" Requires="c14">
+      <c14:style val="102"/>
+    </mc:Choice>
+    <mc:Fallback>
+      <c:style val="2"/>
+    </mc:Fallback>
+  </mc:AlternateContent>
+  <c:chart>
+    <c:title>
+      <c:tx>
+        <c:rich>
+          <a:bodyPr rot="0" spcFirstLastPara="1" vertOverflow="ellipsis" vert="horz" wrap="square" anchor="ctr" anchorCtr="1"/>
+          <a:lstStyle/>
+          <a:p>
+            <a:pPr>
+              <a:defRPr sz="1680" b="0" i="0" u="none" strike="noStrike" kern="1200" spc="0" baseline="0">
+                <a:solidFill>
+                  <a:schemeClr val="tx1">
+                    <a:lumMod val="65000"/>
+                    <a:lumOff val="35000"/>
+                  </a:schemeClr>
+                </a:solidFill>
+                <a:latin typeface="+mn-lt"/>
+                <a:ea typeface="+mn-ea"/>
+                <a:cs typeface="+mn-cs"/>
+              </a:defRPr>
+            </a:pPr>
+            <a:r>
+              <a:rPr lang="fr-CH"/>
+              <a:t>Coverage variants</a:t>
+            </a:r>
+          </a:p>
+        </c:rich>
+      </c:tx>
+      <c:overlay val="0"/>
+      <c:spPr>
+        <a:noFill/>
+        <a:ln>
+          <a:noFill/>
+        </a:ln>
+        <a:effectLst/>
+      </c:spPr>
+      <c:txPr>
+        <a:bodyPr rot="0" spcFirstLastPara="1" vertOverflow="ellipsis" vert="horz" wrap="square" anchor="ctr" anchorCtr="1"/>
+        <a:lstStyle/>
+        <a:p>
+          <a:pPr>
+            <a:defRPr sz="1680" b="0" i="0" u="none" strike="noStrike" kern="1200" spc="0" baseline="0">
+              <a:solidFill>
+                <a:schemeClr val="tx1">
+                  <a:lumMod val="65000"/>
+                  <a:lumOff val="35000"/>
+                </a:schemeClr>
+              </a:solidFill>
+              <a:latin typeface="+mn-lt"/>
+              <a:ea typeface="+mn-ea"/>
+              <a:cs typeface="+mn-cs"/>
+            </a:defRPr>
+          </a:pPr>
+          <a:endParaRPr lang="fr-FR"/>
+        </a:p>
+      </c:txPr>
+    </c:title>
+    <c:autoTitleDeleted val="0"/>
+    <c:plotArea>
+      <c:layout/>
+      <c:lineChart>
+        <c:grouping val="standard"/>
+        <c:varyColors val="0"/>
+        <c:ser>
+          <c:idx val="0"/>
+          <c:order val="0"/>
+          <c:tx>
+            <c:strRef>
+              <c:f>Graphics!$F$44</c:f>
+              <c:strCache>
+                <c:ptCount val="1"/>
+                <c:pt idx="0">
+                  <c:v>Ultimate</c:v>
+                </c:pt>
+              </c:strCache>
+            </c:strRef>
+          </c:tx>
+          <c:spPr>
+            <a:ln w="28575" cap="rnd">
+              <a:solidFill>
+                <a:schemeClr val="accent1"/>
+              </a:solidFill>
+              <a:round/>
+            </a:ln>
+            <a:effectLst/>
+          </c:spPr>
+          <c:marker>
+            <c:symbol val="none"/>
+          </c:marker>
+          <c:cat>
+            <c:numRef>
+              <c:f>Graphics!$C$45:$C$55</c:f>
+              <c:numCache>
+                <c:formatCode>0%</c:formatCode>
+                <c:ptCount val="11"/>
+                <c:pt idx="0">
+                  <c:v>0</c:v>
+                </c:pt>
+                <c:pt idx="1">
+                  <c:v>0.1</c:v>
+                </c:pt>
+                <c:pt idx="2">
+                  <c:v>0.2</c:v>
+                </c:pt>
+                <c:pt idx="3">
+                  <c:v>0.3</c:v>
+                </c:pt>
+                <c:pt idx="4">
+                  <c:v>0.4</c:v>
+                </c:pt>
+                <c:pt idx="5">
+                  <c:v>0.5</c:v>
+                </c:pt>
+                <c:pt idx="6">
+                  <c:v>0.6</c:v>
+                </c:pt>
+                <c:pt idx="7">
+                  <c:v>0.7</c:v>
+                </c:pt>
+                <c:pt idx="8">
+                  <c:v>0.8</c:v>
+                </c:pt>
+                <c:pt idx="9">
+                  <c:v>0.9</c:v>
+                </c:pt>
+                <c:pt idx="10">
+                  <c:v>1</c:v>
+                </c:pt>
+              </c:numCache>
+            </c:numRef>
+          </c:cat>
+          <c:val>
+            <c:numRef>
+              <c:f>Graphics!$F$45:$F$53</c:f>
+              <c:numCache>
+                <c:formatCode>General</c:formatCode>
+                <c:ptCount val="9"/>
+                <c:pt idx="0">
+                  <c:v>805</c:v>
+                </c:pt>
+                <c:pt idx="1">
+                  <c:v>1685.0000000000002</c:v>
+                </c:pt>
+                <c:pt idx="2">
+                  <c:v>2565.0000000000005</c:v>
+                </c:pt>
+                <c:pt idx="3">
+                  <c:v>3445.0000000000005</c:v>
+                </c:pt>
+                <c:pt idx="4">
+                  <c:v>4325</c:v>
+                </c:pt>
+                <c:pt idx="5">
+                  <c:v>5205</c:v>
+                </c:pt>
+                <c:pt idx="6">
+                  <c:v>6085</c:v>
+                </c:pt>
+                <c:pt idx="7">
+                  <c:v>6965</c:v>
+                </c:pt>
+                <c:pt idx="8">
+                  <c:v>7845.0000000000009</c:v>
+                </c:pt>
+              </c:numCache>
+            </c:numRef>
+          </c:val>
+          <c:smooth val="0"/>
+          <c:extLst>
+            <c:ext xmlns:c16="http://schemas.microsoft.com/office/drawing/2014/chart" uri="{C3380CC4-5D6E-409C-BE32-E72D297353CC}">
+              <c16:uniqueId val="{00000000-E7AC-4D72-96DA-3215B3BE9898}"/>
+            </c:ext>
+          </c:extLst>
+        </c:ser>
+        <c:ser>
+          <c:idx val="1"/>
+          <c:order val="1"/>
+          <c:tx>
+            <c:strRef>
+              <c:f>Graphics!$G$44</c:f>
+              <c:strCache>
+                <c:ptCount val="1"/>
+                <c:pt idx="0">
+                  <c:v>Medium</c:v>
+                </c:pt>
+              </c:strCache>
+            </c:strRef>
+          </c:tx>
+          <c:spPr>
+            <a:ln w="28575" cap="rnd">
+              <a:solidFill>
+                <a:schemeClr val="accent2"/>
+              </a:solidFill>
+              <a:round/>
+            </a:ln>
+            <a:effectLst/>
+          </c:spPr>
+          <c:marker>
+            <c:symbol val="none"/>
+          </c:marker>
+          <c:cat>
+            <c:numRef>
+              <c:f>Graphics!$C$45:$C$55</c:f>
+              <c:numCache>
+                <c:formatCode>0%</c:formatCode>
+                <c:ptCount val="11"/>
+                <c:pt idx="0">
+                  <c:v>0</c:v>
+                </c:pt>
+                <c:pt idx="1">
+                  <c:v>0.1</c:v>
+                </c:pt>
+                <c:pt idx="2">
+                  <c:v>0.2</c:v>
+                </c:pt>
+                <c:pt idx="3">
+                  <c:v>0.3</c:v>
+                </c:pt>
+                <c:pt idx="4">
+                  <c:v>0.4</c:v>
+                </c:pt>
+                <c:pt idx="5">
+                  <c:v>0.5</c:v>
+                </c:pt>
+                <c:pt idx="6">
+                  <c:v>0.6</c:v>
+                </c:pt>
+                <c:pt idx="7">
+                  <c:v>0.7</c:v>
+                </c:pt>
+                <c:pt idx="8">
+                  <c:v>0.8</c:v>
+                </c:pt>
+                <c:pt idx="9">
+                  <c:v>0.9</c:v>
+                </c:pt>
+                <c:pt idx="10">
+                  <c:v>1</c:v>
+                </c:pt>
+              </c:numCache>
+            </c:numRef>
+          </c:cat>
+          <c:val>
+            <c:numRef>
+              <c:f>Graphics!$G$45:$G$53</c:f>
+              <c:numCache>
+                <c:formatCode>General</c:formatCode>
+                <c:ptCount val="9"/>
+                <c:pt idx="0">
+                  <c:v>205</c:v>
+                </c:pt>
+                <c:pt idx="1">
+                  <c:v>425.00000000000006</c:v>
+                </c:pt>
+                <c:pt idx="2">
+                  <c:v>645.00000000000011</c:v>
+                </c:pt>
+                <c:pt idx="3">
+                  <c:v>865.00000000000011</c:v>
+                </c:pt>
+                <c:pt idx="4">
+                  <c:v>1085</c:v>
+                </c:pt>
+                <c:pt idx="5">
+                  <c:v>1305</c:v>
+                </c:pt>
+                <c:pt idx="6">
+                  <c:v>1525</c:v>
+                </c:pt>
+                <c:pt idx="7">
+                  <c:v>1745</c:v>
+                </c:pt>
+                <c:pt idx="8">
+                  <c:v>1965.0000000000002</c:v>
+                </c:pt>
+              </c:numCache>
+            </c:numRef>
+          </c:val>
+          <c:smooth val="0"/>
+          <c:extLst>
+            <c:ext xmlns:c16="http://schemas.microsoft.com/office/drawing/2014/chart" uri="{C3380CC4-5D6E-409C-BE32-E72D297353CC}">
+              <c16:uniqueId val="{00000001-E7AC-4D72-96DA-3215B3BE9898}"/>
+            </c:ext>
+          </c:extLst>
+        </c:ser>
+        <c:ser>
+          <c:idx val="2"/>
+          <c:order val="2"/>
+          <c:tx>
+            <c:strRef>
+              <c:f>Graphics!$H$44</c:f>
+              <c:strCache>
+                <c:ptCount val="1"/>
+                <c:pt idx="0">
+                  <c:v>Basic</c:v>
+                </c:pt>
+              </c:strCache>
+            </c:strRef>
+          </c:tx>
+          <c:spPr>
+            <a:ln w="28575" cap="rnd">
+              <a:solidFill>
+                <a:schemeClr val="accent3"/>
+              </a:solidFill>
+              <a:round/>
+            </a:ln>
+            <a:effectLst/>
+          </c:spPr>
+          <c:marker>
+            <c:symbol val="none"/>
+          </c:marker>
+          <c:cat>
+            <c:numRef>
+              <c:f>Graphics!$C$45:$C$55</c:f>
+              <c:numCache>
+                <c:formatCode>0%</c:formatCode>
+                <c:ptCount val="11"/>
+                <c:pt idx="0">
+                  <c:v>0</c:v>
+                </c:pt>
+                <c:pt idx="1">
+                  <c:v>0.1</c:v>
+                </c:pt>
+                <c:pt idx="2">
+                  <c:v>0.2</c:v>
+                </c:pt>
+                <c:pt idx="3">
+                  <c:v>0.3</c:v>
+                </c:pt>
+                <c:pt idx="4">
+                  <c:v>0.4</c:v>
+                </c:pt>
+                <c:pt idx="5">
+                  <c:v>0.5</c:v>
+                </c:pt>
+                <c:pt idx="6">
+                  <c:v>0.6</c:v>
+                </c:pt>
+                <c:pt idx="7">
+                  <c:v>0.7</c:v>
+                </c:pt>
+                <c:pt idx="8">
+                  <c:v>0.8</c:v>
+                </c:pt>
+                <c:pt idx="9">
+                  <c:v>0.9</c:v>
+                </c:pt>
+                <c:pt idx="10">
+                  <c:v>1</c:v>
+                </c:pt>
+              </c:numCache>
+            </c:numRef>
+          </c:cat>
+          <c:val>
+            <c:numRef>
+              <c:f>Graphics!$H$45:$H$53</c:f>
+              <c:numCache>
+                <c:formatCode>General</c:formatCode>
+                <c:ptCount val="9"/>
+                <c:pt idx="0">
+                  <c:v>55</c:v>
+                </c:pt>
+                <c:pt idx="1">
+                  <c:v>110.00000000000001</c:v>
+                </c:pt>
+                <c:pt idx="2">
+                  <c:v>165.00000000000003</c:v>
+                </c:pt>
+                <c:pt idx="3">
+                  <c:v>220.00000000000003</c:v>
+                </c:pt>
+                <c:pt idx="4">
+                  <c:v>275</c:v>
+                </c:pt>
+                <c:pt idx="5">
+                  <c:v>330</c:v>
+                </c:pt>
+                <c:pt idx="6">
+                  <c:v>385</c:v>
+                </c:pt>
+                <c:pt idx="7">
+                  <c:v>440</c:v>
+                </c:pt>
+                <c:pt idx="8">
+                  <c:v>495.00000000000006</c:v>
+                </c:pt>
+              </c:numCache>
+            </c:numRef>
+          </c:val>
+          <c:smooth val="0"/>
+          <c:extLst>
+            <c:ext xmlns:c16="http://schemas.microsoft.com/office/drawing/2014/chart" uri="{C3380CC4-5D6E-409C-BE32-E72D297353CC}">
+              <c16:uniqueId val="{00000002-E7AC-4D72-96DA-3215B3BE9898}"/>
+            </c:ext>
+          </c:extLst>
+        </c:ser>
+        <c:dLbls>
+          <c:showLegendKey val="0"/>
+          <c:showVal val="0"/>
+          <c:showCatName val="0"/>
+          <c:showSerName val="0"/>
+          <c:showPercent val="0"/>
+          <c:showBubbleSize val="0"/>
+        </c:dLbls>
+        <c:smooth val="0"/>
+        <c:axId val="248204016"/>
+        <c:axId val="866921584"/>
+      </c:lineChart>
+      <c:catAx>
+        <c:axId val="248204016"/>
+        <c:scaling>
+          <c:orientation val="minMax"/>
+        </c:scaling>
+        <c:delete val="0"/>
+        <c:axPos val="b"/>
+        <c:title>
+          <c:tx>
+            <c:rich>
+              <a:bodyPr rot="0" spcFirstLastPara="1" vertOverflow="ellipsis" vert="horz" wrap="square" anchor="ctr" anchorCtr="1"/>
+              <a:lstStyle/>
+              <a:p>
+                <a:pPr>
+                  <a:defRPr sz="1400" b="0" i="0" u="none" strike="noStrike" kern="1200" baseline="0">
+                    <a:solidFill>
+                      <a:schemeClr val="tx1">
+                        <a:lumMod val="65000"/>
+                        <a:lumOff val="35000"/>
+                      </a:schemeClr>
+                    </a:solidFill>
+                    <a:latin typeface="+mn-lt"/>
+                    <a:ea typeface="+mn-ea"/>
+                    <a:cs typeface="+mn-cs"/>
+                  </a:defRPr>
+                </a:pPr>
+                <a:r>
+                  <a:rPr lang="fr-CH"/>
+                  <a:t>Probability of being late</a:t>
+                </a:r>
+              </a:p>
+            </c:rich>
+          </c:tx>
+          <c:overlay val="0"/>
+          <c:spPr>
+            <a:noFill/>
+            <a:ln>
+              <a:noFill/>
+            </a:ln>
+            <a:effectLst/>
+          </c:spPr>
+          <c:txPr>
+            <a:bodyPr rot="0" spcFirstLastPara="1" vertOverflow="ellipsis" vert="horz" wrap="square" anchor="ctr" anchorCtr="1"/>
+            <a:lstStyle/>
+            <a:p>
+              <a:pPr>
+                <a:defRPr sz="1400" b="0" i="0" u="none" strike="noStrike" kern="1200" baseline="0">
+                  <a:solidFill>
+                    <a:schemeClr val="tx1">
+                      <a:lumMod val="65000"/>
+                      <a:lumOff val="35000"/>
+                    </a:schemeClr>
+                  </a:solidFill>
+                  <a:latin typeface="+mn-lt"/>
+                  <a:ea typeface="+mn-ea"/>
+                  <a:cs typeface="+mn-cs"/>
+                </a:defRPr>
+              </a:pPr>
+              <a:endParaRPr lang="fr-FR"/>
+            </a:p>
+          </c:txPr>
+        </c:title>
+        <c:numFmt formatCode="0%" sourceLinked="1"/>
+        <c:majorTickMark val="none"/>
+        <c:minorTickMark val="none"/>
+        <c:tickLblPos val="nextTo"/>
+        <c:spPr>
+          <a:noFill/>
+          <a:ln w="9525" cap="flat" cmpd="sng" algn="ctr">
+            <a:solidFill>
+              <a:schemeClr val="tx1">
+                <a:lumMod val="15000"/>
+                <a:lumOff val="85000"/>
+              </a:schemeClr>
+            </a:solidFill>
+            <a:round/>
+          </a:ln>
+          <a:effectLst/>
+        </c:spPr>
+        <c:txPr>
+          <a:bodyPr rot="-60000000" spcFirstLastPara="1" vertOverflow="ellipsis" vert="horz" wrap="square" anchor="ctr" anchorCtr="1"/>
+          <a:lstStyle/>
+          <a:p>
+            <a:pPr>
+              <a:defRPr sz="1400" b="0" i="0" u="none" strike="noStrike" kern="1200" baseline="0">
+                <a:solidFill>
+                  <a:schemeClr val="tx1">
+                    <a:lumMod val="65000"/>
+                    <a:lumOff val="35000"/>
+                  </a:schemeClr>
+                </a:solidFill>
+                <a:latin typeface="+mn-lt"/>
+                <a:ea typeface="+mn-ea"/>
+                <a:cs typeface="+mn-cs"/>
+              </a:defRPr>
+            </a:pPr>
+            <a:endParaRPr lang="fr-FR"/>
+          </a:p>
+        </c:txPr>
+        <c:crossAx val="866921584"/>
+        <c:crosses val="autoZero"/>
+        <c:auto val="1"/>
+        <c:lblAlgn val="ctr"/>
+        <c:lblOffset val="100"/>
+        <c:noMultiLvlLbl val="0"/>
+      </c:catAx>
+      <c:valAx>
+        <c:axId val="866921584"/>
+        <c:scaling>
+          <c:orientation val="minMax"/>
+          <c:max val="8000"/>
+        </c:scaling>
+        <c:delete val="0"/>
+        <c:axPos val="l"/>
+        <c:majorGridlines>
+          <c:spPr>
+            <a:ln w="9525" cap="flat" cmpd="sng" algn="ctr">
+              <a:solidFill>
+                <a:schemeClr val="tx1">
+                  <a:lumMod val="15000"/>
+                  <a:lumOff val="85000"/>
+                </a:schemeClr>
+              </a:solidFill>
+              <a:round/>
+            </a:ln>
+            <a:effectLst/>
+          </c:spPr>
+        </c:majorGridlines>
+        <c:title>
+          <c:tx>
+            <c:rich>
+              <a:bodyPr rot="-5400000" spcFirstLastPara="1" vertOverflow="ellipsis" vert="horz" wrap="square" anchor="ctr" anchorCtr="1"/>
+              <a:lstStyle/>
+              <a:p>
+                <a:pPr>
+                  <a:defRPr sz="1400" b="0" i="0" u="none" strike="noStrike" kern="1200" baseline="0">
+                    <a:solidFill>
+                      <a:schemeClr val="tx1">
+                        <a:lumMod val="65000"/>
+                        <a:lumOff val="35000"/>
+                      </a:schemeClr>
+                    </a:solidFill>
+                    <a:latin typeface="+mn-lt"/>
+                    <a:ea typeface="+mn-ea"/>
+                    <a:cs typeface="+mn-cs"/>
+                  </a:defRPr>
+                </a:pPr>
+                <a:r>
+                  <a:rPr lang="fr-CH"/>
+                  <a:t>Premium amount [CHF]</a:t>
+                </a:r>
+              </a:p>
+            </c:rich>
+          </c:tx>
+          <c:overlay val="0"/>
+          <c:spPr>
+            <a:noFill/>
+            <a:ln>
+              <a:noFill/>
+            </a:ln>
+            <a:effectLst/>
+          </c:spPr>
+          <c:txPr>
+            <a:bodyPr rot="-5400000" spcFirstLastPara="1" vertOverflow="ellipsis" vert="horz" wrap="square" anchor="ctr" anchorCtr="1"/>
+            <a:lstStyle/>
+            <a:p>
+              <a:pPr>
+                <a:defRPr sz="1400" b="0" i="0" u="none" strike="noStrike" kern="1200" baseline="0">
+                  <a:solidFill>
+                    <a:schemeClr val="tx1">
+                      <a:lumMod val="65000"/>
+                      <a:lumOff val="35000"/>
+                    </a:schemeClr>
+                  </a:solidFill>
+                  <a:latin typeface="+mn-lt"/>
+                  <a:ea typeface="+mn-ea"/>
+                  <a:cs typeface="+mn-cs"/>
+                </a:defRPr>
+              </a:pPr>
+              <a:endParaRPr lang="fr-FR"/>
+            </a:p>
+          </c:txPr>
+        </c:title>
+        <c:numFmt formatCode="General" sourceLinked="1"/>
+        <c:majorTickMark val="none"/>
+        <c:minorTickMark val="none"/>
+        <c:tickLblPos val="nextTo"/>
+        <c:spPr>
+          <a:noFill/>
+          <a:ln>
+            <a:noFill/>
+          </a:ln>
+          <a:effectLst/>
+        </c:spPr>
+        <c:txPr>
+          <a:bodyPr rot="-60000000" spcFirstLastPara="1" vertOverflow="ellipsis" vert="horz" wrap="square" anchor="ctr" anchorCtr="1"/>
+          <a:lstStyle/>
+          <a:p>
+            <a:pPr>
+              <a:defRPr sz="1400" b="0" i="0" u="none" strike="noStrike" kern="1200" baseline="0">
+                <a:solidFill>
+                  <a:schemeClr val="tx1">
+                    <a:lumMod val="65000"/>
+                    <a:lumOff val="35000"/>
+                  </a:schemeClr>
+                </a:solidFill>
+                <a:latin typeface="+mn-lt"/>
+                <a:ea typeface="+mn-ea"/>
+                <a:cs typeface="+mn-cs"/>
+              </a:defRPr>
+            </a:pPr>
+            <a:endParaRPr lang="fr-FR"/>
+          </a:p>
+        </c:txPr>
+        <c:crossAx val="248204016"/>
+        <c:crosses val="autoZero"/>
+        <c:crossBetween val="between"/>
+      </c:valAx>
+      <c:spPr>
+        <a:noFill/>
+        <a:ln>
+          <a:noFill/>
+        </a:ln>
+        <a:effectLst/>
+      </c:spPr>
+    </c:plotArea>
+    <c:legend>
+      <c:legendPos val="b"/>
+      <c:overlay val="0"/>
+      <c:spPr>
+        <a:noFill/>
+        <a:ln>
+          <a:noFill/>
+        </a:ln>
+        <a:effectLst/>
+      </c:spPr>
+      <c:txPr>
+        <a:bodyPr rot="0" spcFirstLastPara="1" vertOverflow="ellipsis" vert="horz" wrap="square" anchor="ctr" anchorCtr="1"/>
+        <a:lstStyle/>
+        <a:p>
+          <a:pPr>
+            <a:defRPr sz="1400" b="0" i="0" u="none" strike="noStrike" kern="1200" baseline="0">
+              <a:solidFill>
+                <a:schemeClr val="tx1">
+                  <a:lumMod val="65000"/>
+                  <a:lumOff val="35000"/>
+                </a:schemeClr>
+              </a:solidFill>
+              <a:latin typeface="+mn-lt"/>
+              <a:ea typeface="+mn-ea"/>
+              <a:cs typeface="+mn-cs"/>
+            </a:defRPr>
+          </a:pPr>
+          <a:endParaRPr lang="fr-FR"/>
+        </a:p>
+      </c:txPr>
+    </c:legend>
+    <c:plotVisOnly val="1"/>
+    <c:dispBlanksAs val="gap"/>
+    <c:showDLblsOverMax val="0"/>
+  </c:chart>
+  <c:spPr>
+    <a:noFill/>
+    <a:ln>
+      <a:noFill/>
+    </a:ln>
+    <a:effectLst/>
+  </c:spPr>
+  <c:txPr>
+    <a:bodyPr/>
+    <a:lstStyle/>
+    <a:p>
+      <a:pPr>
+        <a:defRPr sz="1400"/>
+      </a:pPr>
+      <a:endParaRPr lang="fr-FR"/>
+    </a:p>
+  </c:txPr>
+  <c:externalData r:id="rId3">
+    <c:autoUpdate val="0"/>
+  </c:externalData>
+</c:chartSpace>
+</file>
+
 <file path=ppt/charts/colors1.xml><?xml version="1.0" encoding="utf-8"?>
 <cs:colorStyle xmlns:cs="http://schemas.microsoft.com/office/drawing/2012/chartStyle" xmlns:a="http://schemas.openxmlformats.org/drawingml/2006/main" meth="cycle" id="10">
   <a:schemeClr val="accent1"/>
@@ -1668,6 +2835,86 @@
 </cs:colorStyle>
 </file>
 
+<file path=ppt/charts/colors4.xml><?xml version="1.0" encoding="utf-8"?>
+<cs:colorStyle xmlns:cs="http://schemas.microsoft.com/office/drawing/2012/chartStyle" xmlns:a="http://schemas.openxmlformats.org/drawingml/2006/main" meth="cycle" id="10">
+  <a:schemeClr val="accent1"/>
+  <a:schemeClr val="accent2"/>
+  <a:schemeClr val="accent3"/>
+  <a:schemeClr val="accent4"/>
+  <a:schemeClr val="accent5"/>
+  <a:schemeClr val="accent6"/>
+  <cs:variation/>
+  <cs:variation>
+    <a:lumMod val="60000"/>
+  </cs:variation>
+  <cs:variation>
+    <a:lumMod val="80000"/>
+    <a:lumOff val="20000"/>
+  </cs:variation>
+  <cs:variation>
+    <a:lumMod val="80000"/>
+  </cs:variation>
+  <cs:variation>
+    <a:lumMod val="60000"/>
+    <a:lumOff val="40000"/>
+  </cs:variation>
+  <cs:variation>
+    <a:lumMod val="50000"/>
+  </cs:variation>
+  <cs:variation>
+    <a:lumMod val="70000"/>
+    <a:lumOff val="30000"/>
+  </cs:variation>
+  <cs:variation>
+    <a:lumMod val="70000"/>
+  </cs:variation>
+  <cs:variation>
+    <a:lumMod val="50000"/>
+    <a:lumOff val="50000"/>
+  </cs:variation>
+</cs:colorStyle>
+</file>
+
+<file path=ppt/charts/colors5.xml><?xml version="1.0" encoding="utf-8"?>
+<cs:colorStyle xmlns:cs="http://schemas.microsoft.com/office/drawing/2012/chartStyle" xmlns:a="http://schemas.openxmlformats.org/drawingml/2006/main" meth="cycle" id="10">
+  <a:schemeClr val="accent1"/>
+  <a:schemeClr val="accent2"/>
+  <a:schemeClr val="accent3"/>
+  <a:schemeClr val="accent4"/>
+  <a:schemeClr val="accent5"/>
+  <a:schemeClr val="accent6"/>
+  <cs:variation/>
+  <cs:variation>
+    <a:lumMod val="60000"/>
+  </cs:variation>
+  <cs:variation>
+    <a:lumMod val="80000"/>
+    <a:lumOff val="20000"/>
+  </cs:variation>
+  <cs:variation>
+    <a:lumMod val="80000"/>
+  </cs:variation>
+  <cs:variation>
+    <a:lumMod val="60000"/>
+    <a:lumOff val="40000"/>
+  </cs:variation>
+  <cs:variation>
+    <a:lumMod val="50000"/>
+  </cs:variation>
+  <cs:variation>
+    <a:lumMod val="70000"/>
+    <a:lumOff val="30000"/>
+  </cs:variation>
+  <cs:variation>
+    <a:lumMod val="70000"/>
+  </cs:variation>
+  <cs:variation>
+    <a:lumMod val="50000"/>
+    <a:lumOff val="50000"/>
+  </cs:variation>
+</cs:colorStyle>
+</file>
+
 <file path=ppt/charts/style1.xml><?xml version="1.0" encoding="utf-8"?>
 <cs:chartStyle xmlns:cs="http://schemas.microsoft.com/office/drawing/2012/chartStyle" xmlns:a="http://schemas.openxmlformats.org/drawingml/2006/main" id="201">
   <cs:axisTitle>
@@ -2824,6 +4071,1025 @@
       <a:schemeClr val="tx1"/>
     </cs:fontRef>
     <cs:spPr>
+      <a:ln w="9525">
+        <a:solidFill>
+          <a:schemeClr val="phClr"/>
+        </a:solidFill>
+      </a:ln>
+    </cs:spPr>
+  </cs:dataPointMarker>
+  <cs:dataPointMarkerLayout symbol="circle" size="5"/>
+  <cs:dataPointWireframe>
+    <cs:lnRef idx="0">
+      <cs:styleClr val="auto"/>
+    </cs:lnRef>
+    <cs:fillRef idx="1"/>
+    <cs:effectRef idx="0"/>
+    <cs:fontRef idx="minor">
+      <a:schemeClr val="tx1"/>
+    </cs:fontRef>
+    <cs:spPr>
+      <a:ln w="9525" cap="rnd">
+        <a:solidFill>
+          <a:schemeClr val="phClr"/>
+        </a:solidFill>
+        <a:round/>
+      </a:ln>
+    </cs:spPr>
+  </cs:dataPointWireframe>
+  <cs:dataTable>
+    <cs:lnRef idx="0"/>
+    <cs:fillRef idx="0"/>
+    <cs:effectRef idx="0"/>
+    <cs:fontRef idx="minor">
+      <a:schemeClr val="tx1">
+        <a:lumMod val="65000"/>
+        <a:lumOff val="35000"/>
+      </a:schemeClr>
+    </cs:fontRef>
+    <cs:spPr>
+      <a:noFill/>
+      <a:ln w="9525" cap="flat" cmpd="sng" algn="ctr">
+        <a:solidFill>
+          <a:schemeClr val="tx1">
+            <a:lumMod val="15000"/>
+            <a:lumOff val="85000"/>
+          </a:schemeClr>
+        </a:solidFill>
+        <a:round/>
+      </a:ln>
+    </cs:spPr>
+    <cs:defRPr sz="900" kern="1200"/>
+  </cs:dataTable>
+  <cs:downBar>
+    <cs:lnRef idx="0"/>
+    <cs:fillRef idx="0"/>
+    <cs:effectRef idx="0"/>
+    <cs:fontRef idx="minor">
+      <a:schemeClr val="dk1"/>
+    </cs:fontRef>
+    <cs:spPr>
+      <a:solidFill>
+        <a:schemeClr val="dk1">
+          <a:lumMod val="65000"/>
+          <a:lumOff val="35000"/>
+        </a:schemeClr>
+      </a:solidFill>
+      <a:ln w="9525">
+        <a:solidFill>
+          <a:schemeClr val="tx1">
+            <a:lumMod val="65000"/>
+            <a:lumOff val="35000"/>
+          </a:schemeClr>
+        </a:solidFill>
+      </a:ln>
+    </cs:spPr>
+  </cs:downBar>
+  <cs:dropLine>
+    <cs:lnRef idx="0"/>
+    <cs:fillRef idx="0"/>
+    <cs:effectRef idx="0"/>
+    <cs:fontRef idx="minor">
+      <a:schemeClr val="tx1"/>
+    </cs:fontRef>
+    <cs:spPr>
+      <a:ln w="9525" cap="flat" cmpd="sng" algn="ctr">
+        <a:solidFill>
+          <a:schemeClr val="tx1">
+            <a:lumMod val="35000"/>
+            <a:lumOff val="65000"/>
+          </a:schemeClr>
+        </a:solidFill>
+        <a:round/>
+      </a:ln>
+    </cs:spPr>
+  </cs:dropLine>
+  <cs:errorBar>
+    <cs:lnRef idx="0"/>
+    <cs:fillRef idx="0"/>
+    <cs:effectRef idx="0"/>
+    <cs:fontRef idx="minor">
+      <a:schemeClr val="tx1"/>
+    </cs:fontRef>
+    <cs:spPr>
+      <a:ln w="9525" cap="flat" cmpd="sng" algn="ctr">
+        <a:solidFill>
+          <a:schemeClr val="tx1">
+            <a:lumMod val="65000"/>
+            <a:lumOff val="35000"/>
+          </a:schemeClr>
+        </a:solidFill>
+        <a:round/>
+      </a:ln>
+    </cs:spPr>
+  </cs:errorBar>
+  <cs:floor>
+    <cs:lnRef idx="0"/>
+    <cs:fillRef idx="0"/>
+    <cs:effectRef idx="0"/>
+    <cs:fontRef idx="minor">
+      <a:schemeClr val="tx1"/>
+    </cs:fontRef>
+    <cs:spPr>
+      <a:noFill/>
+      <a:ln>
+        <a:noFill/>
+      </a:ln>
+    </cs:spPr>
+  </cs:floor>
+  <cs:gridlineMajor>
+    <cs:lnRef idx="0"/>
+    <cs:fillRef idx="0"/>
+    <cs:effectRef idx="0"/>
+    <cs:fontRef idx="minor">
+      <a:schemeClr val="tx1"/>
+    </cs:fontRef>
+    <cs:spPr>
+      <a:ln w="9525" cap="flat" cmpd="sng" algn="ctr">
+        <a:solidFill>
+          <a:schemeClr val="tx1">
+            <a:lumMod val="15000"/>
+            <a:lumOff val="85000"/>
+          </a:schemeClr>
+        </a:solidFill>
+        <a:round/>
+      </a:ln>
+    </cs:spPr>
+  </cs:gridlineMajor>
+  <cs:gridlineMinor>
+    <cs:lnRef idx="0"/>
+    <cs:fillRef idx="0"/>
+    <cs:effectRef idx="0"/>
+    <cs:fontRef idx="minor">
+      <a:schemeClr val="tx1"/>
+    </cs:fontRef>
+    <cs:spPr>
+      <a:ln w="9525" cap="flat" cmpd="sng" algn="ctr">
+        <a:solidFill>
+          <a:schemeClr val="tx1">
+            <a:lumMod val="5000"/>
+            <a:lumOff val="95000"/>
+          </a:schemeClr>
+        </a:solidFill>
+        <a:round/>
+      </a:ln>
+    </cs:spPr>
+  </cs:gridlineMinor>
+  <cs:hiLoLine>
+    <cs:lnRef idx="0"/>
+    <cs:fillRef idx="0"/>
+    <cs:effectRef idx="0"/>
+    <cs:fontRef idx="minor">
+      <a:schemeClr val="tx1"/>
+    </cs:fontRef>
+    <cs:spPr>
+      <a:ln w="9525" cap="flat" cmpd="sng" algn="ctr">
+        <a:solidFill>
+          <a:schemeClr val="tx1">
+            <a:lumMod val="75000"/>
+            <a:lumOff val="25000"/>
+          </a:schemeClr>
+        </a:solidFill>
+        <a:round/>
+      </a:ln>
+    </cs:spPr>
+  </cs:hiLoLine>
+  <cs:leaderLine>
+    <cs:lnRef idx="0"/>
+    <cs:fillRef idx="0"/>
+    <cs:effectRef idx="0"/>
+    <cs:fontRef idx="minor">
+      <a:schemeClr val="tx1"/>
+    </cs:fontRef>
+    <cs:spPr>
+      <a:ln w="9525" cap="flat" cmpd="sng" algn="ctr">
+        <a:solidFill>
+          <a:schemeClr val="tx1">
+            <a:lumMod val="35000"/>
+            <a:lumOff val="65000"/>
+          </a:schemeClr>
+        </a:solidFill>
+        <a:round/>
+      </a:ln>
+    </cs:spPr>
+  </cs:leaderLine>
+  <cs:legend>
+    <cs:lnRef idx="0"/>
+    <cs:fillRef idx="0"/>
+    <cs:effectRef idx="0"/>
+    <cs:fontRef idx="minor">
+      <a:schemeClr val="tx1">
+        <a:lumMod val="65000"/>
+        <a:lumOff val="35000"/>
+      </a:schemeClr>
+    </cs:fontRef>
+    <cs:defRPr sz="900" kern="1200"/>
+  </cs:legend>
+  <cs:plotArea mods="allowNoFillOverride allowNoLineOverride">
+    <cs:lnRef idx="0"/>
+    <cs:fillRef idx="0"/>
+    <cs:effectRef idx="0"/>
+    <cs:fontRef idx="minor">
+      <a:schemeClr val="tx1"/>
+    </cs:fontRef>
+  </cs:plotArea>
+  <cs:plotArea3D mods="allowNoFillOverride allowNoLineOverride">
+    <cs:lnRef idx="0"/>
+    <cs:fillRef idx="0"/>
+    <cs:effectRef idx="0"/>
+    <cs:fontRef idx="minor">
+      <a:schemeClr val="tx1"/>
+    </cs:fontRef>
+  </cs:plotArea3D>
+  <cs:seriesAxis>
+    <cs:lnRef idx="0"/>
+    <cs:fillRef idx="0"/>
+    <cs:effectRef idx="0"/>
+    <cs:fontRef idx="minor">
+      <a:schemeClr val="tx1">
+        <a:lumMod val="65000"/>
+        <a:lumOff val="35000"/>
+      </a:schemeClr>
+    </cs:fontRef>
+    <cs:defRPr sz="900" kern="1200"/>
+  </cs:seriesAxis>
+  <cs:seriesLine>
+    <cs:lnRef idx="0"/>
+    <cs:fillRef idx="0"/>
+    <cs:effectRef idx="0"/>
+    <cs:fontRef idx="minor">
+      <a:schemeClr val="tx1"/>
+    </cs:fontRef>
+    <cs:spPr>
+      <a:ln w="9525" cap="flat" cmpd="sng" algn="ctr">
+        <a:solidFill>
+          <a:schemeClr val="tx1">
+            <a:lumMod val="35000"/>
+            <a:lumOff val="65000"/>
+          </a:schemeClr>
+        </a:solidFill>
+        <a:round/>
+      </a:ln>
+    </cs:spPr>
+  </cs:seriesLine>
+  <cs:title>
+    <cs:lnRef idx="0"/>
+    <cs:fillRef idx="0"/>
+    <cs:effectRef idx="0"/>
+    <cs:fontRef idx="minor">
+      <a:schemeClr val="tx1">
+        <a:lumMod val="65000"/>
+        <a:lumOff val="35000"/>
+      </a:schemeClr>
+    </cs:fontRef>
+    <cs:defRPr sz="1400" b="0" kern="1200" spc="0" baseline="0"/>
+  </cs:title>
+  <cs:trendline>
+    <cs:lnRef idx="0">
+      <cs:styleClr val="auto"/>
+    </cs:lnRef>
+    <cs:fillRef idx="0"/>
+    <cs:effectRef idx="0"/>
+    <cs:fontRef idx="minor">
+      <a:schemeClr val="tx1"/>
+    </cs:fontRef>
+    <cs:spPr>
+      <a:ln w="19050" cap="rnd">
+        <a:solidFill>
+          <a:schemeClr val="phClr"/>
+        </a:solidFill>
+        <a:prstDash val="sysDot"/>
+      </a:ln>
+    </cs:spPr>
+  </cs:trendline>
+  <cs:trendlineLabel>
+    <cs:lnRef idx="0"/>
+    <cs:fillRef idx="0"/>
+    <cs:effectRef idx="0"/>
+    <cs:fontRef idx="minor">
+      <a:schemeClr val="tx1">
+        <a:lumMod val="65000"/>
+        <a:lumOff val="35000"/>
+      </a:schemeClr>
+    </cs:fontRef>
+    <cs:defRPr sz="900" kern="1200"/>
+  </cs:trendlineLabel>
+  <cs:upBar>
+    <cs:lnRef idx="0"/>
+    <cs:fillRef idx="0"/>
+    <cs:effectRef idx="0"/>
+    <cs:fontRef idx="minor">
+      <a:schemeClr val="dk1"/>
+    </cs:fontRef>
+    <cs:spPr>
+      <a:solidFill>
+        <a:schemeClr val="lt1"/>
+      </a:solidFill>
+      <a:ln w="9525">
+        <a:solidFill>
+          <a:schemeClr val="tx1">
+            <a:lumMod val="15000"/>
+            <a:lumOff val="85000"/>
+          </a:schemeClr>
+        </a:solidFill>
+      </a:ln>
+    </cs:spPr>
+  </cs:upBar>
+  <cs:valueAxis>
+    <cs:lnRef idx="0"/>
+    <cs:fillRef idx="0"/>
+    <cs:effectRef idx="0"/>
+    <cs:fontRef idx="minor">
+      <a:schemeClr val="tx1">
+        <a:lumMod val="65000"/>
+        <a:lumOff val="35000"/>
+      </a:schemeClr>
+    </cs:fontRef>
+    <cs:defRPr sz="900" kern="1200"/>
+  </cs:valueAxis>
+  <cs:wall>
+    <cs:lnRef idx="0"/>
+    <cs:fillRef idx="0"/>
+    <cs:effectRef idx="0"/>
+    <cs:fontRef idx="minor">
+      <a:schemeClr val="tx1"/>
+    </cs:fontRef>
+    <cs:spPr>
+      <a:noFill/>
+      <a:ln>
+        <a:noFill/>
+      </a:ln>
+    </cs:spPr>
+  </cs:wall>
+</cs:chartStyle>
+</file>
+
+<file path=ppt/charts/style4.xml><?xml version="1.0" encoding="utf-8"?>
+<cs:chartStyle xmlns:cs="http://schemas.microsoft.com/office/drawing/2012/chartStyle" xmlns:a="http://schemas.openxmlformats.org/drawingml/2006/main" id="201">
+  <cs:axisTitle>
+    <cs:lnRef idx="0"/>
+    <cs:fillRef idx="0"/>
+    <cs:effectRef idx="0"/>
+    <cs:fontRef idx="minor">
+      <a:schemeClr val="tx1">
+        <a:lumMod val="65000"/>
+        <a:lumOff val="35000"/>
+      </a:schemeClr>
+    </cs:fontRef>
+    <cs:defRPr sz="1000" kern="1200"/>
+  </cs:axisTitle>
+  <cs:categoryAxis>
+    <cs:lnRef idx="0"/>
+    <cs:fillRef idx="0"/>
+    <cs:effectRef idx="0"/>
+    <cs:fontRef idx="minor">
+      <a:schemeClr val="tx1">
+        <a:lumMod val="65000"/>
+        <a:lumOff val="35000"/>
+      </a:schemeClr>
+    </cs:fontRef>
+    <cs:spPr>
+      <a:ln w="9525" cap="flat" cmpd="sng" algn="ctr">
+        <a:solidFill>
+          <a:schemeClr val="tx1">
+            <a:lumMod val="15000"/>
+            <a:lumOff val="85000"/>
+          </a:schemeClr>
+        </a:solidFill>
+        <a:round/>
+      </a:ln>
+    </cs:spPr>
+    <cs:defRPr sz="900" kern="1200"/>
+  </cs:categoryAxis>
+  <cs:chartArea mods="allowNoFillOverride allowNoLineOverride">
+    <cs:lnRef idx="0"/>
+    <cs:fillRef idx="0"/>
+    <cs:effectRef idx="0"/>
+    <cs:fontRef idx="minor">
+      <a:schemeClr val="tx1"/>
+    </cs:fontRef>
+    <cs:spPr>
+      <a:solidFill>
+        <a:schemeClr val="bg1"/>
+      </a:solidFill>
+      <a:ln w="9525" cap="flat" cmpd="sng" algn="ctr">
+        <a:solidFill>
+          <a:schemeClr val="tx1">
+            <a:lumMod val="15000"/>
+            <a:lumOff val="85000"/>
+          </a:schemeClr>
+        </a:solidFill>
+        <a:round/>
+      </a:ln>
+    </cs:spPr>
+    <cs:defRPr sz="1000" kern="1200"/>
+  </cs:chartArea>
+  <cs:dataLabel>
+    <cs:lnRef idx="0"/>
+    <cs:fillRef idx="0"/>
+    <cs:effectRef idx="0"/>
+    <cs:fontRef idx="minor">
+      <a:schemeClr val="tx1">
+        <a:lumMod val="75000"/>
+        <a:lumOff val="25000"/>
+      </a:schemeClr>
+    </cs:fontRef>
+    <cs:defRPr sz="900" kern="1200"/>
+  </cs:dataLabel>
+  <cs:dataLabelCallout>
+    <cs:lnRef idx="0"/>
+    <cs:fillRef idx="0"/>
+    <cs:effectRef idx="0"/>
+    <cs:fontRef idx="minor">
+      <a:schemeClr val="dk1">
+        <a:lumMod val="65000"/>
+        <a:lumOff val="35000"/>
+      </a:schemeClr>
+    </cs:fontRef>
+    <cs:spPr>
+      <a:solidFill>
+        <a:schemeClr val="lt1"/>
+      </a:solidFill>
+      <a:ln>
+        <a:solidFill>
+          <a:schemeClr val="dk1">
+            <a:lumMod val="25000"/>
+            <a:lumOff val="75000"/>
+          </a:schemeClr>
+        </a:solidFill>
+      </a:ln>
+    </cs:spPr>
+    <cs:defRPr sz="900" kern="1200"/>
+    <cs:bodyPr rot="0" spcFirstLastPara="1" vertOverflow="clip" horzOverflow="clip" vert="horz" wrap="square" lIns="36576" tIns="18288" rIns="36576" bIns="18288" anchor="ctr" anchorCtr="1">
+      <a:spAutoFit/>
+    </cs:bodyPr>
+  </cs:dataLabelCallout>
+  <cs:dataPoint>
+    <cs:lnRef idx="0"/>
+    <cs:fillRef idx="1">
+      <cs:styleClr val="auto"/>
+    </cs:fillRef>
+    <cs:effectRef idx="0"/>
+    <cs:fontRef idx="minor">
+      <a:schemeClr val="tx1"/>
+    </cs:fontRef>
+  </cs:dataPoint>
+  <cs:dataPoint3D>
+    <cs:lnRef idx="0"/>
+    <cs:fillRef idx="1">
+      <cs:styleClr val="auto"/>
+    </cs:fillRef>
+    <cs:effectRef idx="0"/>
+    <cs:fontRef idx="minor">
+      <a:schemeClr val="tx1"/>
+    </cs:fontRef>
+  </cs:dataPoint3D>
+  <cs:dataPointLine>
+    <cs:lnRef idx="0">
+      <cs:styleClr val="auto"/>
+    </cs:lnRef>
+    <cs:fillRef idx="1"/>
+    <cs:effectRef idx="0"/>
+    <cs:fontRef idx="minor">
+      <a:schemeClr val="tx1"/>
+    </cs:fontRef>
+    <cs:spPr>
+      <a:ln w="28575" cap="rnd">
+        <a:solidFill>
+          <a:schemeClr val="phClr"/>
+        </a:solidFill>
+        <a:round/>
+      </a:ln>
+    </cs:spPr>
+  </cs:dataPointLine>
+  <cs:dataPointMarker>
+    <cs:lnRef idx="0">
+      <cs:styleClr val="auto"/>
+    </cs:lnRef>
+    <cs:fillRef idx="1">
+      <cs:styleClr val="auto"/>
+    </cs:fillRef>
+    <cs:effectRef idx="0"/>
+    <cs:fontRef idx="minor">
+      <a:schemeClr val="tx1"/>
+    </cs:fontRef>
+    <cs:spPr>
+      <a:ln w="9525">
+        <a:solidFill>
+          <a:schemeClr val="phClr"/>
+        </a:solidFill>
+      </a:ln>
+    </cs:spPr>
+  </cs:dataPointMarker>
+  <cs:dataPointMarkerLayout symbol="circle" size="5"/>
+  <cs:dataPointWireframe>
+    <cs:lnRef idx="0">
+      <cs:styleClr val="auto"/>
+    </cs:lnRef>
+    <cs:fillRef idx="1"/>
+    <cs:effectRef idx="0"/>
+    <cs:fontRef idx="minor">
+      <a:schemeClr val="tx1"/>
+    </cs:fontRef>
+    <cs:spPr>
+      <a:ln w="9525" cap="rnd">
+        <a:solidFill>
+          <a:schemeClr val="phClr"/>
+        </a:solidFill>
+        <a:round/>
+      </a:ln>
+    </cs:spPr>
+  </cs:dataPointWireframe>
+  <cs:dataTable>
+    <cs:lnRef idx="0"/>
+    <cs:fillRef idx="0"/>
+    <cs:effectRef idx="0"/>
+    <cs:fontRef idx="minor">
+      <a:schemeClr val="tx1">
+        <a:lumMod val="65000"/>
+        <a:lumOff val="35000"/>
+      </a:schemeClr>
+    </cs:fontRef>
+    <cs:spPr>
+      <a:noFill/>
+      <a:ln w="9525" cap="flat" cmpd="sng" algn="ctr">
+        <a:solidFill>
+          <a:schemeClr val="tx1">
+            <a:lumMod val="15000"/>
+            <a:lumOff val="85000"/>
+          </a:schemeClr>
+        </a:solidFill>
+        <a:round/>
+      </a:ln>
+    </cs:spPr>
+    <cs:defRPr sz="900" kern="1200"/>
+  </cs:dataTable>
+  <cs:downBar>
+    <cs:lnRef idx="0"/>
+    <cs:fillRef idx="0"/>
+    <cs:effectRef idx="0"/>
+    <cs:fontRef idx="minor">
+      <a:schemeClr val="dk1"/>
+    </cs:fontRef>
+    <cs:spPr>
+      <a:solidFill>
+        <a:schemeClr val="dk1">
+          <a:lumMod val="65000"/>
+          <a:lumOff val="35000"/>
+        </a:schemeClr>
+      </a:solidFill>
+      <a:ln w="9525">
+        <a:solidFill>
+          <a:schemeClr val="tx1">
+            <a:lumMod val="65000"/>
+            <a:lumOff val="35000"/>
+          </a:schemeClr>
+        </a:solidFill>
+      </a:ln>
+    </cs:spPr>
+  </cs:downBar>
+  <cs:dropLine>
+    <cs:lnRef idx="0"/>
+    <cs:fillRef idx="0"/>
+    <cs:effectRef idx="0"/>
+    <cs:fontRef idx="minor">
+      <a:schemeClr val="tx1"/>
+    </cs:fontRef>
+    <cs:spPr>
+      <a:ln w="9525" cap="flat" cmpd="sng" algn="ctr">
+        <a:solidFill>
+          <a:schemeClr val="tx1">
+            <a:lumMod val="35000"/>
+            <a:lumOff val="65000"/>
+          </a:schemeClr>
+        </a:solidFill>
+        <a:round/>
+      </a:ln>
+    </cs:spPr>
+  </cs:dropLine>
+  <cs:errorBar>
+    <cs:lnRef idx="0"/>
+    <cs:fillRef idx="0"/>
+    <cs:effectRef idx="0"/>
+    <cs:fontRef idx="minor">
+      <a:schemeClr val="tx1"/>
+    </cs:fontRef>
+    <cs:spPr>
+      <a:ln w="9525" cap="flat" cmpd="sng" algn="ctr">
+        <a:solidFill>
+          <a:schemeClr val="tx1">
+            <a:lumMod val="65000"/>
+            <a:lumOff val="35000"/>
+          </a:schemeClr>
+        </a:solidFill>
+        <a:round/>
+      </a:ln>
+    </cs:spPr>
+  </cs:errorBar>
+  <cs:floor>
+    <cs:lnRef idx="0"/>
+    <cs:fillRef idx="0"/>
+    <cs:effectRef idx="0"/>
+    <cs:fontRef idx="minor">
+      <a:schemeClr val="tx1"/>
+    </cs:fontRef>
+    <cs:spPr>
+      <a:noFill/>
+      <a:ln>
+        <a:noFill/>
+      </a:ln>
+    </cs:spPr>
+  </cs:floor>
+  <cs:gridlineMajor>
+    <cs:lnRef idx="0"/>
+    <cs:fillRef idx="0"/>
+    <cs:effectRef idx="0"/>
+    <cs:fontRef idx="minor">
+      <a:schemeClr val="tx1"/>
+    </cs:fontRef>
+    <cs:spPr>
+      <a:ln w="9525" cap="flat" cmpd="sng" algn="ctr">
+        <a:solidFill>
+          <a:schemeClr val="tx1">
+            <a:lumMod val="15000"/>
+            <a:lumOff val="85000"/>
+          </a:schemeClr>
+        </a:solidFill>
+        <a:round/>
+      </a:ln>
+    </cs:spPr>
+  </cs:gridlineMajor>
+  <cs:gridlineMinor>
+    <cs:lnRef idx="0"/>
+    <cs:fillRef idx="0"/>
+    <cs:effectRef idx="0"/>
+    <cs:fontRef idx="minor">
+      <a:schemeClr val="tx1"/>
+    </cs:fontRef>
+    <cs:spPr>
+      <a:ln w="9525" cap="flat" cmpd="sng" algn="ctr">
+        <a:solidFill>
+          <a:schemeClr val="tx1">
+            <a:lumMod val="5000"/>
+            <a:lumOff val="95000"/>
+          </a:schemeClr>
+        </a:solidFill>
+        <a:round/>
+      </a:ln>
+    </cs:spPr>
+  </cs:gridlineMinor>
+  <cs:hiLoLine>
+    <cs:lnRef idx="0"/>
+    <cs:fillRef idx="0"/>
+    <cs:effectRef idx="0"/>
+    <cs:fontRef idx="minor">
+      <a:schemeClr val="tx1"/>
+    </cs:fontRef>
+    <cs:spPr>
+      <a:ln w="9525" cap="flat" cmpd="sng" algn="ctr">
+        <a:solidFill>
+          <a:schemeClr val="tx1">
+            <a:lumMod val="75000"/>
+            <a:lumOff val="25000"/>
+          </a:schemeClr>
+        </a:solidFill>
+        <a:round/>
+      </a:ln>
+    </cs:spPr>
+  </cs:hiLoLine>
+  <cs:leaderLine>
+    <cs:lnRef idx="0"/>
+    <cs:fillRef idx="0"/>
+    <cs:effectRef idx="0"/>
+    <cs:fontRef idx="minor">
+      <a:schemeClr val="tx1"/>
+    </cs:fontRef>
+    <cs:spPr>
+      <a:ln w="9525" cap="flat" cmpd="sng" algn="ctr">
+        <a:solidFill>
+          <a:schemeClr val="tx1">
+            <a:lumMod val="35000"/>
+            <a:lumOff val="65000"/>
+          </a:schemeClr>
+        </a:solidFill>
+        <a:round/>
+      </a:ln>
+    </cs:spPr>
+  </cs:leaderLine>
+  <cs:legend>
+    <cs:lnRef idx="0"/>
+    <cs:fillRef idx="0"/>
+    <cs:effectRef idx="0"/>
+    <cs:fontRef idx="minor">
+      <a:schemeClr val="tx1">
+        <a:lumMod val="65000"/>
+        <a:lumOff val="35000"/>
+      </a:schemeClr>
+    </cs:fontRef>
+    <cs:defRPr sz="900" kern="1200"/>
+  </cs:legend>
+  <cs:plotArea mods="allowNoFillOverride allowNoLineOverride">
+    <cs:lnRef idx="0"/>
+    <cs:fillRef idx="0"/>
+    <cs:effectRef idx="0"/>
+    <cs:fontRef idx="minor">
+      <a:schemeClr val="tx1"/>
+    </cs:fontRef>
+  </cs:plotArea>
+  <cs:plotArea3D mods="allowNoFillOverride allowNoLineOverride">
+    <cs:lnRef idx="0"/>
+    <cs:fillRef idx="0"/>
+    <cs:effectRef idx="0"/>
+    <cs:fontRef idx="minor">
+      <a:schemeClr val="tx1"/>
+    </cs:fontRef>
+  </cs:plotArea3D>
+  <cs:seriesAxis>
+    <cs:lnRef idx="0"/>
+    <cs:fillRef idx="0"/>
+    <cs:effectRef idx="0"/>
+    <cs:fontRef idx="minor">
+      <a:schemeClr val="tx1">
+        <a:lumMod val="65000"/>
+        <a:lumOff val="35000"/>
+      </a:schemeClr>
+    </cs:fontRef>
+    <cs:defRPr sz="900" kern="1200"/>
+  </cs:seriesAxis>
+  <cs:seriesLine>
+    <cs:lnRef idx="0"/>
+    <cs:fillRef idx="0"/>
+    <cs:effectRef idx="0"/>
+    <cs:fontRef idx="minor">
+      <a:schemeClr val="tx1"/>
+    </cs:fontRef>
+    <cs:spPr>
+      <a:ln w="9525" cap="flat" cmpd="sng" algn="ctr">
+        <a:solidFill>
+          <a:schemeClr val="tx1">
+            <a:lumMod val="35000"/>
+            <a:lumOff val="65000"/>
+          </a:schemeClr>
+        </a:solidFill>
+        <a:round/>
+      </a:ln>
+    </cs:spPr>
+  </cs:seriesLine>
+  <cs:title>
+    <cs:lnRef idx="0"/>
+    <cs:fillRef idx="0"/>
+    <cs:effectRef idx="0"/>
+    <cs:fontRef idx="minor">
+      <a:schemeClr val="tx1">
+        <a:lumMod val="65000"/>
+        <a:lumOff val="35000"/>
+      </a:schemeClr>
+    </cs:fontRef>
+    <cs:defRPr sz="1400" b="0" kern="1200" spc="0" baseline="0"/>
+  </cs:title>
+  <cs:trendline>
+    <cs:lnRef idx="0">
+      <cs:styleClr val="auto"/>
+    </cs:lnRef>
+    <cs:fillRef idx="0"/>
+    <cs:effectRef idx="0"/>
+    <cs:fontRef idx="minor">
+      <a:schemeClr val="tx1"/>
+    </cs:fontRef>
+    <cs:spPr>
+      <a:ln w="19050" cap="rnd">
+        <a:solidFill>
+          <a:schemeClr val="phClr"/>
+        </a:solidFill>
+        <a:prstDash val="sysDot"/>
+      </a:ln>
+    </cs:spPr>
+  </cs:trendline>
+  <cs:trendlineLabel>
+    <cs:lnRef idx="0"/>
+    <cs:fillRef idx="0"/>
+    <cs:effectRef idx="0"/>
+    <cs:fontRef idx="minor">
+      <a:schemeClr val="tx1">
+        <a:lumMod val="65000"/>
+        <a:lumOff val="35000"/>
+      </a:schemeClr>
+    </cs:fontRef>
+    <cs:defRPr sz="900" kern="1200"/>
+  </cs:trendlineLabel>
+  <cs:upBar>
+    <cs:lnRef idx="0"/>
+    <cs:fillRef idx="0"/>
+    <cs:effectRef idx="0"/>
+    <cs:fontRef idx="minor">
+      <a:schemeClr val="dk1"/>
+    </cs:fontRef>
+    <cs:spPr>
+      <a:solidFill>
+        <a:schemeClr val="lt1"/>
+      </a:solidFill>
+      <a:ln w="9525">
+        <a:solidFill>
+          <a:schemeClr val="tx1">
+            <a:lumMod val="15000"/>
+            <a:lumOff val="85000"/>
+          </a:schemeClr>
+        </a:solidFill>
+      </a:ln>
+    </cs:spPr>
+  </cs:upBar>
+  <cs:valueAxis>
+    <cs:lnRef idx="0"/>
+    <cs:fillRef idx="0"/>
+    <cs:effectRef idx="0"/>
+    <cs:fontRef idx="minor">
+      <a:schemeClr val="tx1">
+        <a:lumMod val="65000"/>
+        <a:lumOff val="35000"/>
+      </a:schemeClr>
+    </cs:fontRef>
+    <cs:defRPr sz="900" kern="1200"/>
+  </cs:valueAxis>
+  <cs:wall>
+    <cs:lnRef idx="0"/>
+    <cs:fillRef idx="0"/>
+    <cs:effectRef idx="0"/>
+    <cs:fontRef idx="minor">
+      <a:schemeClr val="tx1"/>
+    </cs:fontRef>
+    <cs:spPr>
+      <a:noFill/>
+      <a:ln>
+        <a:noFill/>
+      </a:ln>
+    </cs:spPr>
+  </cs:wall>
+</cs:chartStyle>
+</file>
+
+<file path=ppt/charts/style5.xml><?xml version="1.0" encoding="utf-8"?>
+<cs:chartStyle xmlns:cs="http://schemas.microsoft.com/office/drawing/2012/chartStyle" xmlns:a="http://schemas.openxmlformats.org/drawingml/2006/main" id="227">
+  <cs:axisTitle>
+    <cs:lnRef idx="0"/>
+    <cs:fillRef idx="0"/>
+    <cs:effectRef idx="0"/>
+    <cs:fontRef idx="minor">
+      <a:schemeClr val="tx1">
+        <a:lumMod val="65000"/>
+        <a:lumOff val="35000"/>
+      </a:schemeClr>
+    </cs:fontRef>
+    <cs:defRPr sz="1000" kern="1200"/>
+  </cs:axisTitle>
+  <cs:categoryAxis>
+    <cs:lnRef idx="0"/>
+    <cs:fillRef idx="0"/>
+    <cs:effectRef idx="0"/>
+    <cs:fontRef idx="minor">
+      <a:schemeClr val="tx1">
+        <a:lumMod val="65000"/>
+        <a:lumOff val="35000"/>
+      </a:schemeClr>
+    </cs:fontRef>
+    <cs:spPr>
+      <a:ln w="9525" cap="flat" cmpd="sng" algn="ctr">
+        <a:solidFill>
+          <a:schemeClr val="tx1">
+            <a:lumMod val="15000"/>
+            <a:lumOff val="85000"/>
+          </a:schemeClr>
+        </a:solidFill>
+        <a:round/>
+      </a:ln>
+    </cs:spPr>
+    <cs:defRPr sz="900" kern="1200"/>
+  </cs:categoryAxis>
+  <cs:chartArea mods="allowNoFillOverride allowNoLineOverride">
+    <cs:lnRef idx="0"/>
+    <cs:fillRef idx="0"/>
+    <cs:effectRef idx="0"/>
+    <cs:fontRef idx="minor">
+      <a:schemeClr val="tx1"/>
+    </cs:fontRef>
+    <cs:spPr>
+      <a:solidFill>
+        <a:schemeClr val="bg1"/>
+      </a:solidFill>
+      <a:ln w="9525" cap="flat" cmpd="sng" algn="ctr">
+        <a:solidFill>
+          <a:schemeClr val="tx1">
+            <a:lumMod val="15000"/>
+            <a:lumOff val="85000"/>
+          </a:schemeClr>
+        </a:solidFill>
+        <a:round/>
+      </a:ln>
+    </cs:spPr>
+    <cs:defRPr sz="1000" kern="1200"/>
+  </cs:chartArea>
+  <cs:dataLabel>
+    <cs:lnRef idx="0"/>
+    <cs:fillRef idx="0"/>
+    <cs:effectRef idx="0"/>
+    <cs:fontRef idx="minor">
+      <a:schemeClr val="tx1">
+        <a:lumMod val="75000"/>
+        <a:lumOff val="25000"/>
+      </a:schemeClr>
+    </cs:fontRef>
+    <cs:defRPr sz="900" kern="1200"/>
+  </cs:dataLabel>
+  <cs:dataLabelCallout>
+    <cs:lnRef idx="0"/>
+    <cs:fillRef idx="0"/>
+    <cs:effectRef idx="0"/>
+    <cs:fontRef idx="minor">
+      <a:schemeClr val="dk1">
+        <a:lumMod val="65000"/>
+        <a:lumOff val="35000"/>
+      </a:schemeClr>
+    </cs:fontRef>
+    <cs:spPr>
+      <a:solidFill>
+        <a:schemeClr val="lt1"/>
+      </a:solidFill>
+      <a:ln>
+        <a:solidFill>
+          <a:schemeClr val="dk1">
+            <a:lumMod val="25000"/>
+            <a:lumOff val="75000"/>
+          </a:schemeClr>
+        </a:solidFill>
+      </a:ln>
+    </cs:spPr>
+    <cs:defRPr sz="900" kern="1200"/>
+    <cs:bodyPr rot="0" spcFirstLastPara="1" vertOverflow="clip" horzOverflow="clip" vert="horz" wrap="square" lIns="36576" tIns="18288" rIns="36576" bIns="18288" anchor="ctr" anchorCtr="1">
+      <a:spAutoFit/>
+    </cs:bodyPr>
+  </cs:dataLabelCallout>
+  <cs:dataPoint>
+    <cs:lnRef idx="0"/>
+    <cs:fillRef idx="1">
+      <cs:styleClr val="auto"/>
+    </cs:fillRef>
+    <cs:effectRef idx="0"/>
+    <cs:fontRef idx="minor">
+      <a:schemeClr val="tx1"/>
+    </cs:fontRef>
+    <cs:spPr>
+      <a:solidFill>
+        <a:schemeClr val="phClr"/>
+      </a:solidFill>
+    </cs:spPr>
+  </cs:dataPoint>
+  <cs:dataPoint3D>
+    <cs:lnRef idx="0"/>
+    <cs:fillRef idx="1">
+      <cs:styleClr val="auto"/>
+    </cs:fillRef>
+    <cs:effectRef idx="0"/>
+    <cs:fontRef idx="minor">
+      <a:schemeClr val="tx1"/>
+    </cs:fontRef>
+    <cs:spPr>
+      <a:solidFill>
+        <a:schemeClr val="phClr"/>
+      </a:solidFill>
+    </cs:spPr>
+  </cs:dataPoint3D>
+  <cs:dataPointLine>
+    <cs:lnRef idx="0">
+      <cs:styleClr val="auto"/>
+    </cs:lnRef>
+    <cs:fillRef idx="1"/>
+    <cs:effectRef idx="0"/>
+    <cs:fontRef idx="minor">
+      <a:schemeClr val="tx1"/>
+    </cs:fontRef>
+    <cs:spPr>
+      <a:ln w="28575" cap="rnd">
+        <a:solidFill>
+          <a:schemeClr val="phClr"/>
+        </a:solidFill>
+        <a:round/>
+      </a:ln>
+    </cs:spPr>
+  </cs:dataPointLine>
+  <cs:dataPointMarker>
+    <cs:lnRef idx="0">
+      <cs:styleClr val="auto"/>
+    </cs:lnRef>
+    <cs:fillRef idx="1">
+      <cs:styleClr val="auto"/>
+    </cs:fillRef>
+    <cs:effectRef idx="0"/>
+    <cs:fontRef idx="minor">
+      <a:schemeClr val="tx1"/>
+    </cs:fontRef>
+    <cs:spPr>
+      <a:solidFill>
+        <a:schemeClr val="phClr"/>
+      </a:solidFill>
       <a:ln w="9525">
         <a:solidFill>
           <a:schemeClr val="phClr"/>
@@ -7421,7 +9687,7 @@
           <p:nvPr>
             <p:extLst>
               <p:ext uri="{D42A27DB-BD31-4B8C-83A1-F6EECF244321}">
-                <p14:modId xmlns:p14="http://schemas.microsoft.com/office/powerpoint/2010/main" val="1902136941"/>
+                <p14:modId xmlns:p14="http://schemas.microsoft.com/office/powerpoint/2010/main" val="1111170997"/>
               </p:ext>
             </p:extLst>
           </p:nvPr>
@@ -7451,7 +9717,7 @@
           <p:nvPr>
             <p:extLst>
               <p:ext uri="{D42A27DB-BD31-4B8C-83A1-F6EECF244321}">
-                <p14:modId xmlns:p14="http://schemas.microsoft.com/office/powerpoint/2010/main" val="191829292"/>
+                <p14:modId xmlns:p14="http://schemas.microsoft.com/office/powerpoint/2010/main" val="4234830411"/>
               </p:ext>
             </p:extLst>
           </p:nvPr>
@@ -8106,7 +10372,7 @@
           <p:nvPr>
             <p:extLst>
               <p:ext uri="{D42A27DB-BD31-4B8C-83A1-F6EECF244321}">
-                <p14:modId xmlns:p14="http://schemas.microsoft.com/office/powerpoint/2010/main" val="921010583"/>
+                <p14:modId xmlns:p14="http://schemas.microsoft.com/office/powerpoint/2010/main" val="366236717"/>
               </p:ext>
             </p:extLst>
           </p:nvPr>
@@ -8121,6 +10387,161 @@
           </a:graphicData>
         </a:graphic>
       </p:graphicFrame>
+      <p:graphicFrame>
+        <p:nvGraphicFramePr>
+          <p:cNvPr id="7" name="Chart 6">
+            <a:extLst>
+              <a:ext uri="{FF2B5EF4-FFF2-40B4-BE49-F238E27FC236}">
+                <a16:creationId xmlns:a16="http://schemas.microsoft.com/office/drawing/2014/main" id="{B5BC8D9B-2327-4D53-82E7-3BF858A39799}"/>
+              </a:ext>
+            </a:extLst>
+          </p:cNvPr>
+          <p:cNvGraphicFramePr>
+            <a:graphicFrameLocks/>
+          </p:cNvGraphicFramePr>
+          <p:nvPr>
+            <p:extLst>
+              <p:ext uri="{D42A27DB-BD31-4B8C-83A1-F6EECF244321}">
+                <p14:modId xmlns:p14="http://schemas.microsoft.com/office/powerpoint/2010/main" val="578542600"/>
+              </p:ext>
+            </p:extLst>
+          </p:nvPr>
+        </p:nvGraphicFramePr>
+        <p:xfrm>
+          <a:off x="2009737" y="4205374"/>
+          <a:ext cx="4563824" cy="2727873"/>
+        </p:xfrm>
+        <a:graphic>
+          <a:graphicData uri="http://schemas.openxmlformats.org/drawingml/2006/chart">
+            <c:chart xmlns:c="http://schemas.openxmlformats.org/drawingml/2006/chart" xmlns:r="http://schemas.openxmlformats.org/officeDocument/2006/relationships" r:id="rId4"/>
+          </a:graphicData>
+        </a:graphic>
+      </p:graphicFrame>
+      <p:sp>
+        <p:nvSpPr>
+          <p:cNvPr id="8" name="TextBox 7">
+            <a:extLst>
+              <a:ext uri="{FF2B5EF4-FFF2-40B4-BE49-F238E27FC236}">
+                <a16:creationId xmlns:a16="http://schemas.microsoft.com/office/drawing/2014/main" id="{49A227DB-BE87-4A7D-8FAC-4AB85832A1D6}"/>
+              </a:ext>
+            </a:extLst>
+          </p:cNvPr>
+          <p:cNvSpPr txBox="1"/>
+          <p:nvPr/>
+        </p:nvSpPr>
+        <p:spPr>
+          <a:xfrm>
+            <a:off x="125426" y="4249578"/>
+            <a:ext cx="2241256" cy="1200329"/>
+          </a:xfrm>
+          <a:prstGeom prst="rect">
+            <a:avLst/>
+          </a:prstGeom>
+          <a:noFill/>
+        </p:spPr>
+        <p:txBody>
+          <a:bodyPr wrap="square" rtlCol="0">
+            <a:spAutoFit/>
+          </a:bodyPr>
+          <a:lstStyle/>
+          <a:p>
+            <a:r>
+              <a:rPr lang="fr-CH" dirty="0"/>
+              <a:t>90% of the </a:t>
+            </a:r>
+            <a:r>
+              <a:rPr lang="fr-CH" dirty="0" err="1"/>
+              <a:t>flights</a:t>
+            </a:r>
+            <a:r>
+              <a:rPr lang="fr-CH" dirty="0"/>
+              <a:t> </a:t>
+            </a:r>
+            <a:r>
+              <a:rPr lang="fr-CH" dirty="0" err="1"/>
+              <a:t>will</a:t>
+            </a:r>
+            <a:r>
+              <a:rPr lang="fr-CH" dirty="0"/>
+              <a:t> have a </a:t>
+            </a:r>
+            <a:r>
+              <a:rPr lang="fr-CH" dirty="0" err="1"/>
+              <a:t>delay</a:t>
+            </a:r>
+            <a:r>
+              <a:rPr lang="fr-CH" dirty="0"/>
+              <a:t> </a:t>
+            </a:r>
+            <a:r>
+              <a:rPr lang="fr-CH" dirty="0" err="1"/>
+              <a:t>probability</a:t>
+            </a:r>
+            <a:r>
+              <a:rPr lang="fr-CH" dirty="0"/>
+              <a:t> </a:t>
+            </a:r>
+            <a:r>
+              <a:rPr lang="fr-CH" dirty="0" err="1"/>
+              <a:t>lower</a:t>
+            </a:r>
+            <a:r>
+              <a:rPr lang="fr-CH" dirty="0"/>
+              <a:t> </a:t>
+            </a:r>
+            <a:r>
+              <a:rPr lang="fr-CH" dirty="0" err="1"/>
+              <a:t>than</a:t>
+            </a:r>
+            <a:r>
+              <a:rPr lang="fr-CH" dirty="0"/>
+              <a:t> 30%</a:t>
+            </a:r>
+          </a:p>
+        </p:txBody>
+      </p:sp>
+      <p:cxnSp>
+        <p:nvCxnSpPr>
+          <p:cNvPr id="10" name="Straight Arrow Connector 9">
+            <a:extLst>
+              <a:ext uri="{FF2B5EF4-FFF2-40B4-BE49-F238E27FC236}">
+                <a16:creationId xmlns:a16="http://schemas.microsoft.com/office/drawing/2014/main" id="{C5BAF6D3-B367-4A06-BFA0-8879595C9B37}"/>
+              </a:ext>
+            </a:extLst>
+          </p:cNvPr>
+          <p:cNvCxnSpPr/>
+          <p:nvPr/>
+        </p:nvCxnSpPr>
+        <p:spPr>
+          <a:xfrm>
+            <a:off x="2366682" y="4376406"/>
+            <a:ext cx="1276248" cy="444976"/>
+          </a:xfrm>
+          <a:prstGeom prst="straightConnector1">
+            <a:avLst/>
+          </a:prstGeom>
+          <a:ln w="38100">
+            <a:solidFill>
+              <a:srgbClr val="FF0000"/>
+            </a:solidFill>
+            <a:tailEnd type="triangle"/>
+          </a:ln>
+        </p:spPr>
+        <p:style>
+          <a:lnRef idx="1">
+            <a:schemeClr val="accent1"/>
+          </a:lnRef>
+          <a:fillRef idx="0">
+            <a:schemeClr val="accent1"/>
+          </a:fillRef>
+          <a:effectRef idx="0">
+            <a:schemeClr val="accent1"/>
+          </a:effectRef>
+          <a:fontRef idx="minor">
+            <a:schemeClr val="tx1"/>
+          </a:fontRef>
+        </p:style>
+      </p:cxnSp>
     </p:spTree>
     <p:extLst>
       <p:ext uri="{BB962C8B-B14F-4D97-AF65-F5344CB8AC3E}">
@@ -8290,7 +10711,18 @@
               <a:rPr lang="fr-CH" dirty="0">
                 <a:sym typeface="Wingdings" panose="05000000000000000000" pitchFamily="2" charset="2"/>
               </a:rPr>
-              <a:t>, no </a:t>
+              <a:t>, </a:t>
+            </a:r>
+            <a:br>
+              <a:rPr lang="fr-CH" dirty="0">
+                <a:sym typeface="Wingdings" panose="05000000000000000000" pitchFamily="2" charset="2"/>
+              </a:rPr>
+            </a:br>
+            <a:r>
+              <a:rPr lang="fr-CH" dirty="0">
+                <a:sym typeface="Wingdings" panose="05000000000000000000" pitchFamily="2" charset="2"/>
+              </a:rPr>
+              <a:t>no </a:t>
             </a:r>
             <a:r>
               <a:rPr lang="fr-CH" dirty="0" err="1">
@@ -8545,10 +10977,10 @@
       </mc:AlternateContent>
       <p:graphicFrame>
         <p:nvGraphicFramePr>
-          <p:cNvPr id="7" name="Table 6">
+          <p:cNvPr id="9" name="Table 8">
             <a:extLst>
               <a:ext uri="{FF2B5EF4-FFF2-40B4-BE49-F238E27FC236}">
-                <a16:creationId xmlns:a16="http://schemas.microsoft.com/office/drawing/2014/main" id="{067F99C4-5C03-44C0-A94F-FA9B5FAA58BC}"/>
+                <a16:creationId xmlns:a16="http://schemas.microsoft.com/office/drawing/2014/main" id="{1B5B39C2-7EE8-4E5A-9A75-48FE08A08F8A}"/>
               </a:ext>
             </a:extLst>
           </p:cNvPr>
@@ -8558,50 +10990,43 @@
           <p:nvPr>
             <p:extLst>
               <p:ext uri="{D42A27DB-BD31-4B8C-83A1-F6EECF244321}">
-                <p14:modId xmlns:p14="http://schemas.microsoft.com/office/powerpoint/2010/main" val="1834397945"/>
+                <p14:modId xmlns:p14="http://schemas.microsoft.com/office/powerpoint/2010/main" val="2042752289"/>
               </p:ext>
             </p:extLst>
           </p:nvPr>
         </p:nvGraphicFramePr>
         <p:xfrm>
-          <a:off x="7415544" y="3910006"/>
-          <a:ext cx="3009594" cy="2824476"/>
+          <a:off x="3225910" y="4853298"/>
+          <a:ext cx="2224221" cy="557106"/>
         </p:xfrm>
         <a:graphic>
           <a:graphicData uri="http://schemas.openxmlformats.org/drawingml/2006/table">
             <a:tbl>
               <a:tblPr/>
               <a:tblGrid>
-                <a:gridCol w="941192">
+                <a:gridCol w="875276">
                   <a:extLst>
                     <a:ext uri="{9D8B030D-6E8A-4147-A177-3AD203B41FA5}">
-                      <a16:colId xmlns:a16="http://schemas.microsoft.com/office/drawing/2014/main" val="3739961762"/>
+                      <a16:colId xmlns:a16="http://schemas.microsoft.com/office/drawing/2014/main" val="1361746845"/>
                     </a:ext>
                   </a:extLst>
                 </a:gridCol>
-                <a:gridCol w="767705">
+                <a:gridCol w="816604">
                   <a:extLst>
                     <a:ext uri="{9D8B030D-6E8A-4147-A177-3AD203B41FA5}">
-                      <a16:colId xmlns:a16="http://schemas.microsoft.com/office/drawing/2014/main" val="2230693441"/>
+                      <a16:colId xmlns:a16="http://schemas.microsoft.com/office/drawing/2014/main" val="3055299769"/>
                     </a:ext>
                   </a:extLst>
                 </a:gridCol>
-                <a:gridCol w="738366">
+                <a:gridCol w="532341">
                   <a:extLst>
                     <a:ext uri="{9D8B030D-6E8A-4147-A177-3AD203B41FA5}">
-                      <a16:colId xmlns:a16="http://schemas.microsoft.com/office/drawing/2014/main" val="1642179857"/>
-                    </a:ext>
-                  </a:extLst>
-                </a:gridCol>
-                <a:gridCol w="562331">
-                  <a:extLst>
-                    <a:ext uri="{9D8B030D-6E8A-4147-A177-3AD203B41FA5}">
-                      <a16:colId xmlns:a16="http://schemas.microsoft.com/office/drawing/2014/main" val="2044087862"/>
+                      <a16:colId xmlns:a16="http://schemas.microsoft.com/office/drawing/2014/main" val="1518212147"/>
                     </a:ext>
                   </a:extLst>
                 </a:gridCol>
               </a:tblGrid>
-              <a:tr h="165511">
+              <a:tr h="182245">
                 <a:tc>
                   <a:txBody>
                     <a:bodyPr/>
@@ -8609,90 +11034,7 @@
                     <a:p>
                       <a:pPr algn="l" fontAlgn="b"/>
                       <a:r>
-                        <a:rPr lang="fr-CH" sz="1400" b="1" i="0" u="none" strike="noStrike" dirty="0">
-                          <a:solidFill>
-                            <a:srgbClr val="000000"/>
-                          </a:solidFill>
-                          <a:effectLst/>
-                          <a:latin typeface="Calibri" panose="020F0502020204030204" pitchFamily="34" charset="0"/>
-                        </a:rPr>
-                        <a:t>Delay </a:t>
-                      </a:r>
-                      <a:br>
-                        <a:rPr lang="fr-CH" sz="1400" b="1" i="0" u="none" strike="noStrike" dirty="0">
-                          <a:solidFill>
-                            <a:srgbClr val="000000"/>
-                          </a:solidFill>
-                          <a:effectLst/>
-                          <a:latin typeface="Calibri" panose="020F0502020204030204" pitchFamily="34" charset="0"/>
-                        </a:rPr>
-                      </a:br>
-                      <a:r>
-                        <a:rPr lang="fr-CH" sz="1400" b="1" i="0" u="none" strike="noStrike" dirty="0" err="1">
-                          <a:solidFill>
-                            <a:srgbClr val="000000"/>
-                          </a:solidFill>
-                          <a:effectLst/>
-                          <a:latin typeface="Calibri" panose="020F0502020204030204" pitchFamily="34" charset="0"/>
-                        </a:rPr>
-                        <a:t>probability</a:t>
-                      </a:r>
-                      <a:endParaRPr lang="fr-CH" sz="1400" b="1" i="0" u="none" strike="noStrike" dirty="0">
-                        <a:solidFill>
-                          <a:srgbClr val="000000"/>
-                        </a:solidFill>
-                        <a:effectLst/>
-                        <a:latin typeface="Calibri" panose="020F0502020204030204" pitchFamily="34" charset="0"/>
-                      </a:endParaRPr>
-                    </a:p>
-                  </a:txBody>
-                  <a:tcPr marL="4233" marR="4233" marT="4233" marB="0" anchor="b">
-                    <a:lnL w="6350" cap="flat" cmpd="sng" algn="ctr">
-                      <a:solidFill>
-                        <a:srgbClr val="000000"/>
-                      </a:solidFill>
-                      <a:prstDash val="solid"/>
-                      <a:round/>
-                      <a:headEnd type="none" w="med" len="med"/>
-                      <a:tailEnd type="none" w="med" len="med"/>
-                    </a:lnL>
-                    <a:lnR w="6350" cap="flat" cmpd="sng" algn="ctr">
-                      <a:solidFill>
-                        <a:srgbClr val="000000"/>
-                      </a:solidFill>
-                      <a:prstDash val="solid"/>
-                      <a:round/>
-                      <a:headEnd type="none" w="med" len="med"/>
-                      <a:tailEnd type="none" w="med" len="med"/>
-                    </a:lnR>
-                    <a:lnT w="6350" cap="flat" cmpd="sng" algn="ctr">
-                      <a:solidFill>
-                        <a:srgbClr val="000000"/>
-                      </a:solidFill>
-                      <a:prstDash val="solid"/>
-                      <a:round/>
-                      <a:headEnd type="none" w="med" len="med"/>
-                      <a:tailEnd type="none" w="med" len="med"/>
-                    </a:lnT>
-                    <a:lnB w="6350" cap="flat" cmpd="sng" algn="ctr">
-                      <a:solidFill>
-                        <a:srgbClr val="000000"/>
-                      </a:solidFill>
-                      <a:prstDash val="solid"/>
-                      <a:round/>
-                      <a:headEnd type="none" w="med" len="med"/>
-                      <a:tailEnd type="none" w="med" len="med"/>
-                    </a:lnB>
-                  </a:tcPr>
-                </a:tc>
-                <a:tc>
-                  <a:txBody>
-                    <a:bodyPr/>
-                    <a:lstStyle/>
-                    <a:p>
-                      <a:pPr algn="l" fontAlgn="b"/>
-                      <a:r>
-                        <a:rPr lang="fr-CH" sz="1400" b="1" i="0" u="none" strike="noStrike">
+                        <a:rPr lang="fr-CH" sz="1800" b="0" i="0" u="none" strike="noStrike">
                           <a:solidFill>
                             <a:srgbClr val="000000"/>
                           </a:solidFill>
@@ -8749,7 +11091,7 @@
                     <a:p>
                       <a:pPr algn="l" fontAlgn="b"/>
                       <a:r>
-                        <a:rPr lang="fr-CH" sz="1400" b="1" i="0" u="none" strike="noStrike">
+                        <a:rPr lang="fr-CH" sz="1800" b="0" i="0" u="none" strike="noStrike" dirty="0">
                           <a:solidFill>
                             <a:srgbClr val="000000"/>
                           </a:solidFill>
@@ -8806,2846 +11148,7 @@
                     <a:p>
                       <a:pPr algn="l" fontAlgn="b"/>
                       <a:r>
-                        <a:rPr lang="fr-CH" sz="1400" b="1" i="0" u="none" strike="noStrike">
-                          <a:solidFill>
-                            <a:srgbClr val="000000"/>
-                          </a:solidFill>
-                          <a:effectLst/>
-                          <a:latin typeface="Calibri" panose="020F0502020204030204" pitchFamily="34" charset="0"/>
-                        </a:rPr>
-                        <a:t>Basic</a:t>
-                      </a:r>
-                    </a:p>
-                  </a:txBody>
-                  <a:tcPr marL="4233" marR="4233" marT="4233" marB="0" anchor="b">
-                    <a:lnL w="6350" cap="flat" cmpd="sng" algn="ctr">
-                      <a:solidFill>
-                        <a:srgbClr val="000000"/>
-                      </a:solidFill>
-                      <a:prstDash val="solid"/>
-                      <a:round/>
-                      <a:headEnd type="none" w="med" len="med"/>
-                      <a:tailEnd type="none" w="med" len="med"/>
-                    </a:lnL>
-                    <a:lnR w="6350" cap="flat" cmpd="sng" algn="ctr">
-                      <a:solidFill>
-                        <a:srgbClr val="000000"/>
-                      </a:solidFill>
-                      <a:prstDash val="solid"/>
-                      <a:round/>
-                      <a:headEnd type="none" w="med" len="med"/>
-                      <a:tailEnd type="none" w="med" len="med"/>
-                    </a:lnR>
-                    <a:lnT w="6350" cap="flat" cmpd="sng" algn="ctr">
-                      <a:solidFill>
-                        <a:srgbClr val="000000"/>
-                      </a:solidFill>
-                      <a:prstDash val="solid"/>
-                      <a:round/>
-                      <a:headEnd type="none" w="med" len="med"/>
-                      <a:tailEnd type="none" w="med" len="med"/>
-                    </a:lnT>
-                    <a:lnB w="6350" cap="flat" cmpd="sng" algn="ctr">
-                      <a:solidFill>
-                        <a:srgbClr val="000000"/>
-                      </a:solidFill>
-                      <a:prstDash val="solid"/>
-                      <a:round/>
-                      <a:headEnd type="none" w="med" len="med"/>
-                      <a:tailEnd type="none" w="med" len="med"/>
-                    </a:lnB>
-                  </a:tcPr>
-                </a:tc>
-                <a:extLst>
-                  <a:ext uri="{0D108BD9-81ED-4DB2-BD59-A6C34878D82A}">
-                    <a16:rowId xmlns:a16="http://schemas.microsoft.com/office/drawing/2014/main" val="3824722769"/>
-                  </a:ext>
-                </a:extLst>
-              </a:tr>
-              <a:tr h="182245">
-                <a:tc>
-                  <a:txBody>
-                    <a:bodyPr/>
-                    <a:lstStyle/>
-                    <a:p>
-                      <a:pPr algn="r" fontAlgn="b"/>
-                      <a:r>
-                        <a:rPr lang="fr-CH" sz="1400" b="0" i="0" u="none" strike="noStrike" dirty="0">
-                          <a:solidFill>
-                            <a:srgbClr val="000000"/>
-                          </a:solidFill>
-                          <a:effectLst/>
-                          <a:latin typeface="Calibri" panose="020F0502020204030204" pitchFamily="34" charset="0"/>
-                        </a:rPr>
-                        <a:t>0%</a:t>
-                      </a:r>
-                    </a:p>
-                  </a:txBody>
-                  <a:tcPr marL="4233" marR="4233" marT="4233" marB="0" anchor="b">
-                    <a:lnL w="6350" cap="flat" cmpd="sng" algn="ctr">
-                      <a:solidFill>
-                        <a:srgbClr val="000000"/>
-                      </a:solidFill>
-                      <a:prstDash val="solid"/>
-                      <a:round/>
-                      <a:headEnd type="none" w="med" len="med"/>
-                      <a:tailEnd type="none" w="med" len="med"/>
-                    </a:lnL>
-                    <a:lnR w="6350" cap="flat" cmpd="sng" algn="ctr">
-                      <a:solidFill>
-                        <a:srgbClr val="000000"/>
-                      </a:solidFill>
-                      <a:prstDash val="solid"/>
-                      <a:round/>
-                      <a:headEnd type="none" w="med" len="med"/>
-                      <a:tailEnd type="none" w="med" len="med"/>
-                    </a:lnR>
-                    <a:lnT w="6350" cap="flat" cmpd="sng" algn="ctr">
-                      <a:solidFill>
-                        <a:srgbClr val="000000"/>
-                      </a:solidFill>
-                      <a:prstDash val="solid"/>
-                      <a:round/>
-                      <a:headEnd type="none" w="med" len="med"/>
-                      <a:tailEnd type="none" w="med" len="med"/>
-                    </a:lnT>
-                    <a:lnB w="6350" cap="flat" cmpd="sng" algn="ctr">
-                      <a:solidFill>
-                        <a:srgbClr val="000000"/>
-                      </a:solidFill>
-                      <a:prstDash val="solid"/>
-                      <a:round/>
-                      <a:headEnd type="none" w="med" len="med"/>
-                      <a:tailEnd type="none" w="med" len="med"/>
-                    </a:lnB>
-                  </a:tcPr>
-                </a:tc>
-                <a:tc>
-                  <a:txBody>
-                    <a:bodyPr/>
-                    <a:lstStyle/>
-                    <a:p>
-                      <a:pPr algn="r" fontAlgn="b"/>
-                      <a:r>
-                        <a:rPr lang="fr-CH" sz="1400" b="0" i="0" u="none" strike="noStrike">
-                          <a:solidFill>
-                            <a:srgbClr val="000000"/>
-                          </a:solidFill>
-                          <a:effectLst/>
-                          <a:latin typeface="Calibri" panose="020F0502020204030204" pitchFamily="34" charset="0"/>
-                        </a:rPr>
-                        <a:t>1005</a:t>
-                      </a:r>
-                    </a:p>
-                  </a:txBody>
-                  <a:tcPr marL="4233" marR="4233" marT="4233" marB="0" anchor="b">
-                    <a:lnL w="6350" cap="flat" cmpd="sng" algn="ctr">
-                      <a:solidFill>
-                        <a:srgbClr val="000000"/>
-                      </a:solidFill>
-                      <a:prstDash val="solid"/>
-                      <a:round/>
-                      <a:headEnd type="none" w="med" len="med"/>
-                      <a:tailEnd type="none" w="med" len="med"/>
-                    </a:lnL>
-                    <a:lnR w="6350" cap="flat" cmpd="sng" algn="ctr">
-                      <a:solidFill>
-                        <a:srgbClr val="000000"/>
-                      </a:solidFill>
-                      <a:prstDash val="solid"/>
-                      <a:round/>
-                      <a:headEnd type="none" w="med" len="med"/>
-                      <a:tailEnd type="none" w="med" len="med"/>
-                    </a:lnR>
-                    <a:lnT w="6350" cap="flat" cmpd="sng" algn="ctr">
-                      <a:solidFill>
-                        <a:srgbClr val="000000"/>
-                      </a:solidFill>
-                      <a:prstDash val="solid"/>
-                      <a:round/>
-                      <a:headEnd type="none" w="med" len="med"/>
-                      <a:tailEnd type="none" w="med" len="med"/>
-                    </a:lnT>
-                    <a:lnB w="6350" cap="flat" cmpd="sng" algn="ctr">
-                      <a:solidFill>
-                        <a:srgbClr val="000000"/>
-                      </a:solidFill>
-                      <a:prstDash val="solid"/>
-                      <a:round/>
-                      <a:headEnd type="none" w="med" len="med"/>
-                      <a:tailEnd type="none" w="med" len="med"/>
-                    </a:lnB>
-                  </a:tcPr>
-                </a:tc>
-                <a:tc>
-                  <a:txBody>
-                    <a:bodyPr/>
-                    <a:lstStyle/>
-                    <a:p>
-                      <a:pPr algn="r" fontAlgn="b"/>
-                      <a:r>
-                        <a:rPr lang="fr-CH" sz="1400" b="0" i="0" u="none" strike="noStrike">
-                          <a:solidFill>
-                            <a:srgbClr val="000000"/>
-                          </a:solidFill>
-                          <a:effectLst/>
-                          <a:latin typeface="Calibri" panose="020F0502020204030204" pitchFamily="34" charset="0"/>
-                        </a:rPr>
-                        <a:t>55</a:t>
-                      </a:r>
-                    </a:p>
-                  </a:txBody>
-                  <a:tcPr marL="4233" marR="4233" marT="4233" marB="0" anchor="b">
-                    <a:lnL w="6350" cap="flat" cmpd="sng" algn="ctr">
-                      <a:solidFill>
-                        <a:srgbClr val="000000"/>
-                      </a:solidFill>
-                      <a:prstDash val="solid"/>
-                      <a:round/>
-                      <a:headEnd type="none" w="med" len="med"/>
-                      <a:tailEnd type="none" w="med" len="med"/>
-                    </a:lnL>
-                    <a:lnR w="6350" cap="flat" cmpd="sng" algn="ctr">
-                      <a:solidFill>
-                        <a:srgbClr val="000000"/>
-                      </a:solidFill>
-                      <a:prstDash val="solid"/>
-                      <a:round/>
-                      <a:headEnd type="none" w="med" len="med"/>
-                      <a:tailEnd type="none" w="med" len="med"/>
-                    </a:lnR>
-                    <a:lnT w="6350" cap="flat" cmpd="sng" algn="ctr">
-                      <a:solidFill>
-                        <a:srgbClr val="000000"/>
-                      </a:solidFill>
-                      <a:prstDash val="solid"/>
-                      <a:round/>
-                      <a:headEnd type="none" w="med" len="med"/>
-                      <a:tailEnd type="none" w="med" len="med"/>
-                    </a:lnT>
-                    <a:lnB w="6350" cap="flat" cmpd="sng" algn="ctr">
-                      <a:solidFill>
-                        <a:srgbClr val="000000"/>
-                      </a:solidFill>
-                      <a:prstDash val="solid"/>
-                      <a:round/>
-                      <a:headEnd type="none" w="med" len="med"/>
-                      <a:tailEnd type="none" w="med" len="med"/>
-                    </a:lnB>
-                  </a:tcPr>
-                </a:tc>
-                <a:tc>
-                  <a:txBody>
-                    <a:bodyPr/>
-                    <a:lstStyle/>
-                    <a:p>
-                      <a:pPr algn="r" fontAlgn="b"/>
-                      <a:r>
-                        <a:rPr lang="fr-CH" sz="1400" b="0" i="0" u="none" strike="noStrike">
-                          <a:solidFill>
-                            <a:srgbClr val="000000"/>
-                          </a:solidFill>
-                          <a:effectLst/>
-                          <a:latin typeface="Calibri" panose="020F0502020204030204" pitchFamily="34" charset="0"/>
-                        </a:rPr>
-                        <a:t>15</a:t>
-                      </a:r>
-                    </a:p>
-                  </a:txBody>
-                  <a:tcPr marL="4233" marR="4233" marT="4233" marB="0" anchor="b">
-                    <a:lnL w="6350" cap="flat" cmpd="sng" algn="ctr">
-                      <a:solidFill>
-                        <a:srgbClr val="000000"/>
-                      </a:solidFill>
-                      <a:prstDash val="solid"/>
-                      <a:round/>
-                      <a:headEnd type="none" w="med" len="med"/>
-                      <a:tailEnd type="none" w="med" len="med"/>
-                    </a:lnL>
-                    <a:lnR w="6350" cap="flat" cmpd="sng" algn="ctr">
-                      <a:solidFill>
-                        <a:srgbClr val="000000"/>
-                      </a:solidFill>
-                      <a:prstDash val="solid"/>
-                      <a:round/>
-                      <a:headEnd type="none" w="med" len="med"/>
-                      <a:tailEnd type="none" w="med" len="med"/>
-                    </a:lnR>
-                    <a:lnT w="6350" cap="flat" cmpd="sng" algn="ctr">
-                      <a:solidFill>
-                        <a:srgbClr val="000000"/>
-                      </a:solidFill>
-                      <a:prstDash val="solid"/>
-                      <a:round/>
-                      <a:headEnd type="none" w="med" len="med"/>
-                      <a:tailEnd type="none" w="med" len="med"/>
-                    </a:lnT>
-                    <a:lnB w="6350" cap="flat" cmpd="sng" algn="ctr">
-                      <a:solidFill>
-                        <a:srgbClr val="000000"/>
-                      </a:solidFill>
-                      <a:prstDash val="solid"/>
-                      <a:round/>
-                      <a:headEnd type="none" w="med" len="med"/>
-                      <a:tailEnd type="none" w="med" len="med"/>
-                    </a:lnB>
-                  </a:tcPr>
-                </a:tc>
-                <a:extLst>
-                  <a:ext uri="{0D108BD9-81ED-4DB2-BD59-A6C34878D82A}">
-                    <a16:rowId xmlns:a16="http://schemas.microsoft.com/office/drawing/2014/main" val="1578564210"/>
-                  </a:ext>
-                </a:extLst>
-              </a:tr>
-              <a:tr h="182245">
-                <a:tc>
-                  <a:txBody>
-                    <a:bodyPr/>
-                    <a:lstStyle/>
-                    <a:p>
-                      <a:pPr algn="r" fontAlgn="b"/>
-                      <a:r>
-                        <a:rPr lang="fr-CH" sz="1400" b="0" i="0" u="none" strike="noStrike">
-                          <a:solidFill>
-                            <a:srgbClr val="000000"/>
-                          </a:solidFill>
-                          <a:effectLst/>
-                          <a:latin typeface="Calibri" panose="020F0502020204030204" pitchFamily="34" charset="0"/>
-                        </a:rPr>
-                        <a:t>10%</a:t>
-                      </a:r>
-                    </a:p>
-                  </a:txBody>
-                  <a:tcPr marL="4233" marR="4233" marT="4233" marB="0" anchor="b">
-                    <a:lnL w="6350" cap="flat" cmpd="sng" algn="ctr">
-                      <a:solidFill>
-                        <a:srgbClr val="000000"/>
-                      </a:solidFill>
-                      <a:prstDash val="solid"/>
-                      <a:round/>
-                      <a:headEnd type="none" w="med" len="med"/>
-                      <a:tailEnd type="none" w="med" len="med"/>
-                    </a:lnL>
-                    <a:lnR w="6350" cap="flat" cmpd="sng" algn="ctr">
-                      <a:solidFill>
-                        <a:srgbClr val="000000"/>
-                      </a:solidFill>
-                      <a:prstDash val="solid"/>
-                      <a:round/>
-                      <a:headEnd type="none" w="med" len="med"/>
-                      <a:tailEnd type="none" w="med" len="med"/>
-                    </a:lnR>
-                    <a:lnT w="6350" cap="flat" cmpd="sng" algn="ctr">
-                      <a:solidFill>
-                        <a:srgbClr val="000000"/>
-                      </a:solidFill>
-                      <a:prstDash val="solid"/>
-                      <a:round/>
-                      <a:headEnd type="none" w="med" len="med"/>
-                      <a:tailEnd type="none" w="med" len="med"/>
-                    </a:lnT>
-                    <a:lnB w="6350" cap="flat" cmpd="sng" algn="ctr">
-                      <a:solidFill>
-                        <a:srgbClr val="000000"/>
-                      </a:solidFill>
-                      <a:prstDash val="solid"/>
-                      <a:round/>
-                      <a:headEnd type="none" w="med" len="med"/>
-                      <a:tailEnd type="none" w="med" len="med"/>
-                    </a:lnB>
-                  </a:tcPr>
-                </a:tc>
-                <a:tc>
-                  <a:txBody>
-                    <a:bodyPr/>
-                    <a:lstStyle/>
-                    <a:p>
-                      <a:pPr algn="r" fontAlgn="b"/>
-                      <a:r>
-                        <a:rPr lang="fr-CH" sz="1400" b="0" i="0" u="none" strike="noStrike">
-                          <a:solidFill>
-                            <a:srgbClr val="000000"/>
-                          </a:solidFill>
-                          <a:effectLst/>
-                          <a:latin typeface="Calibri" panose="020F0502020204030204" pitchFamily="34" charset="0"/>
-                        </a:rPr>
-                        <a:t>2105</a:t>
-                      </a:r>
-                    </a:p>
-                  </a:txBody>
-                  <a:tcPr marL="4233" marR="4233" marT="4233" marB="0" anchor="b">
-                    <a:lnL w="6350" cap="flat" cmpd="sng" algn="ctr">
-                      <a:solidFill>
-                        <a:srgbClr val="000000"/>
-                      </a:solidFill>
-                      <a:prstDash val="solid"/>
-                      <a:round/>
-                      <a:headEnd type="none" w="med" len="med"/>
-                      <a:tailEnd type="none" w="med" len="med"/>
-                    </a:lnL>
-                    <a:lnR w="6350" cap="flat" cmpd="sng" algn="ctr">
-                      <a:solidFill>
-                        <a:srgbClr val="000000"/>
-                      </a:solidFill>
-                      <a:prstDash val="solid"/>
-                      <a:round/>
-                      <a:headEnd type="none" w="med" len="med"/>
-                      <a:tailEnd type="none" w="med" len="med"/>
-                    </a:lnR>
-                    <a:lnT w="6350" cap="flat" cmpd="sng" algn="ctr">
-                      <a:solidFill>
-                        <a:srgbClr val="000000"/>
-                      </a:solidFill>
-                      <a:prstDash val="solid"/>
-                      <a:round/>
-                      <a:headEnd type="none" w="med" len="med"/>
-                      <a:tailEnd type="none" w="med" len="med"/>
-                    </a:lnT>
-                    <a:lnB w="6350" cap="flat" cmpd="sng" algn="ctr">
-                      <a:solidFill>
-                        <a:srgbClr val="000000"/>
-                      </a:solidFill>
-                      <a:prstDash val="solid"/>
-                      <a:round/>
-                      <a:headEnd type="none" w="med" len="med"/>
-                      <a:tailEnd type="none" w="med" len="med"/>
-                    </a:lnB>
-                  </a:tcPr>
-                </a:tc>
-                <a:tc>
-                  <a:txBody>
-                    <a:bodyPr/>
-                    <a:lstStyle/>
-                    <a:p>
-                      <a:pPr algn="r" fontAlgn="b"/>
-                      <a:r>
-                        <a:rPr lang="fr-CH" sz="1400" b="0" i="0" u="none" strike="noStrike">
-                          <a:solidFill>
-                            <a:srgbClr val="000000"/>
-                          </a:solidFill>
-                          <a:effectLst/>
-                          <a:latin typeface="Calibri" panose="020F0502020204030204" pitchFamily="34" charset="0"/>
-                        </a:rPr>
-                        <a:t>110</a:t>
-                      </a:r>
-                    </a:p>
-                  </a:txBody>
-                  <a:tcPr marL="4233" marR="4233" marT="4233" marB="0" anchor="b">
-                    <a:lnL w="6350" cap="flat" cmpd="sng" algn="ctr">
-                      <a:solidFill>
-                        <a:srgbClr val="000000"/>
-                      </a:solidFill>
-                      <a:prstDash val="solid"/>
-                      <a:round/>
-                      <a:headEnd type="none" w="med" len="med"/>
-                      <a:tailEnd type="none" w="med" len="med"/>
-                    </a:lnL>
-                    <a:lnR w="6350" cap="flat" cmpd="sng" algn="ctr">
-                      <a:solidFill>
-                        <a:srgbClr val="000000"/>
-                      </a:solidFill>
-                      <a:prstDash val="solid"/>
-                      <a:round/>
-                      <a:headEnd type="none" w="med" len="med"/>
-                      <a:tailEnd type="none" w="med" len="med"/>
-                    </a:lnR>
-                    <a:lnT w="6350" cap="flat" cmpd="sng" algn="ctr">
-                      <a:solidFill>
-                        <a:srgbClr val="000000"/>
-                      </a:solidFill>
-                      <a:prstDash val="solid"/>
-                      <a:round/>
-                      <a:headEnd type="none" w="med" len="med"/>
-                      <a:tailEnd type="none" w="med" len="med"/>
-                    </a:lnT>
-                    <a:lnB w="6350" cap="flat" cmpd="sng" algn="ctr">
-                      <a:solidFill>
-                        <a:srgbClr val="000000"/>
-                      </a:solidFill>
-                      <a:prstDash val="solid"/>
-                      <a:round/>
-                      <a:headEnd type="none" w="med" len="med"/>
-                      <a:tailEnd type="none" w="med" len="med"/>
-                    </a:lnB>
-                  </a:tcPr>
-                </a:tc>
-                <a:tc>
-                  <a:txBody>
-                    <a:bodyPr/>
-                    <a:lstStyle/>
-                    <a:p>
-                      <a:pPr algn="r" fontAlgn="b"/>
-                      <a:r>
-                        <a:rPr lang="fr-CH" sz="1400" b="0" i="0" u="none" strike="noStrike">
-                          <a:solidFill>
-                            <a:srgbClr val="000000"/>
-                          </a:solidFill>
-                          <a:effectLst/>
-                          <a:latin typeface="Calibri" panose="020F0502020204030204" pitchFamily="34" charset="0"/>
-                        </a:rPr>
-                        <a:t>26</a:t>
-                      </a:r>
-                    </a:p>
-                  </a:txBody>
-                  <a:tcPr marL="4233" marR="4233" marT="4233" marB="0" anchor="b">
-                    <a:lnL w="6350" cap="flat" cmpd="sng" algn="ctr">
-                      <a:solidFill>
-                        <a:srgbClr val="000000"/>
-                      </a:solidFill>
-                      <a:prstDash val="solid"/>
-                      <a:round/>
-                      <a:headEnd type="none" w="med" len="med"/>
-                      <a:tailEnd type="none" w="med" len="med"/>
-                    </a:lnL>
-                    <a:lnR w="6350" cap="flat" cmpd="sng" algn="ctr">
-                      <a:solidFill>
-                        <a:srgbClr val="000000"/>
-                      </a:solidFill>
-                      <a:prstDash val="solid"/>
-                      <a:round/>
-                      <a:headEnd type="none" w="med" len="med"/>
-                      <a:tailEnd type="none" w="med" len="med"/>
-                    </a:lnR>
-                    <a:lnT w="6350" cap="flat" cmpd="sng" algn="ctr">
-                      <a:solidFill>
-                        <a:srgbClr val="000000"/>
-                      </a:solidFill>
-                      <a:prstDash val="solid"/>
-                      <a:round/>
-                      <a:headEnd type="none" w="med" len="med"/>
-                      <a:tailEnd type="none" w="med" len="med"/>
-                    </a:lnT>
-                    <a:lnB w="6350" cap="flat" cmpd="sng" algn="ctr">
-                      <a:solidFill>
-                        <a:srgbClr val="000000"/>
-                      </a:solidFill>
-                      <a:prstDash val="solid"/>
-                      <a:round/>
-                      <a:headEnd type="none" w="med" len="med"/>
-                      <a:tailEnd type="none" w="med" len="med"/>
-                    </a:lnB>
-                  </a:tcPr>
-                </a:tc>
-                <a:extLst>
-                  <a:ext uri="{0D108BD9-81ED-4DB2-BD59-A6C34878D82A}">
-                    <a16:rowId xmlns:a16="http://schemas.microsoft.com/office/drawing/2014/main" val="1312542512"/>
-                  </a:ext>
-                </a:extLst>
-              </a:tr>
-              <a:tr h="182245">
-                <a:tc>
-                  <a:txBody>
-                    <a:bodyPr/>
-                    <a:lstStyle/>
-                    <a:p>
-                      <a:pPr algn="r" fontAlgn="b"/>
-                      <a:r>
-                        <a:rPr lang="fr-CH" sz="1400" b="0" i="0" u="none" strike="noStrike">
-                          <a:solidFill>
-                            <a:srgbClr val="000000"/>
-                          </a:solidFill>
-                          <a:effectLst/>
-                          <a:latin typeface="Calibri" panose="020F0502020204030204" pitchFamily="34" charset="0"/>
-                        </a:rPr>
-                        <a:t>20%</a:t>
-                      </a:r>
-                    </a:p>
-                  </a:txBody>
-                  <a:tcPr marL="4233" marR="4233" marT="4233" marB="0" anchor="b">
-                    <a:lnL w="6350" cap="flat" cmpd="sng" algn="ctr">
-                      <a:solidFill>
-                        <a:srgbClr val="000000"/>
-                      </a:solidFill>
-                      <a:prstDash val="solid"/>
-                      <a:round/>
-                      <a:headEnd type="none" w="med" len="med"/>
-                      <a:tailEnd type="none" w="med" len="med"/>
-                    </a:lnL>
-                    <a:lnR w="6350" cap="flat" cmpd="sng" algn="ctr">
-                      <a:solidFill>
-                        <a:srgbClr val="000000"/>
-                      </a:solidFill>
-                      <a:prstDash val="solid"/>
-                      <a:round/>
-                      <a:headEnd type="none" w="med" len="med"/>
-                      <a:tailEnd type="none" w="med" len="med"/>
-                    </a:lnR>
-                    <a:lnT w="6350" cap="flat" cmpd="sng" algn="ctr">
-                      <a:solidFill>
-                        <a:srgbClr val="000000"/>
-                      </a:solidFill>
-                      <a:prstDash val="solid"/>
-                      <a:round/>
-                      <a:headEnd type="none" w="med" len="med"/>
-                      <a:tailEnd type="none" w="med" len="med"/>
-                    </a:lnT>
-                    <a:lnB w="6350" cap="flat" cmpd="sng" algn="ctr">
-                      <a:solidFill>
-                        <a:srgbClr val="000000"/>
-                      </a:solidFill>
-                      <a:prstDash val="solid"/>
-                      <a:round/>
-                      <a:headEnd type="none" w="med" len="med"/>
-                      <a:tailEnd type="none" w="med" len="med"/>
-                    </a:lnB>
-                  </a:tcPr>
-                </a:tc>
-                <a:tc>
-                  <a:txBody>
-                    <a:bodyPr/>
-                    <a:lstStyle/>
-                    <a:p>
-                      <a:pPr algn="r" fontAlgn="b"/>
-                      <a:r>
-                        <a:rPr lang="fr-CH" sz="1400" b="0" i="0" u="none" strike="noStrike">
-                          <a:solidFill>
-                            <a:srgbClr val="000000"/>
-                          </a:solidFill>
-                          <a:effectLst/>
-                          <a:latin typeface="Calibri" panose="020F0502020204030204" pitchFamily="34" charset="0"/>
-                        </a:rPr>
-                        <a:t>3205</a:t>
-                      </a:r>
-                    </a:p>
-                  </a:txBody>
-                  <a:tcPr marL="4233" marR="4233" marT="4233" marB="0" anchor="b">
-                    <a:lnL w="6350" cap="flat" cmpd="sng" algn="ctr">
-                      <a:solidFill>
-                        <a:srgbClr val="000000"/>
-                      </a:solidFill>
-                      <a:prstDash val="solid"/>
-                      <a:round/>
-                      <a:headEnd type="none" w="med" len="med"/>
-                      <a:tailEnd type="none" w="med" len="med"/>
-                    </a:lnL>
-                    <a:lnR w="6350" cap="flat" cmpd="sng" algn="ctr">
-                      <a:solidFill>
-                        <a:srgbClr val="000000"/>
-                      </a:solidFill>
-                      <a:prstDash val="solid"/>
-                      <a:round/>
-                      <a:headEnd type="none" w="med" len="med"/>
-                      <a:tailEnd type="none" w="med" len="med"/>
-                    </a:lnR>
-                    <a:lnT w="6350" cap="flat" cmpd="sng" algn="ctr">
-                      <a:solidFill>
-                        <a:srgbClr val="000000"/>
-                      </a:solidFill>
-                      <a:prstDash val="solid"/>
-                      <a:round/>
-                      <a:headEnd type="none" w="med" len="med"/>
-                      <a:tailEnd type="none" w="med" len="med"/>
-                    </a:lnT>
-                    <a:lnB w="6350" cap="flat" cmpd="sng" algn="ctr">
-                      <a:solidFill>
-                        <a:srgbClr val="000000"/>
-                      </a:solidFill>
-                      <a:prstDash val="solid"/>
-                      <a:round/>
-                      <a:headEnd type="none" w="med" len="med"/>
-                      <a:tailEnd type="none" w="med" len="med"/>
-                    </a:lnB>
-                  </a:tcPr>
-                </a:tc>
-                <a:tc>
-                  <a:txBody>
-                    <a:bodyPr/>
-                    <a:lstStyle/>
-                    <a:p>
-                      <a:pPr algn="r" fontAlgn="b"/>
-                      <a:r>
-                        <a:rPr lang="fr-CH" sz="1400" b="0" i="0" u="none" strike="noStrike">
-                          <a:solidFill>
-                            <a:srgbClr val="000000"/>
-                          </a:solidFill>
-                          <a:effectLst/>
-                          <a:latin typeface="Calibri" panose="020F0502020204030204" pitchFamily="34" charset="0"/>
-                        </a:rPr>
-                        <a:t>165</a:t>
-                      </a:r>
-                    </a:p>
-                  </a:txBody>
-                  <a:tcPr marL="4233" marR="4233" marT="4233" marB="0" anchor="b">
-                    <a:lnL w="6350" cap="flat" cmpd="sng" algn="ctr">
-                      <a:solidFill>
-                        <a:srgbClr val="000000"/>
-                      </a:solidFill>
-                      <a:prstDash val="solid"/>
-                      <a:round/>
-                      <a:headEnd type="none" w="med" len="med"/>
-                      <a:tailEnd type="none" w="med" len="med"/>
-                    </a:lnL>
-                    <a:lnR w="6350" cap="flat" cmpd="sng" algn="ctr">
-                      <a:solidFill>
-                        <a:srgbClr val="000000"/>
-                      </a:solidFill>
-                      <a:prstDash val="solid"/>
-                      <a:round/>
-                      <a:headEnd type="none" w="med" len="med"/>
-                      <a:tailEnd type="none" w="med" len="med"/>
-                    </a:lnR>
-                    <a:lnT w="6350" cap="flat" cmpd="sng" algn="ctr">
-                      <a:solidFill>
-                        <a:srgbClr val="000000"/>
-                      </a:solidFill>
-                      <a:prstDash val="solid"/>
-                      <a:round/>
-                      <a:headEnd type="none" w="med" len="med"/>
-                      <a:tailEnd type="none" w="med" len="med"/>
-                    </a:lnT>
-                    <a:lnB w="6350" cap="flat" cmpd="sng" algn="ctr">
-                      <a:solidFill>
-                        <a:srgbClr val="000000"/>
-                      </a:solidFill>
-                      <a:prstDash val="solid"/>
-                      <a:round/>
-                      <a:headEnd type="none" w="med" len="med"/>
-                      <a:tailEnd type="none" w="med" len="med"/>
-                    </a:lnB>
-                  </a:tcPr>
-                </a:tc>
-                <a:tc>
-                  <a:txBody>
-                    <a:bodyPr/>
-                    <a:lstStyle/>
-                    <a:p>
-                      <a:pPr algn="r" fontAlgn="b"/>
-                      <a:r>
-                        <a:rPr lang="fr-CH" sz="1400" b="0" i="0" u="none" strike="noStrike">
-                          <a:solidFill>
-                            <a:srgbClr val="000000"/>
-                          </a:solidFill>
-                          <a:effectLst/>
-                          <a:latin typeface="Calibri" panose="020F0502020204030204" pitchFamily="34" charset="0"/>
-                        </a:rPr>
-                        <a:t>37</a:t>
-                      </a:r>
-                    </a:p>
-                  </a:txBody>
-                  <a:tcPr marL="4233" marR="4233" marT="4233" marB="0" anchor="b">
-                    <a:lnL w="6350" cap="flat" cmpd="sng" algn="ctr">
-                      <a:solidFill>
-                        <a:srgbClr val="000000"/>
-                      </a:solidFill>
-                      <a:prstDash val="solid"/>
-                      <a:round/>
-                      <a:headEnd type="none" w="med" len="med"/>
-                      <a:tailEnd type="none" w="med" len="med"/>
-                    </a:lnL>
-                    <a:lnR w="6350" cap="flat" cmpd="sng" algn="ctr">
-                      <a:solidFill>
-                        <a:srgbClr val="000000"/>
-                      </a:solidFill>
-                      <a:prstDash val="solid"/>
-                      <a:round/>
-                      <a:headEnd type="none" w="med" len="med"/>
-                      <a:tailEnd type="none" w="med" len="med"/>
-                    </a:lnR>
-                    <a:lnT w="6350" cap="flat" cmpd="sng" algn="ctr">
-                      <a:solidFill>
-                        <a:srgbClr val="000000"/>
-                      </a:solidFill>
-                      <a:prstDash val="solid"/>
-                      <a:round/>
-                      <a:headEnd type="none" w="med" len="med"/>
-                      <a:tailEnd type="none" w="med" len="med"/>
-                    </a:lnT>
-                    <a:lnB w="6350" cap="flat" cmpd="sng" algn="ctr">
-                      <a:solidFill>
-                        <a:srgbClr val="000000"/>
-                      </a:solidFill>
-                      <a:prstDash val="solid"/>
-                      <a:round/>
-                      <a:headEnd type="none" w="med" len="med"/>
-                      <a:tailEnd type="none" w="med" len="med"/>
-                    </a:lnB>
-                  </a:tcPr>
-                </a:tc>
-                <a:extLst>
-                  <a:ext uri="{0D108BD9-81ED-4DB2-BD59-A6C34878D82A}">
-                    <a16:rowId xmlns:a16="http://schemas.microsoft.com/office/drawing/2014/main" val="525802604"/>
-                  </a:ext>
-                </a:extLst>
-              </a:tr>
-              <a:tr h="182245">
-                <a:tc>
-                  <a:txBody>
-                    <a:bodyPr/>
-                    <a:lstStyle/>
-                    <a:p>
-                      <a:pPr algn="r" fontAlgn="b"/>
-                      <a:r>
-                        <a:rPr lang="fr-CH" sz="1400" b="0" i="0" u="none" strike="noStrike">
-                          <a:solidFill>
-                            <a:srgbClr val="000000"/>
-                          </a:solidFill>
-                          <a:effectLst/>
-                          <a:latin typeface="Calibri" panose="020F0502020204030204" pitchFamily="34" charset="0"/>
-                        </a:rPr>
-                        <a:t>30%</a:t>
-                      </a:r>
-                    </a:p>
-                  </a:txBody>
-                  <a:tcPr marL="4233" marR="4233" marT="4233" marB="0" anchor="b">
-                    <a:lnL w="6350" cap="flat" cmpd="sng" algn="ctr">
-                      <a:solidFill>
-                        <a:srgbClr val="000000"/>
-                      </a:solidFill>
-                      <a:prstDash val="solid"/>
-                      <a:round/>
-                      <a:headEnd type="none" w="med" len="med"/>
-                      <a:tailEnd type="none" w="med" len="med"/>
-                    </a:lnL>
-                    <a:lnR w="6350" cap="flat" cmpd="sng" algn="ctr">
-                      <a:solidFill>
-                        <a:srgbClr val="000000"/>
-                      </a:solidFill>
-                      <a:prstDash val="solid"/>
-                      <a:round/>
-                      <a:headEnd type="none" w="med" len="med"/>
-                      <a:tailEnd type="none" w="med" len="med"/>
-                    </a:lnR>
-                    <a:lnT w="6350" cap="flat" cmpd="sng" algn="ctr">
-                      <a:solidFill>
-                        <a:srgbClr val="000000"/>
-                      </a:solidFill>
-                      <a:prstDash val="solid"/>
-                      <a:round/>
-                      <a:headEnd type="none" w="med" len="med"/>
-                      <a:tailEnd type="none" w="med" len="med"/>
-                    </a:lnT>
-                    <a:lnB w="6350" cap="flat" cmpd="sng" algn="ctr">
-                      <a:solidFill>
-                        <a:srgbClr val="000000"/>
-                      </a:solidFill>
-                      <a:prstDash val="solid"/>
-                      <a:round/>
-                      <a:headEnd type="none" w="med" len="med"/>
-                      <a:tailEnd type="none" w="med" len="med"/>
-                    </a:lnB>
-                  </a:tcPr>
-                </a:tc>
-                <a:tc>
-                  <a:txBody>
-                    <a:bodyPr/>
-                    <a:lstStyle/>
-                    <a:p>
-                      <a:pPr algn="r" fontAlgn="b"/>
-                      <a:r>
-                        <a:rPr lang="fr-CH" sz="1400" b="0" i="0" u="none" strike="noStrike">
-                          <a:solidFill>
-                            <a:srgbClr val="000000"/>
-                          </a:solidFill>
-                          <a:effectLst/>
-                          <a:latin typeface="Calibri" panose="020F0502020204030204" pitchFamily="34" charset="0"/>
-                        </a:rPr>
-                        <a:t>4305</a:t>
-                      </a:r>
-                    </a:p>
-                  </a:txBody>
-                  <a:tcPr marL="4233" marR="4233" marT="4233" marB="0" anchor="b">
-                    <a:lnL w="6350" cap="flat" cmpd="sng" algn="ctr">
-                      <a:solidFill>
-                        <a:srgbClr val="000000"/>
-                      </a:solidFill>
-                      <a:prstDash val="solid"/>
-                      <a:round/>
-                      <a:headEnd type="none" w="med" len="med"/>
-                      <a:tailEnd type="none" w="med" len="med"/>
-                    </a:lnL>
-                    <a:lnR w="6350" cap="flat" cmpd="sng" algn="ctr">
-                      <a:solidFill>
-                        <a:srgbClr val="000000"/>
-                      </a:solidFill>
-                      <a:prstDash val="solid"/>
-                      <a:round/>
-                      <a:headEnd type="none" w="med" len="med"/>
-                      <a:tailEnd type="none" w="med" len="med"/>
-                    </a:lnR>
-                    <a:lnT w="6350" cap="flat" cmpd="sng" algn="ctr">
-                      <a:solidFill>
-                        <a:srgbClr val="000000"/>
-                      </a:solidFill>
-                      <a:prstDash val="solid"/>
-                      <a:round/>
-                      <a:headEnd type="none" w="med" len="med"/>
-                      <a:tailEnd type="none" w="med" len="med"/>
-                    </a:lnT>
-                    <a:lnB w="6350" cap="flat" cmpd="sng" algn="ctr">
-                      <a:solidFill>
-                        <a:srgbClr val="000000"/>
-                      </a:solidFill>
-                      <a:prstDash val="solid"/>
-                      <a:round/>
-                      <a:headEnd type="none" w="med" len="med"/>
-                      <a:tailEnd type="none" w="med" len="med"/>
-                    </a:lnB>
-                  </a:tcPr>
-                </a:tc>
-                <a:tc>
-                  <a:txBody>
-                    <a:bodyPr/>
-                    <a:lstStyle/>
-                    <a:p>
-                      <a:pPr algn="r" fontAlgn="b"/>
-                      <a:r>
-                        <a:rPr lang="fr-CH" sz="1400" b="0" i="0" u="none" strike="noStrike">
-                          <a:solidFill>
-                            <a:srgbClr val="000000"/>
-                          </a:solidFill>
-                          <a:effectLst/>
-                          <a:latin typeface="Calibri" panose="020F0502020204030204" pitchFamily="34" charset="0"/>
-                        </a:rPr>
-                        <a:t>220</a:t>
-                      </a:r>
-                    </a:p>
-                  </a:txBody>
-                  <a:tcPr marL="4233" marR="4233" marT="4233" marB="0" anchor="b">
-                    <a:lnL w="6350" cap="flat" cmpd="sng" algn="ctr">
-                      <a:solidFill>
-                        <a:srgbClr val="000000"/>
-                      </a:solidFill>
-                      <a:prstDash val="solid"/>
-                      <a:round/>
-                      <a:headEnd type="none" w="med" len="med"/>
-                      <a:tailEnd type="none" w="med" len="med"/>
-                    </a:lnL>
-                    <a:lnR w="6350" cap="flat" cmpd="sng" algn="ctr">
-                      <a:solidFill>
-                        <a:srgbClr val="000000"/>
-                      </a:solidFill>
-                      <a:prstDash val="solid"/>
-                      <a:round/>
-                      <a:headEnd type="none" w="med" len="med"/>
-                      <a:tailEnd type="none" w="med" len="med"/>
-                    </a:lnR>
-                    <a:lnT w="6350" cap="flat" cmpd="sng" algn="ctr">
-                      <a:solidFill>
-                        <a:srgbClr val="000000"/>
-                      </a:solidFill>
-                      <a:prstDash val="solid"/>
-                      <a:round/>
-                      <a:headEnd type="none" w="med" len="med"/>
-                      <a:tailEnd type="none" w="med" len="med"/>
-                    </a:lnT>
-                    <a:lnB w="6350" cap="flat" cmpd="sng" algn="ctr">
-                      <a:solidFill>
-                        <a:srgbClr val="000000"/>
-                      </a:solidFill>
-                      <a:prstDash val="solid"/>
-                      <a:round/>
-                      <a:headEnd type="none" w="med" len="med"/>
-                      <a:tailEnd type="none" w="med" len="med"/>
-                    </a:lnB>
-                  </a:tcPr>
-                </a:tc>
-                <a:tc>
-                  <a:txBody>
-                    <a:bodyPr/>
-                    <a:lstStyle/>
-                    <a:p>
-                      <a:pPr algn="r" fontAlgn="b"/>
-                      <a:r>
-                        <a:rPr lang="fr-CH" sz="1400" b="0" i="0" u="none" strike="noStrike">
-                          <a:solidFill>
-                            <a:srgbClr val="000000"/>
-                          </a:solidFill>
-                          <a:effectLst/>
-                          <a:latin typeface="Calibri" panose="020F0502020204030204" pitchFamily="34" charset="0"/>
-                        </a:rPr>
-                        <a:t>48</a:t>
-                      </a:r>
-                    </a:p>
-                  </a:txBody>
-                  <a:tcPr marL="4233" marR="4233" marT="4233" marB="0" anchor="b">
-                    <a:lnL w="6350" cap="flat" cmpd="sng" algn="ctr">
-                      <a:solidFill>
-                        <a:srgbClr val="000000"/>
-                      </a:solidFill>
-                      <a:prstDash val="solid"/>
-                      <a:round/>
-                      <a:headEnd type="none" w="med" len="med"/>
-                      <a:tailEnd type="none" w="med" len="med"/>
-                    </a:lnL>
-                    <a:lnR w="6350" cap="flat" cmpd="sng" algn="ctr">
-                      <a:solidFill>
-                        <a:srgbClr val="000000"/>
-                      </a:solidFill>
-                      <a:prstDash val="solid"/>
-                      <a:round/>
-                      <a:headEnd type="none" w="med" len="med"/>
-                      <a:tailEnd type="none" w="med" len="med"/>
-                    </a:lnR>
-                    <a:lnT w="6350" cap="flat" cmpd="sng" algn="ctr">
-                      <a:solidFill>
-                        <a:srgbClr val="000000"/>
-                      </a:solidFill>
-                      <a:prstDash val="solid"/>
-                      <a:round/>
-                      <a:headEnd type="none" w="med" len="med"/>
-                      <a:tailEnd type="none" w="med" len="med"/>
-                    </a:lnT>
-                    <a:lnB w="6350" cap="flat" cmpd="sng" algn="ctr">
-                      <a:solidFill>
-                        <a:srgbClr val="000000"/>
-                      </a:solidFill>
-                      <a:prstDash val="solid"/>
-                      <a:round/>
-                      <a:headEnd type="none" w="med" len="med"/>
-                      <a:tailEnd type="none" w="med" len="med"/>
-                    </a:lnB>
-                  </a:tcPr>
-                </a:tc>
-                <a:extLst>
-                  <a:ext uri="{0D108BD9-81ED-4DB2-BD59-A6C34878D82A}">
-                    <a16:rowId xmlns:a16="http://schemas.microsoft.com/office/drawing/2014/main" val="3138326659"/>
-                  </a:ext>
-                </a:extLst>
-              </a:tr>
-              <a:tr h="182245">
-                <a:tc>
-                  <a:txBody>
-                    <a:bodyPr/>
-                    <a:lstStyle/>
-                    <a:p>
-                      <a:pPr algn="r" fontAlgn="b"/>
-                      <a:r>
-                        <a:rPr lang="fr-CH" sz="1400" b="0" i="0" u="none" strike="noStrike">
-                          <a:solidFill>
-                            <a:srgbClr val="000000"/>
-                          </a:solidFill>
-                          <a:effectLst/>
-                          <a:latin typeface="Calibri" panose="020F0502020204030204" pitchFamily="34" charset="0"/>
-                        </a:rPr>
-                        <a:t>40%</a:t>
-                      </a:r>
-                    </a:p>
-                  </a:txBody>
-                  <a:tcPr marL="4233" marR="4233" marT="4233" marB="0" anchor="b">
-                    <a:lnL w="6350" cap="flat" cmpd="sng" algn="ctr">
-                      <a:solidFill>
-                        <a:srgbClr val="000000"/>
-                      </a:solidFill>
-                      <a:prstDash val="solid"/>
-                      <a:round/>
-                      <a:headEnd type="none" w="med" len="med"/>
-                      <a:tailEnd type="none" w="med" len="med"/>
-                    </a:lnL>
-                    <a:lnR w="6350" cap="flat" cmpd="sng" algn="ctr">
-                      <a:solidFill>
-                        <a:srgbClr val="000000"/>
-                      </a:solidFill>
-                      <a:prstDash val="solid"/>
-                      <a:round/>
-                      <a:headEnd type="none" w="med" len="med"/>
-                      <a:tailEnd type="none" w="med" len="med"/>
-                    </a:lnR>
-                    <a:lnT w="6350" cap="flat" cmpd="sng" algn="ctr">
-                      <a:solidFill>
-                        <a:srgbClr val="000000"/>
-                      </a:solidFill>
-                      <a:prstDash val="solid"/>
-                      <a:round/>
-                      <a:headEnd type="none" w="med" len="med"/>
-                      <a:tailEnd type="none" w="med" len="med"/>
-                    </a:lnT>
-                    <a:lnB w="6350" cap="flat" cmpd="sng" algn="ctr">
-                      <a:solidFill>
-                        <a:srgbClr val="000000"/>
-                      </a:solidFill>
-                      <a:prstDash val="solid"/>
-                      <a:round/>
-                      <a:headEnd type="none" w="med" len="med"/>
-                      <a:tailEnd type="none" w="med" len="med"/>
-                    </a:lnB>
-                  </a:tcPr>
-                </a:tc>
-                <a:tc>
-                  <a:txBody>
-                    <a:bodyPr/>
-                    <a:lstStyle/>
-                    <a:p>
-                      <a:pPr algn="r" fontAlgn="b"/>
-                      <a:r>
-                        <a:rPr lang="fr-CH" sz="1400" b="0" i="0" u="none" strike="noStrike">
-                          <a:solidFill>
-                            <a:srgbClr val="000000"/>
-                          </a:solidFill>
-                          <a:effectLst/>
-                          <a:latin typeface="Calibri" panose="020F0502020204030204" pitchFamily="34" charset="0"/>
-                        </a:rPr>
-                        <a:t>5405</a:t>
-                      </a:r>
-                    </a:p>
-                  </a:txBody>
-                  <a:tcPr marL="4233" marR="4233" marT="4233" marB="0" anchor="b">
-                    <a:lnL w="6350" cap="flat" cmpd="sng" algn="ctr">
-                      <a:solidFill>
-                        <a:srgbClr val="000000"/>
-                      </a:solidFill>
-                      <a:prstDash val="solid"/>
-                      <a:round/>
-                      <a:headEnd type="none" w="med" len="med"/>
-                      <a:tailEnd type="none" w="med" len="med"/>
-                    </a:lnL>
-                    <a:lnR w="6350" cap="flat" cmpd="sng" algn="ctr">
-                      <a:solidFill>
-                        <a:srgbClr val="000000"/>
-                      </a:solidFill>
-                      <a:prstDash val="solid"/>
-                      <a:round/>
-                      <a:headEnd type="none" w="med" len="med"/>
-                      <a:tailEnd type="none" w="med" len="med"/>
-                    </a:lnR>
-                    <a:lnT w="6350" cap="flat" cmpd="sng" algn="ctr">
-                      <a:solidFill>
-                        <a:srgbClr val="000000"/>
-                      </a:solidFill>
-                      <a:prstDash val="solid"/>
-                      <a:round/>
-                      <a:headEnd type="none" w="med" len="med"/>
-                      <a:tailEnd type="none" w="med" len="med"/>
-                    </a:lnT>
-                    <a:lnB w="6350" cap="flat" cmpd="sng" algn="ctr">
-                      <a:solidFill>
-                        <a:srgbClr val="000000"/>
-                      </a:solidFill>
-                      <a:prstDash val="solid"/>
-                      <a:round/>
-                      <a:headEnd type="none" w="med" len="med"/>
-                      <a:tailEnd type="none" w="med" len="med"/>
-                    </a:lnB>
-                  </a:tcPr>
-                </a:tc>
-                <a:tc>
-                  <a:txBody>
-                    <a:bodyPr/>
-                    <a:lstStyle/>
-                    <a:p>
-                      <a:pPr algn="r" fontAlgn="b"/>
-                      <a:r>
-                        <a:rPr lang="fr-CH" sz="1400" b="0" i="0" u="none" strike="noStrike">
-                          <a:solidFill>
-                            <a:srgbClr val="000000"/>
-                          </a:solidFill>
-                          <a:effectLst/>
-                          <a:latin typeface="Calibri" panose="020F0502020204030204" pitchFamily="34" charset="0"/>
-                        </a:rPr>
-                        <a:t>275</a:t>
-                      </a:r>
-                    </a:p>
-                  </a:txBody>
-                  <a:tcPr marL="4233" marR="4233" marT="4233" marB="0" anchor="b">
-                    <a:lnL w="6350" cap="flat" cmpd="sng" algn="ctr">
-                      <a:solidFill>
-                        <a:srgbClr val="000000"/>
-                      </a:solidFill>
-                      <a:prstDash val="solid"/>
-                      <a:round/>
-                      <a:headEnd type="none" w="med" len="med"/>
-                      <a:tailEnd type="none" w="med" len="med"/>
-                    </a:lnL>
-                    <a:lnR w="6350" cap="flat" cmpd="sng" algn="ctr">
-                      <a:solidFill>
-                        <a:srgbClr val="000000"/>
-                      </a:solidFill>
-                      <a:prstDash val="solid"/>
-                      <a:round/>
-                      <a:headEnd type="none" w="med" len="med"/>
-                      <a:tailEnd type="none" w="med" len="med"/>
-                    </a:lnR>
-                    <a:lnT w="6350" cap="flat" cmpd="sng" algn="ctr">
-                      <a:solidFill>
-                        <a:srgbClr val="000000"/>
-                      </a:solidFill>
-                      <a:prstDash val="solid"/>
-                      <a:round/>
-                      <a:headEnd type="none" w="med" len="med"/>
-                      <a:tailEnd type="none" w="med" len="med"/>
-                    </a:lnT>
-                    <a:lnB w="6350" cap="flat" cmpd="sng" algn="ctr">
-                      <a:solidFill>
-                        <a:srgbClr val="000000"/>
-                      </a:solidFill>
-                      <a:prstDash val="solid"/>
-                      <a:round/>
-                      <a:headEnd type="none" w="med" len="med"/>
-                      <a:tailEnd type="none" w="med" len="med"/>
-                    </a:lnB>
-                  </a:tcPr>
-                </a:tc>
-                <a:tc>
-                  <a:txBody>
-                    <a:bodyPr/>
-                    <a:lstStyle/>
-                    <a:p>
-                      <a:pPr algn="r" fontAlgn="b"/>
-                      <a:r>
-                        <a:rPr lang="fr-CH" sz="1400" b="0" i="0" u="none" strike="noStrike">
-                          <a:solidFill>
-                            <a:srgbClr val="000000"/>
-                          </a:solidFill>
-                          <a:effectLst/>
-                          <a:latin typeface="Calibri" panose="020F0502020204030204" pitchFamily="34" charset="0"/>
-                        </a:rPr>
-                        <a:t>59</a:t>
-                      </a:r>
-                    </a:p>
-                  </a:txBody>
-                  <a:tcPr marL="4233" marR="4233" marT="4233" marB="0" anchor="b">
-                    <a:lnL w="6350" cap="flat" cmpd="sng" algn="ctr">
-                      <a:solidFill>
-                        <a:srgbClr val="000000"/>
-                      </a:solidFill>
-                      <a:prstDash val="solid"/>
-                      <a:round/>
-                      <a:headEnd type="none" w="med" len="med"/>
-                      <a:tailEnd type="none" w="med" len="med"/>
-                    </a:lnL>
-                    <a:lnR w="6350" cap="flat" cmpd="sng" algn="ctr">
-                      <a:solidFill>
-                        <a:srgbClr val="000000"/>
-                      </a:solidFill>
-                      <a:prstDash val="solid"/>
-                      <a:round/>
-                      <a:headEnd type="none" w="med" len="med"/>
-                      <a:tailEnd type="none" w="med" len="med"/>
-                    </a:lnR>
-                    <a:lnT w="6350" cap="flat" cmpd="sng" algn="ctr">
-                      <a:solidFill>
-                        <a:srgbClr val="000000"/>
-                      </a:solidFill>
-                      <a:prstDash val="solid"/>
-                      <a:round/>
-                      <a:headEnd type="none" w="med" len="med"/>
-                      <a:tailEnd type="none" w="med" len="med"/>
-                    </a:lnT>
-                    <a:lnB w="6350" cap="flat" cmpd="sng" algn="ctr">
-                      <a:solidFill>
-                        <a:srgbClr val="000000"/>
-                      </a:solidFill>
-                      <a:prstDash val="solid"/>
-                      <a:round/>
-                      <a:headEnd type="none" w="med" len="med"/>
-                      <a:tailEnd type="none" w="med" len="med"/>
-                    </a:lnB>
-                  </a:tcPr>
-                </a:tc>
-                <a:extLst>
-                  <a:ext uri="{0D108BD9-81ED-4DB2-BD59-A6C34878D82A}">
-                    <a16:rowId xmlns:a16="http://schemas.microsoft.com/office/drawing/2014/main" val="2291181559"/>
-                  </a:ext>
-                </a:extLst>
-              </a:tr>
-              <a:tr h="182245">
-                <a:tc>
-                  <a:txBody>
-                    <a:bodyPr/>
-                    <a:lstStyle/>
-                    <a:p>
-                      <a:pPr algn="r" fontAlgn="b"/>
-                      <a:r>
-                        <a:rPr lang="fr-CH" sz="1400" b="0" i="0" u="none" strike="noStrike">
-                          <a:solidFill>
-                            <a:srgbClr val="000000"/>
-                          </a:solidFill>
-                          <a:effectLst/>
-                          <a:latin typeface="Calibri" panose="020F0502020204030204" pitchFamily="34" charset="0"/>
-                        </a:rPr>
-                        <a:t>50%</a:t>
-                      </a:r>
-                    </a:p>
-                  </a:txBody>
-                  <a:tcPr marL="4233" marR="4233" marT="4233" marB="0" anchor="b">
-                    <a:lnL w="6350" cap="flat" cmpd="sng" algn="ctr">
-                      <a:solidFill>
-                        <a:srgbClr val="000000"/>
-                      </a:solidFill>
-                      <a:prstDash val="solid"/>
-                      <a:round/>
-                      <a:headEnd type="none" w="med" len="med"/>
-                      <a:tailEnd type="none" w="med" len="med"/>
-                    </a:lnL>
-                    <a:lnR w="6350" cap="flat" cmpd="sng" algn="ctr">
-                      <a:solidFill>
-                        <a:srgbClr val="000000"/>
-                      </a:solidFill>
-                      <a:prstDash val="solid"/>
-                      <a:round/>
-                      <a:headEnd type="none" w="med" len="med"/>
-                      <a:tailEnd type="none" w="med" len="med"/>
-                    </a:lnR>
-                    <a:lnT w="6350" cap="flat" cmpd="sng" algn="ctr">
-                      <a:solidFill>
-                        <a:srgbClr val="000000"/>
-                      </a:solidFill>
-                      <a:prstDash val="solid"/>
-                      <a:round/>
-                      <a:headEnd type="none" w="med" len="med"/>
-                      <a:tailEnd type="none" w="med" len="med"/>
-                    </a:lnT>
-                    <a:lnB w="6350" cap="flat" cmpd="sng" algn="ctr">
-                      <a:solidFill>
-                        <a:srgbClr val="000000"/>
-                      </a:solidFill>
-                      <a:prstDash val="solid"/>
-                      <a:round/>
-                      <a:headEnd type="none" w="med" len="med"/>
-                      <a:tailEnd type="none" w="med" len="med"/>
-                    </a:lnB>
-                  </a:tcPr>
-                </a:tc>
-                <a:tc>
-                  <a:txBody>
-                    <a:bodyPr/>
-                    <a:lstStyle/>
-                    <a:p>
-                      <a:pPr algn="r" fontAlgn="b"/>
-                      <a:r>
-                        <a:rPr lang="fr-CH" sz="1400" b="0" i="0" u="none" strike="noStrike">
-                          <a:solidFill>
-                            <a:srgbClr val="000000"/>
-                          </a:solidFill>
-                          <a:effectLst/>
-                          <a:latin typeface="Calibri" panose="020F0502020204030204" pitchFamily="34" charset="0"/>
-                        </a:rPr>
-                        <a:t>6505</a:t>
-                      </a:r>
-                    </a:p>
-                  </a:txBody>
-                  <a:tcPr marL="4233" marR="4233" marT="4233" marB="0" anchor="b">
-                    <a:lnL w="6350" cap="flat" cmpd="sng" algn="ctr">
-                      <a:solidFill>
-                        <a:srgbClr val="000000"/>
-                      </a:solidFill>
-                      <a:prstDash val="solid"/>
-                      <a:round/>
-                      <a:headEnd type="none" w="med" len="med"/>
-                      <a:tailEnd type="none" w="med" len="med"/>
-                    </a:lnL>
-                    <a:lnR w="6350" cap="flat" cmpd="sng" algn="ctr">
-                      <a:solidFill>
-                        <a:srgbClr val="000000"/>
-                      </a:solidFill>
-                      <a:prstDash val="solid"/>
-                      <a:round/>
-                      <a:headEnd type="none" w="med" len="med"/>
-                      <a:tailEnd type="none" w="med" len="med"/>
-                    </a:lnR>
-                    <a:lnT w="6350" cap="flat" cmpd="sng" algn="ctr">
-                      <a:solidFill>
-                        <a:srgbClr val="000000"/>
-                      </a:solidFill>
-                      <a:prstDash val="solid"/>
-                      <a:round/>
-                      <a:headEnd type="none" w="med" len="med"/>
-                      <a:tailEnd type="none" w="med" len="med"/>
-                    </a:lnT>
-                    <a:lnB w="6350" cap="flat" cmpd="sng" algn="ctr">
-                      <a:solidFill>
-                        <a:srgbClr val="000000"/>
-                      </a:solidFill>
-                      <a:prstDash val="solid"/>
-                      <a:round/>
-                      <a:headEnd type="none" w="med" len="med"/>
-                      <a:tailEnd type="none" w="med" len="med"/>
-                    </a:lnB>
-                  </a:tcPr>
-                </a:tc>
-                <a:tc>
-                  <a:txBody>
-                    <a:bodyPr/>
-                    <a:lstStyle/>
-                    <a:p>
-                      <a:pPr algn="r" fontAlgn="b"/>
-                      <a:r>
-                        <a:rPr lang="fr-CH" sz="1400" b="0" i="0" u="none" strike="noStrike">
-                          <a:solidFill>
-                            <a:srgbClr val="000000"/>
-                          </a:solidFill>
-                          <a:effectLst/>
-                          <a:latin typeface="Calibri" panose="020F0502020204030204" pitchFamily="34" charset="0"/>
-                        </a:rPr>
-                        <a:t>330</a:t>
-                      </a:r>
-                    </a:p>
-                  </a:txBody>
-                  <a:tcPr marL="4233" marR="4233" marT="4233" marB="0" anchor="b">
-                    <a:lnL w="6350" cap="flat" cmpd="sng" algn="ctr">
-                      <a:solidFill>
-                        <a:srgbClr val="000000"/>
-                      </a:solidFill>
-                      <a:prstDash val="solid"/>
-                      <a:round/>
-                      <a:headEnd type="none" w="med" len="med"/>
-                      <a:tailEnd type="none" w="med" len="med"/>
-                    </a:lnL>
-                    <a:lnR w="6350" cap="flat" cmpd="sng" algn="ctr">
-                      <a:solidFill>
-                        <a:srgbClr val="000000"/>
-                      </a:solidFill>
-                      <a:prstDash val="solid"/>
-                      <a:round/>
-                      <a:headEnd type="none" w="med" len="med"/>
-                      <a:tailEnd type="none" w="med" len="med"/>
-                    </a:lnR>
-                    <a:lnT w="6350" cap="flat" cmpd="sng" algn="ctr">
-                      <a:solidFill>
-                        <a:srgbClr val="000000"/>
-                      </a:solidFill>
-                      <a:prstDash val="solid"/>
-                      <a:round/>
-                      <a:headEnd type="none" w="med" len="med"/>
-                      <a:tailEnd type="none" w="med" len="med"/>
-                    </a:lnT>
-                    <a:lnB w="6350" cap="flat" cmpd="sng" algn="ctr">
-                      <a:solidFill>
-                        <a:srgbClr val="000000"/>
-                      </a:solidFill>
-                      <a:prstDash val="solid"/>
-                      <a:round/>
-                      <a:headEnd type="none" w="med" len="med"/>
-                      <a:tailEnd type="none" w="med" len="med"/>
-                    </a:lnB>
-                  </a:tcPr>
-                </a:tc>
-                <a:tc>
-                  <a:txBody>
-                    <a:bodyPr/>
-                    <a:lstStyle/>
-                    <a:p>
-                      <a:pPr algn="r" fontAlgn="b"/>
-                      <a:r>
-                        <a:rPr lang="fr-CH" sz="1400" b="0" i="0" u="none" strike="noStrike">
-                          <a:solidFill>
-                            <a:srgbClr val="000000"/>
-                          </a:solidFill>
-                          <a:effectLst/>
-                          <a:latin typeface="Calibri" panose="020F0502020204030204" pitchFamily="34" charset="0"/>
-                        </a:rPr>
-                        <a:t>70</a:t>
-                      </a:r>
-                    </a:p>
-                  </a:txBody>
-                  <a:tcPr marL="4233" marR="4233" marT="4233" marB="0" anchor="b">
-                    <a:lnL w="6350" cap="flat" cmpd="sng" algn="ctr">
-                      <a:solidFill>
-                        <a:srgbClr val="000000"/>
-                      </a:solidFill>
-                      <a:prstDash val="solid"/>
-                      <a:round/>
-                      <a:headEnd type="none" w="med" len="med"/>
-                      <a:tailEnd type="none" w="med" len="med"/>
-                    </a:lnL>
-                    <a:lnR w="6350" cap="flat" cmpd="sng" algn="ctr">
-                      <a:solidFill>
-                        <a:srgbClr val="000000"/>
-                      </a:solidFill>
-                      <a:prstDash val="solid"/>
-                      <a:round/>
-                      <a:headEnd type="none" w="med" len="med"/>
-                      <a:tailEnd type="none" w="med" len="med"/>
-                    </a:lnR>
-                    <a:lnT w="6350" cap="flat" cmpd="sng" algn="ctr">
-                      <a:solidFill>
-                        <a:srgbClr val="000000"/>
-                      </a:solidFill>
-                      <a:prstDash val="solid"/>
-                      <a:round/>
-                      <a:headEnd type="none" w="med" len="med"/>
-                      <a:tailEnd type="none" w="med" len="med"/>
-                    </a:lnT>
-                    <a:lnB w="6350" cap="flat" cmpd="sng" algn="ctr">
-                      <a:solidFill>
-                        <a:srgbClr val="000000"/>
-                      </a:solidFill>
-                      <a:prstDash val="solid"/>
-                      <a:round/>
-                      <a:headEnd type="none" w="med" len="med"/>
-                      <a:tailEnd type="none" w="med" len="med"/>
-                    </a:lnB>
-                  </a:tcPr>
-                </a:tc>
-                <a:extLst>
-                  <a:ext uri="{0D108BD9-81ED-4DB2-BD59-A6C34878D82A}">
-                    <a16:rowId xmlns:a16="http://schemas.microsoft.com/office/drawing/2014/main" val="1980727216"/>
-                  </a:ext>
-                </a:extLst>
-              </a:tr>
-              <a:tr h="182245">
-                <a:tc>
-                  <a:txBody>
-                    <a:bodyPr/>
-                    <a:lstStyle/>
-                    <a:p>
-                      <a:pPr algn="r" fontAlgn="b"/>
-                      <a:r>
-                        <a:rPr lang="fr-CH" sz="1400" b="0" i="0" u="none" strike="noStrike">
-                          <a:solidFill>
-                            <a:srgbClr val="000000"/>
-                          </a:solidFill>
-                          <a:effectLst/>
-                          <a:latin typeface="Calibri" panose="020F0502020204030204" pitchFamily="34" charset="0"/>
-                        </a:rPr>
-                        <a:t>60%</a:t>
-                      </a:r>
-                    </a:p>
-                  </a:txBody>
-                  <a:tcPr marL="4233" marR="4233" marT="4233" marB="0" anchor="b">
-                    <a:lnL w="6350" cap="flat" cmpd="sng" algn="ctr">
-                      <a:solidFill>
-                        <a:srgbClr val="000000"/>
-                      </a:solidFill>
-                      <a:prstDash val="solid"/>
-                      <a:round/>
-                      <a:headEnd type="none" w="med" len="med"/>
-                      <a:tailEnd type="none" w="med" len="med"/>
-                    </a:lnL>
-                    <a:lnR w="6350" cap="flat" cmpd="sng" algn="ctr">
-                      <a:solidFill>
-                        <a:srgbClr val="000000"/>
-                      </a:solidFill>
-                      <a:prstDash val="solid"/>
-                      <a:round/>
-                      <a:headEnd type="none" w="med" len="med"/>
-                      <a:tailEnd type="none" w="med" len="med"/>
-                    </a:lnR>
-                    <a:lnT w="6350" cap="flat" cmpd="sng" algn="ctr">
-                      <a:solidFill>
-                        <a:srgbClr val="000000"/>
-                      </a:solidFill>
-                      <a:prstDash val="solid"/>
-                      <a:round/>
-                      <a:headEnd type="none" w="med" len="med"/>
-                      <a:tailEnd type="none" w="med" len="med"/>
-                    </a:lnT>
-                    <a:lnB w="6350" cap="flat" cmpd="sng" algn="ctr">
-                      <a:solidFill>
-                        <a:srgbClr val="000000"/>
-                      </a:solidFill>
-                      <a:prstDash val="solid"/>
-                      <a:round/>
-                      <a:headEnd type="none" w="med" len="med"/>
-                      <a:tailEnd type="none" w="med" len="med"/>
-                    </a:lnB>
-                  </a:tcPr>
-                </a:tc>
-                <a:tc>
-                  <a:txBody>
-                    <a:bodyPr/>
-                    <a:lstStyle/>
-                    <a:p>
-                      <a:pPr algn="r" fontAlgn="b"/>
-                      <a:r>
-                        <a:rPr lang="fr-CH" sz="1400" b="0" i="0" u="none" strike="noStrike">
-                          <a:solidFill>
-                            <a:srgbClr val="000000"/>
-                          </a:solidFill>
-                          <a:effectLst/>
-                          <a:latin typeface="Calibri" panose="020F0502020204030204" pitchFamily="34" charset="0"/>
-                        </a:rPr>
-                        <a:t>7605</a:t>
-                      </a:r>
-                    </a:p>
-                  </a:txBody>
-                  <a:tcPr marL="4233" marR="4233" marT="4233" marB="0" anchor="b">
-                    <a:lnL w="6350" cap="flat" cmpd="sng" algn="ctr">
-                      <a:solidFill>
-                        <a:srgbClr val="000000"/>
-                      </a:solidFill>
-                      <a:prstDash val="solid"/>
-                      <a:round/>
-                      <a:headEnd type="none" w="med" len="med"/>
-                      <a:tailEnd type="none" w="med" len="med"/>
-                    </a:lnL>
-                    <a:lnR w="6350" cap="flat" cmpd="sng" algn="ctr">
-                      <a:solidFill>
-                        <a:srgbClr val="000000"/>
-                      </a:solidFill>
-                      <a:prstDash val="solid"/>
-                      <a:round/>
-                      <a:headEnd type="none" w="med" len="med"/>
-                      <a:tailEnd type="none" w="med" len="med"/>
-                    </a:lnR>
-                    <a:lnT w="6350" cap="flat" cmpd="sng" algn="ctr">
-                      <a:solidFill>
-                        <a:srgbClr val="000000"/>
-                      </a:solidFill>
-                      <a:prstDash val="solid"/>
-                      <a:round/>
-                      <a:headEnd type="none" w="med" len="med"/>
-                      <a:tailEnd type="none" w="med" len="med"/>
-                    </a:lnT>
-                    <a:lnB w="6350" cap="flat" cmpd="sng" algn="ctr">
-                      <a:solidFill>
-                        <a:srgbClr val="000000"/>
-                      </a:solidFill>
-                      <a:prstDash val="solid"/>
-                      <a:round/>
-                      <a:headEnd type="none" w="med" len="med"/>
-                      <a:tailEnd type="none" w="med" len="med"/>
-                    </a:lnB>
-                  </a:tcPr>
-                </a:tc>
-                <a:tc>
-                  <a:txBody>
-                    <a:bodyPr/>
-                    <a:lstStyle/>
-                    <a:p>
-                      <a:pPr algn="r" fontAlgn="b"/>
-                      <a:r>
-                        <a:rPr lang="fr-CH" sz="1400" b="0" i="0" u="none" strike="noStrike">
-                          <a:solidFill>
-                            <a:srgbClr val="000000"/>
-                          </a:solidFill>
-                          <a:effectLst/>
-                          <a:latin typeface="Calibri" panose="020F0502020204030204" pitchFamily="34" charset="0"/>
-                        </a:rPr>
-                        <a:t>385</a:t>
-                      </a:r>
-                    </a:p>
-                  </a:txBody>
-                  <a:tcPr marL="4233" marR="4233" marT="4233" marB="0" anchor="b">
-                    <a:lnL w="6350" cap="flat" cmpd="sng" algn="ctr">
-                      <a:solidFill>
-                        <a:srgbClr val="000000"/>
-                      </a:solidFill>
-                      <a:prstDash val="solid"/>
-                      <a:round/>
-                      <a:headEnd type="none" w="med" len="med"/>
-                      <a:tailEnd type="none" w="med" len="med"/>
-                    </a:lnL>
-                    <a:lnR w="6350" cap="flat" cmpd="sng" algn="ctr">
-                      <a:solidFill>
-                        <a:srgbClr val="000000"/>
-                      </a:solidFill>
-                      <a:prstDash val="solid"/>
-                      <a:round/>
-                      <a:headEnd type="none" w="med" len="med"/>
-                      <a:tailEnd type="none" w="med" len="med"/>
-                    </a:lnR>
-                    <a:lnT w="6350" cap="flat" cmpd="sng" algn="ctr">
-                      <a:solidFill>
-                        <a:srgbClr val="000000"/>
-                      </a:solidFill>
-                      <a:prstDash val="solid"/>
-                      <a:round/>
-                      <a:headEnd type="none" w="med" len="med"/>
-                      <a:tailEnd type="none" w="med" len="med"/>
-                    </a:lnT>
-                    <a:lnB w="6350" cap="flat" cmpd="sng" algn="ctr">
-                      <a:solidFill>
-                        <a:srgbClr val="000000"/>
-                      </a:solidFill>
-                      <a:prstDash val="solid"/>
-                      <a:round/>
-                      <a:headEnd type="none" w="med" len="med"/>
-                      <a:tailEnd type="none" w="med" len="med"/>
-                    </a:lnB>
-                  </a:tcPr>
-                </a:tc>
-                <a:tc>
-                  <a:txBody>
-                    <a:bodyPr/>
-                    <a:lstStyle/>
-                    <a:p>
-                      <a:pPr algn="r" fontAlgn="b"/>
-                      <a:r>
-                        <a:rPr lang="fr-CH" sz="1400" b="0" i="0" u="none" strike="noStrike">
-                          <a:solidFill>
-                            <a:srgbClr val="000000"/>
-                          </a:solidFill>
-                          <a:effectLst/>
-                          <a:latin typeface="Calibri" panose="020F0502020204030204" pitchFamily="34" charset="0"/>
-                        </a:rPr>
-                        <a:t>81</a:t>
-                      </a:r>
-                    </a:p>
-                  </a:txBody>
-                  <a:tcPr marL="4233" marR="4233" marT="4233" marB="0" anchor="b">
-                    <a:lnL w="6350" cap="flat" cmpd="sng" algn="ctr">
-                      <a:solidFill>
-                        <a:srgbClr val="000000"/>
-                      </a:solidFill>
-                      <a:prstDash val="solid"/>
-                      <a:round/>
-                      <a:headEnd type="none" w="med" len="med"/>
-                      <a:tailEnd type="none" w="med" len="med"/>
-                    </a:lnL>
-                    <a:lnR w="6350" cap="flat" cmpd="sng" algn="ctr">
-                      <a:solidFill>
-                        <a:srgbClr val="000000"/>
-                      </a:solidFill>
-                      <a:prstDash val="solid"/>
-                      <a:round/>
-                      <a:headEnd type="none" w="med" len="med"/>
-                      <a:tailEnd type="none" w="med" len="med"/>
-                    </a:lnR>
-                    <a:lnT w="6350" cap="flat" cmpd="sng" algn="ctr">
-                      <a:solidFill>
-                        <a:srgbClr val="000000"/>
-                      </a:solidFill>
-                      <a:prstDash val="solid"/>
-                      <a:round/>
-                      <a:headEnd type="none" w="med" len="med"/>
-                      <a:tailEnd type="none" w="med" len="med"/>
-                    </a:lnT>
-                    <a:lnB w="6350" cap="flat" cmpd="sng" algn="ctr">
-                      <a:solidFill>
-                        <a:srgbClr val="000000"/>
-                      </a:solidFill>
-                      <a:prstDash val="solid"/>
-                      <a:round/>
-                      <a:headEnd type="none" w="med" len="med"/>
-                      <a:tailEnd type="none" w="med" len="med"/>
-                    </a:lnB>
-                  </a:tcPr>
-                </a:tc>
-                <a:extLst>
-                  <a:ext uri="{0D108BD9-81ED-4DB2-BD59-A6C34878D82A}">
-                    <a16:rowId xmlns:a16="http://schemas.microsoft.com/office/drawing/2014/main" val="3057698918"/>
-                  </a:ext>
-                </a:extLst>
-              </a:tr>
-              <a:tr h="182245">
-                <a:tc>
-                  <a:txBody>
-                    <a:bodyPr/>
-                    <a:lstStyle/>
-                    <a:p>
-                      <a:pPr algn="r" fontAlgn="b"/>
-                      <a:r>
-                        <a:rPr lang="fr-CH" sz="1400" b="0" i="0" u="none" strike="noStrike">
-                          <a:solidFill>
-                            <a:srgbClr val="000000"/>
-                          </a:solidFill>
-                          <a:effectLst/>
-                          <a:latin typeface="Calibri" panose="020F0502020204030204" pitchFamily="34" charset="0"/>
-                        </a:rPr>
-                        <a:t>70%</a:t>
-                      </a:r>
-                    </a:p>
-                  </a:txBody>
-                  <a:tcPr marL="4233" marR="4233" marT="4233" marB="0" anchor="b">
-                    <a:lnL w="6350" cap="flat" cmpd="sng" algn="ctr">
-                      <a:solidFill>
-                        <a:srgbClr val="000000"/>
-                      </a:solidFill>
-                      <a:prstDash val="solid"/>
-                      <a:round/>
-                      <a:headEnd type="none" w="med" len="med"/>
-                      <a:tailEnd type="none" w="med" len="med"/>
-                    </a:lnL>
-                    <a:lnR w="6350" cap="flat" cmpd="sng" algn="ctr">
-                      <a:solidFill>
-                        <a:srgbClr val="000000"/>
-                      </a:solidFill>
-                      <a:prstDash val="solid"/>
-                      <a:round/>
-                      <a:headEnd type="none" w="med" len="med"/>
-                      <a:tailEnd type="none" w="med" len="med"/>
-                    </a:lnR>
-                    <a:lnT w="6350" cap="flat" cmpd="sng" algn="ctr">
-                      <a:solidFill>
-                        <a:srgbClr val="000000"/>
-                      </a:solidFill>
-                      <a:prstDash val="solid"/>
-                      <a:round/>
-                      <a:headEnd type="none" w="med" len="med"/>
-                      <a:tailEnd type="none" w="med" len="med"/>
-                    </a:lnT>
-                    <a:lnB w="6350" cap="flat" cmpd="sng" algn="ctr">
-                      <a:solidFill>
-                        <a:srgbClr val="000000"/>
-                      </a:solidFill>
-                      <a:prstDash val="solid"/>
-                      <a:round/>
-                      <a:headEnd type="none" w="med" len="med"/>
-                      <a:tailEnd type="none" w="med" len="med"/>
-                    </a:lnB>
-                  </a:tcPr>
-                </a:tc>
-                <a:tc>
-                  <a:txBody>
-                    <a:bodyPr/>
-                    <a:lstStyle/>
-                    <a:p>
-                      <a:pPr algn="r" fontAlgn="b"/>
-                      <a:r>
-                        <a:rPr lang="fr-CH" sz="1400" b="0" i="0" u="none" strike="noStrike">
-                          <a:solidFill>
-                            <a:srgbClr val="000000"/>
-                          </a:solidFill>
-                          <a:effectLst/>
-                          <a:latin typeface="Calibri" panose="020F0502020204030204" pitchFamily="34" charset="0"/>
-                        </a:rPr>
-                        <a:t>8705</a:t>
-                      </a:r>
-                    </a:p>
-                  </a:txBody>
-                  <a:tcPr marL="4233" marR="4233" marT="4233" marB="0" anchor="b">
-                    <a:lnL w="6350" cap="flat" cmpd="sng" algn="ctr">
-                      <a:solidFill>
-                        <a:srgbClr val="000000"/>
-                      </a:solidFill>
-                      <a:prstDash val="solid"/>
-                      <a:round/>
-                      <a:headEnd type="none" w="med" len="med"/>
-                      <a:tailEnd type="none" w="med" len="med"/>
-                    </a:lnL>
-                    <a:lnR w="6350" cap="flat" cmpd="sng" algn="ctr">
-                      <a:solidFill>
-                        <a:srgbClr val="000000"/>
-                      </a:solidFill>
-                      <a:prstDash val="solid"/>
-                      <a:round/>
-                      <a:headEnd type="none" w="med" len="med"/>
-                      <a:tailEnd type="none" w="med" len="med"/>
-                    </a:lnR>
-                    <a:lnT w="6350" cap="flat" cmpd="sng" algn="ctr">
-                      <a:solidFill>
-                        <a:srgbClr val="000000"/>
-                      </a:solidFill>
-                      <a:prstDash val="solid"/>
-                      <a:round/>
-                      <a:headEnd type="none" w="med" len="med"/>
-                      <a:tailEnd type="none" w="med" len="med"/>
-                    </a:lnT>
-                    <a:lnB w="6350" cap="flat" cmpd="sng" algn="ctr">
-                      <a:solidFill>
-                        <a:srgbClr val="000000"/>
-                      </a:solidFill>
-                      <a:prstDash val="solid"/>
-                      <a:round/>
-                      <a:headEnd type="none" w="med" len="med"/>
-                      <a:tailEnd type="none" w="med" len="med"/>
-                    </a:lnB>
-                  </a:tcPr>
-                </a:tc>
-                <a:tc>
-                  <a:txBody>
-                    <a:bodyPr/>
-                    <a:lstStyle/>
-                    <a:p>
-                      <a:pPr algn="r" fontAlgn="b"/>
-                      <a:r>
-                        <a:rPr lang="fr-CH" sz="1400" b="0" i="0" u="none" strike="noStrike">
-                          <a:solidFill>
-                            <a:srgbClr val="000000"/>
-                          </a:solidFill>
-                          <a:effectLst/>
-                          <a:latin typeface="Calibri" panose="020F0502020204030204" pitchFamily="34" charset="0"/>
-                        </a:rPr>
-                        <a:t>440</a:t>
-                      </a:r>
-                    </a:p>
-                  </a:txBody>
-                  <a:tcPr marL="4233" marR="4233" marT="4233" marB="0" anchor="b">
-                    <a:lnL w="6350" cap="flat" cmpd="sng" algn="ctr">
-                      <a:solidFill>
-                        <a:srgbClr val="000000"/>
-                      </a:solidFill>
-                      <a:prstDash val="solid"/>
-                      <a:round/>
-                      <a:headEnd type="none" w="med" len="med"/>
-                      <a:tailEnd type="none" w="med" len="med"/>
-                    </a:lnL>
-                    <a:lnR w="6350" cap="flat" cmpd="sng" algn="ctr">
-                      <a:solidFill>
-                        <a:srgbClr val="000000"/>
-                      </a:solidFill>
-                      <a:prstDash val="solid"/>
-                      <a:round/>
-                      <a:headEnd type="none" w="med" len="med"/>
-                      <a:tailEnd type="none" w="med" len="med"/>
-                    </a:lnR>
-                    <a:lnT w="6350" cap="flat" cmpd="sng" algn="ctr">
-                      <a:solidFill>
-                        <a:srgbClr val="000000"/>
-                      </a:solidFill>
-                      <a:prstDash val="solid"/>
-                      <a:round/>
-                      <a:headEnd type="none" w="med" len="med"/>
-                      <a:tailEnd type="none" w="med" len="med"/>
-                    </a:lnT>
-                    <a:lnB w="6350" cap="flat" cmpd="sng" algn="ctr">
-                      <a:solidFill>
-                        <a:srgbClr val="000000"/>
-                      </a:solidFill>
-                      <a:prstDash val="solid"/>
-                      <a:round/>
-                      <a:headEnd type="none" w="med" len="med"/>
-                      <a:tailEnd type="none" w="med" len="med"/>
-                    </a:lnB>
-                  </a:tcPr>
-                </a:tc>
-                <a:tc>
-                  <a:txBody>
-                    <a:bodyPr/>
-                    <a:lstStyle/>
-                    <a:p>
-                      <a:pPr algn="r" fontAlgn="b"/>
-                      <a:r>
-                        <a:rPr lang="fr-CH" sz="1400" b="0" i="0" u="none" strike="noStrike">
-                          <a:solidFill>
-                            <a:srgbClr val="000000"/>
-                          </a:solidFill>
-                          <a:effectLst/>
-                          <a:latin typeface="Calibri" panose="020F0502020204030204" pitchFamily="34" charset="0"/>
-                        </a:rPr>
-                        <a:t>92</a:t>
-                      </a:r>
-                    </a:p>
-                  </a:txBody>
-                  <a:tcPr marL="4233" marR="4233" marT="4233" marB="0" anchor="b">
-                    <a:lnL w="6350" cap="flat" cmpd="sng" algn="ctr">
-                      <a:solidFill>
-                        <a:srgbClr val="000000"/>
-                      </a:solidFill>
-                      <a:prstDash val="solid"/>
-                      <a:round/>
-                      <a:headEnd type="none" w="med" len="med"/>
-                      <a:tailEnd type="none" w="med" len="med"/>
-                    </a:lnL>
-                    <a:lnR w="6350" cap="flat" cmpd="sng" algn="ctr">
-                      <a:solidFill>
-                        <a:srgbClr val="000000"/>
-                      </a:solidFill>
-                      <a:prstDash val="solid"/>
-                      <a:round/>
-                      <a:headEnd type="none" w="med" len="med"/>
-                      <a:tailEnd type="none" w="med" len="med"/>
-                    </a:lnR>
-                    <a:lnT w="6350" cap="flat" cmpd="sng" algn="ctr">
-                      <a:solidFill>
-                        <a:srgbClr val="000000"/>
-                      </a:solidFill>
-                      <a:prstDash val="solid"/>
-                      <a:round/>
-                      <a:headEnd type="none" w="med" len="med"/>
-                      <a:tailEnd type="none" w="med" len="med"/>
-                    </a:lnT>
-                    <a:lnB w="6350" cap="flat" cmpd="sng" algn="ctr">
-                      <a:solidFill>
-                        <a:srgbClr val="000000"/>
-                      </a:solidFill>
-                      <a:prstDash val="solid"/>
-                      <a:round/>
-                      <a:headEnd type="none" w="med" len="med"/>
-                      <a:tailEnd type="none" w="med" len="med"/>
-                    </a:lnB>
-                  </a:tcPr>
-                </a:tc>
-                <a:extLst>
-                  <a:ext uri="{0D108BD9-81ED-4DB2-BD59-A6C34878D82A}">
-                    <a16:rowId xmlns:a16="http://schemas.microsoft.com/office/drawing/2014/main" val="3418602144"/>
-                  </a:ext>
-                </a:extLst>
-              </a:tr>
-              <a:tr h="182245">
-                <a:tc>
-                  <a:txBody>
-                    <a:bodyPr/>
-                    <a:lstStyle/>
-                    <a:p>
-                      <a:pPr algn="r" fontAlgn="b"/>
-                      <a:r>
-                        <a:rPr lang="fr-CH" sz="1400" b="0" i="0" u="none" strike="noStrike">
-                          <a:solidFill>
-                            <a:srgbClr val="000000"/>
-                          </a:solidFill>
-                          <a:effectLst/>
-                          <a:latin typeface="Calibri" panose="020F0502020204030204" pitchFamily="34" charset="0"/>
-                        </a:rPr>
-                        <a:t>80%</a:t>
-                      </a:r>
-                    </a:p>
-                  </a:txBody>
-                  <a:tcPr marL="4233" marR="4233" marT="4233" marB="0" anchor="b">
-                    <a:lnL w="6350" cap="flat" cmpd="sng" algn="ctr">
-                      <a:solidFill>
-                        <a:srgbClr val="000000"/>
-                      </a:solidFill>
-                      <a:prstDash val="solid"/>
-                      <a:round/>
-                      <a:headEnd type="none" w="med" len="med"/>
-                      <a:tailEnd type="none" w="med" len="med"/>
-                    </a:lnL>
-                    <a:lnR w="6350" cap="flat" cmpd="sng" algn="ctr">
-                      <a:solidFill>
-                        <a:srgbClr val="000000"/>
-                      </a:solidFill>
-                      <a:prstDash val="solid"/>
-                      <a:round/>
-                      <a:headEnd type="none" w="med" len="med"/>
-                      <a:tailEnd type="none" w="med" len="med"/>
-                    </a:lnR>
-                    <a:lnT w="6350" cap="flat" cmpd="sng" algn="ctr">
-                      <a:solidFill>
-                        <a:srgbClr val="000000"/>
-                      </a:solidFill>
-                      <a:prstDash val="solid"/>
-                      <a:round/>
-                      <a:headEnd type="none" w="med" len="med"/>
-                      <a:tailEnd type="none" w="med" len="med"/>
-                    </a:lnT>
-                    <a:lnB w="6350" cap="flat" cmpd="sng" algn="ctr">
-                      <a:solidFill>
-                        <a:srgbClr val="000000"/>
-                      </a:solidFill>
-                      <a:prstDash val="solid"/>
-                      <a:round/>
-                      <a:headEnd type="none" w="med" len="med"/>
-                      <a:tailEnd type="none" w="med" len="med"/>
-                    </a:lnB>
-                  </a:tcPr>
-                </a:tc>
-                <a:tc>
-                  <a:txBody>
-                    <a:bodyPr/>
-                    <a:lstStyle/>
-                    <a:p>
-                      <a:pPr algn="r" fontAlgn="b"/>
-                      <a:r>
-                        <a:rPr lang="fr-CH" sz="1400" b="0" i="0" u="none" strike="noStrike">
-                          <a:solidFill>
-                            <a:srgbClr val="000000"/>
-                          </a:solidFill>
-                          <a:effectLst/>
-                          <a:latin typeface="Calibri" panose="020F0502020204030204" pitchFamily="34" charset="0"/>
-                        </a:rPr>
-                        <a:t>9805</a:t>
-                      </a:r>
-                    </a:p>
-                  </a:txBody>
-                  <a:tcPr marL="4233" marR="4233" marT="4233" marB="0" anchor="b">
-                    <a:lnL w="6350" cap="flat" cmpd="sng" algn="ctr">
-                      <a:solidFill>
-                        <a:srgbClr val="000000"/>
-                      </a:solidFill>
-                      <a:prstDash val="solid"/>
-                      <a:round/>
-                      <a:headEnd type="none" w="med" len="med"/>
-                      <a:tailEnd type="none" w="med" len="med"/>
-                    </a:lnL>
-                    <a:lnR w="6350" cap="flat" cmpd="sng" algn="ctr">
-                      <a:solidFill>
-                        <a:srgbClr val="000000"/>
-                      </a:solidFill>
-                      <a:prstDash val="solid"/>
-                      <a:round/>
-                      <a:headEnd type="none" w="med" len="med"/>
-                      <a:tailEnd type="none" w="med" len="med"/>
-                    </a:lnR>
-                    <a:lnT w="6350" cap="flat" cmpd="sng" algn="ctr">
-                      <a:solidFill>
-                        <a:srgbClr val="000000"/>
-                      </a:solidFill>
-                      <a:prstDash val="solid"/>
-                      <a:round/>
-                      <a:headEnd type="none" w="med" len="med"/>
-                      <a:tailEnd type="none" w="med" len="med"/>
-                    </a:lnT>
-                    <a:lnB w="6350" cap="flat" cmpd="sng" algn="ctr">
-                      <a:solidFill>
-                        <a:srgbClr val="000000"/>
-                      </a:solidFill>
-                      <a:prstDash val="solid"/>
-                      <a:round/>
-                      <a:headEnd type="none" w="med" len="med"/>
-                      <a:tailEnd type="none" w="med" len="med"/>
-                    </a:lnB>
-                  </a:tcPr>
-                </a:tc>
-                <a:tc>
-                  <a:txBody>
-                    <a:bodyPr/>
-                    <a:lstStyle/>
-                    <a:p>
-                      <a:pPr algn="r" fontAlgn="b"/>
-                      <a:r>
-                        <a:rPr lang="fr-CH" sz="1400" b="0" i="0" u="none" strike="noStrike">
-                          <a:solidFill>
-                            <a:srgbClr val="000000"/>
-                          </a:solidFill>
-                          <a:effectLst/>
-                          <a:latin typeface="Calibri" panose="020F0502020204030204" pitchFamily="34" charset="0"/>
-                        </a:rPr>
-                        <a:t>495</a:t>
-                      </a:r>
-                    </a:p>
-                  </a:txBody>
-                  <a:tcPr marL="4233" marR="4233" marT="4233" marB="0" anchor="b">
-                    <a:lnL w="6350" cap="flat" cmpd="sng" algn="ctr">
-                      <a:solidFill>
-                        <a:srgbClr val="000000"/>
-                      </a:solidFill>
-                      <a:prstDash val="solid"/>
-                      <a:round/>
-                      <a:headEnd type="none" w="med" len="med"/>
-                      <a:tailEnd type="none" w="med" len="med"/>
-                    </a:lnL>
-                    <a:lnR w="6350" cap="flat" cmpd="sng" algn="ctr">
-                      <a:solidFill>
-                        <a:srgbClr val="000000"/>
-                      </a:solidFill>
-                      <a:prstDash val="solid"/>
-                      <a:round/>
-                      <a:headEnd type="none" w="med" len="med"/>
-                      <a:tailEnd type="none" w="med" len="med"/>
-                    </a:lnR>
-                    <a:lnT w="6350" cap="flat" cmpd="sng" algn="ctr">
-                      <a:solidFill>
-                        <a:srgbClr val="000000"/>
-                      </a:solidFill>
-                      <a:prstDash val="solid"/>
-                      <a:round/>
-                      <a:headEnd type="none" w="med" len="med"/>
-                      <a:tailEnd type="none" w="med" len="med"/>
-                    </a:lnT>
-                    <a:lnB w="6350" cap="flat" cmpd="sng" algn="ctr">
-                      <a:solidFill>
-                        <a:srgbClr val="000000"/>
-                      </a:solidFill>
-                      <a:prstDash val="solid"/>
-                      <a:round/>
-                      <a:headEnd type="none" w="med" len="med"/>
-                      <a:tailEnd type="none" w="med" len="med"/>
-                    </a:lnB>
-                  </a:tcPr>
-                </a:tc>
-                <a:tc>
-                  <a:txBody>
-                    <a:bodyPr/>
-                    <a:lstStyle/>
-                    <a:p>
-                      <a:pPr algn="r" fontAlgn="b"/>
-                      <a:r>
-                        <a:rPr lang="fr-CH" sz="1400" b="0" i="0" u="none" strike="noStrike">
-                          <a:solidFill>
-                            <a:srgbClr val="9C0006"/>
-                          </a:solidFill>
-                          <a:effectLst/>
-                          <a:latin typeface="Calibri" panose="020F0502020204030204" pitchFamily="34" charset="0"/>
-                        </a:rPr>
-                        <a:t>103</a:t>
-                      </a:r>
-                    </a:p>
-                  </a:txBody>
-                  <a:tcPr marL="4233" marR="4233" marT="4233" marB="0" anchor="b">
-                    <a:lnL w="6350" cap="flat" cmpd="sng" algn="ctr">
-                      <a:solidFill>
-                        <a:srgbClr val="000000"/>
-                      </a:solidFill>
-                      <a:prstDash val="solid"/>
-                      <a:round/>
-                      <a:headEnd type="none" w="med" len="med"/>
-                      <a:tailEnd type="none" w="med" len="med"/>
-                    </a:lnL>
-                    <a:lnR w="6350" cap="flat" cmpd="sng" algn="ctr">
-                      <a:solidFill>
-                        <a:srgbClr val="000000"/>
-                      </a:solidFill>
-                      <a:prstDash val="solid"/>
-                      <a:round/>
-                      <a:headEnd type="none" w="med" len="med"/>
-                      <a:tailEnd type="none" w="med" len="med"/>
-                    </a:lnR>
-                    <a:lnT w="6350" cap="flat" cmpd="sng" algn="ctr">
-                      <a:solidFill>
-                        <a:srgbClr val="000000"/>
-                      </a:solidFill>
-                      <a:prstDash val="solid"/>
-                      <a:round/>
-                      <a:headEnd type="none" w="med" len="med"/>
-                      <a:tailEnd type="none" w="med" len="med"/>
-                    </a:lnT>
-                    <a:lnB w="6350" cap="flat" cmpd="sng" algn="ctr">
-                      <a:solidFill>
-                        <a:srgbClr val="000000"/>
-                      </a:solidFill>
-                      <a:prstDash val="solid"/>
-                      <a:round/>
-                      <a:headEnd type="none" w="med" len="med"/>
-                      <a:tailEnd type="none" w="med" len="med"/>
-                    </a:lnB>
-                    <a:solidFill>
-                      <a:srgbClr val="FFC7CE"/>
-                    </a:solidFill>
-                  </a:tcPr>
-                </a:tc>
-                <a:extLst>
-                  <a:ext uri="{0D108BD9-81ED-4DB2-BD59-A6C34878D82A}">
-                    <a16:rowId xmlns:a16="http://schemas.microsoft.com/office/drawing/2014/main" val="2294906808"/>
-                  </a:ext>
-                </a:extLst>
-              </a:tr>
-              <a:tr h="182245">
-                <a:tc>
-                  <a:txBody>
-                    <a:bodyPr/>
-                    <a:lstStyle/>
-                    <a:p>
-                      <a:pPr algn="r" fontAlgn="b"/>
-                      <a:r>
-                        <a:rPr lang="fr-CH" sz="1400" b="0" i="0" u="none" strike="noStrike">
-                          <a:solidFill>
-                            <a:srgbClr val="000000"/>
-                          </a:solidFill>
-                          <a:effectLst/>
-                          <a:latin typeface="Calibri" panose="020F0502020204030204" pitchFamily="34" charset="0"/>
-                        </a:rPr>
-                        <a:t>90%</a:t>
-                      </a:r>
-                    </a:p>
-                  </a:txBody>
-                  <a:tcPr marL="4233" marR="4233" marT="4233" marB="0" anchor="b">
-                    <a:lnL w="6350" cap="flat" cmpd="sng" algn="ctr">
-                      <a:solidFill>
-                        <a:srgbClr val="000000"/>
-                      </a:solidFill>
-                      <a:prstDash val="solid"/>
-                      <a:round/>
-                      <a:headEnd type="none" w="med" len="med"/>
-                      <a:tailEnd type="none" w="med" len="med"/>
-                    </a:lnL>
-                    <a:lnR w="6350" cap="flat" cmpd="sng" algn="ctr">
-                      <a:solidFill>
-                        <a:srgbClr val="000000"/>
-                      </a:solidFill>
-                      <a:prstDash val="solid"/>
-                      <a:round/>
-                      <a:headEnd type="none" w="med" len="med"/>
-                      <a:tailEnd type="none" w="med" len="med"/>
-                    </a:lnR>
-                    <a:lnT w="6350" cap="flat" cmpd="sng" algn="ctr">
-                      <a:solidFill>
-                        <a:srgbClr val="000000"/>
-                      </a:solidFill>
-                      <a:prstDash val="solid"/>
-                      <a:round/>
-                      <a:headEnd type="none" w="med" len="med"/>
-                      <a:tailEnd type="none" w="med" len="med"/>
-                    </a:lnT>
-                    <a:lnB w="6350" cap="flat" cmpd="sng" algn="ctr">
-                      <a:solidFill>
-                        <a:srgbClr val="000000"/>
-                      </a:solidFill>
-                      <a:prstDash val="solid"/>
-                      <a:round/>
-                      <a:headEnd type="none" w="med" len="med"/>
-                      <a:tailEnd type="none" w="med" len="med"/>
-                    </a:lnB>
-                  </a:tcPr>
-                </a:tc>
-                <a:tc>
-                  <a:txBody>
-                    <a:bodyPr/>
-                    <a:lstStyle/>
-                    <a:p>
-                      <a:pPr algn="r" fontAlgn="b"/>
-                      <a:r>
-                        <a:rPr lang="fr-CH" sz="1400" b="0" i="0" u="none" strike="noStrike">
-                          <a:solidFill>
-                            <a:srgbClr val="9C0006"/>
-                          </a:solidFill>
-                          <a:effectLst/>
-                          <a:latin typeface="Calibri" panose="020F0502020204030204" pitchFamily="34" charset="0"/>
-                        </a:rPr>
-                        <a:t>10905</a:t>
-                      </a:r>
-                    </a:p>
-                  </a:txBody>
-                  <a:tcPr marL="4233" marR="4233" marT="4233" marB="0" anchor="b">
-                    <a:lnL w="6350" cap="flat" cmpd="sng" algn="ctr">
-                      <a:solidFill>
-                        <a:srgbClr val="000000"/>
-                      </a:solidFill>
-                      <a:prstDash val="solid"/>
-                      <a:round/>
-                      <a:headEnd type="none" w="med" len="med"/>
-                      <a:tailEnd type="none" w="med" len="med"/>
-                    </a:lnL>
-                    <a:lnR w="6350" cap="flat" cmpd="sng" algn="ctr">
-                      <a:solidFill>
-                        <a:srgbClr val="000000"/>
-                      </a:solidFill>
-                      <a:prstDash val="solid"/>
-                      <a:round/>
-                      <a:headEnd type="none" w="med" len="med"/>
-                      <a:tailEnd type="none" w="med" len="med"/>
-                    </a:lnR>
-                    <a:lnT w="6350" cap="flat" cmpd="sng" algn="ctr">
-                      <a:solidFill>
-                        <a:srgbClr val="000000"/>
-                      </a:solidFill>
-                      <a:prstDash val="solid"/>
-                      <a:round/>
-                      <a:headEnd type="none" w="med" len="med"/>
-                      <a:tailEnd type="none" w="med" len="med"/>
-                    </a:lnT>
-                    <a:lnB w="6350" cap="flat" cmpd="sng" algn="ctr">
-                      <a:solidFill>
-                        <a:srgbClr val="000000"/>
-                      </a:solidFill>
-                      <a:prstDash val="solid"/>
-                      <a:round/>
-                      <a:headEnd type="none" w="med" len="med"/>
-                      <a:tailEnd type="none" w="med" len="med"/>
-                    </a:lnB>
-                    <a:solidFill>
-                      <a:srgbClr val="FFC7CE"/>
-                    </a:solidFill>
-                  </a:tcPr>
-                </a:tc>
-                <a:tc>
-                  <a:txBody>
-                    <a:bodyPr/>
-                    <a:lstStyle/>
-                    <a:p>
-                      <a:pPr algn="r" fontAlgn="b"/>
-                      <a:r>
-                        <a:rPr lang="fr-CH" sz="1400" b="0" i="0" u="none" strike="noStrike">
-                          <a:solidFill>
-                            <a:srgbClr val="9C0006"/>
-                          </a:solidFill>
-                          <a:effectLst/>
-                          <a:latin typeface="Calibri" panose="020F0502020204030204" pitchFamily="34" charset="0"/>
-                        </a:rPr>
-                        <a:t>550</a:t>
-                      </a:r>
-                    </a:p>
-                  </a:txBody>
-                  <a:tcPr marL="4233" marR="4233" marT="4233" marB="0" anchor="b">
-                    <a:lnL w="6350" cap="flat" cmpd="sng" algn="ctr">
-                      <a:solidFill>
-                        <a:srgbClr val="000000"/>
-                      </a:solidFill>
-                      <a:prstDash val="solid"/>
-                      <a:round/>
-                      <a:headEnd type="none" w="med" len="med"/>
-                      <a:tailEnd type="none" w="med" len="med"/>
-                    </a:lnL>
-                    <a:lnR w="6350" cap="flat" cmpd="sng" algn="ctr">
-                      <a:solidFill>
-                        <a:srgbClr val="000000"/>
-                      </a:solidFill>
-                      <a:prstDash val="solid"/>
-                      <a:round/>
-                      <a:headEnd type="none" w="med" len="med"/>
-                      <a:tailEnd type="none" w="med" len="med"/>
-                    </a:lnR>
-                    <a:lnT w="6350" cap="flat" cmpd="sng" algn="ctr">
-                      <a:solidFill>
-                        <a:srgbClr val="000000"/>
-                      </a:solidFill>
-                      <a:prstDash val="solid"/>
-                      <a:round/>
-                      <a:headEnd type="none" w="med" len="med"/>
-                      <a:tailEnd type="none" w="med" len="med"/>
-                    </a:lnT>
-                    <a:lnB w="6350" cap="flat" cmpd="sng" algn="ctr">
-                      <a:solidFill>
-                        <a:srgbClr val="000000"/>
-                      </a:solidFill>
-                      <a:prstDash val="solid"/>
-                      <a:round/>
-                      <a:headEnd type="none" w="med" len="med"/>
-                      <a:tailEnd type="none" w="med" len="med"/>
-                    </a:lnB>
-                    <a:solidFill>
-                      <a:srgbClr val="FFC7CE"/>
-                    </a:solidFill>
-                  </a:tcPr>
-                </a:tc>
-                <a:tc>
-                  <a:txBody>
-                    <a:bodyPr/>
-                    <a:lstStyle/>
-                    <a:p>
-                      <a:pPr algn="r" fontAlgn="b"/>
-                      <a:r>
-                        <a:rPr lang="fr-CH" sz="1400" b="0" i="0" u="none" strike="noStrike">
-                          <a:solidFill>
-                            <a:srgbClr val="9C0006"/>
-                          </a:solidFill>
-                          <a:effectLst/>
-                          <a:latin typeface="Calibri" panose="020F0502020204030204" pitchFamily="34" charset="0"/>
-                        </a:rPr>
-                        <a:t>114</a:t>
-                      </a:r>
-                    </a:p>
-                  </a:txBody>
-                  <a:tcPr marL="4233" marR="4233" marT="4233" marB="0" anchor="b">
-                    <a:lnL w="6350" cap="flat" cmpd="sng" algn="ctr">
-                      <a:solidFill>
-                        <a:srgbClr val="000000"/>
-                      </a:solidFill>
-                      <a:prstDash val="solid"/>
-                      <a:round/>
-                      <a:headEnd type="none" w="med" len="med"/>
-                      <a:tailEnd type="none" w="med" len="med"/>
-                    </a:lnL>
-                    <a:lnR w="6350" cap="flat" cmpd="sng" algn="ctr">
-                      <a:solidFill>
-                        <a:srgbClr val="000000"/>
-                      </a:solidFill>
-                      <a:prstDash val="solid"/>
-                      <a:round/>
-                      <a:headEnd type="none" w="med" len="med"/>
-                      <a:tailEnd type="none" w="med" len="med"/>
-                    </a:lnR>
-                    <a:lnT w="6350" cap="flat" cmpd="sng" algn="ctr">
-                      <a:solidFill>
-                        <a:srgbClr val="000000"/>
-                      </a:solidFill>
-                      <a:prstDash val="solid"/>
-                      <a:round/>
-                      <a:headEnd type="none" w="med" len="med"/>
-                      <a:tailEnd type="none" w="med" len="med"/>
-                    </a:lnT>
-                    <a:lnB w="6350" cap="flat" cmpd="sng" algn="ctr">
-                      <a:solidFill>
-                        <a:srgbClr val="000000"/>
-                      </a:solidFill>
-                      <a:prstDash val="solid"/>
-                      <a:round/>
-                      <a:headEnd type="none" w="med" len="med"/>
-                      <a:tailEnd type="none" w="med" len="med"/>
-                    </a:lnB>
-                    <a:solidFill>
-                      <a:srgbClr val="FFC7CE"/>
-                    </a:solidFill>
-                  </a:tcPr>
-                </a:tc>
-                <a:extLst>
-                  <a:ext uri="{0D108BD9-81ED-4DB2-BD59-A6C34878D82A}">
-                    <a16:rowId xmlns:a16="http://schemas.microsoft.com/office/drawing/2014/main" val="1683385932"/>
-                  </a:ext>
-                </a:extLst>
-              </a:tr>
-              <a:tr h="182245">
-                <a:tc>
-                  <a:txBody>
-                    <a:bodyPr/>
-                    <a:lstStyle/>
-                    <a:p>
-                      <a:pPr algn="r" fontAlgn="b"/>
-                      <a:r>
-                        <a:rPr lang="fr-CH" sz="1400" b="0" i="0" u="none" strike="noStrike">
-                          <a:solidFill>
-                            <a:srgbClr val="000000"/>
-                          </a:solidFill>
-                          <a:effectLst/>
-                          <a:latin typeface="Calibri" panose="020F0502020204030204" pitchFamily="34" charset="0"/>
-                        </a:rPr>
-                        <a:t>100%</a:t>
-                      </a:r>
-                    </a:p>
-                  </a:txBody>
-                  <a:tcPr marL="4233" marR="4233" marT="4233" marB="0" anchor="b">
-                    <a:lnL w="6350" cap="flat" cmpd="sng" algn="ctr">
-                      <a:solidFill>
-                        <a:srgbClr val="000000"/>
-                      </a:solidFill>
-                      <a:prstDash val="solid"/>
-                      <a:round/>
-                      <a:headEnd type="none" w="med" len="med"/>
-                      <a:tailEnd type="none" w="med" len="med"/>
-                    </a:lnL>
-                    <a:lnR w="6350" cap="flat" cmpd="sng" algn="ctr">
-                      <a:solidFill>
-                        <a:srgbClr val="000000"/>
-                      </a:solidFill>
-                      <a:prstDash val="solid"/>
-                      <a:round/>
-                      <a:headEnd type="none" w="med" len="med"/>
-                      <a:tailEnd type="none" w="med" len="med"/>
-                    </a:lnR>
-                    <a:lnT w="6350" cap="flat" cmpd="sng" algn="ctr">
-                      <a:solidFill>
-                        <a:srgbClr val="000000"/>
-                      </a:solidFill>
-                      <a:prstDash val="solid"/>
-                      <a:round/>
-                      <a:headEnd type="none" w="med" len="med"/>
-                      <a:tailEnd type="none" w="med" len="med"/>
-                    </a:lnT>
-                    <a:lnB w="6350" cap="flat" cmpd="sng" algn="ctr">
-                      <a:solidFill>
-                        <a:srgbClr val="000000"/>
-                      </a:solidFill>
-                      <a:prstDash val="solid"/>
-                      <a:round/>
-                      <a:headEnd type="none" w="med" len="med"/>
-                      <a:tailEnd type="none" w="med" len="med"/>
-                    </a:lnB>
-                  </a:tcPr>
-                </a:tc>
-                <a:tc>
-                  <a:txBody>
-                    <a:bodyPr/>
-                    <a:lstStyle/>
-                    <a:p>
-                      <a:pPr algn="r" fontAlgn="b"/>
-                      <a:r>
-                        <a:rPr lang="fr-CH" sz="1400" b="0" i="0" u="none" strike="noStrike" dirty="0">
-                          <a:solidFill>
-                            <a:srgbClr val="9C0006"/>
-                          </a:solidFill>
-                          <a:effectLst/>
-                          <a:latin typeface="Calibri" panose="020F0502020204030204" pitchFamily="34" charset="0"/>
-                        </a:rPr>
-                        <a:t>12005</a:t>
-                      </a:r>
-                    </a:p>
-                  </a:txBody>
-                  <a:tcPr marL="4233" marR="4233" marT="4233" marB="0" anchor="b">
-                    <a:lnL w="6350" cap="flat" cmpd="sng" algn="ctr">
-                      <a:solidFill>
-                        <a:srgbClr val="000000"/>
-                      </a:solidFill>
-                      <a:prstDash val="solid"/>
-                      <a:round/>
-                      <a:headEnd type="none" w="med" len="med"/>
-                      <a:tailEnd type="none" w="med" len="med"/>
-                    </a:lnL>
-                    <a:lnR w="6350" cap="flat" cmpd="sng" algn="ctr">
-                      <a:solidFill>
-                        <a:srgbClr val="000000"/>
-                      </a:solidFill>
-                      <a:prstDash val="solid"/>
-                      <a:round/>
-                      <a:headEnd type="none" w="med" len="med"/>
-                      <a:tailEnd type="none" w="med" len="med"/>
-                    </a:lnR>
-                    <a:lnT w="6350" cap="flat" cmpd="sng" algn="ctr">
-                      <a:solidFill>
-                        <a:srgbClr val="000000"/>
-                      </a:solidFill>
-                      <a:prstDash val="solid"/>
-                      <a:round/>
-                      <a:headEnd type="none" w="med" len="med"/>
-                      <a:tailEnd type="none" w="med" len="med"/>
-                    </a:lnT>
-                    <a:lnB w="6350" cap="flat" cmpd="sng" algn="ctr">
-                      <a:solidFill>
-                        <a:srgbClr val="000000"/>
-                      </a:solidFill>
-                      <a:prstDash val="solid"/>
-                      <a:round/>
-                      <a:headEnd type="none" w="med" len="med"/>
-                      <a:tailEnd type="none" w="med" len="med"/>
-                    </a:lnB>
-                    <a:solidFill>
-                      <a:srgbClr val="FFC7CE"/>
-                    </a:solidFill>
-                  </a:tcPr>
-                </a:tc>
-                <a:tc>
-                  <a:txBody>
-                    <a:bodyPr/>
-                    <a:lstStyle/>
-                    <a:p>
-                      <a:pPr algn="r" fontAlgn="b"/>
-                      <a:r>
-                        <a:rPr lang="fr-CH" sz="1400" b="0" i="0" u="none" strike="noStrike">
-                          <a:solidFill>
-                            <a:srgbClr val="9C0006"/>
-                          </a:solidFill>
-                          <a:effectLst/>
-                          <a:latin typeface="Calibri" panose="020F0502020204030204" pitchFamily="34" charset="0"/>
-                        </a:rPr>
-                        <a:t>605</a:t>
-                      </a:r>
-                    </a:p>
-                  </a:txBody>
-                  <a:tcPr marL="4233" marR="4233" marT="4233" marB="0" anchor="b">
-                    <a:lnL w="6350" cap="flat" cmpd="sng" algn="ctr">
-                      <a:solidFill>
-                        <a:srgbClr val="000000"/>
-                      </a:solidFill>
-                      <a:prstDash val="solid"/>
-                      <a:round/>
-                      <a:headEnd type="none" w="med" len="med"/>
-                      <a:tailEnd type="none" w="med" len="med"/>
-                    </a:lnL>
-                    <a:lnR w="6350" cap="flat" cmpd="sng" algn="ctr">
-                      <a:solidFill>
-                        <a:srgbClr val="000000"/>
-                      </a:solidFill>
-                      <a:prstDash val="solid"/>
-                      <a:round/>
-                      <a:headEnd type="none" w="med" len="med"/>
-                      <a:tailEnd type="none" w="med" len="med"/>
-                    </a:lnR>
-                    <a:lnT w="6350" cap="flat" cmpd="sng" algn="ctr">
-                      <a:solidFill>
-                        <a:srgbClr val="000000"/>
-                      </a:solidFill>
-                      <a:prstDash val="solid"/>
-                      <a:round/>
-                      <a:headEnd type="none" w="med" len="med"/>
-                      <a:tailEnd type="none" w="med" len="med"/>
-                    </a:lnT>
-                    <a:lnB w="6350" cap="flat" cmpd="sng" algn="ctr">
-                      <a:solidFill>
-                        <a:srgbClr val="000000"/>
-                      </a:solidFill>
-                      <a:prstDash val="solid"/>
-                      <a:round/>
-                      <a:headEnd type="none" w="med" len="med"/>
-                      <a:tailEnd type="none" w="med" len="med"/>
-                    </a:lnB>
-                    <a:solidFill>
-                      <a:srgbClr val="FFC7CE"/>
-                    </a:solidFill>
-                  </a:tcPr>
-                </a:tc>
-                <a:tc>
-                  <a:txBody>
-                    <a:bodyPr/>
-                    <a:lstStyle/>
-                    <a:p>
-                      <a:pPr algn="r" fontAlgn="b"/>
-                      <a:r>
-                        <a:rPr lang="fr-CH" sz="1400" b="0" i="0" u="none" strike="noStrike" dirty="0">
-                          <a:solidFill>
-                            <a:srgbClr val="9C0006"/>
-                          </a:solidFill>
-                          <a:effectLst/>
-                          <a:latin typeface="Calibri" panose="020F0502020204030204" pitchFamily="34" charset="0"/>
-                        </a:rPr>
-                        <a:t>125</a:t>
-                      </a:r>
-                    </a:p>
-                  </a:txBody>
-                  <a:tcPr marL="4233" marR="4233" marT="4233" marB="0" anchor="b">
-                    <a:lnL w="6350" cap="flat" cmpd="sng" algn="ctr">
-                      <a:solidFill>
-                        <a:srgbClr val="000000"/>
-                      </a:solidFill>
-                      <a:prstDash val="solid"/>
-                      <a:round/>
-                      <a:headEnd type="none" w="med" len="med"/>
-                      <a:tailEnd type="none" w="med" len="med"/>
-                    </a:lnL>
-                    <a:lnR w="6350" cap="flat" cmpd="sng" algn="ctr">
-                      <a:solidFill>
-                        <a:srgbClr val="000000"/>
-                      </a:solidFill>
-                      <a:prstDash val="solid"/>
-                      <a:round/>
-                      <a:headEnd type="none" w="med" len="med"/>
-                      <a:tailEnd type="none" w="med" len="med"/>
-                    </a:lnR>
-                    <a:lnT w="6350" cap="flat" cmpd="sng" algn="ctr">
-                      <a:solidFill>
-                        <a:srgbClr val="000000"/>
-                      </a:solidFill>
-                      <a:prstDash val="solid"/>
-                      <a:round/>
-                      <a:headEnd type="none" w="med" len="med"/>
-                      <a:tailEnd type="none" w="med" len="med"/>
-                    </a:lnT>
-                    <a:lnB w="6350" cap="flat" cmpd="sng" algn="ctr">
-                      <a:solidFill>
-                        <a:srgbClr val="000000"/>
-                      </a:solidFill>
-                      <a:prstDash val="solid"/>
-                      <a:round/>
-                      <a:headEnd type="none" w="med" len="med"/>
-                      <a:tailEnd type="none" w="med" len="med"/>
-                    </a:lnB>
-                    <a:solidFill>
-                      <a:srgbClr val="FFC7CE"/>
-                    </a:solidFill>
-                  </a:tcPr>
-                </a:tc>
-                <a:extLst>
-                  <a:ext uri="{0D108BD9-81ED-4DB2-BD59-A6C34878D82A}">
-                    <a16:rowId xmlns:a16="http://schemas.microsoft.com/office/drawing/2014/main" val="1703014180"/>
-                  </a:ext>
-                </a:extLst>
-              </a:tr>
-            </a:tbl>
-          </a:graphicData>
-        </a:graphic>
-      </p:graphicFrame>
-      <p:graphicFrame>
-        <p:nvGraphicFramePr>
-          <p:cNvPr id="9" name="Table 8">
-            <a:extLst>
-              <a:ext uri="{FF2B5EF4-FFF2-40B4-BE49-F238E27FC236}">
-                <a16:creationId xmlns:a16="http://schemas.microsoft.com/office/drawing/2014/main" id="{1B5B39C2-7EE8-4E5A-9A75-48FE08A08F8A}"/>
-              </a:ext>
-            </a:extLst>
-          </p:cNvPr>
-          <p:cNvGraphicFramePr>
-            <a:graphicFrameLocks noGrp="1"/>
-          </p:cNvGraphicFramePr>
-          <p:nvPr>
-            <p:extLst>
-              <p:ext uri="{D42A27DB-BD31-4B8C-83A1-F6EECF244321}">
-                <p14:modId xmlns:p14="http://schemas.microsoft.com/office/powerpoint/2010/main" val="1672981146"/>
-              </p:ext>
-            </p:extLst>
-          </p:nvPr>
-        </p:nvGraphicFramePr>
-        <p:xfrm>
-          <a:off x="3349545" y="5021817"/>
-          <a:ext cx="1943100" cy="435186"/>
-        </p:xfrm>
-        <a:graphic>
-          <a:graphicData uri="http://schemas.openxmlformats.org/drawingml/2006/table">
-            <a:tbl>
-              <a:tblPr/>
-              <a:tblGrid>
-                <a:gridCol w="647700">
-                  <a:extLst>
-                    <a:ext uri="{9D8B030D-6E8A-4147-A177-3AD203B41FA5}">
-                      <a16:colId xmlns:a16="http://schemas.microsoft.com/office/drawing/2014/main" val="1361746845"/>
-                    </a:ext>
-                  </a:extLst>
-                </a:gridCol>
-                <a:gridCol w="647700">
-                  <a:extLst>
-                    <a:ext uri="{9D8B030D-6E8A-4147-A177-3AD203B41FA5}">
-                      <a16:colId xmlns:a16="http://schemas.microsoft.com/office/drawing/2014/main" val="3055299769"/>
-                    </a:ext>
-                  </a:extLst>
-                </a:gridCol>
-                <a:gridCol w="647700">
-                  <a:extLst>
-                    <a:ext uri="{9D8B030D-6E8A-4147-A177-3AD203B41FA5}">
-                      <a16:colId xmlns:a16="http://schemas.microsoft.com/office/drawing/2014/main" val="1518212147"/>
-                    </a:ext>
-                  </a:extLst>
-                </a:gridCol>
-              </a:tblGrid>
-              <a:tr h="182245">
-                <a:tc>
-                  <a:txBody>
-                    <a:bodyPr/>
-                    <a:lstStyle/>
-                    <a:p>
-                      <a:pPr algn="l" fontAlgn="b"/>
-                      <a:r>
-                        <a:rPr lang="fr-CH" sz="1400" b="0" i="0" u="none" strike="noStrike">
-                          <a:solidFill>
-                            <a:srgbClr val="000000"/>
-                          </a:solidFill>
-                          <a:effectLst/>
-                          <a:latin typeface="Calibri" panose="020F0502020204030204" pitchFamily="34" charset="0"/>
-                        </a:rPr>
-                        <a:t>Ultimate</a:t>
-                      </a:r>
-                    </a:p>
-                  </a:txBody>
-                  <a:tcPr marL="4233" marR="4233" marT="4233" marB="0" anchor="b">
-                    <a:lnL w="6350" cap="flat" cmpd="sng" algn="ctr">
-                      <a:solidFill>
-                        <a:srgbClr val="000000"/>
-                      </a:solidFill>
-                      <a:prstDash val="solid"/>
-                      <a:round/>
-                      <a:headEnd type="none" w="med" len="med"/>
-                      <a:tailEnd type="none" w="med" len="med"/>
-                    </a:lnL>
-                    <a:lnR w="6350" cap="flat" cmpd="sng" algn="ctr">
-                      <a:solidFill>
-                        <a:srgbClr val="000000"/>
-                      </a:solidFill>
-                      <a:prstDash val="solid"/>
-                      <a:round/>
-                      <a:headEnd type="none" w="med" len="med"/>
-                      <a:tailEnd type="none" w="med" len="med"/>
-                    </a:lnR>
-                    <a:lnT w="6350" cap="flat" cmpd="sng" algn="ctr">
-                      <a:solidFill>
-                        <a:srgbClr val="000000"/>
-                      </a:solidFill>
-                      <a:prstDash val="solid"/>
-                      <a:round/>
-                      <a:headEnd type="none" w="med" len="med"/>
-                      <a:tailEnd type="none" w="med" len="med"/>
-                    </a:lnT>
-                    <a:lnB w="6350" cap="flat" cmpd="sng" algn="ctr">
-                      <a:solidFill>
-                        <a:srgbClr val="000000"/>
-                      </a:solidFill>
-                      <a:prstDash val="solid"/>
-                      <a:round/>
-                      <a:headEnd type="none" w="med" len="med"/>
-                      <a:tailEnd type="none" w="med" len="med"/>
-                    </a:lnB>
-                  </a:tcPr>
-                </a:tc>
-                <a:tc>
-                  <a:txBody>
-                    <a:bodyPr/>
-                    <a:lstStyle/>
-                    <a:p>
-                      <a:pPr algn="l" fontAlgn="b"/>
-                      <a:r>
-                        <a:rPr lang="fr-CH" sz="1400" b="0" i="0" u="none" strike="noStrike">
-                          <a:solidFill>
-                            <a:srgbClr val="000000"/>
-                          </a:solidFill>
-                          <a:effectLst/>
-                          <a:latin typeface="Calibri" panose="020F0502020204030204" pitchFamily="34" charset="0"/>
-                        </a:rPr>
-                        <a:t>Medium</a:t>
-                      </a:r>
-                    </a:p>
-                  </a:txBody>
-                  <a:tcPr marL="4233" marR="4233" marT="4233" marB="0" anchor="b">
-                    <a:lnL w="6350" cap="flat" cmpd="sng" algn="ctr">
-                      <a:solidFill>
-                        <a:srgbClr val="000000"/>
-                      </a:solidFill>
-                      <a:prstDash val="solid"/>
-                      <a:round/>
-                      <a:headEnd type="none" w="med" len="med"/>
-                      <a:tailEnd type="none" w="med" len="med"/>
-                    </a:lnL>
-                    <a:lnR w="6350" cap="flat" cmpd="sng" algn="ctr">
-                      <a:solidFill>
-                        <a:srgbClr val="000000"/>
-                      </a:solidFill>
-                      <a:prstDash val="solid"/>
-                      <a:round/>
-                      <a:headEnd type="none" w="med" len="med"/>
-                      <a:tailEnd type="none" w="med" len="med"/>
-                    </a:lnR>
-                    <a:lnT w="6350" cap="flat" cmpd="sng" algn="ctr">
-                      <a:solidFill>
-                        <a:srgbClr val="000000"/>
-                      </a:solidFill>
-                      <a:prstDash val="solid"/>
-                      <a:round/>
-                      <a:headEnd type="none" w="med" len="med"/>
-                      <a:tailEnd type="none" w="med" len="med"/>
-                    </a:lnT>
-                    <a:lnB w="6350" cap="flat" cmpd="sng" algn="ctr">
-                      <a:solidFill>
-                        <a:srgbClr val="000000"/>
-                      </a:solidFill>
-                      <a:prstDash val="solid"/>
-                      <a:round/>
-                      <a:headEnd type="none" w="med" len="med"/>
-                      <a:tailEnd type="none" w="med" len="med"/>
-                    </a:lnB>
-                  </a:tcPr>
-                </a:tc>
-                <a:tc>
-                  <a:txBody>
-                    <a:bodyPr/>
-                    <a:lstStyle/>
-                    <a:p>
-                      <a:pPr algn="l" fontAlgn="b"/>
-                      <a:r>
-                        <a:rPr lang="fr-CH" sz="1400" b="0" i="0" u="none" strike="noStrike">
+                        <a:rPr lang="fr-CH" sz="1800" b="0" i="0" u="none" strike="noStrike">
                           <a:solidFill>
                             <a:srgbClr val="000000"/>
                           </a:solidFill>
@@ -11709,14 +11212,14 @@
                     <a:p>
                       <a:pPr algn="r" fontAlgn="b"/>
                       <a:r>
-                        <a:rPr lang="fr-CH" sz="1400" b="0" i="0" u="none" strike="noStrike">
+                        <a:rPr lang="fr-CH" sz="1800" b="0" i="0" u="none" strike="noStrike" dirty="0">
                           <a:solidFill>
                             <a:srgbClr val="000000"/>
                           </a:solidFill>
                           <a:effectLst/>
                           <a:latin typeface="Calibri" panose="020F0502020204030204" pitchFamily="34" charset="0"/>
                         </a:rPr>
-                        <a:t>10000</a:t>
+                        <a:t>8’000</a:t>
                       </a:r>
                     </a:p>
                   </a:txBody>
@@ -11766,14 +11269,14 @@
                     <a:p>
                       <a:pPr algn="r" fontAlgn="b"/>
                       <a:r>
-                        <a:rPr lang="fr-CH" sz="1400" b="0" i="0" u="none" strike="noStrike">
+                        <a:rPr lang="fr-CH" sz="1800" b="0" i="0" u="none" strike="noStrike" dirty="0">
                           <a:solidFill>
                             <a:srgbClr val="000000"/>
                           </a:solidFill>
                           <a:effectLst/>
                           <a:latin typeface="Calibri" panose="020F0502020204030204" pitchFamily="34" charset="0"/>
                         </a:rPr>
-                        <a:t>500</a:t>
+                        <a:t>2’000</a:t>
                       </a:r>
                     </a:p>
                   </a:txBody>
@@ -11823,14 +11326,14 @@
                     <a:p>
                       <a:pPr algn="r" fontAlgn="b"/>
                       <a:r>
-                        <a:rPr lang="fr-CH" sz="1400" b="0" i="0" u="none" strike="noStrike" dirty="0">
+                        <a:rPr lang="fr-CH" sz="1800" b="0" i="0" u="none" strike="noStrike" dirty="0">
                           <a:solidFill>
                             <a:srgbClr val="000000"/>
                           </a:solidFill>
                           <a:effectLst/>
                           <a:latin typeface="Calibri" panose="020F0502020204030204" pitchFamily="34" charset="0"/>
                         </a:rPr>
-                        <a:t>100</a:t>
+                        <a:t>500</a:t>
                       </a:r>
                     </a:p>
                   </a:txBody>
@@ -12004,7 +11507,7 @@
         </p:nvSpPr>
         <p:spPr>
           <a:xfrm>
-            <a:off x="5628297" y="4285185"/>
+            <a:off x="5169010" y="5996182"/>
             <a:ext cx="1675139" cy="369332"/>
           </a:xfrm>
           <a:prstGeom prst="rect">
@@ -12035,389 +11538,6 @@
               <a:t>late</a:t>
             </a:r>
             <a:endParaRPr lang="fr-CH" dirty="0"/>
-          </a:p>
-        </p:txBody>
-      </p:sp>
-      <p:sp>
-        <p:nvSpPr>
-          <p:cNvPr id="13" name="TextBox 12">
-            <a:extLst>
-              <a:ext uri="{FF2B5EF4-FFF2-40B4-BE49-F238E27FC236}">
-                <a16:creationId xmlns:a16="http://schemas.microsoft.com/office/drawing/2014/main" id="{CDBEB111-F2A7-4142-9F93-BB9DDD28282F}"/>
-              </a:ext>
-            </a:extLst>
-          </p:cNvPr>
-          <p:cNvSpPr txBox="1"/>
-          <p:nvPr/>
-        </p:nvSpPr>
-        <p:spPr>
-          <a:xfrm>
-            <a:off x="5212582" y="6433806"/>
-            <a:ext cx="1978747" cy="369332"/>
-          </a:xfrm>
-          <a:prstGeom prst="rect">
-            <a:avLst/>
-          </a:prstGeom>
-          <a:noFill/>
-        </p:spPr>
-        <p:txBody>
-          <a:bodyPr wrap="none" rtlCol="0">
-            <a:spAutoFit/>
-          </a:bodyPr>
-          <a:lstStyle/>
-          <a:p>
-            <a:r>
-              <a:rPr lang="fr-CH" dirty="0"/>
-              <a:t>Flight </a:t>
-            </a:r>
-            <a:r>
-              <a:rPr lang="fr-CH" dirty="0" err="1"/>
-              <a:t>is</a:t>
-            </a:r>
-            <a:r>
-              <a:rPr lang="fr-CH" dirty="0"/>
-              <a:t> </a:t>
-            </a:r>
-            <a:r>
-              <a:rPr lang="fr-CH" dirty="0" err="1"/>
-              <a:t>always</a:t>
-            </a:r>
-            <a:r>
-              <a:rPr lang="fr-CH" dirty="0"/>
-              <a:t> </a:t>
-            </a:r>
-            <a:r>
-              <a:rPr lang="fr-CH" dirty="0" err="1"/>
-              <a:t>late</a:t>
-            </a:r>
-            <a:endParaRPr lang="fr-CH" dirty="0"/>
-          </a:p>
-        </p:txBody>
-      </p:sp>
-      <p:sp>
-        <p:nvSpPr>
-          <p:cNvPr id="14" name="Rectangle: Rounded Corners 13">
-            <a:extLst>
-              <a:ext uri="{FF2B5EF4-FFF2-40B4-BE49-F238E27FC236}">
-                <a16:creationId xmlns:a16="http://schemas.microsoft.com/office/drawing/2014/main" id="{8BFDADDC-6E19-4197-8AE3-021DD5C77160}"/>
-              </a:ext>
-            </a:extLst>
-          </p:cNvPr>
-          <p:cNvSpPr/>
-          <p:nvPr/>
-        </p:nvSpPr>
-        <p:spPr>
-          <a:xfrm>
-            <a:off x="8268719" y="6009613"/>
-            <a:ext cx="2332453" cy="848387"/>
-          </a:xfrm>
-          <a:custGeom>
-            <a:avLst/>
-            <a:gdLst>
-              <a:gd name="connsiteX0" fmla="*/ 0 w 2332453"/>
-              <a:gd name="connsiteY0" fmla="*/ 58276 h 848387"/>
-              <a:gd name="connsiteX1" fmla="*/ 58276 w 2332453"/>
-              <a:gd name="connsiteY1" fmla="*/ 0 h 848387"/>
-              <a:gd name="connsiteX2" fmla="*/ 2274177 w 2332453"/>
-              <a:gd name="connsiteY2" fmla="*/ 0 h 848387"/>
-              <a:gd name="connsiteX3" fmla="*/ 2332453 w 2332453"/>
-              <a:gd name="connsiteY3" fmla="*/ 58276 h 848387"/>
-              <a:gd name="connsiteX4" fmla="*/ 2332453 w 2332453"/>
-              <a:gd name="connsiteY4" fmla="*/ 790111 h 848387"/>
-              <a:gd name="connsiteX5" fmla="*/ 2274177 w 2332453"/>
-              <a:gd name="connsiteY5" fmla="*/ 848387 h 848387"/>
-              <a:gd name="connsiteX6" fmla="*/ 58276 w 2332453"/>
-              <a:gd name="connsiteY6" fmla="*/ 848387 h 848387"/>
-              <a:gd name="connsiteX7" fmla="*/ 0 w 2332453"/>
-              <a:gd name="connsiteY7" fmla="*/ 790111 h 848387"/>
-              <a:gd name="connsiteX8" fmla="*/ 0 w 2332453"/>
-              <a:gd name="connsiteY8" fmla="*/ 58276 h 848387"/>
-              <a:gd name="connsiteX0" fmla="*/ 0 w 2332453"/>
-              <a:gd name="connsiteY0" fmla="*/ 58276 h 848387"/>
-              <a:gd name="connsiteX1" fmla="*/ 1593685 w 2332453"/>
-              <a:gd name="connsiteY1" fmla="*/ 312949 h 848387"/>
-              <a:gd name="connsiteX2" fmla="*/ 2274177 w 2332453"/>
-              <a:gd name="connsiteY2" fmla="*/ 0 h 848387"/>
-              <a:gd name="connsiteX3" fmla="*/ 2332453 w 2332453"/>
-              <a:gd name="connsiteY3" fmla="*/ 58276 h 848387"/>
-              <a:gd name="connsiteX4" fmla="*/ 2332453 w 2332453"/>
-              <a:gd name="connsiteY4" fmla="*/ 790111 h 848387"/>
-              <a:gd name="connsiteX5" fmla="*/ 2274177 w 2332453"/>
-              <a:gd name="connsiteY5" fmla="*/ 848387 h 848387"/>
-              <a:gd name="connsiteX6" fmla="*/ 58276 w 2332453"/>
-              <a:gd name="connsiteY6" fmla="*/ 848387 h 848387"/>
-              <a:gd name="connsiteX7" fmla="*/ 0 w 2332453"/>
-              <a:gd name="connsiteY7" fmla="*/ 790111 h 848387"/>
-              <a:gd name="connsiteX8" fmla="*/ 0 w 2332453"/>
-              <a:gd name="connsiteY8" fmla="*/ 58276 h 848387"/>
-              <a:gd name="connsiteX0" fmla="*/ 83127 w 2332453"/>
-              <a:gd name="connsiteY0" fmla="*/ 268539 h 848387"/>
-              <a:gd name="connsiteX1" fmla="*/ 1593685 w 2332453"/>
-              <a:gd name="connsiteY1" fmla="*/ 312949 h 848387"/>
-              <a:gd name="connsiteX2" fmla="*/ 2274177 w 2332453"/>
-              <a:gd name="connsiteY2" fmla="*/ 0 h 848387"/>
-              <a:gd name="connsiteX3" fmla="*/ 2332453 w 2332453"/>
-              <a:gd name="connsiteY3" fmla="*/ 58276 h 848387"/>
-              <a:gd name="connsiteX4" fmla="*/ 2332453 w 2332453"/>
-              <a:gd name="connsiteY4" fmla="*/ 790111 h 848387"/>
-              <a:gd name="connsiteX5" fmla="*/ 2274177 w 2332453"/>
-              <a:gd name="connsiteY5" fmla="*/ 848387 h 848387"/>
-              <a:gd name="connsiteX6" fmla="*/ 58276 w 2332453"/>
-              <a:gd name="connsiteY6" fmla="*/ 848387 h 848387"/>
-              <a:gd name="connsiteX7" fmla="*/ 0 w 2332453"/>
-              <a:gd name="connsiteY7" fmla="*/ 790111 h 848387"/>
-              <a:gd name="connsiteX8" fmla="*/ 83127 w 2332453"/>
-              <a:gd name="connsiteY8" fmla="*/ 268539 h 848387"/>
-              <a:gd name="connsiteX0" fmla="*/ 83127 w 2332453"/>
-              <a:gd name="connsiteY0" fmla="*/ 268539 h 848387"/>
-              <a:gd name="connsiteX1" fmla="*/ 1593685 w 2332453"/>
-              <a:gd name="connsiteY1" fmla="*/ 283610 h 848387"/>
-              <a:gd name="connsiteX2" fmla="*/ 2274177 w 2332453"/>
-              <a:gd name="connsiteY2" fmla="*/ 0 h 848387"/>
-              <a:gd name="connsiteX3" fmla="*/ 2332453 w 2332453"/>
-              <a:gd name="connsiteY3" fmla="*/ 58276 h 848387"/>
-              <a:gd name="connsiteX4" fmla="*/ 2332453 w 2332453"/>
-              <a:gd name="connsiteY4" fmla="*/ 790111 h 848387"/>
-              <a:gd name="connsiteX5" fmla="*/ 2274177 w 2332453"/>
-              <a:gd name="connsiteY5" fmla="*/ 848387 h 848387"/>
-              <a:gd name="connsiteX6" fmla="*/ 58276 w 2332453"/>
-              <a:gd name="connsiteY6" fmla="*/ 848387 h 848387"/>
-              <a:gd name="connsiteX7" fmla="*/ 0 w 2332453"/>
-              <a:gd name="connsiteY7" fmla="*/ 790111 h 848387"/>
-              <a:gd name="connsiteX8" fmla="*/ 83127 w 2332453"/>
-              <a:gd name="connsiteY8" fmla="*/ 268539 h 848387"/>
-              <a:gd name="connsiteX0" fmla="*/ 83127 w 2332453"/>
-              <a:gd name="connsiteY0" fmla="*/ 268539 h 848387"/>
-              <a:gd name="connsiteX1" fmla="*/ 1593685 w 2332453"/>
-              <a:gd name="connsiteY1" fmla="*/ 283610 h 848387"/>
-              <a:gd name="connsiteX2" fmla="*/ 1926597 w 2332453"/>
-              <a:gd name="connsiteY2" fmla="*/ 122246 h 848387"/>
-              <a:gd name="connsiteX3" fmla="*/ 2274177 w 2332453"/>
-              <a:gd name="connsiteY3" fmla="*/ 0 h 848387"/>
-              <a:gd name="connsiteX4" fmla="*/ 2332453 w 2332453"/>
-              <a:gd name="connsiteY4" fmla="*/ 58276 h 848387"/>
-              <a:gd name="connsiteX5" fmla="*/ 2332453 w 2332453"/>
-              <a:gd name="connsiteY5" fmla="*/ 790111 h 848387"/>
-              <a:gd name="connsiteX6" fmla="*/ 2274177 w 2332453"/>
-              <a:gd name="connsiteY6" fmla="*/ 848387 h 848387"/>
-              <a:gd name="connsiteX7" fmla="*/ 58276 w 2332453"/>
-              <a:gd name="connsiteY7" fmla="*/ 848387 h 848387"/>
-              <a:gd name="connsiteX8" fmla="*/ 0 w 2332453"/>
-              <a:gd name="connsiteY8" fmla="*/ 790111 h 848387"/>
-              <a:gd name="connsiteX9" fmla="*/ 83127 w 2332453"/>
-              <a:gd name="connsiteY9" fmla="*/ 268539 h 848387"/>
-              <a:gd name="connsiteX0" fmla="*/ 83127 w 2332453"/>
-              <a:gd name="connsiteY0" fmla="*/ 268539 h 848387"/>
-              <a:gd name="connsiteX1" fmla="*/ 1593685 w 2332453"/>
-              <a:gd name="connsiteY1" fmla="*/ 283610 h 848387"/>
-              <a:gd name="connsiteX2" fmla="*/ 1628317 w 2332453"/>
-              <a:gd name="connsiteY2" fmla="*/ 117356 h 848387"/>
-              <a:gd name="connsiteX3" fmla="*/ 2274177 w 2332453"/>
-              <a:gd name="connsiteY3" fmla="*/ 0 h 848387"/>
-              <a:gd name="connsiteX4" fmla="*/ 2332453 w 2332453"/>
-              <a:gd name="connsiteY4" fmla="*/ 58276 h 848387"/>
-              <a:gd name="connsiteX5" fmla="*/ 2332453 w 2332453"/>
-              <a:gd name="connsiteY5" fmla="*/ 790111 h 848387"/>
-              <a:gd name="connsiteX6" fmla="*/ 2274177 w 2332453"/>
-              <a:gd name="connsiteY6" fmla="*/ 848387 h 848387"/>
-              <a:gd name="connsiteX7" fmla="*/ 58276 w 2332453"/>
-              <a:gd name="connsiteY7" fmla="*/ 848387 h 848387"/>
-              <a:gd name="connsiteX8" fmla="*/ 0 w 2332453"/>
-              <a:gd name="connsiteY8" fmla="*/ 790111 h 848387"/>
-              <a:gd name="connsiteX9" fmla="*/ 83127 w 2332453"/>
-              <a:gd name="connsiteY9" fmla="*/ 268539 h 848387"/>
-              <a:gd name="connsiteX0" fmla="*/ 83127 w 2332453"/>
-              <a:gd name="connsiteY0" fmla="*/ 268539 h 848387"/>
-              <a:gd name="connsiteX1" fmla="*/ 1593685 w 2332453"/>
-              <a:gd name="connsiteY1" fmla="*/ 283610 h 848387"/>
-              <a:gd name="connsiteX2" fmla="*/ 1628317 w 2332453"/>
-              <a:gd name="connsiteY2" fmla="*/ 117356 h 848387"/>
-              <a:gd name="connsiteX3" fmla="*/ 2274177 w 2332453"/>
-              <a:gd name="connsiteY3" fmla="*/ 0 h 848387"/>
-              <a:gd name="connsiteX4" fmla="*/ 2332453 w 2332453"/>
-              <a:gd name="connsiteY4" fmla="*/ 58276 h 848387"/>
-              <a:gd name="connsiteX5" fmla="*/ 2332453 w 2332453"/>
-              <a:gd name="connsiteY5" fmla="*/ 790111 h 848387"/>
-              <a:gd name="connsiteX6" fmla="*/ 2274177 w 2332453"/>
-              <a:gd name="connsiteY6" fmla="*/ 848387 h 848387"/>
-              <a:gd name="connsiteX7" fmla="*/ 58276 w 2332453"/>
-              <a:gd name="connsiteY7" fmla="*/ 848387 h 848387"/>
-              <a:gd name="connsiteX8" fmla="*/ 0 w 2332453"/>
-              <a:gd name="connsiteY8" fmla="*/ 790111 h 848387"/>
-              <a:gd name="connsiteX9" fmla="*/ 83127 w 2332453"/>
-              <a:gd name="connsiteY9" fmla="*/ 268539 h 848387"/>
-              <a:gd name="connsiteX0" fmla="*/ 83127 w 2332453"/>
-              <a:gd name="connsiteY0" fmla="*/ 268539 h 848387"/>
-              <a:gd name="connsiteX1" fmla="*/ 1593685 w 2332453"/>
-              <a:gd name="connsiteY1" fmla="*/ 283610 h 848387"/>
-              <a:gd name="connsiteX2" fmla="*/ 1628317 w 2332453"/>
-              <a:gd name="connsiteY2" fmla="*/ 117356 h 848387"/>
-              <a:gd name="connsiteX3" fmla="*/ 2274177 w 2332453"/>
-              <a:gd name="connsiteY3" fmla="*/ 0 h 848387"/>
-              <a:gd name="connsiteX4" fmla="*/ 2332453 w 2332453"/>
-              <a:gd name="connsiteY4" fmla="*/ 58276 h 848387"/>
-              <a:gd name="connsiteX5" fmla="*/ 2332453 w 2332453"/>
-              <a:gd name="connsiteY5" fmla="*/ 790111 h 848387"/>
-              <a:gd name="connsiteX6" fmla="*/ 2274177 w 2332453"/>
-              <a:gd name="connsiteY6" fmla="*/ 848387 h 848387"/>
-              <a:gd name="connsiteX7" fmla="*/ 58276 w 2332453"/>
-              <a:gd name="connsiteY7" fmla="*/ 848387 h 848387"/>
-              <a:gd name="connsiteX8" fmla="*/ 0 w 2332453"/>
-              <a:gd name="connsiteY8" fmla="*/ 790111 h 848387"/>
-              <a:gd name="connsiteX9" fmla="*/ 83127 w 2332453"/>
-              <a:gd name="connsiteY9" fmla="*/ 268539 h 848387"/>
-              <a:gd name="connsiteX0" fmla="*/ 83127 w 2332453"/>
-              <a:gd name="connsiteY0" fmla="*/ 268539 h 848387"/>
-              <a:gd name="connsiteX1" fmla="*/ 1574125 w 2332453"/>
-              <a:gd name="connsiteY1" fmla="*/ 298280 h 848387"/>
-              <a:gd name="connsiteX2" fmla="*/ 1628317 w 2332453"/>
-              <a:gd name="connsiteY2" fmla="*/ 117356 h 848387"/>
-              <a:gd name="connsiteX3" fmla="*/ 2274177 w 2332453"/>
-              <a:gd name="connsiteY3" fmla="*/ 0 h 848387"/>
-              <a:gd name="connsiteX4" fmla="*/ 2332453 w 2332453"/>
-              <a:gd name="connsiteY4" fmla="*/ 58276 h 848387"/>
-              <a:gd name="connsiteX5" fmla="*/ 2332453 w 2332453"/>
-              <a:gd name="connsiteY5" fmla="*/ 790111 h 848387"/>
-              <a:gd name="connsiteX6" fmla="*/ 2274177 w 2332453"/>
-              <a:gd name="connsiteY6" fmla="*/ 848387 h 848387"/>
-              <a:gd name="connsiteX7" fmla="*/ 58276 w 2332453"/>
-              <a:gd name="connsiteY7" fmla="*/ 848387 h 848387"/>
-              <a:gd name="connsiteX8" fmla="*/ 0 w 2332453"/>
-              <a:gd name="connsiteY8" fmla="*/ 790111 h 848387"/>
-              <a:gd name="connsiteX9" fmla="*/ 83127 w 2332453"/>
-              <a:gd name="connsiteY9" fmla="*/ 268539 h 848387"/>
-              <a:gd name="connsiteX0" fmla="*/ 83127 w 2332453"/>
-              <a:gd name="connsiteY0" fmla="*/ 268539 h 848387"/>
-              <a:gd name="connsiteX1" fmla="*/ 1574125 w 2332453"/>
-              <a:gd name="connsiteY1" fmla="*/ 298280 h 848387"/>
-              <a:gd name="connsiteX2" fmla="*/ 1628317 w 2332453"/>
-              <a:gd name="connsiteY2" fmla="*/ 117356 h 848387"/>
-              <a:gd name="connsiteX3" fmla="*/ 2274177 w 2332453"/>
-              <a:gd name="connsiteY3" fmla="*/ 0 h 848387"/>
-              <a:gd name="connsiteX4" fmla="*/ 2332453 w 2332453"/>
-              <a:gd name="connsiteY4" fmla="*/ 58276 h 848387"/>
-              <a:gd name="connsiteX5" fmla="*/ 2332453 w 2332453"/>
-              <a:gd name="connsiteY5" fmla="*/ 790111 h 848387"/>
-              <a:gd name="connsiteX6" fmla="*/ 2274177 w 2332453"/>
-              <a:gd name="connsiteY6" fmla="*/ 848387 h 848387"/>
-              <a:gd name="connsiteX7" fmla="*/ 58276 w 2332453"/>
-              <a:gd name="connsiteY7" fmla="*/ 848387 h 848387"/>
-              <a:gd name="connsiteX8" fmla="*/ 0 w 2332453"/>
-              <a:gd name="connsiteY8" fmla="*/ 790111 h 848387"/>
-              <a:gd name="connsiteX9" fmla="*/ 83127 w 2332453"/>
-              <a:gd name="connsiteY9" fmla="*/ 268539 h 848387"/>
-            </a:gdLst>
-            <a:ahLst/>
-            <a:cxnLst>
-              <a:cxn ang="0">
-                <a:pos x="connsiteX0" y="connsiteY0"/>
-              </a:cxn>
-              <a:cxn ang="0">
-                <a:pos x="connsiteX1" y="connsiteY1"/>
-              </a:cxn>
-              <a:cxn ang="0">
-                <a:pos x="connsiteX2" y="connsiteY2"/>
-              </a:cxn>
-              <a:cxn ang="0">
-                <a:pos x="connsiteX3" y="connsiteY3"/>
-              </a:cxn>
-              <a:cxn ang="0">
-                <a:pos x="connsiteX4" y="connsiteY4"/>
-              </a:cxn>
-              <a:cxn ang="0">
-                <a:pos x="connsiteX5" y="connsiteY5"/>
-              </a:cxn>
-              <a:cxn ang="0">
-                <a:pos x="connsiteX6" y="connsiteY6"/>
-              </a:cxn>
-              <a:cxn ang="0">
-                <a:pos x="connsiteX7" y="connsiteY7"/>
-              </a:cxn>
-              <a:cxn ang="0">
-                <a:pos x="connsiteX8" y="connsiteY8"/>
-              </a:cxn>
-              <a:cxn ang="0">
-                <a:pos x="connsiteX9" y="connsiteY9"/>
-              </a:cxn>
-            </a:cxnLst>
-            <a:rect l="l" t="t" r="r" b="b"/>
-            <a:pathLst>
-              <a:path w="2332453" h="848387">
-                <a:moveTo>
-                  <a:pt x="83127" y="268539"/>
-                </a:moveTo>
-                <a:cubicBezTo>
-                  <a:pt x="83127" y="236354"/>
-                  <a:pt x="1541940" y="298280"/>
-                  <a:pt x="1574125" y="298280"/>
-                </a:cubicBezTo>
-                <a:cubicBezTo>
-                  <a:pt x="1641768" y="229889"/>
-                  <a:pt x="1637148" y="247751"/>
-                  <a:pt x="1628317" y="117356"/>
-                </a:cubicBezTo>
-                <a:cubicBezTo>
-                  <a:pt x="1580367" y="6520"/>
-                  <a:pt x="2206534" y="10662"/>
-                  <a:pt x="2274177" y="0"/>
-                </a:cubicBezTo>
-                <a:cubicBezTo>
-                  <a:pt x="2306362" y="0"/>
-                  <a:pt x="2332453" y="26091"/>
-                  <a:pt x="2332453" y="58276"/>
-                </a:cubicBezTo>
-                <a:lnTo>
-                  <a:pt x="2332453" y="790111"/>
-                </a:lnTo>
-                <a:cubicBezTo>
-                  <a:pt x="2332453" y="822296"/>
-                  <a:pt x="2306362" y="848387"/>
-                  <a:pt x="2274177" y="848387"/>
-                </a:cubicBezTo>
-                <a:lnTo>
-                  <a:pt x="58276" y="848387"/>
-                </a:lnTo>
-                <a:cubicBezTo>
-                  <a:pt x="26091" y="848387"/>
-                  <a:pt x="0" y="822296"/>
-                  <a:pt x="0" y="790111"/>
-                </a:cubicBezTo>
-                <a:lnTo>
-                  <a:pt x="83127" y="268539"/>
-                </a:lnTo>
-                <a:close/>
-              </a:path>
-            </a:pathLst>
-          </a:custGeom>
-          <a:noFill/>
-          <a:ln w="38100">
-            <a:solidFill>
-              <a:srgbClr val="FF0000"/>
-            </a:solidFill>
-          </a:ln>
-        </p:spPr>
-        <p:style>
-          <a:lnRef idx="2">
-            <a:schemeClr val="accent1">
-              <a:shade val="50000"/>
-            </a:schemeClr>
-          </a:lnRef>
-          <a:fillRef idx="1">
-            <a:schemeClr val="accent1"/>
-          </a:fillRef>
-          <a:effectRef idx="0">
-            <a:schemeClr val="accent1"/>
-          </a:effectRef>
-          <a:fontRef idx="minor">
-            <a:schemeClr val="lt1"/>
-          </a:fontRef>
-        </p:style>
-        <p:txBody>
-          <a:bodyPr rtlCol="0" anchor="ctr"/>
-          <a:lstStyle/>
-          <a:p>
-            <a:pPr algn="ctr"/>
-            <a:endParaRPr lang="fr-CH"/>
           </a:p>
         </p:txBody>
       </p:sp>
@@ -12511,14 +11631,14 @@
             </a:extLst>
           </p:cNvPr>
           <p:cNvCxnSpPr>
-            <a:stCxn id="13" idx="3"/>
+            <a:cxnSpLocks/>
           </p:cNvCxnSpPr>
           <p:nvPr/>
         </p:nvCxnSpPr>
         <p:spPr>
-          <a:xfrm flipV="1">
-            <a:off x="7191329" y="6611063"/>
-            <a:ext cx="607965" cy="7409"/>
+          <a:xfrm flipH="1" flipV="1">
+            <a:off x="10961418" y="5873904"/>
+            <a:ext cx="209073" cy="220078"/>
           </a:xfrm>
           <a:prstGeom prst="straightConnector1">
             <a:avLst/>
@@ -12554,13 +11674,15 @@
               </a:ext>
             </a:extLst>
           </p:cNvPr>
-          <p:cNvCxnSpPr/>
+          <p:cNvCxnSpPr>
+            <a:cxnSpLocks/>
+          </p:cNvCxnSpPr>
           <p:nvPr/>
         </p:nvCxnSpPr>
         <p:spPr>
           <a:xfrm flipV="1">
-            <a:off x="7217875" y="4469851"/>
-            <a:ext cx="607965" cy="7409"/>
+            <a:off x="6844149" y="5996182"/>
+            <a:ext cx="206772" cy="217919"/>
           </a:xfrm>
           <a:prstGeom prst="straightConnector1">
             <a:avLst/>
@@ -12587,6 +11709,36 @@
           </a:fontRef>
         </p:style>
       </p:cxnSp>
+      <p:graphicFrame>
+        <p:nvGraphicFramePr>
+          <p:cNvPr id="19" name="Chart 18">
+            <a:extLst>
+              <a:ext uri="{FF2B5EF4-FFF2-40B4-BE49-F238E27FC236}">
+                <a16:creationId xmlns:a16="http://schemas.microsoft.com/office/drawing/2014/main" id="{7E9269E1-31B1-4664-B385-065B89E4C8DC}"/>
+              </a:ext>
+            </a:extLst>
+          </p:cNvPr>
+          <p:cNvGraphicFramePr>
+            <a:graphicFrameLocks/>
+          </p:cNvGraphicFramePr>
+          <p:nvPr>
+            <p:extLst>
+              <p:ext uri="{D42A27DB-BD31-4B8C-83A1-F6EECF244321}">
+                <p14:modId xmlns:p14="http://schemas.microsoft.com/office/powerpoint/2010/main" val="348676173"/>
+              </p:ext>
+            </p:extLst>
+          </p:nvPr>
+        </p:nvGraphicFramePr>
+        <p:xfrm>
+          <a:off x="5960714" y="3471786"/>
+          <a:ext cx="5209777" cy="3270582"/>
+        </p:xfrm>
+        <a:graphic>
+          <a:graphicData uri="http://schemas.openxmlformats.org/drawingml/2006/chart">
+            <c:chart xmlns:c="http://schemas.openxmlformats.org/drawingml/2006/chart" xmlns:r="http://schemas.openxmlformats.org/officeDocument/2006/relationships" r:id="rId3"/>
+          </a:graphicData>
+        </a:graphic>
+      </p:graphicFrame>
     </p:spTree>
     <p:extLst>
       <p:ext uri="{BB962C8B-B14F-4D97-AF65-F5344CB8AC3E}">

--- a/unchained-flight-insurance-web/Notes techniques.pptx
+++ b/unchained-flight-insurance-web/Notes techniques.pptx
@@ -12,6 +12,7 @@
     <p:sldId id="259" r:id="rId6"/>
     <p:sldId id="261" r:id="rId7"/>
     <p:sldId id="262" r:id="rId8"/>
+    <p:sldId id="263" r:id="rId9"/>
   </p:sldIdLst>
   <p:sldSz cx="12192000" cy="6858000"/>
   <p:notesSz cx="6858000" cy="9144000"/>
@@ -9687,7 +9688,7 @@
           <p:nvPr>
             <p:extLst>
               <p:ext uri="{D42A27DB-BD31-4B8C-83A1-F6EECF244321}">
-                <p14:modId xmlns:p14="http://schemas.microsoft.com/office/powerpoint/2010/main" val="1111170997"/>
+                <p14:modId xmlns:p14="http://schemas.microsoft.com/office/powerpoint/2010/main" val="479524144"/>
               </p:ext>
             </p:extLst>
           </p:nvPr>
@@ -9717,7 +9718,7 @@
           <p:nvPr>
             <p:extLst>
               <p:ext uri="{D42A27DB-BD31-4B8C-83A1-F6EECF244321}">
-                <p14:modId xmlns:p14="http://schemas.microsoft.com/office/powerpoint/2010/main" val="4234830411"/>
+                <p14:modId xmlns:p14="http://schemas.microsoft.com/office/powerpoint/2010/main" val="2997892484"/>
               </p:ext>
             </p:extLst>
           </p:nvPr>
@@ -10372,7 +10373,7 @@
           <p:nvPr>
             <p:extLst>
               <p:ext uri="{D42A27DB-BD31-4B8C-83A1-F6EECF244321}">
-                <p14:modId xmlns:p14="http://schemas.microsoft.com/office/powerpoint/2010/main" val="366236717"/>
+                <p14:modId xmlns:p14="http://schemas.microsoft.com/office/powerpoint/2010/main" val="2209041763"/>
               </p:ext>
             </p:extLst>
           </p:nvPr>
@@ -10402,7 +10403,7 @@
           <p:nvPr>
             <p:extLst>
               <p:ext uri="{D42A27DB-BD31-4B8C-83A1-F6EECF244321}">
-                <p14:modId xmlns:p14="http://schemas.microsoft.com/office/powerpoint/2010/main" val="578542600"/>
+                <p14:modId xmlns:p14="http://schemas.microsoft.com/office/powerpoint/2010/main" val="1242997043"/>
               </p:ext>
             </p:extLst>
           </p:nvPr>
@@ -10648,7 +10649,7 @@
             </a:r>
             <a:r>
               <a:rPr lang="fr-CH" dirty="0"/>
-              <a:t>, k, m1, m2) </a:t>
+              <a:t>, K, m1, m2) </a:t>
             </a:r>
             <a:r>
               <a:rPr lang="fr-CH" dirty="0">
@@ -11724,7 +11725,7 @@
           <p:nvPr>
             <p:extLst>
               <p:ext uri="{D42A27DB-BD31-4B8C-83A1-F6EECF244321}">
-                <p14:modId xmlns:p14="http://schemas.microsoft.com/office/powerpoint/2010/main" val="348676173"/>
+                <p14:modId xmlns:p14="http://schemas.microsoft.com/office/powerpoint/2010/main" val="3423546028"/>
               </p:ext>
             </p:extLst>
           </p:nvPr>
@@ -11743,6 +11744,168 @@
     <p:extLst>
       <p:ext uri="{BB962C8B-B14F-4D97-AF65-F5344CB8AC3E}">
         <p14:creationId xmlns:p14="http://schemas.microsoft.com/office/powerpoint/2010/main" val="1279980395"/>
+      </p:ext>
+    </p:extLst>
+  </p:cSld>
+  <p:clrMapOvr>
+    <a:masterClrMapping/>
+  </p:clrMapOvr>
+</p:sld>
+</file>
+
+<file path=ppt/slides/slide8.xml><?xml version="1.0" encoding="utf-8"?>
+<p:sld xmlns:a="http://schemas.openxmlformats.org/drawingml/2006/main" xmlns:r="http://schemas.openxmlformats.org/officeDocument/2006/relationships" xmlns:p="http://schemas.openxmlformats.org/presentationml/2006/main">
+  <p:cSld>
+    <p:spTree>
+      <p:nvGrpSpPr>
+        <p:cNvPr id="1" name=""/>
+        <p:cNvGrpSpPr/>
+        <p:nvPr/>
+      </p:nvGrpSpPr>
+      <p:grpSpPr>
+        <a:xfrm>
+          <a:off x="0" y="0"/>
+          <a:ext cx="0" cy="0"/>
+          <a:chOff x="0" y="0"/>
+          <a:chExt cx="0" cy="0"/>
+        </a:xfrm>
+      </p:grpSpPr>
+      <p:sp>
+        <p:nvSpPr>
+          <p:cNvPr id="2" name="Title 1">
+            <a:extLst>
+              <a:ext uri="{FF2B5EF4-FFF2-40B4-BE49-F238E27FC236}">
+                <a16:creationId xmlns:a16="http://schemas.microsoft.com/office/drawing/2014/main" id="{05D28674-55E5-4EB1-94E4-0D6183E177AA}"/>
+              </a:ext>
+            </a:extLst>
+          </p:cNvPr>
+          <p:cNvSpPr>
+            <a:spLocks noGrp="1"/>
+          </p:cNvSpPr>
+          <p:nvPr>
+            <p:ph type="title"/>
+          </p:nvPr>
+        </p:nvSpPr>
+        <p:spPr/>
+        <p:txBody>
+          <a:bodyPr/>
+          <a:lstStyle/>
+          <a:p>
+            <a:r>
+              <a:rPr lang="fr-CH" dirty="0"/>
+              <a:t>Next </a:t>
+            </a:r>
+            <a:r>
+              <a:rPr lang="fr-CH" dirty="0" err="1"/>
+              <a:t>steps</a:t>
+            </a:r>
+            <a:endParaRPr lang="fr-CH" dirty="0"/>
+          </a:p>
+        </p:txBody>
+      </p:sp>
+      <p:sp>
+        <p:nvSpPr>
+          <p:cNvPr id="3" name="Content Placeholder 2">
+            <a:extLst>
+              <a:ext uri="{FF2B5EF4-FFF2-40B4-BE49-F238E27FC236}">
+                <a16:creationId xmlns:a16="http://schemas.microsoft.com/office/drawing/2014/main" id="{19B3D2AF-C826-4E45-A34B-B0DBAF7B4D3A}"/>
+              </a:ext>
+            </a:extLst>
+          </p:cNvPr>
+          <p:cNvSpPr>
+            <a:spLocks noGrp="1"/>
+          </p:cNvSpPr>
+          <p:nvPr>
+            <p:ph idx="1"/>
+          </p:nvPr>
+        </p:nvSpPr>
+        <p:spPr/>
+        <p:txBody>
+          <a:bodyPr/>
+          <a:lstStyle/>
+          <a:p>
+            <a:r>
+              <a:rPr lang="fr-CH" dirty="0" err="1"/>
+              <a:t>Cost</a:t>
+            </a:r>
+            <a:r>
+              <a:rPr lang="fr-CH" dirty="0"/>
+              <a:t> </a:t>
+            </a:r>
+            <a:r>
+              <a:rPr lang="fr-CH" dirty="0" err="1"/>
+              <a:t>function</a:t>
+            </a:r>
+            <a:r>
+              <a:rPr lang="fr-CH" dirty="0"/>
+              <a:t> </a:t>
+            </a:r>
+            <a:r>
+              <a:rPr lang="fr-CH" dirty="0" err="1"/>
+              <a:t>proportional</a:t>
+            </a:r>
+            <a:r>
+              <a:rPr lang="fr-CH" dirty="0"/>
+              <a:t> to </a:t>
+            </a:r>
+            <a:r>
+              <a:rPr lang="fr-CH" dirty="0" err="1"/>
+              <a:t>number</a:t>
+            </a:r>
+            <a:r>
+              <a:rPr lang="fr-CH" dirty="0"/>
+              <a:t> of </a:t>
+            </a:r>
+            <a:r>
+              <a:rPr lang="fr-CH" dirty="0" err="1"/>
+              <a:t>insured</a:t>
+            </a:r>
+            <a:r>
+              <a:rPr lang="fr-CH" dirty="0"/>
+              <a:t> </a:t>
+            </a:r>
+            <a:r>
+              <a:rPr lang="fr-CH" dirty="0" err="1"/>
+              <a:t>passengers</a:t>
+            </a:r>
+            <a:r>
+              <a:rPr lang="fr-CH" dirty="0"/>
+              <a:t> per flight</a:t>
+            </a:r>
+          </a:p>
+          <a:p>
+            <a:r>
+              <a:rPr lang="fr-CH" dirty="0"/>
+              <a:t>Simulation of real </a:t>
+            </a:r>
+            <a:r>
+              <a:rPr lang="fr-CH" dirty="0" err="1"/>
+              <a:t>activity</a:t>
+            </a:r>
+            <a:r>
+              <a:rPr lang="fr-CH" dirty="0"/>
+              <a:t> to </a:t>
+            </a:r>
+            <a:r>
+              <a:rPr lang="fr-CH" dirty="0" err="1"/>
+              <a:t>proove</a:t>
+            </a:r>
+            <a:r>
+              <a:rPr lang="fr-CH" dirty="0"/>
+              <a:t> business model </a:t>
+            </a:r>
+            <a:r>
+              <a:rPr lang="fr-CH"/>
+              <a:t>robustness</a:t>
+            </a:r>
+            <a:endParaRPr lang="fr-CH" dirty="0"/>
+          </a:p>
+        </p:txBody>
+      </p:sp>
+    </p:spTree>
+    <p:extLst>
+      <p:ext uri="{BB962C8B-B14F-4D97-AF65-F5344CB8AC3E}">
+        <p14:creationId xmlns:p14="http://schemas.microsoft.com/office/powerpoint/2010/main" val="2839337888"/>
       </p:ext>
     </p:extLst>
   </p:cSld>

--- a/unchained-flight-insurance-web/Notes techniques.pptx
+++ b/unchained-flight-insurance-web/Notes techniques.pptx
@@ -6,13 +6,16 @@
   </p:sldMasterIdLst>
   <p:sldIdLst>
     <p:sldId id="256" r:id="rId2"/>
-    <p:sldId id="257" r:id="rId3"/>
-    <p:sldId id="258" r:id="rId4"/>
-    <p:sldId id="260" r:id="rId5"/>
-    <p:sldId id="259" r:id="rId6"/>
-    <p:sldId id="261" r:id="rId7"/>
-    <p:sldId id="262" r:id="rId8"/>
-    <p:sldId id="263" r:id="rId9"/>
+    <p:sldId id="265" r:id="rId3"/>
+    <p:sldId id="264" r:id="rId4"/>
+    <p:sldId id="266" r:id="rId5"/>
+    <p:sldId id="257" r:id="rId6"/>
+    <p:sldId id="258" r:id="rId7"/>
+    <p:sldId id="260" r:id="rId8"/>
+    <p:sldId id="259" r:id="rId9"/>
+    <p:sldId id="261" r:id="rId10"/>
+    <p:sldId id="262" r:id="rId11"/>
+    <p:sldId id="263" r:id="rId12"/>
   </p:sldIdLst>
   <p:sldSz cx="12192000" cy="6858000"/>
   <p:notesSz cx="6858000" cy="9144000"/>
@@ -111,6 +114,11 @@
       </a:defRPr>
     </a:lvl9pPr>
   </p:defaultTextStyle>
+  <p:extLst>
+    <p:ext uri="{EFAFB233-063F-42B5-8137-9DF3F51BA10A}">
+      <p15:sldGuideLst xmlns:p15="http://schemas.microsoft.com/office/powerpoint/2012/main"/>
+    </p:ext>
+  </p:extLst>
 </p:presentation>
 </file>
 
@@ -1237,34 +1245,34 @@
                 <c:formatCode>General</c:formatCode>
                 <c:ptCount val="10"/>
                 <c:pt idx="0">
-                  <c:v>659</c:v>
+                  <c:v>0</c:v>
                 </c:pt>
                 <c:pt idx="1">
-                  <c:v>560</c:v>
+                  <c:v>117</c:v>
                 </c:pt>
                 <c:pt idx="2">
-                  <c:v>365</c:v>
+                  <c:v>39</c:v>
                 </c:pt>
                 <c:pt idx="3">
-                  <c:v>243</c:v>
+                  <c:v>302</c:v>
                 </c:pt>
                 <c:pt idx="4">
-                  <c:v>70</c:v>
+                  <c:v>173</c:v>
                 </c:pt>
                 <c:pt idx="5">
                   <c:v>0</c:v>
                 </c:pt>
                 <c:pt idx="6">
-                  <c:v>27</c:v>
+                  <c:v>18</c:v>
                 </c:pt>
                 <c:pt idx="7">
-                  <c:v>0</c:v>
+                  <c:v>6</c:v>
                 </c:pt>
                 <c:pt idx="8">
                   <c:v>0</c:v>
                 </c:pt>
                 <c:pt idx="9">
-                  <c:v>21</c:v>
+                  <c:v>136</c:v>
                 </c:pt>
               </c:numCache>
             </c:numRef>
@@ -1695,34 +1703,34 @@
                 <c:formatCode>General</c:formatCode>
                 <c:ptCount val="10"/>
                 <c:pt idx="0">
-                  <c:v>0.63528077141236527</c:v>
+                  <c:v>0.77451539338654507</c:v>
                 </c:pt>
                 <c:pt idx="1">
-                  <c:v>0.79410096426545662</c:v>
+                  <c:v>0.80786773090079822</c:v>
                 </c:pt>
                 <c:pt idx="2">
-                  <c:v>0.89761769710720363</c:v>
+                  <c:v>0.8189851767388826</c:v>
                 </c:pt>
                 <c:pt idx="3">
-                  <c:v>0.96653431650595578</c:v>
+                  <c:v>0.90507411630558732</c:v>
                 </c:pt>
                 <c:pt idx="4">
-                  <c:v>0.98638684061259219</c:v>
+                  <c:v>0.95438996579247448</c:v>
                 </c:pt>
                 <c:pt idx="5">
-                  <c:v>0.98638684061259219</c:v>
+                  <c:v>0.95438996579247448</c:v>
                 </c:pt>
                 <c:pt idx="6">
-                  <c:v>0.99404424276800907</c:v>
+                  <c:v>0.95952109464082114</c:v>
                 </c:pt>
                 <c:pt idx="7">
-                  <c:v>0.99404424276800907</c:v>
+                  <c:v>0.96123147092360339</c:v>
                 </c:pt>
                 <c:pt idx="8">
-                  <c:v>0.99404424276800907</c:v>
+                  <c:v>0.96123147092360339</c:v>
                 </c:pt>
                 <c:pt idx="9">
-                  <c:v>1</c:v>
+                  <c:v>1.0000000000000002</c:v>
                 </c:pt>
               </c:numCache>
             </c:numRef>
@@ -5444,6 +5452,2877 @@
 </cs:chartStyle>
 </file>
 
+<file path=ppt/diagrams/colors1.xml><?xml version="1.0" encoding="utf-8"?>
+<dgm:colorsDef xmlns:dgm="http://schemas.openxmlformats.org/drawingml/2006/diagram" xmlns:a="http://schemas.openxmlformats.org/drawingml/2006/main" uniqueId="urn:microsoft.com/office/officeart/2005/8/colors/accent1_2">
+  <dgm:title val=""/>
+  <dgm:desc val=""/>
+  <dgm:catLst>
+    <dgm:cat type="accent1" pri="11200"/>
+  </dgm:catLst>
+  <dgm:styleLbl name="node0">
+    <dgm:fillClrLst meth="repeat">
+      <a:schemeClr val="accent1"/>
+    </dgm:fillClrLst>
+    <dgm:linClrLst meth="repeat">
+      <a:schemeClr val="lt1"/>
+    </dgm:linClrLst>
+    <dgm:effectClrLst/>
+    <dgm:txLinClrLst/>
+    <dgm:txFillClrLst/>
+    <dgm:txEffectClrLst/>
+  </dgm:styleLbl>
+  <dgm:styleLbl name="alignNode1">
+    <dgm:fillClrLst meth="repeat">
+      <a:schemeClr val="accent1"/>
+    </dgm:fillClrLst>
+    <dgm:linClrLst meth="repeat">
+      <a:schemeClr val="accent1"/>
+    </dgm:linClrLst>
+    <dgm:effectClrLst/>
+    <dgm:txLinClrLst/>
+    <dgm:txFillClrLst/>
+    <dgm:txEffectClrLst/>
+  </dgm:styleLbl>
+  <dgm:styleLbl name="node1">
+    <dgm:fillClrLst meth="repeat">
+      <a:schemeClr val="accent1"/>
+    </dgm:fillClrLst>
+    <dgm:linClrLst meth="repeat">
+      <a:schemeClr val="lt1"/>
+    </dgm:linClrLst>
+    <dgm:effectClrLst/>
+    <dgm:txLinClrLst/>
+    <dgm:txFillClrLst/>
+    <dgm:txEffectClrLst/>
+  </dgm:styleLbl>
+  <dgm:styleLbl name="lnNode1">
+    <dgm:fillClrLst meth="repeat">
+      <a:schemeClr val="accent1"/>
+    </dgm:fillClrLst>
+    <dgm:linClrLst meth="repeat">
+      <a:schemeClr val="lt1"/>
+    </dgm:linClrLst>
+    <dgm:effectClrLst/>
+    <dgm:txLinClrLst/>
+    <dgm:txFillClrLst/>
+    <dgm:txEffectClrLst/>
+  </dgm:styleLbl>
+  <dgm:styleLbl name="vennNode1">
+    <dgm:fillClrLst meth="repeat">
+      <a:schemeClr val="accent1">
+        <a:alpha val="50000"/>
+      </a:schemeClr>
+    </dgm:fillClrLst>
+    <dgm:linClrLst meth="repeat">
+      <a:schemeClr val="lt1"/>
+    </dgm:linClrLst>
+    <dgm:effectClrLst/>
+    <dgm:txLinClrLst/>
+    <dgm:txFillClrLst/>
+    <dgm:txEffectClrLst/>
+  </dgm:styleLbl>
+  <dgm:styleLbl name="node2">
+    <dgm:fillClrLst meth="repeat">
+      <a:schemeClr val="accent1"/>
+    </dgm:fillClrLst>
+    <dgm:linClrLst meth="repeat">
+      <a:schemeClr val="lt1"/>
+    </dgm:linClrLst>
+    <dgm:effectClrLst/>
+    <dgm:txLinClrLst/>
+    <dgm:txFillClrLst/>
+    <dgm:txEffectClrLst/>
+  </dgm:styleLbl>
+  <dgm:styleLbl name="node3">
+    <dgm:fillClrLst meth="repeat">
+      <a:schemeClr val="accent1"/>
+    </dgm:fillClrLst>
+    <dgm:linClrLst meth="repeat">
+      <a:schemeClr val="lt1"/>
+    </dgm:linClrLst>
+    <dgm:effectClrLst/>
+    <dgm:txLinClrLst/>
+    <dgm:txFillClrLst/>
+    <dgm:txEffectClrLst/>
+  </dgm:styleLbl>
+  <dgm:styleLbl name="node4">
+    <dgm:fillClrLst meth="repeat">
+      <a:schemeClr val="accent1"/>
+    </dgm:fillClrLst>
+    <dgm:linClrLst meth="repeat">
+      <a:schemeClr val="lt1"/>
+    </dgm:linClrLst>
+    <dgm:effectClrLst/>
+    <dgm:txLinClrLst/>
+    <dgm:txFillClrLst/>
+    <dgm:txEffectClrLst/>
+  </dgm:styleLbl>
+  <dgm:styleLbl name="fgImgPlace1">
+    <dgm:fillClrLst meth="repeat">
+      <a:schemeClr val="accent1">
+        <a:tint val="50000"/>
+      </a:schemeClr>
+    </dgm:fillClrLst>
+    <dgm:linClrLst meth="repeat">
+      <a:schemeClr val="lt1"/>
+    </dgm:linClrLst>
+    <dgm:effectClrLst/>
+    <dgm:txLinClrLst/>
+    <dgm:txFillClrLst meth="repeat">
+      <a:schemeClr val="lt1"/>
+    </dgm:txFillClrLst>
+    <dgm:txEffectClrLst/>
+  </dgm:styleLbl>
+  <dgm:styleLbl name="alignImgPlace1">
+    <dgm:fillClrLst meth="repeat">
+      <a:schemeClr val="accent1">
+        <a:tint val="50000"/>
+      </a:schemeClr>
+    </dgm:fillClrLst>
+    <dgm:linClrLst meth="repeat">
+      <a:schemeClr val="lt1"/>
+    </dgm:linClrLst>
+    <dgm:effectClrLst/>
+    <dgm:txLinClrLst/>
+    <dgm:txFillClrLst meth="repeat">
+      <a:schemeClr val="lt1"/>
+    </dgm:txFillClrLst>
+    <dgm:txEffectClrLst/>
+  </dgm:styleLbl>
+  <dgm:styleLbl name="bgImgPlace1">
+    <dgm:fillClrLst meth="repeat">
+      <a:schemeClr val="accent1">
+        <a:tint val="50000"/>
+      </a:schemeClr>
+    </dgm:fillClrLst>
+    <dgm:linClrLst meth="repeat">
+      <a:schemeClr val="lt1"/>
+    </dgm:linClrLst>
+    <dgm:effectClrLst/>
+    <dgm:txLinClrLst/>
+    <dgm:txFillClrLst meth="repeat">
+      <a:schemeClr val="lt1"/>
+    </dgm:txFillClrLst>
+    <dgm:txEffectClrLst/>
+  </dgm:styleLbl>
+  <dgm:styleLbl name="sibTrans2D1">
+    <dgm:fillClrLst meth="repeat">
+      <a:schemeClr val="accent1">
+        <a:tint val="60000"/>
+      </a:schemeClr>
+    </dgm:fillClrLst>
+    <dgm:linClrLst meth="repeat">
+      <a:schemeClr val="accent1">
+        <a:tint val="60000"/>
+      </a:schemeClr>
+    </dgm:linClrLst>
+    <dgm:effectClrLst/>
+    <dgm:txLinClrLst/>
+    <dgm:txFillClrLst/>
+    <dgm:txEffectClrLst/>
+  </dgm:styleLbl>
+  <dgm:styleLbl name="fgSibTrans2D1">
+    <dgm:fillClrLst meth="repeat">
+      <a:schemeClr val="accent1">
+        <a:tint val="60000"/>
+      </a:schemeClr>
+    </dgm:fillClrLst>
+    <dgm:linClrLst meth="repeat">
+      <a:schemeClr val="accent1">
+        <a:tint val="60000"/>
+      </a:schemeClr>
+    </dgm:linClrLst>
+    <dgm:effectClrLst/>
+    <dgm:txLinClrLst/>
+    <dgm:txFillClrLst/>
+    <dgm:txEffectClrLst/>
+  </dgm:styleLbl>
+  <dgm:styleLbl name="bgSibTrans2D1">
+    <dgm:fillClrLst meth="repeat">
+      <a:schemeClr val="accent1">
+        <a:tint val="60000"/>
+      </a:schemeClr>
+    </dgm:fillClrLst>
+    <dgm:linClrLst meth="repeat">
+      <a:schemeClr val="accent1">
+        <a:tint val="60000"/>
+      </a:schemeClr>
+    </dgm:linClrLst>
+    <dgm:effectClrLst/>
+    <dgm:txLinClrLst/>
+    <dgm:txFillClrLst/>
+    <dgm:txEffectClrLst/>
+  </dgm:styleLbl>
+  <dgm:styleLbl name="sibTrans1D1">
+    <dgm:fillClrLst meth="repeat">
+      <a:schemeClr val="accent1"/>
+    </dgm:fillClrLst>
+    <dgm:linClrLst meth="repeat">
+      <a:schemeClr val="accent1"/>
+    </dgm:linClrLst>
+    <dgm:effectClrLst/>
+    <dgm:txLinClrLst/>
+    <dgm:txFillClrLst meth="repeat">
+      <a:schemeClr val="tx1"/>
+    </dgm:txFillClrLst>
+    <dgm:txEffectClrLst/>
+  </dgm:styleLbl>
+  <dgm:styleLbl name="callout">
+    <dgm:fillClrLst meth="repeat">
+      <a:schemeClr val="accent1"/>
+    </dgm:fillClrLst>
+    <dgm:linClrLst meth="repeat">
+      <a:schemeClr val="accent1">
+        <a:tint val="50000"/>
+      </a:schemeClr>
+    </dgm:linClrLst>
+    <dgm:effectClrLst/>
+    <dgm:txLinClrLst/>
+    <dgm:txFillClrLst meth="repeat">
+      <a:schemeClr val="tx1"/>
+    </dgm:txFillClrLst>
+    <dgm:txEffectClrLst/>
+  </dgm:styleLbl>
+  <dgm:styleLbl name="asst0">
+    <dgm:fillClrLst meth="repeat">
+      <a:schemeClr val="accent1"/>
+    </dgm:fillClrLst>
+    <dgm:linClrLst meth="repeat">
+      <a:schemeClr val="lt1"/>
+    </dgm:linClrLst>
+    <dgm:effectClrLst/>
+    <dgm:txLinClrLst/>
+    <dgm:txFillClrLst/>
+    <dgm:txEffectClrLst/>
+  </dgm:styleLbl>
+  <dgm:styleLbl name="asst1">
+    <dgm:fillClrLst meth="repeat">
+      <a:schemeClr val="accent1"/>
+    </dgm:fillClrLst>
+    <dgm:linClrLst meth="repeat">
+      <a:schemeClr val="lt1"/>
+    </dgm:linClrLst>
+    <dgm:effectClrLst/>
+    <dgm:txLinClrLst/>
+    <dgm:txFillClrLst/>
+    <dgm:txEffectClrLst/>
+  </dgm:styleLbl>
+  <dgm:styleLbl name="asst2">
+    <dgm:fillClrLst meth="repeat">
+      <a:schemeClr val="accent1"/>
+    </dgm:fillClrLst>
+    <dgm:linClrLst meth="repeat">
+      <a:schemeClr val="lt1"/>
+    </dgm:linClrLst>
+    <dgm:effectClrLst/>
+    <dgm:txLinClrLst/>
+    <dgm:txFillClrLst/>
+    <dgm:txEffectClrLst/>
+  </dgm:styleLbl>
+  <dgm:styleLbl name="asst3">
+    <dgm:fillClrLst meth="repeat">
+      <a:schemeClr val="accent1"/>
+    </dgm:fillClrLst>
+    <dgm:linClrLst meth="repeat">
+      <a:schemeClr val="lt1"/>
+    </dgm:linClrLst>
+    <dgm:effectClrLst/>
+    <dgm:txLinClrLst/>
+    <dgm:txFillClrLst/>
+    <dgm:txEffectClrLst/>
+  </dgm:styleLbl>
+  <dgm:styleLbl name="asst4">
+    <dgm:fillClrLst meth="repeat">
+      <a:schemeClr val="accent1"/>
+    </dgm:fillClrLst>
+    <dgm:linClrLst meth="repeat">
+      <a:schemeClr val="lt1"/>
+    </dgm:linClrLst>
+    <dgm:effectClrLst/>
+    <dgm:txLinClrLst/>
+    <dgm:txFillClrLst/>
+    <dgm:txEffectClrLst/>
+  </dgm:styleLbl>
+  <dgm:styleLbl name="parChTrans2D1">
+    <dgm:fillClrLst meth="repeat">
+      <a:schemeClr val="accent1">
+        <a:tint val="60000"/>
+      </a:schemeClr>
+    </dgm:fillClrLst>
+    <dgm:linClrLst meth="repeat">
+      <a:schemeClr val="accent1">
+        <a:tint val="60000"/>
+      </a:schemeClr>
+    </dgm:linClrLst>
+    <dgm:effectClrLst/>
+    <dgm:txLinClrLst/>
+    <dgm:txFillClrLst meth="repeat">
+      <a:schemeClr val="lt1"/>
+    </dgm:txFillClrLst>
+    <dgm:txEffectClrLst/>
+  </dgm:styleLbl>
+  <dgm:styleLbl name="parChTrans2D2">
+    <dgm:fillClrLst meth="repeat">
+      <a:schemeClr val="accent1"/>
+    </dgm:fillClrLst>
+    <dgm:linClrLst meth="repeat">
+      <a:schemeClr val="accent1"/>
+    </dgm:linClrLst>
+    <dgm:effectClrLst/>
+    <dgm:txLinClrLst/>
+    <dgm:txFillClrLst meth="repeat">
+      <a:schemeClr val="lt1"/>
+    </dgm:txFillClrLst>
+    <dgm:txEffectClrLst/>
+  </dgm:styleLbl>
+  <dgm:styleLbl name="parChTrans2D3">
+    <dgm:fillClrLst meth="repeat">
+      <a:schemeClr val="accent1"/>
+    </dgm:fillClrLst>
+    <dgm:linClrLst meth="repeat">
+      <a:schemeClr val="accent1"/>
+    </dgm:linClrLst>
+    <dgm:effectClrLst/>
+    <dgm:txLinClrLst/>
+    <dgm:txFillClrLst meth="repeat">
+      <a:schemeClr val="lt1"/>
+    </dgm:txFillClrLst>
+    <dgm:txEffectClrLst/>
+  </dgm:styleLbl>
+  <dgm:styleLbl name="parChTrans2D4">
+    <dgm:fillClrLst meth="repeat">
+      <a:schemeClr val="accent1"/>
+    </dgm:fillClrLst>
+    <dgm:linClrLst meth="repeat">
+      <a:schemeClr val="accent1"/>
+    </dgm:linClrLst>
+    <dgm:effectClrLst/>
+    <dgm:txLinClrLst/>
+    <dgm:txFillClrLst meth="repeat">
+      <a:schemeClr val="lt1"/>
+    </dgm:txFillClrLst>
+    <dgm:txEffectClrLst/>
+  </dgm:styleLbl>
+  <dgm:styleLbl name="parChTrans1D1">
+    <dgm:fillClrLst meth="repeat">
+      <a:schemeClr val="accent1"/>
+    </dgm:fillClrLst>
+    <dgm:linClrLst meth="repeat">
+      <a:schemeClr val="accent1">
+        <a:shade val="60000"/>
+      </a:schemeClr>
+    </dgm:linClrLst>
+    <dgm:effectClrLst/>
+    <dgm:txLinClrLst/>
+    <dgm:txFillClrLst meth="repeat">
+      <a:schemeClr val="tx1"/>
+    </dgm:txFillClrLst>
+    <dgm:txEffectClrLst/>
+  </dgm:styleLbl>
+  <dgm:styleLbl name="parChTrans1D2">
+    <dgm:fillClrLst meth="repeat">
+      <a:schemeClr val="accent1"/>
+    </dgm:fillClrLst>
+    <dgm:linClrLst meth="repeat">
+      <a:schemeClr val="accent1">
+        <a:shade val="60000"/>
+      </a:schemeClr>
+    </dgm:linClrLst>
+    <dgm:effectClrLst/>
+    <dgm:txLinClrLst/>
+    <dgm:txFillClrLst meth="repeat">
+      <a:schemeClr val="tx1"/>
+    </dgm:txFillClrLst>
+    <dgm:txEffectClrLst/>
+  </dgm:styleLbl>
+  <dgm:styleLbl name="parChTrans1D3">
+    <dgm:fillClrLst meth="repeat">
+      <a:schemeClr val="accent1"/>
+    </dgm:fillClrLst>
+    <dgm:linClrLst meth="repeat">
+      <a:schemeClr val="accent1">
+        <a:shade val="80000"/>
+      </a:schemeClr>
+    </dgm:linClrLst>
+    <dgm:effectClrLst/>
+    <dgm:txLinClrLst/>
+    <dgm:txFillClrLst meth="repeat">
+      <a:schemeClr val="tx1"/>
+    </dgm:txFillClrLst>
+    <dgm:txEffectClrLst/>
+  </dgm:styleLbl>
+  <dgm:styleLbl name="parChTrans1D4">
+    <dgm:fillClrLst meth="repeat">
+      <a:schemeClr val="accent1"/>
+    </dgm:fillClrLst>
+    <dgm:linClrLst meth="repeat">
+      <a:schemeClr val="accent1">
+        <a:shade val="80000"/>
+      </a:schemeClr>
+    </dgm:linClrLst>
+    <dgm:effectClrLst/>
+    <dgm:txLinClrLst/>
+    <dgm:txFillClrLst meth="repeat">
+      <a:schemeClr val="tx1"/>
+    </dgm:txFillClrLst>
+    <dgm:txEffectClrLst/>
+  </dgm:styleLbl>
+  <dgm:styleLbl name="fgAcc1">
+    <dgm:fillClrLst meth="repeat">
+      <a:schemeClr val="lt1">
+        <a:alpha val="90000"/>
+      </a:schemeClr>
+    </dgm:fillClrLst>
+    <dgm:linClrLst meth="repeat">
+      <a:schemeClr val="accent1"/>
+    </dgm:linClrLst>
+    <dgm:effectClrLst/>
+    <dgm:txLinClrLst/>
+    <dgm:txFillClrLst meth="repeat">
+      <a:schemeClr val="dk1"/>
+    </dgm:txFillClrLst>
+    <dgm:txEffectClrLst/>
+  </dgm:styleLbl>
+  <dgm:styleLbl name="conFgAcc1">
+    <dgm:fillClrLst meth="repeat">
+      <a:schemeClr val="lt1">
+        <a:alpha val="90000"/>
+      </a:schemeClr>
+    </dgm:fillClrLst>
+    <dgm:linClrLst meth="repeat">
+      <a:schemeClr val="accent1"/>
+    </dgm:linClrLst>
+    <dgm:effectClrLst/>
+    <dgm:txLinClrLst/>
+    <dgm:txFillClrLst meth="repeat">
+      <a:schemeClr val="dk1"/>
+    </dgm:txFillClrLst>
+    <dgm:txEffectClrLst/>
+  </dgm:styleLbl>
+  <dgm:styleLbl name="alignAcc1">
+    <dgm:fillClrLst meth="repeat">
+      <a:schemeClr val="lt1">
+        <a:alpha val="90000"/>
+      </a:schemeClr>
+    </dgm:fillClrLst>
+    <dgm:linClrLst meth="repeat">
+      <a:schemeClr val="accent1"/>
+    </dgm:linClrLst>
+    <dgm:effectClrLst/>
+    <dgm:txLinClrLst/>
+    <dgm:txFillClrLst meth="repeat">
+      <a:schemeClr val="dk1"/>
+    </dgm:txFillClrLst>
+    <dgm:txEffectClrLst/>
+  </dgm:styleLbl>
+  <dgm:styleLbl name="trAlignAcc1">
+    <dgm:fillClrLst meth="repeat">
+      <a:schemeClr val="lt1">
+        <a:alpha val="40000"/>
+      </a:schemeClr>
+    </dgm:fillClrLst>
+    <dgm:linClrLst meth="repeat">
+      <a:schemeClr val="accent1"/>
+    </dgm:linClrLst>
+    <dgm:effectClrLst/>
+    <dgm:txLinClrLst/>
+    <dgm:txFillClrLst meth="repeat">
+      <a:schemeClr val="dk1"/>
+    </dgm:txFillClrLst>
+    <dgm:txEffectClrLst/>
+  </dgm:styleLbl>
+  <dgm:styleLbl name="bgAcc1">
+    <dgm:fillClrLst meth="repeat">
+      <a:schemeClr val="lt1">
+        <a:alpha val="90000"/>
+      </a:schemeClr>
+    </dgm:fillClrLst>
+    <dgm:linClrLst meth="repeat">
+      <a:schemeClr val="accent1"/>
+    </dgm:linClrLst>
+    <dgm:effectClrLst/>
+    <dgm:txLinClrLst/>
+    <dgm:txFillClrLst meth="repeat">
+      <a:schemeClr val="dk1"/>
+    </dgm:txFillClrLst>
+    <dgm:txEffectClrLst/>
+  </dgm:styleLbl>
+  <dgm:styleLbl name="solidFgAcc1">
+    <dgm:fillClrLst meth="repeat">
+      <a:schemeClr val="lt1"/>
+    </dgm:fillClrLst>
+    <dgm:linClrLst meth="repeat">
+      <a:schemeClr val="accent1"/>
+    </dgm:linClrLst>
+    <dgm:effectClrLst/>
+    <dgm:txLinClrLst/>
+    <dgm:txFillClrLst meth="repeat">
+      <a:schemeClr val="dk1"/>
+    </dgm:txFillClrLst>
+    <dgm:txEffectClrLst/>
+  </dgm:styleLbl>
+  <dgm:styleLbl name="solidAlignAcc1">
+    <dgm:fillClrLst meth="repeat">
+      <a:schemeClr val="lt1"/>
+    </dgm:fillClrLst>
+    <dgm:linClrLst meth="repeat">
+      <a:schemeClr val="accent1"/>
+    </dgm:linClrLst>
+    <dgm:effectClrLst/>
+    <dgm:txLinClrLst/>
+    <dgm:txFillClrLst meth="repeat">
+      <a:schemeClr val="dk1"/>
+    </dgm:txFillClrLst>
+    <dgm:txEffectClrLst/>
+  </dgm:styleLbl>
+  <dgm:styleLbl name="solidBgAcc1">
+    <dgm:fillClrLst meth="repeat">
+      <a:schemeClr val="lt1"/>
+    </dgm:fillClrLst>
+    <dgm:linClrLst meth="repeat">
+      <a:schemeClr val="accent1"/>
+    </dgm:linClrLst>
+    <dgm:effectClrLst/>
+    <dgm:txLinClrLst/>
+    <dgm:txFillClrLst meth="repeat">
+      <a:schemeClr val="dk1"/>
+    </dgm:txFillClrLst>
+    <dgm:txEffectClrLst/>
+  </dgm:styleLbl>
+  <dgm:styleLbl name="fgAccFollowNode1">
+    <dgm:fillClrLst meth="repeat">
+      <a:schemeClr val="accent1">
+        <a:alpha val="90000"/>
+        <a:tint val="40000"/>
+      </a:schemeClr>
+    </dgm:fillClrLst>
+    <dgm:linClrLst meth="repeat">
+      <a:schemeClr val="accent1">
+        <a:alpha val="90000"/>
+        <a:tint val="40000"/>
+      </a:schemeClr>
+    </dgm:linClrLst>
+    <dgm:effectClrLst/>
+    <dgm:txLinClrLst/>
+    <dgm:txFillClrLst meth="repeat">
+      <a:schemeClr val="dk1"/>
+    </dgm:txFillClrLst>
+    <dgm:txEffectClrLst/>
+  </dgm:styleLbl>
+  <dgm:styleLbl name="alignAccFollowNode1">
+    <dgm:fillClrLst meth="repeat">
+      <a:schemeClr val="accent1">
+        <a:alpha val="90000"/>
+        <a:tint val="40000"/>
+      </a:schemeClr>
+    </dgm:fillClrLst>
+    <dgm:linClrLst meth="repeat">
+      <a:schemeClr val="accent1">
+        <a:alpha val="90000"/>
+        <a:tint val="40000"/>
+      </a:schemeClr>
+    </dgm:linClrLst>
+    <dgm:effectClrLst/>
+    <dgm:txLinClrLst/>
+    <dgm:txFillClrLst meth="repeat">
+      <a:schemeClr val="dk1"/>
+    </dgm:txFillClrLst>
+    <dgm:txEffectClrLst/>
+  </dgm:styleLbl>
+  <dgm:styleLbl name="bgAccFollowNode1">
+    <dgm:fillClrLst meth="repeat">
+      <a:schemeClr val="accent1">
+        <a:alpha val="90000"/>
+        <a:tint val="40000"/>
+      </a:schemeClr>
+    </dgm:fillClrLst>
+    <dgm:linClrLst meth="repeat">
+      <a:schemeClr val="accent1">
+        <a:alpha val="90000"/>
+        <a:tint val="40000"/>
+      </a:schemeClr>
+    </dgm:linClrLst>
+    <dgm:effectClrLst/>
+    <dgm:txLinClrLst/>
+    <dgm:txFillClrLst meth="repeat">
+      <a:schemeClr val="dk1"/>
+    </dgm:txFillClrLst>
+    <dgm:txEffectClrLst/>
+  </dgm:styleLbl>
+  <dgm:styleLbl name="fgAcc0">
+    <dgm:fillClrLst meth="repeat">
+      <a:schemeClr val="lt1">
+        <a:alpha val="90000"/>
+      </a:schemeClr>
+    </dgm:fillClrLst>
+    <dgm:linClrLst meth="repeat">
+      <a:schemeClr val="accent1"/>
+    </dgm:linClrLst>
+    <dgm:effectClrLst/>
+    <dgm:txLinClrLst/>
+    <dgm:txFillClrLst meth="repeat">
+      <a:schemeClr val="dk1"/>
+    </dgm:txFillClrLst>
+    <dgm:txEffectClrLst/>
+  </dgm:styleLbl>
+  <dgm:styleLbl name="fgAcc2">
+    <dgm:fillClrLst meth="repeat">
+      <a:schemeClr val="lt1">
+        <a:alpha val="90000"/>
+      </a:schemeClr>
+    </dgm:fillClrLst>
+    <dgm:linClrLst meth="repeat">
+      <a:schemeClr val="accent1"/>
+    </dgm:linClrLst>
+    <dgm:effectClrLst/>
+    <dgm:txLinClrLst/>
+    <dgm:txFillClrLst meth="repeat">
+      <a:schemeClr val="dk1"/>
+    </dgm:txFillClrLst>
+    <dgm:txEffectClrLst/>
+  </dgm:styleLbl>
+  <dgm:styleLbl name="fgAcc3">
+    <dgm:fillClrLst meth="repeat">
+      <a:schemeClr val="lt1">
+        <a:alpha val="90000"/>
+      </a:schemeClr>
+    </dgm:fillClrLst>
+    <dgm:linClrLst meth="repeat">
+      <a:schemeClr val="accent1"/>
+    </dgm:linClrLst>
+    <dgm:effectClrLst/>
+    <dgm:txLinClrLst/>
+    <dgm:txFillClrLst meth="repeat">
+      <a:schemeClr val="dk1"/>
+    </dgm:txFillClrLst>
+    <dgm:txEffectClrLst/>
+  </dgm:styleLbl>
+  <dgm:styleLbl name="fgAcc4">
+    <dgm:fillClrLst meth="repeat">
+      <a:schemeClr val="lt1">
+        <a:alpha val="90000"/>
+      </a:schemeClr>
+    </dgm:fillClrLst>
+    <dgm:linClrLst meth="repeat">
+      <a:schemeClr val="accent1"/>
+    </dgm:linClrLst>
+    <dgm:effectClrLst/>
+    <dgm:txLinClrLst/>
+    <dgm:txFillClrLst meth="repeat">
+      <a:schemeClr val="dk1"/>
+    </dgm:txFillClrLst>
+    <dgm:txEffectClrLst/>
+  </dgm:styleLbl>
+  <dgm:styleLbl name="bgShp">
+    <dgm:fillClrLst meth="repeat">
+      <a:schemeClr val="accent1">
+        <a:tint val="40000"/>
+      </a:schemeClr>
+    </dgm:fillClrLst>
+    <dgm:linClrLst meth="repeat">
+      <a:schemeClr val="accent1"/>
+    </dgm:linClrLst>
+    <dgm:effectClrLst/>
+    <dgm:txLinClrLst/>
+    <dgm:txFillClrLst meth="repeat">
+      <a:schemeClr val="dk1"/>
+    </dgm:txFillClrLst>
+    <dgm:txEffectClrLst/>
+  </dgm:styleLbl>
+  <dgm:styleLbl name="dkBgShp">
+    <dgm:fillClrLst meth="repeat">
+      <a:schemeClr val="accent1">
+        <a:shade val="80000"/>
+      </a:schemeClr>
+    </dgm:fillClrLst>
+    <dgm:linClrLst meth="repeat">
+      <a:schemeClr val="accent1"/>
+    </dgm:linClrLst>
+    <dgm:effectClrLst/>
+    <dgm:txLinClrLst/>
+    <dgm:txFillClrLst meth="repeat">
+      <a:schemeClr val="lt1"/>
+    </dgm:txFillClrLst>
+    <dgm:txEffectClrLst/>
+  </dgm:styleLbl>
+  <dgm:styleLbl name="trBgShp">
+    <dgm:fillClrLst meth="repeat">
+      <a:schemeClr val="accent1">
+        <a:tint val="50000"/>
+        <a:alpha val="40000"/>
+      </a:schemeClr>
+    </dgm:fillClrLst>
+    <dgm:linClrLst meth="repeat">
+      <a:schemeClr val="accent1"/>
+    </dgm:linClrLst>
+    <dgm:effectClrLst/>
+    <dgm:txLinClrLst/>
+    <dgm:txFillClrLst meth="repeat">
+      <a:schemeClr val="lt1"/>
+    </dgm:txFillClrLst>
+    <dgm:txEffectClrLst/>
+  </dgm:styleLbl>
+  <dgm:styleLbl name="fgShp">
+    <dgm:fillClrLst meth="repeat">
+      <a:schemeClr val="accent1">
+        <a:tint val="60000"/>
+      </a:schemeClr>
+    </dgm:fillClrLst>
+    <dgm:linClrLst meth="repeat">
+      <a:schemeClr val="lt1"/>
+    </dgm:linClrLst>
+    <dgm:effectClrLst/>
+    <dgm:txLinClrLst/>
+    <dgm:txFillClrLst meth="repeat">
+      <a:schemeClr val="dk1"/>
+    </dgm:txFillClrLst>
+    <dgm:txEffectClrLst/>
+  </dgm:styleLbl>
+  <dgm:styleLbl name="revTx">
+    <dgm:fillClrLst meth="repeat">
+      <a:schemeClr val="lt1">
+        <a:alpha val="0"/>
+      </a:schemeClr>
+    </dgm:fillClrLst>
+    <dgm:linClrLst meth="repeat">
+      <a:schemeClr val="dk1">
+        <a:alpha val="0"/>
+      </a:schemeClr>
+    </dgm:linClrLst>
+    <dgm:effectClrLst/>
+    <dgm:txLinClrLst/>
+    <dgm:txFillClrLst meth="repeat">
+      <a:schemeClr val="tx1"/>
+    </dgm:txFillClrLst>
+    <dgm:txEffectClrLst/>
+  </dgm:styleLbl>
+</dgm:colorsDef>
+</file>
+
+<file path=ppt/diagrams/data1.xml><?xml version="1.0" encoding="utf-8"?>
+<dgm:dataModel xmlns:dgm="http://schemas.openxmlformats.org/drawingml/2006/diagram" xmlns:a="http://schemas.openxmlformats.org/drawingml/2006/main">
+  <dgm:ptLst>
+    <dgm:pt modelId="{AFA8ED57-44E3-4220-92DA-4718DB52050A}" type="doc">
+      <dgm:prSet loTypeId="urn:microsoft.com/office/officeart/2005/8/layout/hList1" loCatId="list" qsTypeId="urn:microsoft.com/office/officeart/2005/8/quickstyle/simple1" qsCatId="simple" csTypeId="urn:microsoft.com/office/officeart/2005/8/colors/accent1_2" csCatId="accent1" phldr="1"/>
+      <dgm:spPr/>
+      <dgm:t>
+        <a:bodyPr/>
+        <a:lstStyle/>
+        <a:p>
+          <a:endParaRPr lang="fr-CH"/>
+        </a:p>
+      </dgm:t>
+    </dgm:pt>
+    <dgm:pt modelId="{F217DF84-4E26-489D-9D63-F74CB36DAC2E}">
+      <dgm:prSet phldrT="[Text]"/>
+      <dgm:spPr/>
+      <dgm:t>
+        <a:bodyPr/>
+        <a:lstStyle/>
+        <a:p>
+          <a:r>
+            <a:rPr lang="fr-CH" dirty="0" err="1"/>
+            <a:t>Fizzy.axa</a:t>
+          </a:r>
+          <a:endParaRPr lang="fr-CH" dirty="0"/>
+        </a:p>
+      </dgm:t>
+    </dgm:pt>
+    <dgm:pt modelId="{532017E8-BB73-475B-8DA1-7B4DC4EEF54B}" type="parTrans" cxnId="{44784D40-957B-4B53-8493-B20B62C8BED5}">
+      <dgm:prSet/>
+      <dgm:spPr/>
+      <dgm:t>
+        <a:bodyPr/>
+        <a:lstStyle/>
+        <a:p>
+          <a:endParaRPr lang="fr-CH"/>
+        </a:p>
+      </dgm:t>
+    </dgm:pt>
+    <dgm:pt modelId="{8DBE7CA3-E0EA-4C91-A89E-585277FBD91D}" type="sibTrans" cxnId="{44784D40-957B-4B53-8493-B20B62C8BED5}">
+      <dgm:prSet/>
+      <dgm:spPr/>
+      <dgm:t>
+        <a:bodyPr/>
+        <a:lstStyle/>
+        <a:p>
+          <a:endParaRPr lang="fr-CH"/>
+        </a:p>
+      </dgm:t>
+    </dgm:pt>
+    <dgm:pt modelId="{1E7DD2C4-91D8-4B00-B1F1-62C09BC4E1EA}">
+      <dgm:prSet phldrT="[Text]"/>
+      <dgm:spPr/>
+      <dgm:t>
+        <a:bodyPr/>
+        <a:lstStyle/>
+        <a:p>
+          <a:r>
+            <a:rPr lang="fr-CH" dirty="0"/>
+            <a:t>Blockchain-</a:t>
+          </a:r>
+          <a:r>
+            <a:rPr lang="fr-CH" dirty="0" err="1"/>
+            <a:t>based</a:t>
+          </a:r>
+          <a:endParaRPr lang="fr-CH" dirty="0"/>
+        </a:p>
+      </dgm:t>
+    </dgm:pt>
+    <dgm:pt modelId="{B6DB7AD7-57FD-4C00-B0DA-00B4D2BDC905}" type="parTrans" cxnId="{9759F7BA-2F04-459D-9E25-B4F61A1FAF06}">
+      <dgm:prSet/>
+      <dgm:spPr/>
+      <dgm:t>
+        <a:bodyPr/>
+        <a:lstStyle/>
+        <a:p>
+          <a:endParaRPr lang="fr-CH"/>
+        </a:p>
+      </dgm:t>
+    </dgm:pt>
+    <dgm:pt modelId="{5631CC17-F638-4BE0-AFF7-C0BA9B3E2FCC}" type="sibTrans" cxnId="{9759F7BA-2F04-459D-9E25-B4F61A1FAF06}">
+      <dgm:prSet/>
+      <dgm:spPr/>
+      <dgm:t>
+        <a:bodyPr/>
+        <a:lstStyle/>
+        <a:p>
+          <a:endParaRPr lang="fr-CH"/>
+        </a:p>
+      </dgm:t>
+    </dgm:pt>
+    <dgm:pt modelId="{EDF16CB2-0CDD-4CD6-95BA-3D2D6F669874}">
+      <dgm:prSet phldrT="[Text]"/>
+      <dgm:spPr/>
+      <dgm:t>
+        <a:bodyPr/>
+        <a:lstStyle/>
+        <a:p>
+          <a:r>
+            <a:rPr lang="fr-CH" dirty="0"/>
+            <a:t>Pays @ 2h </a:t>
+          </a:r>
+          <a:r>
+            <a:rPr lang="fr-CH" dirty="0" err="1"/>
+            <a:t>late</a:t>
+          </a:r>
+          <a:endParaRPr lang="fr-CH" dirty="0"/>
+        </a:p>
+      </dgm:t>
+    </dgm:pt>
+    <dgm:pt modelId="{75130EE7-9598-4A91-B17A-8A24502B5484}" type="parTrans" cxnId="{A099D3E8-FA4C-4D40-8F5B-3B4C7C3FC432}">
+      <dgm:prSet/>
+      <dgm:spPr/>
+      <dgm:t>
+        <a:bodyPr/>
+        <a:lstStyle/>
+        <a:p>
+          <a:endParaRPr lang="fr-CH"/>
+        </a:p>
+      </dgm:t>
+    </dgm:pt>
+    <dgm:pt modelId="{C661A784-301F-4406-B4F2-FCDF26BF2360}" type="sibTrans" cxnId="{A099D3E8-FA4C-4D40-8F5B-3B4C7C3FC432}">
+      <dgm:prSet/>
+      <dgm:spPr/>
+      <dgm:t>
+        <a:bodyPr/>
+        <a:lstStyle/>
+        <a:p>
+          <a:endParaRPr lang="fr-CH"/>
+        </a:p>
+      </dgm:t>
+    </dgm:pt>
+    <dgm:pt modelId="{91DEB64B-D975-4038-9FA9-2CBC54B92AA7}">
+      <dgm:prSet phldrT="[Text]"/>
+      <dgm:spPr/>
+      <dgm:t>
+        <a:bodyPr/>
+        <a:lstStyle/>
+        <a:p>
+          <a:r>
+            <a:rPr lang="fr-CH" dirty="0" err="1"/>
+            <a:t>Mobi</a:t>
+          </a:r>
+          <a:r>
+            <a:rPr lang="fr-CH" dirty="0"/>
+            <a:t> UFI</a:t>
+          </a:r>
+        </a:p>
+      </dgm:t>
+    </dgm:pt>
+    <dgm:pt modelId="{16A088DB-4CCE-4DC2-92E7-F559963E91D0}" type="parTrans" cxnId="{924404D0-8C48-40FF-B194-515CF9A403C2}">
+      <dgm:prSet/>
+      <dgm:spPr/>
+      <dgm:t>
+        <a:bodyPr/>
+        <a:lstStyle/>
+        <a:p>
+          <a:endParaRPr lang="fr-CH"/>
+        </a:p>
+      </dgm:t>
+    </dgm:pt>
+    <dgm:pt modelId="{D4553075-16FE-446B-9922-AF75DFCCB2C7}" type="sibTrans" cxnId="{924404D0-8C48-40FF-B194-515CF9A403C2}">
+      <dgm:prSet/>
+      <dgm:spPr/>
+      <dgm:t>
+        <a:bodyPr/>
+        <a:lstStyle/>
+        <a:p>
+          <a:endParaRPr lang="fr-CH"/>
+        </a:p>
+      </dgm:t>
+    </dgm:pt>
+    <dgm:pt modelId="{08075B61-F6AD-4030-940B-BCE2A02A9244}">
+      <dgm:prSet phldrT="[Text]"/>
+      <dgm:spPr/>
+      <dgm:t>
+        <a:bodyPr/>
+        <a:lstStyle/>
+        <a:p>
+          <a:r>
+            <a:rPr lang="fr-CH" dirty="0"/>
+            <a:t>No blockchain</a:t>
+          </a:r>
+        </a:p>
+      </dgm:t>
+    </dgm:pt>
+    <dgm:pt modelId="{AF5CC230-42F9-4FA5-8038-C2F939F1C6F4}" type="parTrans" cxnId="{DCB53793-C7DB-4D82-BDD6-D6F30699A92B}">
+      <dgm:prSet/>
+      <dgm:spPr/>
+      <dgm:t>
+        <a:bodyPr/>
+        <a:lstStyle/>
+        <a:p>
+          <a:endParaRPr lang="fr-CH"/>
+        </a:p>
+      </dgm:t>
+    </dgm:pt>
+    <dgm:pt modelId="{0F0F30FE-AB60-4FDF-AA62-AC999FF5BB8D}" type="sibTrans" cxnId="{DCB53793-C7DB-4D82-BDD6-D6F30699A92B}">
+      <dgm:prSet/>
+      <dgm:spPr/>
+      <dgm:t>
+        <a:bodyPr/>
+        <a:lstStyle/>
+        <a:p>
+          <a:endParaRPr lang="fr-CH"/>
+        </a:p>
+      </dgm:t>
+    </dgm:pt>
+    <dgm:pt modelId="{6653B846-5C0E-4270-A427-DF0179A6068B}">
+      <dgm:prSet phldrT="[Text]"/>
+      <dgm:spPr/>
+      <dgm:t>
+        <a:bodyPr/>
+        <a:lstStyle/>
+        <a:p>
+          <a:r>
+            <a:rPr lang="fr-CH" dirty="0"/>
+            <a:t>Pays @ 1h </a:t>
+          </a:r>
+          <a:r>
+            <a:rPr lang="fr-CH" dirty="0" err="1"/>
+            <a:t>late</a:t>
+          </a:r>
+          <a:endParaRPr lang="fr-CH" dirty="0"/>
+        </a:p>
+      </dgm:t>
+    </dgm:pt>
+    <dgm:pt modelId="{F49AF4F8-CDE0-434E-93F6-38C8009D7240}" type="parTrans" cxnId="{0C35F144-902A-43D1-A961-B0B1460FE736}">
+      <dgm:prSet/>
+      <dgm:spPr/>
+      <dgm:t>
+        <a:bodyPr/>
+        <a:lstStyle/>
+        <a:p>
+          <a:endParaRPr lang="fr-CH"/>
+        </a:p>
+      </dgm:t>
+    </dgm:pt>
+    <dgm:pt modelId="{E6DBDAED-5E22-499D-B6E0-8AF716B7B48D}" type="sibTrans" cxnId="{0C35F144-902A-43D1-A961-B0B1460FE736}">
+      <dgm:prSet/>
+      <dgm:spPr/>
+      <dgm:t>
+        <a:bodyPr/>
+        <a:lstStyle/>
+        <a:p>
+          <a:endParaRPr lang="fr-CH"/>
+        </a:p>
+      </dgm:t>
+    </dgm:pt>
+    <dgm:pt modelId="{0F187E31-7991-411A-A923-C9D40FF938C4}">
+      <dgm:prSet phldrT="[Text]"/>
+      <dgm:spPr/>
+      <dgm:t>
+        <a:bodyPr/>
+        <a:lstStyle/>
+        <a:p>
+          <a:r>
+            <a:rPr lang="fr-CH" dirty="0" err="1"/>
+            <a:t>Signin</a:t>
+          </a:r>
+          <a:r>
+            <a:rPr lang="fr-CH" dirty="0"/>
+            <a:t> @ -15 </a:t>
+          </a:r>
+          <a:r>
+            <a:rPr lang="fr-CH" dirty="0" err="1"/>
+            <a:t>days</a:t>
+          </a:r>
+          <a:endParaRPr lang="fr-CH" dirty="0"/>
+        </a:p>
+      </dgm:t>
+    </dgm:pt>
+    <dgm:pt modelId="{27AF4FCA-1F96-4A52-A650-5950BDCE1169}" type="parTrans" cxnId="{B3CB918A-D74F-495C-A8B0-BF0BBCCC303B}">
+      <dgm:prSet/>
+      <dgm:spPr/>
+      <dgm:t>
+        <a:bodyPr/>
+        <a:lstStyle/>
+        <a:p>
+          <a:endParaRPr lang="fr-CH"/>
+        </a:p>
+      </dgm:t>
+    </dgm:pt>
+    <dgm:pt modelId="{55BAC1CD-E95C-4807-9963-52D0B2024757}" type="sibTrans" cxnId="{B3CB918A-D74F-495C-A8B0-BF0BBCCC303B}">
+      <dgm:prSet/>
+      <dgm:spPr/>
+      <dgm:t>
+        <a:bodyPr/>
+        <a:lstStyle/>
+        <a:p>
+          <a:endParaRPr lang="fr-CH"/>
+        </a:p>
+      </dgm:t>
+    </dgm:pt>
+    <dgm:pt modelId="{35AF79C6-5868-4234-8D8B-1F750F5FEDF9}">
+      <dgm:prSet phldrT="[Text]"/>
+      <dgm:spPr/>
+      <dgm:t>
+        <a:bodyPr/>
+        <a:lstStyle/>
+        <a:p>
+          <a:r>
+            <a:rPr lang="fr-CH" dirty="0" err="1"/>
+            <a:t>Signin</a:t>
+          </a:r>
+          <a:r>
+            <a:rPr lang="fr-CH" dirty="0"/>
+            <a:t> @ -1 </a:t>
+          </a:r>
+          <a:r>
+            <a:rPr lang="fr-CH" dirty="0" err="1"/>
+            <a:t>hour</a:t>
+          </a:r>
+          <a:endParaRPr lang="fr-CH" dirty="0"/>
+        </a:p>
+      </dgm:t>
+    </dgm:pt>
+    <dgm:pt modelId="{21A073EF-8FE7-489F-A98D-600072ABFE95}" type="parTrans" cxnId="{065DC095-AB4F-4C40-93B1-05AFFCD6A0C2}">
+      <dgm:prSet/>
+      <dgm:spPr/>
+      <dgm:t>
+        <a:bodyPr/>
+        <a:lstStyle/>
+        <a:p>
+          <a:endParaRPr lang="fr-CH"/>
+        </a:p>
+      </dgm:t>
+    </dgm:pt>
+    <dgm:pt modelId="{53CB126F-7C81-4857-825C-BD1BDD8E79CE}" type="sibTrans" cxnId="{065DC095-AB4F-4C40-93B1-05AFFCD6A0C2}">
+      <dgm:prSet/>
+      <dgm:spPr/>
+      <dgm:t>
+        <a:bodyPr/>
+        <a:lstStyle/>
+        <a:p>
+          <a:endParaRPr lang="fr-CH"/>
+        </a:p>
+      </dgm:t>
+    </dgm:pt>
+    <dgm:pt modelId="{3B7BEF06-A4B1-4E06-8A39-5F3915690A2C}" type="pres">
+      <dgm:prSet presAssocID="{AFA8ED57-44E3-4220-92DA-4718DB52050A}" presName="Name0" presStyleCnt="0">
+        <dgm:presLayoutVars>
+          <dgm:dir/>
+          <dgm:animLvl val="lvl"/>
+          <dgm:resizeHandles val="exact"/>
+        </dgm:presLayoutVars>
+      </dgm:prSet>
+      <dgm:spPr/>
+    </dgm:pt>
+    <dgm:pt modelId="{702393B7-285C-4A4B-A141-B462AE551A9C}" type="pres">
+      <dgm:prSet presAssocID="{F217DF84-4E26-489D-9D63-F74CB36DAC2E}" presName="composite" presStyleCnt="0"/>
+      <dgm:spPr/>
+    </dgm:pt>
+    <dgm:pt modelId="{90F612D9-D681-4720-8A7B-4DFA71792833}" type="pres">
+      <dgm:prSet presAssocID="{F217DF84-4E26-489D-9D63-F74CB36DAC2E}" presName="parTx" presStyleLbl="alignNode1" presStyleIdx="0" presStyleCnt="2">
+        <dgm:presLayoutVars>
+          <dgm:chMax val="0"/>
+          <dgm:chPref val="0"/>
+          <dgm:bulletEnabled val="1"/>
+        </dgm:presLayoutVars>
+      </dgm:prSet>
+      <dgm:spPr/>
+    </dgm:pt>
+    <dgm:pt modelId="{569E56DE-AD53-4FFB-8864-E814A1199109}" type="pres">
+      <dgm:prSet presAssocID="{F217DF84-4E26-489D-9D63-F74CB36DAC2E}" presName="desTx" presStyleLbl="alignAccFollowNode1" presStyleIdx="0" presStyleCnt="2">
+        <dgm:presLayoutVars>
+          <dgm:bulletEnabled val="1"/>
+        </dgm:presLayoutVars>
+      </dgm:prSet>
+      <dgm:spPr/>
+    </dgm:pt>
+    <dgm:pt modelId="{BF050F1E-FAE3-427F-92B4-3CB2DCA676A8}" type="pres">
+      <dgm:prSet presAssocID="{8DBE7CA3-E0EA-4C91-A89E-585277FBD91D}" presName="space" presStyleCnt="0"/>
+      <dgm:spPr/>
+    </dgm:pt>
+    <dgm:pt modelId="{927E8AA3-6B2B-46D0-A0BD-85BC2360F4FA}" type="pres">
+      <dgm:prSet presAssocID="{91DEB64B-D975-4038-9FA9-2CBC54B92AA7}" presName="composite" presStyleCnt="0"/>
+      <dgm:spPr/>
+    </dgm:pt>
+    <dgm:pt modelId="{4AF5F9C8-0910-4DD3-8480-F0E45D59F3AF}" type="pres">
+      <dgm:prSet presAssocID="{91DEB64B-D975-4038-9FA9-2CBC54B92AA7}" presName="parTx" presStyleLbl="alignNode1" presStyleIdx="1" presStyleCnt="2">
+        <dgm:presLayoutVars>
+          <dgm:chMax val="0"/>
+          <dgm:chPref val="0"/>
+          <dgm:bulletEnabled val="1"/>
+        </dgm:presLayoutVars>
+      </dgm:prSet>
+      <dgm:spPr/>
+    </dgm:pt>
+    <dgm:pt modelId="{C33463F4-D0D8-45C0-B548-FED0F621A212}" type="pres">
+      <dgm:prSet presAssocID="{91DEB64B-D975-4038-9FA9-2CBC54B92AA7}" presName="desTx" presStyleLbl="alignAccFollowNode1" presStyleIdx="1" presStyleCnt="2">
+        <dgm:presLayoutVars>
+          <dgm:bulletEnabled val="1"/>
+        </dgm:presLayoutVars>
+      </dgm:prSet>
+      <dgm:spPr/>
+    </dgm:pt>
+  </dgm:ptLst>
+  <dgm:cxnLst>
+    <dgm:cxn modelId="{44784D40-957B-4B53-8493-B20B62C8BED5}" srcId="{AFA8ED57-44E3-4220-92DA-4718DB52050A}" destId="{F217DF84-4E26-489D-9D63-F74CB36DAC2E}" srcOrd="0" destOrd="0" parTransId="{532017E8-BB73-475B-8DA1-7B4DC4EEF54B}" sibTransId="{8DBE7CA3-E0EA-4C91-A89E-585277FBD91D}"/>
+    <dgm:cxn modelId="{0C35F144-902A-43D1-A961-B0B1460FE736}" srcId="{91DEB64B-D975-4038-9FA9-2CBC54B92AA7}" destId="{6653B846-5C0E-4270-A427-DF0179A6068B}" srcOrd="1" destOrd="0" parTransId="{F49AF4F8-CDE0-434E-93F6-38C8009D7240}" sibTransId="{E6DBDAED-5E22-499D-B6E0-8AF716B7B48D}"/>
+    <dgm:cxn modelId="{67AA8950-D378-424E-9DEF-D6E4D2AD50CC}" type="presOf" srcId="{08075B61-F6AD-4030-940B-BCE2A02A9244}" destId="{C33463F4-D0D8-45C0-B548-FED0F621A212}" srcOrd="0" destOrd="0" presId="urn:microsoft.com/office/officeart/2005/8/layout/hList1"/>
+    <dgm:cxn modelId="{BD620F7B-816C-4E31-A417-A2B250F74AED}" type="presOf" srcId="{0F187E31-7991-411A-A923-C9D40FF938C4}" destId="{569E56DE-AD53-4FFB-8864-E814A1199109}" srcOrd="0" destOrd="2" presId="urn:microsoft.com/office/officeart/2005/8/layout/hList1"/>
+    <dgm:cxn modelId="{B3CB918A-D74F-495C-A8B0-BF0BBCCC303B}" srcId="{F217DF84-4E26-489D-9D63-F74CB36DAC2E}" destId="{0F187E31-7991-411A-A923-C9D40FF938C4}" srcOrd="2" destOrd="0" parTransId="{27AF4FCA-1F96-4A52-A650-5950BDCE1169}" sibTransId="{55BAC1CD-E95C-4807-9963-52D0B2024757}"/>
+    <dgm:cxn modelId="{DCB53793-C7DB-4D82-BDD6-D6F30699A92B}" srcId="{91DEB64B-D975-4038-9FA9-2CBC54B92AA7}" destId="{08075B61-F6AD-4030-940B-BCE2A02A9244}" srcOrd="0" destOrd="0" parTransId="{AF5CC230-42F9-4FA5-8038-C2F939F1C6F4}" sibTransId="{0F0F30FE-AB60-4FDF-AA62-AC999FF5BB8D}"/>
+    <dgm:cxn modelId="{065DC095-AB4F-4C40-93B1-05AFFCD6A0C2}" srcId="{91DEB64B-D975-4038-9FA9-2CBC54B92AA7}" destId="{35AF79C6-5868-4234-8D8B-1F750F5FEDF9}" srcOrd="2" destOrd="0" parTransId="{21A073EF-8FE7-489F-A98D-600072ABFE95}" sibTransId="{53CB126F-7C81-4857-825C-BD1BDD8E79CE}"/>
+    <dgm:cxn modelId="{BC59B497-56EA-46AA-9593-E5BAFB948DBD}" type="presOf" srcId="{1E7DD2C4-91D8-4B00-B1F1-62C09BC4E1EA}" destId="{569E56DE-AD53-4FFB-8864-E814A1199109}" srcOrd="0" destOrd="0" presId="urn:microsoft.com/office/officeart/2005/8/layout/hList1"/>
+    <dgm:cxn modelId="{2F45399B-D377-43AE-ADB7-A27A2518C1C5}" type="presOf" srcId="{AFA8ED57-44E3-4220-92DA-4718DB52050A}" destId="{3B7BEF06-A4B1-4E06-8A39-5F3915690A2C}" srcOrd="0" destOrd="0" presId="urn:microsoft.com/office/officeart/2005/8/layout/hList1"/>
+    <dgm:cxn modelId="{0ECDE9B8-E520-4A3E-81A7-996869F7341A}" type="presOf" srcId="{35AF79C6-5868-4234-8D8B-1F750F5FEDF9}" destId="{C33463F4-D0D8-45C0-B548-FED0F621A212}" srcOrd="0" destOrd="2" presId="urn:microsoft.com/office/officeart/2005/8/layout/hList1"/>
+    <dgm:cxn modelId="{9759F7BA-2F04-459D-9E25-B4F61A1FAF06}" srcId="{F217DF84-4E26-489D-9D63-F74CB36DAC2E}" destId="{1E7DD2C4-91D8-4B00-B1F1-62C09BC4E1EA}" srcOrd="0" destOrd="0" parTransId="{B6DB7AD7-57FD-4C00-B0DA-00B4D2BDC905}" sibTransId="{5631CC17-F638-4BE0-AFF7-C0BA9B3E2FCC}"/>
+    <dgm:cxn modelId="{2349F8C1-D035-4555-BD04-95A9BF56A937}" type="presOf" srcId="{91DEB64B-D975-4038-9FA9-2CBC54B92AA7}" destId="{4AF5F9C8-0910-4DD3-8480-F0E45D59F3AF}" srcOrd="0" destOrd="0" presId="urn:microsoft.com/office/officeart/2005/8/layout/hList1"/>
+    <dgm:cxn modelId="{B5B870CB-3B86-439C-9AB2-2E3A1C6B1F5F}" type="presOf" srcId="{EDF16CB2-0CDD-4CD6-95BA-3D2D6F669874}" destId="{569E56DE-AD53-4FFB-8864-E814A1199109}" srcOrd="0" destOrd="1" presId="urn:microsoft.com/office/officeart/2005/8/layout/hList1"/>
+    <dgm:cxn modelId="{924404D0-8C48-40FF-B194-515CF9A403C2}" srcId="{AFA8ED57-44E3-4220-92DA-4718DB52050A}" destId="{91DEB64B-D975-4038-9FA9-2CBC54B92AA7}" srcOrd="1" destOrd="0" parTransId="{16A088DB-4CCE-4DC2-92E7-F559963E91D0}" sibTransId="{D4553075-16FE-446B-9922-AF75DFCCB2C7}"/>
+    <dgm:cxn modelId="{7CB50AD3-2B5E-47D5-9210-3E6BC6D791CE}" type="presOf" srcId="{6653B846-5C0E-4270-A427-DF0179A6068B}" destId="{C33463F4-D0D8-45C0-B548-FED0F621A212}" srcOrd="0" destOrd="1" presId="urn:microsoft.com/office/officeart/2005/8/layout/hList1"/>
+    <dgm:cxn modelId="{BAFB54E1-07D3-4207-8ADC-BD88FA0BE0E8}" type="presOf" srcId="{F217DF84-4E26-489D-9D63-F74CB36DAC2E}" destId="{90F612D9-D681-4720-8A7B-4DFA71792833}" srcOrd="0" destOrd="0" presId="urn:microsoft.com/office/officeart/2005/8/layout/hList1"/>
+    <dgm:cxn modelId="{A099D3E8-FA4C-4D40-8F5B-3B4C7C3FC432}" srcId="{F217DF84-4E26-489D-9D63-F74CB36DAC2E}" destId="{EDF16CB2-0CDD-4CD6-95BA-3D2D6F669874}" srcOrd="1" destOrd="0" parTransId="{75130EE7-9598-4A91-B17A-8A24502B5484}" sibTransId="{C661A784-301F-4406-B4F2-FCDF26BF2360}"/>
+    <dgm:cxn modelId="{747F5D15-2606-4196-A704-CC634A4DDA7C}" type="presParOf" srcId="{3B7BEF06-A4B1-4E06-8A39-5F3915690A2C}" destId="{702393B7-285C-4A4B-A141-B462AE551A9C}" srcOrd="0" destOrd="0" presId="urn:microsoft.com/office/officeart/2005/8/layout/hList1"/>
+    <dgm:cxn modelId="{D48578A5-D415-48D7-AFC0-D278E0290087}" type="presParOf" srcId="{702393B7-285C-4A4B-A141-B462AE551A9C}" destId="{90F612D9-D681-4720-8A7B-4DFA71792833}" srcOrd="0" destOrd="0" presId="urn:microsoft.com/office/officeart/2005/8/layout/hList1"/>
+    <dgm:cxn modelId="{502DB70D-87BE-4EBE-83B6-C804DBDCBC22}" type="presParOf" srcId="{702393B7-285C-4A4B-A141-B462AE551A9C}" destId="{569E56DE-AD53-4FFB-8864-E814A1199109}" srcOrd="1" destOrd="0" presId="urn:microsoft.com/office/officeart/2005/8/layout/hList1"/>
+    <dgm:cxn modelId="{3901303D-FDED-4437-8916-28558E5E815C}" type="presParOf" srcId="{3B7BEF06-A4B1-4E06-8A39-5F3915690A2C}" destId="{BF050F1E-FAE3-427F-92B4-3CB2DCA676A8}" srcOrd="1" destOrd="0" presId="urn:microsoft.com/office/officeart/2005/8/layout/hList1"/>
+    <dgm:cxn modelId="{D405F3F8-CD4E-4396-A2E9-B218C7FD0BC0}" type="presParOf" srcId="{3B7BEF06-A4B1-4E06-8A39-5F3915690A2C}" destId="{927E8AA3-6B2B-46D0-A0BD-85BC2360F4FA}" srcOrd="2" destOrd="0" presId="urn:microsoft.com/office/officeart/2005/8/layout/hList1"/>
+    <dgm:cxn modelId="{20AAE606-26FE-45BD-B6B7-8D0EBFE05254}" type="presParOf" srcId="{927E8AA3-6B2B-46D0-A0BD-85BC2360F4FA}" destId="{4AF5F9C8-0910-4DD3-8480-F0E45D59F3AF}" srcOrd="0" destOrd="0" presId="urn:microsoft.com/office/officeart/2005/8/layout/hList1"/>
+    <dgm:cxn modelId="{BC76E107-F1EC-46D4-9EAE-BA6E54E63A35}" type="presParOf" srcId="{927E8AA3-6B2B-46D0-A0BD-85BC2360F4FA}" destId="{C33463F4-D0D8-45C0-B548-FED0F621A212}" srcOrd="1" destOrd="0" presId="urn:microsoft.com/office/officeart/2005/8/layout/hList1"/>
+  </dgm:cxnLst>
+  <dgm:bg/>
+  <dgm:whole/>
+  <dgm:extLst>
+    <a:ext uri="http://schemas.microsoft.com/office/drawing/2008/diagram">
+      <dsp:dataModelExt xmlns:dsp="http://schemas.microsoft.com/office/drawing/2008/diagram" relId="rId6" minVer="http://schemas.openxmlformats.org/drawingml/2006/diagram"/>
+    </a:ext>
+  </dgm:extLst>
+</dgm:dataModel>
+</file>
+
+<file path=ppt/diagrams/drawing1.xml><?xml version="1.0" encoding="utf-8"?>
+<dsp:drawing xmlns:dgm="http://schemas.openxmlformats.org/drawingml/2006/diagram" xmlns:dsp="http://schemas.microsoft.com/office/drawing/2008/diagram" xmlns:a="http://schemas.openxmlformats.org/drawingml/2006/main">
+  <dsp:spTree>
+    <dsp:nvGrpSpPr>
+      <dsp:cNvPr id="0" name=""/>
+      <dsp:cNvGrpSpPr/>
+    </dsp:nvGrpSpPr>
+    <dsp:grpSpPr/>
+    <dsp:sp modelId="{90F612D9-D681-4720-8A7B-4DFA71792833}">
+      <dsp:nvSpPr>
+        <dsp:cNvPr id="0" name=""/>
+        <dsp:cNvSpPr/>
+      </dsp:nvSpPr>
+      <dsp:spPr>
+        <a:xfrm>
+          <a:off x="51" y="213489"/>
+          <a:ext cx="4913783" cy="1267200"/>
+        </a:xfrm>
+        <a:prstGeom prst="rect">
+          <a:avLst/>
+        </a:prstGeom>
+        <a:solidFill>
+          <a:schemeClr val="accent1">
+            <a:hueOff val="0"/>
+            <a:satOff val="0"/>
+            <a:lumOff val="0"/>
+            <a:alphaOff val="0"/>
+          </a:schemeClr>
+        </a:solidFill>
+        <a:ln w="12700" cap="flat" cmpd="sng" algn="ctr">
+          <a:solidFill>
+            <a:schemeClr val="accent1">
+              <a:hueOff val="0"/>
+              <a:satOff val="0"/>
+              <a:lumOff val="0"/>
+              <a:alphaOff val="0"/>
+            </a:schemeClr>
+          </a:solidFill>
+          <a:prstDash val="solid"/>
+          <a:miter lim="800000"/>
+        </a:ln>
+        <a:effectLst/>
+      </dsp:spPr>
+      <dsp:style>
+        <a:lnRef idx="2">
+          <a:scrgbClr r="0" g="0" b="0"/>
+        </a:lnRef>
+        <a:fillRef idx="1">
+          <a:scrgbClr r="0" g="0" b="0"/>
+        </a:fillRef>
+        <a:effectRef idx="0">
+          <a:scrgbClr r="0" g="0" b="0"/>
+        </a:effectRef>
+        <a:fontRef idx="minor">
+          <a:schemeClr val="lt1"/>
+        </a:fontRef>
+      </dsp:style>
+      <dsp:txBody>
+        <a:bodyPr spcFirstLastPara="0" vert="horz" wrap="square" lIns="312928" tIns="178816" rIns="312928" bIns="178816" numCol="1" spcCol="1270" anchor="ctr" anchorCtr="0">
+          <a:noAutofit/>
+        </a:bodyPr>
+        <a:lstStyle/>
+        <a:p>
+          <a:pPr marL="0" lvl="0" indent="0" algn="ctr" defTabSz="1955800">
+            <a:lnSpc>
+              <a:spcPct val="90000"/>
+            </a:lnSpc>
+            <a:spcBef>
+              <a:spcPct val="0"/>
+            </a:spcBef>
+            <a:spcAft>
+              <a:spcPct val="35000"/>
+            </a:spcAft>
+            <a:buNone/>
+          </a:pPr>
+          <a:r>
+            <a:rPr lang="fr-CH" sz="4400" kern="1200" dirty="0" err="1"/>
+            <a:t>Fizzy.axa</a:t>
+          </a:r>
+          <a:endParaRPr lang="fr-CH" sz="4400" kern="1200" dirty="0"/>
+        </a:p>
+      </dsp:txBody>
+      <dsp:txXfrm>
+        <a:off x="51" y="213489"/>
+        <a:ext cx="4913783" cy="1267200"/>
+      </dsp:txXfrm>
+    </dsp:sp>
+    <dsp:sp modelId="{569E56DE-AD53-4FFB-8864-E814A1199109}">
+      <dsp:nvSpPr>
+        <dsp:cNvPr id="0" name=""/>
+        <dsp:cNvSpPr/>
+      </dsp:nvSpPr>
+      <dsp:spPr>
+        <a:xfrm>
+          <a:off x="51" y="1480689"/>
+          <a:ext cx="4913783" cy="2657159"/>
+        </a:xfrm>
+        <a:prstGeom prst="rect">
+          <a:avLst/>
+        </a:prstGeom>
+        <a:solidFill>
+          <a:schemeClr val="accent1">
+            <a:alpha val="90000"/>
+            <a:tint val="40000"/>
+            <a:hueOff val="0"/>
+            <a:satOff val="0"/>
+            <a:lumOff val="0"/>
+            <a:alphaOff val="0"/>
+          </a:schemeClr>
+        </a:solidFill>
+        <a:ln w="12700" cap="flat" cmpd="sng" algn="ctr">
+          <a:solidFill>
+            <a:schemeClr val="accent1">
+              <a:alpha val="90000"/>
+              <a:tint val="40000"/>
+              <a:hueOff val="0"/>
+              <a:satOff val="0"/>
+              <a:lumOff val="0"/>
+              <a:alphaOff val="0"/>
+            </a:schemeClr>
+          </a:solidFill>
+          <a:prstDash val="solid"/>
+          <a:miter lim="800000"/>
+        </a:ln>
+        <a:effectLst/>
+      </dsp:spPr>
+      <dsp:style>
+        <a:lnRef idx="2">
+          <a:scrgbClr r="0" g="0" b="0"/>
+        </a:lnRef>
+        <a:fillRef idx="1">
+          <a:scrgbClr r="0" g="0" b="0"/>
+        </a:fillRef>
+        <a:effectRef idx="0">
+          <a:scrgbClr r="0" g="0" b="0"/>
+        </a:effectRef>
+        <a:fontRef idx="minor"/>
+      </dsp:style>
+      <dsp:txBody>
+        <a:bodyPr spcFirstLastPara="0" vert="horz" wrap="square" lIns="234696" tIns="234696" rIns="312928" bIns="352044" numCol="1" spcCol="1270" anchor="t" anchorCtr="0">
+          <a:noAutofit/>
+        </a:bodyPr>
+        <a:lstStyle/>
+        <a:p>
+          <a:pPr marL="285750" lvl="1" indent="-285750" algn="l" defTabSz="1955800">
+            <a:lnSpc>
+              <a:spcPct val="90000"/>
+            </a:lnSpc>
+            <a:spcBef>
+              <a:spcPct val="0"/>
+            </a:spcBef>
+            <a:spcAft>
+              <a:spcPct val="15000"/>
+            </a:spcAft>
+            <a:buChar char="•"/>
+          </a:pPr>
+          <a:r>
+            <a:rPr lang="fr-CH" sz="4400" kern="1200" dirty="0"/>
+            <a:t>Blockchain-</a:t>
+          </a:r>
+          <a:r>
+            <a:rPr lang="fr-CH" sz="4400" kern="1200" dirty="0" err="1"/>
+            <a:t>based</a:t>
+          </a:r>
+          <a:endParaRPr lang="fr-CH" sz="4400" kern="1200" dirty="0"/>
+        </a:p>
+        <a:p>
+          <a:pPr marL="285750" lvl="1" indent="-285750" algn="l" defTabSz="1955800">
+            <a:lnSpc>
+              <a:spcPct val="90000"/>
+            </a:lnSpc>
+            <a:spcBef>
+              <a:spcPct val="0"/>
+            </a:spcBef>
+            <a:spcAft>
+              <a:spcPct val="15000"/>
+            </a:spcAft>
+            <a:buChar char="•"/>
+          </a:pPr>
+          <a:r>
+            <a:rPr lang="fr-CH" sz="4400" kern="1200" dirty="0"/>
+            <a:t>Pays @ 2h </a:t>
+          </a:r>
+          <a:r>
+            <a:rPr lang="fr-CH" sz="4400" kern="1200" dirty="0" err="1"/>
+            <a:t>late</a:t>
+          </a:r>
+          <a:endParaRPr lang="fr-CH" sz="4400" kern="1200" dirty="0"/>
+        </a:p>
+        <a:p>
+          <a:pPr marL="285750" lvl="1" indent="-285750" algn="l" defTabSz="1955800">
+            <a:lnSpc>
+              <a:spcPct val="90000"/>
+            </a:lnSpc>
+            <a:spcBef>
+              <a:spcPct val="0"/>
+            </a:spcBef>
+            <a:spcAft>
+              <a:spcPct val="15000"/>
+            </a:spcAft>
+            <a:buChar char="•"/>
+          </a:pPr>
+          <a:r>
+            <a:rPr lang="fr-CH" sz="4400" kern="1200" dirty="0" err="1"/>
+            <a:t>Signin</a:t>
+          </a:r>
+          <a:r>
+            <a:rPr lang="fr-CH" sz="4400" kern="1200" dirty="0"/>
+            <a:t> @ -15 </a:t>
+          </a:r>
+          <a:r>
+            <a:rPr lang="fr-CH" sz="4400" kern="1200" dirty="0" err="1"/>
+            <a:t>days</a:t>
+          </a:r>
+          <a:endParaRPr lang="fr-CH" sz="4400" kern="1200" dirty="0"/>
+        </a:p>
+      </dsp:txBody>
+      <dsp:txXfrm>
+        <a:off x="51" y="1480689"/>
+        <a:ext cx="4913783" cy="2657159"/>
+      </dsp:txXfrm>
+    </dsp:sp>
+    <dsp:sp modelId="{4AF5F9C8-0910-4DD3-8480-F0E45D59F3AF}">
+      <dsp:nvSpPr>
+        <dsp:cNvPr id="0" name=""/>
+        <dsp:cNvSpPr/>
+      </dsp:nvSpPr>
+      <dsp:spPr>
+        <a:xfrm>
+          <a:off x="5601764" y="213489"/>
+          <a:ext cx="4913783" cy="1267200"/>
+        </a:xfrm>
+        <a:prstGeom prst="rect">
+          <a:avLst/>
+        </a:prstGeom>
+        <a:solidFill>
+          <a:schemeClr val="accent1">
+            <a:hueOff val="0"/>
+            <a:satOff val="0"/>
+            <a:lumOff val="0"/>
+            <a:alphaOff val="0"/>
+          </a:schemeClr>
+        </a:solidFill>
+        <a:ln w="12700" cap="flat" cmpd="sng" algn="ctr">
+          <a:solidFill>
+            <a:schemeClr val="accent1">
+              <a:hueOff val="0"/>
+              <a:satOff val="0"/>
+              <a:lumOff val="0"/>
+              <a:alphaOff val="0"/>
+            </a:schemeClr>
+          </a:solidFill>
+          <a:prstDash val="solid"/>
+          <a:miter lim="800000"/>
+        </a:ln>
+        <a:effectLst/>
+      </dsp:spPr>
+      <dsp:style>
+        <a:lnRef idx="2">
+          <a:scrgbClr r="0" g="0" b="0"/>
+        </a:lnRef>
+        <a:fillRef idx="1">
+          <a:scrgbClr r="0" g="0" b="0"/>
+        </a:fillRef>
+        <a:effectRef idx="0">
+          <a:scrgbClr r="0" g="0" b="0"/>
+        </a:effectRef>
+        <a:fontRef idx="minor">
+          <a:schemeClr val="lt1"/>
+        </a:fontRef>
+      </dsp:style>
+      <dsp:txBody>
+        <a:bodyPr spcFirstLastPara="0" vert="horz" wrap="square" lIns="312928" tIns="178816" rIns="312928" bIns="178816" numCol="1" spcCol="1270" anchor="ctr" anchorCtr="0">
+          <a:noAutofit/>
+        </a:bodyPr>
+        <a:lstStyle/>
+        <a:p>
+          <a:pPr marL="0" lvl="0" indent="0" algn="ctr" defTabSz="1955800">
+            <a:lnSpc>
+              <a:spcPct val="90000"/>
+            </a:lnSpc>
+            <a:spcBef>
+              <a:spcPct val="0"/>
+            </a:spcBef>
+            <a:spcAft>
+              <a:spcPct val="35000"/>
+            </a:spcAft>
+            <a:buNone/>
+          </a:pPr>
+          <a:r>
+            <a:rPr lang="fr-CH" sz="4400" kern="1200" dirty="0" err="1"/>
+            <a:t>Mobi</a:t>
+          </a:r>
+          <a:r>
+            <a:rPr lang="fr-CH" sz="4400" kern="1200" dirty="0"/>
+            <a:t> UFI</a:t>
+          </a:r>
+        </a:p>
+      </dsp:txBody>
+      <dsp:txXfrm>
+        <a:off x="5601764" y="213489"/>
+        <a:ext cx="4913783" cy="1267200"/>
+      </dsp:txXfrm>
+    </dsp:sp>
+    <dsp:sp modelId="{C33463F4-D0D8-45C0-B548-FED0F621A212}">
+      <dsp:nvSpPr>
+        <dsp:cNvPr id="0" name=""/>
+        <dsp:cNvSpPr/>
+      </dsp:nvSpPr>
+      <dsp:spPr>
+        <a:xfrm>
+          <a:off x="5601764" y="1480689"/>
+          <a:ext cx="4913783" cy="2657159"/>
+        </a:xfrm>
+        <a:prstGeom prst="rect">
+          <a:avLst/>
+        </a:prstGeom>
+        <a:solidFill>
+          <a:schemeClr val="accent1">
+            <a:alpha val="90000"/>
+            <a:tint val="40000"/>
+            <a:hueOff val="0"/>
+            <a:satOff val="0"/>
+            <a:lumOff val="0"/>
+            <a:alphaOff val="0"/>
+          </a:schemeClr>
+        </a:solidFill>
+        <a:ln w="12700" cap="flat" cmpd="sng" algn="ctr">
+          <a:solidFill>
+            <a:schemeClr val="accent1">
+              <a:alpha val="90000"/>
+              <a:tint val="40000"/>
+              <a:hueOff val="0"/>
+              <a:satOff val="0"/>
+              <a:lumOff val="0"/>
+              <a:alphaOff val="0"/>
+            </a:schemeClr>
+          </a:solidFill>
+          <a:prstDash val="solid"/>
+          <a:miter lim="800000"/>
+        </a:ln>
+        <a:effectLst/>
+      </dsp:spPr>
+      <dsp:style>
+        <a:lnRef idx="2">
+          <a:scrgbClr r="0" g="0" b="0"/>
+        </a:lnRef>
+        <a:fillRef idx="1">
+          <a:scrgbClr r="0" g="0" b="0"/>
+        </a:fillRef>
+        <a:effectRef idx="0">
+          <a:scrgbClr r="0" g="0" b="0"/>
+        </a:effectRef>
+        <a:fontRef idx="minor"/>
+      </dsp:style>
+      <dsp:txBody>
+        <a:bodyPr spcFirstLastPara="0" vert="horz" wrap="square" lIns="234696" tIns="234696" rIns="312928" bIns="352044" numCol="1" spcCol="1270" anchor="t" anchorCtr="0">
+          <a:noAutofit/>
+        </a:bodyPr>
+        <a:lstStyle/>
+        <a:p>
+          <a:pPr marL="285750" lvl="1" indent="-285750" algn="l" defTabSz="1955800">
+            <a:lnSpc>
+              <a:spcPct val="90000"/>
+            </a:lnSpc>
+            <a:spcBef>
+              <a:spcPct val="0"/>
+            </a:spcBef>
+            <a:spcAft>
+              <a:spcPct val="15000"/>
+            </a:spcAft>
+            <a:buChar char="•"/>
+          </a:pPr>
+          <a:r>
+            <a:rPr lang="fr-CH" sz="4400" kern="1200" dirty="0"/>
+            <a:t>No blockchain</a:t>
+          </a:r>
+        </a:p>
+        <a:p>
+          <a:pPr marL="285750" lvl="1" indent="-285750" algn="l" defTabSz="1955800">
+            <a:lnSpc>
+              <a:spcPct val="90000"/>
+            </a:lnSpc>
+            <a:spcBef>
+              <a:spcPct val="0"/>
+            </a:spcBef>
+            <a:spcAft>
+              <a:spcPct val="15000"/>
+            </a:spcAft>
+            <a:buChar char="•"/>
+          </a:pPr>
+          <a:r>
+            <a:rPr lang="fr-CH" sz="4400" kern="1200" dirty="0"/>
+            <a:t>Pays @ 1h </a:t>
+          </a:r>
+          <a:r>
+            <a:rPr lang="fr-CH" sz="4400" kern="1200" dirty="0" err="1"/>
+            <a:t>late</a:t>
+          </a:r>
+          <a:endParaRPr lang="fr-CH" sz="4400" kern="1200" dirty="0"/>
+        </a:p>
+        <a:p>
+          <a:pPr marL="285750" lvl="1" indent="-285750" algn="l" defTabSz="1955800">
+            <a:lnSpc>
+              <a:spcPct val="90000"/>
+            </a:lnSpc>
+            <a:spcBef>
+              <a:spcPct val="0"/>
+            </a:spcBef>
+            <a:spcAft>
+              <a:spcPct val="15000"/>
+            </a:spcAft>
+            <a:buChar char="•"/>
+          </a:pPr>
+          <a:r>
+            <a:rPr lang="fr-CH" sz="4400" kern="1200" dirty="0" err="1"/>
+            <a:t>Signin</a:t>
+          </a:r>
+          <a:r>
+            <a:rPr lang="fr-CH" sz="4400" kern="1200" dirty="0"/>
+            <a:t> @ -1 </a:t>
+          </a:r>
+          <a:r>
+            <a:rPr lang="fr-CH" sz="4400" kern="1200" dirty="0" err="1"/>
+            <a:t>hour</a:t>
+          </a:r>
+          <a:endParaRPr lang="fr-CH" sz="4400" kern="1200" dirty="0"/>
+        </a:p>
+      </dsp:txBody>
+      <dsp:txXfrm>
+        <a:off x="5601764" y="1480689"/>
+        <a:ext cx="4913783" cy="2657159"/>
+      </dsp:txXfrm>
+    </dsp:sp>
+  </dsp:spTree>
+</dsp:drawing>
+</file>
+
+<file path=ppt/diagrams/layout1.xml><?xml version="1.0" encoding="utf-8"?>
+<dgm:layoutDef xmlns:dgm="http://schemas.openxmlformats.org/drawingml/2006/diagram" xmlns:a="http://schemas.openxmlformats.org/drawingml/2006/main" uniqueId="urn:microsoft.com/office/officeart/2005/8/layout/hList1">
+  <dgm:title val=""/>
+  <dgm:desc val=""/>
+  <dgm:catLst>
+    <dgm:cat type="list" pri="5000"/>
+    <dgm:cat type="convert" pri="5000"/>
+  </dgm:catLst>
+  <dgm:sampData>
+    <dgm:dataModel>
+      <dgm:ptLst>
+        <dgm:pt modelId="0" type="doc"/>
+        <dgm:pt modelId="1">
+          <dgm:prSet phldr="1"/>
+        </dgm:pt>
+        <dgm:pt modelId="11">
+          <dgm:prSet phldr="1"/>
+        </dgm:pt>
+        <dgm:pt modelId="12">
+          <dgm:prSet phldr="1"/>
+        </dgm:pt>
+        <dgm:pt modelId="2">
+          <dgm:prSet phldr="1"/>
+        </dgm:pt>
+        <dgm:pt modelId="21">
+          <dgm:prSet phldr="1"/>
+        </dgm:pt>
+        <dgm:pt modelId="22">
+          <dgm:prSet phldr="1"/>
+        </dgm:pt>
+        <dgm:pt modelId="3">
+          <dgm:prSet phldr="1"/>
+        </dgm:pt>
+        <dgm:pt modelId="31">
+          <dgm:prSet phldr="1"/>
+        </dgm:pt>
+        <dgm:pt modelId="32">
+          <dgm:prSet phldr="1"/>
+        </dgm:pt>
+      </dgm:ptLst>
+      <dgm:cxnLst>
+        <dgm:cxn modelId="4" srcId="0" destId="1" srcOrd="0" destOrd="0"/>
+        <dgm:cxn modelId="5" srcId="0" destId="2" srcOrd="1" destOrd="0"/>
+        <dgm:cxn modelId="6" srcId="0" destId="3" srcOrd="2" destOrd="0"/>
+        <dgm:cxn modelId="13" srcId="1" destId="11" srcOrd="0" destOrd="0"/>
+        <dgm:cxn modelId="14" srcId="1" destId="12" srcOrd="1" destOrd="0"/>
+        <dgm:cxn modelId="23" srcId="2" destId="21" srcOrd="0" destOrd="0"/>
+        <dgm:cxn modelId="24" srcId="2" destId="22" srcOrd="1" destOrd="0"/>
+        <dgm:cxn modelId="33" srcId="3" destId="31" srcOrd="0" destOrd="0"/>
+        <dgm:cxn modelId="34" srcId="3" destId="32" srcOrd="1" destOrd="0"/>
+      </dgm:cxnLst>
+      <dgm:bg/>
+      <dgm:whole/>
+    </dgm:dataModel>
+  </dgm:sampData>
+  <dgm:styleData>
+    <dgm:dataModel>
+      <dgm:ptLst>
+        <dgm:pt modelId="0" type="doc"/>
+        <dgm:pt modelId="1">
+          <dgm:prSet phldr="1"/>
+        </dgm:pt>
+        <dgm:pt modelId="2">
+          <dgm:prSet phldr="1"/>
+        </dgm:pt>
+      </dgm:ptLst>
+      <dgm:cxnLst>
+        <dgm:cxn modelId="3" srcId="0" destId="1" srcOrd="0" destOrd="0"/>
+        <dgm:cxn modelId="4" srcId="0" destId="2" srcOrd="1" destOrd="0"/>
+      </dgm:cxnLst>
+      <dgm:bg/>
+      <dgm:whole/>
+    </dgm:dataModel>
+  </dgm:styleData>
+  <dgm:clrData>
+    <dgm:dataModel>
+      <dgm:ptLst>
+        <dgm:pt modelId="0" type="doc"/>
+        <dgm:pt modelId="1">
+          <dgm:prSet phldr="1"/>
+        </dgm:pt>
+        <dgm:pt modelId="2">
+          <dgm:prSet phldr="1"/>
+        </dgm:pt>
+        <dgm:pt modelId="3">
+          <dgm:prSet phldr="1"/>
+        </dgm:pt>
+        <dgm:pt modelId="4">
+          <dgm:prSet phldr="1"/>
+        </dgm:pt>
+      </dgm:ptLst>
+      <dgm:cxnLst>
+        <dgm:cxn modelId="5" srcId="0" destId="1" srcOrd="0" destOrd="0"/>
+        <dgm:cxn modelId="6" srcId="0" destId="2" srcOrd="1" destOrd="0"/>
+        <dgm:cxn modelId="7" srcId="0" destId="3" srcOrd="2" destOrd="0"/>
+        <dgm:cxn modelId="8" srcId="0" destId="4" srcOrd="3" destOrd="0"/>
+      </dgm:cxnLst>
+      <dgm:bg/>
+      <dgm:whole/>
+    </dgm:dataModel>
+  </dgm:clrData>
+  <dgm:layoutNode name="Name0">
+    <dgm:varLst>
+      <dgm:dir/>
+      <dgm:animLvl val="lvl"/>
+      <dgm:resizeHandles val="exact"/>
+    </dgm:varLst>
+    <dgm:choose name="Name1">
+      <dgm:if name="Name2" func="var" arg="dir" op="equ" val="norm">
+        <dgm:alg type="lin"/>
+      </dgm:if>
+      <dgm:else name="Name3">
+        <dgm:alg type="lin">
+          <dgm:param type="linDir" val="fromR"/>
+        </dgm:alg>
+      </dgm:else>
+    </dgm:choose>
+    <dgm:shape xmlns:r="http://schemas.openxmlformats.org/officeDocument/2006/relationships" r:blip="">
+      <dgm:adjLst/>
+    </dgm:shape>
+    <dgm:presOf/>
+    <dgm:constrLst>
+      <dgm:constr type="h" for="ch" forName="composite" refType="h"/>
+      <dgm:constr type="w" for="ch" forName="composite" refType="w"/>
+      <dgm:constr type="w" for="des" forName="parTx"/>
+      <dgm:constr type="h" for="des" forName="parTx" op="equ"/>
+      <dgm:constr type="w" for="des" forName="desTx"/>
+      <dgm:constr type="h" for="des" forName="desTx" op="equ"/>
+      <dgm:constr type="primFontSz" for="des" forName="parTx" val="65"/>
+      <dgm:constr type="secFontSz" for="des" forName="desTx" refType="primFontSz" refFor="des" refForName="parTx" op="equ"/>
+      <dgm:constr type="h" for="des" forName="parTx" refType="primFontSz" refFor="des" refForName="parTx" fact="0.8"/>
+      <dgm:constr type="h" for="des" forName="desTx" refType="primFontSz" refFor="des" refForName="parTx" fact="1.22"/>
+      <dgm:constr type="w" for="ch" forName="space" refType="w" refFor="ch" refForName="composite" op="equ" fact="0.14"/>
+    </dgm:constrLst>
+    <dgm:ruleLst>
+      <dgm:rule type="w" for="ch" forName="composite" val="0" fact="NaN" max="NaN"/>
+      <dgm:rule type="primFontSz" for="des" forName="parTx" val="5" fact="NaN" max="NaN"/>
+    </dgm:ruleLst>
+    <dgm:forEach name="Name4" axis="ch" ptType="node">
+      <dgm:layoutNode name="composite">
+        <dgm:alg type="composite"/>
+        <dgm:shape xmlns:r="http://schemas.openxmlformats.org/officeDocument/2006/relationships" r:blip="">
+          <dgm:adjLst/>
+        </dgm:shape>
+        <dgm:presOf/>
+        <dgm:constrLst>
+          <dgm:constr type="l" for="ch" forName="parTx"/>
+          <dgm:constr type="w" for="ch" forName="parTx" refType="w"/>
+          <dgm:constr type="t" for="ch" forName="parTx"/>
+          <dgm:constr type="l" for="ch" forName="desTx"/>
+          <dgm:constr type="w" for="ch" forName="desTx" refType="w" refFor="ch" refForName="parTx"/>
+          <dgm:constr type="t" for="ch" forName="desTx" refType="h" refFor="ch" refForName="parTx"/>
+        </dgm:constrLst>
+        <dgm:ruleLst>
+          <dgm:rule type="h" val="INF" fact="NaN" max="NaN"/>
+        </dgm:ruleLst>
+        <dgm:layoutNode name="parTx" styleLbl="alignNode1">
+          <dgm:varLst>
+            <dgm:chMax val="0"/>
+            <dgm:chPref val="0"/>
+            <dgm:bulletEnabled val="1"/>
+          </dgm:varLst>
+          <dgm:alg type="tx"/>
+          <dgm:shape xmlns:r="http://schemas.openxmlformats.org/officeDocument/2006/relationships" type="rect" r:blip="">
+            <dgm:adjLst/>
+          </dgm:shape>
+          <dgm:presOf axis="self" ptType="node"/>
+          <dgm:constrLst>
+            <dgm:constr type="h" refType="w" op="lte" fact="0.4"/>
+            <dgm:constr type="h"/>
+            <dgm:constr type="tMarg" refType="primFontSz" fact="0.32"/>
+            <dgm:constr type="bMarg" refType="primFontSz" fact="0.32"/>
+          </dgm:constrLst>
+          <dgm:ruleLst>
+            <dgm:rule type="h" val="INF" fact="NaN" max="NaN"/>
+          </dgm:ruleLst>
+        </dgm:layoutNode>
+        <dgm:layoutNode name="desTx" styleLbl="alignAccFollowNode1">
+          <dgm:varLst>
+            <dgm:bulletEnabled val="1"/>
+          </dgm:varLst>
+          <dgm:alg type="tx">
+            <dgm:param type="stBulletLvl" val="1"/>
+          </dgm:alg>
+          <dgm:shape xmlns:r="http://schemas.openxmlformats.org/officeDocument/2006/relationships" type="rect" r:blip="">
+            <dgm:adjLst/>
+          </dgm:shape>
+          <dgm:presOf axis="des" ptType="node"/>
+          <dgm:constrLst>
+            <dgm:constr type="secFontSz" val="65"/>
+            <dgm:constr type="primFontSz" refType="secFontSz"/>
+            <dgm:constr type="h"/>
+            <dgm:constr type="lMarg" refType="primFontSz" fact="0.42"/>
+            <dgm:constr type="tMarg" refType="primFontSz" fact="0.42"/>
+            <dgm:constr type="bMarg" refType="primFontSz" fact="0.63"/>
+          </dgm:constrLst>
+          <dgm:ruleLst>
+            <dgm:rule type="h" val="INF" fact="NaN" max="NaN"/>
+          </dgm:ruleLst>
+        </dgm:layoutNode>
+      </dgm:layoutNode>
+      <dgm:forEach name="Name5" axis="followSib" ptType="sibTrans" cnt="1">
+        <dgm:layoutNode name="space">
+          <dgm:alg type="sp"/>
+          <dgm:shape xmlns:r="http://schemas.openxmlformats.org/officeDocument/2006/relationships" r:blip="">
+            <dgm:adjLst/>
+          </dgm:shape>
+          <dgm:presOf/>
+          <dgm:constrLst/>
+          <dgm:ruleLst/>
+        </dgm:layoutNode>
+      </dgm:forEach>
+    </dgm:forEach>
+  </dgm:layoutNode>
+</dgm:layoutDef>
+</file>
+
+<file path=ppt/diagrams/quickStyle1.xml><?xml version="1.0" encoding="utf-8"?>
+<dgm:styleDef xmlns:dgm="http://schemas.openxmlformats.org/drawingml/2006/diagram" xmlns:a="http://schemas.openxmlformats.org/drawingml/2006/main" uniqueId="urn:microsoft.com/office/officeart/2005/8/quickstyle/simple1">
+  <dgm:title val=""/>
+  <dgm:desc val=""/>
+  <dgm:catLst>
+    <dgm:cat type="simple" pri="10100"/>
+  </dgm:catLst>
+  <dgm:scene3d>
+    <a:camera prst="orthographicFront"/>
+    <a:lightRig rig="threePt" dir="t"/>
+  </dgm:scene3d>
+  <dgm:styleLbl name="node0">
+    <dgm:scene3d>
+      <a:camera prst="orthographicFront"/>
+      <a:lightRig rig="threePt" dir="t"/>
+    </dgm:scene3d>
+    <dgm:sp3d/>
+    <dgm:txPr/>
+    <dgm:style>
+      <a:lnRef idx="2">
+        <a:scrgbClr r="0" g="0" b="0"/>
+      </a:lnRef>
+      <a:fillRef idx="1">
+        <a:scrgbClr r="0" g="0" b="0"/>
+      </a:fillRef>
+      <a:effectRef idx="0">
+        <a:scrgbClr r="0" g="0" b="0"/>
+      </a:effectRef>
+      <a:fontRef idx="minor">
+        <a:schemeClr val="lt1"/>
+      </a:fontRef>
+    </dgm:style>
+  </dgm:styleLbl>
+  <dgm:styleLbl name="lnNode1">
+    <dgm:scene3d>
+      <a:camera prst="orthographicFront"/>
+      <a:lightRig rig="threePt" dir="t"/>
+    </dgm:scene3d>
+    <dgm:sp3d/>
+    <dgm:txPr/>
+    <dgm:style>
+      <a:lnRef idx="2">
+        <a:scrgbClr r="0" g="0" b="0"/>
+      </a:lnRef>
+      <a:fillRef idx="1">
+        <a:scrgbClr r="0" g="0" b="0"/>
+      </a:fillRef>
+      <a:effectRef idx="0">
+        <a:scrgbClr r="0" g="0" b="0"/>
+      </a:effectRef>
+      <a:fontRef idx="minor">
+        <a:schemeClr val="lt1"/>
+      </a:fontRef>
+    </dgm:style>
+  </dgm:styleLbl>
+  <dgm:styleLbl name="vennNode1">
+    <dgm:scene3d>
+      <a:camera prst="orthographicFront"/>
+      <a:lightRig rig="threePt" dir="t"/>
+    </dgm:scene3d>
+    <dgm:sp3d/>
+    <dgm:txPr/>
+    <dgm:style>
+      <a:lnRef idx="2">
+        <a:scrgbClr r="0" g="0" b="0"/>
+      </a:lnRef>
+      <a:fillRef idx="1">
+        <a:scrgbClr r="0" g="0" b="0"/>
+      </a:fillRef>
+      <a:effectRef idx="0">
+        <a:scrgbClr r="0" g="0" b="0"/>
+      </a:effectRef>
+      <a:fontRef idx="minor">
+        <a:schemeClr val="tx1"/>
+      </a:fontRef>
+    </dgm:style>
+  </dgm:styleLbl>
+  <dgm:styleLbl name="alignNode1">
+    <dgm:scene3d>
+      <a:camera prst="orthographicFront"/>
+      <a:lightRig rig="threePt" dir="t"/>
+    </dgm:scene3d>
+    <dgm:sp3d/>
+    <dgm:txPr/>
+    <dgm:style>
+      <a:lnRef idx="2">
+        <a:scrgbClr r="0" g="0" b="0"/>
+      </a:lnRef>
+      <a:fillRef idx="1">
+        <a:scrgbClr r="0" g="0" b="0"/>
+      </a:fillRef>
+      <a:effectRef idx="0">
+        <a:scrgbClr r="0" g="0" b="0"/>
+      </a:effectRef>
+      <a:fontRef idx="minor">
+        <a:schemeClr val="lt1"/>
+      </a:fontRef>
+    </dgm:style>
+  </dgm:styleLbl>
+  <dgm:styleLbl name="node1">
+    <dgm:scene3d>
+      <a:camera prst="orthographicFront"/>
+      <a:lightRig rig="threePt" dir="t"/>
+    </dgm:scene3d>
+    <dgm:sp3d/>
+    <dgm:txPr/>
+    <dgm:style>
+      <a:lnRef idx="2">
+        <a:scrgbClr r="0" g="0" b="0"/>
+      </a:lnRef>
+      <a:fillRef idx="1">
+        <a:scrgbClr r="0" g="0" b="0"/>
+      </a:fillRef>
+      <a:effectRef idx="0">
+        <a:scrgbClr r="0" g="0" b="0"/>
+      </a:effectRef>
+      <a:fontRef idx="minor">
+        <a:schemeClr val="lt1"/>
+      </a:fontRef>
+    </dgm:style>
+  </dgm:styleLbl>
+  <dgm:styleLbl name="node2">
+    <dgm:scene3d>
+      <a:camera prst="orthographicFront"/>
+      <a:lightRig rig="threePt" dir="t"/>
+    </dgm:scene3d>
+    <dgm:sp3d/>
+    <dgm:txPr/>
+    <dgm:style>
+      <a:lnRef idx="2">
+        <a:scrgbClr r="0" g="0" b="0"/>
+      </a:lnRef>
+      <a:fillRef idx="1">
+        <a:scrgbClr r="0" g="0" b="0"/>
+      </a:fillRef>
+      <a:effectRef idx="0">
+        <a:scrgbClr r="0" g="0" b="0"/>
+      </a:effectRef>
+      <a:fontRef idx="minor">
+        <a:schemeClr val="lt1"/>
+      </a:fontRef>
+    </dgm:style>
+  </dgm:styleLbl>
+  <dgm:styleLbl name="node3">
+    <dgm:scene3d>
+      <a:camera prst="orthographicFront"/>
+      <a:lightRig rig="threePt" dir="t"/>
+    </dgm:scene3d>
+    <dgm:sp3d/>
+    <dgm:txPr/>
+    <dgm:style>
+      <a:lnRef idx="2">
+        <a:scrgbClr r="0" g="0" b="0"/>
+      </a:lnRef>
+      <a:fillRef idx="1">
+        <a:scrgbClr r="0" g="0" b="0"/>
+      </a:fillRef>
+      <a:effectRef idx="0">
+        <a:scrgbClr r="0" g="0" b="0"/>
+      </a:effectRef>
+      <a:fontRef idx="minor">
+        <a:schemeClr val="lt1"/>
+      </a:fontRef>
+    </dgm:style>
+  </dgm:styleLbl>
+  <dgm:styleLbl name="node4">
+    <dgm:scene3d>
+      <a:camera prst="orthographicFront"/>
+      <a:lightRig rig="threePt" dir="t"/>
+    </dgm:scene3d>
+    <dgm:sp3d/>
+    <dgm:txPr/>
+    <dgm:style>
+      <a:lnRef idx="2">
+        <a:scrgbClr r="0" g="0" b="0"/>
+      </a:lnRef>
+      <a:fillRef idx="1">
+        <a:scrgbClr r="0" g="0" b="0"/>
+      </a:fillRef>
+      <a:effectRef idx="0">
+        <a:scrgbClr r="0" g="0" b="0"/>
+      </a:effectRef>
+      <a:fontRef idx="minor">
+        <a:schemeClr val="lt1"/>
+      </a:fontRef>
+    </dgm:style>
+  </dgm:styleLbl>
+  <dgm:styleLbl name="fgImgPlace1">
+    <dgm:scene3d>
+      <a:camera prst="orthographicFront"/>
+      <a:lightRig rig="threePt" dir="t"/>
+    </dgm:scene3d>
+    <dgm:sp3d/>
+    <dgm:txPr/>
+    <dgm:style>
+      <a:lnRef idx="2">
+        <a:scrgbClr r="0" g="0" b="0"/>
+      </a:lnRef>
+      <a:fillRef idx="1">
+        <a:scrgbClr r="0" g="0" b="0"/>
+      </a:fillRef>
+      <a:effectRef idx="0">
+        <a:scrgbClr r="0" g="0" b="0"/>
+      </a:effectRef>
+      <a:fontRef idx="minor"/>
+    </dgm:style>
+  </dgm:styleLbl>
+  <dgm:styleLbl name="alignImgPlace1">
+    <dgm:scene3d>
+      <a:camera prst="orthographicFront"/>
+      <a:lightRig rig="threePt" dir="t"/>
+    </dgm:scene3d>
+    <dgm:sp3d/>
+    <dgm:txPr/>
+    <dgm:style>
+      <a:lnRef idx="2">
+        <a:scrgbClr r="0" g="0" b="0"/>
+      </a:lnRef>
+      <a:fillRef idx="1">
+        <a:scrgbClr r="0" g="0" b="0"/>
+      </a:fillRef>
+      <a:effectRef idx="0">
+        <a:scrgbClr r="0" g="0" b="0"/>
+      </a:effectRef>
+      <a:fontRef idx="minor"/>
+    </dgm:style>
+  </dgm:styleLbl>
+  <dgm:styleLbl name="bgImgPlace1">
+    <dgm:scene3d>
+      <a:camera prst="orthographicFront"/>
+      <a:lightRig rig="threePt" dir="t"/>
+    </dgm:scene3d>
+    <dgm:sp3d/>
+    <dgm:txPr/>
+    <dgm:style>
+      <a:lnRef idx="2">
+        <a:scrgbClr r="0" g="0" b="0"/>
+      </a:lnRef>
+      <a:fillRef idx="1">
+        <a:scrgbClr r="0" g="0" b="0"/>
+      </a:fillRef>
+      <a:effectRef idx="0">
+        <a:scrgbClr r="0" g="0" b="0"/>
+      </a:effectRef>
+      <a:fontRef idx="minor"/>
+    </dgm:style>
+  </dgm:styleLbl>
+  <dgm:styleLbl name="sibTrans2D1">
+    <dgm:scene3d>
+      <a:camera prst="orthographicFront"/>
+      <a:lightRig rig="threePt" dir="t"/>
+    </dgm:scene3d>
+    <dgm:sp3d/>
+    <dgm:txPr/>
+    <dgm:style>
+      <a:lnRef idx="0">
+        <a:scrgbClr r="0" g="0" b="0"/>
+      </a:lnRef>
+      <a:fillRef idx="1">
+        <a:scrgbClr r="0" g="0" b="0"/>
+      </a:fillRef>
+      <a:effectRef idx="0">
+        <a:scrgbClr r="0" g="0" b="0"/>
+      </a:effectRef>
+      <a:fontRef idx="minor">
+        <a:schemeClr val="lt1"/>
+      </a:fontRef>
+    </dgm:style>
+  </dgm:styleLbl>
+  <dgm:styleLbl name="fgSibTrans2D1">
+    <dgm:scene3d>
+      <a:camera prst="orthographicFront"/>
+      <a:lightRig rig="threePt" dir="t"/>
+    </dgm:scene3d>
+    <dgm:sp3d/>
+    <dgm:txPr/>
+    <dgm:style>
+      <a:lnRef idx="0">
+        <a:scrgbClr r="0" g="0" b="0"/>
+      </a:lnRef>
+      <a:fillRef idx="1">
+        <a:scrgbClr r="0" g="0" b="0"/>
+      </a:fillRef>
+      <a:effectRef idx="0">
+        <a:scrgbClr r="0" g="0" b="0"/>
+      </a:effectRef>
+      <a:fontRef idx="minor">
+        <a:schemeClr val="lt1"/>
+      </a:fontRef>
+    </dgm:style>
+  </dgm:styleLbl>
+  <dgm:styleLbl name="bgSibTrans2D1">
+    <dgm:scene3d>
+      <a:camera prst="orthographicFront"/>
+      <a:lightRig rig="threePt" dir="t"/>
+    </dgm:scene3d>
+    <dgm:sp3d/>
+    <dgm:txPr/>
+    <dgm:style>
+      <a:lnRef idx="0">
+        <a:scrgbClr r="0" g="0" b="0"/>
+      </a:lnRef>
+      <a:fillRef idx="1">
+        <a:scrgbClr r="0" g="0" b="0"/>
+      </a:fillRef>
+      <a:effectRef idx="0">
+        <a:scrgbClr r="0" g="0" b="0"/>
+      </a:effectRef>
+      <a:fontRef idx="minor">
+        <a:schemeClr val="lt1"/>
+      </a:fontRef>
+    </dgm:style>
+  </dgm:styleLbl>
+  <dgm:styleLbl name="sibTrans1D1">
+    <dgm:scene3d>
+      <a:camera prst="orthographicFront"/>
+      <a:lightRig rig="threePt" dir="t"/>
+    </dgm:scene3d>
+    <dgm:sp3d/>
+    <dgm:txPr/>
+    <dgm:style>
+      <a:lnRef idx="1">
+        <a:scrgbClr r="0" g="0" b="0"/>
+      </a:lnRef>
+      <a:fillRef idx="0">
+        <a:scrgbClr r="0" g="0" b="0"/>
+      </a:fillRef>
+      <a:effectRef idx="0">
+        <a:scrgbClr r="0" g="0" b="0"/>
+      </a:effectRef>
+      <a:fontRef idx="minor"/>
+    </dgm:style>
+  </dgm:styleLbl>
+  <dgm:styleLbl name="callout">
+    <dgm:scene3d>
+      <a:camera prst="orthographicFront"/>
+      <a:lightRig rig="threePt" dir="t"/>
+    </dgm:scene3d>
+    <dgm:sp3d/>
+    <dgm:txPr/>
+    <dgm:style>
+      <a:lnRef idx="2">
+        <a:scrgbClr r="0" g="0" b="0"/>
+      </a:lnRef>
+      <a:fillRef idx="1">
+        <a:scrgbClr r="0" g="0" b="0"/>
+      </a:fillRef>
+      <a:effectRef idx="0">
+        <a:scrgbClr r="0" g="0" b="0"/>
+      </a:effectRef>
+      <a:fontRef idx="minor"/>
+    </dgm:style>
+  </dgm:styleLbl>
+  <dgm:styleLbl name="asst0">
+    <dgm:scene3d>
+      <a:camera prst="orthographicFront"/>
+      <a:lightRig rig="threePt" dir="t"/>
+    </dgm:scene3d>
+    <dgm:sp3d/>
+    <dgm:txPr/>
+    <dgm:style>
+      <a:lnRef idx="2">
+        <a:scrgbClr r="0" g="0" b="0"/>
+      </a:lnRef>
+      <a:fillRef idx="1">
+        <a:scrgbClr r="0" g="0" b="0"/>
+      </a:fillRef>
+      <a:effectRef idx="0">
+        <a:scrgbClr r="0" g="0" b="0"/>
+      </a:effectRef>
+      <a:fontRef idx="minor">
+        <a:schemeClr val="lt1"/>
+      </a:fontRef>
+    </dgm:style>
+  </dgm:styleLbl>
+  <dgm:styleLbl name="asst1">
+    <dgm:scene3d>
+      <a:camera prst="orthographicFront"/>
+      <a:lightRig rig="threePt" dir="t"/>
+    </dgm:scene3d>
+    <dgm:sp3d/>
+    <dgm:txPr/>
+    <dgm:style>
+      <a:lnRef idx="2">
+        <a:scrgbClr r="0" g="0" b="0"/>
+      </a:lnRef>
+      <a:fillRef idx="1">
+        <a:scrgbClr r="0" g="0" b="0"/>
+      </a:fillRef>
+      <a:effectRef idx="0">
+        <a:scrgbClr r="0" g="0" b="0"/>
+      </a:effectRef>
+      <a:fontRef idx="minor">
+        <a:schemeClr val="lt1"/>
+      </a:fontRef>
+    </dgm:style>
+  </dgm:styleLbl>
+  <dgm:styleLbl name="asst2">
+    <dgm:scene3d>
+      <a:camera prst="orthographicFront"/>
+      <a:lightRig rig="threePt" dir="t"/>
+    </dgm:scene3d>
+    <dgm:sp3d/>
+    <dgm:txPr/>
+    <dgm:style>
+      <a:lnRef idx="2">
+        <a:scrgbClr r="0" g="0" b="0"/>
+      </a:lnRef>
+      <a:fillRef idx="1">
+        <a:scrgbClr r="0" g="0" b="0"/>
+      </a:fillRef>
+      <a:effectRef idx="0">
+        <a:scrgbClr r="0" g="0" b="0"/>
+      </a:effectRef>
+      <a:fontRef idx="minor">
+        <a:schemeClr val="lt1"/>
+      </a:fontRef>
+    </dgm:style>
+  </dgm:styleLbl>
+  <dgm:styleLbl name="asst3">
+    <dgm:scene3d>
+      <a:camera prst="orthographicFront"/>
+      <a:lightRig rig="threePt" dir="t"/>
+    </dgm:scene3d>
+    <dgm:sp3d/>
+    <dgm:txPr/>
+    <dgm:style>
+      <a:lnRef idx="2">
+        <a:scrgbClr r="0" g="0" b="0"/>
+      </a:lnRef>
+      <a:fillRef idx="1">
+        <a:scrgbClr r="0" g="0" b="0"/>
+      </a:fillRef>
+      <a:effectRef idx="0">
+        <a:scrgbClr r="0" g="0" b="0"/>
+      </a:effectRef>
+      <a:fontRef idx="minor">
+        <a:schemeClr val="lt1"/>
+      </a:fontRef>
+    </dgm:style>
+  </dgm:styleLbl>
+  <dgm:styleLbl name="asst4">
+    <dgm:scene3d>
+      <a:camera prst="orthographicFront"/>
+      <a:lightRig rig="threePt" dir="t"/>
+    </dgm:scene3d>
+    <dgm:sp3d/>
+    <dgm:txPr/>
+    <dgm:style>
+      <a:lnRef idx="2">
+        <a:scrgbClr r="0" g="0" b="0"/>
+      </a:lnRef>
+      <a:fillRef idx="1">
+        <a:scrgbClr r="0" g="0" b="0"/>
+      </a:fillRef>
+      <a:effectRef idx="0">
+        <a:scrgbClr r="0" g="0" b="0"/>
+      </a:effectRef>
+      <a:fontRef idx="minor">
+        <a:schemeClr val="lt1"/>
+      </a:fontRef>
+    </dgm:style>
+  </dgm:styleLbl>
+  <dgm:styleLbl name="parChTrans2D1">
+    <dgm:scene3d>
+      <a:camera prst="orthographicFront"/>
+      <a:lightRig rig="threePt" dir="t"/>
+    </dgm:scene3d>
+    <dgm:sp3d/>
+    <dgm:txPr/>
+    <dgm:style>
+      <a:lnRef idx="2">
+        <a:scrgbClr r="0" g="0" b="0"/>
+      </a:lnRef>
+      <a:fillRef idx="1">
+        <a:scrgbClr r="0" g="0" b="0"/>
+      </a:fillRef>
+      <a:effectRef idx="0">
+        <a:scrgbClr r="0" g="0" b="0"/>
+      </a:effectRef>
+      <a:fontRef idx="minor">
+        <a:schemeClr val="lt1"/>
+      </a:fontRef>
+    </dgm:style>
+  </dgm:styleLbl>
+  <dgm:styleLbl name="parChTrans2D2">
+    <dgm:scene3d>
+      <a:camera prst="orthographicFront"/>
+      <a:lightRig rig="threePt" dir="t"/>
+    </dgm:scene3d>
+    <dgm:sp3d/>
+    <dgm:txPr/>
+    <dgm:style>
+      <a:lnRef idx="2">
+        <a:scrgbClr r="0" g="0" b="0"/>
+      </a:lnRef>
+      <a:fillRef idx="1">
+        <a:scrgbClr r="0" g="0" b="0"/>
+      </a:fillRef>
+      <a:effectRef idx="0">
+        <a:scrgbClr r="0" g="0" b="0"/>
+      </a:effectRef>
+      <a:fontRef idx="minor">
+        <a:schemeClr val="lt1"/>
+      </a:fontRef>
+    </dgm:style>
+  </dgm:styleLbl>
+  <dgm:styleLbl name="parChTrans2D3">
+    <dgm:scene3d>
+      <a:camera prst="orthographicFront"/>
+      <a:lightRig rig="threePt" dir="t"/>
+    </dgm:scene3d>
+    <dgm:sp3d/>
+    <dgm:txPr/>
+    <dgm:style>
+      <a:lnRef idx="2">
+        <a:scrgbClr r="0" g="0" b="0"/>
+      </a:lnRef>
+      <a:fillRef idx="1">
+        <a:scrgbClr r="0" g="0" b="0"/>
+      </a:fillRef>
+      <a:effectRef idx="0">
+        <a:scrgbClr r="0" g="0" b="0"/>
+      </a:effectRef>
+      <a:fontRef idx="minor">
+        <a:schemeClr val="lt1"/>
+      </a:fontRef>
+    </dgm:style>
+  </dgm:styleLbl>
+  <dgm:styleLbl name="parChTrans2D4">
+    <dgm:scene3d>
+      <a:camera prst="orthographicFront"/>
+      <a:lightRig rig="threePt" dir="t"/>
+    </dgm:scene3d>
+    <dgm:sp3d/>
+    <dgm:txPr/>
+    <dgm:style>
+      <a:lnRef idx="2">
+        <a:scrgbClr r="0" g="0" b="0"/>
+      </a:lnRef>
+      <a:fillRef idx="1">
+        <a:scrgbClr r="0" g="0" b="0"/>
+      </a:fillRef>
+      <a:effectRef idx="0">
+        <a:scrgbClr r="0" g="0" b="0"/>
+      </a:effectRef>
+      <a:fontRef idx="minor">
+        <a:schemeClr val="lt1"/>
+      </a:fontRef>
+    </dgm:style>
+  </dgm:styleLbl>
+  <dgm:styleLbl name="parChTrans1D1">
+    <dgm:scene3d>
+      <a:camera prst="orthographicFront"/>
+      <a:lightRig rig="threePt" dir="t"/>
+    </dgm:scene3d>
+    <dgm:sp3d/>
+    <dgm:txPr/>
+    <dgm:style>
+      <a:lnRef idx="2">
+        <a:scrgbClr r="0" g="0" b="0"/>
+      </a:lnRef>
+      <a:fillRef idx="0">
+        <a:scrgbClr r="0" g="0" b="0"/>
+      </a:fillRef>
+      <a:effectRef idx="0">
+        <a:scrgbClr r="0" g="0" b="0"/>
+      </a:effectRef>
+      <a:fontRef idx="minor"/>
+    </dgm:style>
+  </dgm:styleLbl>
+  <dgm:styleLbl name="parChTrans1D2">
+    <dgm:scene3d>
+      <a:camera prst="orthographicFront"/>
+      <a:lightRig rig="threePt" dir="t"/>
+    </dgm:scene3d>
+    <dgm:sp3d/>
+    <dgm:txPr/>
+    <dgm:style>
+      <a:lnRef idx="2">
+        <a:scrgbClr r="0" g="0" b="0"/>
+      </a:lnRef>
+      <a:fillRef idx="0">
+        <a:scrgbClr r="0" g="0" b="0"/>
+      </a:fillRef>
+      <a:effectRef idx="0">
+        <a:scrgbClr r="0" g="0" b="0"/>
+      </a:effectRef>
+      <a:fontRef idx="minor"/>
+    </dgm:style>
+  </dgm:styleLbl>
+  <dgm:styleLbl name="parChTrans1D3">
+    <dgm:scene3d>
+      <a:camera prst="orthographicFront"/>
+      <a:lightRig rig="threePt" dir="t"/>
+    </dgm:scene3d>
+    <dgm:sp3d/>
+    <dgm:txPr/>
+    <dgm:style>
+      <a:lnRef idx="2">
+        <a:scrgbClr r="0" g="0" b="0"/>
+      </a:lnRef>
+      <a:fillRef idx="0">
+        <a:scrgbClr r="0" g="0" b="0"/>
+      </a:fillRef>
+      <a:effectRef idx="0">
+        <a:scrgbClr r="0" g="0" b="0"/>
+      </a:effectRef>
+      <a:fontRef idx="minor"/>
+    </dgm:style>
+  </dgm:styleLbl>
+  <dgm:styleLbl name="parChTrans1D4">
+    <dgm:scene3d>
+      <a:camera prst="orthographicFront"/>
+      <a:lightRig rig="threePt" dir="t"/>
+    </dgm:scene3d>
+    <dgm:sp3d/>
+    <dgm:txPr/>
+    <dgm:style>
+      <a:lnRef idx="2">
+        <a:scrgbClr r="0" g="0" b="0"/>
+      </a:lnRef>
+      <a:fillRef idx="0">
+        <a:scrgbClr r="0" g="0" b="0"/>
+      </a:fillRef>
+      <a:effectRef idx="0">
+        <a:scrgbClr r="0" g="0" b="0"/>
+      </a:effectRef>
+      <a:fontRef idx="minor"/>
+    </dgm:style>
+  </dgm:styleLbl>
+  <dgm:styleLbl name="fgAcc1">
+    <dgm:scene3d>
+      <a:camera prst="orthographicFront"/>
+      <a:lightRig rig="threePt" dir="t"/>
+    </dgm:scene3d>
+    <dgm:sp3d/>
+    <dgm:txPr/>
+    <dgm:style>
+      <a:lnRef idx="2">
+        <a:scrgbClr r="0" g="0" b="0"/>
+      </a:lnRef>
+      <a:fillRef idx="1">
+        <a:scrgbClr r="0" g="0" b="0"/>
+      </a:fillRef>
+      <a:effectRef idx="0">
+        <a:scrgbClr r="0" g="0" b="0"/>
+      </a:effectRef>
+      <a:fontRef idx="minor"/>
+    </dgm:style>
+  </dgm:styleLbl>
+  <dgm:styleLbl name="conFgAcc1">
+    <dgm:scene3d>
+      <a:camera prst="orthographicFront"/>
+      <a:lightRig rig="threePt" dir="t"/>
+    </dgm:scene3d>
+    <dgm:sp3d/>
+    <dgm:txPr/>
+    <dgm:style>
+      <a:lnRef idx="2">
+        <a:scrgbClr r="0" g="0" b="0"/>
+      </a:lnRef>
+      <a:fillRef idx="1">
+        <a:scrgbClr r="0" g="0" b="0"/>
+      </a:fillRef>
+      <a:effectRef idx="0">
+        <a:scrgbClr r="0" g="0" b="0"/>
+      </a:effectRef>
+      <a:fontRef idx="minor"/>
+    </dgm:style>
+  </dgm:styleLbl>
+  <dgm:styleLbl name="alignAcc1">
+    <dgm:scene3d>
+      <a:camera prst="orthographicFront"/>
+      <a:lightRig rig="threePt" dir="t"/>
+    </dgm:scene3d>
+    <dgm:sp3d/>
+    <dgm:txPr/>
+    <dgm:style>
+      <a:lnRef idx="2">
+        <a:scrgbClr r="0" g="0" b="0"/>
+      </a:lnRef>
+      <a:fillRef idx="1">
+        <a:scrgbClr r="0" g="0" b="0"/>
+      </a:fillRef>
+      <a:effectRef idx="0">
+        <a:scrgbClr r="0" g="0" b="0"/>
+      </a:effectRef>
+      <a:fontRef idx="minor"/>
+    </dgm:style>
+  </dgm:styleLbl>
+  <dgm:styleLbl name="trAlignAcc1">
+    <dgm:scene3d>
+      <a:camera prst="orthographicFront"/>
+      <a:lightRig rig="threePt" dir="t"/>
+    </dgm:scene3d>
+    <dgm:sp3d/>
+    <dgm:txPr/>
+    <dgm:style>
+      <a:lnRef idx="1">
+        <a:scrgbClr r="0" g="0" b="0"/>
+      </a:lnRef>
+      <a:fillRef idx="1">
+        <a:scrgbClr r="0" g="0" b="0"/>
+      </a:fillRef>
+      <a:effectRef idx="0">
+        <a:scrgbClr r="0" g="0" b="0"/>
+      </a:effectRef>
+      <a:fontRef idx="minor"/>
+    </dgm:style>
+  </dgm:styleLbl>
+  <dgm:styleLbl name="bgAcc1">
+    <dgm:scene3d>
+      <a:camera prst="orthographicFront"/>
+      <a:lightRig rig="threePt" dir="t"/>
+    </dgm:scene3d>
+    <dgm:sp3d/>
+    <dgm:txPr/>
+    <dgm:style>
+      <a:lnRef idx="2">
+        <a:scrgbClr r="0" g="0" b="0"/>
+      </a:lnRef>
+      <a:fillRef idx="1">
+        <a:scrgbClr r="0" g="0" b="0"/>
+      </a:fillRef>
+      <a:effectRef idx="0">
+        <a:scrgbClr r="0" g="0" b="0"/>
+      </a:effectRef>
+      <a:fontRef idx="minor"/>
+    </dgm:style>
+  </dgm:styleLbl>
+  <dgm:styleLbl name="solidFgAcc1">
+    <dgm:scene3d>
+      <a:camera prst="orthographicFront"/>
+      <a:lightRig rig="threePt" dir="t"/>
+    </dgm:scene3d>
+    <dgm:sp3d/>
+    <dgm:txPr/>
+    <dgm:style>
+      <a:lnRef idx="2">
+        <a:scrgbClr r="0" g="0" b="0"/>
+      </a:lnRef>
+      <a:fillRef idx="1">
+        <a:scrgbClr r="0" g="0" b="0"/>
+      </a:fillRef>
+      <a:effectRef idx="0">
+        <a:scrgbClr r="0" g="0" b="0"/>
+      </a:effectRef>
+      <a:fontRef idx="minor"/>
+    </dgm:style>
+  </dgm:styleLbl>
+  <dgm:styleLbl name="solidAlignAcc1">
+    <dgm:scene3d>
+      <a:camera prst="orthographicFront"/>
+      <a:lightRig rig="threePt" dir="t"/>
+    </dgm:scene3d>
+    <dgm:sp3d/>
+    <dgm:txPr/>
+    <dgm:style>
+      <a:lnRef idx="2">
+        <a:scrgbClr r="0" g="0" b="0"/>
+      </a:lnRef>
+      <a:fillRef idx="1">
+        <a:scrgbClr r="0" g="0" b="0"/>
+      </a:fillRef>
+      <a:effectRef idx="0">
+        <a:scrgbClr r="0" g="0" b="0"/>
+      </a:effectRef>
+      <a:fontRef idx="minor"/>
+    </dgm:style>
+  </dgm:styleLbl>
+  <dgm:styleLbl name="solidBgAcc1">
+    <dgm:scene3d>
+      <a:camera prst="orthographicFront"/>
+      <a:lightRig rig="threePt" dir="t"/>
+    </dgm:scene3d>
+    <dgm:sp3d/>
+    <dgm:txPr/>
+    <dgm:style>
+      <a:lnRef idx="2">
+        <a:scrgbClr r="0" g="0" b="0"/>
+      </a:lnRef>
+      <a:fillRef idx="1">
+        <a:scrgbClr r="0" g="0" b="0"/>
+      </a:fillRef>
+      <a:effectRef idx="0">
+        <a:scrgbClr r="0" g="0" b="0"/>
+      </a:effectRef>
+      <a:fontRef idx="minor"/>
+    </dgm:style>
+  </dgm:styleLbl>
+  <dgm:styleLbl name="fgAccFollowNode1">
+    <dgm:scene3d>
+      <a:camera prst="orthographicFront"/>
+      <a:lightRig rig="threePt" dir="t"/>
+    </dgm:scene3d>
+    <dgm:sp3d/>
+    <dgm:txPr/>
+    <dgm:style>
+      <a:lnRef idx="2">
+        <a:scrgbClr r="0" g="0" b="0"/>
+      </a:lnRef>
+      <a:fillRef idx="1">
+        <a:scrgbClr r="0" g="0" b="0"/>
+      </a:fillRef>
+      <a:effectRef idx="0">
+        <a:scrgbClr r="0" g="0" b="0"/>
+      </a:effectRef>
+      <a:fontRef idx="minor"/>
+    </dgm:style>
+  </dgm:styleLbl>
+  <dgm:styleLbl name="alignAccFollowNode1">
+    <dgm:scene3d>
+      <a:camera prst="orthographicFront"/>
+      <a:lightRig rig="threePt" dir="t"/>
+    </dgm:scene3d>
+    <dgm:sp3d/>
+    <dgm:txPr/>
+    <dgm:style>
+      <a:lnRef idx="2">
+        <a:scrgbClr r="0" g="0" b="0"/>
+      </a:lnRef>
+      <a:fillRef idx="1">
+        <a:scrgbClr r="0" g="0" b="0"/>
+      </a:fillRef>
+      <a:effectRef idx="0">
+        <a:scrgbClr r="0" g="0" b="0"/>
+      </a:effectRef>
+      <a:fontRef idx="minor"/>
+    </dgm:style>
+  </dgm:styleLbl>
+  <dgm:styleLbl name="bgAccFollowNode1">
+    <dgm:scene3d>
+      <a:camera prst="orthographicFront"/>
+      <a:lightRig rig="threePt" dir="t"/>
+    </dgm:scene3d>
+    <dgm:sp3d/>
+    <dgm:txPr/>
+    <dgm:style>
+      <a:lnRef idx="2">
+        <a:scrgbClr r="0" g="0" b="0"/>
+      </a:lnRef>
+      <a:fillRef idx="1">
+        <a:scrgbClr r="0" g="0" b="0"/>
+      </a:fillRef>
+      <a:effectRef idx="0">
+        <a:scrgbClr r="0" g="0" b="0"/>
+      </a:effectRef>
+      <a:fontRef idx="minor"/>
+    </dgm:style>
+  </dgm:styleLbl>
+  <dgm:styleLbl name="fgAcc0">
+    <dgm:scene3d>
+      <a:camera prst="orthographicFront"/>
+      <a:lightRig rig="threePt" dir="t"/>
+    </dgm:scene3d>
+    <dgm:sp3d/>
+    <dgm:txPr/>
+    <dgm:style>
+      <a:lnRef idx="2">
+        <a:scrgbClr r="0" g="0" b="0"/>
+      </a:lnRef>
+      <a:fillRef idx="1">
+        <a:scrgbClr r="0" g="0" b="0"/>
+      </a:fillRef>
+      <a:effectRef idx="0">
+        <a:scrgbClr r="0" g="0" b="0"/>
+      </a:effectRef>
+      <a:fontRef idx="minor"/>
+    </dgm:style>
+  </dgm:styleLbl>
+  <dgm:styleLbl name="fgAcc2">
+    <dgm:scene3d>
+      <a:camera prst="orthographicFront"/>
+      <a:lightRig rig="threePt" dir="t"/>
+    </dgm:scene3d>
+    <dgm:sp3d/>
+    <dgm:txPr/>
+    <dgm:style>
+      <a:lnRef idx="2">
+        <a:scrgbClr r="0" g="0" b="0"/>
+      </a:lnRef>
+      <a:fillRef idx="1">
+        <a:scrgbClr r="0" g="0" b="0"/>
+      </a:fillRef>
+      <a:effectRef idx="0">
+        <a:scrgbClr r="0" g="0" b="0"/>
+      </a:effectRef>
+      <a:fontRef idx="minor"/>
+    </dgm:style>
+  </dgm:styleLbl>
+  <dgm:styleLbl name="fgAcc3">
+    <dgm:scene3d>
+      <a:camera prst="orthographicFront"/>
+      <a:lightRig rig="threePt" dir="t"/>
+    </dgm:scene3d>
+    <dgm:sp3d/>
+    <dgm:txPr/>
+    <dgm:style>
+      <a:lnRef idx="2">
+        <a:scrgbClr r="0" g="0" b="0"/>
+      </a:lnRef>
+      <a:fillRef idx="1">
+        <a:scrgbClr r="0" g="0" b="0"/>
+      </a:fillRef>
+      <a:effectRef idx="0">
+        <a:scrgbClr r="0" g="0" b="0"/>
+      </a:effectRef>
+      <a:fontRef idx="minor"/>
+    </dgm:style>
+  </dgm:styleLbl>
+  <dgm:styleLbl name="fgAcc4">
+    <dgm:scene3d>
+      <a:camera prst="orthographicFront"/>
+      <a:lightRig rig="threePt" dir="t"/>
+    </dgm:scene3d>
+    <dgm:sp3d/>
+    <dgm:txPr/>
+    <dgm:style>
+      <a:lnRef idx="2">
+        <a:scrgbClr r="0" g="0" b="0"/>
+      </a:lnRef>
+      <a:fillRef idx="1">
+        <a:scrgbClr r="0" g="0" b="0"/>
+      </a:fillRef>
+      <a:effectRef idx="0">
+        <a:scrgbClr r="0" g="0" b="0"/>
+      </a:effectRef>
+      <a:fontRef idx="minor"/>
+    </dgm:style>
+  </dgm:styleLbl>
+  <dgm:styleLbl name="bgShp">
+    <dgm:scene3d>
+      <a:camera prst="orthographicFront"/>
+      <a:lightRig rig="threePt" dir="t"/>
+    </dgm:scene3d>
+    <dgm:sp3d/>
+    <dgm:txPr/>
+    <dgm:style>
+      <a:lnRef idx="0">
+        <a:scrgbClr r="0" g="0" b="0"/>
+      </a:lnRef>
+      <a:fillRef idx="1">
+        <a:scrgbClr r="0" g="0" b="0"/>
+      </a:fillRef>
+      <a:effectRef idx="0">
+        <a:scrgbClr r="0" g="0" b="0"/>
+      </a:effectRef>
+      <a:fontRef idx="minor"/>
+    </dgm:style>
+  </dgm:styleLbl>
+  <dgm:styleLbl name="dkBgShp">
+    <dgm:scene3d>
+      <a:camera prst="orthographicFront"/>
+      <a:lightRig rig="threePt" dir="t"/>
+    </dgm:scene3d>
+    <dgm:sp3d/>
+    <dgm:txPr/>
+    <dgm:style>
+      <a:lnRef idx="0">
+        <a:scrgbClr r="0" g="0" b="0"/>
+      </a:lnRef>
+      <a:fillRef idx="1">
+        <a:scrgbClr r="0" g="0" b="0"/>
+      </a:fillRef>
+      <a:effectRef idx="0">
+        <a:scrgbClr r="0" g="0" b="0"/>
+      </a:effectRef>
+      <a:fontRef idx="minor"/>
+    </dgm:style>
+  </dgm:styleLbl>
+  <dgm:styleLbl name="trBgShp">
+    <dgm:scene3d>
+      <a:camera prst="orthographicFront"/>
+      <a:lightRig rig="threePt" dir="t"/>
+    </dgm:scene3d>
+    <dgm:sp3d/>
+    <dgm:txPr/>
+    <dgm:style>
+      <a:lnRef idx="0">
+        <a:scrgbClr r="0" g="0" b="0"/>
+      </a:lnRef>
+      <a:fillRef idx="1">
+        <a:scrgbClr r="0" g="0" b="0"/>
+      </a:fillRef>
+      <a:effectRef idx="0">
+        <a:scrgbClr r="0" g="0" b="0"/>
+      </a:effectRef>
+      <a:fontRef idx="minor"/>
+    </dgm:style>
+  </dgm:styleLbl>
+  <dgm:styleLbl name="fgShp">
+    <dgm:scene3d>
+      <a:camera prst="orthographicFront"/>
+      <a:lightRig rig="threePt" dir="t"/>
+    </dgm:scene3d>
+    <dgm:sp3d/>
+    <dgm:txPr/>
+    <dgm:style>
+      <a:lnRef idx="2">
+        <a:scrgbClr r="0" g="0" b="0"/>
+      </a:lnRef>
+      <a:fillRef idx="1">
+        <a:scrgbClr r="0" g="0" b="0"/>
+      </a:fillRef>
+      <a:effectRef idx="0">
+        <a:scrgbClr r="0" g="0" b="0"/>
+      </a:effectRef>
+      <a:fontRef idx="minor"/>
+    </dgm:style>
+  </dgm:styleLbl>
+  <dgm:styleLbl name="revTx">
+    <dgm:scene3d>
+      <a:camera prst="orthographicFront"/>
+      <a:lightRig rig="threePt" dir="t"/>
+    </dgm:scene3d>
+    <dgm:sp3d/>
+    <dgm:txPr/>
+    <dgm:style>
+      <a:lnRef idx="0">
+        <a:scrgbClr r="0" g="0" b="0"/>
+      </a:lnRef>
+      <a:fillRef idx="0">
+        <a:scrgbClr r="0" g="0" b="0"/>
+      </a:fillRef>
+      <a:effectRef idx="0">
+        <a:scrgbClr r="0" g="0" b="0"/>
+      </a:effectRef>
+      <a:fontRef idx="minor"/>
+    </dgm:style>
+  </dgm:styleLbl>
+</dgm:styleDef>
+</file>
+
 <file path=ppt/drawings/drawing1.xml><?xml version="1.0" encoding="utf-8"?>
 <c:userShapes xmlns:c="http://schemas.openxmlformats.org/drawingml/2006/chart">
   <cdr:relSizeAnchor xmlns:cdr="http://schemas.openxmlformats.org/drawingml/2006/chartDrawing">
@@ -5699,7 +8578,7 @@
           <a:p>
             <a:fld id="{15A1B14F-DD63-4D69-B4A0-7EFAFE1980FC}" type="datetimeFigureOut">
               <a:rPr lang="fr-CH" smtClean="0"/>
-              <a:t>26.05.2018</a:t>
+              <a:t>07.06.2018</a:t>
             </a:fld>
             <a:endParaRPr lang="fr-CH"/>
           </a:p>
@@ -5899,7 +8778,7 @@
           <a:p>
             <a:fld id="{15A1B14F-DD63-4D69-B4A0-7EFAFE1980FC}" type="datetimeFigureOut">
               <a:rPr lang="fr-CH" smtClean="0"/>
-              <a:t>26.05.2018</a:t>
+              <a:t>07.06.2018</a:t>
             </a:fld>
             <a:endParaRPr lang="fr-CH"/>
           </a:p>
@@ -6109,7 +8988,7 @@
           <a:p>
             <a:fld id="{15A1B14F-DD63-4D69-B4A0-7EFAFE1980FC}" type="datetimeFigureOut">
               <a:rPr lang="fr-CH" smtClean="0"/>
-              <a:t>26.05.2018</a:t>
+              <a:t>07.06.2018</a:t>
             </a:fld>
             <a:endParaRPr lang="fr-CH"/>
           </a:p>
@@ -6309,7 +9188,7 @@
           <a:p>
             <a:fld id="{15A1B14F-DD63-4D69-B4A0-7EFAFE1980FC}" type="datetimeFigureOut">
               <a:rPr lang="fr-CH" smtClean="0"/>
-              <a:t>26.05.2018</a:t>
+              <a:t>07.06.2018</a:t>
             </a:fld>
             <a:endParaRPr lang="fr-CH"/>
           </a:p>
@@ -6585,7 +9464,7 @@
           <a:p>
             <a:fld id="{15A1B14F-DD63-4D69-B4A0-7EFAFE1980FC}" type="datetimeFigureOut">
               <a:rPr lang="fr-CH" smtClean="0"/>
-              <a:t>26.05.2018</a:t>
+              <a:t>07.06.2018</a:t>
             </a:fld>
             <a:endParaRPr lang="fr-CH"/>
           </a:p>
@@ -6853,7 +9732,7 @@
           <a:p>
             <a:fld id="{15A1B14F-DD63-4D69-B4A0-7EFAFE1980FC}" type="datetimeFigureOut">
               <a:rPr lang="fr-CH" smtClean="0"/>
-              <a:t>26.05.2018</a:t>
+              <a:t>07.06.2018</a:t>
             </a:fld>
             <a:endParaRPr lang="fr-CH"/>
           </a:p>
@@ -7268,7 +10147,7 @@
           <a:p>
             <a:fld id="{15A1B14F-DD63-4D69-B4A0-7EFAFE1980FC}" type="datetimeFigureOut">
               <a:rPr lang="fr-CH" smtClean="0"/>
-              <a:t>26.05.2018</a:t>
+              <a:t>07.06.2018</a:t>
             </a:fld>
             <a:endParaRPr lang="fr-CH"/>
           </a:p>
@@ -7410,7 +10289,7 @@
           <a:p>
             <a:fld id="{15A1B14F-DD63-4D69-B4A0-7EFAFE1980FC}" type="datetimeFigureOut">
               <a:rPr lang="fr-CH" smtClean="0"/>
-              <a:t>26.05.2018</a:t>
+              <a:t>07.06.2018</a:t>
             </a:fld>
             <a:endParaRPr lang="fr-CH"/>
           </a:p>
@@ -7523,7 +10402,7 @@
           <a:p>
             <a:fld id="{15A1B14F-DD63-4D69-B4A0-7EFAFE1980FC}" type="datetimeFigureOut">
               <a:rPr lang="fr-CH" smtClean="0"/>
-              <a:t>26.05.2018</a:t>
+              <a:t>07.06.2018</a:t>
             </a:fld>
             <a:endParaRPr lang="fr-CH"/>
           </a:p>
@@ -7836,7 +10715,7 @@
           <a:p>
             <a:fld id="{15A1B14F-DD63-4D69-B4A0-7EFAFE1980FC}" type="datetimeFigureOut">
               <a:rPr lang="fr-CH" smtClean="0"/>
-              <a:t>26.05.2018</a:t>
+              <a:t>07.06.2018</a:t>
             </a:fld>
             <a:endParaRPr lang="fr-CH"/>
           </a:p>
@@ -8125,7 +11004,7 @@
           <a:p>
             <a:fld id="{15A1B14F-DD63-4D69-B4A0-7EFAFE1980FC}" type="datetimeFigureOut">
               <a:rPr lang="fr-CH" smtClean="0"/>
-              <a:t>26.05.2018</a:t>
+              <a:t>07.06.2018</a:t>
             </a:fld>
             <a:endParaRPr lang="fr-CH"/>
           </a:p>
@@ -8368,7 +11247,7 @@
           <a:p>
             <a:fld id="{15A1B14F-DD63-4D69-B4A0-7EFAFE1980FC}" type="datetimeFigureOut">
               <a:rPr lang="fr-CH" smtClean="0"/>
-              <a:t>26.05.2018</a:t>
+              <a:t>07.06.2018</a:t>
             </a:fld>
             <a:endParaRPr lang="fr-CH"/>
           </a:p>
@@ -8848,1715 +11727,7 @@
 </p:sld>
 </file>
 
-<file path=ppt/slides/slide2.xml><?xml version="1.0" encoding="utf-8"?>
-<p:sld xmlns:a="http://schemas.openxmlformats.org/drawingml/2006/main" xmlns:r="http://schemas.openxmlformats.org/officeDocument/2006/relationships" xmlns:p="http://schemas.openxmlformats.org/presentationml/2006/main">
-  <p:cSld>
-    <p:spTree>
-      <p:nvGrpSpPr>
-        <p:cNvPr id="1" name=""/>
-        <p:cNvGrpSpPr/>
-        <p:nvPr/>
-      </p:nvGrpSpPr>
-      <p:grpSpPr>
-        <a:xfrm>
-          <a:off x="0" y="0"/>
-          <a:ext cx="0" cy="0"/>
-          <a:chOff x="0" y="0"/>
-          <a:chExt cx="0" cy="0"/>
-        </a:xfrm>
-      </p:grpSpPr>
-      <p:sp>
-        <p:nvSpPr>
-          <p:cNvPr id="2" name="Title 1">
-            <a:extLst>
-              <a:ext uri="{FF2B5EF4-FFF2-40B4-BE49-F238E27FC236}">
-                <a16:creationId xmlns:a16="http://schemas.microsoft.com/office/drawing/2014/main" id="{2441906C-84FB-4159-9C11-125EFB5DF37F}"/>
-              </a:ext>
-            </a:extLst>
-          </p:cNvPr>
-          <p:cNvSpPr>
-            <a:spLocks noGrp="1"/>
-          </p:cNvSpPr>
-          <p:nvPr>
-            <p:ph type="title"/>
-          </p:nvPr>
-        </p:nvSpPr>
-        <p:spPr/>
-        <p:txBody>
-          <a:bodyPr/>
-          <a:lstStyle/>
-          <a:p>
-            <a:r>
-              <a:rPr lang="fr-CH" dirty="0"/>
-              <a:t>Logique Bayésienne</a:t>
-            </a:r>
-          </a:p>
-        </p:txBody>
-      </p:sp>
-      <p:sp>
-        <p:nvSpPr>
-          <p:cNvPr id="3" name="Content Placeholder 2">
-            <a:extLst>
-              <a:ext uri="{FF2B5EF4-FFF2-40B4-BE49-F238E27FC236}">
-                <a16:creationId xmlns:a16="http://schemas.microsoft.com/office/drawing/2014/main" id="{54372744-0D85-46E3-93E3-7B478E73CBD9}"/>
-              </a:ext>
-            </a:extLst>
-          </p:cNvPr>
-          <p:cNvSpPr>
-            <a:spLocks noGrp="1"/>
-          </p:cNvSpPr>
-          <p:nvPr>
-            <p:ph idx="1"/>
-          </p:nvPr>
-        </p:nvSpPr>
-        <p:spPr/>
-        <p:txBody>
-          <a:bodyPr/>
-          <a:lstStyle/>
-          <a:p>
-            <a:endParaRPr lang="fr-CH"/>
-          </a:p>
-        </p:txBody>
-      </p:sp>
-      <p:pic>
-        <p:nvPicPr>
-          <p:cNvPr id="4" name="Picture 3">
-            <a:extLst>
-              <a:ext uri="{FF2B5EF4-FFF2-40B4-BE49-F238E27FC236}">
-                <a16:creationId xmlns:a16="http://schemas.microsoft.com/office/drawing/2014/main" id="{ED871FB2-C4E3-4780-8878-F2D0EAA7E434}"/>
-              </a:ext>
-            </a:extLst>
-          </p:cNvPr>
-          <p:cNvPicPr>
-            <a:picLocks noChangeAspect="1"/>
-          </p:cNvPicPr>
-          <p:nvPr/>
-        </p:nvPicPr>
-        <p:blipFill>
-          <a:blip r:embed="rId2"/>
-          <a:stretch>
-            <a:fillRect/>
-          </a:stretch>
-        </p:blipFill>
-        <p:spPr>
-          <a:xfrm>
-            <a:off x="2139129" y="2538516"/>
-            <a:ext cx="2900153" cy="2925556"/>
-          </a:xfrm>
-          <a:prstGeom prst="rect">
-            <a:avLst/>
-          </a:prstGeom>
-        </p:spPr>
-      </p:pic>
-      <p:sp>
-        <p:nvSpPr>
-          <p:cNvPr id="5" name="TextBox 4">
-            <a:extLst>
-              <a:ext uri="{FF2B5EF4-FFF2-40B4-BE49-F238E27FC236}">
-                <a16:creationId xmlns:a16="http://schemas.microsoft.com/office/drawing/2014/main" id="{D689B529-62FB-443C-9D10-6523A08AF6CA}"/>
-              </a:ext>
-            </a:extLst>
-          </p:cNvPr>
-          <p:cNvSpPr txBox="1"/>
-          <p:nvPr/>
-        </p:nvSpPr>
-        <p:spPr>
-          <a:xfrm>
-            <a:off x="5392729" y="2859173"/>
-            <a:ext cx="6177775" cy="2862322"/>
-          </a:xfrm>
-          <a:prstGeom prst="rect">
-            <a:avLst/>
-          </a:prstGeom>
-          <a:noFill/>
-        </p:spPr>
-        <p:txBody>
-          <a:bodyPr wrap="square" rtlCol="0">
-            <a:spAutoFit/>
-          </a:bodyPr>
-          <a:lstStyle/>
-          <a:p>
-            <a:r>
-              <a:rPr lang="fr-CH" dirty="0"/>
-              <a:t>Rouge=retard&gt;1h     P(r&lt;1h)=55%</a:t>
-            </a:r>
-          </a:p>
-          <a:p>
-            <a:r>
-              <a:rPr lang="fr-CH" dirty="0"/>
-              <a:t>Bleu = retard &lt;1h     P(r&gt;1h)=45%</a:t>
-            </a:r>
-          </a:p>
-          <a:p>
-            <a:endParaRPr lang="fr-CH" dirty="0"/>
-          </a:p>
-          <a:p>
-            <a:r>
-              <a:rPr lang="fr-CH" dirty="0"/>
-              <a:t>Carré=</a:t>
-            </a:r>
-            <a:r>
-              <a:rPr lang="fr-CH" dirty="0" err="1"/>
-              <a:t>Swiss</a:t>
-            </a:r>
-            <a:r>
-              <a:rPr lang="fr-CH" dirty="0"/>
-              <a:t> P(</a:t>
-            </a:r>
-            <a:r>
-              <a:rPr lang="fr-CH" dirty="0" err="1"/>
-              <a:t>Swiss</a:t>
-            </a:r>
-            <a:r>
-              <a:rPr lang="fr-CH" dirty="0"/>
-              <a:t>)=60%</a:t>
-            </a:r>
-          </a:p>
-          <a:p>
-            <a:r>
-              <a:rPr lang="fr-CH" dirty="0"/>
-              <a:t>Triangle=</a:t>
-            </a:r>
-            <a:r>
-              <a:rPr lang="fr-CH" dirty="0" err="1"/>
-              <a:t>Easyjet</a:t>
-            </a:r>
-            <a:r>
-              <a:rPr lang="fr-CH" dirty="0"/>
-              <a:t>   P(</a:t>
-            </a:r>
-            <a:r>
-              <a:rPr lang="fr-CH" dirty="0" err="1"/>
-              <a:t>Easyjet</a:t>
-            </a:r>
-            <a:r>
-              <a:rPr lang="fr-CH" dirty="0"/>
-              <a:t>)=40%</a:t>
-            </a:r>
-          </a:p>
-          <a:p>
-            <a:endParaRPr lang="fr-CH" dirty="0"/>
-          </a:p>
-          <a:p>
-            <a:r>
-              <a:rPr lang="fr-CH" dirty="0"/>
-              <a:t>Intuitivement: P(r&gt;1h|Easyjet)=36/40=90%</a:t>
-            </a:r>
-          </a:p>
-          <a:p>
-            <a:r>
-              <a:rPr lang="fr-CH" dirty="0"/>
-              <a:t>Bayes: P(r&gt;1h|Easyjet)=P(</a:t>
-            </a:r>
-            <a:r>
-              <a:rPr lang="fr-CH" dirty="0" err="1"/>
-              <a:t>Easyjet|r</a:t>
-            </a:r>
-            <a:r>
-              <a:rPr lang="fr-CH" dirty="0"/>
-              <a:t>&gt;1h)*P(r&gt;1h)/P(</a:t>
-            </a:r>
-            <a:r>
-              <a:rPr lang="fr-CH" dirty="0" err="1"/>
-              <a:t>Easyjet</a:t>
-            </a:r>
-            <a:r>
-              <a:rPr lang="fr-CH" dirty="0"/>
-              <a:t>)) =36/45 * 45 / 40 = 36/40 = 90%</a:t>
-            </a:r>
-          </a:p>
-          <a:p>
-            <a:endParaRPr lang="fr-CH" dirty="0"/>
-          </a:p>
-        </p:txBody>
-      </p:sp>
-    </p:spTree>
-    <p:extLst>
-      <p:ext uri="{BB962C8B-B14F-4D97-AF65-F5344CB8AC3E}">
-        <p14:creationId xmlns:p14="http://schemas.microsoft.com/office/powerpoint/2010/main" val="197345849"/>
-      </p:ext>
-    </p:extLst>
-  </p:cSld>
-  <p:clrMapOvr>
-    <a:masterClrMapping/>
-  </p:clrMapOvr>
-</p:sld>
-</file>
-
-<file path=ppt/slides/slide3.xml><?xml version="1.0" encoding="utf-8"?>
-<p:sld xmlns:a="http://schemas.openxmlformats.org/drawingml/2006/main" xmlns:r="http://schemas.openxmlformats.org/officeDocument/2006/relationships" xmlns:p="http://schemas.openxmlformats.org/presentationml/2006/main">
-  <p:cSld>
-    <p:spTree>
-      <p:nvGrpSpPr>
-        <p:cNvPr id="1" name=""/>
-        <p:cNvGrpSpPr/>
-        <p:nvPr/>
-      </p:nvGrpSpPr>
-      <p:grpSpPr>
-        <a:xfrm>
-          <a:off x="0" y="0"/>
-          <a:ext cx="0" cy="0"/>
-          <a:chOff x="0" y="0"/>
-          <a:chExt cx="0" cy="0"/>
-        </a:xfrm>
-      </p:grpSpPr>
-      <p:sp>
-        <p:nvSpPr>
-          <p:cNvPr id="2" name="Title 1">
-            <a:extLst>
-              <a:ext uri="{FF2B5EF4-FFF2-40B4-BE49-F238E27FC236}">
-                <a16:creationId xmlns:a16="http://schemas.microsoft.com/office/drawing/2014/main" id="{2441906C-84FB-4159-9C11-125EFB5DF37F}"/>
-              </a:ext>
-            </a:extLst>
-          </p:cNvPr>
-          <p:cNvSpPr>
-            <a:spLocks noGrp="1"/>
-          </p:cNvSpPr>
-          <p:nvPr>
-            <p:ph type="title"/>
-          </p:nvPr>
-        </p:nvSpPr>
-        <p:spPr/>
-        <p:txBody>
-          <a:bodyPr/>
-          <a:lstStyle/>
-          <a:p>
-            <a:r>
-              <a:rPr lang="fr-CH" dirty="0"/>
-              <a:t>Logique Bayésienne multivariée</a:t>
-            </a:r>
-          </a:p>
-        </p:txBody>
-      </p:sp>
-      <p:sp>
-        <p:nvSpPr>
-          <p:cNvPr id="3" name="Content Placeholder 2">
-            <a:extLst>
-              <a:ext uri="{FF2B5EF4-FFF2-40B4-BE49-F238E27FC236}">
-                <a16:creationId xmlns:a16="http://schemas.microsoft.com/office/drawing/2014/main" id="{54372744-0D85-46E3-93E3-7B478E73CBD9}"/>
-              </a:ext>
-            </a:extLst>
-          </p:cNvPr>
-          <p:cNvSpPr>
-            <a:spLocks noGrp="1"/>
-          </p:cNvSpPr>
-          <p:nvPr>
-            <p:ph idx="1"/>
-          </p:nvPr>
-        </p:nvSpPr>
-        <p:spPr/>
-        <p:txBody>
-          <a:bodyPr/>
-          <a:lstStyle/>
-          <a:p>
-            <a:endParaRPr lang="fr-CH" dirty="0"/>
-          </a:p>
-        </p:txBody>
-      </p:sp>
-      <p:pic>
-        <p:nvPicPr>
-          <p:cNvPr id="4" name="Picture 3">
-            <a:extLst>
-              <a:ext uri="{FF2B5EF4-FFF2-40B4-BE49-F238E27FC236}">
-                <a16:creationId xmlns:a16="http://schemas.microsoft.com/office/drawing/2014/main" id="{ED871FB2-C4E3-4780-8878-F2D0EAA7E434}"/>
-              </a:ext>
-            </a:extLst>
-          </p:cNvPr>
-          <p:cNvPicPr>
-            <a:picLocks noChangeAspect="1"/>
-          </p:cNvPicPr>
-          <p:nvPr/>
-        </p:nvPicPr>
-        <p:blipFill>
-          <a:blip r:embed="rId2"/>
-          <a:stretch>
-            <a:fillRect/>
-          </a:stretch>
-        </p:blipFill>
-        <p:spPr>
-          <a:xfrm>
-            <a:off x="2139129" y="2538516"/>
-            <a:ext cx="2900153" cy="2925556"/>
-          </a:xfrm>
-          <a:prstGeom prst="rect">
-            <a:avLst/>
-          </a:prstGeom>
-        </p:spPr>
-      </p:pic>
-      <p:sp>
-        <p:nvSpPr>
-          <p:cNvPr id="5" name="TextBox 4">
-            <a:extLst>
-              <a:ext uri="{FF2B5EF4-FFF2-40B4-BE49-F238E27FC236}">
-                <a16:creationId xmlns:a16="http://schemas.microsoft.com/office/drawing/2014/main" id="{D689B529-62FB-443C-9D10-6523A08AF6CA}"/>
-              </a:ext>
-            </a:extLst>
-          </p:cNvPr>
-          <p:cNvSpPr txBox="1"/>
-          <p:nvPr/>
-        </p:nvSpPr>
-        <p:spPr>
-          <a:xfrm>
-            <a:off x="5392730" y="2859173"/>
-            <a:ext cx="5455176" cy="3693319"/>
-          </a:xfrm>
-          <a:prstGeom prst="rect">
-            <a:avLst/>
-          </a:prstGeom>
-          <a:noFill/>
-        </p:spPr>
-        <p:txBody>
-          <a:bodyPr wrap="square" rtlCol="0">
-            <a:spAutoFit/>
-          </a:bodyPr>
-          <a:lstStyle/>
-          <a:p>
-            <a:r>
-              <a:rPr lang="fr-CH" dirty="0"/>
-              <a:t>Rouge=retard&gt;1h     P(r&lt;1h)=55%</a:t>
-            </a:r>
-          </a:p>
-          <a:p>
-            <a:r>
-              <a:rPr lang="fr-CH" dirty="0"/>
-              <a:t>Bleu = retard &lt;1h     P(r&gt;1h)=45%</a:t>
-            </a:r>
-          </a:p>
-          <a:p>
-            <a:endParaRPr lang="fr-CH" dirty="0"/>
-          </a:p>
-          <a:p>
-            <a:r>
-              <a:rPr lang="fr-CH" dirty="0"/>
-              <a:t>Carré=</a:t>
-            </a:r>
-            <a:r>
-              <a:rPr lang="fr-CH" dirty="0" err="1"/>
-              <a:t>Swiss</a:t>
-            </a:r>
-            <a:r>
-              <a:rPr lang="fr-CH" dirty="0"/>
-              <a:t> P(</a:t>
-            </a:r>
-            <a:r>
-              <a:rPr lang="fr-CH" dirty="0" err="1"/>
-              <a:t>Swiss</a:t>
-            </a:r>
-            <a:r>
-              <a:rPr lang="fr-CH" dirty="0"/>
-              <a:t>)=60%</a:t>
-            </a:r>
-          </a:p>
-          <a:p>
-            <a:r>
-              <a:rPr lang="fr-CH" dirty="0"/>
-              <a:t>Triangle=</a:t>
-            </a:r>
-            <a:r>
-              <a:rPr lang="fr-CH" dirty="0" err="1"/>
-              <a:t>Easyjet</a:t>
-            </a:r>
-            <a:r>
-              <a:rPr lang="fr-CH" dirty="0"/>
-              <a:t>   P(</a:t>
-            </a:r>
-            <a:r>
-              <a:rPr lang="fr-CH" dirty="0" err="1"/>
-              <a:t>Easyjet</a:t>
-            </a:r>
-            <a:r>
-              <a:rPr lang="fr-CH" dirty="0"/>
-              <a:t>)=40%</a:t>
-            </a:r>
-          </a:p>
-          <a:p>
-            <a:endParaRPr lang="fr-CH" dirty="0"/>
-          </a:p>
-          <a:p>
-            <a:r>
-              <a:rPr lang="fr-CH" dirty="0"/>
-              <a:t>Fond blanc = départ le matin   P(matin)=70%</a:t>
-            </a:r>
-          </a:p>
-          <a:p>
-            <a:r>
-              <a:rPr lang="fr-CH" dirty="0"/>
-              <a:t>Fond bleu = départ l’après-midi   P(après-midi)=30%</a:t>
-            </a:r>
-          </a:p>
-          <a:p>
-            <a:endParaRPr lang="fr-CH" dirty="0"/>
-          </a:p>
-          <a:p>
-            <a:r>
-              <a:rPr lang="fr-CH" dirty="0"/>
-              <a:t>Intuitivement: P(r&gt;1h|Easyjet, matin)=24/28=86%</a:t>
-            </a:r>
-          </a:p>
-          <a:p>
-            <a:r>
-              <a:rPr lang="fr-CH" dirty="0"/>
-              <a:t>Bayes: P(r&gt;1h|Easyjet, matin) = </a:t>
-            </a:r>
-          </a:p>
-          <a:p>
-            <a:r>
-              <a:rPr lang="fr-CH" dirty="0"/>
-              <a:t>P(</a:t>
-            </a:r>
-            <a:r>
-              <a:rPr lang="fr-CH" dirty="0" err="1"/>
-              <a:t>Easyjet</a:t>
-            </a:r>
-            <a:r>
-              <a:rPr lang="fr-CH" dirty="0"/>
-              <a:t>, </a:t>
-            </a:r>
-            <a:r>
-              <a:rPr lang="fr-CH" dirty="0" err="1"/>
-              <a:t>matin|r</a:t>
-            </a:r>
-            <a:r>
-              <a:rPr lang="fr-CH" dirty="0"/>
-              <a:t>&gt;1h)*P(r&gt;1h)/P(</a:t>
-            </a:r>
-            <a:r>
-              <a:rPr lang="fr-CH" dirty="0" err="1"/>
-              <a:t>Easyjet</a:t>
-            </a:r>
-            <a:r>
-              <a:rPr lang="fr-CH" dirty="0"/>
-              <a:t>, matin)=24/45 * 45/28=24/28=86%</a:t>
-            </a:r>
-          </a:p>
-        </p:txBody>
-      </p:sp>
-      <p:sp>
-        <p:nvSpPr>
-          <p:cNvPr id="6" name="Rectangle 5">
-            <a:extLst>
-              <a:ext uri="{FF2B5EF4-FFF2-40B4-BE49-F238E27FC236}">
-                <a16:creationId xmlns:a16="http://schemas.microsoft.com/office/drawing/2014/main" id="{A2CBAC9A-2774-4BAF-83F8-0B88053470B9}"/>
-              </a:ext>
-            </a:extLst>
-          </p:cNvPr>
-          <p:cNvSpPr/>
-          <p:nvPr/>
-        </p:nvSpPr>
-        <p:spPr>
-          <a:xfrm>
-            <a:off x="4130412" y="2618306"/>
-            <a:ext cx="829650" cy="2765503"/>
-          </a:xfrm>
-          <a:prstGeom prst="rect">
-            <a:avLst/>
-          </a:prstGeom>
-          <a:solidFill>
-            <a:srgbClr val="4472C4">
-              <a:alpha val="30196"/>
-            </a:srgbClr>
-          </a:solidFill>
-        </p:spPr>
-        <p:style>
-          <a:lnRef idx="2">
-            <a:schemeClr val="accent1">
-              <a:shade val="50000"/>
-            </a:schemeClr>
-          </a:lnRef>
-          <a:fillRef idx="1">
-            <a:schemeClr val="accent1"/>
-          </a:fillRef>
-          <a:effectRef idx="0">
-            <a:schemeClr val="accent1"/>
-          </a:effectRef>
-          <a:fontRef idx="minor">
-            <a:schemeClr val="lt1"/>
-          </a:fontRef>
-        </p:style>
-        <p:txBody>
-          <a:bodyPr rtlCol="0" anchor="ctr"/>
-          <a:lstStyle/>
-          <a:p>
-            <a:pPr algn="ctr"/>
-            <a:endParaRPr lang="fr-CH"/>
-          </a:p>
-        </p:txBody>
-      </p:sp>
-    </p:spTree>
-    <p:extLst>
-      <p:ext uri="{BB962C8B-B14F-4D97-AF65-F5344CB8AC3E}">
-        <p14:creationId xmlns:p14="http://schemas.microsoft.com/office/powerpoint/2010/main" val="3065372612"/>
-      </p:ext>
-    </p:extLst>
-  </p:cSld>
-  <p:clrMapOvr>
-    <a:masterClrMapping/>
-  </p:clrMapOvr>
-</p:sld>
-</file>
-
-<file path=ppt/slides/slide4.xml><?xml version="1.0" encoding="utf-8"?>
-<p:sld xmlns:a="http://schemas.openxmlformats.org/drawingml/2006/main" xmlns:r="http://schemas.openxmlformats.org/officeDocument/2006/relationships" xmlns:p="http://schemas.openxmlformats.org/presentationml/2006/main">
-  <p:cSld>
-    <p:spTree>
-      <p:nvGrpSpPr>
-        <p:cNvPr id="1" name=""/>
-        <p:cNvGrpSpPr/>
-        <p:nvPr/>
-      </p:nvGrpSpPr>
-      <p:grpSpPr>
-        <a:xfrm>
-          <a:off x="0" y="0"/>
-          <a:ext cx="0" cy="0"/>
-          <a:chOff x="0" y="0"/>
-          <a:chExt cx="0" cy="0"/>
-        </a:xfrm>
-      </p:grpSpPr>
-      <p:sp>
-        <p:nvSpPr>
-          <p:cNvPr id="2" name="Title 1">
-            <a:extLst>
-              <a:ext uri="{FF2B5EF4-FFF2-40B4-BE49-F238E27FC236}">
-                <a16:creationId xmlns:a16="http://schemas.microsoft.com/office/drawing/2014/main" id="{9AB89671-A7E8-4EF8-9CD0-0280BE2E13AC}"/>
-              </a:ext>
-            </a:extLst>
-          </p:cNvPr>
-          <p:cNvSpPr>
-            <a:spLocks noGrp="1"/>
-          </p:cNvSpPr>
-          <p:nvPr>
-            <p:ph type="title"/>
-          </p:nvPr>
-        </p:nvSpPr>
-        <p:spPr/>
-        <p:txBody>
-          <a:bodyPr/>
-          <a:lstStyle/>
-          <a:p>
-            <a:r>
-              <a:rPr lang="fr-CH" dirty="0"/>
-              <a:t>Global flight </a:t>
-            </a:r>
-            <a:r>
-              <a:rPr lang="fr-CH" dirty="0" err="1"/>
-              <a:t>delay</a:t>
-            </a:r>
-            <a:r>
-              <a:rPr lang="fr-CH" dirty="0"/>
-              <a:t> </a:t>
-            </a:r>
-            <a:r>
-              <a:rPr lang="fr-CH" dirty="0" err="1"/>
-              <a:t>facts</a:t>
-            </a:r>
-            <a:endParaRPr lang="fr-CH" dirty="0"/>
-          </a:p>
-        </p:txBody>
-      </p:sp>
-      <p:sp>
-        <p:nvSpPr>
-          <p:cNvPr id="3" name="Content Placeholder 2">
-            <a:extLst>
-              <a:ext uri="{FF2B5EF4-FFF2-40B4-BE49-F238E27FC236}">
-                <a16:creationId xmlns:a16="http://schemas.microsoft.com/office/drawing/2014/main" id="{F031D0D8-D00D-44D3-A383-DF518705D974}"/>
-              </a:ext>
-            </a:extLst>
-          </p:cNvPr>
-          <p:cNvSpPr>
-            <a:spLocks noGrp="1"/>
-          </p:cNvSpPr>
-          <p:nvPr>
-            <p:ph idx="1"/>
-          </p:nvPr>
-        </p:nvSpPr>
-        <p:spPr/>
-        <p:txBody>
-          <a:bodyPr/>
-          <a:lstStyle/>
-          <a:p>
-            <a:r>
-              <a:rPr lang="fr-CH" dirty="0"/>
-              <a:t>TODO : texte de pascal</a:t>
-            </a:r>
-          </a:p>
-        </p:txBody>
-      </p:sp>
-    </p:spTree>
-    <p:extLst>
-      <p:ext uri="{BB962C8B-B14F-4D97-AF65-F5344CB8AC3E}">
-        <p14:creationId xmlns:p14="http://schemas.microsoft.com/office/powerpoint/2010/main" val="3349716706"/>
-      </p:ext>
-    </p:extLst>
-  </p:cSld>
-  <p:clrMapOvr>
-    <a:masterClrMapping/>
-  </p:clrMapOvr>
-</p:sld>
-</file>
-
-<file path=ppt/slides/slide5.xml><?xml version="1.0" encoding="utf-8"?>
-<p:sld xmlns:a="http://schemas.openxmlformats.org/drawingml/2006/main" xmlns:r="http://schemas.openxmlformats.org/officeDocument/2006/relationships" xmlns:p="http://schemas.openxmlformats.org/presentationml/2006/main">
-  <p:cSld>
-    <p:spTree>
-      <p:nvGrpSpPr>
-        <p:cNvPr id="1" name=""/>
-        <p:cNvGrpSpPr/>
-        <p:nvPr/>
-      </p:nvGrpSpPr>
-      <p:grpSpPr>
-        <a:xfrm>
-          <a:off x="0" y="0"/>
-          <a:ext cx="0" cy="0"/>
-          <a:chOff x="0" y="0"/>
-          <a:chExt cx="0" cy="0"/>
-        </a:xfrm>
-      </p:grpSpPr>
-      <p:sp>
-        <p:nvSpPr>
-          <p:cNvPr id="2" name="Title 1">
-            <a:extLst>
-              <a:ext uri="{FF2B5EF4-FFF2-40B4-BE49-F238E27FC236}">
-                <a16:creationId xmlns:a16="http://schemas.microsoft.com/office/drawing/2014/main" id="{76B06FC9-F9DF-44E3-AE40-C4761ECDE77C}"/>
-              </a:ext>
-            </a:extLst>
-          </p:cNvPr>
-          <p:cNvSpPr>
-            <a:spLocks noGrp="1"/>
-          </p:cNvSpPr>
-          <p:nvPr>
-            <p:ph type="title"/>
-          </p:nvPr>
-        </p:nvSpPr>
-        <p:spPr/>
-        <p:txBody>
-          <a:bodyPr/>
-          <a:lstStyle/>
-          <a:p>
-            <a:r>
-              <a:rPr lang="fr-CH" dirty="0"/>
-              <a:t>Our </a:t>
-            </a:r>
-            <a:r>
-              <a:rPr lang="fr-CH" dirty="0" err="1"/>
-              <a:t>Probabilistic</a:t>
-            </a:r>
-            <a:r>
-              <a:rPr lang="fr-CH" dirty="0"/>
-              <a:t> Model</a:t>
-            </a:r>
-          </a:p>
-        </p:txBody>
-      </p:sp>
-      <p:sp>
-        <p:nvSpPr>
-          <p:cNvPr id="3" name="Content Placeholder 2">
-            <a:extLst>
-              <a:ext uri="{FF2B5EF4-FFF2-40B4-BE49-F238E27FC236}">
-                <a16:creationId xmlns:a16="http://schemas.microsoft.com/office/drawing/2014/main" id="{09595E18-3364-4629-BB2D-A24B71E7D741}"/>
-              </a:ext>
-            </a:extLst>
-          </p:cNvPr>
-          <p:cNvSpPr>
-            <a:spLocks noGrp="1"/>
-          </p:cNvSpPr>
-          <p:nvPr>
-            <p:ph idx="1"/>
-          </p:nvPr>
-        </p:nvSpPr>
-        <p:spPr>
-          <a:xfrm>
-            <a:off x="838200" y="1847928"/>
-            <a:ext cx="10515600" cy="4351338"/>
-          </a:xfrm>
-        </p:spPr>
-        <p:txBody>
-          <a:bodyPr/>
-          <a:lstStyle/>
-          <a:p>
-            <a:r>
-              <a:rPr lang="fr-CH" dirty="0" err="1"/>
-              <a:t>Parameters</a:t>
-            </a:r>
-            <a:r>
-              <a:rPr lang="fr-CH" dirty="0"/>
-              <a:t>: </a:t>
-            </a:r>
-            <a:r>
-              <a:rPr lang="fr-CH" dirty="0" err="1"/>
-              <a:t>company</a:t>
-            </a:r>
-            <a:r>
-              <a:rPr lang="fr-CH" dirty="0"/>
-              <a:t>, </a:t>
-            </a:r>
-            <a:r>
-              <a:rPr lang="fr-CH" dirty="0" err="1"/>
-              <a:t>day</a:t>
-            </a:r>
-            <a:r>
-              <a:rPr lang="fr-CH" dirty="0"/>
-              <a:t> of </a:t>
-            </a:r>
-            <a:r>
-              <a:rPr lang="fr-CH" dirty="0" err="1"/>
-              <a:t>week</a:t>
-            </a:r>
-            <a:r>
-              <a:rPr lang="fr-CH" dirty="0"/>
-              <a:t>, </a:t>
-            </a:r>
-            <a:r>
-              <a:rPr lang="fr-CH" dirty="0" err="1"/>
-              <a:t>hour</a:t>
-            </a:r>
-            <a:r>
-              <a:rPr lang="fr-CH" dirty="0"/>
-              <a:t> of </a:t>
-            </a:r>
-            <a:r>
-              <a:rPr lang="fr-CH" dirty="0" err="1"/>
-              <a:t>day</a:t>
-            </a:r>
-            <a:endParaRPr lang="fr-CH" dirty="0"/>
-          </a:p>
-        </p:txBody>
-      </p:sp>
-      <p:sp>
-        <p:nvSpPr>
-          <p:cNvPr id="6" name="TextBox 5">
-            <a:extLst>
-              <a:ext uri="{FF2B5EF4-FFF2-40B4-BE49-F238E27FC236}">
-                <a16:creationId xmlns:a16="http://schemas.microsoft.com/office/drawing/2014/main" id="{245C66D6-0A06-43E3-A0FF-379CAE6C93E3}"/>
-              </a:ext>
-            </a:extLst>
-          </p:cNvPr>
-          <p:cNvSpPr txBox="1"/>
-          <p:nvPr/>
-        </p:nvSpPr>
-        <p:spPr>
-          <a:xfrm>
-            <a:off x="3621916" y="6414181"/>
-            <a:ext cx="2947474" cy="369332"/>
-          </a:xfrm>
-          <a:prstGeom prst="rect">
-            <a:avLst/>
-          </a:prstGeom>
-          <a:noFill/>
-        </p:spPr>
-        <p:txBody>
-          <a:bodyPr wrap="none" rtlCol="0">
-            <a:spAutoFit/>
-          </a:bodyPr>
-          <a:lstStyle/>
-          <a:p>
-            <a:r>
-              <a:rPr lang="fr-CH" dirty="0" err="1"/>
-              <a:t>Late</a:t>
-            </a:r>
-            <a:r>
-              <a:rPr lang="fr-CH" dirty="0"/>
-              <a:t> = at least one </a:t>
-            </a:r>
-            <a:r>
-              <a:rPr lang="fr-CH" dirty="0" err="1"/>
-              <a:t>hour</a:t>
-            </a:r>
-            <a:r>
-              <a:rPr lang="fr-CH" dirty="0"/>
-              <a:t> </a:t>
-            </a:r>
-            <a:r>
-              <a:rPr lang="fr-CH" dirty="0" err="1"/>
-              <a:t>delay</a:t>
-            </a:r>
-            <a:endParaRPr lang="fr-CH" dirty="0"/>
-          </a:p>
-        </p:txBody>
-      </p:sp>
-      <p:graphicFrame>
-        <p:nvGraphicFramePr>
-          <p:cNvPr id="8" name="Chart 7">
-            <a:extLst>
-              <a:ext uri="{FF2B5EF4-FFF2-40B4-BE49-F238E27FC236}">
-                <a16:creationId xmlns:a16="http://schemas.microsoft.com/office/drawing/2014/main" id="{81B4095B-3618-4D63-A98A-CEA9BE3AA7A6}"/>
-              </a:ext>
-            </a:extLst>
-          </p:cNvPr>
-          <p:cNvGraphicFramePr>
-            <a:graphicFrameLocks/>
-          </p:cNvGraphicFramePr>
-          <p:nvPr>
-            <p:extLst>
-              <p:ext uri="{D42A27DB-BD31-4B8C-83A1-F6EECF244321}">
-                <p14:modId xmlns:p14="http://schemas.microsoft.com/office/powerpoint/2010/main" val="479524144"/>
-              </p:ext>
-            </p:extLst>
-          </p:nvPr>
-        </p:nvGraphicFramePr>
-        <p:xfrm>
-          <a:off x="723696" y="2479149"/>
-          <a:ext cx="5372304" cy="3377656"/>
-        </p:xfrm>
-        <a:graphic>
-          <a:graphicData uri="http://schemas.openxmlformats.org/drawingml/2006/chart">
-            <c:chart xmlns:c="http://schemas.openxmlformats.org/drawingml/2006/chart" xmlns:r="http://schemas.openxmlformats.org/officeDocument/2006/relationships" r:id="rId2"/>
-          </a:graphicData>
-        </a:graphic>
-      </p:graphicFrame>
-      <p:graphicFrame>
-        <p:nvGraphicFramePr>
-          <p:cNvPr id="9" name="Chart 8">
-            <a:extLst>
-              <a:ext uri="{FF2B5EF4-FFF2-40B4-BE49-F238E27FC236}">
-                <a16:creationId xmlns:a16="http://schemas.microsoft.com/office/drawing/2014/main" id="{0F7DA4A9-6202-4096-90BA-2463C671E19C}"/>
-              </a:ext>
-            </a:extLst>
-          </p:cNvPr>
-          <p:cNvGraphicFramePr>
-            <a:graphicFrameLocks/>
-          </p:cNvGraphicFramePr>
-          <p:nvPr>
-            <p:extLst>
-              <p:ext uri="{D42A27DB-BD31-4B8C-83A1-F6EECF244321}">
-                <p14:modId xmlns:p14="http://schemas.microsoft.com/office/powerpoint/2010/main" val="2997892484"/>
-              </p:ext>
-            </p:extLst>
-          </p:nvPr>
-        </p:nvGraphicFramePr>
-        <p:xfrm>
-          <a:off x="6527935" y="2506043"/>
-          <a:ext cx="5055687" cy="3323868"/>
-        </p:xfrm>
-        <a:graphic>
-          <a:graphicData uri="http://schemas.openxmlformats.org/drawingml/2006/chart">
-            <c:chart xmlns:c="http://schemas.openxmlformats.org/drawingml/2006/chart" xmlns:r="http://schemas.openxmlformats.org/officeDocument/2006/relationships" r:id="rId3"/>
-          </a:graphicData>
-        </a:graphic>
-      </p:graphicFrame>
-    </p:spTree>
-    <p:extLst>
-      <p:ext uri="{BB962C8B-B14F-4D97-AF65-F5344CB8AC3E}">
-        <p14:creationId xmlns:p14="http://schemas.microsoft.com/office/powerpoint/2010/main" val="33946944"/>
-      </p:ext>
-    </p:extLst>
-  </p:cSld>
-  <p:clrMapOvr>
-    <a:masterClrMapping/>
-  </p:clrMapOvr>
-</p:sld>
-</file>
-
-<file path=ppt/slides/slide6.xml><?xml version="1.0" encoding="utf-8"?>
-<p:sld xmlns:a="http://schemas.openxmlformats.org/drawingml/2006/main" xmlns:r="http://schemas.openxmlformats.org/officeDocument/2006/relationships" xmlns:p="http://schemas.openxmlformats.org/presentationml/2006/main">
-  <p:cSld>
-    <p:spTree>
-      <p:nvGrpSpPr>
-        <p:cNvPr id="1" name=""/>
-        <p:cNvGrpSpPr/>
-        <p:nvPr/>
-      </p:nvGrpSpPr>
-      <p:grpSpPr>
-        <a:xfrm>
-          <a:off x="0" y="0"/>
-          <a:ext cx="0" cy="0"/>
-          <a:chOff x="0" y="0"/>
-          <a:chExt cx="0" cy="0"/>
-        </a:xfrm>
-      </p:grpSpPr>
-      <p:sp>
-        <p:nvSpPr>
-          <p:cNvPr id="2" name="Title 1">
-            <a:extLst>
-              <a:ext uri="{FF2B5EF4-FFF2-40B4-BE49-F238E27FC236}">
-                <a16:creationId xmlns:a16="http://schemas.microsoft.com/office/drawing/2014/main" id="{774D449A-FA07-4F82-AF73-6C314BEBEBA6}"/>
-              </a:ext>
-            </a:extLst>
-          </p:cNvPr>
-          <p:cNvSpPr>
-            <a:spLocks noGrp="1"/>
-          </p:cNvSpPr>
-          <p:nvPr>
-            <p:ph type="title"/>
-          </p:nvPr>
-        </p:nvSpPr>
-        <p:spPr/>
-        <p:txBody>
-          <a:bodyPr/>
-          <a:lstStyle/>
-          <a:p>
-            <a:r>
-              <a:rPr lang="fr-CH" dirty="0" err="1"/>
-              <a:t>Bayesian</a:t>
-            </a:r>
-            <a:r>
-              <a:rPr lang="fr-CH" dirty="0"/>
-              <a:t> </a:t>
-            </a:r>
-            <a:r>
-              <a:rPr lang="fr-CH" dirty="0" err="1"/>
-              <a:t>delay</a:t>
-            </a:r>
-            <a:r>
-              <a:rPr lang="fr-CH" dirty="0"/>
-              <a:t> </a:t>
-            </a:r>
-            <a:r>
-              <a:rPr lang="fr-CH" dirty="0" err="1"/>
-              <a:t>probability</a:t>
-            </a:r>
-            <a:r>
-              <a:rPr lang="fr-CH" dirty="0"/>
-              <a:t> </a:t>
-            </a:r>
-            <a:r>
-              <a:rPr lang="fr-CH" dirty="0" err="1"/>
-              <a:t>function</a:t>
-            </a:r>
-            <a:r>
-              <a:rPr lang="fr-CH" dirty="0"/>
-              <a:t> </a:t>
-            </a:r>
-          </a:p>
-        </p:txBody>
-      </p:sp>
-      <p:sp>
-        <p:nvSpPr>
-          <p:cNvPr id="3" name="Content Placeholder 2">
-            <a:extLst>
-              <a:ext uri="{FF2B5EF4-FFF2-40B4-BE49-F238E27FC236}">
-                <a16:creationId xmlns:a16="http://schemas.microsoft.com/office/drawing/2014/main" id="{08EED7F9-FECC-483C-99A7-EA82892A265E}"/>
-              </a:ext>
-            </a:extLst>
-          </p:cNvPr>
-          <p:cNvSpPr>
-            <a:spLocks noGrp="1"/>
-          </p:cNvSpPr>
-          <p:nvPr>
-            <p:ph idx="1"/>
-          </p:nvPr>
-        </p:nvSpPr>
-        <p:spPr/>
-        <p:txBody>
-          <a:bodyPr/>
-          <a:lstStyle/>
-          <a:p>
-            <a:r>
-              <a:rPr lang="fr-CH" dirty="0"/>
-              <a:t>f(</a:t>
-            </a:r>
-            <a:r>
-              <a:rPr lang="fr-CH" dirty="0" err="1"/>
-              <a:t>company</a:t>
-            </a:r>
-            <a:r>
-              <a:rPr lang="fr-CH" dirty="0"/>
-              <a:t>, </a:t>
-            </a:r>
-            <a:r>
-              <a:rPr lang="fr-CH" dirty="0" err="1"/>
-              <a:t>day</a:t>
-            </a:r>
-            <a:r>
-              <a:rPr lang="fr-CH" dirty="0"/>
-              <a:t> of </a:t>
-            </a:r>
-            <a:r>
-              <a:rPr lang="fr-CH" dirty="0" err="1"/>
-              <a:t>week</a:t>
-            </a:r>
-            <a:r>
-              <a:rPr lang="fr-CH" dirty="0"/>
-              <a:t>, </a:t>
-            </a:r>
-            <a:r>
-              <a:rPr lang="fr-CH" dirty="0" err="1"/>
-              <a:t>hour</a:t>
-            </a:r>
-            <a:r>
-              <a:rPr lang="fr-CH" dirty="0"/>
-              <a:t> of </a:t>
-            </a:r>
-            <a:r>
-              <a:rPr lang="fr-CH" dirty="0" err="1"/>
-              <a:t>day</a:t>
-            </a:r>
-            <a:r>
-              <a:rPr lang="fr-CH" dirty="0"/>
-              <a:t>) </a:t>
-            </a:r>
-            <a:r>
-              <a:rPr lang="fr-CH" dirty="0">
-                <a:sym typeface="Wingdings" panose="05000000000000000000" pitchFamily="2" charset="2"/>
-              </a:rPr>
-              <a:t> </a:t>
-            </a:r>
-            <a:r>
-              <a:rPr lang="fr-CH" dirty="0" err="1">
-                <a:sym typeface="Wingdings" panose="05000000000000000000" pitchFamily="2" charset="2"/>
-              </a:rPr>
-              <a:t>probability</a:t>
-            </a:r>
-            <a:r>
-              <a:rPr lang="fr-CH" dirty="0">
-                <a:sym typeface="Wingdings" panose="05000000000000000000" pitchFamily="2" charset="2"/>
-              </a:rPr>
-              <a:t> of </a:t>
-            </a:r>
-            <a:r>
-              <a:rPr lang="fr-CH" dirty="0" err="1">
-                <a:sym typeface="Wingdings" panose="05000000000000000000" pitchFamily="2" charset="2"/>
-              </a:rPr>
-              <a:t>being</a:t>
-            </a:r>
-            <a:r>
-              <a:rPr lang="fr-CH" dirty="0">
-                <a:sym typeface="Wingdings" panose="05000000000000000000" pitchFamily="2" charset="2"/>
-              </a:rPr>
-              <a:t> </a:t>
-            </a:r>
-            <a:r>
-              <a:rPr lang="fr-CH" dirty="0" err="1">
-                <a:sym typeface="Wingdings" panose="05000000000000000000" pitchFamily="2" charset="2"/>
-              </a:rPr>
-              <a:t>late</a:t>
-            </a:r>
-            <a:endParaRPr lang="fr-CH" dirty="0">
-              <a:sym typeface="Wingdings" panose="05000000000000000000" pitchFamily="2" charset="2"/>
-            </a:endParaRPr>
-          </a:p>
-          <a:p>
-            <a:endParaRPr lang="fr-CH" dirty="0">
-              <a:sym typeface="Wingdings" panose="05000000000000000000" pitchFamily="2" charset="2"/>
-            </a:endParaRPr>
-          </a:p>
-          <a:p>
-            <a:endParaRPr lang="fr-CH" dirty="0">
-              <a:sym typeface="Wingdings" panose="05000000000000000000" pitchFamily="2" charset="2"/>
-            </a:endParaRPr>
-          </a:p>
-          <a:p>
-            <a:r>
-              <a:rPr lang="fr-CH" dirty="0" err="1">
-                <a:sym typeface="Wingdings" panose="05000000000000000000" pitchFamily="2" charset="2"/>
-              </a:rPr>
-              <a:t>Dataset</a:t>
-            </a:r>
-            <a:r>
-              <a:rPr lang="fr-CH" dirty="0">
-                <a:sym typeface="Wingdings" panose="05000000000000000000" pitchFamily="2" charset="2"/>
-              </a:rPr>
-              <a:t>: </a:t>
-            </a:r>
-            <a:r>
-              <a:rPr lang="fr-CH" dirty="0" err="1">
-                <a:sym typeface="Wingdings" panose="05000000000000000000" pitchFamily="2" charset="2"/>
-              </a:rPr>
-              <a:t>flights</a:t>
-            </a:r>
-            <a:r>
-              <a:rPr lang="fr-CH" dirty="0">
-                <a:sym typeface="Wingdings" panose="05000000000000000000" pitchFamily="2" charset="2"/>
-              </a:rPr>
-              <a:t> </a:t>
-            </a:r>
-            <a:r>
-              <a:rPr lang="fr-CH" dirty="0" err="1">
-                <a:sym typeface="Wingdings" panose="05000000000000000000" pitchFamily="2" charset="2"/>
-              </a:rPr>
-              <a:t>arriving</a:t>
-            </a:r>
-            <a:r>
-              <a:rPr lang="fr-CH" dirty="0">
-                <a:sym typeface="Wingdings" panose="05000000000000000000" pitchFamily="2" charset="2"/>
-              </a:rPr>
-              <a:t> to Geneva </a:t>
-            </a:r>
-            <a:br>
-              <a:rPr lang="fr-CH" dirty="0">
-                <a:sym typeface="Wingdings" panose="05000000000000000000" pitchFamily="2" charset="2"/>
-              </a:rPr>
-            </a:br>
-            <a:r>
-              <a:rPr lang="fr-CH" dirty="0" err="1">
-                <a:sym typeface="Wingdings" panose="05000000000000000000" pitchFamily="2" charset="2"/>
-              </a:rPr>
-              <a:t>airport</a:t>
-            </a:r>
-            <a:r>
-              <a:rPr lang="fr-CH" dirty="0">
-                <a:sym typeface="Wingdings" panose="05000000000000000000" pitchFamily="2" charset="2"/>
-              </a:rPr>
-              <a:t> </a:t>
-            </a:r>
-            <a:r>
-              <a:rPr lang="fr-CH" dirty="0" err="1">
-                <a:sym typeface="Wingdings" panose="05000000000000000000" pitchFamily="2" charset="2"/>
-              </a:rPr>
-              <a:t>from</a:t>
-            </a:r>
-            <a:r>
-              <a:rPr lang="fr-CH" dirty="0">
-                <a:sym typeface="Wingdings" panose="05000000000000000000" pitchFamily="2" charset="2"/>
-              </a:rPr>
-              <a:t> 21.05.2018 to </a:t>
-            </a:r>
-            <a:r>
-              <a:rPr lang="fr-CH" dirty="0" err="1">
-                <a:sym typeface="Wingdings" panose="05000000000000000000" pitchFamily="2" charset="2"/>
-              </a:rPr>
-              <a:t>today</a:t>
-            </a:r>
-            <a:endParaRPr lang="fr-CH" dirty="0"/>
-          </a:p>
-        </p:txBody>
-      </p:sp>
-      <mc:AlternateContent xmlns:mc="http://schemas.openxmlformats.org/markup-compatibility/2006">
-        <mc:Choice xmlns:a14="http://schemas.microsoft.com/office/drawing/2010/main" Requires="a14">
-          <p:sp>
-            <p:nvSpPr>
-              <p:cNvPr id="5" name="TextBox 4">
-                <a:extLst>
-                  <a:ext uri="{FF2B5EF4-FFF2-40B4-BE49-F238E27FC236}">
-                    <a16:creationId xmlns:a16="http://schemas.microsoft.com/office/drawing/2014/main" id="{A2A7ED32-7EB5-4D4C-9E06-0186C5C61859}"/>
-                  </a:ext>
-                </a:extLst>
-              </p:cNvPr>
-              <p:cNvSpPr txBox="1"/>
-              <p:nvPr/>
-            </p:nvSpPr>
-            <p:spPr>
-              <a:xfrm>
-                <a:off x="572112" y="2446972"/>
-                <a:ext cx="11147502" cy="521553"/>
-              </a:xfrm>
-              <a:prstGeom prst="rect">
-                <a:avLst/>
-              </a:prstGeom>
-              <a:noFill/>
-            </p:spPr>
-            <p:txBody>
-              <a:bodyPr wrap="square" lIns="0" tIns="0" rIns="0" bIns="0" rtlCol="0">
-                <a:spAutoFit/>
-              </a:bodyPr>
-              <a:lstStyle/>
-              <a:p>
-                <a14:m>
-                  <m:oMathPara xmlns:m="http://schemas.openxmlformats.org/officeDocument/2006/math">
-                    <m:oMathParaPr>
-                      <m:jc m:val="centerGroup"/>
-                    </m:oMathParaPr>
-                    <m:oMath xmlns:m="http://schemas.openxmlformats.org/officeDocument/2006/math">
-                      <m:r>
-                        <a:rPr lang="fr-CH" sz="1600" b="0" i="1" smtClean="0">
-                          <a:latin typeface="Cambria Math" panose="02040503050406030204" pitchFamily="18" charset="0"/>
-                        </a:rPr>
-                        <m:t>𝑃</m:t>
-                      </m:r>
-                      <m:d>
-                        <m:dPr>
-                          <m:endChr m:val="|"/>
-                          <m:ctrlPr>
-                            <a:rPr lang="fr-CH" sz="1600" b="0" i="1" smtClean="0">
-                              <a:latin typeface="Cambria Math" panose="02040503050406030204" pitchFamily="18" charset="0"/>
-                            </a:rPr>
-                          </m:ctrlPr>
-                        </m:dPr>
-                        <m:e>
-                          <m:r>
-                            <a:rPr lang="fr-CH" sz="1600" b="0" i="1" smtClean="0">
-                              <a:latin typeface="Cambria Math" panose="02040503050406030204" pitchFamily="18" charset="0"/>
-                            </a:rPr>
-                            <m:t>𝑑𝑒𝑙𝑎𝑦</m:t>
-                          </m:r>
-                          <m:r>
-                            <a:rPr lang="fr-CH" sz="1600" b="0" i="1" smtClean="0">
-                              <a:latin typeface="Cambria Math" panose="02040503050406030204" pitchFamily="18" charset="0"/>
-                            </a:rPr>
-                            <m:t>&gt;1</m:t>
-                          </m:r>
-                          <m:r>
-                            <a:rPr lang="fr-CH" sz="1600" b="0" i="1" smtClean="0">
-                              <a:latin typeface="Cambria Math" panose="02040503050406030204" pitchFamily="18" charset="0"/>
-                            </a:rPr>
-                            <m:t>h</m:t>
-                          </m:r>
-                          <m:r>
-                            <a:rPr lang="fr-CH" sz="1600" b="0" i="1" smtClean="0">
-                              <a:latin typeface="Cambria Math" panose="02040503050406030204" pitchFamily="18" charset="0"/>
-                            </a:rPr>
-                            <m:t> </m:t>
-                          </m:r>
-                        </m:e>
-                      </m:d>
-                      <m:r>
-                        <a:rPr lang="fr-CH" sz="1600" b="0" i="1" smtClean="0">
-                          <a:latin typeface="Cambria Math" panose="02040503050406030204" pitchFamily="18" charset="0"/>
-                        </a:rPr>
-                        <m:t>𝑐𝑜𝑚𝑝𝑎𝑛𝑦</m:t>
-                      </m:r>
-                      <m:r>
-                        <a:rPr lang="fr-CH" sz="1600" b="0" i="1" smtClean="0">
-                          <a:latin typeface="Cambria Math" panose="02040503050406030204" pitchFamily="18" charset="0"/>
-                        </a:rPr>
-                        <m:t>, </m:t>
-                      </m:r>
-                      <m:r>
-                        <a:rPr lang="fr-CH" sz="1600" b="0" i="1" smtClean="0">
-                          <a:latin typeface="Cambria Math" panose="02040503050406030204" pitchFamily="18" charset="0"/>
-                        </a:rPr>
-                        <m:t>𝑑𝑎𝑦𝑂𝑓𝑊𝑒𝑒𝑘</m:t>
-                      </m:r>
-                      <m:r>
-                        <a:rPr lang="fr-CH" sz="1600" b="0" i="1" smtClean="0">
-                          <a:latin typeface="Cambria Math" panose="02040503050406030204" pitchFamily="18" charset="0"/>
-                        </a:rPr>
-                        <m:t>, </m:t>
-                      </m:r>
-                      <m:r>
-                        <a:rPr lang="fr-CH" sz="1600" b="0" i="1" smtClean="0">
-                          <a:latin typeface="Cambria Math" panose="02040503050406030204" pitchFamily="18" charset="0"/>
-                        </a:rPr>
-                        <m:t>h𝑜𝑢𝑟𝑂𝑓𝐷𝑎𝑦</m:t>
-                      </m:r>
-                      <m:r>
-                        <a:rPr lang="fr-CH" sz="1600" b="0" i="1" smtClean="0">
-                          <a:latin typeface="Cambria Math" panose="02040503050406030204" pitchFamily="18" charset="0"/>
-                        </a:rPr>
-                        <m:t>)=</m:t>
-                      </m:r>
-                      <m:f>
-                        <m:fPr>
-                          <m:ctrlPr>
-                            <a:rPr lang="fr-CH" sz="1600" b="0" i="1" smtClean="0">
-                              <a:latin typeface="Cambria Math" panose="02040503050406030204" pitchFamily="18" charset="0"/>
-                            </a:rPr>
-                          </m:ctrlPr>
-                        </m:fPr>
-                        <m:num>
-                          <m:r>
-                            <a:rPr lang="fr-CH" sz="1600" b="0" i="1" smtClean="0">
-                              <a:latin typeface="Cambria Math" panose="02040503050406030204" pitchFamily="18" charset="0"/>
-                            </a:rPr>
-                            <m:t>𝑃</m:t>
-                          </m:r>
-                          <m:d>
-                            <m:dPr>
-                              <m:endChr m:val="|"/>
-                              <m:ctrlPr>
-                                <a:rPr lang="fr-CH" sz="1600" b="0" i="1" smtClean="0">
-                                  <a:latin typeface="Cambria Math" panose="02040503050406030204" pitchFamily="18" charset="0"/>
-                                </a:rPr>
-                              </m:ctrlPr>
-                            </m:dPr>
-                            <m:e>
-                              <m:r>
-                                <a:rPr lang="fr-CH" sz="1600" b="0" i="1" smtClean="0">
-                                  <a:latin typeface="Cambria Math" panose="02040503050406030204" pitchFamily="18" charset="0"/>
-                                </a:rPr>
-                                <m:t>𝑑𝑒𝑙𝑎𝑦</m:t>
-                              </m:r>
-                              <m:r>
-                                <a:rPr lang="fr-CH" sz="1600" b="0" i="1" smtClean="0">
-                                  <a:latin typeface="Cambria Math" panose="02040503050406030204" pitchFamily="18" charset="0"/>
-                                </a:rPr>
-                                <m:t>&gt;1</m:t>
-                              </m:r>
-                              <m:r>
-                                <a:rPr lang="fr-CH" sz="1600" b="0" i="1" smtClean="0">
-                                  <a:latin typeface="Cambria Math" panose="02040503050406030204" pitchFamily="18" charset="0"/>
-                                </a:rPr>
-                                <m:t>h</m:t>
-                              </m:r>
-                              <m:r>
-                                <a:rPr lang="fr-CH" sz="1600" b="0" i="1" smtClean="0">
-                                  <a:latin typeface="Cambria Math" panose="02040503050406030204" pitchFamily="18" charset="0"/>
-                                </a:rPr>
-                                <m:t> </m:t>
-                              </m:r>
-                            </m:e>
-                          </m:d>
-                          <m:r>
-                            <a:rPr lang="fr-CH" sz="1600" b="0" i="1" smtClean="0">
-                              <a:latin typeface="Cambria Math" panose="02040503050406030204" pitchFamily="18" charset="0"/>
-                            </a:rPr>
-                            <m:t>𝑐𝑜𝑚𝑝𝑎𝑛𝑦</m:t>
-                          </m:r>
-                          <m:r>
-                            <a:rPr lang="fr-CH" sz="1600" b="0" i="1" smtClean="0">
-                              <a:latin typeface="Cambria Math" panose="02040503050406030204" pitchFamily="18" charset="0"/>
-                            </a:rPr>
-                            <m:t>, </m:t>
-                          </m:r>
-                          <m:r>
-                            <a:rPr lang="fr-CH" sz="1600" b="0" i="1" smtClean="0">
-                              <a:latin typeface="Cambria Math" panose="02040503050406030204" pitchFamily="18" charset="0"/>
-                            </a:rPr>
-                            <m:t>𝑑𝑎𝑦𝑂𝑓𝑊𝑒𝑒𝑘</m:t>
-                          </m:r>
-                          <m:r>
-                            <a:rPr lang="fr-CH" sz="1600" b="0" i="1" smtClean="0">
-                              <a:latin typeface="Cambria Math" panose="02040503050406030204" pitchFamily="18" charset="0"/>
-                            </a:rPr>
-                            <m:t>, </m:t>
-                          </m:r>
-                          <m:r>
-                            <a:rPr lang="fr-CH" sz="1600" b="0" i="1" smtClean="0">
-                              <a:latin typeface="Cambria Math" panose="02040503050406030204" pitchFamily="18" charset="0"/>
-                            </a:rPr>
-                            <m:t>h𝑜𝑢𝑟𝑂𝑓𝐷𝑎𝑦</m:t>
-                          </m:r>
-                          <m:r>
-                            <a:rPr lang="fr-CH" sz="1600" b="0" i="1" smtClean="0">
-                              <a:latin typeface="Cambria Math" panose="02040503050406030204" pitchFamily="18" charset="0"/>
-                            </a:rPr>
-                            <m:t>)∙</m:t>
-                          </m:r>
-                          <m:r>
-                            <a:rPr lang="fr-CH" sz="1600" b="0" i="1" smtClean="0">
-                              <a:latin typeface="Cambria Math" panose="02040503050406030204" pitchFamily="18" charset="0"/>
-                            </a:rPr>
-                            <m:t>𝑃</m:t>
-                          </m:r>
-                          <m:r>
-                            <a:rPr lang="fr-CH" sz="1600" b="0" i="1" smtClean="0">
-                              <a:latin typeface="Cambria Math" panose="02040503050406030204" pitchFamily="18" charset="0"/>
-                            </a:rPr>
-                            <m:t>(</m:t>
-                          </m:r>
-                          <m:r>
-                            <a:rPr lang="fr-CH" sz="1600" b="0" i="1" smtClean="0">
-                              <a:latin typeface="Cambria Math" panose="02040503050406030204" pitchFamily="18" charset="0"/>
-                            </a:rPr>
-                            <m:t>𝑑𝑒𝑙𝑎𝑦</m:t>
-                          </m:r>
-                          <m:r>
-                            <a:rPr lang="fr-CH" sz="1600" b="0" i="1" smtClean="0">
-                              <a:latin typeface="Cambria Math" panose="02040503050406030204" pitchFamily="18" charset="0"/>
-                            </a:rPr>
-                            <m:t>&gt;1</m:t>
-                          </m:r>
-                          <m:r>
-                            <a:rPr lang="fr-CH" sz="1600" b="0" i="1" smtClean="0">
-                              <a:latin typeface="Cambria Math" panose="02040503050406030204" pitchFamily="18" charset="0"/>
-                            </a:rPr>
-                            <m:t>h</m:t>
-                          </m:r>
-                          <m:r>
-                            <a:rPr lang="fr-CH" sz="1600" b="0" i="1" smtClean="0">
-                              <a:latin typeface="Cambria Math" panose="02040503050406030204" pitchFamily="18" charset="0"/>
-                            </a:rPr>
-                            <m:t>)</m:t>
-                          </m:r>
-                        </m:num>
-                        <m:den>
-                          <m:r>
-                            <a:rPr lang="fr-CH" sz="1600" b="0" i="1" smtClean="0">
-                              <a:latin typeface="Cambria Math" panose="02040503050406030204" pitchFamily="18" charset="0"/>
-                            </a:rPr>
-                            <m:t>𝑃</m:t>
-                          </m:r>
-                          <m:r>
-                            <a:rPr lang="fr-CH" sz="1600" b="0" i="1" smtClean="0">
-                              <a:latin typeface="Cambria Math" panose="02040503050406030204" pitchFamily="18" charset="0"/>
-                            </a:rPr>
-                            <m:t>(</m:t>
-                          </m:r>
-                          <m:r>
-                            <a:rPr lang="fr-CH" sz="1600" b="0" i="1" smtClean="0">
-                              <a:latin typeface="Cambria Math" panose="02040503050406030204" pitchFamily="18" charset="0"/>
-                            </a:rPr>
-                            <m:t>𝑐𝑜𝑚𝑝𝑎𝑛𝑦</m:t>
-                          </m:r>
-                          <m:r>
-                            <a:rPr lang="fr-CH" sz="1600" b="0" i="1" smtClean="0">
-                              <a:latin typeface="Cambria Math" panose="02040503050406030204" pitchFamily="18" charset="0"/>
-                            </a:rPr>
-                            <m:t>, </m:t>
-                          </m:r>
-                          <m:r>
-                            <a:rPr lang="fr-CH" sz="1600" b="0" i="1" smtClean="0">
-                              <a:latin typeface="Cambria Math" panose="02040503050406030204" pitchFamily="18" charset="0"/>
-                            </a:rPr>
-                            <m:t>𝑑𝑎𝑦𝑂𝑓𝑊𝑒𝑒𝑘</m:t>
-                          </m:r>
-                          <m:r>
-                            <a:rPr lang="fr-CH" sz="1600" b="0" i="1" smtClean="0">
-                              <a:latin typeface="Cambria Math" panose="02040503050406030204" pitchFamily="18" charset="0"/>
-                            </a:rPr>
-                            <m:t>, </m:t>
-                          </m:r>
-                          <m:r>
-                            <a:rPr lang="fr-CH" sz="1600" b="0" i="1" smtClean="0">
-                              <a:latin typeface="Cambria Math" panose="02040503050406030204" pitchFamily="18" charset="0"/>
-                            </a:rPr>
-                            <m:t>h𝑜𝑢𝑟𝑂𝑓𝐷𝑎𝑦</m:t>
-                          </m:r>
-                          <m:r>
-                            <a:rPr lang="fr-CH" sz="1600" b="0" i="1" smtClean="0">
-                              <a:latin typeface="Cambria Math" panose="02040503050406030204" pitchFamily="18" charset="0"/>
-                            </a:rPr>
-                            <m:t>)</m:t>
-                          </m:r>
-                        </m:den>
-                      </m:f>
-                      <m:r>
-                        <a:rPr lang="fr-CH" sz="1600" b="0" i="1" smtClean="0">
-                          <a:latin typeface="Cambria Math" panose="02040503050406030204" pitchFamily="18" charset="0"/>
-                        </a:rPr>
-                        <m:t> </m:t>
-                      </m:r>
-                    </m:oMath>
-                  </m:oMathPara>
-                </a14:m>
-                <a:endParaRPr lang="fr-CH" sz="1600" dirty="0"/>
-              </a:p>
-            </p:txBody>
-          </p:sp>
-        </mc:Choice>
-        <mc:Fallback>
-          <p:sp>
-            <p:nvSpPr>
-              <p:cNvPr id="5" name="TextBox 4">
-                <a:extLst>
-                  <a:ext uri="{FF2B5EF4-FFF2-40B4-BE49-F238E27FC236}">
-                    <a16:creationId xmlns:a16="http://schemas.microsoft.com/office/drawing/2014/main" id="{A2A7ED32-7EB5-4D4C-9E06-0186C5C61859}"/>
-                  </a:ext>
-                </a:extLst>
-              </p:cNvPr>
-              <p:cNvSpPr txBox="1">
-                <a:spLocks noRot="1" noChangeAspect="1" noMove="1" noResize="1" noEditPoints="1" noAdjustHandles="1" noChangeArrowheads="1" noChangeShapeType="1" noTextEdit="1"/>
-              </p:cNvSpPr>
-              <p:nvPr/>
-            </p:nvSpPr>
-            <p:spPr>
-              <a:xfrm>
-                <a:off x="572112" y="2446972"/>
-                <a:ext cx="11147502" cy="521553"/>
-              </a:xfrm>
-              <a:prstGeom prst="rect">
-                <a:avLst/>
-              </a:prstGeom>
-              <a:blipFill>
-                <a:blip r:embed="rId2"/>
-                <a:stretch>
-                  <a:fillRect/>
-                </a:stretch>
-              </a:blipFill>
-            </p:spPr>
-            <p:txBody>
-              <a:bodyPr/>
-              <a:lstStyle/>
-              <a:p>
-                <a:r>
-                  <a:rPr lang="fr-CH">
-                    <a:noFill/>
-                  </a:rPr>
-                  <a:t> </a:t>
-                </a:r>
-              </a:p>
-            </p:txBody>
-          </p:sp>
-        </mc:Fallback>
-      </mc:AlternateContent>
-      <p:graphicFrame>
-        <p:nvGraphicFramePr>
-          <p:cNvPr id="6" name="Chart 5">
-            <a:extLst>
-              <a:ext uri="{FF2B5EF4-FFF2-40B4-BE49-F238E27FC236}">
-                <a16:creationId xmlns:a16="http://schemas.microsoft.com/office/drawing/2014/main" id="{B4B60E45-658D-4EFD-BCE1-DE03AAB9ABA1}"/>
-              </a:ext>
-            </a:extLst>
-          </p:cNvPr>
-          <p:cNvGraphicFramePr>
-            <a:graphicFrameLocks/>
-          </p:cNvGraphicFramePr>
-          <p:nvPr>
-            <p:extLst>
-              <p:ext uri="{D42A27DB-BD31-4B8C-83A1-F6EECF244321}">
-                <p14:modId xmlns:p14="http://schemas.microsoft.com/office/powerpoint/2010/main" val="2209041763"/>
-              </p:ext>
-            </p:extLst>
-          </p:nvPr>
-        </p:nvGraphicFramePr>
-        <p:xfrm>
-          <a:off x="7183188" y="3999168"/>
-          <a:ext cx="4563824" cy="2727873"/>
-        </p:xfrm>
-        <a:graphic>
-          <a:graphicData uri="http://schemas.openxmlformats.org/drawingml/2006/chart">
-            <c:chart xmlns:c="http://schemas.openxmlformats.org/drawingml/2006/chart" xmlns:r="http://schemas.openxmlformats.org/officeDocument/2006/relationships" r:id="rId3"/>
-          </a:graphicData>
-        </a:graphic>
-      </p:graphicFrame>
-      <p:graphicFrame>
-        <p:nvGraphicFramePr>
-          <p:cNvPr id="7" name="Chart 6">
-            <a:extLst>
-              <a:ext uri="{FF2B5EF4-FFF2-40B4-BE49-F238E27FC236}">
-                <a16:creationId xmlns:a16="http://schemas.microsoft.com/office/drawing/2014/main" id="{B5BC8D9B-2327-4D53-82E7-3BF858A39799}"/>
-              </a:ext>
-            </a:extLst>
-          </p:cNvPr>
-          <p:cNvGraphicFramePr>
-            <a:graphicFrameLocks/>
-          </p:cNvGraphicFramePr>
-          <p:nvPr>
-            <p:extLst>
-              <p:ext uri="{D42A27DB-BD31-4B8C-83A1-F6EECF244321}">
-                <p14:modId xmlns:p14="http://schemas.microsoft.com/office/powerpoint/2010/main" val="1242997043"/>
-              </p:ext>
-            </p:extLst>
-          </p:nvPr>
-        </p:nvGraphicFramePr>
-        <p:xfrm>
-          <a:off x="2009737" y="4205374"/>
-          <a:ext cx="4563824" cy="2727873"/>
-        </p:xfrm>
-        <a:graphic>
-          <a:graphicData uri="http://schemas.openxmlformats.org/drawingml/2006/chart">
-            <c:chart xmlns:c="http://schemas.openxmlformats.org/drawingml/2006/chart" xmlns:r="http://schemas.openxmlformats.org/officeDocument/2006/relationships" r:id="rId4"/>
-          </a:graphicData>
-        </a:graphic>
-      </p:graphicFrame>
-      <p:sp>
-        <p:nvSpPr>
-          <p:cNvPr id="8" name="TextBox 7">
-            <a:extLst>
-              <a:ext uri="{FF2B5EF4-FFF2-40B4-BE49-F238E27FC236}">
-                <a16:creationId xmlns:a16="http://schemas.microsoft.com/office/drawing/2014/main" id="{49A227DB-BE87-4A7D-8FAC-4AB85832A1D6}"/>
-              </a:ext>
-            </a:extLst>
-          </p:cNvPr>
-          <p:cNvSpPr txBox="1"/>
-          <p:nvPr/>
-        </p:nvSpPr>
-        <p:spPr>
-          <a:xfrm>
-            <a:off x="125426" y="4249578"/>
-            <a:ext cx="2241256" cy="1200329"/>
-          </a:xfrm>
-          <a:prstGeom prst="rect">
-            <a:avLst/>
-          </a:prstGeom>
-          <a:noFill/>
-        </p:spPr>
-        <p:txBody>
-          <a:bodyPr wrap="square" rtlCol="0">
-            <a:spAutoFit/>
-          </a:bodyPr>
-          <a:lstStyle/>
-          <a:p>
-            <a:r>
-              <a:rPr lang="fr-CH" dirty="0"/>
-              <a:t>90% of the </a:t>
-            </a:r>
-            <a:r>
-              <a:rPr lang="fr-CH" dirty="0" err="1"/>
-              <a:t>flights</a:t>
-            </a:r>
-            <a:r>
-              <a:rPr lang="fr-CH" dirty="0"/>
-              <a:t> </a:t>
-            </a:r>
-            <a:r>
-              <a:rPr lang="fr-CH" dirty="0" err="1"/>
-              <a:t>will</a:t>
-            </a:r>
-            <a:r>
-              <a:rPr lang="fr-CH" dirty="0"/>
-              <a:t> have a </a:t>
-            </a:r>
-            <a:r>
-              <a:rPr lang="fr-CH" dirty="0" err="1"/>
-              <a:t>delay</a:t>
-            </a:r>
-            <a:r>
-              <a:rPr lang="fr-CH" dirty="0"/>
-              <a:t> </a:t>
-            </a:r>
-            <a:r>
-              <a:rPr lang="fr-CH" dirty="0" err="1"/>
-              <a:t>probability</a:t>
-            </a:r>
-            <a:r>
-              <a:rPr lang="fr-CH" dirty="0"/>
-              <a:t> </a:t>
-            </a:r>
-            <a:r>
-              <a:rPr lang="fr-CH" dirty="0" err="1"/>
-              <a:t>lower</a:t>
-            </a:r>
-            <a:r>
-              <a:rPr lang="fr-CH" dirty="0"/>
-              <a:t> </a:t>
-            </a:r>
-            <a:r>
-              <a:rPr lang="fr-CH" dirty="0" err="1"/>
-              <a:t>than</a:t>
-            </a:r>
-            <a:r>
-              <a:rPr lang="fr-CH" dirty="0"/>
-              <a:t> 30%</a:t>
-            </a:r>
-          </a:p>
-        </p:txBody>
-      </p:sp>
-      <p:cxnSp>
-        <p:nvCxnSpPr>
-          <p:cNvPr id="10" name="Straight Arrow Connector 9">
-            <a:extLst>
-              <a:ext uri="{FF2B5EF4-FFF2-40B4-BE49-F238E27FC236}">
-                <a16:creationId xmlns:a16="http://schemas.microsoft.com/office/drawing/2014/main" id="{C5BAF6D3-B367-4A06-BFA0-8879595C9B37}"/>
-              </a:ext>
-            </a:extLst>
-          </p:cNvPr>
-          <p:cNvCxnSpPr/>
-          <p:nvPr/>
-        </p:nvCxnSpPr>
-        <p:spPr>
-          <a:xfrm>
-            <a:off x="2366682" y="4376406"/>
-            <a:ext cx="1276248" cy="444976"/>
-          </a:xfrm>
-          <a:prstGeom prst="straightConnector1">
-            <a:avLst/>
-          </a:prstGeom>
-          <a:ln w="38100">
-            <a:solidFill>
-              <a:srgbClr val="FF0000"/>
-            </a:solidFill>
-            <a:tailEnd type="triangle"/>
-          </a:ln>
-        </p:spPr>
-        <p:style>
-          <a:lnRef idx="1">
-            <a:schemeClr val="accent1"/>
-          </a:lnRef>
-          <a:fillRef idx="0">
-            <a:schemeClr val="accent1"/>
-          </a:fillRef>
-          <a:effectRef idx="0">
-            <a:schemeClr val="accent1"/>
-          </a:effectRef>
-          <a:fontRef idx="minor">
-            <a:schemeClr val="tx1"/>
-          </a:fontRef>
-        </p:style>
-      </p:cxnSp>
-    </p:spTree>
-    <p:extLst>
-      <p:ext uri="{BB962C8B-B14F-4D97-AF65-F5344CB8AC3E}">
-        <p14:creationId xmlns:p14="http://schemas.microsoft.com/office/powerpoint/2010/main" val="3158198877"/>
-      </p:ext>
-    </p:extLst>
-  </p:cSld>
-  <p:clrMapOvr>
-    <a:masterClrMapping/>
-  </p:clrMapOvr>
-</p:sld>
-</file>
-
-<file path=ppt/slides/slide7.xml><?xml version="1.0" encoding="utf-8"?>
+<file path=ppt/slides/slide10.xml><?xml version="1.0" encoding="utf-8"?>
 <p:sld xmlns:a="http://schemas.openxmlformats.org/drawingml/2006/main" xmlns:r="http://schemas.openxmlformats.org/officeDocument/2006/relationships" xmlns:p="http://schemas.openxmlformats.org/presentationml/2006/main">
   <p:cSld>
     <p:spTree>
@@ -10759,8 +11930,8 @@
           </a:p>
         </p:txBody>
       </p:sp>
-      <mc:AlternateContent xmlns:mc="http://schemas.openxmlformats.org/markup-compatibility/2006">
-        <mc:Choice xmlns:a14="http://schemas.microsoft.com/office/drawing/2010/main" Requires="a14">
+      <mc:AlternateContent xmlns:mc="http://schemas.openxmlformats.org/markup-compatibility/2006" xmlns:a14="http://schemas.microsoft.com/office/drawing/2010/main">
+        <mc:Choice Requires="a14">
           <p:sp>
             <p:nvSpPr>
               <p:cNvPr id="4" name="TextBox 3">
@@ -10789,6 +11960,7 @@
               </a:bodyPr>
               <a:lstStyle/>
               <a:p>
+                <a:pPr/>
                 <a14:m>
                   <m:oMathPara xmlns:m="http://schemas.openxmlformats.org/officeDocument/2006/math">
                     <m:oMathParaPr>
@@ -10931,7 +12103,7 @@
             </p:txBody>
           </p:sp>
         </mc:Choice>
-        <mc:Fallback>
+        <mc:Fallback xmlns="">
           <p:sp>
             <p:nvSpPr>
               <p:cNvPr id="4" name="TextBox 3">
@@ -11753,7 +12925,7 @@
 </p:sld>
 </file>
 
-<file path=ppt/slides/slide8.xml><?xml version="1.0" encoding="utf-8"?>
+<file path=ppt/slides/slide11.xml><?xml version="1.0" encoding="utf-8"?>
 <p:sld xmlns:a="http://schemas.openxmlformats.org/drawingml/2006/main" xmlns:r="http://schemas.openxmlformats.org/officeDocument/2006/relationships" xmlns:p="http://schemas.openxmlformats.org/presentationml/2006/main">
   <p:cSld>
     <p:spTree>
@@ -11895,7 +13067,7 @@
               <a:t> business model </a:t>
             </a:r>
             <a:r>
-              <a:rPr lang="fr-CH"/>
+              <a:rPr lang="fr-CH" dirty="0" err="1"/>
               <a:t>robustness</a:t>
             </a:r>
             <a:endParaRPr lang="fr-CH" dirty="0"/>
@@ -11906,6 +13078,2153 @@
     <p:extLst>
       <p:ext uri="{BB962C8B-B14F-4D97-AF65-F5344CB8AC3E}">
         <p14:creationId xmlns:p14="http://schemas.microsoft.com/office/powerpoint/2010/main" val="2839337888"/>
+      </p:ext>
+    </p:extLst>
+  </p:cSld>
+  <p:clrMapOvr>
+    <a:masterClrMapping/>
+  </p:clrMapOvr>
+</p:sld>
+</file>
+
+<file path=ppt/slides/slide2.xml><?xml version="1.0" encoding="utf-8"?>
+<p:sld xmlns:a="http://schemas.openxmlformats.org/drawingml/2006/main" xmlns:r="http://schemas.openxmlformats.org/officeDocument/2006/relationships" xmlns:p="http://schemas.openxmlformats.org/presentationml/2006/main">
+  <p:cSld>
+    <p:spTree>
+      <p:nvGrpSpPr>
+        <p:cNvPr id="1" name=""/>
+        <p:cNvGrpSpPr/>
+        <p:nvPr/>
+      </p:nvGrpSpPr>
+      <p:grpSpPr>
+        <a:xfrm>
+          <a:off x="0" y="0"/>
+          <a:ext cx="0" cy="0"/>
+          <a:chOff x="0" y="0"/>
+          <a:chExt cx="0" cy="0"/>
+        </a:xfrm>
+      </p:grpSpPr>
+      <p:sp>
+        <p:nvSpPr>
+          <p:cNvPr id="2" name="Title 1">
+            <a:extLst>
+              <a:ext uri="{FF2B5EF4-FFF2-40B4-BE49-F238E27FC236}">
+                <a16:creationId xmlns:a16="http://schemas.microsoft.com/office/drawing/2014/main" id="{17E5CEF5-5D5C-49C8-8435-8FBC4BED0457}"/>
+              </a:ext>
+            </a:extLst>
+          </p:cNvPr>
+          <p:cNvSpPr>
+            <a:spLocks noGrp="1"/>
+          </p:cNvSpPr>
+          <p:nvPr>
+            <p:ph type="title"/>
+          </p:nvPr>
+        </p:nvSpPr>
+        <p:spPr/>
+        <p:txBody>
+          <a:bodyPr/>
+          <a:lstStyle/>
+          <a:p>
+            <a:r>
+              <a:rPr lang="fr-CH" dirty="0" err="1"/>
+              <a:t>What</a:t>
+            </a:r>
+            <a:r>
+              <a:rPr lang="fr-CH" dirty="0"/>
+              <a:t> </a:t>
+            </a:r>
+            <a:r>
+              <a:rPr lang="fr-CH" dirty="0" err="1"/>
+              <a:t>we</a:t>
+            </a:r>
+            <a:r>
+              <a:rPr lang="fr-CH" dirty="0"/>
+              <a:t> do</a:t>
+            </a:r>
+          </a:p>
+        </p:txBody>
+      </p:sp>
+      <p:sp>
+        <p:nvSpPr>
+          <p:cNvPr id="3" name="Content Placeholder 2">
+            <a:extLst>
+              <a:ext uri="{FF2B5EF4-FFF2-40B4-BE49-F238E27FC236}">
+                <a16:creationId xmlns:a16="http://schemas.microsoft.com/office/drawing/2014/main" id="{004AF2EF-8A76-4456-BEDC-CBB41BDAF74D}"/>
+              </a:ext>
+            </a:extLst>
+          </p:cNvPr>
+          <p:cNvSpPr>
+            <a:spLocks noGrp="1"/>
+          </p:cNvSpPr>
+          <p:nvPr>
+            <p:ph idx="1"/>
+          </p:nvPr>
+        </p:nvSpPr>
+        <p:spPr/>
+        <p:txBody>
+          <a:bodyPr/>
+          <a:lstStyle/>
+          <a:p>
+            <a:r>
+              <a:rPr lang="fr-CH" dirty="0"/>
+              <a:t>Use-case</a:t>
+            </a:r>
+          </a:p>
+        </p:txBody>
+      </p:sp>
+      <p:sp>
+        <p:nvSpPr>
+          <p:cNvPr id="4" name="TextBox 3">
+            <a:extLst>
+              <a:ext uri="{FF2B5EF4-FFF2-40B4-BE49-F238E27FC236}">
+                <a16:creationId xmlns:a16="http://schemas.microsoft.com/office/drawing/2014/main" id="{A514ADB5-B52E-464A-8FEA-22CDEE6B318A}"/>
+              </a:ext>
+            </a:extLst>
+          </p:cNvPr>
+          <p:cNvSpPr txBox="1"/>
+          <p:nvPr/>
+        </p:nvSpPr>
+        <p:spPr>
+          <a:xfrm>
+            <a:off x="1623526" y="2304661"/>
+            <a:ext cx="7388305" cy="1384995"/>
+          </a:xfrm>
+          <a:prstGeom prst="rect">
+            <a:avLst/>
+          </a:prstGeom>
+          <a:noFill/>
+        </p:spPr>
+        <p:txBody>
+          <a:bodyPr wrap="none" rtlCol="0">
+            <a:spAutoFit/>
+          </a:bodyPr>
+          <a:lstStyle/>
+          <a:p>
+            <a:r>
+              <a:rPr lang="fr-CH" sz="2800" dirty="0"/>
+              <a:t>As a </a:t>
+            </a:r>
+            <a:r>
+              <a:rPr lang="fr-CH" sz="2800" dirty="0" err="1"/>
+              <a:t>customer</a:t>
+            </a:r>
+            <a:r>
+              <a:rPr lang="fr-CH" sz="2800" dirty="0"/>
+              <a:t>,</a:t>
+            </a:r>
+          </a:p>
+          <a:p>
+            <a:r>
+              <a:rPr lang="fr-CH" sz="2800" dirty="0"/>
+              <a:t>I </a:t>
+            </a:r>
+            <a:r>
+              <a:rPr lang="fr-CH" sz="2800" dirty="0" err="1"/>
+              <a:t>want</a:t>
+            </a:r>
+            <a:r>
+              <a:rPr lang="fr-CH" sz="2800" dirty="0"/>
+              <a:t> to </a:t>
+            </a:r>
+            <a:r>
+              <a:rPr lang="fr-CH" sz="2800" dirty="0" err="1"/>
+              <a:t>receive</a:t>
+            </a:r>
+            <a:r>
+              <a:rPr lang="fr-CH" sz="2800" dirty="0"/>
+              <a:t> money for </a:t>
+            </a:r>
+            <a:r>
+              <a:rPr lang="fr-CH" sz="2800" dirty="0" err="1"/>
+              <a:t>my</a:t>
+            </a:r>
+            <a:r>
+              <a:rPr lang="fr-CH" sz="2800" dirty="0"/>
+              <a:t> </a:t>
+            </a:r>
+            <a:r>
+              <a:rPr lang="fr-CH" sz="2800" dirty="0" err="1"/>
+              <a:t>lost</a:t>
+            </a:r>
+            <a:r>
+              <a:rPr lang="fr-CH" sz="2800" dirty="0"/>
+              <a:t> time </a:t>
+            </a:r>
+          </a:p>
+          <a:p>
+            <a:r>
+              <a:rPr lang="fr-CH" sz="2800" dirty="0" err="1"/>
+              <a:t>When</a:t>
+            </a:r>
+            <a:r>
+              <a:rPr lang="fr-CH" sz="2800" dirty="0"/>
+              <a:t> </a:t>
+            </a:r>
+            <a:r>
+              <a:rPr lang="fr-CH" sz="2800" dirty="0" err="1"/>
+              <a:t>my</a:t>
+            </a:r>
+            <a:r>
+              <a:rPr lang="fr-CH" sz="2800" dirty="0"/>
+              <a:t> flight </a:t>
+            </a:r>
+            <a:r>
+              <a:rPr lang="fr-CH" sz="2800" dirty="0" err="1"/>
+              <a:t>is</a:t>
+            </a:r>
+            <a:r>
+              <a:rPr lang="fr-CH" sz="2800" dirty="0"/>
+              <a:t> </a:t>
+            </a:r>
+            <a:r>
+              <a:rPr lang="fr-CH" sz="2800" dirty="0" err="1"/>
+              <a:t>delayed</a:t>
+            </a:r>
+            <a:r>
+              <a:rPr lang="fr-CH" sz="2800" dirty="0"/>
+              <a:t> by more </a:t>
+            </a:r>
+            <a:r>
+              <a:rPr lang="fr-CH" sz="2800" dirty="0" err="1"/>
+              <a:t>than</a:t>
+            </a:r>
+            <a:r>
+              <a:rPr lang="fr-CH" sz="2800" dirty="0"/>
+              <a:t> one </a:t>
+            </a:r>
+            <a:r>
+              <a:rPr lang="fr-CH" sz="2800" dirty="0" err="1"/>
+              <a:t>hour</a:t>
+            </a:r>
+            <a:endParaRPr lang="fr-CH" sz="2800" dirty="0"/>
+          </a:p>
+        </p:txBody>
+      </p:sp>
+    </p:spTree>
+    <p:extLst>
+      <p:ext uri="{BB962C8B-B14F-4D97-AF65-F5344CB8AC3E}">
+        <p14:creationId xmlns:p14="http://schemas.microsoft.com/office/powerpoint/2010/main" val="3292708042"/>
+      </p:ext>
+    </p:extLst>
+  </p:cSld>
+  <p:clrMapOvr>
+    <a:masterClrMapping/>
+  </p:clrMapOvr>
+</p:sld>
+</file>
+
+<file path=ppt/slides/slide3.xml><?xml version="1.0" encoding="utf-8"?>
+<p:sld xmlns:a="http://schemas.openxmlformats.org/drawingml/2006/main" xmlns:r="http://schemas.openxmlformats.org/officeDocument/2006/relationships" xmlns:p="http://schemas.openxmlformats.org/presentationml/2006/main">
+  <p:cSld>
+    <p:spTree>
+      <p:nvGrpSpPr>
+        <p:cNvPr id="1" name=""/>
+        <p:cNvGrpSpPr/>
+        <p:nvPr/>
+      </p:nvGrpSpPr>
+      <p:grpSpPr>
+        <a:xfrm>
+          <a:off x="0" y="0"/>
+          <a:ext cx="0" cy="0"/>
+          <a:chOff x="0" y="0"/>
+          <a:chExt cx="0" cy="0"/>
+        </a:xfrm>
+      </p:grpSpPr>
+      <p:sp>
+        <p:nvSpPr>
+          <p:cNvPr id="2" name="Title 1">
+            <a:extLst>
+              <a:ext uri="{FF2B5EF4-FFF2-40B4-BE49-F238E27FC236}">
+                <a16:creationId xmlns:a16="http://schemas.microsoft.com/office/drawing/2014/main" id="{0333723C-BFCF-4678-85A0-2C96DD40E519}"/>
+              </a:ext>
+            </a:extLst>
+          </p:cNvPr>
+          <p:cNvSpPr>
+            <a:spLocks noGrp="1"/>
+          </p:cNvSpPr>
+          <p:nvPr>
+            <p:ph type="title"/>
+          </p:nvPr>
+        </p:nvSpPr>
+        <p:spPr/>
+        <p:txBody>
+          <a:bodyPr/>
+          <a:lstStyle/>
+          <a:p>
+            <a:r>
+              <a:rPr lang="fr-CH" dirty="0"/>
+              <a:t>Concurrence </a:t>
+            </a:r>
+            <a:r>
+              <a:rPr lang="fr-CH" dirty="0" err="1"/>
+              <a:t>comparison</a:t>
+            </a:r>
+            <a:endParaRPr lang="fr-CH" dirty="0"/>
+          </a:p>
+        </p:txBody>
+      </p:sp>
+      <p:graphicFrame>
+        <p:nvGraphicFramePr>
+          <p:cNvPr id="4" name="Content Placeholder 3">
+            <a:extLst>
+              <a:ext uri="{FF2B5EF4-FFF2-40B4-BE49-F238E27FC236}">
+                <a16:creationId xmlns:a16="http://schemas.microsoft.com/office/drawing/2014/main" id="{E4BCF22C-4029-48E4-BE36-60F35A99C024}"/>
+              </a:ext>
+            </a:extLst>
+          </p:cNvPr>
+          <p:cNvGraphicFramePr>
+            <a:graphicFrameLocks noGrp="1"/>
+          </p:cNvGraphicFramePr>
+          <p:nvPr>
+            <p:ph idx="1"/>
+            <p:extLst>
+              <p:ext uri="{D42A27DB-BD31-4B8C-83A1-F6EECF244321}">
+                <p14:modId xmlns:p14="http://schemas.microsoft.com/office/powerpoint/2010/main" val="1992736699"/>
+              </p:ext>
+            </p:extLst>
+          </p:nvPr>
+        </p:nvGraphicFramePr>
+        <p:xfrm>
+          <a:off x="838200" y="1825625"/>
+          <a:ext cx="10515600" cy="4351338"/>
+        </p:xfrm>
+        <a:graphic>
+          <a:graphicData uri="http://schemas.openxmlformats.org/drawingml/2006/diagram">
+            <dgm:relIds xmlns:dgm="http://schemas.openxmlformats.org/drawingml/2006/diagram" xmlns:r="http://schemas.openxmlformats.org/officeDocument/2006/relationships" r:dm="rId2" r:lo="rId3" r:qs="rId4" r:cs="rId5"/>
+          </a:graphicData>
+        </a:graphic>
+      </p:graphicFrame>
+      <p:sp>
+        <p:nvSpPr>
+          <p:cNvPr id="5" name="TextBox 4">
+            <a:extLst>
+              <a:ext uri="{FF2B5EF4-FFF2-40B4-BE49-F238E27FC236}">
+                <a16:creationId xmlns:a16="http://schemas.microsoft.com/office/drawing/2014/main" id="{FFEE0FB8-DC36-4731-BA8F-1D3B30557C1A}"/>
+              </a:ext>
+            </a:extLst>
+          </p:cNvPr>
+          <p:cNvSpPr txBox="1"/>
+          <p:nvPr/>
+        </p:nvSpPr>
+        <p:spPr>
+          <a:xfrm>
+            <a:off x="5768570" y="3769567"/>
+            <a:ext cx="654859" cy="646331"/>
+          </a:xfrm>
+          <a:prstGeom prst="rect">
+            <a:avLst/>
+          </a:prstGeom>
+          <a:noFill/>
+        </p:spPr>
+        <p:txBody>
+          <a:bodyPr wrap="none" rtlCol="0">
+            <a:spAutoFit/>
+          </a:bodyPr>
+          <a:lstStyle/>
+          <a:p>
+            <a:r>
+              <a:rPr lang="fr-CH" sz="3600" dirty="0"/>
+              <a:t>VS</a:t>
+            </a:r>
+          </a:p>
+        </p:txBody>
+      </p:sp>
+    </p:spTree>
+    <p:extLst>
+      <p:ext uri="{BB962C8B-B14F-4D97-AF65-F5344CB8AC3E}">
+        <p14:creationId xmlns:p14="http://schemas.microsoft.com/office/powerpoint/2010/main" val="1841533450"/>
+      </p:ext>
+    </p:extLst>
+  </p:cSld>
+  <p:clrMapOvr>
+    <a:masterClrMapping/>
+  </p:clrMapOvr>
+</p:sld>
+</file>
+
+<file path=ppt/slides/slide4.xml><?xml version="1.0" encoding="utf-8"?>
+<p:sld xmlns:a="http://schemas.openxmlformats.org/drawingml/2006/main" xmlns:r="http://schemas.openxmlformats.org/officeDocument/2006/relationships" xmlns:p="http://schemas.openxmlformats.org/presentationml/2006/main">
+  <p:cSld>
+    <p:spTree>
+      <p:nvGrpSpPr>
+        <p:cNvPr id="1" name=""/>
+        <p:cNvGrpSpPr/>
+        <p:nvPr/>
+      </p:nvGrpSpPr>
+      <p:grpSpPr>
+        <a:xfrm>
+          <a:off x="0" y="0"/>
+          <a:ext cx="0" cy="0"/>
+          <a:chOff x="0" y="0"/>
+          <a:chExt cx="0" cy="0"/>
+        </a:xfrm>
+      </p:grpSpPr>
+      <p:sp>
+        <p:nvSpPr>
+          <p:cNvPr id="2" name="Title 1">
+            <a:extLst>
+              <a:ext uri="{FF2B5EF4-FFF2-40B4-BE49-F238E27FC236}">
+                <a16:creationId xmlns:a16="http://schemas.microsoft.com/office/drawing/2014/main" id="{8A8EC245-F554-4199-9FDB-CA4630A394FA}"/>
+              </a:ext>
+            </a:extLst>
+          </p:cNvPr>
+          <p:cNvSpPr>
+            <a:spLocks noGrp="1"/>
+          </p:cNvSpPr>
+          <p:nvPr>
+            <p:ph type="title"/>
+          </p:nvPr>
+        </p:nvSpPr>
+        <p:spPr/>
+        <p:txBody>
+          <a:bodyPr/>
+          <a:lstStyle/>
+          <a:p>
+            <a:r>
+              <a:rPr lang="fr-CH" dirty="0"/>
+              <a:t>Architecture</a:t>
+            </a:r>
+          </a:p>
+        </p:txBody>
+      </p:sp>
+      <p:sp>
+        <p:nvSpPr>
+          <p:cNvPr id="3" name="Content Placeholder 2">
+            <a:extLst>
+              <a:ext uri="{FF2B5EF4-FFF2-40B4-BE49-F238E27FC236}">
+                <a16:creationId xmlns:a16="http://schemas.microsoft.com/office/drawing/2014/main" id="{954F471B-3292-471E-8472-68DBB92774FF}"/>
+              </a:ext>
+            </a:extLst>
+          </p:cNvPr>
+          <p:cNvSpPr>
+            <a:spLocks noGrp="1"/>
+          </p:cNvSpPr>
+          <p:nvPr>
+            <p:ph idx="1"/>
+          </p:nvPr>
+        </p:nvSpPr>
+        <p:spPr/>
+        <p:txBody>
+          <a:bodyPr/>
+          <a:lstStyle/>
+          <a:p>
+            <a:endParaRPr lang="fr-CH"/>
+          </a:p>
+        </p:txBody>
+      </p:sp>
+    </p:spTree>
+    <p:extLst>
+      <p:ext uri="{BB962C8B-B14F-4D97-AF65-F5344CB8AC3E}">
+        <p14:creationId xmlns:p14="http://schemas.microsoft.com/office/powerpoint/2010/main" val="3907201100"/>
+      </p:ext>
+    </p:extLst>
+  </p:cSld>
+  <p:clrMapOvr>
+    <a:masterClrMapping/>
+  </p:clrMapOvr>
+</p:sld>
+</file>
+
+<file path=ppt/slides/slide5.xml><?xml version="1.0" encoding="utf-8"?>
+<p:sld xmlns:a="http://schemas.openxmlformats.org/drawingml/2006/main" xmlns:r="http://schemas.openxmlformats.org/officeDocument/2006/relationships" xmlns:p="http://schemas.openxmlformats.org/presentationml/2006/main">
+  <p:cSld>
+    <p:spTree>
+      <p:nvGrpSpPr>
+        <p:cNvPr id="1" name=""/>
+        <p:cNvGrpSpPr/>
+        <p:nvPr/>
+      </p:nvGrpSpPr>
+      <p:grpSpPr>
+        <a:xfrm>
+          <a:off x="0" y="0"/>
+          <a:ext cx="0" cy="0"/>
+          <a:chOff x="0" y="0"/>
+          <a:chExt cx="0" cy="0"/>
+        </a:xfrm>
+      </p:grpSpPr>
+      <p:sp>
+        <p:nvSpPr>
+          <p:cNvPr id="2" name="Title 1">
+            <a:extLst>
+              <a:ext uri="{FF2B5EF4-FFF2-40B4-BE49-F238E27FC236}">
+                <a16:creationId xmlns:a16="http://schemas.microsoft.com/office/drawing/2014/main" id="{2441906C-84FB-4159-9C11-125EFB5DF37F}"/>
+              </a:ext>
+            </a:extLst>
+          </p:cNvPr>
+          <p:cNvSpPr>
+            <a:spLocks noGrp="1"/>
+          </p:cNvSpPr>
+          <p:nvPr>
+            <p:ph type="title"/>
+          </p:nvPr>
+        </p:nvSpPr>
+        <p:spPr/>
+        <p:txBody>
+          <a:bodyPr/>
+          <a:lstStyle/>
+          <a:p>
+            <a:r>
+              <a:rPr lang="fr-CH" dirty="0"/>
+              <a:t>Logique Bayésienne</a:t>
+            </a:r>
+          </a:p>
+        </p:txBody>
+      </p:sp>
+      <p:sp>
+        <p:nvSpPr>
+          <p:cNvPr id="3" name="Content Placeholder 2">
+            <a:extLst>
+              <a:ext uri="{FF2B5EF4-FFF2-40B4-BE49-F238E27FC236}">
+                <a16:creationId xmlns:a16="http://schemas.microsoft.com/office/drawing/2014/main" id="{54372744-0D85-46E3-93E3-7B478E73CBD9}"/>
+              </a:ext>
+            </a:extLst>
+          </p:cNvPr>
+          <p:cNvSpPr>
+            <a:spLocks noGrp="1"/>
+          </p:cNvSpPr>
+          <p:nvPr>
+            <p:ph idx="1"/>
+          </p:nvPr>
+        </p:nvSpPr>
+        <p:spPr/>
+        <p:txBody>
+          <a:bodyPr/>
+          <a:lstStyle/>
+          <a:p>
+            <a:endParaRPr lang="fr-CH"/>
+          </a:p>
+        </p:txBody>
+      </p:sp>
+      <p:pic>
+        <p:nvPicPr>
+          <p:cNvPr id="4" name="Picture 3">
+            <a:extLst>
+              <a:ext uri="{FF2B5EF4-FFF2-40B4-BE49-F238E27FC236}">
+                <a16:creationId xmlns:a16="http://schemas.microsoft.com/office/drawing/2014/main" id="{ED871FB2-C4E3-4780-8878-F2D0EAA7E434}"/>
+              </a:ext>
+            </a:extLst>
+          </p:cNvPr>
+          <p:cNvPicPr>
+            <a:picLocks noChangeAspect="1"/>
+          </p:cNvPicPr>
+          <p:nvPr/>
+        </p:nvPicPr>
+        <p:blipFill>
+          <a:blip r:embed="rId2"/>
+          <a:stretch>
+            <a:fillRect/>
+          </a:stretch>
+        </p:blipFill>
+        <p:spPr>
+          <a:xfrm>
+            <a:off x="2139129" y="2538516"/>
+            <a:ext cx="2900153" cy="2925556"/>
+          </a:xfrm>
+          <a:prstGeom prst="rect">
+            <a:avLst/>
+          </a:prstGeom>
+        </p:spPr>
+      </p:pic>
+      <p:sp>
+        <p:nvSpPr>
+          <p:cNvPr id="5" name="TextBox 4">
+            <a:extLst>
+              <a:ext uri="{FF2B5EF4-FFF2-40B4-BE49-F238E27FC236}">
+                <a16:creationId xmlns:a16="http://schemas.microsoft.com/office/drawing/2014/main" id="{D689B529-62FB-443C-9D10-6523A08AF6CA}"/>
+              </a:ext>
+            </a:extLst>
+          </p:cNvPr>
+          <p:cNvSpPr txBox="1"/>
+          <p:nvPr/>
+        </p:nvSpPr>
+        <p:spPr>
+          <a:xfrm>
+            <a:off x="5392729" y="2859173"/>
+            <a:ext cx="6177775" cy="2862322"/>
+          </a:xfrm>
+          <a:prstGeom prst="rect">
+            <a:avLst/>
+          </a:prstGeom>
+          <a:noFill/>
+        </p:spPr>
+        <p:txBody>
+          <a:bodyPr wrap="square" rtlCol="0">
+            <a:spAutoFit/>
+          </a:bodyPr>
+          <a:lstStyle/>
+          <a:p>
+            <a:r>
+              <a:rPr lang="fr-CH" dirty="0"/>
+              <a:t>Rouge=retard&gt;1h     P(r&lt;1h)=55%</a:t>
+            </a:r>
+          </a:p>
+          <a:p>
+            <a:r>
+              <a:rPr lang="fr-CH" dirty="0"/>
+              <a:t>Bleu = retard &lt;1h     P(r&gt;1h)=45%</a:t>
+            </a:r>
+          </a:p>
+          <a:p>
+            <a:endParaRPr lang="fr-CH" dirty="0"/>
+          </a:p>
+          <a:p>
+            <a:r>
+              <a:rPr lang="fr-CH" dirty="0"/>
+              <a:t>Carré=</a:t>
+            </a:r>
+            <a:r>
+              <a:rPr lang="fr-CH" dirty="0" err="1"/>
+              <a:t>Swiss</a:t>
+            </a:r>
+            <a:r>
+              <a:rPr lang="fr-CH" dirty="0"/>
+              <a:t> P(</a:t>
+            </a:r>
+            <a:r>
+              <a:rPr lang="fr-CH" dirty="0" err="1"/>
+              <a:t>Swiss</a:t>
+            </a:r>
+            <a:r>
+              <a:rPr lang="fr-CH" dirty="0"/>
+              <a:t>)=60%</a:t>
+            </a:r>
+          </a:p>
+          <a:p>
+            <a:r>
+              <a:rPr lang="fr-CH" dirty="0"/>
+              <a:t>Triangle=</a:t>
+            </a:r>
+            <a:r>
+              <a:rPr lang="fr-CH" dirty="0" err="1"/>
+              <a:t>Easyjet</a:t>
+            </a:r>
+            <a:r>
+              <a:rPr lang="fr-CH" dirty="0"/>
+              <a:t>   P(</a:t>
+            </a:r>
+            <a:r>
+              <a:rPr lang="fr-CH" dirty="0" err="1"/>
+              <a:t>Easyjet</a:t>
+            </a:r>
+            <a:r>
+              <a:rPr lang="fr-CH" dirty="0"/>
+              <a:t>)=40%</a:t>
+            </a:r>
+          </a:p>
+          <a:p>
+            <a:endParaRPr lang="fr-CH" dirty="0"/>
+          </a:p>
+          <a:p>
+            <a:r>
+              <a:rPr lang="fr-CH" dirty="0"/>
+              <a:t>Intuitivement: P(r&gt;1h|Easyjet)=36/40=90%</a:t>
+            </a:r>
+          </a:p>
+          <a:p>
+            <a:r>
+              <a:rPr lang="fr-CH" dirty="0"/>
+              <a:t>Bayes: P(r&gt;1h|Easyjet)=P(</a:t>
+            </a:r>
+            <a:r>
+              <a:rPr lang="fr-CH" dirty="0" err="1"/>
+              <a:t>Easyjet|r</a:t>
+            </a:r>
+            <a:r>
+              <a:rPr lang="fr-CH" dirty="0"/>
+              <a:t>&gt;1h)*P(r&gt;1h)/P(</a:t>
+            </a:r>
+            <a:r>
+              <a:rPr lang="fr-CH" dirty="0" err="1"/>
+              <a:t>Easyjet</a:t>
+            </a:r>
+            <a:r>
+              <a:rPr lang="fr-CH" dirty="0"/>
+              <a:t>)) =36/45 * 45 / 40 = 36/40 = 90%</a:t>
+            </a:r>
+          </a:p>
+          <a:p>
+            <a:endParaRPr lang="fr-CH" dirty="0"/>
+          </a:p>
+        </p:txBody>
+      </p:sp>
+    </p:spTree>
+    <p:extLst>
+      <p:ext uri="{BB962C8B-B14F-4D97-AF65-F5344CB8AC3E}">
+        <p14:creationId xmlns:p14="http://schemas.microsoft.com/office/powerpoint/2010/main" val="197345849"/>
+      </p:ext>
+    </p:extLst>
+  </p:cSld>
+  <p:clrMapOvr>
+    <a:masterClrMapping/>
+  </p:clrMapOvr>
+</p:sld>
+</file>
+
+<file path=ppt/slides/slide6.xml><?xml version="1.0" encoding="utf-8"?>
+<p:sld xmlns:a="http://schemas.openxmlformats.org/drawingml/2006/main" xmlns:r="http://schemas.openxmlformats.org/officeDocument/2006/relationships" xmlns:p="http://schemas.openxmlformats.org/presentationml/2006/main">
+  <p:cSld>
+    <p:spTree>
+      <p:nvGrpSpPr>
+        <p:cNvPr id="1" name=""/>
+        <p:cNvGrpSpPr/>
+        <p:nvPr/>
+      </p:nvGrpSpPr>
+      <p:grpSpPr>
+        <a:xfrm>
+          <a:off x="0" y="0"/>
+          <a:ext cx="0" cy="0"/>
+          <a:chOff x="0" y="0"/>
+          <a:chExt cx="0" cy="0"/>
+        </a:xfrm>
+      </p:grpSpPr>
+      <p:sp>
+        <p:nvSpPr>
+          <p:cNvPr id="2" name="Title 1">
+            <a:extLst>
+              <a:ext uri="{FF2B5EF4-FFF2-40B4-BE49-F238E27FC236}">
+                <a16:creationId xmlns:a16="http://schemas.microsoft.com/office/drawing/2014/main" id="{2441906C-84FB-4159-9C11-125EFB5DF37F}"/>
+              </a:ext>
+            </a:extLst>
+          </p:cNvPr>
+          <p:cNvSpPr>
+            <a:spLocks noGrp="1"/>
+          </p:cNvSpPr>
+          <p:nvPr>
+            <p:ph type="title"/>
+          </p:nvPr>
+        </p:nvSpPr>
+        <p:spPr/>
+        <p:txBody>
+          <a:bodyPr/>
+          <a:lstStyle/>
+          <a:p>
+            <a:r>
+              <a:rPr lang="fr-CH" dirty="0"/>
+              <a:t>Logique Bayésienne multivariée</a:t>
+            </a:r>
+          </a:p>
+        </p:txBody>
+      </p:sp>
+      <p:sp>
+        <p:nvSpPr>
+          <p:cNvPr id="3" name="Content Placeholder 2">
+            <a:extLst>
+              <a:ext uri="{FF2B5EF4-FFF2-40B4-BE49-F238E27FC236}">
+                <a16:creationId xmlns:a16="http://schemas.microsoft.com/office/drawing/2014/main" id="{54372744-0D85-46E3-93E3-7B478E73CBD9}"/>
+              </a:ext>
+            </a:extLst>
+          </p:cNvPr>
+          <p:cNvSpPr>
+            <a:spLocks noGrp="1"/>
+          </p:cNvSpPr>
+          <p:nvPr>
+            <p:ph idx="1"/>
+          </p:nvPr>
+        </p:nvSpPr>
+        <p:spPr/>
+        <p:txBody>
+          <a:bodyPr/>
+          <a:lstStyle/>
+          <a:p>
+            <a:endParaRPr lang="fr-CH" dirty="0"/>
+          </a:p>
+        </p:txBody>
+      </p:sp>
+      <p:pic>
+        <p:nvPicPr>
+          <p:cNvPr id="4" name="Picture 3">
+            <a:extLst>
+              <a:ext uri="{FF2B5EF4-FFF2-40B4-BE49-F238E27FC236}">
+                <a16:creationId xmlns:a16="http://schemas.microsoft.com/office/drawing/2014/main" id="{ED871FB2-C4E3-4780-8878-F2D0EAA7E434}"/>
+              </a:ext>
+            </a:extLst>
+          </p:cNvPr>
+          <p:cNvPicPr>
+            <a:picLocks noChangeAspect="1"/>
+          </p:cNvPicPr>
+          <p:nvPr/>
+        </p:nvPicPr>
+        <p:blipFill>
+          <a:blip r:embed="rId2"/>
+          <a:stretch>
+            <a:fillRect/>
+          </a:stretch>
+        </p:blipFill>
+        <p:spPr>
+          <a:xfrm>
+            <a:off x="2139129" y="2538516"/>
+            <a:ext cx="2900153" cy="2925556"/>
+          </a:xfrm>
+          <a:prstGeom prst="rect">
+            <a:avLst/>
+          </a:prstGeom>
+        </p:spPr>
+      </p:pic>
+      <p:sp>
+        <p:nvSpPr>
+          <p:cNvPr id="5" name="TextBox 4">
+            <a:extLst>
+              <a:ext uri="{FF2B5EF4-FFF2-40B4-BE49-F238E27FC236}">
+                <a16:creationId xmlns:a16="http://schemas.microsoft.com/office/drawing/2014/main" id="{D689B529-62FB-443C-9D10-6523A08AF6CA}"/>
+              </a:ext>
+            </a:extLst>
+          </p:cNvPr>
+          <p:cNvSpPr txBox="1"/>
+          <p:nvPr/>
+        </p:nvSpPr>
+        <p:spPr>
+          <a:xfrm>
+            <a:off x="5392730" y="2859173"/>
+            <a:ext cx="5455176" cy="3693319"/>
+          </a:xfrm>
+          <a:prstGeom prst="rect">
+            <a:avLst/>
+          </a:prstGeom>
+          <a:noFill/>
+        </p:spPr>
+        <p:txBody>
+          <a:bodyPr wrap="square" rtlCol="0">
+            <a:spAutoFit/>
+          </a:bodyPr>
+          <a:lstStyle/>
+          <a:p>
+            <a:r>
+              <a:rPr lang="fr-CH" dirty="0"/>
+              <a:t>Rouge=retard&gt;1h     P(r&lt;1h)=55%</a:t>
+            </a:r>
+          </a:p>
+          <a:p>
+            <a:r>
+              <a:rPr lang="fr-CH" dirty="0"/>
+              <a:t>Bleu = retard &lt;1h     P(r&gt;1h)=45%</a:t>
+            </a:r>
+          </a:p>
+          <a:p>
+            <a:endParaRPr lang="fr-CH" dirty="0"/>
+          </a:p>
+          <a:p>
+            <a:r>
+              <a:rPr lang="fr-CH" dirty="0"/>
+              <a:t>Carré=</a:t>
+            </a:r>
+            <a:r>
+              <a:rPr lang="fr-CH" dirty="0" err="1"/>
+              <a:t>Swiss</a:t>
+            </a:r>
+            <a:r>
+              <a:rPr lang="fr-CH" dirty="0"/>
+              <a:t> P(</a:t>
+            </a:r>
+            <a:r>
+              <a:rPr lang="fr-CH" dirty="0" err="1"/>
+              <a:t>Swiss</a:t>
+            </a:r>
+            <a:r>
+              <a:rPr lang="fr-CH" dirty="0"/>
+              <a:t>)=60%</a:t>
+            </a:r>
+          </a:p>
+          <a:p>
+            <a:r>
+              <a:rPr lang="fr-CH" dirty="0"/>
+              <a:t>Triangle=</a:t>
+            </a:r>
+            <a:r>
+              <a:rPr lang="fr-CH" dirty="0" err="1"/>
+              <a:t>Easyjet</a:t>
+            </a:r>
+            <a:r>
+              <a:rPr lang="fr-CH" dirty="0"/>
+              <a:t>   P(</a:t>
+            </a:r>
+            <a:r>
+              <a:rPr lang="fr-CH" dirty="0" err="1"/>
+              <a:t>Easyjet</a:t>
+            </a:r>
+            <a:r>
+              <a:rPr lang="fr-CH" dirty="0"/>
+              <a:t>)=40%</a:t>
+            </a:r>
+          </a:p>
+          <a:p>
+            <a:endParaRPr lang="fr-CH" dirty="0"/>
+          </a:p>
+          <a:p>
+            <a:r>
+              <a:rPr lang="fr-CH" dirty="0"/>
+              <a:t>Fond blanc = départ le matin   P(matin)=70%</a:t>
+            </a:r>
+          </a:p>
+          <a:p>
+            <a:r>
+              <a:rPr lang="fr-CH" dirty="0"/>
+              <a:t>Fond bleu = départ l’après-midi   P(après-midi)=30%</a:t>
+            </a:r>
+          </a:p>
+          <a:p>
+            <a:endParaRPr lang="fr-CH" dirty="0"/>
+          </a:p>
+          <a:p>
+            <a:r>
+              <a:rPr lang="fr-CH" dirty="0"/>
+              <a:t>Intuitivement: P(r&gt;1h|Easyjet, matin)=24/28=86%</a:t>
+            </a:r>
+          </a:p>
+          <a:p>
+            <a:r>
+              <a:rPr lang="fr-CH" dirty="0"/>
+              <a:t>Bayes: P(r&gt;1h|Easyjet, matin) = </a:t>
+            </a:r>
+          </a:p>
+          <a:p>
+            <a:r>
+              <a:rPr lang="fr-CH" dirty="0"/>
+              <a:t>P(</a:t>
+            </a:r>
+            <a:r>
+              <a:rPr lang="fr-CH" dirty="0" err="1"/>
+              <a:t>Easyjet</a:t>
+            </a:r>
+            <a:r>
+              <a:rPr lang="fr-CH" dirty="0"/>
+              <a:t>, </a:t>
+            </a:r>
+            <a:r>
+              <a:rPr lang="fr-CH" dirty="0" err="1"/>
+              <a:t>matin|r</a:t>
+            </a:r>
+            <a:r>
+              <a:rPr lang="fr-CH" dirty="0"/>
+              <a:t>&gt;1h)*P(r&gt;1h)/P(</a:t>
+            </a:r>
+            <a:r>
+              <a:rPr lang="fr-CH" dirty="0" err="1"/>
+              <a:t>Easyjet</a:t>
+            </a:r>
+            <a:r>
+              <a:rPr lang="fr-CH" dirty="0"/>
+              <a:t>, matin)=24/45 * 45/28=24/28=86%</a:t>
+            </a:r>
+          </a:p>
+        </p:txBody>
+      </p:sp>
+      <p:sp>
+        <p:nvSpPr>
+          <p:cNvPr id="6" name="Rectangle 5">
+            <a:extLst>
+              <a:ext uri="{FF2B5EF4-FFF2-40B4-BE49-F238E27FC236}">
+                <a16:creationId xmlns:a16="http://schemas.microsoft.com/office/drawing/2014/main" id="{A2CBAC9A-2774-4BAF-83F8-0B88053470B9}"/>
+              </a:ext>
+            </a:extLst>
+          </p:cNvPr>
+          <p:cNvSpPr/>
+          <p:nvPr/>
+        </p:nvSpPr>
+        <p:spPr>
+          <a:xfrm>
+            <a:off x="4130412" y="2618306"/>
+            <a:ext cx="829650" cy="2765503"/>
+          </a:xfrm>
+          <a:prstGeom prst="rect">
+            <a:avLst/>
+          </a:prstGeom>
+          <a:solidFill>
+            <a:srgbClr val="4472C4">
+              <a:alpha val="30196"/>
+            </a:srgbClr>
+          </a:solidFill>
+        </p:spPr>
+        <p:style>
+          <a:lnRef idx="2">
+            <a:schemeClr val="accent1">
+              <a:shade val="50000"/>
+            </a:schemeClr>
+          </a:lnRef>
+          <a:fillRef idx="1">
+            <a:schemeClr val="accent1"/>
+          </a:fillRef>
+          <a:effectRef idx="0">
+            <a:schemeClr val="accent1"/>
+          </a:effectRef>
+          <a:fontRef idx="minor">
+            <a:schemeClr val="lt1"/>
+          </a:fontRef>
+        </p:style>
+        <p:txBody>
+          <a:bodyPr rtlCol="0" anchor="ctr"/>
+          <a:lstStyle/>
+          <a:p>
+            <a:pPr algn="ctr"/>
+            <a:endParaRPr lang="fr-CH"/>
+          </a:p>
+        </p:txBody>
+      </p:sp>
+    </p:spTree>
+    <p:extLst>
+      <p:ext uri="{BB962C8B-B14F-4D97-AF65-F5344CB8AC3E}">
+        <p14:creationId xmlns:p14="http://schemas.microsoft.com/office/powerpoint/2010/main" val="3065372612"/>
+      </p:ext>
+    </p:extLst>
+  </p:cSld>
+  <p:clrMapOvr>
+    <a:masterClrMapping/>
+  </p:clrMapOvr>
+</p:sld>
+</file>
+
+<file path=ppt/slides/slide7.xml><?xml version="1.0" encoding="utf-8"?>
+<p:sld xmlns:a="http://schemas.openxmlformats.org/drawingml/2006/main" xmlns:r="http://schemas.openxmlformats.org/officeDocument/2006/relationships" xmlns:p="http://schemas.openxmlformats.org/presentationml/2006/main">
+  <p:cSld>
+    <p:spTree>
+      <p:nvGrpSpPr>
+        <p:cNvPr id="1" name=""/>
+        <p:cNvGrpSpPr/>
+        <p:nvPr/>
+      </p:nvGrpSpPr>
+      <p:grpSpPr>
+        <a:xfrm>
+          <a:off x="0" y="0"/>
+          <a:ext cx="0" cy="0"/>
+          <a:chOff x="0" y="0"/>
+          <a:chExt cx="0" cy="0"/>
+        </a:xfrm>
+      </p:grpSpPr>
+      <p:sp>
+        <p:nvSpPr>
+          <p:cNvPr id="2" name="Title 1">
+            <a:extLst>
+              <a:ext uri="{FF2B5EF4-FFF2-40B4-BE49-F238E27FC236}">
+                <a16:creationId xmlns:a16="http://schemas.microsoft.com/office/drawing/2014/main" id="{9AB89671-A7E8-4EF8-9CD0-0280BE2E13AC}"/>
+              </a:ext>
+            </a:extLst>
+          </p:cNvPr>
+          <p:cNvSpPr>
+            <a:spLocks noGrp="1"/>
+          </p:cNvSpPr>
+          <p:nvPr>
+            <p:ph type="title"/>
+          </p:nvPr>
+        </p:nvSpPr>
+        <p:spPr/>
+        <p:txBody>
+          <a:bodyPr/>
+          <a:lstStyle/>
+          <a:p>
+            <a:r>
+              <a:rPr lang="fr-CH" dirty="0"/>
+              <a:t>Global flight </a:t>
+            </a:r>
+            <a:r>
+              <a:rPr lang="fr-CH" dirty="0" err="1"/>
+              <a:t>delay</a:t>
+            </a:r>
+            <a:r>
+              <a:rPr lang="fr-CH" dirty="0"/>
+              <a:t> </a:t>
+            </a:r>
+            <a:r>
+              <a:rPr lang="fr-CH" dirty="0" err="1"/>
+              <a:t>facts</a:t>
+            </a:r>
+            <a:endParaRPr lang="fr-CH" dirty="0"/>
+          </a:p>
+        </p:txBody>
+      </p:sp>
+      <p:sp>
+        <p:nvSpPr>
+          <p:cNvPr id="3" name="Content Placeholder 2">
+            <a:extLst>
+              <a:ext uri="{FF2B5EF4-FFF2-40B4-BE49-F238E27FC236}">
+                <a16:creationId xmlns:a16="http://schemas.microsoft.com/office/drawing/2014/main" id="{F031D0D8-D00D-44D3-A383-DF518705D974}"/>
+              </a:ext>
+            </a:extLst>
+          </p:cNvPr>
+          <p:cNvSpPr>
+            <a:spLocks noGrp="1"/>
+          </p:cNvSpPr>
+          <p:nvPr>
+            <p:ph idx="1"/>
+          </p:nvPr>
+        </p:nvSpPr>
+        <p:spPr/>
+        <p:txBody>
+          <a:bodyPr/>
+          <a:lstStyle/>
+          <a:p>
+            <a:r>
+              <a:rPr lang="fr-CH" dirty="0"/>
+              <a:t>TODO : texte de pascal</a:t>
+            </a:r>
+          </a:p>
+        </p:txBody>
+      </p:sp>
+    </p:spTree>
+    <p:extLst>
+      <p:ext uri="{BB962C8B-B14F-4D97-AF65-F5344CB8AC3E}">
+        <p14:creationId xmlns:p14="http://schemas.microsoft.com/office/powerpoint/2010/main" val="3349716706"/>
+      </p:ext>
+    </p:extLst>
+  </p:cSld>
+  <p:clrMapOvr>
+    <a:masterClrMapping/>
+  </p:clrMapOvr>
+</p:sld>
+</file>
+
+<file path=ppt/slides/slide8.xml><?xml version="1.0" encoding="utf-8"?>
+<p:sld xmlns:a="http://schemas.openxmlformats.org/drawingml/2006/main" xmlns:r="http://schemas.openxmlformats.org/officeDocument/2006/relationships" xmlns:p="http://schemas.openxmlformats.org/presentationml/2006/main">
+  <p:cSld>
+    <p:spTree>
+      <p:nvGrpSpPr>
+        <p:cNvPr id="1" name=""/>
+        <p:cNvGrpSpPr/>
+        <p:nvPr/>
+      </p:nvGrpSpPr>
+      <p:grpSpPr>
+        <a:xfrm>
+          <a:off x="0" y="0"/>
+          <a:ext cx="0" cy="0"/>
+          <a:chOff x="0" y="0"/>
+          <a:chExt cx="0" cy="0"/>
+        </a:xfrm>
+      </p:grpSpPr>
+      <p:sp>
+        <p:nvSpPr>
+          <p:cNvPr id="2" name="Title 1">
+            <a:extLst>
+              <a:ext uri="{FF2B5EF4-FFF2-40B4-BE49-F238E27FC236}">
+                <a16:creationId xmlns:a16="http://schemas.microsoft.com/office/drawing/2014/main" id="{76B06FC9-F9DF-44E3-AE40-C4761ECDE77C}"/>
+              </a:ext>
+            </a:extLst>
+          </p:cNvPr>
+          <p:cNvSpPr>
+            <a:spLocks noGrp="1"/>
+          </p:cNvSpPr>
+          <p:nvPr>
+            <p:ph type="title"/>
+          </p:nvPr>
+        </p:nvSpPr>
+        <p:spPr/>
+        <p:txBody>
+          <a:bodyPr/>
+          <a:lstStyle/>
+          <a:p>
+            <a:r>
+              <a:rPr lang="fr-CH" dirty="0"/>
+              <a:t>Our </a:t>
+            </a:r>
+            <a:r>
+              <a:rPr lang="fr-CH" dirty="0" err="1"/>
+              <a:t>Probabilistic</a:t>
+            </a:r>
+            <a:r>
+              <a:rPr lang="fr-CH" dirty="0"/>
+              <a:t> Model</a:t>
+            </a:r>
+          </a:p>
+        </p:txBody>
+      </p:sp>
+      <p:sp>
+        <p:nvSpPr>
+          <p:cNvPr id="3" name="Content Placeholder 2">
+            <a:extLst>
+              <a:ext uri="{FF2B5EF4-FFF2-40B4-BE49-F238E27FC236}">
+                <a16:creationId xmlns:a16="http://schemas.microsoft.com/office/drawing/2014/main" id="{09595E18-3364-4629-BB2D-A24B71E7D741}"/>
+              </a:ext>
+            </a:extLst>
+          </p:cNvPr>
+          <p:cNvSpPr>
+            <a:spLocks noGrp="1"/>
+          </p:cNvSpPr>
+          <p:nvPr>
+            <p:ph idx="1"/>
+          </p:nvPr>
+        </p:nvSpPr>
+        <p:spPr>
+          <a:xfrm>
+            <a:off x="838200" y="1847928"/>
+            <a:ext cx="10515600" cy="4351338"/>
+          </a:xfrm>
+        </p:spPr>
+        <p:txBody>
+          <a:bodyPr/>
+          <a:lstStyle/>
+          <a:p>
+            <a:r>
+              <a:rPr lang="fr-CH" dirty="0" err="1"/>
+              <a:t>Parameters</a:t>
+            </a:r>
+            <a:r>
+              <a:rPr lang="fr-CH" dirty="0"/>
+              <a:t>: </a:t>
+            </a:r>
+            <a:r>
+              <a:rPr lang="fr-CH" dirty="0" err="1"/>
+              <a:t>company</a:t>
+            </a:r>
+            <a:r>
+              <a:rPr lang="fr-CH" dirty="0"/>
+              <a:t>, </a:t>
+            </a:r>
+            <a:r>
+              <a:rPr lang="fr-CH" dirty="0" err="1"/>
+              <a:t>day</a:t>
+            </a:r>
+            <a:r>
+              <a:rPr lang="fr-CH" dirty="0"/>
+              <a:t> of </a:t>
+            </a:r>
+            <a:r>
+              <a:rPr lang="fr-CH" dirty="0" err="1"/>
+              <a:t>week</a:t>
+            </a:r>
+            <a:r>
+              <a:rPr lang="fr-CH" dirty="0"/>
+              <a:t>, </a:t>
+            </a:r>
+            <a:r>
+              <a:rPr lang="fr-CH" dirty="0" err="1"/>
+              <a:t>hour</a:t>
+            </a:r>
+            <a:r>
+              <a:rPr lang="fr-CH" dirty="0"/>
+              <a:t> of </a:t>
+            </a:r>
+            <a:r>
+              <a:rPr lang="fr-CH" dirty="0" err="1"/>
+              <a:t>day</a:t>
+            </a:r>
+            <a:endParaRPr lang="fr-CH" dirty="0"/>
+          </a:p>
+        </p:txBody>
+      </p:sp>
+      <p:sp>
+        <p:nvSpPr>
+          <p:cNvPr id="6" name="TextBox 5">
+            <a:extLst>
+              <a:ext uri="{FF2B5EF4-FFF2-40B4-BE49-F238E27FC236}">
+                <a16:creationId xmlns:a16="http://schemas.microsoft.com/office/drawing/2014/main" id="{245C66D6-0A06-43E3-A0FF-379CAE6C93E3}"/>
+              </a:ext>
+            </a:extLst>
+          </p:cNvPr>
+          <p:cNvSpPr txBox="1"/>
+          <p:nvPr/>
+        </p:nvSpPr>
+        <p:spPr>
+          <a:xfrm>
+            <a:off x="3621916" y="6414181"/>
+            <a:ext cx="2947474" cy="369332"/>
+          </a:xfrm>
+          <a:prstGeom prst="rect">
+            <a:avLst/>
+          </a:prstGeom>
+          <a:noFill/>
+        </p:spPr>
+        <p:txBody>
+          <a:bodyPr wrap="none" rtlCol="0">
+            <a:spAutoFit/>
+          </a:bodyPr>
+          <a:lstStyle/>
+          <a:p>
+            <a:r>
+              <a:rPr lang="fr-CH" dirty="0" err="1"/>
+              <a:t>Late</a:t>
+            </a:r>
+            <a:r>
+              <a:rPr lang="fr-CH" dirty="0"/>
+              <a:t> = at least one </a:t>
+            </a:r>
+            <a:r>
+              <a:rPr lang="fr-CH" dirty="0" err="1"/>
+              <a:t>hour</a:t>
+            </a:r>
+            <a:r>
+              <a:rPr lang="fr-CH" dirty="0"/>
+              <a:t> </a:t>
+            </a:r>
+            <a:r>
+              <a:rPr lang="fr-CH" dirty="0" err="1"/>
+              <a:t>delay</a:t>
+            </a:r>
+            <a:endParaRPr lang="fr-CH" dirty="0"/>
+          </a:p>
+        </p:txBody>
+      </p:sp>
+      <p:graphicFrame>
+        <p:nvGraphicFramePr>
+          <p:cNvPr id="8" name="Chart 7">
+            <a:extLst>
+              <a:ext uri="{FF2B5EF4-FFF2-40B4-BE49-F238E27FC236}">
+                <a16:creationId xmlns:a16="http://schemas.microsoft.com/office/drawing/2014/main" id="{81B4095B-3618-4D63-A98A-CEA9BE3AA7A6}"/>
+              </a:ext>
+            </a:extLst>
+          </p:cNvPr>
+          <p:cNvGraphicFramePr>
+            <a:graphicFrameLocks/>
+          </p:cNvGraphicFramePr>
+          <p:nvPr>
+            <p:extLst>
+              <p:ext uri="{D42A27DB-BD31-4B8C-83A1-F6EECF244321}">
+                <p14:modId xmlns:p14="http://schemas.microsoft.com/office/powerpoint/2010/main" val="479524144"/>
+              </p:ext>
+            </p:extLst>
+          </p:nvPr>
+        </p:nvGraphicFramePr>
+        <p:xfrm>
+          <a:off x="723696" y="2479149"/>
+          <a:ext cx="5372304" cy="3377656"/>
+        </p:xfrm>
+        <a:graphic>
+          <a:graphicData uri="http://schemas.openxmlformats.org/drawingml/2006/chart">
+            <c:chart xmlns:c="http://schemas.openxmlformats.org/drawingml/2006/chart" xmlns:r="http://schemas.openxmlformats.org/officeDocument/2006/relationships" r:id="rId2"/>
+          </a:graphicData>
+        </a:graphic>
+      </p:graphicFrame>
+      <p:graphicFrame>
+        <p:nvGraphicFramePr>
+          <p:cNvPr id="9" name="Chart 8">
+            <a:extLst>
+              <a:ext uri="{FF2B5EF4-FFF2-40B4-BE49-F238E27FC236}">
+                <a16:creationId xmlns:a16="http://schemas.microsoft.com/office/drawing/2014/main" id="{0F7DA4A9-6202-4096-90BA-2463C671E19C}"/>
+              </a:ext>
+            </a:extLst>
+          </p:cNvPr>
+          <p:cNvGraphicFramePr>
+            <a:graphicFrameLocks/>
+          </p:cNvGraphicFramePr>
+          <p:nvPr>
+            <p:extLst>
+              <p:ext uri="{D42A27DB-BD31-4B8C-83A1-F6EECF244321}">
+                <p14:modId xmlns:p14="http://schemas.microsoft.com/office/powerpoint/2010/main" val="2997892484"/>
+              </p:ext>
+            </p:extLst>
+          </p:nvPr>
+        </p:nvGraphicFramePr>
+        <p:xfrm>
+          <a:off x="6527935" y="2506043"/>
+          <a:ext cx="5055687" cy="3323868"/>
+        </p:xfrm>
+        <a:graphic>
+          <a:graphicData uri="http://schemas.openxmlformats.org/drawingml/2006/chart">
+            <c:chart xmlns:c="http://schemas.openxmlformats.org/drawingml/2006/chart" xmlns:r="http://schemas.openxmlformats.org/officeDocument/2006/relationships" r:id="rId3"/>
+          </a:graphicData>
+        </a:graphic>
+      </p:graphicFrame>
+    </p:spTree>
+    <p:extLst>
+      <p:ext uri="{BB962C8B-B14F-4D97-AF65-F5344CB8AC3E}">
+        <p14:creationId xmlns:p14="http://schemas.microsoft.com/office/powerpoint/2010/main" val="33946944"/>
+      </p:ext>
+    </p:extLst>
+  </p:cSld>
+  <p:clrMapOvr>
+    <a:masterClrMapping/>
+  </p:clrMapOvr>
+</p:sld>
+</file>
+
+<file path=ppt/slides/slide9.xml><?xml version="1.0" encoding="utf-8"?>
+<p:sld xmlns:a="http://schemas.openxmlformats.org/drawingml/2006/main" xmlns:r="http://schemas.openxmlformats.org/officeDocument/2006/relationships" xmlns:p="http://schemas.openxmlformats.org/presentationml/2006/main">
+  <p:cSld>
+    <p:spTree>
+      <p:nvGrpSpPr>
+        <p:cNvPr id="1" name=""/>
+        <p:cNvGrpSpPr/>
+        <p:nvPr/>
+      </p:nvGrpSpPr>
+      <p:grpSpPr>
+        <a:xfrm>
+          <a:off x="0" y="0"/>
+          <a:ext cx="0" cy="0"/>
+          <a:chOff x="0" y="0"/>
+          <a:chExt cx="0" cy="0"/>
+        </a:xfrm>
+      </p:grpSpPr>
+      <p:sp>
+        <p:nvSpPr>
+          <p:cNvPr id="2" name="Title 1">
+            <a:extLst>
+              <a:ext uri="{FF2B5EF4-FFF2-40B4-BE49-F238E27FC236}">
+                <a16:creationId xmlns:a16="http://schemas.microsoft.com/office/drawing/2014/main" id="{774D449A-FA07-4F82-AF73-6C314BEBEBA6}"/>
+              </a:ext>
+            </a:extLst>
+          </p:cNvPr>
+          <p:cNvSpPr>
+            <a:spLocks noGrp="1"/>
+          </p:cNvSpPr>
+          <p:nvPr>
+            <p:ph type="title"/>
+          </p:nvPr>
+        </p:nvSpPr>
+        <p:spPr/>
+        <p:txBody>
+          <a:bodyPr/>
+          <a:lstStyle/>
+          <a:p>
+            <a:r>
+              <a:rPr lang="fr-CH" dirty="0" err="1"/>
+              <a:t>Bayesian</a:t>
+            </a:r>
+            <a:r>
+              <a:rPr lang="fr-CH" dirty="0"/>
+              <a:t> </a:t>
+            </a:r>
+            <a:r>
+              <a:rPr lang="fr-CH" dirty="0" err="1"/>
+              <a:t>delay</a:t>
+            </a:r>
+            <a:r>
+              <a:rPr lang="fr-CH" dirty="0"/>
+              <a:t> </a:t>
+            </a:r>
+            <a:r>
+              <a:rPr lang="fr-CH" dirty="0" err="1"/>
+              <a:t>probability</a:t>
+            </a:r>
+            <a:r>
+              <a:rPr lang="fr-CH" dirty="0"/>
+              <a:t> </a:t>
+            </a:r>
+            <a:r>
+              <a:rPr lang="fr-CH" dirty="0" err="1"/>
+              <a:t>function</a:t>
+            </a:r>
+            <a:r>
+              <a:rPr lang="fr-CH" dirty="0"/>
+              <a:t> </a:t>
+            </a:r>
+          </a:p>
+        </p:txBody>
+      </p:sp>
+      <p:sp>
+        <p:nvSpPr>
+          <p:cNvPr id="3" name="Content Placeholder 2">
+            <a:extLst>
+              <a:ext uri="{FF2B5EF4-FFF2-40B4-BE49-F238E27FC236}">
+                <a16:creationId xmlns:a16="http://schemas.microsoft.com/office/drawing/2014/main" id="{08EED7F9-FECC-483C-99A7-EA82892A265E}"/>
+              </a:ext>
+            </a:extLst>
+          </p:cNvPr>
+          <p:cNvSpPr>
+            <a:spLocks noGrp="1"/>
+          </p:cNvSpPr>
+          <p:nvPr>
+            <p:ph idx="1"/>
+          </p:nvPr>
+        </p:nvSpPr>
+        <p:spPr/>
+        <p:txBody>
+          <a:bodyPr/>
+          <a:lstStyle/>
+          <a:p>
+            <a:r>
+              <a:rPr lang="fr-CH" dirty="0"/>
+              <a:t>f(</a:t>
+            </a:r>
+            <a:r>
+              <a:rPr lang="fr-CH" dirty="0" err="1"/>
+              <a:t>company</a:t>
+            </a:r>
+            <a:r>
+              <a:rPr lang="fr-CH" dirty="0"/>
+              <a:t>, </a:t>
+            </a:r>
+            <a:r>
+              <a:rPr lang="fr-CH" dirty="0" err="1"/>
+              <a:t>day</a:t>
+            </a:r>
+            <a:r>
+              <a:rPr lang="fr-CH" dirty="0"/>
+              <a:t> of </a:t>
+            </a:r>
+            <a:r>
+              <a:rPr lang="fr-CH" dirty="0" err="1"/>
+              <a:t>week</a:t>
+            </a:r>
+            <a:r>
+              <a:rPr lang="fr-CH" dirty="0"/>
+              <a:t>, </a:t>
+            </a:r>
+            <a:r>
+              <a:rPr lang="fr-CH" dirty="0" err="1"/>
+              <a:t>hour</a:t>
+            </a:r>
+            <a:r>
+              <a:rPr lang="fr-CH" dirty="0"/>
+              <a:t> of </a:t>
+            </a:r>
+            <a:r>
+              <a:rPr lang="fr-CH" dirty="0" err="1"/>
+              <a:t>day</a:t>
+            </a:r>
+            <a:r>
+              <a:rPr lang="fr-CH" dirty="0"/>
+              <a:t>) </a:t>
+            </a:r>
+            <a:r>
+              <a:rPr lang="fr-CH" dirty="0">
+                <a:sym typeface="Wingdings" panose="05000000000000000000" pitchFamily="2" charset="2"/>
+              </a:rPr>
+              <a:t> </a:t>
+            </a:r>
+            <a:r>
+              <a:rPr lang="fr-CH" dirty="0" err="1">
+                <a:sym typeface="Wingdings" panose="05000000000000000000" pitchFamily="2" charset="2"/>
+              </a:rPr>
+              <a:t>probability</a:t>
+            </a:r>
+            <a:r>
+              <a:rPr lang="fr-CH" dirty="0">
+                <a:sym typeface="Wingdings" panose="05000000000000000000" pitchFamily="2" charset="2"/>
+              </a:rPr>
+              <a:t> of </a:t>
+            </a:r>
+            <a:r>
+              <a:rPr lang="fr-CH" dirty="0" err="1">
+                <a:sym typeface="Wingdings" panose="05000000000000000000" pitchFamily="2" charset="2"/>
+              </a:rPr>
+              <a:t>being</a:t>
+            </a:r>
+            <a:r>
+              <a:rPr lang="fr-CH" dirty="0">
+                <a:sym typeface="Wingdings" panose="05000000000000000000" pitchFamily="2" charset="2"/>
+              </a:rPr>
+              <a:t> </a:t>
+            </a:r>
+            <a:r>
+              <a:rPr lang="fr-CH" dirty="0" err="1">
+                <a:sym typeface="Wingdings" panose="05000000000000000000" pitchFamily="2" charset="2"/>
+              </a:rPr>
+              <a:t>late</a:t>
+            </a:r>
+            <a:endParaRPr lang="fr-CH" dirty="0">
+              <a:sym typeface="Wingdings" panose="05000000000000000000" pitchFamily="2" charset="2"/>
+            </a:endParaRPr>
+          </a:p>
+          <a:p>
+            <a:endParaRPr lang="fr-CH" dirty="0">
+              <a:sym typeface="Wingdings" panose="05000000000000000000" pitchFamily="2" charset="2"/>
+            </a:endParaRPr>
+          </a:p>
+          <a:p>
+            <a:endParaRPr lang="fr-CH" dirty="0">
+              <a:sym typeface="Wingdings" panose="05000000000000000000" pitchFamily="2" charset="2"/>
+            </a:endParaRPr>
+          </a:p>
+          <a:p>
+            <a:r>
+              <a:rPr lang="fr-CH" dirty="0" err="1">
+                <a:sym typeface="Wingdings" panose="05000000000000000000" pitchFamily="2" charset="2"/>
+              </a:rPr>
+              <a:t>Dataset</a:t>
+            </a:r>
+            <a:r>
+              <a:rPr lang="fr-CH" dirty="0">
+                <a:sym typeface="Wingdings" panose="05000000000000000000" pitchFamily="2" charset="2"/>
+              </a:rPr>
+              <a:t>: </a:t>
+            </a:r>
+            <a:r>
+              <a:rPr lang="fr-CH" dirty="0" err="1">
+                <a:sym typeface="Wingdings" panose="05000000000000000000" pitchFamily="2" charset="2"/>
+              </a:rPr>
+              <a:t>flights</a:t>
+            </a:r>
+            <a:r>
+              <a:rPr lang="fr-CH" dirty="0">
+                <a:sym typeface="Wingdings" panose="05000000000000000000" pitchFamily="2" charset="2"/>
+              </a:rPr>
+              <a:t> </a:t>
+            </a:r>
+            <a:r>
+              <a:rPr lang="fr-CH" dirty="0" err="1">
+                <a:sym typeface="Wingdings" panose="05000000000000000000" pitchFamily="2" charset="2"/>
+              </a:rPr>
+              <a:t>arriving</a:t>
+            </a:r>
+            <a:r>
+              <a:rPr lang="fr-CH" dirty="0">
+                <a:sym typeface="Wingdings" panose="05000000000000000000" pitchFamily="2" charset="2"/>
+              </a:rPr>
+              <a:t> to Geneva </a:t>
+            </a:r>
+            <a:br>
+              <a:rPr lang="fr-CH" dirty="0">
+                <a:sym typeface="Wingdings" panose="05000000000000000000" pitchFamily="2" charset="2"/>
+              </a:rPr>
+            </a:br>
+            <a:r>
+              <a:rPr lang="fr-CH" dirty="0" err="1">
+                <a:sym typeface="Wingdings" panose="05000000000000000000" pitchFamily="2" charset="2"/>
+              </a:rPr>
+              <a:t>airport</a:t>
+            </a:r>
+            <a:r>
+              <a:rPr lang="fr-CH" dirty="0">
+                <a:sym typeface="Wingdings" panose="05000000000000000000" pitchFamily="2" charset="2"/>
+              </a:rPr>
+              <a:t> </a:t>
+            </a:r>
+            <a:r>
+              <a:rPr lang="fr-CH" dirty="0" err="1">
+                <a:sym typeface="Wingdings" panose="05000000000000000000" pitchFamily="2" charset="2"/>
+              </a:rPr>
+              <a:t>from</a:t>
+            </a:r>
+            <a:r>
+              <a:rPr lang="fr-CH" dirty="0">
+                <a:sym typeface="Wingdings" panose="05000000000000000000" pitchFamily="2" charset="2"/>
+              </a:rPr>
+              <a:t> 21.05.2018 to </a:t>
+            </a:r>
+            <a:r>
+              <a:rPr lang="fr-CH" dirty="0" err="1">
+                <a:sym typeface="Wingdings" panose="05000000000000000000" pitchFamily="2" charset="2"/>
+              </a:rPr>
+              <a:t>today</a:t>
+            </a:r>
+            <a:endParaRPr lang="fr-CH" dirty="0"/>
+          </a:p>
+        </p:txBody>
+      </p:sp>
+      <mc:AlternateContent xmlns:mc="http://schemas.openxmlformats.org/markup-compatibility/2006" xmlns:a14="http://schemas.microsoft.com/office/drawing/2010/main">
+        <mc:Choice Requires="a14">
+          <p:sp>
+            <p:nvSpPr>
+              <p:cNvPr id="5" name="TextBox 4">
+                <a:extLst>
+                  <a:ext uri="{FF2B5EF4-FFF2-40B4-BE49-F238E27FC236}">
+                    <a16:creationId xmlns:a16="http://schemas.microsoft.com/office/drawing/2014/main" id="{A2A7ED32-7EB5-4D4C-9E06-0186C5C61859}"/>
+                  </a:ext>
+                </a:extLst>
+              </p:cNvPr>
+              <p:cNvSpPr txBox="1"/>
+              <p:nvPr/>
+            </p:nvSpPr>
+            <p:spPr>
+              <a:xfrm>
+                <a:off x="572112" y="2446972"/>
+                <a:ext cx="11147502" cy="521553"/>
+              </a:xfrm>
+              <a:prstGeom prst="rect">
+                <a:avLst/>
+              </a:prstGeom>
+              <a:noFill/>
+            </p:spPr>
+            <p:txBody>
+              <a:bodyPr wrap="square" lIns="0" tIns="0" rIns="0" bIns="0" rtlCol="0">
+                <a:spAutoFit/>
+              </a:bodyPr>
+              <a:lstStyle/>
+              <a:p>
+                <a:pPr/>
+                <a14:m>
+                  <m:oMathPara xmlns:m="http://schemas.openxmlformats.org/officeDocument/2006/math">
+                    <m:oMathParaPr>
+                      <m:jc m:val="centerGroup"/>
+                    </m:oMathParaPr>
+                    <m:oMath xmlns:m="http://schemas.openxmlformats.org/officeDocument/2006/math">
+                      <m:r>
+                        <a:rPr lang="fr-CH" sz="1600" b="0" i="1" smtClean="0">
+                          <a:latin typeface="Cambria Math" panose="02040503050406030204" pitchFamily="18" charset="0"/>
+                        </a:rPr>
+                        <m:t>𝑃</m:t>
+                      </m:r>
+                      <m:d>
+                        <m:dPr>
+                          <m:endChr m:val="|"/>
+                          <m:ctrlPr>
+                            <a:rPr lang="fr-CH" sz="1600" b="0" i="1" smtClean="0">
+                              <a:latin typeface="Cambria Math" panose="02040503050406030204" pitchFamily="18" charset="0"/>
+                            </a:rPr>
+                          </m:ctrlPr>
+                        </m:dPr>
+                        <m:e>
+                          <m:r>
+                            <a:rPr lang="fr-CH" sz="1600" b="0" i="1" smtClean="0">
+                              <a:latin typeface="Cambria Math" panose="02040503050406030204" pitchFamily="18" charset="0"/>
+                            </a:rPr>
+                            <m:t>𝑑𝑒𝑙𝑎𝑦</m:t>
+                          </m:r>
+                          <m:r>
+                            <a:rPr lang="fr-CH" sz="1600" b="0" i="1" smtClean="0">
+                              <a:latin typeface="Cambria Math" panose="02040503050406030204" pitchFamily="18" charset="0"/>
+                            </a:rPr>
+                            <m:t>&gt;1</m:t>
+                          </m:r>
+                          <m:r>
+                            <a:rPr lang="fr-CH" sz="1600" b="0" i="1" smtClean="0">
+                              <a:latin typeface="Cambria Math" panose="02040503050406030204" pitchFamily="18" charset="0"/>
+                            </a:rPr>
+                            <m:t>h</m:t>
+                          </m:r>
+                          <m:r>
+                            <a:rPr lang="fr-CH" sz="1600" b="0" i="1" smtClean="0">
+                              <a:latin typeface="Cambria Math" panose="02040503050406030204" pitchFamily="18" charset="0"/>
+                            </a:rPr>
+                            <m:t> </m:t>
+                          </m:r>
+                        </m:e>
+                      </m:d>
+                      <m:r>
+                        <a:rPr lang="fr-CH" sz="1600" b="0" i="1" smtClean="0">
+                          <a:latin typeface="Cambria Math" panose="02040503050406030204" pitchFamily="18" charset="0"/>
+                        </a:rPr>
+                        <m:t>𝑐𝑜𝑚𝑝𝑎𝑛𝑦</m:t>
+                      </m:r>
+                      <m:r>
+                        <a:rPr lang="fr-CH" sz="1600" b="0" i="1" smtClean="0">
+                          <a:latin typeface="Cambria Math" panose="02040503050406030204" pitchFamily="18" charset="0"/>
+                        </a:rPr>
+                        <m:t>, </m:t>
+                      </m:r>
+                      <m:r>
+                        <a:rPr lang="fr-CH" sz="1600" b="0" i="1" smtClean="0">
+                          <a:latin typeface="Cambria Math" panose="02040503050406030204" pitchFamily="18" charset="0"/>
+                        </a:rPr>
+                        <m:t>𝑑𝑎𝑦𝑂𝑓𝑊𝑒𝑒𝑘</m:t>
+                      </m:r>
+                      <m:r>
+                        <a:rPr lang="fr-CH" sz="1600" b="0" i="1" smtClean="0">
+                          <a:latin typeface="Cambria Math" panose="02040503050406030204" pitchFamily="18" charset="0"/>
+                        </a:rPr>
+                        <m:t>, </m:t>
+                      </m:r>
+                      <m:r>
+                        <a:rPr lang="fr-CH" sz="1600" b="0" i="1" smtClean="0">
+                          <a:latin typeface="Cambria Math" panose="02040503050406030204" pitchFamily="18" charset="0"/>
+                        </a:rPr>
+                        <m:t>h𝑜𝑢𝑟𝑂𝑓𝐷𝑎𝑦</m:t>
+                      </m:r>
+                      <m:r>
+                        <a:rPr lang="fr-CH" sz="1600" b="0" i="1" smtClean="0">
+                          <a:latin typeface="Cambria Math" panose="02040503050406030204" pitchFamily="18" charset="0"/>
+                        </a:rPr>
+                        <m:t>)=</m:t>
+                      </m:r>
+                      <m:f>
+                        <m:fPr>
+                          <m:ctrlPr>
+                            <a:rPr lang="fr-CH" sz="1600" b="0" i="1" smtClean="0">
+                              <a:latin typeface="Cambria Math" panose="02040503050406030204" pitchFamily="18" charset="0"/>
+                            </a:rPr>
+                          </m:ctrlPr>
+                        </m:fPr>
+                        <m:num>
+                          <m:r>
+                            <a:rPr lang="fr-CH" sz="1600" b="0" i="1" smtClean="0">
+                              <a:latin typeface="Cambria Math" panose="02040503050406030204" pitchFamily="18" charset="0"/>
+                            </a:rPr>
+                            <m:t>𝑃</m:t>
+                          </m:r>
+                          <m:d>
+                            <m:dPr>
+                              <m:endChr m:val="|"/>
+                              <m:ctrlPr>
+                                <a:rPr lang="fr-CH" sz="1600" b="0" i="1" smtClean="0">
+                                  <a:latin typeface="Cambria Math" panose="02040503050406030204" pitchFamily="18" charset="0"/>
+                                </a:rPr>
+                              </m:ctrlPr>
+                            </m:dPr>
+                            <m:e>
+                              <m:r>
+                                <a:rPr lang="fr-CH" sz="1600" b="0" i="1" smtClean="0">
+                                  <a:latin typeface="Cambria Math" panose="02040503050406030204" pitchFamily="18" charset="0"/>
+                                </a:rPr>
+                                <m:t>𝑑𝑒𝑙𝑎𝑦</m:t>
+                              </m:r>
+                              <m:r>
+                                <a:rPr lang="fr-CH" sz="1600" b="0" i="1" smtClean="0">
+                                  <a:latin typeface="Cambria Math" panose="02040503050406030204" pitchFamily="18" charset="0"/>
+                                </a:rPr>
+                                <m:t>&gt;1</m:t>
+                              </m:r>
+                              <m:r>
+                                <a:rPr lang="fr-CH" sz="1600" b="0" i="1" smtClean="0">
+                                  <a:latin typeface="Cambria Math" panose="02040503050406030204" pitchFamily="18" charset="0"/>
+                                </a:rPr>
+                                <m:t>h</m:t>
+                              </m:r>
+                              <m:r>
+                                <a:rPr lang="fr-CH" sz="1600" b="0" i="1" smtClean="0">
+                                  <a:latin typeface="Cambria Math" panose="02040503050406030204" pitchFamily="18" charset="0"/>
+                                </a:rPr>
+                                <m:t> </m:t>
+                              </m:r>
+                            </m:e>
+                          </m:d>
+                          <m:r>
+                            <a:rPr lang="fr-CH" sz="1600" b="0" i="1" smtClean="0">
+                              <a:latin typeface="Cambria Math" panose="02040503050406030204" pitchFamily="18" charset="0"/>
+                            </a:rPr>
+                            <m:t>𝑐𝑜𝑚𝑝𝑎𝑛𝑦</m:t>
+                          </m:r>
+                          <m:r>
+                            <a:rPr lang="fr-CH" sz="1600" b="0" i="1" smtClean="0">
+                              <a:latin typeface="Cambria Math" panose="02040503050406030204" pitchFamily="18" charset="0"/>
+                            </a:rPr>
+                            <m:t>, </m:t>
+                          </m:r>
+                          <m:r>
+                            <a:rPr lang="fr-CH" sz="1600" b="0" i="1" smtClean="0">
+                              <a:latin typeface="Cambria Math" panose="02040503050406030204" pitchFamily="18" charset="0"/>
+                            </a:rPr>
+                            <m:t>𝑑𝑎𝑦𝑂𝑓𝑊𝑒𝑒𝑘</m:t>
+                          </m:r>
+                          <m:r>
+                            <a:rPr lang="fr-CH" sz="1600" b="0" i="1" smtClean="0">
+                              <a:latin typeface="Cambria Math" panose="02040503050406030204" pitchFamily="18" charset="0"/>
+                            </a:rPr>
+                            <m:t>, </m:t>
+                          </m:r>
+                          <m:r>
+                            <a:rPr lang="fr-CH" sz="1600" b="0" i="1" smtClean="0">
+                              <a:latin typeface="Cambria Math" panose="02040503050406030204" pitchFamily="18" charset="0"/>
+                            </a:rPr>
+                            <m:t>h𝑜𝑢𝑟𝑂𝑓𝐷𝑎𝑦</m:t>
+                          </m:r>
+                          <m:r>
+                            <a:rPr lang="fr-CH" sz="1600" b="0" i="1" smtClean="0">
+                              <a:latin typeface="Cambria Math" panose="02040503050406030204" pitchFamily="18" charset="0"/>
+                            </a:rPr>
+                            <m:t>)∙</m:t>
+                          </m:r>
+                          <m:r>
+                            <a:rPr lang="fr-CH" sz="1600" b="0" i="1" smtClean="0">
+                              <a:latin typeface="Cambria Math" panose="02040503050406030204" pitchFamily="18" charset="0"/>
+                            </a:rPr>
+                            <m:t>𝑃</m:t>
+                          </m:r>
+                          <m:r>
+                            <a:rPr lang="fr-CH" sz="1600" b="0" i="1" smtClean="0">
+                              <a:latin typeface="Cambria Math" panose="02040503050406030204" pitchFamily="18" charset="0"/>
+                            </a:rPr>
+                            <m:t>(</m:t>
+                          </m:r>
+                          <m:r>
+                            <a:rPr lang="fr-CH" sz="1600" b="0" i="1" smtClean="0">
+                              <a:latin typeface="Cambria Math" panose="02040503050406030204" pitchFamily="18" charset="0"/>
+                            </a:rPr>
+                            <m:t>𝑑𝑒𝑙𝑎𝑦</m:t>
+                          </m:r>
+                          <m:r>
+                            <a:rPr lang="fr-CH" sz="1600" b="0" i="1" smtClean="0">
+                              <a:latin typeface="Cambria Math" panose="02040503050406030204" pitchFamily="18" charset="0"/>
+                            </a:rPr>
+                            <m:t>&gt;1</m:t>
+                          </m:r>
+                          <m:r>
+                            <a:rPr lang="fr-CH" sz="1600" b="0" i="1" smtClean="0">
+                              <a:latin typeface="Cambria Math" panose="02040503050406030204" pitchFamily="18" charset="0"/>
+                            </a:rPr>
+                            <m:t>h</m:t>
+                          </m:r>
+                          <m:r>
+                            <a:rPr lang="fr-CH" sz="1600" b="0" i="1" smtClean="0">
+                              <a:latin typeface="Cambria Math" panose="02040503050406030204" pitchFamily="18" charset="0"/>
+                            </a:rPr>
+                            <m:t>)</m:t>
+                          </m:r>
+                        </m:num>
+                        <m:den>
+                          <m:r>
+                            <a:rPr lang="fr-CH" sz="1600" b="0" i="1" smtClean="0">
+                              <a:latin typeface="Cambria Math" panose="02040503050406030204" pitchFamily="18" charset="0"/>
+                            </a:rPr>
+                            <m:t>𝑃</m:t>
+                          </m:r>
+                          <m:r>
+                            <a:rPr lang="fr-CH" sz="1600" b="0" i="1" smtClean="0">
+                              <a:latin typeface="Cambria Math" panose="02040503050406030204" pitchFamily="18" charset="0"/>
+                            </a:rPr>
+                            <m:t>(</m:t>
+                          </m:r>
+                          <m:r>
+                            <a:rPr lang="fr-CH" sz="1600" b="0" i="1" smtClean="0">
+                              <a:latin typeface="Cambria Math" panose="02040503050406030204" pitchFamily="18" charset="0"/>
+                            </a:rPr>
+                            <m:t>𝑐𝑜𝑚𝑝𝑎𝑛𝑦</m:t>
+                          </m:r>
+                          <m:r>
+                            <a:rPr lang="fr-CH" sz="1600" b="0" i="1" smtClean="0">
+                              <a:latin typeface="Cambria Math" panose="02040503050406030204" pitchFamily="18" charset="0"/>
+                            </a:rPr>
+                            <m:t>, </m:t>
+                          </m:r>
+                          <m:r>
+                            <a:rPr lang="fr-CH" sz="1600" b="0" i="1" smtClean="0">
+                              <a:latin typeface="Cambria Math" panose="02040503050406030204" pitchFamily="18" charset="0"/>
+                            </a:rPr>
+                            <m:t>𝑑𝑎𝑦𝑂𝑓𝑊𝑒𝑒𝑘</m:t>
+                          </m:r>
+                          <m:r>
+                            <a:rPr lang="fr-CH" sz="1600" b="0" i="1" smtClean="0">
+                              <a:latin typeface="Cambria Math" panose="02040503050406030204" pitchFamily="18" charset="0"/>
+                            </a:rPr>
+                            <m:t>, </m:t>
+                          </m:r>
+                          <m:r>
+                            <a:rPr lang="fr-CH" sz="1600" b="0" i="1" smtClean="0">
+                              <a:latin typeface="Cambria Math" panose="02040503050406030204" pitchFamily="18" charset="0"/>
+                            </a:rPr>
+                            <m:t>h𝑜𝑢𝑟𝑂𝑓𝐷𝑎𝑦</m:t>
+                          </m:r>
+                          <m:r>
+                            <a:rPr lang="fr-CH" sz="1600" b="0" i="1" smtClean="0">
+                              <a:latin typeface="Cambria Math" panose="02040503050406030204" pitchFamily="18" charset="0"/>
+                            </a:rPr>
+                            <m:t>)</m:t>
+                          </m:r>
+                        </m:den>
+                      </m:f>
+                      <m:r>
+                        <a:rPr lang="fr-CH" sz="1600" b="0" i="1" smtClean="0">
+                          <a:latin typeface="Cambria Math" panose="02040503050406030204" pitchFamily="18" charset="0"/>
+                        </a:rPr>
+                        <m:t> </m:t>
+                      </m:r>
+                    </m:oMath>
+                  </m:oMathPara>
+                </a14:m>
+                <a:endParaRPr lang="fr-CH" sz="1600" dirty="0"/>
+              </a:p>
+            </p:txBody>
+          </p:sp>
+        </mc:Choice>
+        <mc:Fallback xmlns="">
+          <p:sp>
+            <p:nvSpPr>
+              <p:cNvPr id="5" name="TextBox 4">
+                <a:extLst>
+                  <a:ext uri="{FF2B5EF4-FFF2-40B4-BE49-F238E27FC236}">
+                    <a16:creationId xmlns:a16="http://schemas.microsoft.com/office/drawing/2014/main" id="{A2A7ED32-7EB5-4D4C-9E06-0186C5C61859}"/>
+                  </a:ext>
+                </a:extLst>
+              </p:cNvPr>
+              <p:cNvSpPr txBox="1">
+                <a:spLocks noRot="1" noChangeAspect="1" noMove="1" noResize="1" noEditPoints="1" noAdjustHandles="1" noChangeArrowheads="1" noChangeShapeType="1" noTextEdit="1"/>
+              </p:cNvSpPr>
+              <p:nvPr/>
+            </p:nvSpPr>
+            <p:spPr>
+              <a:xfrm>
+                <a:off x="572112" y="2446972"/>
+                <a:ext cx="11147502" cy="521553"/>
+              </a:xfrm>
+              <a:prstGeom prst="rect">
+                <a:avLst/>
+              </a:prstGeom>
+              <a:blipFill>
+                <a:blip r:embed="rId2"/>
+                <a:stretch>
+                  <a:fillRect/>
+                </a:stretch>
+              </a:blipFill>
+            </p:spPr>
+            <p:txBody>
+              <a:bodyPr/>
+              <a:lstStyle/>
+              <a:p>
+                <a:r>
+                  <a:rPr lang="fr-CH">
+                    <a:noFill/>
+                  </a:rPr>
+                  <a:t> </a:t>
+                </a:r>
+              </a:p>
+            </p:txBody>
+          </p:sp>
+        </mc:Fallback>
+      </mc:AlternateContent>
+      <p:graphicFrame>
+        <p:nvGraphicFramePr>
+          <p:cNvPr id="6" name="Chart 5">
+            <a:extLst>
+              <a:ext uri="{FF2B5EF4-FFF2-40B4-BE49-F238E27FC236}">
+                <a16:creationId xmlns:a16="http://schemas.microsoft.com/office/drawing/2014/main" id="{B4B60E45-658D-4EFD-BCE1-DE03AAB9ABA1}"/>
+              </a:ext>
+            </a:extLst>
+          </p:cNvPr>
+          <p:cNvGraphicFramePr>
+            <a:graphicFrameLocks/>
+          </p:cNvGraphicFramePr>
+          <p:nvPr>
+            <p:extLst>
+              <p:ext uri="{D42A27DB-BD31-4B8C-83A1-F6EECF244321}">
+                <p14:modId xmlns:p14="http://schemas.microsoft.com/office/powerpoint/2010/main" val="1396941545"/>
+              </p:ext>
+            </p:extLst>
+          </p:nvPr>
+        </p:nvGraphicFramePr>
+        <p:xfrm>
+          <a:off x="7183188" y="3999168"/>
+          <a:ext cx="4563824" cy="2727873"/>
+        </p:xfrm>
+        <a:graphic>
+          <a:graphicData uri="http://schemas.openxmlformats.org/drawingml/2006/chart">
+            <c:chart xmlns:c="http://schemas.openxmlformats.org/drawingml/2006/chart" xmlns:r="http://schemas.openxmlformats.org/officeDocument/2006/relationships" r:id="rId3"/>
+          </a:graphicData>
+        </a:graphic>
+      </p:graphicFrame>
+      <p:graphicFrame>
+        <p:nvGraphicFramePr>
+          <p:cNvPr id="7" name="Chart 6">
+            <a:extLst>
+              <a:ext uri="{FF2B5EF4-FFF2-40B4-BE49-F238E27FC236}">
+                <a16:creationId xmlns:a16="http://schemas.microsoft.com/office/drawing/2014/main" id="{B5BC8D9B-2327-4D53-82E7-3BF858A39799}"/>
+              </a:ext>
+            </a:extLst>
+          </p:cNvPr>
+          <p:cNvGraphicFramePr>
+            <a:graphicFrameLocks/>
+          </p:cNvGraphicFramePr>
+          <p:nvPr>
+            <p:extLst>
+              <p:ext uri="{D42A27DB-BD31-4B8C-83A1-F6EECF244321}">
+                <p14:modId xmlns:p14="http://schemas.microsoft.com/office/powerpoint/2010/main" val="3851420001"/>
+              </p:ext>
+            </p:extLst>
+          </p:nvPr>
+        </p:nvGraphicFramePr>
+        <p:xfrm>
+          <a:off x="2009737" y="4205374"/>
+          <a:ext cx="4563824" cy="2727873"/>
+        </p:xfrm>
+        <a:graphic>
+          <a:graphicData uri="http://schemas.openxmlformats.org/drawingml/2006/chart">
+            <c:chart xmlns:c="http://schemas.openxmlformats.org/drawingml/2006/chart" xmlns:r="http://schemas.openxmlformats.org/officeDocument/2006/relationships" r:id="rId4"/>
+          </a:graphicData>
+        </a:graphic>
+      </p:graphicFrame>
+      <p:sp>
+        <p:nvSpPr>
+          <p:cNvPr id="8" name="TextBox 7">
+            <a:extLst>
+              <a:ext uri="{FF2B5EF4-FFF2-40B4-BE49-F238E27FC236}">
+                <a16:creationId xmlns:a16="http://schemas.microsoft.com/office/drawing/2014/main" id="{49A227DB-BE87-4A7D-8FAC-4AB85832A1D6}"/>
+              </a:ext>
+            </a:extLst>
+          </p:cNvPr>
+          <p:cNvSpPr txBox="1"/>
+          <p:nvPr/>
+        </p:nvSpPr>
+        <p:spPr>
+          <a:xfrm>
+            <a:off x="125426" y="4249578"/>
+            <a:ext cx="2241256" cy="1200329"/>
+          </a:xfrm>
+          <a:prstGeom prst="rect">
+            <a:avLst/>
+          </a:prstGeom>
+          <a:noFill/>
+        </p:spPr>
+        <p:txBody>
+          <a:bodyPr wrap="square" rtlCol="0">
+            <a:spAutoFit/>
+          </a:bodyPr>
+          <a:lstStyle/>
+          <a:p>
+            <a:r>
+              <a:rPr lang="fr-CH" dirty="0"/>
+              <a:t>90% of the </a:t>
+            </a:r>
+            <a:r>
+              <a:rPr lang="fr-CH" dirty="0" err="1"/>
+              <a:t>flights</a:t>
+            </a:r>
+            <a:r>
+              <a:rPr lang="fr-CH" dirty="0"/>
+              <a:t> </a:t>
+            </a:r>
+            <a:r>
+              <a:rPr lang="fr-CH" dirty="0" err="1"/>
+              <a:t>will</a:t>
+            </a:r>
+            <a:r>
+              <a:rPr lang="fr-CH" dirty="0"/>
+              <a:t> have a </a:t>
+            </a:r>
+            <a:r>
+              <a:rPr lang="fr-CH" dirty="0" err="1"/>
+              <a:t>delay</a:t>
+            </a:r>
+            <a:r>
+              <a:rPr lang="fr-CH" dirty="0"/>
+              <a:t> </a:t>
+            </a:r>
+            <a:r>
+              <a:rPr lang="fr-CH" dirty="0" err="1"/>
+              <a:t>probability</a:t>
+            </a:r>
+            <a:r>
+              <a:rPr lang="fr-CH" dirty="0"/>
+              <a:t> </a:t>
+            </a:r>
+            <a:r>
+              <a:rPr lang="fr-CH" dirty="0" err="1"/>
+              <a:t>lower</a:t>
+            </a:r>
+            <a:r>
+              <a:rPr lang="fr-CH" dirty="0"/>
+              <a:t> </a:t>
+            </a:r>
+            <a:r>
+              <a:rPr lang="fr-CH" dirty="0" err="1"/>
+              <a:t>than</a:t>
+            </a:r>
+            <a:r>
+              <a:rPr lang="fr-CH" dirty="0"/>
+              <a:t> 30%</a:t>
+            </a:r>
+          </a:p>
+        </p:txBody>
+      </p:sp>
+      <p:cxnSp>
+        <p:nvCxnSpPr>
+          <p:cNvPr id="10" name="Straight Arrow Connector 9">
+            <a:extLst>
+              <a:ext uri="{FF2B5EF4-FFF2-40B4-BE49-F238E27FC236}">
+                <a16:creationId xmlns:a16="http://schemas.microsoft.com/office/drawing/2014/main" id="{C5BAF6D3-B367-4A06-BFA0-8879595C9B37}"/>
+              </a:ext>
+            </a:extLst>
+          </p:cNvPr>
+          <p:cNvCxnSpPr/>
+          <p:nvPr/>
+        </p:nvCxnSpPr>
+        <p:spPr>
+          <a:xfrm>
+            <a:off x="2366682" y="4376406"/>
+            <a:ext cx="1276248" cy="444976"/>
+          </a:xfrm>
+          <a:prstGeom prst="straightConnector1">
+            <a:avLst/>
+          </a:prstGeom>
+          <a:ln w="38100">
+            <a:solidFill>
+              <a:srgbClr val="FF0000"/>
+            </a:solidFill>
+            <a:tailEnd type="triangle"/>
+          </a:ln>
+        </p:spPr>
+        <p:style>
+          <a:lnRef idx="1">
+            <a:schemeClr val="accent1"/>
+          </a:lnRef>
+          <a:fillRef idx="0">
+            <a:schemeClr val="accent1"/>
+          </a:fillRef>
+          <a:effectRef idx="0">
+            <a:schemeClr val="accent1"/>
+          </a:effectRef>
+          <a:fontRef idx="minor">
+            <a:schemeClr val="tx1"/>
+          </a:fontRef>
+        </p:style>
+      </p:cxnSp>
+    </p:spTree>
+    <p:extLst>
+      <p:ext uri="{BB962C8B-B14F-4D97-AF65-F5344CB8AC3E}">
+        <p14:creationId xmlns:p14="http://schemas.microsoft.com/office/powerpoint/2010/main" val="3158198877"/>
       </p:ext>
     </p:extLst>
   </p:cSld>

--- a/unchained-flight-insurance-web/Notes techniques.pptx
+++ b/unchained-flight-insurance-web/Notes techniques.pptx
@@ -15,7 +15,9 @@
     <p:sldId id="259" r:id="rId9"/>
     <p:sldId id="261" r:id="rId10"/>
     <p:sldId id="262" r:id="rId11"/>
-    <p:sldId id="263" r:id="rId12"/>
+    <p:sldId id="268" r:id="rId12"/>
+    <p:sldId id="267" r:id="rId13"/>
+    <p:sldId id="263" r:id="rId14"/>
   </p:sldIdLst>
   <p:sldSz cx="12192000" cy="6858000"/>
   <p:notesSz cx="6858000" cy="9144000"/>
@@ -2721,6 +2723,714 @@
   <c:externalData r:id="rId3">
     <c:autoUpdate val="0"/>
   </c:externalData>
+  <c:userShapes r:id="rId4"/>
+</c:chartSpace>
+</file>
+
+<file path=ppt/charts/chart6.xml><?xml version="1.0" encoding="utf-8"?>
+<c:chartSpace xmlns:c="http://schemas.openxmlformats.org/drawingml/2006/chart" xmlns:a="http://schemas.openxmlformats.org/drawingml/2006/main" xmlns:r="http://schemas.openxmlformats.org/officeDocument/2006/relationships" xmlns:c16r2="http://schemas.microsoft.com/office/drawing/2015/06/chart">
+  <c:date1904 val="0"/>
+  <c:lang val="en-US"/>
+  <c:roundedCorners val="0"/>
+  <mc:AlternateContent xmlns:mc="http://schemas.openxmlformats.org/markup-compatibility/2006">
+    <mc:Choice xmlns:c14="http://schemas.microsoft.com/office/drawing/2007/8/2/chart" Requires="c14">
+      <c14:style val="102"/>
+    </mc:Choice>
+    <mc:Fallback>
+      <c:style val="2"/>
+    </mc:Fallback>
+  </mc:AlternateContent>
+  <c:chart>
+    <c:title>
+      <c:tx>
+        <c:rich>
+          <a:bodyPr rot="0" spcFirstLastPara="1" vertOverflow="ellipsis" vert="horz" wrap="square" anchor="ctr" anchorCtr="1"/>
+          <a:lstStyle/>
+          <a:p>
+            <a:pPr>
+              <a:defRPr sz="1680" b="0" i="0" u="none" strike="noStrike" kern="1200" spc="0" baseline="0">
+                <a:solidFill>
+                  <a:schemeClr val="tx1">
+                    <a:lumMod val="65000"/>
+                    <a:lumOff val="35000"/>
+                  </a:schemeClr>
+                </a:solidFill>
+                <a:latin typeface="+mn-lt"/>
+                <a:ea typeface="+mn-ea"/>
+                <a:cs typeface="+mn-cs"/>
+              </a:defRPr>
+            </a:pPr>
+            <a:r>
+              <a:rPr lang="fr-CH"/>
+              <a:t>Coverage variants</a:t>
+            </a:r>
+          </a:p>
+        </c:rich>
+      </c:tx>
+      <c:overlay val="0"/>
+      <c:spPr>
+        <a:noFill/>
+        <a:ln>
+          <a:noFill/>
+        </a:ln>
+        <a:effectLst/>
+      </c:spPr>
+      <c:txPr>
+        <a:bodyPr rot="0" spcFirstLastPara="1" vertOverflow="ellipsis" vert="horz" wrap="square" anchor="ctr" anchorCtr="1"/>
+        <a:lstStyle/>
+        <a:p>
+          <a:pPr>
+            <a:defRPr sz="1680" b="0" i="0" u="none" strike="noStrike" kern="1200" spc="0" baseline="0">
+              <a:solidFill>
+                <a:schemeClr val="tx1">
+                  <a:lumMod val="65000"/>
+                  <a:lumOff val="35000"/>
+                </a:schemeClr>
+              </a:solidFill>
+              <a:latin typeface="+mn-lt"/>
+              <a:ea typeface="+mn-ea"/>
+              <a:cs typeface="+mn-cs"/>
+            </a:defRPr>
+          </a:pPr>
+          <a:endParaRPr lang="fr-FR"/>
+        </a:p>
+      </c:txPr>
+    </c:title>
+    <c:autoTitleDeleted val="0"/>
+    <c:plotArea>
+      <c:layout/>
+      <c:lineChart>
+        <c:grouping val="standard"/>
+        <c:varyColors val="0"/>
+        <c:ser>
+          <c:idx val="0"/>
+          <c:order val="0"/>
+          <c:tx>
+            <c:strRef>
+              <c:f>Graphics!$F$44</c:f>
+              <c:strCache>
+                <c:ptCount val="1"/>
+                <c:pt idx="0">
+                  <c:v>Ultimate</c:v>
+                </c:pt>
+              </c:strCache>
+            </c:strRef>
+          </c:tx>
+          <c:spPr>
+            <a:ln w="28575" cap="rnd">
+              <a:solidFill>
+                <a:schemeClr val="accent1"/>
+              </a:solidFill>
+              <a:round/>
+            </a:ln>
+            <a:effectLst/>
+          </c:spPr>
+          <c:marker>
+            <c:symbol val="none"/>
+          </c:marker>
+          <c:cat>
+            <c:numRef>
+              <c:f>Graphics!$C$45:$C$55</c:f>
+              <c:numCache>
+                <c:formatCode>0%</c:formatCode>
+                <c:ptCount val="11"/>
+                <c:pt idx="0">
+                  <c:v>0</c:v>
+                </c:pt>
+                <c:pt idx="1">
+                  <c:v>0.1</c:v>
+                </c:pt>
+                <c:pt idx="2">
+                  <c:v>0.2</c:v>
+                </c:pt>
+                <c:pt idx="3">
+                  <c:v>0.3</c:v>
+                </c:pt>
+                <c:pt idx="4">
+                  <c:v>0.4</c:v>
+                </c:pt>
+                <c:pt idx="5">
+                  <c:v>0.5</c:v>
+                </c:pt>
+                <c:pt idx="6">
+                  <c:v>0.6</c:v>
+                </c:pt>
+                <c:pt idx="7">
+                  <c:v>0.7</c:v>
+                </c:pt>
+                <c:pt idx="8">
+                  <c:v>0.8</c:v>
+                </c:pt>
+                <c:pt idx="9">
+                  <c:v>0.9</c:v>
+                </c:pt>
+                <c:pt idx="10">
+                  <c:v>1</c:v>
+                </c:pt>
+              </c:numCache>
+            </c:numRef>
+          </c:cat>
+          <c:val>
+            <c:numRef>
+              <c:f>Graphics!$F$45:$F$53</c:f>
+              <c:numCache>
+                <c:formatCode>General</c:formatCode>
+                <c:ptCount val="9"/>
+                <c:pt idx="0">
+                  <c:v>805</c:v>
+                </c:pt>
+                <c:pt idx="1">
+                  <c:v>1685.0000000000002</c:v>
+                </c:pt>
+                <c:pt idx="2">
+                  <c:v>2565.0000000000005</c:v>
+                </c:pt>
+                <c:pt idx="3">
+                  <c:v>3445.0000000000005</c:v>
+                </c:pt>
+                <c:pt idx="4">
+                  <c:v>4325</c:v>
+                </c:pt>
+                <c:pt idx="5">
+                  <c:v>5205</c:v>
+                </c:pt>
+                <c:pt idx="6">
+                  <c:v>6085</c:v>
+                </c:pt>
+                <c:pt idx="7">
+                  <c:v>6965</c:v>
+                </c:pt>
+                <c:pt idx="8">
+                  <c:v>7845.0000000000009</c:v>
+                </c:pt>
+              </c:numCache>
+            </c:numRef>
+          </c:val>
+          <c:smooth val="0"/>
+          <c:extLst>
+            <c:ext xmlns:c16="http://schemas.microsoft.com/office/drawing/2014/chart" uri="{C3380CC4-5D6E-409C-BE32-E72D297353CC}">
+              <c16:uniqueId val="{00000000-473D-4088-B457-23F6D1A5A7BC}"/>
+            </c:ext>
+          </c:extLst>
+        </c:ser>
+        <c:ser>
+          <c:idx val="1"/>
+          <c:order val="1"/>
+          <c:tx>
+            <c:strRef>
+              <c:f>Graphics!$G$44</c:f>
+              <c:strCache>
+                <c:ptCount val="1"/>
+                <c:pt idx="0">
+                  <c:v>Medium</c:v>
+                </c:pt>
+              </c:strCache>
+            </c:strRef>
+          </c:tx>
+          <c:spPr>
+            <a:ln w="28575" cap="rnd">
+              <a:solidFill>
+                <a:schemeClr val="accent2"/>
+              </a:solidFill>
+              <a:round/>
+            </a:ln>
+            <a:effectLst/>
+          </c:spPr>
+          <c:marker>
+            <c:symbol val="none"/>
+          </c:marker>
+          <c:cat>
+            <c:numRef>
+              <c:f>Graphics!$C$45:$C$55</c:f>
+              <c:numCache>
+                <c:formatCode>0%</c:formatCode>
+                <c:ptCount val="11"/>
+                <c:pt idx="0">
+                  <c:v>0</c:v>
+                </c:pt>
+                <c:pt idx="1">
+                  <c:v>0.1</c:v>
+                </c:pt>
+                <c:pt idx="2">
+                  <c:v>0.2</c:v>
+                </c:pt>
+                <c:pt idx="3">
+                  <c:v>0.3</c:v>
+                </c:pt>
+                <c:pt idx="4">
+                  <c:v>0.4</c:v>
+                </c:pt>
+                <c:pt idx="5">
+                  <c:v>0.5</c:v>
+                </c:pt>
+                <c:pt idx="6">
+                  <c:v>0.6</c:v>
+                </c:pt>
+                <c:pt idx="7">
+                  <c:v>0.7</c:v>
+                </c:pt>
+                <c:pt idx="8">
+                  <c:v>0.8</c:v>
+                </c:pt>
+                <c:pt idx="9">
+                  <c:v>0.9</c:v>
+                </c:pt>
+                <c:pt idx="10">
+                  <c:v>1</c:v>
+                </c:pt>
+              </c:numCache>
+            </c:numRef>
+          </c:cat>
+          <c:val>
+            <c:numRef>
+              <c:f>Graphics!$G$45:$G$53</c:f>
+              <c:numCache>
+                <c:formatCode>General</c:formatCode>
+                <c:ptCount val="9"/>
+                <c:pt idx="0">
+                  <c:v>205</c:v>
+                </c:pt>
+                <c:pt idx="1">
+                  <c:v>425.00000000000006</c:v>
+                </c:pt>
+                <c:pt idx="2">
+                  <c:v>645.00000000000011</c:v>
+                </c:pt>
+                <c:pt idx="3">
+                  <c:v>865.00000000000011</c:v>
+                </c:pt>
+                <c:pt idx="4">
+                  <c:v>1085</c:v>
+                </c:pt>
+                <c:pt idx="5">
+                  <c:v>1305</c:v>
+                </c:pt>
+                <c:pt idx="6">
+                  <c:v>1525</c:v>
+                </c:pt>
+                <c:pt idx="7">
+                  <c:v>1745</c:v>
+                </c:pt>
+                <c:pt idx="8">
+                  <c:v>1965.0000000000002</c:v>
+                </c:pt>
+              </c:numCache>
+            </c:numRef>
+          </c:val>
+          <c:smooth val="0"/>
+          <c:extLst>
+            <c:ext xmlns:c16="http://schemas.microsoft.com/office/drawing/2014/chart" uri="{C3380CC4-5D6E-409C-BE32-E72D297353CC}">
+              <c16:uniqueId val="{00000001-473D-4088-B457-23F6D1A5A7BC}"/>
+            </c:ext>
+          </c:extLst>
+        </c:ser>
+        <c:ser>
+          <c:idx val="2"/>
+          <c:order val="2"/>
+          <c:tx>
+            <c:strRef>
+              <c:f>Graphics!$H$44</c:f>
+              <c:strCache>
+                <c:ptCount val="1"/>
+                <c:pt idx="0">
+                  <c:v>Basic</c:v>
+                </c:pt>
+              </c:strCache>
+            </c:strRef>
+          </c:tx>
+          <c:spPr>
+            <a:ln w="28575" cap="rnd">
+              <a:solidFill>
+                <a:schemeClr val="accent3"/>
+              </a:solidFill>
+              <a:round/>
+            </a:ln>
+            <a:effectLst/>
+          </c:spPr>
+          <c:marker>
+            <c:symbol val="none"/>
+          </c:marker>
+          <c:cat>
+            <c:numRef>
+              <c:f>Graphics!$C$45:$C$55</c:f>
+              <c:numCache>
+                <c:formatCode>0%</c:formatCode>
+                <c:ptCount val="11"/>
+                <c:pt idx="0">
+                  <c:v>0</c:v>
+                </c:pt>
+                <c:pt idx="1">
+                  <c:v>0.1</c:v>
+                </c:pt>
+                <c:pt idx="2">
+                  <c:v>0.2</c:v>
+                </c:pt>
+                <c:pt idx="3">
+                  <c:v>0.3</c:v>
+                </c:pt>
+                <c:pt idx="4">
+                  <c:v>0.4</c:v>
+                </c:pt>
+                <c:pt idx="5">
+                  <c:v>0.5</c:v>
+                </c:pt>
+                <c:pt idx="6">
+                  <c:v>0.6</c:v>
+                </c:pt>
+                <c:pt idx="7">
+                  <c:v>0.7</c:v>
+                </c:pt>
+                <c:pt idx="8">
+                  <c:v>0.8</c:v>
+                </c:pt>
+                <c:pt idx="9">
+                  <c:v>0.9</c:v>
+                </c:pt>
+                <c:pt idx="10">
+                  <c:v>1</c:v>
+                </c:pt>
+              </c:numCache>
+            </c:numRef>
+          </c:cat>
+          <c:val>
+            <c:numRef>
+              <c:f>Graphics!$H$45:$H$53</c:f>
+              <c:numCache>
+                <c:formatCode>General</c:formatCode>
+                <c:ptCount val="9"/>
+                <c:pt idx="0">
+                  <c:v>55</c:v>
+                </c:pt>
+                <c:pt idx="1">
+                  <c:v>110.00000000000001</c:v>
+                </c:pt>
+                <c:pt idx="2">
+                  <c:v>165.00000000000003</c:v>
+                </c:pt>
+                <c:pt idx="3">
+                  <c:v>220.00000000000003</c:v>
+                </c:pt>
+                <c:pt idx="4">
+                  <c:v>275</c:v>
+                </c:pt>
+                <c:pt idx="5">
+                  <c:v>330</c:v>
+                </c:pt>
+                <c:pt idx="6">
+                  <c:v>385</c:v>
+                </c:pt>
+                <c:pt idx="7">
+                  <c:v>440</c:v>
+                </c:pt>
+                <c:pt idx="8">
+                  <c:v>495.00000000000006</c:v>
+                </c:pt>
+              </c:numCache>
+            </c:numRef>
+          </c:val>
+          <c:smooth val="0"/>
+          <c:extLst>
+            <c:ext xmlns:c16="http://schemas.microsoft.com/office/drawing/2014/chart" uri="{C3380CC4-5D6E-409C-BE32-E72D297353CC}">
+              <c16:uniqueId val="{00000002-473D-4088-B457-23F6D1A5A7BC}"/>
+            </c:ext>
+          </c:extLst>
+        </c:ser>
+        <c:dLbls>
+          <c:showLegendKey val="0"/>
+          <c:showVal val="0"/>
+          <c:showCatName val="0"/>
+          <c:showSerName val="0"/>
+          <c:showPercent val="0"/>
+          <c:showBubbleSize val="0"/>
+        </c:dLbls>
+        <c:smooth val="0"/>
+        <c:axId val="248204016"/>
+        <c:axId val="866921584"/>
+      </c:lineChart>
+      <c:catAx>
+        <c:axId val="248204016"/>
+        <c:scaling>
+          <c:orientation val="minMax"/>
+        </c:scaling>
+        <c:delete val="0"/>
+        <c:axPos val="b"/>
+        <c:title>
+          <c:tx>
+            <c:rich>
+              <a:bodyPr rot="0" spcFirstLastPara="1" vertOverflow="ellipsis" vert="horz" wrap="square" anchor="ctr" anchorCtr="1"/>
+              <a:lstStyle/>
+              <a:p>
+                <a:pPr>
+                  <a:defRPr sz="1400" b="0" i="0" u="none" strike="noStrike" kern="1200" baseline="0">
+                    <a:solidFill>
+                      <a:schemeClr val="tx1">
+                        <a:lumMod val="65000"/>
+                        <a:lumOff val="35000"/>
+                      </a:schemeClr>
+                    </a:solidFill>
+                    <a:latin typeface="+mn-lt"/>
+                    <a:ea typeface="+mn-ea"/>
+                    <a:cs typeface="+mn-cs"/>
+                  </a:defRPr>
+                </a:pPr>
+                <a:r>
+                  <a:rPr lang="fr-CH"/>
+                  <a:t>Probability of being late</a:t>
+                </a:r>
+              </a:p>
+            </c:rich>
+          </c:tx>
+          <c:overlay val="0"/>
+          <c:spPr>
+            <a:noFill/>
+            <a:ln>
+              <a:noFill/>
+            </a:ln>
+            <a:effectLst/>
+          </c:spPr>
+          <c:txPr>
+            <a:bodyPr rot="0" spcFirstLastPara="1" vertOverflow="ellipsis" vert="horz" wrap="square" anchor="ctr" anchorCtr="1"/>
+            <a:lstStyle/>
+            <a:p>
+              <a:pPr>
+                <a:defRPr sz="1400" b="0" i="0" u="none" strike="noStrike" kern="1200" baseline="0">
+                  <a:solidFill>
+                    <a:schemeClr val="tx1">
+                      <a:lumMod val="65000"/>
+                      <a:lumOff val="35000"/>
+                    </a:schemeClr>
+                  </a:solidFill>
+                  <a:latin typeface="+mn-lt"/>
+                  <a:ea typeface="+mn-ea"/>
+                  <a:cs typeface="+mn-cs"/>
+                </a:defRPr>
+              </a:pPr>
+              <a:endParaRPr lang="fr-FR"/>
+            </a:p>
+          </c:txPr>
+        </c:title>
+        <c:numFmt formatCode="0%" sourceLinked="1"/>
+        <c:majorTickMark val="none"/>
+        <c:minorTickMark val="none"/>
+        <c:tickLblPos val="nextTo"/>
+        <c:spPr>
+          <a:noFill/>
+          <a:ln w="9525" cap="flat" cmpd="sng" algn="ctr">
+            <a:solidFill>
+              <a:schemeClr val="tx1">
+                <a:lumMod val="15000"/>
+                <a:lumOff val="85000"/>
+              </a:schemeClr>
+            </a:solidFill>
+            <a:round/>
+          </a:ln>
+          <a:effectLst/>
+        </c:spPr>
+        <c:txPr>
+          <a:bodyPr rot="-60000000" spcFirstLastPara="1" vertOverflow="ellipsis" vert="horz" wrap="square" anchor="ctr" anchorCtr="1"/>
+          <a:lstStyle/>
+          <a:p>
+            <a:pPr>
+              <a:defRPr sz="1400" b="0" i="0" u="none" strike="noStrike" kern="1200" baseline="0">
+                <a:solidFill>
+                  <a:schemeClr val="tx1">
+                    <a:lumMod val="65000"/>
+                    <a:lumOff val="35000"/>
+                  </a:schemeClr>
+                </a:solidFill>
+                <a:latin typeface="+mn-lt"/>
+                <a:ea typeface="+mn-ea"/>
+                <a:cs typeface="+mn-cs"/>
+              </a:defRPr>
+            </a:pPr>
+            <a:endParaRPr lang="fr-FR"/>
+          </a:p>
+        </c:txPr>
+        <c:crossAx val="866921584"/>
+        <c:crosses val="autoZero"/>
+        <c:auto val="1"/>
+        <c:lblAlgn val="ctr"/>
+        <c:lblOffset val="100"/>
+        <c:tickLblSkip val="2"/>
+        <c:tickMarkSkip val="1"/>
+        <c:noMultiLvlLbl val="0"/>
+      </c:catAx>
+      <c:valAx>
+        <c:axId val="866921584"/>
+        <c:scaling>
+          <c:orientation val="minMax"/>
+          <c:max val="8000"/>
+        </c:scaling>
+        <c:delete val="0"/>
+        <c:axPos val="l"/>
+        <c:majorGridlines>
+          <c:spPr>
+            <a:ln w="9525" cap="flat" cmpd="sng" algn="ctr">
+              <a:solidFill>
+                <a:schemeClr val="tx1">
+                  <a:lumMod val="15000"/>
+                  <a:lumOff val="85000"/>
+                </a:schemeClr>
+              </a:solidFill>
+              <a:round/>
+            </a:ln>
+            <a:effectLst/>
+          </c:spPr>
+        </c:majorGridlines>
+        <c:title>
+          <c:tx>
+            <c:rich>
+              <a:bodyPr rot="-5400000" spcFirstLastPara="1" vertOverflow="ellipsis" vert="horz" wrap="square" anchor="ctr" anchorCtr="1"/>
+              <a:lstStyle/>
+              <a:p>
+                <a:pPr>
+                  <a:defRPr sz="1400" b="0" i="0" u="none" strike="noStrike" kern="1200" baseline="0">
+                    <a:solidFill>
+                      <a:schemeClr val="tx1">
+                        <a:lumMod val="65000"/>
+                        <a:lumOff val="35000"/>
+                      </a:schemeClr>
+                    </a:solidFill>
+                    <a:latin typeface="+mn-lt"/>
+                    <a:ea typeface="+mn-ea"/>
+                    <a:cs typeface="+mn-cs"/>
+                  </a:defRPr>
+                </a:pPr>
+                <a:r>
+                  <a:rPr lang="fr-CH"/>
+                  <a:t>Premium amount [CHF]</a:t>
+                </a:r>
+              </a:p>
+            </c:rich>
+          </c:tx>
+          <c:overlay val="0"/>
+          <c:spPr>
+            <a:noFill/>
+            <a:ln>
+              <a:noFill/>
+            </a:ln>
+            <a:effectLst/>
+          </c:spPr>
+          <c:txPr>
+            <a:bodyPr rot="-5400000" spcFirstLastPara="1" vertOverflow="ellipsis" vert="horz" wrap="square" anchor="ctr" anchorCtr="1"/>
+            <a:lstStyle/>
+            <a:p>
+              <a:pPr>
+                <a:defRPr sz="1400" b="0" i="0" u="none" strike="noStrike" kern="1200" baseline="0">
+                  <a:solidFill>
+                    <a:schemeClr val="tx1">
+                      <a:lumMod val="65000"/>
+                      <a:lumOff val="35000"/>
+                    </a:schemeClr>
+                  </a:solidFill>
+                  <a:latin typeface="+mn-lt"/>
+                  <a:ea typeface="+mn-ea"/>
+                  <a:cs typeface="+mn-cs"/>
+                </a:defRPr>
+              </a:pPr>
+              <a:endParaRPr lang="fr-FR"/>
+            </a:p>
+          </c:txPr>
+        </c:title>
+        <c:numFmt formatCode="General" sourceLinked="1"/>
+        <c:majorTickMark val="none"/>
+        <c:minorTickMark val="none"/>
+        <c:tickLblPos val="nextTo"/>
+        <c:spPr>
+          <a:noFill/>
+          <a:ln>
+            <a:noFill/>
+          </a:ln>
+          <a:effectLst/>
+        </c:spPr>
+        <c:txPr>
+          <a:bodyPr rot="-60000000" spcFirstLastPara="1" vertOverflow="ellipsis" vert="horz" wrap="square" anchor="ctr" anchorCtr="1"/>
+          <a:lstStyle/>
+          <a:p>
+            <a:pPr>
+              <a:defRPr sz="1400" b="0" i="0" u="none" strike="noStrike" kern="1200" baseline="0">
+                <a:solidFill>
+                  <a:schemeClr val="tx1">
+                    <a:lumMod val="65000"/>
+                    <a:lumOff val="35000"/>
+                  </a:schemeClr>
+                </a:solidFill>
+                <a:latin typeface="+mn-lt"/>
+                <a:ea typeface="+mn-ea"/>
+                <a:cs typeface="+mn-cs"/>
+              </a:defRPr>
+            </a:pPr>
+            <a:endParaRPr lang="fr-FR"/>
+          </a:p>
+        </c:txPr>
+        <c:crossAx val="248204016"/>
+        <c:crosses val="autoZero"/>
+        <c:crossBetween val="between"/>
+      </c:valAx>
+      <c:spPr>
+        <a:noFill/>
+        <a:ln>
+          <a:noFill/>
+        </a:ln>
+        <a:effectLst/>
+      </c:spPr>
+    </c:plotArea>
+    <c:legend>
+      <c:legendPos val="r"/>
+      <c:overlay val="0"/>
+      <c:spPr>
+        <a:noFill/>
+        <a:ln>
+          <a:noFill/>
+        </a:ln>
+        <a:effectLst/>
+      </c:spPr>
+      <c:txPr>
+        <a:bodyPr rot="0" spcFirstLastPara="1" vertOverflow="ellipsis" vert="horz" wrap="square" anchor="ctr" anchorCtr="1"/>
+        <a:lstStyle/>
+        <a:p>
+          <a:pPr>
+            <a:defRPr sz="1400" b="0" i="0" u="none" strike="noStrike" kern="1200" baseline="0">
+              <a:solidFill>
+                <a:schemeClr val="tx1">
+                  <a:lumMod val="65000"/>
+                  <a:lumOff val="35000"/>
+                </a:schemeClr>
+              </a:solidFill>
+              <a:latin typeface="+mn-lt"/>
+              <a:ea typeface="+mn-ea"/>
+              <a:cs typeface="+mn-cs"/>
+            </a:defRPr>
+          </a:pPr>
+          <a:endParaRPr lang="fr-FR"/>
+        </a:p>
+      </c:txPr>
+    </c:legend>
+    <c:plotVisOnly val="1"/>
+    <c:dispBlanksAs val="gap"/>
+    <c:showDLblsOverMax val="0"/>
+  </c:chart>
+  <c:spPr>
+    <a:noFill/>
+    <a:ln>
+      <a:noFill/>
+    </a:ln>
+    <a:effectLst/>
+  </c:spPr>
+  <c:txPr>
+    <a:bodyPr/>
+    <a:lstStyle/>
+    <a:p>
+      <a:pPr>
+        <a:defRPr sz="1400"/>
+      </a:pPr>
+      <a:endParaRPr lang="fr-FR"/>
+    </a:p>
+  </c:txPr>
+  <c:externalData r:id="rId3">
+    <c:autoUpdate val="0"/>
+  </c:externalData>
+  <c:userShapes r:id="rId4"/>
 </c:chartSpace>
 </file>
 
@@ -2885,6 +3595,46 @@
 </file>
 
 <file path=ppt/charts/colors5.xml><?xml version="1.0" encoding="utf-8"?>
+<cs:colorStyle xmlns:cs="http://schemas.microsoft.com/office/drawing/2012/chartStyle" xmlns:a="http://schemas.openxmlformats.org/drawingml/2006/main" meth="cycle" id="10">
+  <a:schemeClr val="accent1"/>
+  <a:schemeClr val="accent2"/>
+  <a:schemeClr val="accent3"/>
+  <a:schemeClr val="accent4"/>
+  <a:schemeClr val="accent5"/>
+  <a:schemeClr val="accent6"/>
+  <cs:variation/>
+  <cs:variation>
+    <a:lumMod val="60000"/>
+  </cs:variation>
+  <cs:variation>
+    <a:lumMod val="80000"/>
+    <a:lumOff val="20000"/>
+  </cs:variation>
+  <cs:variation>
+    <a:lumMod val="80000"/>
+  </cs:variation>
+  <cs:variation>
+    <a:lumMod val="60000"/>
+    <a:lumOff val="40000"/>
+  </cs:variation>
+  <cs:variation>
+    <a:lumMod val="50000"/>
+  </cs:variation>
+  <cs:variation>
+    <a:lumMod val="70000"/>
+    <a:lumOff val="30000"/>
+  </cs:variation>
+  <cs:variation>
+    <a:lumMod val="70000"/>
+  </cs:variation>
+  <cs:variation>
+    <a:lumMod val="50000"/>
+    <a:lumOff val="50000"/>
+  </cs:variation>
+</cs:colorStyle>
+</file>
+
+<file path=ppt/charts/colors6.xml><?xml version="1.0" encoding="utf-8"?>
 <cs:colorStyle xmlns:cs="http://schemas.microsoft.com/office/drawing/2012/chartStyle" xmlns:a="http://schemas.openxmlformats.org/drawingml/2006/main" meth="cycle" id="10">
   <a:schemeClr val="accent1"/>
   <a:schemeClr val="accent2"/>
@@ -5452,7 +6202,1270 @@
 </cs:chartStyle>
 </file>
 
+<file path=ppt/charts/style6.xml><?xml version="1.0" encoding="utf-8"?>
+<cs:chartStyle xmlns:cs="http://schemas.microsoft.com/office/drawing/2012/chartStyle" xmlns:a="http://schemas.openxmlformats.org/drawingml/2006/main" id="227">
+  <cs:axisTitle>
+    <cs:lnRef idx="0"/>
+    <cs:fillRef idx="0"/>
+    <cs:effectRef idx="0"/>
+    <cs:fontRef idx="minor">
+      <a:schemeClr val="tx1">
+        <a:lumMod val="65000"/>
+        <a:lumOff val="35000"/>
+      </a:schemeClr>
+    </cs:fontRef>
+    <cs:defRPr sz="1000" kern="1200"/>
+  </cs:axisTitle>
+  <cs:categoryAxis>
+    <cs:lnRef idx="0"/>
+    <cs:fillRef idx="0"/>
+    <cs:effectRef idx="0"/>
+    <cs:fontRef idx="minor">
+      <a:schemeClr val="tx1">
+        <a:lumMod val="65000"/>
+        <a:lumOff val="35000"/>
+      </a:schemeClr>
+    </cs:fontRef>
+    <cs:spPr>
+      <a:ln w="9525" cap="flat" cmpd="sng" algn="ctr">
+        <a:solidFill>
+          <a:schemeClr val="tx1">
+            <a:lumMod val="15000"/>
+            <a:lumOff val="85000"/>
+          </a:schemeClr>
+        </a:solidFill>
+        <a:round/>
+      </a:ln>
+    </cs:spPr>
+    <cs:defRPr sz="900" kern="1200"/>
+  </cs:categoryAxis>
+  <cs:chartArea mods="allowNoFillOverride allowNoLineOverride">
+    <cs:lnRef idx="0"/>
+    <cs:fillRef idx="0"/>
+    <cs:effectRef idx="0"/>
+    <cs:fontRef idx="minor">
+      <a:schemeClr val="tx1"/>
+    </cs:fontRef>
+    <cs:spPr>
+      <a:solidFill>
+        <a:schemeClr val="bg1"/>
+      </a:solidFill>
+      <a:ln w="9525" cap="flat" cmpd="sng" algn="ctr">
+        <a:solidFill>
+          <a:schemeClr val="tx1">
+            <a:lumMod val="15000"/>
+            <a:lumOff val="85000"/>
+          </a:schemeClr>
+        </a:solidFill>
+        <a:round/>
+      </a:ln>
+    </cs:spPr>
+    <cs:defRPr sz="1000" kern="1200"/>
+  </cs:chartArea>
+  <cs:dataLabel>
+    <cs:lnRef idx="0"/>
+    <cs:fillRef idx="0"/>
+    <cs:effectRef idx="0"/>
+    <cs:fontRef idx="minor">
+      <a:schemeClr val="tx1">
+        <a:lumMod val="75000"/>
+        <a:lumOff val="25000"/>
+      </a:schemeClr>
+    </cs:fontRef>
+    <cs:defRPr sz="900" kern="1200"/>
+  </cs:dataLabel>
+  <cs:dataLabelCallout>
+    <cs:lnRef idx="0"/>
+    <cs:fillRef idx="0"/>
+    <cs:effectRef idx="0"/>
+    <cs:fontRef idx="minor">
+      <a:schemeClr val="dk1">
+        <a:lumMod val="65000"/>
+        <a:lumOff val="35000"/>
+      </a:schemeClr>
+    </cs:fontRef>
+    <cs:spPr>
+      <a:solidFill>
+        <a:schemeClr val="lt1"/>
+      </a:solidFill>
+      <a:ln>
+        <a:solidFill>
+          <a:schemeClr val="dk1">
+            <a:lumMod val="25000"/>
+            <a:lumOff val="75000"/>
+          </a:schemeClr>
+        </a:solidFill>
+      </a:ln>
+    </cs:spPr>
+    <cs:defRPr sz="900" kern="1200"/>
+    <cs:bodyPr rot="0" spcFirstLastPara="1" vertOverflow="clip" horzOverflow="clip" vert="horz" wrap="square" lIns="36576" tIns="18288" rIns="36576" bIns="18288" anchor="ctr" anchorCtr="1">
+      <a:spAutoFit/>
+    </cs:bodyPr>
+  </cs:dataLabelCallout>
+  <cs:dataPoint>
+    <cs:lnRef idx="0"/>
+    <cs:fillRef idx="1">
+      <cs:styleClr val="auto"/>
+    </cs:fillRef>
+    <cs:effectRef idx="0"/>
+    <cs:fontRef idx="minor">
+      <a:schemeClr val="tx1"/>
+    </cs:fontRef>
+    <cs:spPr>
+      <a:solidFill>
+        <a:schemeClr val="phClr"/>
+      </a:solidFill>
+    </cs:spPr>
+  </cs:dataPoint>
+  <cs:dataPoint3D>
+    <cs:lnRef idx="0"/>
+    <cs:fillRef idx="1">
+      <cs:styleClr val="auto"/>
+    </cs:fillRef>
+    <cs:effectRef idx="0"/>
+    <cs:fontRef idx="minor">
+      <a:schemeClr val="tx1"/>
+    </cs:fontRef>
+    <cs:spPr>
+      <a:solidFill>
+        <a:schemeClr val="phClr"/>
+      </a:solidFill>
+    </cs:spPr>
+  </cs:dataPoint3D>
+  <cs:dataPointLine>
+    <cs:lnRef idx="0">
+      <cs:styleClr val="auto"/>
+    </cs:lnRef>
+    <cs:fillRef idx="1"/>
+    <cs:effectRef idx="0"/>
+    <cs:fontRef idx="minor">
+      <a:schemeClr val="tx1"/>
+    </cs:fontRef>
+    <cs:spPr>
+      <a:ln w="28575" cap="rnd">
+        <a:solidFill>
+          <a:schemeClr val="phClr"/>
+        </a:solidFill>
+        <a:round/>
+      </a:ln>
+    </cs:spPr>
+  </cs:dataPointLine>
+  <cs:dataPointMarker>
+    <cs:lnRef idx="0">
+      <cs:styleClr val="auto"/>
+    </cs:lnRef>
+    <cs:fillRef idx="1">
+      <cs:styleClr val="auto"/>
+    </cs:fillRef>
+    <cs:effectRef idx="0"/>
+    <cs:fontRef idx="minor">
+      <a:schemeClr val="tx1"/>
+    </cs:fontRef>
+    <cs:spPr>
+      <a:solidFill>
+        <a:schemeClr val="phClr"/>
+      </a:solidFill>
+      <a:ln w="9525">
+        <a:solidFill>
+          <a:schemeClr val="phClr"/>
+        </a:solidFill>
+      </a:ln>
+    </cs:spPr>
+  </cs:dataPointMarker>
+  <cs:dataPointMarkerLayout symbol="circle" size="5"/>
+  <cs:dataPointWireframe>
+    <cs:lnRef idx="0">
+      <cs:styleClr val="auto"/>
+    </cs:lnRef>
+    <cs:fillRef idx="1"/>
+    <cs:effectRef idx="0"/>
+    <cs:fontRef idx="minor">
+      <a:schemeClr val="tx1"/>
+    </cs:fontRef>
+    <cs:spPr>
+      <a:ln w="9525" cap="rnd">
+        <a:solidFill>
+          <a:schemeClr val="phClr"/>
+        </a:solidFill>
+        <a:round/>
+      </a:ln>
+    </cs:spPr>
+  </cs:dataPointWireframe>
+  <cs:dataTable>
+    <cs:lnRef idx="0"/>
+    <cs:fillRef idx="0"/>
+    <cs:effectRef idx="0"/>
+    <cs:fontRef idx="minor">
+      <a:schemeClr val="tx1">
+        <a:lumMod val="65000"/>
+        <a:lumOff val="35000"/>
+      </a:schemeClr>
+    </cs:fontRef>
+    <cs:spPr>
+      <a:noFill/>
+      <a:ln w="9525" cap="flat" cmpd="sng" algn="ctr">
+        <a:solidFill>
+          <a:schemeClr val="tx1">
+            <a:lumMod val="15000"/>
+            <a:lumOff val="85000"/>
+          </a:schemeClr>
+        </a:solidFill>
+        <a:round/>
+      </a:ln>
+    </cs:spPr>
+    <cs:defRPr sz="900" kern="1200"/>
+  </cs:dataTable>
+  <cs:downBar>
+    <cs:lnRef idx="0"/>
+    <cs:fillRef idx="0"/>
+    <cs:effectRef idx="0"/>
+    <cs:fontRef idx="minor">
+      <a:schemeClr val="dk1"/>
+    </cs:fontRef>
+    <cs:spPr>
+      <a:solidFill>
+        <a:schemeClr val="dk1">
+          <a:lumMod val="65000"/>
+          <a:lumOff val="35000"/>
+        </a:schemeClr>
+      </a:solidFill>
+      <a:ln w="9525">
+        <a:solidFill>
+          <a:schemeClr val="tx1">
+            <a:lumMod val="65000"/>
+            <a:lumOff val="35000"/>
+          </a:schemeClr>
+        </a:solidFill>
+      </a:ln>
+    </cs:spPr>
+  </cs:downBar>
+  <cs:dropLine>
+    <cs:lnRef idx="0"/>
+    <cs:fillRef idx="0"/>
+    <cs:effectRef idx="0"/>
+    <cs:fontRef idx="minor">
+      <a:schemeClr val="tx1"/>
+    </cs:fontRef>
+    <cs:spPr>
+      <a:ln w="9525" cap="flat" cmpd="sng" algn="ctr">
+        <a:solidFill>
+          <a:schemeClr val="tx1">
+            <a:lumMod val="35000"/>
+            <a:lumOff val="65000"/>
+          </a:schemeClr>
+        </a:solidFill>
+        <a:round/>
+      </a:ln>
+    </cs:spPr>
+  </cs:dropLine>
+  <cs:errorBar>
+    <cs:lnRef idx="0"/>
+    <cs:fillRef idx="0"/>
+    <cs:effectRef idx="0"/>
+    <cs:fontRef idx="minor">
+      <a:schemeClr val="tx1"/>
+    </cs:fontRef>
+    <cs:spPr>
+      <a:ln w="9525" cap="flat" cmpd="sng" algn="ctr">
+        <a:solidFill>
+          <a:schemeClr val="tx1">
+            <a:lumMod val="65000"/>
+            <a:lumOff val="35000"/>
+          </a:schemeClr>
+        </a:solidFill>
+        <a:round/>
+      </a:ln>
+    </cs:spPr>
+  </cs:errorBar>
+  <cs:floor>
+    <cs:lnRef idx="0"/>
+    <cs:fillRef idx="0"/>
+    <cs:effectRef idx="0"/>
+    <cs:fontRef idx="minor">
+      <a:schemeClr val="tx1"/>
+    </cs:fontRef>
+    <cs:spPr>
+      <a:noFill/>
+      <a:ln>
+        <a:noFill/>
+      </a:ln>
+    </cs:spPr>
+  </cs:floor>
+  <cs:gridlineMajor>
+    <cs:lnRef idx="0"/>
+    <cs:fillRef idx="0"/>
+    <cs:effectRef idx="0"/>
+    <cs:fontRef idx="minor">
+      <a:schemeClr val="tx1"/>
+    </cs:fontRef>
+    <cs:spPr>
+      <a:ln w="9525" cap="flat" cmpd="sng" algn="ctr">
+        <a:solidFill>
+          <a:schemeClr val="tx1">
+            <a:lumMod val="15000"/>
+            <a:lumOff val="85000"/>
+          </a:schemeClr>
+        </a:solidFill>
+        <a:round/>
+      </a:ln>
+    </cs:spPr>
+  </cs:gridlineMajor>
+  <cs:gridlineMinor>
+    <cs:lnRef idx="0"/>
+    <cs:fillRef idx="0"/>
+    <cs:effectRef idx="0"/>
+    <cs:fontRef idx="minor">
+      <a:schemeClr val="tx1"/>
+    </cs:fontRef>
+    <cs:spPr>
+      <a:ln w="9525" cap="flat" cmpd="sng" algn="ctr">
+        <a:solidFill>
+          <a:schemeClr val="tx1">
+            <a:lumMod val="5000"/>
+            <a:lumOff val="95000"/>
+          </a:schemeClr>
+        </a:solidFill>
+        <a:round/>
+      </a:ln>
+    </cs:spPr>
+  </cs:gridlineMinor>
+  <cs:hiLoLine>
+    <cs:lnRef idx="0"/>
+    <cs:fillRef idx="0"/>
+    <cs:effectRef idx="0"/>
+    <cs:fontRef idx="minor">
+      <a:schemeClr val="tx1"/>
+    </cs:fontRef>
+    <cs:spPr>
+      <a:ln w="9525" cap="flat" cmpd="sng" algn="ctr">
+        <a:solidFill>
+          <a:schemeClr val="tx1">
+            <a:lumMod val="75000"/>
+            <a:lumOff val="25000"/>
+          </a:schemeClr>
+        </a:solidFill>
+        <a:round/>
+      </a:ln>
+    </cs:spPr>
+  </cs:hiLoLine>
+  <cs:leaderLine>
+    <cs:lnRef idx="0"/>
+    <cs:fillRef idx="0"/>
+    <cs:effectRef idx="0"/>
+    <cs:fontRef idx="minor">
+      <a:schemeClr val="tx1"/>
+    </cs:fontRef>
+    <cs:spPr>
+      <a:ln w="9525" cap="flat" cmpd="sng" algn="ctr">
+        <a:solidFill>
+          <a:schemeClr val="tx1">
+            <a:lumMod val="35000"/>
+            <a:lumOff val="65000"/>
+          </a:schemeClr>
+        </a:solidFill>
+        <a:round/>
+      </a:ln>
+    </cs:spPr>
+  </cs:leaderLine>
+  <cs:legend>
+    <cs:lnRef idx="0"/>
+    <cs:fillRef idx="0"/>
+    <cs:effectRef idx="0"/>
+    <cs:fontRef idx="minor">
+      <a:schemeClr val="tx1">
+        <a:lumMod val="65000"/>
+        <a:lumOff val="35000"/>
+      </a:schemeClr>
+    </cs:fontRef>
+    <cs:defRPr sz="900" kern="1200"/>
+  </cs:legend>
+  <cs:plotArea mods="allowNoFillOverride allowNoLineOverride">
+    <cs:lnRef idx="0"/>
+    <cs:fillRef idx="0"/>
+    <cs:effectRef idx="0"/>
+    <cs:fontRef idx="minor">
+      <a:schemeClr val="tx1"/>
+    </cs:fontRef>
+  </cs:plotArea>
+  <cs:plotArea3D mods="allowNoFillOverride allowNoLineOverride">
+    <cs:lnRef idx="0"/>
+    <cs:fillRef idx="0"/>
+    <cs:effectRef idx="0"/>
+    <cs:fontRef idx="minor">
+      <a:schemeClr val="tx1"/>
+    </cs:fontRef>
+  </cs:plotArea3D>
+  <cs:seriesAxis>
+    <cs:lnRef idx="0"/>
+    <cs:fillRef idx="0"/>
+    <cs:effectRef idx="0"/>
+    <cs:fontRef idx="minor">
+      <a:schemeClr val="tx1">
+        <a:lumMod val="65000"/>
+        <a:lumOff val="35000"/>
+      </a:schemeClr>
+    </cs:fontRef>
+    <cs:defRPr sz="900" kern="1200"/>
+  </cs:seriesAxis>
+  <cs:seriesLine>
+    <cs:lnRef idx="0"/>
+    <cs:fillRef idx="0"/>
+    <cs:effectRef idx="0"/>
+    <cs:fontRef idx="minor">
+      <a:schemeClr val="tx1"/>
+    </cs:fontRef>
+    <cs:spPr>
+      <a:ln w="9525" cap="flat" cmpd="sng" algn="ctr">
+        <a:solidFill>
+          <a:schemeClr val="tx1">
+            <a:lumMod val="35000"/>
+            <a:lumOff val="65000"/>
+          </a:schemeClr>
+        </a:solidFill>
+        <a:round/>
+      </a:ln>
+    </cs:spPr>
+  </cs:seriesLine>
+  <cs:title>
+    <cs:lnRef idx="0"/>
+    <cs:fillRef idx="0"/>
+    <cs:effectRef idx="0"/>
+    <cs:fontRef idx="minor">
+      <a:schemeClr val="tx1">
+        <a:lumMod val="65000"/>
+        <a:lumOff val="35000"/>
+      </a:schemeClr>
+    </cs:fontRef>
+    <cs:defRPr sz="1400" b="0" kern="1200" spc="0" baseline="0"/>
+  </cs:title>
+  <cs:trendline>
+    <cs:lnRef idx="0">
+      <cs:styleClr val="auto"/>
+    </cs:lnRef>
+    <cs:fillRef idx="0"/>
+    <cs:effectRef idx="0"/>
+    <cs:fontRef idx="minor">
+      <a:schemeClr val="tx1"/>
+    </cs:fontRef>
+    <cs:spPr>
+      <a:ln w="19050" cap="rnd">
+        <a:solidFill>
+          <a:schemeClr val="phClr"/>
+        </a:solidFill>
+        <a:prstDash val="sysDot"/>
+      </a:ln>
+    </cs:spPr>
+  </cs:trendline>
+  <cs:trendlineLabel>
+    <cs:lnRef idx="0"/>
+    <cs:fillRef idx="0"/>
+    <cs:effectRef idx="0"/>
+    <cs:fontRef idx="minor">
+      <a:schemeClr val="tx1">
+        <a:lumMod val="65000"/>
+        <a:lumOff val="35000"/>
+      </a:schemeClr>
+    </cs:fontRef>
+    <cs:defRPr sz="900" kern="1200"/>
+  </cs:trendlineLabel>
+  <cs:upBar>
+    <cs:lnRef idx="0"/>
+    <cs:fillRef idx="0"/>
+    <cs:effectRef idx="0"/>
+    <cs:fontRef idx="minor">
+      <a:schemeClr val="dk1"/>
+    </cs:fontRef>
+    <cs:spPr>
+      <a:solidFill>
+        <a:schemeClr val="lt1"/>
+      </a:solidFill>
+      <a:ln w="9525">
+        <a:solidFill>
+          <a:schemeClr val="tx1">
+            <a:lumMod val="15000"/>
+            <a:lumOff val="85000"/>
+          </a:schemeClr>
+        </a:solidFill>
+      </a:ln>
+    </cs:spPr>
+  </cs:upBar>
+  <cs:valueAxis>
+    <cs:lnRef idx="0"/>
+    <cs:fillRef idx="0"/>
+    <cs:effectRef idx="0"/>
+    <cs:fontRef idx="minor">
+      <a:schemeClr val="tx1">
+        <a:lumMod val="65000"/>
+        <a:lumOff val="35000"/>
+      </a:schemeClr>
+    </cs:fontRef>
+    <cs:defRPr sz="900" kern="1200"/>
+  </cs:valueAxis>
+  <cs:wall>
+    <cs:lnRef idx="0"/>
+    <cs:fillRef idx="0"/>
+    <cs:effectRef idx="0"/>
+    <cs:fontRef idx="minor">
+      <a:schemeClr val="tx1"/>
+    </cs:fontRef>
+    <cs:spPr>
+      <a:noFill/>
+      <a:ln>
+        <a:noFill/>
+      </a:ln>
+    </cs:spPr>
+  </cs:wall>
+</cs:chartStyle>
+</file>
+
 <file path=ppt/diagrams/colors1.xml><?xml version="1.0" encoding="utf-8"?>
+<dgm:colorsDef xmlns:dgm="http://schemas.openxmlformats.org/drawingml/2006/diagram" xmlns:a="http://schemas.openxmlformats.org/drawingml/2006/main" uniqueId="urn:microsoft.com/office/officeart/2005/8/colors/accent1_2">
+  <dgm:title val=""/>
+  <dgm:desc val=""/>
+  <dgm:catLst>
+    <dgm:cat type="accent1" pri="11200"/>
+  </dgm:catLst>
+  <dgm:styleLbl name="node0">
+    <dgm:fillClrLst meth="repeat">
+      <a:schemeClr val="accent1"/>
+    </dgm:fillClrLst>
+    <dgm:linClrLst meth="repeat">
+      <a:schemeClr val="lt1"/>
+    </dgm:linClrLst>
+    <dgm:effectClrLst/>
+    <dgm:txLinClrLst/>
+    <dgm:txFillClrLst/>
+    <dgm:txEffectClrLst/>
+  </dgm:styleLbl>
+  <dgm:styleLbl name="alignNode1">
+    <dgm:fillClrLst meth="repeat">
+      <a:schemeClr val="accent1"/>
+    </dgm:fillClrLst>
+    <dgm:linClrLst meth="repeat">
+      <a:schemeClr val="accent1"/>
+    </dgm:linClrLst>
+    <dgm:effectClrLst/>
+    <dgm:txLinClrLst/>
+    <dgm:txFillClrLst/>
+    <dgm:txEffectClrLst/>
+  </dgm:styleLbl>
+  <dgm:styleLbl name="node1">
+    <dgm:fillClrLst meth="repeat">
+      <a:schemeClr val="accent1"/>
+    </dgm:fillClrLst>
+    <dgm:linClrLst meth="repeat">
+      <a:schemeClr val="lt1"/>
+    </dgm:linClrLst>
+    <dgm:effectClrLst/>
+    <dgm:txLinClrLst/>
+    <dgm:txFillClrLst/>
+    <dgm:txEffectClrLst/>
+  </dgm:styleLbl>
+  <dgm:styleLbl name="lnNode1">
+    <dgm:fillClrLst meth="repeat">
+      <a:schemeClr val="accent1"/>
+    </dgm:fillClrLst>
+    <dgm:linClrLst meth="repeat">
+      <a:schemeClr val="lt1"/>
+    </dgm:linClrLst>
+    <dgm:effectClrLst/>
+    <dgm:txLinClrLst/>
+    <dgm:txFillClrLst/>
+    <dgm:txEffectClrLst/>
+  </dgm:styleLbl>
+  <dgm:styleLbl name="vennNode1">
+    <dgm:fillClrLst meth="repeat">
+      <a:schemeClr val="accent1">
+        <a:alpha val="50000"/>
+      </a:schemeClr>
+    </dgm:fillClrLst>
+    <dgm:linClrLst meth="repeat">
+      <a:schemeClr val="lt1"/>
+    </dgm:linClrLst>
+    <dgm:effectClrLst/>
+    <dgm:txLinClrLst/>
+    <dgm:txFillClrLst/>
+    <dgm:txEffectClrLst/>
+  </dgm:styleLbl>
+  <dgm:styleLbl name="node2">
+    <dgm:fillClrLst meth="repeat">
+      <a:schemeClr val="accent1"/>
+    </dgm:fillClrLst>
+    <dgm:linClrLst meth="repeat">
+      <a:schemeClr val="lt1"/>
+    </dgm:linClrLst>
+    <dgm:effectClrLst/>
+    <dgm:txLinClrLst/>
+    <dgm:txFillClrLst/>
+    <dgm:txEffectClrLst/>
+  </dgm:styleLbl>
+  <dgm:styleLbl name="node3">
+    <dgm:fillClrLst meth="repeat">
+      <a:schemeClr val="accent1"/>
+    </dgm:fillClrLst>
+    <dgm:linClrLst meth="repeat">
+      <a:schemeClr val="lt1"/>
+    </dgm:linClrLst>
+    <dgm:effectClrLst/>
+    <dgm:txLinClrLst/>
+    <dgm:txFillClrLst/>
+    <dgm:txEffectClrLst/>
+  </dgm:styleLbl>
+  <dgm:styleLbl name="node4">
+    <dgm:fillClrLst meth="repeat">
+      <a:schemeClr val="accent1"/>
+    </dgm:fillClrLst>
+    <dgm:linClrLst meth="repeat">
+      <a:schemeClr val="lt1"/>
+    </dgm:linClrLst>
+    <dgm:effectClrLst/>
+    <dgm:txLinClrLst/>
+    <dgm:txFillClrLst/>
+    <dgm:txEffectClrLst/>
+  </dgm:styleLbl>
+  <dgm:styleLbl name="fgImgPlace1">
+    <dgm:fillClrLst meth="repeat">
+      <a:schemeClr val="accent1">
+        <a:tint val="50000"/>
+      </a:schemeClr>
+    </dgm:fillClrLst>
+    <dgm:linClrLst meth="repeat">
+      <a:schemeClr val="lt1"/>
+    </dgm:linClrLst>
+    <dgm:effectClrLst/>
+    <dgm:txLinClrLst/>
+    <dgm:txFillClrLst meth="repeat">
+      <a:schemeClr val="lt1"/>
+    </dgm:txFillClrLst>
+    <dgm:txEffectClrLst/>
+  </dgm:styleLbl>
+  <dgm:styleLbl name="alignImgPlace1">
+    <dgm:fillClrLst meth="repeat">
+      <a:schemeClr val="accent1">
+        <a:tint val="50000"/>
+      </a:schemeClr>
+    </dgm:fillClrLst>
+    <dgm:linClrLst meth="repeat">
+      <a:schemeClr val="lt1"/>
+    </dgm:linClrLst>
+    <dgm:effectClrLst/>
+    <dgm:txLinClrLst/>
+    <dgm:txFillClrLst meth="repeat">
+      <a:schemeClr val="lt1"/>
+    </dgm:txFillClrLst>
+    <dgm:txEffectClrLst/>
+  </dgm:styleLbl>
+  <dgm:styleLbl name="bgImgPlace1">
+    <dgm:fillClrLst meth="repeat">
+      <a:schemeClr val="accent1">
+        <a:tint val="50000"/>
+      </a:schemeClr>
+    </dgm:fillClrLst>
+    <dgm:linClrLst meth="repeat">
+      <a:schemeClr val="lt1"/>
+    </dgm:linClrLst>
+    <dgm:effectClrLst/>
+    <dgm:txLinClrLst/>
+    <dgm:txFillClrLst meth="repeat">
+      <a:schemeClr val="lt1"/>
+    </dgm:txFillClrLst>
+    <dgm:txEffectClrLst/>
+  </dgm:styleLbl>
+  <dgm:styleLbl name="sibTrans2D1">
+    <dgm:fillClrLst meth="repeat">
+      <a:schemeClr val="accent1">
+        <a:tint val="60000"/>
+      </a:schemeClr>
+    </dgm:fillClrLst>
+    <dgm:linClrLst meth="repeat">
+      <a:schemeClr val="accent1">
+        <a:tint val="60000"/>
+      </a:schemeClr>
+    </dgm:linClrLst>
+    <dgm:effectClrLst/>
+    <dgm:txLinClrLst/>
+    <dgm:txFillClrLst/>
+    <dgm:txEffectClrLst/>
+  </dgm:styleLbl>
+  <dgm:styleLbl name="fgSibTrans2D1">
+    <dgm:fillClrLst meth="repeat">
+      <a:schemeClr val="accent1">
+        <a:tint val="60000"/>
+      </a:schemeClr>
+    </dgm:fillClrLst>
+    <dgm:linClrLst meth="repeat">
+      <a:schemeClr val="accent1">
+        <a:tint val="60000"/>
+      </a:schemeClr>
+    </dgm:linClrLst>
+    <dgm:effectClrLst/>
+    <dgm:txLinClrLst/>
+    <dgm:txFillClrLst/>
+    <dgm:txEffectClrLst/>
+  </dgm:styleLbl>
+  <dgm:styleLbl name="bgSibTrans2D1">
+    <dgm:fillClrLst meth="repeat">
+      <a:schemeClr val="accent1">
+        <a:tint val="60000"/>
+      </a:schemeClr>
+    </dgm:fillClrLst>
+    <dgm:linClrLst meth="repeat">
+      <a:schemeClr val="accent1">
+        <a:tint val="60000"/>
+      </a:schemeClr>
+    </dgm:linClrLst>
+    <dgm:effectClrLst/>
+    <dgm:txLinClrLst/>
+    <dgm:txFillClrLst/>
+    <dgm:txEffectClrLst/>
+  </dgm:styleLbl>
+  <dgm:styleLbl name="sibTrans1D1">
+    <dgm:fillClrLst meth="repeat">
+      <a:schemeClr val="accent1"/>
+    </dgm:fillClrLst>
+    <dgm:linClrLst meth="repeat">
+      <a:schemeClr val="accent1"/>
+    </dgm:linClrLst>
+    <dgm:effectClrLst/>
+    <dgm:txLinClrLst/>
+    <dgm:txFillClrLst meth="repeat">
+      <a:schemeClr val="tx1"/>
+    </dgm:txFillClrLst>
+    <dgm:txEffectClrLst/>
+  </dgm:styleLbl>
+  <dgm:styleLbl name="callout">
+    <dgm:fillClrLst meth="repeat">
+      <a:schemeClr val="accent1"/>
+    </dgm:fillClrLst>
+    <dgm:linClrLst meth="repeat">
+      <a:schemeClr val="accent1">
+        <a:tint val="50000"/>
+      </a:schemeClr>
+    </dgm:linClrLst>
+    <dgm:effectClrLst/>
+    <dgm:txLinClrLst/>
+    <dgm:txFillClrLst meth="repeat">
+      <a:schemeClr val="tx1"/>
+    </dgm:txFillClrLst>
+    <dgm:txEffectClrLst/>
+  </dgm:styleLbl>
+  <dgm:styleLbl name="asst0">
+    <dgm:fillClrLst meth="repeat">
+      <a:schemeClr val="accent1"/>
+    </dgm:fillClrLst>
+    <dgm:linClrLst meth="repeat">
+      <a:schemeClr val="lt1"/>
+    </dgm:linClrLst>
+    <dgm:effectClrLst/>
+    <dgm:txLinClrLst/>
+    <dgm:txFillClrLst/>
+    <dgm:txEffectClrLst/>
+  </dgm:styleLbl>
+  <dgm:styleLbl name="asst1">
+    <dgm:fillClrLst meth="repeat">
+      <a:schemeClr val="accent1"/>
+    </dgm:fillClrLst>
+    <dgm:linClrLst meth="repeat">
+      <a:schemeClr val="lt1"/>
+    </dgm:linClrLst>
+    <dgm:effectClrLst/>
+    <dgm:txLinClrLst/>
+    <dgm:txFillClrLst/>
+    <dgm:txEffectClrLst/>
+  </dgm:styleLbl>
+  <dgm:styleLbl name="asst2">
+    <dgm:fillClrLst meth="repeat">
+      <a:schemeClr val="accent1"/>
+    </dgm:fillClrLst>
+    <dgm:linClrLst meth="repeat">
+      <a:schemeClr val="lt1"/>
+    </dgm:linClrLst>
+    <dgm:effectClrLst/>
+    <dgm:txLinClrLst/>
+    <dgm:txFillClrLst/>
+    <dgm:txEffectClrLst/>
+  </dgm:styleLbl>
+  <dgm:styleLbl name="asst3">
+    <dgm:fillClrLst meth="repeat">
+      <a:schemeClr val="accent1"/>
+    </dgm:fillClrLst>
+    <dgm:linClrLst meth="repeat">
+      <a:schemeClr val="lt1"/>
+    </dgm:linClrLst>
+    <dgm:effectClrLst/>
+    <dgm:txLinClrLst/>
+    <dgm:txFillClrLst/>
+    <dgm:txEffectClrLst/>
+  </dgm:styleLbl>
+  <dgm:styleLbl name="asst4">
+    <dgm:fillClrLst meth="repeat">
+      <a:schemeClr val="accent1"/>
+    </dgm:fillClrLst>
+    <dgm:linClrLst meth="repeat">
+      <a:schemeClr val="lt1"/>
+    </dgm:linClrLst>
+    <dgm:effectClrLst/>
+    <dgm:txLinClrLst/>
+    <dgm:txFillClrLst/>
+    <dgm:txEffectClrLst/>
+  </dgm:styleLbl>
+  <dgm:styleLbl name="parChTrans2D1">
+    <dgm:fillClrLst meth="repeat">
+      <a:schemeClr val="accent1">
+        <a:tint val="60000"/>
+      </a:schemeClr>
+    </dgm:fillClrLst>
+    <dgm:linClrLst meth="repeat">
+      <a:schemeClr val="accent1">
+        <a:tint val="60000"/>
+      </a:schemeClr>
+    </dgm:linClrLst>
+    <dgm:effectClrLst/>
+    <dgm:txLinClrLst/>
+    <dgm:txFillClrLst meth="repeat">
+      <a:schemeClr val="lt1"/>
+    </dgm:txFillClrLst>
+    <dgm:txEffectClrLst/>
+  </dgm:styleLbl>
+  <dgm:styleLbl name="parChTrans2D2">
+    <dgm:fillClrLst meth="repeat">
+      <a:schemeClr val="accent1"/>
+    </dgm:fillClrLst>
+    <dgm:linClrLst meth="repeat">
+      <a:schemeClr val="accent1"/>
+    </dgm:linClrLst>
+    <dgm:effectClrLst/>
+    <dgm:txLinClrLst/>
+    <dgm:txFillClrLst meth="repeat">
+      <a:schemeClr val="lt1"/>
+    </dgm:txFillClrLst>
+    <dgm:txEffectClrLst/>
+  </dgm:styleLbl>
+  <dgm:styleLbl name="parChTrans2D3">
+    <dgm:fillClrLst meth="repeat">
+      <a:schemeClr val="accent1"/>
+    </dgm:fillClrLst>
+    <dgm:linClrLst meth="repeat">
+      <a:schemeClr val="accent1"/>
+    </dgm:linClrLst>
+    <dgm:effectClrLst/>
+    <dgm:txLinClrLst/>
+    <dgm:txFillClrLst meth="repeat">
+      <a:schemeClr val="lt1"/>
+    </dgm:txFillClrLst>
+    <dgm:txEffectClrLst/>
+  </dgm:styleLbl>
+  <dgm:styleLbl name="parChTrans2D4">
+    <dgm:fillClrLst meth="repeat">
+      <a:schemeClr val="accent1"/>
+    </dgm:fillClrLst>
+    <dgm:linClrLst meth="repeat">
+      <a:schemeClr val="accent1"/>
+    </dgm:linClrLst>
+    <dgm:effectClrLst/>
+    <dgm:txLinClrLst/>
+    <dgm:txFillClrLst meth="repeat">
+      <a:schemeClr val="lt1"/>
+    </dgm:txFillClrLst>
+    <dgm:txEffectClrLst/>
+  </dgm:styleLbl>
+  <dgm:styleLbl name="parChTrans1D1">
+    <dgm:fillClrLst meth="repeat">
+      <a:schemeClr val="accent1"/>
+    </dgm:fillClrLst>
+    <dgm:linClrLst meth="repeat">
+      <a:schemeClr val="accent1">
+        <a:shade val="60000"/>
+      </a:schemeClr>
+    </dgm:linClrLst>
+    <dgm:effectClrLst/>
+    <dgm:txLinClrLst/>
+    <dgm:txFillClrLst meth="repeat">
+      <a:schemeClr val="tx1"/>
+    </dgm:txFillClrLst>
+    <dgm:txEffectClrLst/>
+  </dgm:styleLbl>
+  <dgm:styleLbl name="parChTrans1D2">
+    <dgm:fillClrLst meth="repeat">
+      <a:schemeClr val="accent1"/>
+    </dgm:fillClrLst>
+    <dgm:linClrLst meth="repeat">
+      <a:schemeClr val="accent1">
+        <a:shade val="60000"/>
+      </a:schemeClr>
+    </dgm:linClrLst>
+    <dgm:effectClrLst/>
+    <dgm:txLinClrLst/>
+    <dgm:txFillClrLst meth="repeat">
+      <a:schemeClr val="tx1"/>
+    </dgm:txFillClrLst>
+    <dgm:txEffectClrLst/>
+  </dgm:styleLbl>
+  <dgm:styleLbl name="parChTrans1D3">
+    <dgm:fillClrLst meth="repeat">
+      <a:schemeClr val="accent1"/>
+    </dgm:fillClrLst>
+    <dgm:linClrLst meth="repeat">
+      <a:schemeClr val="accent1">
+        <a:shade val="80000"/>
+      </a:schemeClr>
+    </dgm:linClrLst>
+    <dgm:effectClrLst/>
+    <dgm:txLinClrLst/>
+    <dgm:txFillClrLst meth="repeat">
+      <a:schemeClr val="tx1"/>
+    </dgm:txFillClrLst>
+    <dgm:txEffectClrLst/>
+  </dgm:styleLbl>
+  <dgm:styleLbl name="parChTrans1D4">
+    <dgm:fillClrLst meth="repeat">
+      <a:schemeClr val="accent1"/>
+    </dgm:fillClrLst>
+    <dgm:linClrLst meth="repeat">
+      <a:schemeClr val="accent1">
+        <a:shade val="80000"/>
+      </a:schemeClr>
+    </dgm:linClrLst>
+    <dgm:effectClrLst/>
+    <dgm:txLinClrLst/>
+    <dgm:txFillClrLst meth="repeat">
+      <a:schemeClr val="tx1"/>
+    </dgm:txFillClrLst>
+    <dgm:txEffectClrLst/>
+  </dgm:styleLbl>
+  <dgm:styleLbl name="fgAcc1">
+    <dgm:fillClrLst meth="repeat">
+      <a:schemeClr val="lt1">
+        <a:alpha val="90000"/>
+      </a:schemeClr>
+    </dgm:fillClrLst>
+    <dgm:linClrLst meth="repeat">
+      <a:schemeClr val="accent1"/>
+    </dgm:linClrLst>
+    <dgm:effectClrLst/>
+    <dgm:txLinClrLst/>
+    <dgm:txFillClrLst meth="repeat">
+      <a:schemeClr val="dk1"/>
+    </dgm:txFillClrLst>
+    <dgm:txEffectClrLst/>
+  </dgm:styleLbl>
+  <dgm:styleLbl name="conFgAcc1">
+    <dgm:fillClrLst meth="repeat">
+      <a:schemeClr val="lt1">
+        <a:alpha val="90000"/>
+      </a:schemeClr>
+    </dgm:fillClrLst>
+    <dgm:linClrLst meth="repeat">
+      <a:schemeClr val="accent1"/>
+    </dgm:linClrLst>
+    <dgm:effectClrLst/>
+    <dgm:txLinClrLst/>
+    <dgm:txFillClrLst meth="repeat">
+      <a:schemeClr val="dk1"/>
+    </dgm:txFillClrLst>
+    <dgm:txEffectClrLst/>
+  </dgm:styleLbl>
+  <dgm:styleLbl name="alignAcc1">
+    <dgm:fillClrLst meth="repeat">
+      <a:schemeClr val="lt1">
+        <a:alpha val="90000"/>
+      </a:schemeClr>
+    </dgm:fillClrLst>
+    <dgm:linClrLst meth="repeat">
+      <a:schemeClr val="accent1"/>
+    </dgm:linClrLst>
+    <dgm:effectClrLst/>
+    <dgm:txLinClrLst/>
+    <dgm:txFillClrLst meth="repeat">
+      <a:schemeClr val="dk1"/>
+    </dgm:txFillClrLst>
+    <dgm:txEffectClrLst/>
+  </dgm:styleLbl>
+  <dgm:styleLbl name="trAlignAcc1">
+    <dgm:fillClrLst meth="repeat">
+      <a:schemeClr val="lt1">
+        <a:alpha val="40000"/>
+      </a:schemeClr>
+    </dgm:fillClrLst>
+    <dgm:linClrLst meth="repeat">
+      <a:schemeClr val="accent1"/>
+    </dgm:linClrLst>
+    <dgm:effectClrLst/>
+    <dgm:txLinClrLst/>
+    <dgm:txFillClrLst meth="repeat">
+      <a:schemeClr val="dk1"/>
+    </dgm:txFillClrLst>
+    <dgm:txEffectClrLst/>
+  </dgm:styleLbl>
+  <dgm:styleLbl name="bgAcc1">
+    <dgm:fillClrLst meth="repeat">
+      <a:schemeClr val="lt1">
+        <a:alpha val="90000"/>
+      </a:schemeClr>
+    </dgm:fillClrLst>
+    <dgm:linClrLst meth="repeat">
+      <a:schemeClr val="accent1"/>
+    </dgm:linClrLst>
+    <dgm:effectClrLst/>
+    <dgm:txLinClrLst/>
+    <dgm:txFillClrLst meth="repeat">
+      <a:schemeClr val="dk1"/>
+    </dgm:txFillClrLst>
+    <dgm:txEffectClrLst/>
+  </dgm:styleLbl>
+  <dgm:styleLbl name="solidFgAcc1">
+    <dgm:fillClrLst meth="repeat">
+      <a:schemeClr val="lt1"/>
+    </dgm:fillClrLst>
+    <dgm:linClrLst meth="repeat">
+      <a:schemeClr val="accent1"/>
+    </dgm:linClrLst>
+    <dgm:effectClrLst/>
+    <dgm:txLinClrLst/>
+    <dgm:txFillClrLst meth="repeat">
+      <a:schemeClr val="dk1"/>
+    </dgm:txFillClrLst>
+    <dgm:txEffectClrLst/>
+  </dgm:styleLbl>
+  <dgm:styleLbl name="solidAlignAcc1">
+    <dgm:fillClrLst meth="repeat">
+      <a:schemeClr val="lt1"/>
+    </dgm:fillClrLst>
+    <dgm:linClrLst meth="repeat">
+      <a:schemeClr val="accent1"/>
+    </dgm:linClrLst>
+    <dgm:effectClrLst/>
+    <dgm:txLinClrLst/>
+    <dgm:txFillClrLst meth="repeat">
+      <a:schemeClr val="dk1"/>
+    </dgm:txFillClrLst>
+    <dgm:txEffectClrLst/>
+  </dgm:styleLbl>
+  <dgm:styleLbl name="solidBgAcc1">
+    <dgm:fillClrLst meth="repeat">
+      <a:schemeClr val="lt1"/>
+    </dgm:fillClrLst>
+    <dgm:linClrLst meth="repeat">
+      <a:schemeClr val="accent1"/>
+    </dgm:linClrLst>
+    <dgm:effectClrLst/>
+    <dgm:txLinClrLst/>
+    <dgm:txFillClrLst meth="repeat">
+      <a:schemeClr val="dk1"/>
+    </dgm:txFillClrLst>
+    <dgm:txEffectClrLst/>
+  </dgm:styleLbl>
+  <dgm:styleLbl name="fgAccFollowNode1">
+    <dgm:fillClrLst meth="repeat">
+      <a:schemeClr val="accent1">
+        <a:alpha val="90000"/>
+        <a:tint val="40000"/>
+      </a:schemeClr>
+    </dgm:fillClrLst>
+    <dgm:linClrLst meth="repeat">
+      <a:schemeClr val="accent1">
+        <a:alpha val="90000"/>
+        <a:tint val="40000"/>
+      </a:schemeClr>
+    </dgm:linClrLst>
+    <dgm:effectClrLst/>
+    <dgm:txLinClrLst/>
+    <dgm:txFillClrLst meth="repeat">
+      <a:schemeClr val="dk1"/>
+    </dgm:txFillClrLst>
+    <dgm:txEffectClrLst/>
+  </dgm:styleLbl>
+  <dgm:styleLbl name="alignAccFollowNode1">
+    <dgm:fillClrLst meth="repeat">
+      <a:schemeClr val="accent1">
+        <a:alpha val="90000"/>
+        <a:tint val="40000"/>
+      </a:schemeClr>
+    </dgm:fillClrLst>
+    <dgm:linClrLst meth="repeat">
+      <a:schemeClr val="accent1">
+        <a:alpha val="90000"/>
+        <a:tint val="40000"/>
+      </a:schemeClr>
+    </dgm:linClrLst>
+    <dgm:effectClrLst/>
+    <dgm:txLinClrLst/>
+    <dgm:txFillClrLst meth="repeat">
+      <a:schemeClr val="dk1"/>
+    </dgm:txFillClrLst>
+    <dgm:txEffectClrLst/>
+  </dgm:styleLbl>
+  <dgm:styleLbl name="bgAccFollowNode1">
+    <dgm:fillClrLst meth="repeat">
+      <a:schemeClr val="accent1">
+        <a:alpha val="90000"/>
+        <a:tint val="40000"/>
+      </a:schemeClr>
+    </dgm:fillClrLst>
+    <dgm:linClrLst meth="repeat">
+      <a:schemeClr val="accent1">
+        <a:alpha val="90000"/>
+        <a:tint val="40000"/>
+      </a:schemeClr>
+    </dgm:linClrLst>
+    <dgm:effectClrLst/>
+    <dgm:txLinClrLst/>
+    <dgm:txFillClrLst meth="repeat">
+      <a:schemeClr val="dk1"/>
+    </dgm:txFillClrLst>
+    <dgm:txEffectClrLst/>
+  </dgm:styleLbl>
+  <dgm:styleLbl name="fgAcc0">
+    <dgm:fillClrLst meth="repeat">
+      <a:schemeClr val="lt1">
+        <a:alpha val="90000"/>
+      </a:schemeClr>
+    </dgm:fillClrLst>
+    <dgm:linClrLst meth="repeat">
+      <a:schemeClr val="accent1"/>
+    </dgm:linClrLst>
+    <dgm:effectClrLst/>
+    <dgm:txLinClrLst/>
+    <dgm:txFillClrLst meth="repeat">
+      <a:schemeClr val="dk1"/>
+    </dgm:txFillClrLst>
+    <dgm:txEffectClrLst/>
+  </dgm:styleLbl>
+  <dgm:styleLbl name="fgAcc2">
+    <dgm:fillClrLst meth="repeat">
+      <a:schemeClr val="lt1">
+        <a:alpha val="90000"/>
+      </a:schemeClr>
+    </dgm:fillClrLst>
+    <dgm:linClrLst meth="repeat">
+      <a:schemeClr val="accent1"/>
+    </dgm:linClrLst>
+    <dgm:effectClrLst/>
+    <dgm:txLinClrLst/>
+    <dgm:txFillClrLst meth="repeat">
+      <a:schemeClr val="dk1"/>
+    </dgm:txFillClrLst>
+    <dgm:txEffectClrLst/>
+  </dgm:styleLbl>
+  <dgm:styleLbl name="fgAcc3">
+    <dgm:fillClrLst meth="repeat">
+      <a:schemeClr val="lt1">
+        <a:alpha val="90000"/>
+      </a:schemeClr>
+    </dgm:fillClrLst>
+    <dgm:linClrLst meth="repeat">
+      <a:schemeClr val="accent1"/>
+    </dgm:linClrLst>
+    <dgm:effectClrLst/>
+    <dgm:txLinClrLst/>
+    <dgm:txFillClrLst meth="repeat">
+      <a:schemeClr val="dk1"/>
+    </dgm:txFillClrLst>
+    <dgm:txEffectClrLst/>
+  </dgm:styleLbl>
+  <dgm:styleLbl name="fgAcc4">
+    <dgm:fillClrLst meth="repeat">
+      <a:schemeClr val="lt1">
+        <a:alpha val="90000"/>
+      </a:schemeClr>
+    </dgm:fillClrLst>
+    <dgm:linClrLst meth="repeat">
+      <a:schemeClr val="accent1"/>
+    </dgm:linClrLst>
+    <dgm:effectClrLst/>
+    <dgm:txLinClrLst/>
+    <dgm:txFillClrLst meth="repeat">
+      <a:schemeClr val="dk1"/>
+    </dgm:txFillClrLst>
+    <dgm:txEffectClrLst/>
+  </dgm:styleLbl>
+  <dgm:styleLbl name="bgShp">
+    <dgm:fillClrLst meth="repeat">
+      <a:schemeClr val="accent1">
+        <a:tint val="40000"/>
+      </a:schemeClr>
+    </dgm:fillClrLst>
+    <dgm:linClrLst meth="repeat">
+      <a:schemeClr val="accent1"/>
+    </dgm:linClrLst>
+    <dgm:effectClrLst/>
+    <dgm:txLinClrLst/>
+    <dgm:txFillClrLst meth="repeat">
+      <a:schemeClr val="dk1"/>
+    </dgm:txFillClrLst>
+    <dgm:txEffectClrLst/>
+  </dgm:styleLbl>
+  <dgm:styleLbl name="dkBgShp">
+    <dgm:fillClrLst meth="repeat">
+      <a:schemeClr val="accent1">
+        <a:shade val="80000"/>
+      </a:schemeClr>
+    </dgm:fillClrLst>
+    <dgm:linClrLst meth="repeat">
+      <a:schemeClr val="accent1"/>
+    </dgm:linClrLst>
+    <dgm:effectClrLst/>
+    <dgm:txLinClrLst/>
+    <dgm:txFillClrLst meth="repeat">
+      <a:schemeClr val="lt1"/>
+    </dgm:txFillClrLst>
+    <dgm:txEffectClrLst/>
+  </dgm:styleLbl>
+  <dgm:styleLbl name="trBgShp">
+    <dgm:fillClrLst meth="repeat">
+      <a:schemeClr val="accent1">
+        <a:tint val="50000"/>
+        <a:alpha val="40000"/>
+      </a:schemeClr>
+    </dgm:fillClrLst>
+    <dgm:linClrLst meth="repeat">
+      <a:schemeClr val="accent1"/>
+    </dgm:linClrLst>
+    <dgm:effectClrLst/>
+    <dgm:txLinClrLst/>
+    <dgm:txFillClrLst meth="repeat">
+      <a:schemeClr val="lt1"/>
+    </dgm:txFillClrLst>
+    <dgm:txEffectClrLst/>
+  </dgm:styleLbl>
+  <dgm:styleLbl name="fgShp">
+    <dgm:fillClrLst meth="repeat">
+      <a:schemeClr val="accent1">
+        <a:tint val="60000"/>
+      </a:schemeClr>
+    </dgm:fillClrLst>
+    <dgm:linClrLst meth="repeat">
+      <a:schemeClr val="lt1"/>
+    </dgm:linClrLst>
+    <dgm:effectClrLst/>
+    <dgm:txLinClrLst/>
+    <dgm:txFillClrLst meth="repeat">
+      <a:schemeClr val="dk1"/>
+    </dgm:txFillClrLst>
+    <dgm:txEffectClrLst/>
+  </dgm:styleLbl>
+  <dgm:styleLbl name="revTx">
+    <dgm:fillClrLst meth="repeat">
+      <a:schemeClr val="lt1">
+        <a:alpha val="0"/>
+      </a:schemeClr>
+    </dgm:fillClrLst>
+    <dgm:linClrLst meth="repeat">
+      <a:schemeClr val="dk1">
+        <a:alpha val="0"/>
+      </a:schemeClr>
+    </dgm:linClrLst>
+    <dgm:effectClrLst/>
+    <dgm:txLinClrLst/>
+    <dgm:txFillClrLst meth="repeat">
+      <a:schemeClr val="tx1"/>
+    </dgm:txFillClrLst>
+    <dgm:txEffectClrLst/>
+  </dgm:styleLbl>
+</dgm:colorsDef>
+</file>
+
+<file path=ppt/diagrams/colors2.xml><?xml version="1.0" encoding="utf-8"?>
 <dgm:colorsDef xmlns:dgm="http://schemas.openxmlformats.org/drawingml/2006/diagram" xmlns:a="http://schemas.openxmlformats.org/drawingml/2006/main" uniqueId="urn:microsoft.com/office/officeart/2005/8/colors/accent1_2">
   <dgm:title val=""/>
   <dgm:desc val=""/>
@@ -6634,6 +8647,286 @@
 </dgm:dataModel>
 </file>
 
+<file path=ppt/diagrams/data2.xml><?xml version="1.0" encoding="utf-8"?>
+<dgm:dataModel xmlns:dgm="http://schemas.openxmlformats.org/drawingml/2006/diagram" xmlns:a="http://schemas.openxmlformats.org/drawingml/2006/main">
+  <dgm:ptLst>
+    <dgm:pt modelId="{EFA9E502-3EB5-47AF-BDF7-E129D9F61D07}" type="doc">
+      <dgm:prSet loTypeId="urn:microsoft.com/office/officeart/2005/8/layout/process1" loCatId="process" qsTypeId="urn:microsoft.com/office/officeart/2005/8/quickstyle/simple1" qsCatId="simple" csTypeId="urn:microsoft.com/office/officeart/2005/8/colors/accent1_2" csCatId="accent1" phldr="1"/>
+      <dgm:spPr/>
+    </dgm:pt>
+    <dgm:pt modelId="{C413BF53-4C1F-4971-89BF-A341C1DC4CF9}">
+      <dgm:prSet phldrT="[Text]"/>
+      <dgm:spPr/>
+      <dgm:t>
+        <a:bodyPr/>
+        <a:lstStyle/>
+        <a:p>
+          <a:r>
+            <a:rPr lang="fr-CH" dirty="0"/>
+            <a:t>Data acquisition</a:t>
+          </a:r>
+        </a:p>
+      </dgm:t>
+    </dgm:pt>
+    <dgm:pt modelId="{B873B02C-5FCD-4D0C-BD00-813F8964D92A}" type="parTrans" cxnId="{1C0694A5-BAA7-434A-AB70-EBCB57BDBCEB}">
+      <dgm:prSet/>
+      <dgm:spPr/>
+      <dgm:t>
+        <a:bodyPr/>
+        <a:lstStyle/>
+        <a:p>
+          <a:endParaRPr lang="fr-CH"/>
+        </a:p>
+      </dgm:t>
+    </dgm:pt>
+    <dgm:pt modelId="{43B501F6-28D7-412F-95CD-AE31CAD1F96F}" type="sibTrans" cxnId="{1C0694A5-BAA7-434A-AB70-EBCB57BDBCEB}">
+      <dgm:prSet/>
+      <dgm:spPr/>
+      <dgm:t>
+        <a:bodyPr/>
+        <a:lstStyle/>
+        <a:p>
+          <a:endParaRPr lang="fr-CH"/>
+        </a:p>
+      </dgm:t>
+    </dgm:pt>
+    <dgm:pt modelId="{56DB23A0-20FB-4FD0-81D0-DD7CC8B317FE}">
+      <dgm:prSet phldrT="[Text]"/>
+      <dgm:spPr/>
+      <dgm:t>
+        <a:bodyPr/>
+        <a:lstStyle/>
+        <a:p>
+          <a:r>
+            <a:rPr lang="fr-CH" dirty="0"/>
+            <a:t>Data-</a:t>
+          </a:r>
+          <a:r>
+            <a:rPr lang="fr-CH" dirty="0" err="1"/>
+            <a:t>driven</a:t>
+          </a:r>
+          <a:r>
+            <a:rPr lang="fr-CH" dirty="0"/>
+            <a:t> </a:t>
+          </a:r>
+          <a:r>
+            <a:rPr lang="fr-CH" dirty="0" err="1"/>
+            <a:t>Predictive</a:t>
+          </a:r>
+          <a:r>
+            <a:rPr lang="fr-CH" dirty="0"/>
+            <a:t> </a:t>
+          </a:r>
+          <a:r>
+            <a:rPr lang="fr-CH" dirty="0" err="1"/>
+            <a:t>Underwriting</a:t>
+          </a:r>
+          <a:endParaRPr lang="fr-CH" dirty="0"/>
+        </a:p>
+      </dgm:t>
+    </dgm:pt>
+    <dgm:pt modelId="{C82FD31B-F249-4C96-9DCB-C20442EB4BC7}" type="parTrans" cxnId="{3683D7AA-5F75-45B7-A52C-FE5A52980FA5}">
+      <dgm:prSet/>
+      <dgm:spPr/>
+      <dgm:t>
+        <a:bodyPr/>
+        <a:lstStyle/>
+        <a:p>
+          <a:endParaRPr lang="fr-CH"/>
+        </a:p>
+      </dgm:t>
+    </dgm:pt>
+    <dgm:pt modelId="{D3805C8E-A6BB-4392-85DA-C2D19DD25226}" type="sibTrans" cxnId="{3683D7AA-5F75-45B7-A52C-FE5A52980FA5}">
+      <dgm:prSet/>
+      <dgm:spPr/>
+      <dgm:t>
+        <a:bodyPr/>
+        <a:lstStyle/>
+        <a:p>
+          <a:endParaRPr lang="fr-CH"/>
+        </a:p>
+      </dgm:t>
+    </dgm:pt>
+    <dgm:pt modelId="{F2FA0973-7002-408A-A784-E9C608C1AFDC}">
+      <dgm:prSet phldrT="[Text]"/>
+      <dgm:spPr/>
+      <dgm:t>
+        <a:bodyPr/>
+        <a:lstStyle/>
+        <a:p>
+          <a:r>
+            <a:rPr lang="fr-CH" dirty="0"/>
+            <a:t>Adaptive Pricing</a:t>
+          </a:r>
+        </a:p>
+      </dgm:t>
+    </dgm:pt>
+    <dgm:pt modelId="{EBC62360-E772-43A6-9055-90BDC920F32A}" type="parTrans" cxnId="{98EEEFC0-B7A7-4A55-A763-0A6AB6F2CC2C}">
+      <dgm:prSet/>
+      <dgm:spPr/>
+      <dgm:t>
+        <a:bodyPr/>
+        <a:lstStyle/>
+        <a:p>
+          <a:endParaRPr lang="fr-CH"/>
+        </a:p>
+      </dgm:t>
+    </dgm:pt>
+    <dgm:pt modelId="{E55A8E8B-1405-414F-9828-E12CEDDEEB3B}" type="sibTrans" cxnId="{98EEEFC0-B7A7-4A55-A763-0A6AB6F2CC2C}">
+      <dgm:prSet/>
+      <dgm:spPr/>
+      <dgm:t>
+        <a:bodyPr/>
+        <a:lstStyle/>
+        <a:p>
+          <a:endParaRPr lang="fr-CH"/>
+        </a:p>
+      </dgm:t>
+    </dgm:pt>
+    <dgm:pt modelId="{4424D7E3-6B96-4782-99A4-076E7C30CFE2}">
+      <dgm:prSet phldrT="[Text]"/>
+      <dgm:spPr/>
+      <dgm:t>
+        <a:bodyPr/>
+        <a:lstStyle/>
+        <a:p>
+          <a:r>
+            <a:rPr lang="fr-CH" dirty="0"/>
+            <a:t>Data </a:t>
+          </a:r>
+          <a:r>
+            <a:rPr lang="fr-CH" dirty="0" err="1"/>
+            <a:t>analysis</a:t>
+          </a:r>
+          <a:endParaRPr lang="fr-CH" dirty="0"/>
+        </a:p>
+      </dgm:t>
+    </dgm:pt>
+    <dgm:pt modelId="{AA45FB34-E39C-40D4-966C-FC30FF18406C}" type="parTrans" cxnId="{2AF20421-CB62-4DD0-918E-1408018EF7A3}">
+      <dgm:prSet/>
+      <dgm:spPr/>
+      <dgm:t>
+        <a:bodyPr/>
+        <a:lstStyle/>
+        <a:p>
+          <a:endParaRPr lang="fr-CH"/>
+        </a:p>
+      </dgm:t>
+    </dgm:pt>
+    <dgm:pt modelId="{801F6B37-E276-4E26-8F8E-AB1CAF8B3D77}" type="sibTrans" cxnId="{2AF20421-CB62-4DD0-918E-1408018EF7A3}">
+      <dgm:prSet/>
+      <dgm:spPr/>
+      <dgm:t>
+        <a:bodyPr/>
+        <a:lstStyle/>
+        <a:p>
+          <a:endParaRPr lang="fr-CH"/>
+        </a:p>
+      </dgm:t>
+    </dgm:pt>
+    <dgm:pt modelId="{A1EDD150-9D41-4FEB-925D-21EABAB63CB1}" type="pres">
+      <dgm:prSet presAssocID="{EFA9E502-3EB5-47AF-BDF7-E129D9F61D07}" presName="Name0" presStyleCnt="0">
+        <dgm:presLayoutVars>
+          <dgm:dir/>
+          <dgm:resizeHandles val="exact"/>
+        </dgm:presLayoutVars>
+      </dgm:prSet>
+      <dgm:spPr/>
+    </dgm:pt>
+    <dgm:pt modelId="{2D2F7E94-810D-4C37-9CD5-418761C0F095}" type="pres">
+      <dgm:prSet presAssocID="{C413BF53-4C1F-4971-89BF-A341C1DC4CF9}" presName="node" presStyleLbl="node1" presStyleIdx="0" presStyleCnt="4">
+        <dgm:presLayoutVars>
+          <dgm:bulletEnabled val="1"/>
+        </dgm:presLayoutVars>
+      </dgm:prSet>
+      <dgm:spPr/>
+    </dgm:pt>
+    <dgm:pt modelId="{23DA2131-76A6-49A4-828A-C956B784DA1C}" type="pres">
+      <dgm:prSet presAssocID="{43B501F6-28D7-412F-95CD-AE31CAD1F96F}" presName="sibTrans" presStyleLbl="sibTrans2D1" presStyleIdx="0" presStyleCnt="3"/>
+      <dgm:spPr/>
+    </dgm:pt>
+    <dgm:pt modelId="{71F3BDD4-CF99-4484-89E3-23A9EFC8D2D3}" type="pres">
+      <dgm:prSet presAssocID="{43B501F6-28D7-412F-95CD-AE31CAD1F96F}" presName="connectorText" presStyleLbl="sibTrans2D1" presStyleIdx="0" presStyleCnt="3"/>
+      <dgm:spPr/>
+    </dgm:pt>
+    <dgm:pt modelId="{E348D592-1B4C-400E-BFC1-0C70275A1410}" type="pres">
+      <dgm:prSet presAssocID="{4424D7E3-6B96-4782-99A4-076E7C30CFE2}" presName="node" presStyleLbl="node1" presStyleIdx="1" presStyleCnt="4">
+        <dgm:presLayoutVars>
+          <dgm:bulletEnabled val="1"/>
+        </dgm:presLayoutVars>
+      </dgm:prSet>
+      <dgm:spPr/>
+    </dgm:pt>
+    <dgm:pt modelId="{056D0B3D-7CDD-470B-AC60-AEDC54CAF770}" type="pres">
+      <dgm:prSet presAssocID="{801F6B37-E276-4E26-8F8E-AB1CAF8B3D77}" presName="sibTrans" presStyleLbl="sibTrans2D1" presStyleIdx="1" presStyleCnt="3"/>
+      <dgm:spPr/>
+    </dgm:pt>
+    <dgm:pt modelId="{3A445D90-A903-497D-9E23-7040AEF9E058}" type="pres">
+      <dgm:prSet presAssocID="{801F6B37-E276-4E26-8F8E-AB1CAF8B3D77}" presName="connectorText" presStyleLbl="sibTrans2D1" presStyleIdx="1" presStyleCnt="3"/>
+      <dgm:spPr/>
+    </dgm:pt>
+    <dgm:pt modelId="{C1A70009-317D-4040-804D-7D32C5B7CE89}" type="pres">
+      <dgm:prSet presAssocID="{56DB23A0-20FB-4FD0-81D0-DD7CC8B317FE}" presName="node" presStyleLbl="node1" presStyleIdx="2" presStyleCnt="4">
+        <dgm:presLayoutVars>
+          <dgm:bulletEnabled val="1"/>
+        </dgm:presLayoutVars>
+      </dgm:prSet>
+      <dgm:spPr/>
+    </dgm:pt>
+    <dgm:pt modelId="{095731D6-57DA-4184-9ABF-FEBD2D2FF3D8}" type="pres">
+      <dgm:prSet presAssocID="{D3805C8E-A6BB-4392-85DA-C2D19DD25226}" presName="sibTrans" presStyleLbl="sibTrans2D1" presStyleIdx="2" presStyleCnt="3"/>
+      <dgm:spPr/>
+    </dgm:pt>
+    <dgm:pt modelId="{E23F5E6E-C811-48E9-BE09-7EC96A69768A}" type="pres">
+      <dgm:prSet presAssocID="{D3805C8E-A6BB-4392-85DA-C2D19DD25226}" presName="connectorText" presStyleLbl="sibTrans2D1" presStyleIdx="2" presStyleCnt="3"/>
+      <dgm:spPr/>
+    </dgm:pt>
+    <dgm:pt modelId="{0CA63D8F-2360-4C5C-9452-C2F1223EF56B}" type="pres">
+      <dgm:prSet presAssocID="{F2FA0973-7002-408A-A784-E9C608C1AFDC}" presName="node" presStyleLbl="node1" presStyleIdx="3" presStyleCnt="4">
+        <dgm:presLayoutVars>
+          <dgm:bulletEnabled val="1"/>
+        </dgm:presLayoutVars>
+      </dgm:prSet>
+      <dgm:spPr/>
+    </dgm:pt>
+  </dgm:ptLst>
+  <dgm:cxnLst>
+    <dgm:cxn modelId="{2AF20421-CB62-4DD0-918E-1408018EF7A3}" srcId="{EFA9E502-3EB5-47AF-BDF7-E129D9F61D07}" destId="{4424D7E3-6B96-4782-99A4-076E7C30CFE2}" srcOrd="1" destOrd="0" parTransId="{AA45FB34-E39C-40D4-966C-FC30FF18406C}" sibTransId="{801F6B37-E276-4E26-8F8E-AB1CAF8B3D77}"/>
+    <dgm:cxn modelId="{948D8B37-C243-4120-A552-961A4A99FF27}" type="presOf" srcId="{F2FA0973-7002-408A-A784-E9C608C1AFDC}" destId="{0CA63D8F-2360-4C5C-9452-C2F1223EF56B}" srcOrd="0" destOrd="0" presId="urn:microsoft.com/office/officeart/2005/8/layout/process1"/>
+    <dgm:cxn modelId="{4A7B0A65-8535-444B-B1E5-11FD7E51A168}" type="presOf" srcId="{43B501F6-28D7-412F-95CD-AE31CAD1F96F}" destId="{23DA2131-76A6-49A4-828A-C956B784DA1C}" srcOrd="0" destOrd="0" presId="urn:microsoft.com/office/officeart/2005/8/layout/process1"/>
+    <dgm:cxn modelId="{3C9D7066-E35C-46CC-B003-B05BC25433BA}" type="presOf" srcId="{801F6B37-E276-4E26-8F8E-AB1CAF8B3D77}" destId="{056D0B3D-7CDD-470B-AC60-AEDC54CAF770}" srcOrd="0" destOrd="0" presId="urn:microsoft.com/office/officeart/2005/8/layout/process1"/>
+    <dgm:cxn modelId="{86B47179-6206-4522-B041-0CE45202D3E1}" type="presOf" srcId="{4424D7E3-6B96-4782-99A4-076E7C30CFE2}" destId="{E348D592-1B4C-400E-BFC1-0C70275A1410}" srcOrd="0" destOrd="0" presId="urn:microsoft.com/office/officeart/2005/8/layout/process1"/>
+    <dgm:cxn modelId="{31B14F7D-3C85-4356-A4D7-5F59045537F9}" type="presOf" srcId="{43B501F6-28D7-412F-95CD-AE31CAD1F96F}" destId="{71F3BDD4-CF99-4484-89E3-23A9EFC8D2D3}" srcOrd="1" destOrd="0" presId="urn:microsoft.com/office/officeart/2005/8/layout/process1"/>
+    <dgm:cxn modelId="{F1E8CE9C-32CF-448D-B338-0C77EEA7E1C3}" type="presOf" srcId="{D3805C8E-A6BB-4392-85DA-C2D19DD25226}" destId="{095731D6-57DA-4184-9ABF-FEBD2D2FF3D8}" srcOrd="0" destOrd="0" presId="urn:microsoft.com/office/officeart/2005/8/layout/process1"/>
+    <dgm:cxn modelId="{1C0694A5-BAA7-434A-AB70-EBCB57BDBCEB}" srcId="{EFA9E502-3EB5-47AF-BDF7-E129D9F61D07}" destId="{C413BF53-4C1F-4971-89BF-A341C1DC4CF9}" srcOrd="0" destOrd="0" parTransId="{B873B02C-5FCD-4D0C-BD00-813F8964D92A}" sibTransId="{43B501F6-28D7-412F-95CD-AE31CAD1F96F}"/>
+    <dgm:cxn modelId="{483740A9-B0BF-47E6-9234-2A1B50596318}" type="presOf" srcId="{C413BF53-4C1F-4971-89BF-A341C1DC4CF9}" destId="{2D2F7E94-810D-4C37-9CD5-418761C0F095}" srcOrd="0" destOrd="0" presId="urn:microsoft.com/office/officeart/2005/8/layout/process1"/>
+    <dgm:cxn modelId="{5E1E0FAA-0663-4C07-95B7-9E30BCE00536}" type="presOf" srcId="{56DB23A0-20FB-4FD0-81D0-DD7CC8B317FE}" destId="{C1A70009-317D-4040-804D-7D32C5B7CE89}" srcOrd="0" destOrd="0" presId="urn:microsoft.com/office/officeart/2005/8/layout/process1"/>
+    <dgm:cxn modelId="{3683D7AA-5F75-45B7-A52C-FE5A52980FA5}" srcId="{EFA9E502-3EB5-47AF-BDF7-E129D9F61D07}" destId="{56DB23A0-20FB-4FD0-81D0-DD7CC8B317FE}" srcOrd="2" destOrd="0" parTransId="{C82FD31B-F249-4C96-9DCB-C20442EB4BC7}" sibTransId="{D3805C8E-A6BB-4392-85DA-C2D19DD25226}"/>
+    <dgm:cxn modelId="{98EEEFC0-B7A7-4A55-A763-0A6AB6F2CC2C}" srcId="{EFA9E502-3EB5-47AF-BDF7-E129D9F61D07}" destId="{F2FA0973-7002-408A-A784-E9C608C1AFDC}" srcOrd="3" destOrd="0" parTransId="{EBC62360-E772-43A6-9055-90BDC920F32A}" sibTransId="{E55A8E8B-1405-414F-9828-E12CEDDEEB3B}"/>
+    <dgm:cxn modelId="{21D46DD7-E8B2-4A4B-BB2F-3634D17B5A25}" type="presOf" srcId="{EFA9E502-3EB5-47AF-BDF7-E129D9F61D07}" destId="{A1EDD150-9D41-4FEB-925D-21EABAB63CB1}" srcOrd="0" destOrd="0" presId="urn:microsoft.com/office/officeart/2005/8/layout/process1"/>
+    <dgm:cxn modelId="{31B2E7E4-D614-4D17-A6BA-1BD8E61B6A3C}" type="presOf" srcId="{801F6B37-E276-4E26-8F8E-AB1CAF8B3D77}" destId="{3A445D90-A903-497D-9E23-7040AEF9E058}" srcOrd="1" destOrd="0" presId="urn:microsoft.com/office/officeart/2005/8/layout/process1"/>
+    <dgm:cxn modelId="{397A6AF2-7CBE-465B-96A5-875624824016}" type="presOf" srcId="{D3805C8E-A6BB-4392-85DA-C2D19DD25226}" destId="{E23F5E6E-C811-48E9-BE09-7EC96A69768A}" srcOrd="1" destOrd="0" presId="urn:microsoft.com/office/officeart/2005/8/layout/process1"/>
+    <dgm:cxn modelId="{AB851A51-D3B7-44B8-AC73-12A7AA633D1B}" type="presParOf" srcId="{A1EDD150-9D41-4FEB-925D-21EABAB63CB1}" destId="{2D2F7E94-810D-4C37-9CD5-418761C0F095}" srcOrd="0" destOrd="0" presId="urn:microsoft.com/office/officeart/2005/8/layout/process1"/>
+    <dgm:cxn modelId="{0EDDF0A2-DFDA-4C15-93B9-D848BE8075E3}" type="presParOf" srcId="{A1EDD150-9D41-4FEB-925D-21EABAB63CB1}" destId="{23DA2131-76A6-49A4-828A-C956B784DA1C}" srcOrd="1" destOrd="0" presId="urn:microsoft.com/office/officeart/2005/8/layout/process1"/>
+    <dgm:cxn modelId="{CC86AAAF-2E7E-43EC-B119-5C80670423B7}" type="presParOf" srcId="{23DA2131-76A6-49A4-828A-C956B784DA1C}" destId="{71F3BDD4-CF99-4484-89E3-23A9EFC8D2D3}" srcOrd="0" destOrd="0" presId="urn:microsoft.com/office/officeart/2005/8/layout/process1"/>
+    <dgm:cxn modelId="{0CCF2724-9B48-4BC6-BC2A-B14F8C613ACF}" type="presParOf" srcId="{A1EDD150-9D41-4FEB-925D-21EABAB63CB1}" destId="{E348D592-1B4C-400E-BFC1-0C70275A1410}" srcOrd="2" destOrd="0" presId="urn:microsoft.com/office/officeart/2005/8/layout/process1"/>
+    <dgm:cxn modelId="{DE4E8ADD-60D2-4F88-9B2F-A4EB4AD2E867}" type="presParOf" srcId="{A1EDD150-9D41-4FEB-925D-21EABAB63CB1}" destId="{056D0B3D-7CDD-470B-AC60-AEDC54CAF770}" srcOrd="3" destOrd="0" presId="urn:microsoft.com/office/officeart/2005/8/layout/process1"/>
+    <dgm:cxn modelId="{3ADB3828-44C8-44DF-8F6A-EB3A8F46829C}" type="presParOf" srcId="{056D0B3D-7CDD-470B-AC60-AEDC54CAF770}" destId="{3A445D90-A903-497D-9E23-7040AEF9E058}" srcOrd="0" destOrd="0" presId="urn:microsoft.com/office/officeart/2005/8/layout/process1"/>
+    <dgm:cxn modelId="{2A22F446-5FBA-4A41-A954-571A326A09F3}" type="presParOf" srcId="{A1EDD150-9D41-4FEB-925D-21EABAB63CB1}" destId="{C1A70009-317D-4040-804D-7D32C5B7CE89}" srcOrd="4" destOrd="0" presId="urn:microsoft.com/office/officeart/2005/8/layout/process1"/>
+    <dgm:cxn modelId="{0D2F1913-F4F9-46DA-B19D-8BB2A948124E}" type="presParOf" srcId="{A1EDD150-9D41-4FEB-925D-21EABAB63CB1}" destId="{095731D6-57DA-4184-9ABF-FEBD2D2FF3D8}" srcOrd="5" destOrd="0" presId="urn:microsoft.com/office/officeart/2005/8/layout/process1"/>
+    <dgm:cxn modelId="{207EF75B-52B8-4E52-A617-BEE0E25CA77F}" type="presParOf" srcId="{095731D6-57DA-4184-9ABF-FEBD2D2FF3D8}" destId="{E23F5E6E-C811-48E9-BE09-7EC96A69768A}" srcOrd="0" destOrd="0" presId="urn:microsoft.com/office/officeart/2005/8/layout/process1"/>
+    <dgm:cxn modelId="{0284D382-2CD0-4CE1-BAD5-5895DE42C88E}" type="presParOf" srcId="{A1EDD150-9D41-4FEB-925D-21EABAB63CB1}" destId="{0CA63D8F-2360-4C5C-9452-C2F1223EF56B}" srcOrd="6" destOrd="0" presId="urn:microsoft.com/office/officeart/2005/8/layout/process1"/>
+  </dgm:cxnLst>
+  <dgm:bg/>
+  <dgm:whole/>
+  <dgm:extLst>
+    <a:ext uri="http://schemas.microsoft.com/office/drawing/2008/diagram">
+      <dsp:dataModelExt xmlns:dsp="http://schemas.microsoft.com/office/drawing/2008/diagram" relId="rId6" minVer="http://schemas.openxmlformats.org/drawingml/2006/diagram"/>
+    </a:ext>
+  </dgm:extLst>
+</dgm:dataModel>
+</file>
+
 <file path=ppt/diagrams/drawing1.xml><?xml version="1.0" encoding="utf-8"?>
 <dsp:drawing xmlns:dgm="http://schemas.openxmlformats.org/drawingml/2006/diagram" xmlns:dsp="http://schemas.microsoft.com/office/drawing/2008/diagram" xmlns:a="http://schemas.openxmlformats.org/drawingml/2006/main">
   <dsp:spTree>
@@ -7072,6 +9365,574 @@
 </dsp:drawing>
 </file>
 
+<file path=ppt/diagrams/drawing2.xml><?xml version="1.0" encoding="utf-8"?>
+<dsp:drawing xmlns:dgm="http://schemas.openxmlformats.org/drawingml/2006/diagram" xmlns:dsp="http://schemas.microsoft.com/office/drawing/2008/diagram" xmlns:a="http://schemas.openxmlformats.org/drawingml/2006/main">
+  <dsp:spTree>
+    <dsp:nvGrpSpPr>
+      <dsp:cNvPr id="0" name=""/>
+      <dsp:cNvGrpSpPr/>
+    </dsp:nvGrpSpPr>
+    <dsp:grpSpPr/>
+    <dsp:sp modelId="{2D2F7E94-810D-4C37-9CD5-418761C0F095}">
+      <dsp:nvSpPr>
+        <dsp:cNvPr id="0" name=""/>
+        <dsp:cNvSpPr/>
+      </dsp:nvSpPr>
+      <dsp:spPr>
+        <a:xfrm>
+          <a:off x="4621" y="308263"/>
+          <a:ext cx="2020453" cy="1212272"/>
+        </a:xfrm>
+        <a:prstGeom prst="roundRect">
+          <a:avLst>
+            <a:gd name="adj" fmla="val 10000"/>
+          </a:avLst>
+        </a:prstGeom>
+        <a:solidFill>
+          <a:schemeClr val="accent1">
+            <a:hueOff val="0"/>
+            <a:satOff val="0"/>
+            <a:lumOff val="0"/>
+            <a:alphaOff val="0"/>
+          </a:schemeClr>
+        </a:solidFill>
+        <a:ln w="12700" cap="flat" cmpd="sng" algn="ctr">
+          <a:solidFill>
+            <a:schemeClr val="lt1">
+              <a:hueOff val="0"/>
+              <a:satOff val="0"/>
+              <a:lumOff val="0"/>
+              <a:alphaOff val="0"/>
+            </a:schemeClr>
+          </a:solidFill>
+          <a:prstDash val="solid"/>
+          <a:miter lim="800000"/>
+        </a:ln>
+        <a:effectLst/>
+      </dsp:spPr>
+      <dsp:style>
+        <a:lnRef idx="2">
+          <a:scrgbClr r="0" g="0" b="0"/>
+        </a:lnRef>
+        <a:fillRef idx="1">
+          <a:scrgbClr r="0" g="0" b="0"/>
+        </a:fillRef>
+        <a:effectRef idx="0">
+          <a:scrgbClr r="0" g="0" b="0"/>
+        </a:effectRef>
+        <a:fontRef idx="minor">
+          <a:schemeClr val="lt1"/>
+        </a:fontRef>
+      </dsp:style>
+      <dsp:txBody>
+        <a:bodyPr spcFirstLastPara="0" vert="horz" wrap="square" lIns="87630" tIns="87630" rIns="87630" bIns="87630" numCol="1" spcCol="1270" anchor="ctr" anchorCtr="0">
+          <a:noAutofit/>
+        </a:bodyPr>
+        <a:lstStyle/>
+        <a:p>
+          <a:pPr marL="0" lvl="0" indent="0" algn="ctr" defTabSz="1022350">
+            <a:lnSpc>
+              <a:spcPct val="90000"/>
+            </a:lnSpc>
+            <a:spcBef>
+              <a:spcPct val="0"/>
+            </a:spcBef>
+            <a:spcAft>
+              <a:spcPct val="35000"/>
+            </a:spcAft>
+            <a:buNone/>
+          </a:pPr>
+          <a:r>
+            <a:rPr lang="fr-CH" sz="2300" kern="1200" dirty="0"/>
+            <a:t>Data acquisition</a:t>
+          </a:r>
+        </a:p>
+      </dsp:txBody>
+      <dsp:txXfrm>
+        <a:off x="40127" y="343769"/>
+        <a:ext cx="1949441" cy="1141260"/>
+      </dsp:txXfrm>
+    </dsp:sp>
+    <dsp:sp modelId="{23DA2131-76A6-49A4-828A-C956B784DA1C}">
+      <dsp:nvSpPr>
+        <dsp:cNvPr id="0" name=""/>
+        <dsp:cNvSpPr/>
+      </dsp:nvSpPr>
+      <dsp:spPr>
+        <a:xfrm>
+          <a:off x="2227119" y="663863"/>
+          <a:ext cx="428336" cy="501072"/>
+        </a:xfrm>
+        <a:prstGeom prst="rightArrow">
+          <a:avLst>
+            <a:gd name="adj1" fmla="val 60000"/>
+            <a:gd name="adj2" fmla="val 50000"/>
+          </a:avLst>
+        </a:prstGeom>
+        <a:solidFill>
+          <a:schemeClr val="accent1">
+            <a:tint val="60000"/>
+            <a:hueOff val="0"/>
+            <a:satOff val="0"/>
+            <a:lumOff val="0"/>
+            <a:alphaOff val="0"/>
+          </a:schemeClr>
+        </a:solidFill>
+        <a:ln>
+          <a:noFill/>
+        </a:ln>
+        <a:effectLst/>
+      </dsp:spPr>
+      <dsp:style>
+        <a:lnRef idx="0">
+          <a:scrgbClr r="0" g="0" b="0"/>
+        </a:lnRef>
+        <a:fillRef idx="1">
+          <a:scrgbClr r="0" g="0" b="0"/>
+        </a:fillRef>
+        <a:effectRef idx="0">
+          <a:scrgbClr r="0" g="0" b="0"/>
+        </a:effectRef>
+        <a:fontRef idx="minor">
+          <a:schemeClr val="lt1"/>
+        </a:fontRef>
+      </dsp:style>
+      <dsp:txBody>
+        <a:bodyPr spcFirstLastPara="0" vert="horz" wrap="square" lIns="0" tIns="0" rIns="0" bIns="0" numCol="1" spcCol="1270" anchor="ctr" anchorCtr="0">
+          <a:noAutofit/>
+        </a:bodyPr>
+        <a:lstStyle/>
+        <a:p>
+          <a:pPr marL="0" lvl="0" indent="0" algn="ctr" defTabSz="844550">
+            <a:lnSpc>
+              <a:spcPct val="90000"/>
+            </a:lnSpc>
+            <a:spcBef>
+              <a:spcPct val="0"/>
+            </a:spcBef>
+            <a:spcAft>
+              <a:spcPct val="35000"/>
+            </a:spcAft>
+            <a:buNone/>
+          </a:pPr>
+          <a:endParaRPr lang="fr-CH" sz="1900" kern="1200"/>
+        </a:p>
+      </dsp:txBody>
+      <dsp:txXfrm>
+        <a:off x="2227119" y="764077"/>
+        <a:ext cx="299835" cy="300644"/>
+      </dsp:txXfrm>
+    </dsp:sp>
+    <dsp:sp modelId="{E348D592-1B4C-400E-BFC1-0C70275A1410}">
+      <dsp:nvSpPr>
+        <dsp:cNvPr id="0" name=""/>
+        <dsp:cNvSpPr/>
+      </dsp:nvSpPr>
+      <dsp:spPr>
+        <a:xfrm>
+          <a:off x="2833255" y="308263"/>
+          <a:ext cx="2020453" cy="1212272"/>
+        </a:xfrm>
+        <a:prstGeom prst="roundRect">
+          <a:avLst>
+            <a:gd name="adj" fmla="val 10000"/>
+          </a:avLst>
+        </a:prstGeom>
+        <a:solidFill>
+          <a:schemeClr val="accent1">
+            <a:hueOff val="0"/>
+            <a:satOff val="0"/>
+            <a:lumOff val="0"/>
+            <a:alphaOff val="0"/>
+          </a:schemeClr>
+        </a:solidFill>
+        <a:ln w="12700" cap="flat" cmpd="sng" algn="ctr">
+          <a:solidFill>
+            <a:schemeClr val="lt1">
+              <a:hueOff val="0"/>
+              <a:satOff val="0"/>
+              <a:lumOff val="0"/>
+              <a:alphaOff val="0"/>
+            </a:schemeClr>
+          </a:solidFill>
+          <a:prstDash val="solid"/>
+          <a:miter lim="800000"/>
+        </a:ln>
+        <a:effectLst/>
+      </dsp:spPr>
+      <dsp:style>
+        <a:lnRef idx="2">
+          <a:scrgbClr r="0" g="0" b="0"/>
+        </a:lnRef>
+        <a:fillRef idx="1">
+          <a:scrgbClr r="0" g="0" b="0"/>
+        </a:fillRef>
+        <a:effectRef idx="0">
+          <a:scrgbClr r="0" g="0" b="0"/>
+        </a:effectRef>
+        <a:fontRef idx="minor">
+          <a:schemeClr val="lt1"/>
+        </a:fontRef>
+      </dsp:style>
+      <dsp:txBody>
+        <a:bodyPr spcFirstLastPara="0" vert="horz" wrap="square" lIns="87630" tIns="87630" rIns="87630" bIns="87630" numCol="1" spcCol="1270" anchor="ctr" anchorCtr="0">
+          <a:noAutofit/>
+        </a:bodyPr>
+        <a:lstStyle/>
+        <a:p>
+          <a:pPr marL="0" lvl="0" indent="0" algn="ctr" defTabSz="1022350">
+            <a:lnSpc>
+              <a:spcPct val="90000"/>
+            </a:lnSpc>
+            <a:spcBef>
+              <a:spcPct val="0"/>
+            </a:spcBef>
+            <a:spcAft>
+              <a:spcPct val="35000"/>
+            </a:spcAft>
+            <a:buNone/>
+          </a:pPr>
+          <a:r>
+            <a:rPr lang="fr-CH" sz="2300" kern="1200" dirty="0"/>
+            <a:t>Data </a:t>
+          </a:r>
+          <a:r>
+            <a:rPr lang="fr-CH" sz="2300" kern="1200" dirty="0" err="1"/>
+            <a:t>analysis</a:t>
+          </a:r>
+          <a:endParaRPr lang="fr-CH" sz="2300" kern="1200" dirty="0"/>
+        </a:p>
+      </dsp:txBody>
+      <dsp:txXfrm>
+        <a:off x="2868761" y="343769"/>
+        <a:ext cx="1949441" cy="1141260"/>
+      </dsp:txXfrm>
+    </dsp:sp>
+    <dsp:sp modelId="{056D0B3D-7CDD-470B-AC60-AEDC54CAF770}">
+      <dsp:nvSpPr>
+        <dsp:cNvPr id="0" name=""/>
+        <dsp:cNvSpPr/>
+      </dsp:nvSpPr>
+      <dsp:spPr>
+        <a:xfrm>
+          <a:off x="5055754" y="663863"/>
+          <a:ext cx="428336" cy="501072"/>
+        </a:xfrm>
+        <a:prstGeom prst="rightArrow">
+          <a:avLst>
+            <a:gd name="adj1" fmla="val 60000"/>
+            <a:gd name="adj2" fmla="val 50000"/>
+          </a:avLst>
+        </a:prstGeom>
+        <a:solidFill>
+          <a:schemeClr val="accent1">
+            <a:tint val="60000"/>
+            <a:hueOff val="0"/>
+            <a:satOff val="0"/>
+            <a:lumOff val="0"/>
+            <a:alphaOff val="0"/>
+          </a:schemeClr>
+        </a:solidFill>
+        <a:ln>
+          <a:noFill/>
+        </a:ln>
+        <a:effectLst/>
+      </dsp:spPr>
+      <dsp:style>
+        <a:lnRef idx="0">
+          <a:scrgbClr r="0" g="0" b="0"/>
+        </a:lnRef>
+        <a:fillRef idx="1">
+          <a:scrgbClr r="0" g="0" b="0"/>
+        </a:fillRef>
+        <a:effectRef idx="0">
+          <a:scrgbClr r="0" g="0" b="0"/>
+        </a:effectRef>
+        <a:fontRef idx="minor">
+          <a:schemeClr val="lt1"/>
+        </a:fontRef>
+      </dsp:style>
+      <dsp:txBody>
+        <a:bodyPr spcFirstLastPara="0" vert="horz" wrap="square" lIns="0" tIns="0" rIns="0" bIns="0" numCol="1" spcCol="1270" anchor="ctr" anchorCtr="0">
+          <a:noAutofit/>
+        </a:bodyPr>
+        <a:lstStyle/>
+        <a:p>
+          <a:pPr marL="0" lvl="0" indent="0" algn="ctr" defTabSz="844550">
+            <a:lnSpc>
+              <a:spcPct val="90000"/>
+            </a:lnSpc>
+            <a:spcBef>
+              <a:spcPct val="0"/>
+            </a:spcBef>
+            <a:spcAft>
+              <a:spcPct val="35000"/>
+            </a:spcAft>
+            <a:buNone/>
+          </a:pPr>
+          <a:endParaRPr lang="fr-CH" sz="1900" kern="1200"/>
+        </a:p>
+      </dsp:txBody>
+      <dsp:txXfrm>
+        <a:off x="5055754" y="764077"/>
+        <a:ext cx="299835" cy="300644"/>
+      </dsp:txXfrm>
+    </dsp:sp>
+    <dsp:sp modelId="{C1A70009-317D-4040-804D-7D32C5B7CE89}">
+      <dsp:nvSpPr>
+        <dsp:cNvPr id="0" name=""/>
+        <dsp:cNvSpPr/>
+      </dsp:nvSpPr>
+      <dsp:spPr>
+        <a:xfrm>
+          <a:off x="5661890" y="308263"/>
+          <a:ext cx="2020453" cy="1212272"/>
+        </a:xfrm>
+        <a:prstGeom prst="roundRect">
+          <a:avLst>
+            <a:gd name="adj" fmla="val 10000"/>
+          </a:avLst>
+        </a:prstGeom>
+        <a:solidFill>
+          <a:schemeClr val="accent1">
+            <a:hueOff val="0"/>
+            <a:satOff val="0"/>
+            <a:lumOff val="0"/>
+            <a:alphaOff val="0"/>
+          </a:schemeClr>
+        </a:solidFill>
+        <a:ln w="12700" cap="flat" cmpd="sng" algn="ctr">
+          <a:solidFill>
+            <a:schemeClr val="lt1">
+              <a:hueOff val="0"/>
+              <a:satOff val="0"/>
+              <a:lumOff val="0"/>
+              <a:alphaOff val="0"/>
+            </a:schemeClr>
+          </a:solidFill>
+          <a:prstDash val="solid"/>
+          <a:miter lim="800000"/>
+        </a:ln>
+        <a:effectLst/>
+      </dsp:spPr>
+      <dsp:style>
+        <a:lnRef idx="2">
+          <a:scrgbClr r="0" g="0" b="0"/>
+        </a:lnRef>
+        <a:fillRef idx="1">
+          <a:scrgbClr r="0" g="0" b="0"/>
+        </a:fillRef>
+        <a:effectRef idx="0">
+          <a:scrgbClr r="0" g="0" b="0"/>
+        </a:effectRef>
+        <a:fontRef idx="minor">
+          <a:schemeClr val="lt1"/>
+        </a:fontRef>
+      </dsp:style>
+      <dsp:txBody>
+        <a:bodyPr spcFirstLastPara="0" vert="horz" wrap="square" lIns="87630" tIns="87630" rIns="87630" bIns="87630" numCol="1" spcCol="1270" anchor="ctr" anchorCtr="0">
+          <a:noAutofit/>
+        </a:bodyPr>
+        <a:lstStyle/>
+        <a:p>
+          <a:pPr marL="0" lvl="0" indent="0" algn="ctr" defTabSz="1022350">
+            <a:lnSpc>
+              <a:spcPct val="90000"/>
+            </a:lnSpc>
+            <a:spcBef>
+              <a:spcPct val="0"/>
+            </a:spcBef>
+            <a:spcAft>
+              <a:spcPct val="35000"/>
+            </a:spcAft>
+            <a:buNone/>
+          </a:pPr>
+          <a:r>
+            <a:rPr lang="fr-CH" sz="2300" kern="1200" dirty="0"/>
+            <a:t>Data-</a:t>
+          </a:r>
+          <a:r>
+            <a:rPr lang="fr-CH" sz="2300" kern="1200" dirty="0" err="1"/>
+            <a:t>driven</a:t>
+          </a:r>
+          <a:r>
+            <a:rPr lang="fr-CH" sz="2300" kern="1200" dirty="0"/>
+            <a:t> </a:t>
+          </a:r>
+          <a:r>
+            <a:rPr lang="fr-CH" sz="2300" kern="1200" dirty="0" err="1"/>
+            <a:t>Predictive</a:t>
+          </a:r>
+          <a:r>
+            <a:rPr lang="fr-CH" sz="2300" kern="1200" dirty="0"/>
+            <a:t> </a:t>
+          </a:r>
+          <a:r>
+            <a:rPr lang="fr-CH" sz="2300" kern="1200" dirty="0" err="1"/>
+            <a:t>Underwriting</a:t>
+          </a:r>
+          <a:endParaRPr lang="fr-CH" sz="2300" kern="1200" dirty="0"/>
+        </a:p>
+      </dsp:txBody>
+      <dsp:txXfrm>
+        <a:off x="5697396" y="343769"/>
+        <a:ext cx="1949441" cy="1141260"/>
+      </dsp:txXfrm>
+    </dsp:sp>
+    <dsp:sp modelId="{095731D6-57DA-4184-9ABF-FEBD2D2FF3D8}">
+      <dsp:nvSpPr>
+        <dsp:cNvPr id="0" name=""/>
+        <dsp:cNvSpPr/>
+      </dsp:nvSpPr>
+      <dsp:spPr>
+        <a:xfrm>
+          <a:off x="7884389" y="663863"/>
+          <a:ext cx="428336" cy="501072"/>
+        </a:xfrm>
+        <a:prstGeom prst="rightArrow">
+          <a:avLst>
+            <a:gd name="adj1" fmla="val 60000"/>
+            <a:gd name="adj2" fmla="val 50000"/>
+          </a:avLst>
+        </a:prstGeom>
+        <a:solidFill>
+          <a:schemeClr val="accent1">
+            <a:tint val="60000"/>
+            <a:hueOff val="0"/>
+            <a:satOff val="0"/>
+            <a:lumOff val="0"/>
+            <a:alphaOff val="0"/>
+          </a:schemeClr>
+        </a:solidFill>
+        <a:ln>
+          <a:noFill/>
+        </a:ln>
+        <a:effectLst/>
+      </dsp:spPr>
+      <dsp:style>
+        <a:lnRef idx="0">
+          <a:scrgbClr r="0" g="0" b="0"/>
+        </a:lnRef>
+        <a:fillRef idx="1">
+          <a:scrgbClr r="0" g="0" b="0"/>
+        </a:fillRef>
+        <a:effectRef idx="0">
+          <a:scrgbClr r="0" g="0" b="0"/>
+        </a:effectRef>
+        <a:fontRef idx="minor">
+          <a:schemeClr val="lt1"/>
+        </a:fontRef>
+      </dsp:style>
+      <dsp:txBody>
+        <a:bodyPr spcFirstLastPara="0" vert="horz" wrap="square" lIns="0" tIns="0" rIns="0" bIns="0" numCol="1" spcCol="1270" anchor="ctr" anchorCtr="0">
+          <a:noAutofit/>
+        </a:bodyPr>
+        <a:lstStyle/>
+        <a:p>
+          <a:pPr marL="0" lvl="0" indent="0" algn="ctr" defTabSz="844550">
+            <a:lnSpc>
+              <a:spcPct val="90000"/>
+            </a:lnSpc>
+            <a:spcBef>
+              <a:spcPct val="0"/>
+            </a:spcBef>
+            <a:spcAft>
+              <a:spcPct val="35000"/>
+            </a:spcAft>
+            <a:buNone/>
+          </a:pPr>
+          <a:endParaRPr lang="fr-CH" sz="1900" kern="1200"/>
+        </a:p>
+      </dsp:txBody>
+      <dsp:txXfrm>
+        <a:off x="7884389" y="764077"/>
+        <a:ext cx="299835" cy="300644"/>
+      </dsp:txXfrm>
+    </dsp:sp>
+    <dsp:sp modelId="{0CA63D8F-2360-4C5C-9452-C2F1223EF56B}">
+      <dsp:nvSpPr>
+        <dsp:cNvPr id="0" name=""/>
+        <dsp:cNvSpPr/>
+      </dsp:nvSpPr>
+      <dsp:spPr>
+        <a:xfrm>
+          <a:off x="8490525" y="308263"/>
+          <a:ext cx="2020453" cy="1212272"/>
+        </a:xfrm>
+        <a:prstGeom prst="roundRect">
+          <a:avLst>
+            <a:gd name="adj" fmla="val 10000"/>
+          </a:avLst>
+        </a:prstGeom>
+        <a:solidFill>
+          <a:schemeClr val="accent1">
+            <a:hueOff val="0"/>
+            <a:satOff val="0"/>
+            <a:lumOff val="0"/>
+            <a:alphaOff val="0"/>
+          </a:schemeClr>
+        </a:solidFill>
+        <a:ln w="12700" cap="flat" cmpd="sng" algn="ctr">
+          <a:solidFill>
+            <a:schemeClr val="lt1">
+              <a:hueOff val="0"/>
+              <a:satOff val="0"/>
+              <a:lumOff val="0"/>
+              <a:alphaOff val="0"/>
+            </a:schemeClr>
+          </a:solidFill>
+          <a:prstDash val="solid"/>
+          <a:miter lim="800000"/>
+        </a:ln>
+        <a:effectLst/>
+      </dsp:spPr>
+      <dsp:style>
+        <a:lnRef idx="2">
+          <a:scrgbClr r="0" g="0" b="0"/>
+        </a:lnRef>
+        <a:fillRef idx="1">
+          <a:scrgbClr r="0" g="0" b="0"/>
+        </a:fillRef>
+        <a:effectRef idx="0">
+          <a:scrgbClr r="0" g="0" b="0"/>
+        </a:effectRef>
+        <a:fontRef idx="minor">
+          <a:schemeClr val="lt1"/>
+        </a:fontRef>
+      </dsp:style>
+      <dsp:txBody>
+        <a:bodyPr spcFirstLastPara="0" vert="horz" wrap="square" lIns="87630" tIns="87630" rIns="87630" bIns="87630" numCol="1" spcCol="1270" anchor="ctr" anchorCtr="0">
+          <a:noAutofit/>
+        </a:bodyPr>
+        <a:lstStyle/>
+        <a:p>
+          <a:pPr marL="0" lvl="0" indent="0" algn="ctr" defTabSz="1022350">
+            <a:lnSpc>
+              <a:spcPct val="90000"/>
+            </a:lnSpc>
+            <a:spcBef>
+              <a:spcPct val="0"/>
+            </a:spcBef>
+            <a:spcAft>
+              <a:spcPct val="35000"/>
+            </a:spcAft>
+            <a:buNone/>
+          </a:pPr>
+          <a:r>
+            <a:rPr lang="fr-CH" sz="2300" kern="1200" dirty="0"/>
+            <a:t>Adaptive Pricing</a:t>
+          </a:r>
+        </a:p>
+      </dsp:txBody>
+      <dsp:txXfrm>
+        <a:off x="8526031" y="343769"/>
+        <a:ext cx="1949441" cy="1141260"/>
+      </dsp:txXfrm>
+    </dsp:sp>
+  </dsp:spTree>
+</dsp:drawing>
+</file>
+
 <file path=ppt/diagrams/layout1.xml><?xml version="1.0" encoding="utf-8"?>
 <dgm:layoutDef xmlns:dgm="http://schemas.openxmlformats.org/drawingml/2006/diagram" xmlns:a="http://schemas.openxmlformats.org/drawingml/2006/main" uniqueId="urn:microsoft.com/office/officeart/2005/8/layout/hList1">
   <dgm:title val=""/>
@@ -7289,7 +10150,1187 @@
 </dgm:layoutDef>
 </file>
 
+<file path=ppt/diagrams/layout2.xml><?xml version="1.0" encoding="utf-8"?>
+<dgm:layoutDef xmlns:dgm="http://schemas.openxmlformats.org/drawingml/2006/diagram" xmlns:a="http://schemas.openxmlformats.org/drawingml/2006/main" uniqueId="urn:microsoft.com/office/officeart/2005/8/layout/process1">
+  <dgm:title val=""/>
+  <dgm:desc val=""/>
+  <dgm:catLst>
+    <dgm:cat type="process" pri="1000"/>
+    <dgm:cat type="convert" pri="15000"/>
+  </dgm:catLst>
+  <dgm:sampData useDef="1">
+    <dgm:dataModel>
+      <dgm:ptLst/>
+      <dgm:bg/>
+      <dgm:whole/>
+    </dgm:dataModel>
+  </dgm:sampData>
+  <dgm:styleData>
+    <dgm:dataModel>
+      <dgm:ptLst>
+        <dgm:pt modelId="0" type="doc"/>
+        <dgm:pt modelId="1"/>
+        <dgm:pt modelId="2"/>
+      </dgm:ptLst>
+      <dgm:cxnLst>
+        <dgm:cxn modelId="3" srcId="0" destId="1" srcOrd="0" destOrd="0"/>
+        <dgm:cxn modelId="4" srcId="0" destId="2" srcOrd="1" destOrd="0"/>
+      </dgm:cxnLst>
+      <dgm:bg/>
+      <dgm:whole/>
+    </dgm:dataModel>
+  </dgm:styleData>
+  <dgm:clrData>
+    <dgm:dataModel>
+      <dgm:ptLst>
+        <dgm:pt modelId="0" type="doc"/>
+        <dgm:pt modelId="1"/>
+        <dgm:pt modelId="2"/>
+        <dgm:pt modelId="3"/>
+        <dgm:pt modelId="4"/>
+      </dgm:ptLst>
+      <dgm:cxnLst>
+        <dgm:cxn modelId="5" srcId="0" destId="1" srcOrd="0" destOrd="0"/>
+        <dgm:cxn modelId="6" srcId="0" destId="2" srcOrd="1" destOrd="0"/>
+        <dgm:cxn modelId="7" srcId="0" destId="3" srcOrd="2" destOrd="0"/>
+        <dgm:cxn modelId="8" srcId="0" destId="4" srcOrd="3" destOrd="0"/>
+      </dgm:cxnLst>
+      <dgm:bg/>
+      <dgm:whole/>
+    </dgm:dataModel>
+  </dgm:clrData>
+  <dgm:layoutNode name="Name0">
+    <dgm:varLst>
+      <dgm:dir/>
+      <dgm:resizeHandles val="exact"/>
+    </dgm:varLst>
+    <dgm:choose name="Name1">
+      <dgm:if name="Name2" func="var" arg="dir" op="equ" val="norm">
+        <dgm:alg type="lin"/>
+      </dgm:if>
+      <dgm:else name="Name3">
+        <dgm:alg type="lin">
+          <dgm:param type="linDir" val="fromR"/>
+        </dgm:alg>
+      </dgm:else>
+    </dgm:choose>
+    <dgm:shape xmlns:r="http://schemas.openxmlformats.org/officeDocument/2006/relationships" r:blip="">
+      <dgm:adjLst/>
+    </dgm:shape>
+    <dgm:presOf/>
+    <dgm:constrLst>
+      <dgm:constr type="w" for="ch" ptType="node" refType="w"/>
+      <dgm:constr type="h" for="ch" ptType="node" op="equ"/>
+      <dgm:constr type="primFontSz" for="ch" ptType="node" op="equ" val="65"/>
+      <dgm:constr type="w" for="ch" ptType="sibTrans" refType="w" refFor="ch" refPtType="node" op="equ" fact="0.4"/>
+      <dgm:constr type="h" for="ch" ptType="sibTrans" op="equ"/>
+      <dgm:constr type="primFontSz" for="des" forName="connectorText" op="equ" val="55"/>
+      <dgm:constr type="primFontSz" for="des" forName="connectorText" refType="primFontSz" refFor="ch" refPtType="node" op="lte" fact="0.8"/>
+    </dgm:constrLst>
+    <dgm:ruleLst/>
+    <dgm:forEach name="nodesForEach" axis="ch" ptType="node">
+      <dgm:layoutNode name="node">
+        <dgm:varLst>
+          <dgm:bulletEnabled val="1"/>
+        </dgm:varLst>
+        <dgm:alg type="tx"/>
+        <dgm:shape xmlns:r="http://schemas.openxmlformats.org/officeDocument/2006/relationships" type="roundRect" r:blip="">
+          <dgm:adjLst>
+            <dgm:adj idx="1" val="0.1"/>
+          </dgm:adjLst>
+        </dgm:shape>
+        <dgm:presOf axis="desOrSelf" ptType="node"/>
+        <dgm:constrLst>
+          <dgm:constr type="h" refType="w" fact="0.6"/>
+          <dgm:constr type="tMarg" refType="primFontSz" fact="0.3"/>
+          <dgm:constr type="bMarg" refType="primFontSz" fact="0.3"/>
+          <dgm:constr type="lMarg" refType="primFontSz" fact="0.3"/>
+          <dgm:constr type="rMarg" refType="primFontSz" fact="0.3"/>
+        </dgm:constrLst>
+        <dgm:ruleLst>
+          <dgm:rule type="primFontSz" val="18" fact="NaN" max="NaN"/>
+          <dgm:rule type="h" val="NaN" fact="1.5" max="NaN"/>
+          <dgm:rule type="primFontSz" val="5" fact="NaN" max="NaN"/>
+          <dgm:rule type="h" val="INF" fact="NaN" max="NaN"/>
+        </dgm:ruleLst>
+      </dgm:layoutNode>
+      <dgm:forEach name="sibTransForEach" axis="followSib" ptType="sibTrans" cnt="1">
+        <dgm:layoutNode name="sibTrans">
+          <dgm:alg type="conn">
+            <dgm:param type="begPts" val="auto"/>
+            <dgm:param type="endPts" val="auto"/>
+          </dgm:alg>
+          <dgm:shape xmlns:r="http://schemas.openxmlformats.org/officeDocument/2006/relationships" type="conn" r:blip="">
+            <dgm:adjLst/>
+          </dgm:shape>
+          <dgm:presOf axis="self"/>
+          <dgm:constrLst>
+            <dgm:constr type="h" refType="w" fact="0.62"/>
+            <dgm:constr type="connDist"/>
+            <dgm:constr type="begPad" refType="connDist" fact="0.25"/>
+            <dgm:constr type="endPad" refType="connDist" fact="0.22"/>
+          </dgm:constrLst>
+          <dgm:ruleLst/>
+          <dgm:layoutNode name="connectorText">
+            <dgm:alg type="tx">
+              <dgm:param type="autoTxRot" val="grav"/>
+            </dgm:alg>
+            <dgm:shape xmlns:r="http://schemas.openxmlformats.org/officeDocument/2006/relationships" type="conn" r:blip="" hideGeom="1">
+              <dgm:adjLst/>
+            </dgm:shape>
+            <dgm:presOf axis="self"/>
+            <dgm:constrLst>
+              <dgm:constr type="lMarg"/>
+              <dgm:constr type="rMarg"/>
+              <dgm:constr type="tMarg"/>
+              <dgm:constr type="bMarg"/>
+            </dgm:constrLst>
+            <dgm:ruleLst>
+              <dgm:rule type="primFontSz" val="5" fact="NaN" max="NaN"/>
+            </dgm:ruleLst>
+          </dgm:layoutNode>
+        </dgm:layoutNode>
+      </dgm:forEach>
+    </dgm:forEach>
+  </dgm:layoutNode>
+</dgm:layoutDef>
+</file>
+
 <file path=ppt/diagrams/quickStyle1.xml><?xml version="1.0" encoding="utf-8"?>
+<dgm:styleDef xmlns:dgm="http://schemas.openxmlformats.org/drawingml/2006/diagram" xmlns:a="http://schemas.openxmlformats.org/drawingml/2006/main" uniqueId="urn:microsoft.com/office/officeart/2005/8/quickstyle/simple1">
+  <dgm:title val=""/>
+  <dgm:desc val=""/>
+  <dgm:catLst>
+    <dgm:cat type="simple" pri="10100"/>
+  </dgm:catLst>
+  <dgm:scene3d>
+    <a:camera prst="orthographicFront"/>
+    <a:lightRig rig="threePt" dir="t"/>
+  </dgm:scene3d>
+  <dgm:styleLbl name="node0">
+    <dgm:scene3d>
+      <a:camera prst="orthographicFront"/>
+      <a:lightRig rig="threePt" dir="t"/>
+    </dgm:scene3d>
+    <dgm:sp3d/>
+    <dgm:txPr/>
+    <dgm:style>
+      <a:lnRef idx="2">
+        <a:scrgbClr r="0" g="0" b="0"/>
+      </a:lnRef>
+      <a:fillRef idx="1">
+        <a:scrgbClr r="0" g="0" b="0"/>
+      </a:fillRef>
+      <a:effectRef idx="0">
+        <a:scrgbClr r="0" g="0" b="0"/>
+      </a:effectRef>
+      <a:fontRef idx="minor">
+        <a:schemeClr val="lt1"/>
+      </a:fontRef>
+    </dgm:style>
+  </dgm:styleLbl>
+  <dgm:styleLbl name="lnNode1">
+    <dgm:scene3d>
+      <a:camera prst="orthographicFront"/>
+      <a:lightRig rig="threePt" dir="t"/>
+    </dgm:scene3d>
+    <dgm:sp3d/>
+    <dgm:txPr/>
+    <dgm:style>
+      <a:lnRef idx="2">
+        <a:scrgbClr r="0" g="0" b="0"/>
+      </a:lnRef>
+      <a:fillRef idx="1">
+        <a:scrgbClr r="0" g="0" b="0"/>
+      </a:fillRef>
+      <a:effectRef idx="0">
+        <a:scrgbClr r="0" g="0" b="0"/>
+      </a:effectRef>
+      <a:fontRef idx="minor">
+        <a:schemeClr val="lt1"/>
+      </a:fontRef>
+    </dgm:style>
+  </dgm:styleLbl>
+  <dgm:styleLbl name="vennNode1">
+    <dgm:scene3d>
+      <a:camera prst="orthographicFront"/>
+      <a:lightRig rig="threePt" dir="t"/>
+    </dgm:scene3d>
+    <dgm:sp3d/>
+    <dgm:txPr/>
+    <dgm:style>
+      <a:lnRef idx="2">
+        <a:scrgbClr r="0" g="0" b="0"/>
+      </a:lnRef>
+      <a:fillRef idx="1">
+        <a:scrgbClr r="0" g="0" b="0"/>
+      </a:fillRef>
+      <a:effectRef idx="0">
+        <a:scrgbClr r="0" g="0" b="0"/>
+      </a:effectRef>
+      <a:fontRef idx="minor">
+        <a:schemeClr val="tx1"/>
+      </a:fontRef>
+    </dgm:style>
+  </dgm:styleLbl>
+  <dgm:styleLbl name="alignNode1">
+    <dgm:scene3d>
+      <a:camera prst="orthographicFront"/>
+      <a:lightRig rig="threePt" dir="t"/>
+    </dgm:scene3d>
+    <dgm:sp3d/>
+    <dgm:txPr/>
+    <dgm:style>
+      <a:lnRef idx="2">
+        <a:scrgbClr r="0" g="0" b="0"/>
+      </a:lnRef>
+      <a:fillRef idx="1">
+        <a:scrgbClr r="0" g="0" b="0"/>
+      </a:fillRef>
+      <a:effectRef idx="0">
+        <a:scrgbClr r="0" g="0" b="0"/>
+      </a:effectRef>
+      <a:fontRef idx="minor">
+        <a:schemeClr val="lt1"/>
+      </a:fontRef>
+    </dgm:style>
+  </dgm:styleLbl>
+  <dgm:styleLbl name="node1">
+    <dgm:scene3d>
+      <a:camera prst="orthographicFront"/>
+      <a:lightRig rig="threePt" dir="t"/>
+    </dgm:scene3d>
+    <dgm:sp3d/>
+    <dgm:txPr/>
+    <dgm:style>
+      <a:lnRef idx="2">
+        <a:scrgbClr r="0" g="0" b="0"/>
+      </a:lnRef>
+      <a:fillRef idx="1">
+        <a:scrgbClr r="0" g="0" b="0"/>
+      </a:fillRef>
+      <a:effectRef idx="0">
+        <a:scrgbClr r="0" g="0" b="0"/>
+      </a:effectRef>
+      <a:fontRef idx="minor">
+        <a:schemeClr val="lt1"/>
+      </a:fontRef>
+    </dgm:style>
+  </dgm:styleLbl>
+  <dgm:styleLbl name="node2">
+    <dgm:scene3d>
+      <a:camera prst="orthographicFront"/>
+      <a:lightRig rig="threePt" dir="t"/>
+    </dgm:scene3d>
+    <dgm:sp3d/>
+    <dgm:txPr/>
+    <dgm:style>
+      <a:lnRef idx="2">
+        <a:scrgbClr r="0" g="0" b="0"/>
+      </a:lnRef>
+      <a:fillRef idx="1">
+        <a:scrgbClr r="0" g="0" b="0"/>
+      </a:fillRef>
+      <a:effectRef idx="0">
+        <a:scrgbClr r="0" g="0" b="0"/>
+      </a:effectRef>
+      <a:fontRef idx="minor">
+        <a:schemeClr val="lt1"/>
+      </a:fontRef>
+    </dgm:style>
+  </dgm:styleLbl>
+  <dgm:styleLbl name="node3">
+    <dgm:scene3d>
+      <a:camera prst="orthographicFront"/>
+      <a:lightRig rig="threePt" dir="t"/>
+    </dgm:scene3d>
+    <dgm:sp3d/>
+    <dgm:txPr/>
+    <dgm:style>
+      <a:lnRef idx="2">
+        <a:scrgbClr r="0" g="0" b="0"/>
+      </a:lnRef>
+      <a:fillRef idx="1">
+        <a:scrgbClr r="0" g="0" b="0"/>
+      </a:fillRef>
+      <a:effectRef idx="0">
+        <a:scrgbClr r="0" g="0" b="0"/>
+      </a:effectRef>
+      <a:fontRef idx="minor">
+        <a:schemeClr val="lt1"/>
+      </a:fontRef>
+    </dgm:style>
+  </dgm:styleLbl>
+  <dgm:styleLbl name="node4">
+    <dgm:scene3d>
+      <a:camera prst="orthographicFront"/>
+      <a:lightRig rig="threePt" dir="t"/>
+    </dgm:scene3d>
+    <dgm:sp3d/>
+    <dgm:txPr/>
+    <dgm:style>
+      <a:lnRef idx="2">
+        <a:scrgbClr r="0" g="0" b="0"/>
+      </a:lnRef>
+      <a:fillRef idx="1">
+        <a:scrgbClr r="0" g="0" b="0"/>
+      </a:fillRef>
+      <a:effectRef idx="0">
+        <a:scrgbClr r="0" g="0" b="0"/>
+      </a:effectRef>
+      <a:fontRef idx="minor">
+        <a:schemeClr val="lt1"/>
+      </a:fontRef>
+    </dgm:style>
+  </dgm:styleLbl>
+  <dgm:styleLbl name="fgImgPlace1">
+    <dgm:scene3d>
+      <a:camera prst="orthographicFront"/>
+      <a:lightRig rig="threePt" dir="t"/>
+    </dgm:scene3d>
+    <dgm:sp3d/>
+    <dgm:txPr/>
+    <dgm:style>
+      <a:lnRef idx="2">
+        <a:scrgbClr r="0" g="0" b="0"/>
+      </a:lnRef>
+      <a:fillRef idx="1">
+        <a:scrgbClr r="0" g="0" b="0"/>
+      </a:fillRef>
+      <a:effectRef idx="0">
+        <a:scrgbClr r="0" g="0" b="0"/>
+      </a:effectRef>
+      <a:fontRef idx="minor"/>
+    </dgm:style>
+  </dgm:styleLbl>
+  <dgm:styleLbl name="alignImgPlace1">
+    <dgm:scene3d>
+      <a:camera prst="orthographicFront"/>
+      <a:lightRig rig="threePt" dir="t"/>
+    </dgm:scene3d>
+    <dgm:sp3d/>
+    <dgm:txPr/>
+    <dgm:style>
+      <a:lnRef idx="2">
+        <a:scrgbClr r="0" g="0" b="0"/>
+      </a:lnRef>
+      <a:fillRef idx="1">
+        <a:scrgbClr r="0" g="0" b="0"/>
+      </a:fillRef>
+      <a:effectRef idx="0">
+        <a:scrgbClr r="0" g="0" b="0"/>
+      </a:effectRef>
+      <a:fontRef idx="minor"/>
+    </dgm:style>
+  </dgm:styleLbl>
+  <dgm:styleLbl name="bgImgPlace1">
+    <dgm:scene3d>
+      <a:camera prst="orthographicFront"/>
+      <a:lightRig rig="threePt" dir="t"/>
+    </dgm:scene3d>
+    <dgm:sp3d/>
+    <dgm:txPr/>
+    <dgm:style>
+      <a:lnRef idx="2">
+        <a:scrgbClr r="0" g="0" b="0"/>
+      </a:lnRef>
+      <a:fillRef idx="1">
+        <a:scrgbClr r="0" g="0" b="0"/>
+      </a:fillRef>
+      <a:effectRef idx="0">
+        <a:scrgbClr r="0" g="0" b="0"/>
+      </a:effectRef>
+      <a:fontRef idx="minor"/>
+    </dgm:style>
+  </dgm:styleLbl>
+  <dgm:styleLbl name="sibTrans2D1">
+    <dgm:scene3d>
+      <a:camera prst="orthographicFront"/>
+      <a:lightRig rig="threePt" dir="t"/>
+    </dgm:scene3d>
+    <dgm:sp3d/>
+    <dgm:txPr/>
+    <dgm:style>
+      <a:lnRef idx="0">
+        <a:scrgbClr r="0" g="0" b="0"/>
+      </a:lnRef>
+      <a:fillRef idx="1">
+        <a:scrgbClr r="0" g="0" b="0"/>
+      </a:fillRef>
+      <a:effectRef idx="0">
+        <a:scrgbClr r="0" g="0" b="0"/>
+      </a:effectRef>
+      <a:fontRef idx="minor">
+        <a:schemeClr val="lt1"/>
+      </a:fontRef>
+    </dgm:style>
+  </dgm:styleLbl>
+  <dgm:styleLbl name="fgSibTrans2D1">
+    <dgm:scene3d>
+      <a:camera prst="orthographicFront"/>
+      <a:lightRig rig="threePt" dir="t"/>
+    </dgm:scene3d>
+    <dgm:sp3d/>
+    <dgm:txPr/>
+    <dgm:style>
+      <a:lnRef idx="0">
+        <a:scrgbClr r="0" g="0" b="0"/>
+      </a:lnRef>
+      <a:fillRef idx="1">
+        <a:scrgbClr r="0" g="0" b="0"/>
+      </a:fillRef>
+      <a:effectRef idx="0">
+        <a:scrgbClr r="0" g="0" b="0"/>
+      </a:effectRef>
+      <a:fontRef idx="minor">
+        <a:schemeClr val="lt1"/>
+      </a:fontRef>
+    </dgm:style>
+  </dgm:styleLbl>
+  <dgm:styleLbl name="bgSibTrans2D1">
+    <dgm:scene3d>
+      <a:camera prst="orthographicFront"/>
+      <a:lightRig rig="threePt" dir="t"/>
+    </dgm:scene3d>
+    <dgm:sp3d/>
+    <dgm:txPr/>
+    <dgm:style>
+      <a:lnRef idx="0">
+        <a:scrgbClr r="0" g="0" b="0"/>
+      </a:lnRef>
+      <a:fillRef idx="1">
+        <a:scrgbClr r="0" g="0" b="0"/>
+      </a:fillRef>
+      <a:effectRef idx="0">
+        <a:scrgbClr r="0" g="0" b="0"/>
+      </a:effectRef>
+      <a:fontRef idx="minor">
+        <a:schemeClr val="lt1"/>
+      </a:fontRef>
+    </dgm:style>
+  </dgm:styleLbl>
+  <dgm:styleLbl name="sibTrans1D1">
+    <dgm:scene3d>
+      <a:camera prst="orthographicFront"/>
+      <a:lightRig rig="threePt" dir="t"/>
+    </dgm:scene3d>
+    <dgm:sp3d/>
+    <dgm:txPr/>
+    <dgm:style>
+      <a:lnRef idx="1">
+        <a:scrgbClr r="0" g="0" b="0"/>
+      </a:lnRef>
+      <a:fillRef idx="0">
+        <a:scrgbClr r="0" g="0" b="0"/>
+      </a:fillRef>
+      <a:effectRef idx="0">
+        <a:scrgbClr r="0" g="0" b="0"/>
+      </a:effectRef>
+      <a:fontRef idx="minor"/>
+    </dgm:style>
+  </dgm:styleLbl>
+  <dgm:styleLbl name="callout">
+    <dgm:scene3d>
+      <a:camera prst="orthographicFront"/>
+      <a:lightRig rig="threePt" dir="t"/>
+    </dgm:scene3d>
+    <dgm:sp3d/>
+    <dgm:txPr/>
+    <dgm:style>
+      <a:lnRef idx="2">
+        <a:scrgbClr r="0" g="0" b="0"/>
+      </a:lnRef>
+      <a:fillRef idx="1">
+        <a:scrgbClr r="0" g="0" b="0"/>
+      </a:fillRef>
+      <a:effectRef idx="0">
+        <a:scrgbClr r="0" g="0" b="0"/>
+      </a:effectRef>
+      <a:fontRef idx="minor"/>
+    </dgm:style>
+  </dgm:styleLbl>
+  <dgm:styleLbl name="asst0">
+    <dgm:scene3d>
+      <a:camera prst="orthographicFront"/>
+      <a:lightRig rig="threePt" dir="t"/>
+    </dgm:scene3d>
+    <dgm:sp3d/>
+    <dgm:txPr/>
+    <dgm:style>
+      <a:lnRef idx="2">
+        <a:scrgbClr r="0" g="0" b="0"/>
+      </a:lnRef>
+      <a:fillRef idx="1">
+        <a:scrgbClr r="0" g="0" b="0"/>
+      </a:fillRef>
+      <a:effectRef idx="0">
+        <a:scrgbClr r="0" g="0" b="0"/>
+      </a:effectRef>
+      <a:fontRef idx="minor">
+        <a:schemeClr val="lt1"/>
+      </a:fontRef>
+    </dgm:style>
+  </dgm:styleLbl>
+  <dgm:styleLbl name="asst1">
+    <dgm:scene3d>
+      <a:camera prst="orthographicFront"/>
+      <a:lightRig rig="threePt" dir="t"/>
+    </dgm:scene3d>
+    <dgm:sp3d/>
+    <dgm:txPr/>
+    <dgm:style>
+      <a:lnRef idx="2">
+        <a:scrgbClr r="0" g="0" b="0"/>
+      </a:lnRef>
+      <a:fillRef idx="1">
+        <a:scrgbClr r="0" g="0" b="0"/>
+      </a:fillRef>
+      <a:effectRef idx="0">
+        <a:scrgbClr r="0" g="0" b="0"/>
+      </a:effectRef>
+      <a:fontRef idx="minor">
+        <a:schemeClr val="lt1"/>
+      </a:fontRef>
+    </dgm:style>
+  </dgm:styleLbl>
+  <dgm:styleLbl name="asst2">
+    <dgm:scene3d>
+      <a:camera prst="orthographicFront"/>
+      <a:lightRig rig="threePt" dir="t"/>
+    </dgm:scene3d>
+    <dgm:sp3d/>
+    <dgm:txPr/>
+    <dgm:style>
+      <a:lnRef idx="2">
+        <a:scrgbClr r="0" g="0" b="0"/>
+      </a:lnRef>
+      <a:fillRef idx="1">
+        <a:scrgbClr r="0" g="0" b="0"/>
+      </a:fillRef>
+      <a:effectRef idx="0">
+        <a:scrgbClr r="0" g="0" b="0"/>
+      </a:effectRef>
+      <a:fontRef idx="minor">
+        <a:schemeClr val="lt1"/>
+      </a:fontRef>
+    </dgm:style>
+  </dgm:styleLbl>
+  <dgm:styleLbl name="asst3">
+    <dgm:scene3d>
+      <a:camera prst="orthographicFront"/>
+      <a:lightRig rig="threePt" dir="t"/>
+    </dgm:scene3d>
+    <dgm:sp3d/>
+    <dgm:txPr/>
+    <dgm:style>
+      <a:lnRef idx="2">
+        <a:scrgbClr r="0" g="0" b="0"/>
+      </a:lnRef>
+      <a:fillRef idx="1">
+        <a:scrgbClr r="0" g="0" b="0"/>
+      </a:fillRef>
+      <a:effectRef idx="0">
+        <a:scrgbClr r="0" g="0" b="0"/>
+      </a:effectRef>
+      <a:fontRef idx="minor">
+        <a:schemeClr val="lt1"/>
+      </a:fontRef>
+    </dgm:style>
+  </dgm:styleLbl>
+  <dgm:styleLbl name="asst4">
+    <dgm:scene3d>
+      <a:camera prst="orthographicFront"/>
+      <a:lightRig rig="threePt" dir="t"/>
+    </dgm:scene3d>
+    <dgm:sp3d/>
+    <dgm:txPr/>
+    <dgm:style>
+      <a:lnRef idx="2">
+        <a:scrgbClr r="0" g="0" b="0"/>
+      </a:lnRef>
+      <a:fillRef idx="1">
+        <a:scrgbClr r="0" g="0" b="0"/>
+      </a:fillRef>
+      <a:effectRef idx="0">
+        <a:scrgbClr r="0" g="0" b="0"/>
+      </a:effectRef>
+      <a:fontRef idx="minor">
+        <a:schemeClr val="lt1"/>
+      </a:fontRef>
+    </dgm:style>
+  </dgm:styleLbl>
+  <dgm:styleLbl name="parChTrans2D1">
+    <dgm:scene3d>
+      <a:camera prst="orthographicFront"/>
+      <a:lightRig rig="threePt" dir="t"/>
+    </dgm:scene3d>
+    <dgm:sp3d/>
+    <dgm:txPr/>
+    <dgm:style>
+      <a:lnRef idx="2">
+        <a:scrgbClr r="0" g="0" b="0"/>
+      </a:lnRef>
+      <a:fillRef idx="1">
+        <a:scrgbClr r="0" g="0" b="0"/>
+      </a:fillRef>
+      <a:effectRef idx="0">
+        <a:scrgbClr r="0" g="0" b="0"/>
+      </a:effectRef>
+      <a:fontRef idx="minor">
+        <a:schemeClr val="lt1"/>
+      </a:fontRef>
+    </dgm:style>
+  </dgm:styleLbl>
+  <dgm:styleLbl name="parChTrans2D2">
+    <dgm:scene3d>
+      <a:camera prst="orthographicFront"/>
+      <a:lightRig rig="threePt" dir="t"/>
+    </dgm:scene3d>
+    <dgm:sp3d/>
+    <dgm:txPr/>
+    <dgm:style>
+      <a:lnRef idx="2">
+        <a:scrgbClr r="0" g="0" b="0"/>
+      </a:lnRef>
+      <a:fillRef idx="1">
+        <a:scrgbClr r="0" g="0" b="0"/>
+      </a:fillRef>
+      <a:effectRef idx="0">
+        <a:scrgbClr r="0" g="0" b="0"/>
+      </a:effectRef>
+      <a:fontRef idx="minor">
+        <a:schemeClr val="lt1"/>
+      </a:fontRef>
+    </dgm:style>
+  </dgm:styleLbl>
+  <dgm:styleLbl name="parChTrans2D3">
+    <dgm:scene3d>
+      <a:camera prst="orthographicFront"/>
+      <a:lightRig rig="threePt" dir="t"/>
+    </dgm:scene3d>
+    <dgm:sp3d/>
+    <dgm:txPr/>
+    <dgm:style>
+      <a:lnRef idx="2">
+        <a:scrgbClr r="0" g="0" b="0"/>
+      </a:lnRef>
+      <a:fillRef idx="1">
+        <a:scrgbClr r="0" g="0" b="0"/>
+      </a:fillRef>
+      <a:effectRef idx="0">
+        <a:scrgbClr r="0" g="0" b="0"/>
+      </a:effectRef>
+      <a:fontRef idx="minor">
+        <a:schemeClr val="lt1"/>
+      </a:fontRef>
+    </dgm:style>
+  </dgm:styleLbl>
+  <dgm:styleLbl name="parChTrans2D4">
+    <dgm:scene3d>
+      <a:camera prst="orthographicFront"/>
+      <a:lightRig rig="threePt" dir="t"/>
+    </dgm:scene3d>
+    <dgm:sp3d/>
+    <dgm:txPr/>
+    <dgm:style>
+      <a:lnRef idx="2">
+        <a:scrgbClr r="0" g="0" b="0"/>
+      </a:lnRef>
+      <a:fillRef idx="1">
+        <a:scrgbClr r="0" g="0" b="0"/>
+      </a:fillRef>
+      <a:effectRef idx="0">
+        <a:scrgbClr r="0" g="0" b="0"/>
+      </a:effectRef>
+      <a:fontRef idx="minor">
+        <a:schemeClr val="lt1"/>
+      </a:fontRef>
+    </dgm:style>
+  </dgm:styleLbl>
+  <dgm:styleLbl name="parChTrans1D1">
+    <dgm:scene3d>
+      <a:camera prst="orthographicFront"/>
+      <a:lightRig rig="threePt" dir="t"/>
+    </dgm:scene3d>
+    <dgm:sp3d/>
+    <dgm:txPr/>
+    <dgm:style>
+      <a:lnRef idx="2">
+        <a:scrgbClr r="0" g="0" b="0"/>
+      </a:lnRef>
+      <a:fillRef idx="0">
+        <a:scrgbClr r="0" g="0" b="0"/>
+      </a:fillRef>
+      <a:effectRef idx="0">
+        <a:scrgbClr r="0" g="0" b="0"/>
+      </a:effectRef>
+      <a:fontRef idx="minor"/>
+    </dgm:style>
+  </dgm:styleLbl>
+  <dgm:styleLbl name="parChTrans1D2">
+    <dgm:scene3d>
+      <a:camera prst="orthographicFront"/>
+      <a:lightRig rig="threePt" dir="t"/>
+    </dgm:scene3d>
+    <dgm:sp3d/>
+    <dgm:txPr/>
+    <dgm:style>
+      <a:lnRef idx="2">
+        <a:scrgbClr r="0" g="0" b="0"/>
+      </a:lnRef>
+      <a:fillRef idx="0">
+        <a:scrgbClr r="0" g="0" b="0"/>
+      </a:fillRef>
+      <a:effectRef idx="0">
+        <a:scrgbClr r="0" g="0" b="0"/>
+      </a:effectRef>
+      <a:fontRef idx="minor"/>
+    </dgm:style>
+  </dgm:styleLbl>
+  <dgm:styleLbl name="parChTrans1D3">
+    <dgm:scene3d>
+      <a:camera prst="orthographicFront"/>
+      <a:lightRig rig="threePt" dir="t"/>
+    </dgm:scene3d>
+    <dgm:sp3d/>
+    <dgm:txPr/>
+    <dgm:style>
+      <a:lnRef idx="2">
+        <a:scrgbClr r="0" g="0" b="0"/>
+      </a:lnRef>
+      <a:fillRef idx="0">
+        <a:scrgbClr r="0" g="0" b="0"/>
+      </a:fillRef>
+      <a:effectRef idx="0">
+        <a:scrgbClr r="0" g="0" b="0"/>
+      </a:effectRef>
+      <a:fontRef idx="minor"/>
+    </dgm:style>
+  </dgm:styleLbl>
+  <dgm:styleLbl name="parChTrans1D4">
+    <dgm:scene3d>
+      <a:camera prst="orthographicFront"/>
+      <a:lightRig rig="threePt" dir="t"/>
+    </dgm:scene3d>
+    <dgm:sp3d/>
+    <dgm:txPr/>
+    <dgm:style>
+      <a:lnRef idx="2">
+        <a:scrgbClr r="0" g="0" b="0"/>
+      </a:lnRef>
+      <a:fillRef idx="0">
+        <a:scrgbClr r="0" g="0" b="0"/>
+      </a:fillRef>
+      <a:effectRef idx="0">
+        <a:scrgbClr r="0" g="0" b="0"/>
+      </a:effectRef>
+      <a:fontRef idx="minor"/>
+    </dgm:style>
+  </dgm:styleLbl>
+  <dgm:styleLbl name="fgAcc1">
+    <dgm:scene3d>
+      <a:camera prst="orthographicFront"/>
+      <a:lightRig rig="threePt" dir="t"/>
+    </dgm:scene3d>
+    <dgm:sp3d/>
+    <dgm:txPr/>
+    <dgm:style>
+      <a:lnRef idx="2">
+        <a:scrgbClr r="0" g="0" b="0"/>
+      </a:lnRef>
+      <a:fillRef idx="1">
+        <a:scrgbClr r="0" g="0" b="0"/>
+      </a:fillRef>
+      <a:effectRef idx="0">
+        <a:scrgbClr r="0" g="0" b="0"/>
+      </a:effectRef>
+      <a:fontRef idx="minor"/>
+    </dgm:style>
+  </dgm:styleLbl>
+  <dgm:styleLbl name="conFgAcc1">
+    <dgm:scene3d>
+      <a:camera prst="orthographicFront"/>
+      <a:lightRig rig="threePt" dir="t"/>
+    </dgm:scene3d>
+    <dgm:sp3d/>
+    <dgm:txPr/>
+    <dgm:style>
+      <a:lnRef idx="2">
+        <a:scrgbClr r="0" g="0" b="0"/>
+      </a:lnRef>
+      <a:fillRef idx="1">
+        <a:scrgbClr r="0" g="0" b="0"/>
+      </a:fillRef>
+      <a:effectRef idx="0">
+        <a:scrgbClr r="0" g="0" b="0"/>
+      </a:effectRef>
+      <a:fontRef idx="minor"/>
+    </dgm:style>
+  </dgm:styleLbl>
+  <dgm:styleLbl name="alignAcc1">
+    <dgm:scene3d>
+      <a:camera prst="orthographicFront"/>
+      <a:lightRig rig="threePt" dir="t"/>
+    </dgm:scene3d>
+    <dgm:sp3d/>
+    <dgm:txPr/>
+    <dgm:style>
+      <a:lnRef idx="2">
+        <a:scrgbClr r="0" g="0" b="0"/>
+      </a:lnRef>
+      <a:fillRef idx="1">
+        <a:scrgbClr r="0" g="0" b="0"/>
+      </a:fillRef>
+      <a:effectRef idx="0">
+        <a:scrgbClr r="0" g="0" b="0"/>
+      </a:effectRef>
+      <a:fontRef idx="minor"/>
+    </dgm:style>
+  </dgm:styleLbl>
+  <dgm:styleLbl name="trAlignAcc1">
+    <dgm:scene3d>
+      <a:camera prst="orthographicFront"/>
+      <a:lightRig rig="threePt" dir="t"/>
+    </dgm:scene3d>
+    <dgm:sp3d/>
+    <dgm:txPr/>
+    <dgm:style>
+      <a:lnRef idx="1">
+        <a:scrgbClr r="0" g="0" b="0"/>
+      </a:lnRef>
+      <a:fillRef idx="1">
+        <a:scrgbClr r="0" g="0" b="0"/>
+      </a:fillRef>
+      <a:effectRef idx="0">
+        <a:scrgbClr r="0" g="0" b="0"/>
+      </a:effectRef>
+      <a:fontRef idx="minor"/>
+    </dgm:style>
+  </dgm:styleLbl>
+  <dgm:styleLbl name="bgAcc1">
+    <dgm:scene3d>
+      <a:camera prst="orthographicFront"/>
+      <a:lightRig rig="threePt" dir="t"/>
+    </dgm:scene3d>
+    <dgm:sp3d/>
+    <dgm:txPr/>
+    <dgm:style>
+      <a:lnRef idx="2">
+        <a:scrgbClr r="0" g="0" b="0"/>
+      </a:lnRef>
+      <a:fillRef idx="1">
+        <a:scrgbClr r="0" g="0" b="0"/>
+      </a:fillRef>
+      <a:effectRef idx="0">
+        <a:scrgbClr r="0" g="0" b="0"/>
+      </a:effectRef>
+      <a:fontRef idx="minor"/>
+    </dgm:style>
+  </dgm:styleLbl>
+  <dgm:styleLbl name="solidFgAcc1">
+    <dgm:scene3d>
+      <a:camera prst="orthographicFront"/>
+      <a:lightRig rig="threePt" dir="t"/>
+    </dgm:scene3d>
+    <dgm:sp3d/>
+    <dgm:txPr/>
+    <dgm:style>
+      <a:lnRef idx="2">
+        <a:scrgbClr r="0" g="0" b="0"/>
+      </a:lnRef>
+      <a:fillRef idx="1">
+        <a:scrgbClr r="0" g="0" b="0"/>
+      </a:fillRef>
+      <a:effectRef idx="0">
+        <a:scrgbClr r="0" g="0" b="0"/>
+      </a:effectRef>
+      <a:fontRef idx="minor"/>
+    </dgm:style>
+  </dgm:styleLbl>
+  <dgm:styleLbl name="solidAlignAcc1">
+    <dgm:scene3d>
+      <a:camera prst="orthographicFront"/>
+      <a:lightRig rig="threePt" dir="t"/>
+    </dgm:scene3d>
+    <dgm:sp3d/>
+    <dgm:txPr/>
+    <dgm:style>
+      <a:lnRef idx="2">
+        <a:scrgbClr r="0" g="0" b="0"/>
+      </a:lnRef>
+      <a:fillRef idx="1">
+        <a:scrgbClr r="0" g="0" b="0"/>
+      </a:fillRef>
+      <a:effectRef idx="0">
+        <a:scrgbClr r="0" g="0" b="0"/>
+      </a:effectRef>
+      <a:fontRef idx="minor"/>
+    </dgm:style>
+  </dgm:styleLbl>
+  <dgm:styleLbl name="solidBgAcc1">
+    <dgm:scene3d>
+      <a:camera prst="orthographicFront"/>
+      <a:lightRig rig="threePt" dir="t"/>
+    </dgm:scene3d>
+    <dgm:sp3d/>
+    <dgm:txPr/>
+    <dgm:style>
+      <a:lnRef idx="2">
+        <a:scrgbClr r="0" g="0" b="0"/>
+      </a:lnRef>
+      <a:fillRef idx="1">
+        <a:scrgbClr r="0" g="0" b="0"/>
+      </a:fillRef>
+      <a:effectRef idx="0">
+        <a:scrgbClr r="0" g="0" b="0"/>
+      </a:effectRef>
+      <a:fontRef idx="minor"/>
+    </dgm:style>
+  </dgm:styleLbl>
+  <dgm:styleLbl name="fgAccFollowNode1">
+    <dgm:scene3d>
+      <a:camera prst="orthographicFront"/>
+      <a:lightRig rig="threePt" dir="t"/>
+    </dgm:scene3d>
+    <dgm:sp3d/>
+    <dgm:txPr/>
+    <dgm:style>
+      <a:lnRef idx="2">
+        <a:scrgbClr r="0" g="0" b="0"/>
+      </a:lnRef>
+      <a:fillRef idx="1">
+        <a:scrgbClr r="0" g="0" b="0"/>
+      </a:fillRef>
+      <a:effectRef idx="0">
+        <a:scrgbClr r="0" g="0" b="0"/>
+      </a:effectRef>
+      <a:fontRef idx="minor"/>
+    </dgm:style>
+  </dgm:styleLbl>
+  <dgm:styleLbl name="alignAccFollowNode1">
+    <dgm:scene3d>
+      <a:camera prst="orthographicFront"/>
+      <a:lightRig rig="threePt" dir="t"/>
+    </dgm:scene3d>
+    <dgm:sp3d/>
+    <dgm:txPr/>
+    <dgm:style>
+      <a:lnRef idx="2">
+        <a:scrgbClr r="0" g="0" b="0"/>
+      </a:lnRef>
+      <a:fillRef idx="1">
+        <a:scrgbClr r="0" g="0" b="0"/>
+      </a:fillRef>
+      <a:effectRef idx="0">
+        <a:scrgbClr r="0" g="0" b="0"/>
+      </a:effectRef>
+      <a:fontRef idx="minor"/>
+    </dgm:style>
+  </dgm:styleLbl>
+  <dgm:styleLbl name="bgAccFollowNode1">
+    <dgm:scene3d>
+      <a:camera prst="orthographicFront"/>
+      <a:lightRig rig="threePt" dir="t"/>
+    </dgm:scene3d>
+    <dgm:sp3d/>
+    <dgm:txPr/>
+    <dgm:style>
+      <a:lnRef idx="2">
+        <a:scrgbClr r="0" g="0" b="0"/>
+      </a:lnRef>
+      <a:fillRef idx="1">
+        <a:scrgbClr r="0" g="0" b="0"/>
+      </a:fillRef>
+      <a:effectRef idx="0">
+        <a:scrgbClr r="0" g="0" b="0"/>
+      </a:effectRef>
+      <a:fontRef idx="minor"/>
+    </dgm:style>
+  </dgm:styleLbl>
+  <dgm:styleLbl name="fgAcc0">
+    <dgm:scene3d>
+      <a:camera prst="orthographicFront"/>
+      <a:lightRig rig="threePt" dir="t"/>
+    </dgm:scene3d>
+    <dgm:sp3d/>
+    <dgm:txPr/>
+    <dgm:style>
+      <a:lnRef idx="2">
+        <a:scrgbClr r="0" g="0" b="0"/>
+      </a:lnRef>
+      <a:fillRef idx="1">
+        <a:scrgbClr r="0" g="0" b="0"/>
+      </a:fillRef>
+      <a:effectRef idx="0">
+        <a:scrgbClr r="0" g="0" b="0"/>
+      </a:effectRef>
+      <a:fontRef idx="minor"/>
+    </dgm:style>
+  </dgm:styleLbl>
+  <dgm:styleLbl name="fgAcc2">
+    <dgm:scene3d>
+      <a:camera prst="orthographicFront"/>
+      <a:lightRig rig="threePt" dir="t"/>
+    </dgm:scene3d>
+    <dgm:sp3d/>
+    <dgm:txPr/>
+    <dgm:style>
+      <a:lnRef idx="2">
+        <a:scrgbClr r="0" g="0" b="0"/>
+      </a:lnRef>
+      <a:fillRef idx="1">
+        <a:scrgbClr r="0" g="0" b="0"/>
+      </a:fillRef>
+      <a:effectRef idx="0">
+        <a:scrgbClr r="0" g="0" b="0"/>
+      </a:effectRef>
+      <a:fontRef idx="minor"/>
+    </dgm:style>
+  </dgm:styleLbl>
+  <dgm:styleLbl name="fgAcc3">
+    <dgm:scene3d>
+      <a:camera prst="orthographicFront"/>
+      <a:lightRig rig="threePt" dir="t"/>
+    </dgm:scene3d>
+    <dgm:sp3d/>
+    <dgm:txPr/>
+    <dgm:style>
+      <a:lnRef idx="2">
+        <a:scrgbClr r="0" g="0" b="0"/>
+      </a:lnRef>
+      <a:fillRef idx="1">
+        <a:scrgbClr r="0" g="0" b="0"/>
+      </a:fillRef>
+      <a:effectRef idx="0">
+        <a:scrgbClr r="0" g="0" b="0"/>
+      </a:effectRef>
+      <a:fontRef idx="minor"/>
+    </dgm:style>
+  </dgm:styleLbl>
+  <dgm:styleLbl name="fgAcc4">
+    <dgm:scene3d>
+      <a:camera prst="orthographicFront"/>
+      <a:lightRig rig="threePt" dir="t"/>
+    </dgm:scene3d>
+    <dgm:sp3d/>
+    <dgm:txPr/>
+    <dgm:style>
+      <a:lnRef idx="2">
+        <a:scrgbClr r="0" g="0" b="0"/>
+      </a:lnRef>
+      <a:fillRef idx="1">
+        <a:scrgbClr r="0" g="0" b="0"/>
+      </a:fillRef>
+      <a:effectRef idx="0">
+        <a:scrgbClr r="0" g="0" b="0"/>
+      </a:effectRef>
+      <a:fontRef idx="minor"/>
+    </dgm:style>
+  </dgm:styleLbl>
+  <dgm:styleLbl name="bgShp">
+    <dgm:scene3d>
+      <a:camera prst="orthographicFront"/>
+      <a:lightRig rig="threePt" dir="t"/>
+    </dgm:scene3d>
+    <dgm:sp3d/>
+    <dgm:txPr/>
+    <dgm:style>
+      <a:lnRef idx="0">
+        <a:scrgbClr r="0" g="0" b="0"/>
+      </a:lnRef>
+      <a:fillRef idx="1">
+        <a:scrgbClr r="0" g="0" b="0"/>
+      </a:fillRef>
+      <a:effectRef idx="0">
+        <a:scrgbClr r="0" g="0" b="0"/>
+      </a:effectRef>
+      <a:fontRef idx="minor"/>
+    </dgm:style>
+  </dgm:styleLbl>
+  <dgm:styleLbl name="dkBgShp">
+    <dgm:scene3d>
+      <a:camera prst="orthographicFront"/>
+      <a:lightRig rig="threePt" dir="t"/>
+    </dgm:scene3d>
+    <dgm:sp3d/>
+    <dgm:txPr/>
+    <dgm:style>
+      <a:lnRef idx="0">
+        <a:scrgbClr r="0" g="0" b="0"/>
+      </a:lnRef>
+      <a:fillRef idx="1">
+        <a:scrgbClr r="0" g="0" b="0"/>
+      </a:fillRef>
+      <a:effectRef idx="0">
+        <a:scrgbClr r="0" g="0" b="0"/>
+      </a:effectRef>
+      <a:fontRef idx="minor"/>
+    </dgm:style>
+  </dgm:styleLbl>
+  <dgm:styleLbl name="trBgShp">
+    <dgm:scene3d>
+      <a:camera prst="orthographicFront"/>
+      <a:lightRig rig="threePt" dir="t"/>
+    </dgm:scene3d>
+    <dgm:sp3d/>
+    <dgm:txPr/>
+    <dgm:style>
+      <a:lnRef idx="0">
+        <a:scrgbClr r="0" g="0" b="0"/>
+      </a:lnRef>
+      <a:fillRef idx="1">
+        <a:scrgbClr r="0" g="0" b="0"/>
+      </a:fillRef>
+      <a:effectRef idx="0">
+        <a:scrgbClr r="0" g="0" b="0"/>
+      </a:effectRef>
+      <a:fontRef idx="minor"/>
+    </dgm:style>
+  </dgm:styleLbl>
+  <dgm:styleLbl name="fgShp">
+    <dgm:scene3d>
+      <a:camera prst="orthographicFront"/>
+      <a:lightRig rig="threePt" dir="t"/>
+    </dgm:scene3d>
+    <dgm:sp3d/>
+    <dgm:txPr/>
+    <dgm:style>
+      <a:lnRef idx="2">
+        <a:scrgbClr r="0" g="0" b="0"/>
+      </a:lnRef>
+      <a:fillRef idx="1">
+        <a:scrgbClr r="0" g="0" b="0"/>
+      </a:fillRef>
+      <a:effectRef idx="0">
+        <a:scrgbClr r="0" g="0" b="0"/>
+      </a:effectRef>
+      <a:fontRef idx="minor"/>
+    </dgm:style>
+  </dgm:styleLbl>
+  <dgm:styleLbl name="revTx">
+    <dgm:scene3d>
+      <a:camera prst="orthographicFront"/>
+      <a:lightRig rig="threePt" dir="t"/>
+    </dgm:scene3d>
+    <dgm:sp3d/>
+    <dgm:txPr/>
+    <dgm:style>
+      <a:lnRef idx="0">
+        <a:scrgbClr r="0" g="0" b="0"/>
+      </a:lnRef>
+      <a:fillRef idx="0">
+        <a:scrgbClr r="0" g="0" b="0"/>
+      </a:fillRef>
+      <a:effectRef idx="0">
+        <a:scrgbClr r="0" g="0" b="0"/>
+      </a:effectRef>
+      <a:fontRef idx="minor"/>
+    </dgm:style>
+  </dgm:styleLbl>
+</dgm:styleDef>
+</file>
+
+<file path=ppt/diagrams/quickStyle2.xml><?xml version="1.0" encoding="utf-8"?>
 <dgm:styleDef xmlns:dgm="http://schemas.openxmlformats.org/drawingml/2006/diagram" xmlns:a="http://schemas.openxmlformats.org/drawingml/2006/main" uniqueId="urn:microsoft.com/office/officeart/2005/8/quickstyle/simple1">
   <dgm:title val=""/>
   <dgm:desc val=""/>
@@ -8425,6 +12466,260 @@
         </a:p>
       </cdr:txBody>
     </cdr:sp>
+  </cdr:relSizeAnchor>
+</c:userShapes>
+</file>
+
+<file path=ppt/drawings/drawing2.xml><?xml version="1.0" encoding="utf-8"?>
+<c:userShapes xmlns:c="http://schemas.openxmlformats.org/drawingml/2006/chart">
+  <cdr:relSizeAnchor xmlns:cdr="http://schemas.openxmlformats.org/drawingml/2006/chartDrawing">
+    <cdr:from>
+      <cdr:x>0.20926</cdr:x>
+      <cdr:y>0.11958</cdr:y>
+    </cdr:from>
+    <cdr:to>
+      <cdr:x>0.91459</cdr:x>
+      <cdr:y>0.56178</cdr:y>
+    </cdr:to>
+    <cdr:cxnSp macro="">
+      <cdr:nvCxnSpPr>
+        <cdr:cNvPr id="3" name="Straight Connector 2">
+          <a:extLst xmlns:a="http://schemas.openxmlformats.org/drawingml/2006/main">
+            <a:ext uri="{FF2B5EF4-FFF2-40B4-BE49-F238E27FC236}">
+              <a16:creationId xmlns:a16="http://schemas.microsoft.com/office/drawing/2014/main" id="{F966B4AA-C855-4F0F-B733-7A713B97EE29}"/>
+            </a:ext>
+          </a:extLst>
+        </cdr:cNvPr>
+        <cdr:cNvCxnSpPr/>
+      </cdr:nvCxnSpPr>
+      <cdr:spPr>
+        <a:xfrm xmlns:a="http://schemas.openxmlformats.org/drawingml/2006/main" flipV="1">
+          <a:off x="1090207" y="391087"/>
+          <a:ext cx="3674618" cy="1446245"/>
+        </a:xfrm>
+        <a:prstGeom xmlns:a="http://schemas.openxmlformats.org/drawingml/2006/main" prst="line">
+          <a:avLst/>
+        </a:prstGeom>
+        <a:ln xmlns:a="http://schemas.openxmlformats.org/drawingml/2006/main" w="28575">
+          <a:prstDash val="dash"/>
+        </a:ln>
+      </cdr:spPr>
+      <cdr:style>
+        <a:lnRef xmlns:a="http://schemas.openxmlformats.org/drawingml/2006/main" idx="1">
+          <a:schemeClr val="accent1"/>
+        </a:lnRef>
+        <a:fillRef xmlns:a="http://schemas.openxmlformats.org/drawingml/2006/main" idx="0">
+          <a:schemeClr val="accent1"/>
+        </a:fillRef>
+        <a:effectRef xmlns:a="http://schemas.openxmlformats.org/drawingml/2006/main" idx="0">
+          <a:schemeClr val="accent1"/>
+        </a:effectRef>
+        <a:fontRef xmlns:a="http://schemas.openxmlformats.org/drawingml/2006/main" idx="minor">
+          <a:schemeClr val="tx1"/>
+        </a:fontRef>
+      </cdr:style>
+    </cdr:cxnSp>
+  </cdr:relSizeAnchor>
+  <cdr:relSizeAnchor xmlns:cdr="http://schemas.openxmlformats.org/drawingml/2006/chartDrawing">
+    <cdr:from>
+      <cdr:x>0.5564</cdr:x>
+      <cdr:y>0.34924</cdr:y>
+    </cdr:from>
+    <cdr:to>
+      <cdr:x>0.5761</cdr:x>
+      <cdr:y>0.39345</cdr:y>
+    </cdr:to>
+    <cdr:cxnSp macro="">
+      <cdr:nvCxnSpPr>
+        <cdr:cNvPr id="5" name="Straight Arrow Connector 4">
+          <a:extLst xmlns:a="http://schemas.openxmlformats.org/drawingml/2006/main">
+            <a:ext uri="{FF2B5EF4-FFF2-40B4-BE49-F238E27FC236}">
+              <a16:creationId xmlns:a16="http://schemas.microsoft.com/office/drawing/2014/main" id="{0D6A7466-2602-4F68-A0E7-FCE2A89F56E7}"/>
+            </a:ext>
+          </a:extLst>
+        </cdr:cNvPr>
+        <cdr:cNvCxnSpPr/>
+      </cdr:nvCxnSpPr>
+      <cdr:spPr>
+        <a:xfrm xmlns:a="http://schemas.openxmlformats.org/drawingml/2006/main" flipH="1" flipV="1">
+          <a:off x="2898702" y="1142202"/>
+          <a:ext cx="102637" cy="144624"/>
+        </a:xfrm>
+        <a:prstGeom xmlns:a="http://schemas.openxmlformats.org/drawingml/2006/main" prst="straightConnector1">
+          <a:avLst/>
+        </a:prstGeom>
+        <a:ln xmlns:a="http://schemas.openxmlformats.org/drawingml/2006/main" w="38100">
+          <a:solidFill>
+            <a:srgbClr val="FF0000"/>
+          </a:solidFill>
+          <a:tailEnd type="triangle"/>
+        </a:ln>
+      </cdr:spPr>
+      <cdr:style>
+        <a:lnRef xmlns:a="http://schemas.openxmlformats.org/drawingml/2006/main" idx="1">
+          <a:schemeClr val="accent1"/>
+        </a:lnRef>
+        <a:fillRef xmlns:a="http://schemas.openxmlformats.org/drawingml/2006/main" idx="0">
+          <a:schemeClr val="accent1"/>
+        </a:fillRef>
+        <a:effectRef xmlns:a="http://schemas.openxmlformats.org/drawingml/2006/main" idx="0">
+          <a:schemeClr val="accent1"/>
+        </a:effectRef>
+        <a:fontRef xmlns:a="http://schemas.openxmlformats.org/drawingml/2006/main" idx="minor">
+          <a:schemeClr val="tx1"/>
+        </a:fontRef>
+      </cdr:style>
+    </cdr:cxnSp>
+  </cdr:relSizeAnchor>
+  <cdr:relSizeAnchor xmlns:cdr="http://schemas.openxmlformats.org/drawingml/2006/chartDrawing">
+    <cdr:from>
+      <cdr:x>0.40237</cdr:x>
+      <cdr:y>0.27635</cdr:y>
+    </cdr:from>
+    <cdr:to>
+      <cdr:x>0.61729</cdr:x>
+      <cdr:y>0.36051</cdr:y>
+    </cdr:to>
+    <cdr:sp macro="" textlink="">
+      <cdr:nvSpPr>
+        <cdr:cNvPr id="6" name="TextBox 5">
+          <a:extLst xmlns:a="http://schemas.openxmlformats.org/drawingml/2006/main">
+            <a:ext uri="{FF2B5EF4-FFF2-40B4-BE49-F238E27FC236}">
+              <a16:creationId xmlns:a16="http://schemas.microsoft.com/office/drawing/2014/main" id="{50297A6F-5904-4FA3-BB92-9434AFACC8B1}"/>
+            </a:ext>
+          </a:extLst>
+        </cdr:cNvPr>
+        <cdr:cNvSpPr txBox="1"/>
+      </cdr:nvSpPr>
+      <cdr:spPr>
+        <a:xfrm xmlns:a="http://schemas.openxmlformats.org/drawingml/2006/main" rot="20259938">
+          <a:off x="2096270" y="903838"/>
+          <a:ext cx="1119674" cy="275254"/>
+        </a:xfrm>
+        <a:prstGeom xmlns:a="http://schemas.openxmlformats.org/drawingml/2006/main" prst="rect">
+          <a:avLst/>
+        </a:prstGeom>
+      </cdr:spPr>
+      <cdr:txBody>
+        <a:bodyPr xmlns:a="http://schemas.openxmlformats.org/drawingml/2006/main" vertOverflow="clip" wrap="none" rtlCol="0"/>
+        <a:lstStyle xmlns:a="http://schemas.openxmlformats.org/drawingml/2006/main"/>
+        <a:p xmlns:a="http://schemas.openxmlformats.org/drawingml/2006/main">
+          <a:r>
+            <a:rPr lang="fr-CH" sz="1600" dirty="0"/>
+            <a:t>Adaptive </a:t>
+          </a:r>
+          <a:r>
+            <a:rPr lang="fr-CH" sz="1600" dirty="0" err="1"/>
+            <a:t>pricing</a:t>
+          </a:r>
+          <a:endParaRPr lang="fr-CH" sz="1600" dirty="0"/>
+        </a:p>
+      </cdr:txBody>
+    </cdr:sp>
+  </cdr:relSizeAnchor>
+</c:userShapes>
+</file>
+
+<file path=ppt/drawings/drawing3.xml><?xml version="1.0" encoding="utf-8"?>
+<c:userShapes xmlns:c="http://schemas.openxmlformats.org/drawingml/2006/chart">
+  <cdr:relSizeAnchor xmlns:cdr="http://schemas.openxmlformats.org/drawingml/2006/chartDrawing">
+    <cdr:from>
+      <cdr:x>0.20926</cdr:x>
+      <cdr:y>0.15054</cdr:y>
+    </cdr:from>
+    <cdr:to>
+      <cdr:x>0.71275</cdr:x>
+      <cdr:y>0.56178</cdr:y>
+    </cdr:to>
+    <cdr:cxnSp macro="">
+      <cdr:nvCxnSpPr>
+        <cdr:cNvPr id="3" name="Straight Connector 2">
+          <a:extLst xmlns:a="http://schemas.openxmlformats.org/drawingml/2006/main">
+            <a:ext uri="{FF2B5EF4-FFF2-40B4-BE49-F238E27FC236}">
+              <a16:creationId xmlns:a16="http://schemas.microsoft.com/office/drawing/2014/main" id="{F966B4AA-C855-4F0F-B733-7A713B97EE29}"/>
+            </a:ext>
+          </a:extLst>
+        </cdr:cNvPr>
+        <cdr:cNvCxnSpPr/>
+      </cdr:nvCxnSpPr>
+      <cdr:spPr>
+        <a:xfrm xmlns:a="http://schemas.openxmlformats.org/drawingml/2006/main" flipV="1">
+          <a:off x="1090198" y="377938"/>
+          <a:ext cx="2623091" cy="1032392"/>
+        </a:xfrm>
+        <a:prstGeom xmlns:a="http://schemas.openxmlformats.org/drawingml/2006/main" prst="line">
+          <a:avLst/>
+        </a:prstGeom>
+        <a:ln xmlns:a="http://schemas.openxmlformats.org/drawingml/2006/main" w="28575">
+          <a:prstDash val="dash"/>
+        </a:ln>
+      </cdr:spPr>
+      <cdr:style>
+        <a:lnRef xmlns:a="http://schemas.openxmlformats.org/drawingml/2006/main" idx="1">
+          <a:schemeClr val="accent1"/>
+        </a:lnRef>
+        <a:fillRef xmlns:a="http://schemas.openxmlformats.org/drawingml/2006/main" idx="0">
+          <a:schemeClr val="accent1"/>
+        </a:fillRef>
+        <a:effectRef xmlns:a="http://schemas.openxmlformats.org/drawingml/2006/main" idx="0">
+          <a:schemeClr val="accent1"/>
+        </a:effectRef>
+        <a:fontRef xmlns:a="http://schemas.openxmlformats.org/drawingml/2006/main" idx="minor">
+          <a:schemeClr val="tx1"/>
+        </a:fontRef>
+      </cdr:style>
+    </cdr:cxnSp>
+  </cdr:relSizeAnchor>
+  <cdr:relSizeAnchor xmlns:cdr="http://schemas.openxmlformats.org/drawingml/2006/chartDrawing">
+    <cdr:from>
+      <cdr:x>0.47016</cdr:x>
+      <cdr:y>0.34774</cdr:y>
+    </cdr:from>
+    <cdr:to>
+      <cdr:x>0.5</cdr:x>
+      <cdr:y>0.42662</cdr:y>
+    </cdr:to>
+    <cdr:cxnSp macro="">
+      <cdr:nvCxnSpPr>
+        <cdr:cNvPr id="5" name="Straight Arrow Connector 4">
+          <a:extLst xmlns:a="http://schemas.openxmlformats.org/drawingml/2006/main">
+            <a:ext uri="{FF2B5EF4-FFF2-40B4-BE49-F238E27FC236}">
+              <a16:creationId xmlns:a16="http://schemas.microsoft.com/office/drawing/2014/main" id="{0D6A7466-2602-4F68-A0E7-FCE2A89F56E7}"/>
+            </a:ext>
+          </a:extLst>
+        </cdr:cNvPr>
+        <cdr:cNvCxnSpPr/>
+      </cdr:nvCxnSpPr>
+      <cdr:spPr>
+        <a:xfrm xmlns:a="http://schemas.openxmlformats.org/drawingml/2006/main" flipH="1" flipV="1">
+          <a:off x="2449437" y="872995"/>
+          <a:ext cx="155451" cy="198023"/>
+        </a:xfrm>
+        <a:prstGeom xmlns:a="http://schemas.openxmlformats.org/drawingml/2006/main" prst="straightConnector1">
+          <a:avLst/>
+        </a:prstGeom>
+        <a:ln xmlns:a="http://schemas.openxmlformats.org/drawingml/2006/main" w="38100">
+          <a:solidFill>
+            <a:srgbClr val="FF0000"/>
+          </a:solidFill>
+          <a:tailEnd type="triangle"/>
+        </a:ln>
+      </cdr:spPr>
+      <cdr:style>
+        <a:lnRef xmlns:a="http://schemas.openxmlformats.org/drawingml/2006/main" idx="1">
+          <a:schemeClr val="accent1"/>
+        </a:lnRef>
+        <a:fillRef xmlns:a="http://schemas.openxmlformats.org/drawingml/2006/main" idx="0">
+          <a:schemeClr val="accent1"/>
+        </a:fillRef>
+        <a:effectRef xmlns:a="http://schemas.openxmlformats.org/drawingml/2006/main" idx="0">
+          <a:schemeClr val="accent1"/>
+        </a:effectRef>
+        <a:fontRef xmlns:a="http://schemas.openxmlformats.org/drawingml/2006/main" idx="minor">
+          <a:schemeClr val="tx1"/>
+        </a:fontRef>
+      </cdr:style>
+    </cdr:cxnSp>
   </cdr:relSizeAnchor>
 </c:userShapes>
 </file>
@@ -11930,8 +16225,8 @@
           </a:p>
         </p:txBody>
       </p:sp>
-      <mc:AlternateContent xmlns:mc="http://schemas.openxmlformats.org/markup-compatibility/2006" xmlns:a14="http://schemas.microsoft.com/office/drawing/2010/main">
-        <mc:Choice Requires="a14">
+      <mc:AlternateContent xmlns:mc="http://schemas.openxmlformats.org/markup-compatibility/2006">
+        <mc:Choice xmlns:a14="http://schemas.microsoft.com/office/drawing/2010/main" Requires="a14">
           <p:sp>
             <p:nvSpPr>
               <p:cNvPr id="4" name="TextBox 3">
@@ -11947,7 +16242,7 @@
             <p:spPr>
               <a:xfrm>
                 <a:off x="1882588" y="2581834"/>
-                <a:ext cx="6113853" cy="276999"/>
+                <a:ext cx="6038513" cy="276999"/>
               </a:xfrm>
               <a:prstGeom prst="rect">
                 <a:avLst/>
@@ -12103,7 +16398,7 @@
             </p:txBody>
           </p:sp>
         </mc:Choice>
-        <mc:Fallback xmlns="">
+        <mc:Fallback>
           <p:sp>
             <p:nvSpPr>
               <p:cNvPr id="4" name="TextBox 3">
@@ -12121,7 +16416,7 @@
             <p:spPr>
               <a:xfrm>
                 <a:off x="1882588" y="2581834"/>
-                <a:ext cx="6113853" cy="276999"/>
+                <a:ext cx="6038513" cy="276999"/>
               </a:xfrm>
               <a:prstGeom prst="rect">
                 <a:avLst/>
@@ -12129,7 +16424,7 @@
               <a:blipFill>
                 <a:blip r:embed="rId2"/>
                 <a:stretch>
-                  <a:fillRect t="-4444" b="-35556"/>
+                  <a:fillRect l="-404" t="-4444" b="-35556"/>
                 </a:stretch>
               </a:blipFill>
             </p:spPr>
@@ -12897,7 +17192,7 @@
           <p:nvPr>
             <p:extLst>
               <p:ext uri="{D42A27DB-BD31-4B8C-83A1-F6EECF244321}">
-                <p14:modId xmlns:p14="http://schemas.microsoft.com/office/powerpoint/2010/main" val="3423546028"/>
+                <p14:modId xmlns:p14="http://schemas.microsoft.com/office/powerpoint/2010/main" val="1994028662"/>
               </p:ext>
             </p:extLst>
           </p:nvPr>
@@ -12926,6 +17221,978 @@
 </file>
 
 <file path=ppt/slides/slide11.xml><?xml version="1.0" encoding="utf-8"?>
+<p:sld xmlns:a="http://schemas.openxmlformats.org/drawingml/2006/main" xmlns:r="http://schemas.openxmlformats.org/officeDocument/2006/relationships" xmlns:p="http://schemas.openxmlformats.org/presentationml/2006/main">
+  <p:cSld>
+    <p:spTree>
+      <p:nvGrpSpPr>
+        <p:cNvPr id="1" name=""/>
+        <p:cNvGrpSpPr/>
+        <p:nvPr/>
+      </p:nvGrpSpPr>
+      <p:grpSpPr>
+        <a:xfrm>
+          <a:off x="0" y="0"/>
+          <a:ext cx="0" cy="0"/>
+          <a:chOff x="0" y="0"/>
+          <a:chExt cx="0" cy="0"/>
+        </a:xfrm>
+      </p:grpSpPr>
+      <p:sp>
+        <p:nvSpPr>
+          <p:cNvPr id="2" name="Title 1">
+            <a:extLst>
+              <a:ext uri="{FF2B5EF4-FFF2-40B4-BE49-F238E27FC236}">
+                <a16:creationId xmlns:a16="http://schemas.microsoft.com/office/drawing/2014/main" id="{2CC36477-2530-4474-A90A-9E3F65DA8B77}"/>
+              </a:ext>
+            </a:extLst>
+          </p:cNvPr>
+          <p:cNvSpPr>
+            <a:spLocks noGrp="1"/>
+          </p:cNvSpPr>
+          <p:nvPr>
+            <p:ph type="title"/>
+          </p:nvPr>
+        </p:nvSpPr>
+        <p:spPr/>
+        <p:txBody>
+          <a:bodyPr/>
+          <a:lstStyle/>
+          <a:p>
+            <a:r>
+              <a:rPr lang="fr-CH" dirty="0"/>
+              <a:t>Price </a:t>
+            </a:r>
+            <a:r>
+              <a:rPr lang="fr-CH" dirty="0" err="1"/>
+              <a:t>calculation</a:t>
+            </a:r>
+            <a:endParaRPr lang="fr-CH" dirty="0"/>
+          </a:p>
+        </p:txBody>
+      </p:sp>
+      <p:graphicFrame>
+        <p:nvGraphicFramePr>
+          <p:cNvPr id="4" name="Content Placeholder 3">
+            <a:extLst>
+              <a:ext uri="{FF2B5EF4-FFF2-40B4-BE49-F238E27FC236}">
+                <a16:creationId xmlns:a16="http://schemas.microsoft.com/office/drawing/2014/main" id="{1A644315-EF59-45E7-9696-B316F426CA88}"/>
+              </a:ext>
+            </a:extLst>
+          </p:cNvPr>
+          <p:cNvGraphicFramePr>
+            <a:graphicFrameLocks noGrp="1"/>
+          </p:cNvGraphicFramePr>
+          <p:nvPr>
+            <p:ph idx="1"/>
+            <p:extLst>
+              <p:ext uri="{D42A27DB-BD31-4B8C-83A1-F6EECF244321}">
+                <p14:modId xmlns:p14="http://schemas.microsoft.com/office/powerpoint/2010/main" val="1447938147"/>
+              </p:ext>
+            </p:extLst>
+          </p:nvPr>
+        </p:nvGraphicFramePr>
+        <p:xfrm>
+          <a:off x="1043475" y="1268963"/>
+          <a:ext cx="10515600" cy="1828800"/>
+        </p:xfrm>
+        <a:graphic>
+          <a:graphicData uri="http://schemas.openxmlformats.org/drawingml/2006/diagram">
+            <dgm:relIds xmlns:dgm="http://schemas.openxmlformats.org/drawingml/2006/diagram" xmlns:r="http://schemas.openxmlformats.org/officeDocument/2006/relationships" r:dm="rId2" r:lo="rId3" r:qs="rId4" r:cs="rId5"/>
+          </a:graphicData>
+        </a:graphic>
+      </p:graphicFrame>
+      <p:sp>
+        <p:nvSpPr>
+          <p:cNvPr id="5" name="TextBox 4">
+            <a:extLst>
+              <a:ext uri="{FF2B5EF4-FFF2-40B4-BE49-F238E27FC236}">
+                <a16:creationId xmlns:a16="http://schemas.microsoft.com/office/drawing/2014/main" id="{6F57D69D-9515-4C3C-881D-852170B5DA05}"/>
+              </a:ext>
+            </a:extLst>
+          </p:cNvPr>
+          <p:cNvSpPr txBox="1"/>
+          <p:nvPr/>
+        </p:nvSpPr>
+        <p:spPr>
+          <a:xfrm>
+            <a:off x="6592077" y="2963325"/>
+            <a:ext cx="2641364" cy="1477328"/>
+          </a:xfrm>
+          <a:prstGeom prst="rect">
+            <a:avLst/>
+          </a:prstGeom>
+          <a:noFill/>
+        </p:spPr>
+        <p:txBody>
+          <a:bodyPr wrap="none" rtlCol="0">
+            <a:spAutoFit/>
+          </a:bodyPr>
+          <a:lstStyle/>
+          <a:p>
+            <a:r>
+              <a:rPr lang="fr-CH" dirty="0" err="1"/>
+              <a:t>Bayesian</a:t>
+            </a:r>
+            <a:r>
+              <a:rPr lang="fr-CH" dirty="0"/>
+              <a:t> Model </a:t>
+            </a:r>
+            <a:r>
+              <a:rPr lang="fr-CH" dirty="0" err="1"/>
+              <a:t>based</a:t>
+            </a:r>
+            <a:r>
+              <a:rPr lang="fr-CH" dirty="0"/>
+              <a:t> on:</a:t>
+            </a:r>
+          </a:p>
+          <a:p>
+            <a:pPr marL="285750" indent="-285750">
+              <a:buFont typeface="Arial" panose="020B0604020202020204" pitchFamily="34" charset="0"/>
+              <a:buChar char="•"/>
+            </a:pPr>
+            <a:r>
+              <a:rPr lang="en-US" dirty="0"/>
+              <a:t>Company</a:t>
+            </a:r>
+          </a:p>
+          <a:p>
+            <a:pPr marL="285750" indent="-285750">
+              <a:buFont typeface="Arial" panose="020B0604020202020204" pitchFamily="34" charset="0"/>
+              <a:buChar char="•"/>
+            </a:pPr>
+            <a:r>
+              <a:rPr lang="en-US" dirty="0"/>
+              <a:t>Day of week</a:t>
+            </a:r>
+          </a:p>
+          <a:p>
+            <a:pPr marL="285750" indent="-285750">
+              <a:buFont typeface="Arial" panose="020B0604020202020204" pitchFamily="34" charset="0"/>
+              <a:buChar char="•"/>
+            </a:pPr>
+            <a:r>
+              <a:rPr lang="en-US" dirty="0"/>
+              <a:t>Hour of day</a:t>
+            </a:r>
+          </a:p>
+          <a:p>
+            <a:r>
+              <a:rPr lang="en-US" dirty="0">
+                <a:sym typeface="Wingdings" panose="05000000000000000000" pitchFamily="2" charset="2"/>
+              </a:rPr>
+              <a:t> Delay Probability</a:t>
+            </a:r>
+            <a:endParaRPr lang="en-US" dirty="0"/>
+          </a:p>
+        </p:txBody>
+      </p:sp>
+      <p:sp>
+        <p:nvSpPr>
+          <p:cNvPr id="6" name="TextBox 5">
+            <a:extLst>
+              <a:ext uri="{FF2B5EF4-FFF2-40B4-BE49-F238E27FC236}">
+                <a16:creationId xmlns:a16="http://schemas.microsoft.com/office/drawing/2014/main" id="{D6D4E923-1AA3-4C5E-BFB4-3C0C376D5EC5}"/>
+              </a:ext>
+            </a:extLst>
+          </p:cNvPr>
+          <p:cNvSpPr txBox="1"/>
+          <p:nvPr/>
+        </p:nvSpPr>
+        <p:spPr>
+          <a:xfrm>
+            <a:off x="1043475" y="2963325"/>
+            <a:ext cx="2211356" cy="923330"/>
+          </a:xfrm>
+          <a:prstGeom prst="rect">
+            <a:avLst/>
+          </a:prstGeom>
+          <a:noFill/>
+        </p:spPr>
+        <p:txBody>
+          <a:bodyPr wrap="square" rtlCol="0">
+            <a:spAutoFit/>
+          </a:bodyPr>
+          <a:lstStyle/>
+          <a:p>
+            <a:r>
+              <a:rPr lang="fr-CH" dirty="0"/>
+              <a:t>Official flight </a:t>
+            </a:r>
+            <a:r>
+              <a:rPr lang="fr-CH" dirty="0" err="1"/>
+              <a:t>arrival</a:t>
+            </a:r>
+            <a:r>
+              <a:rPr lang="fr-CH" dirty="0"/>
+              <a:t> </a:t>
+            </a:r>
+            <a:r>
+              <a:rPr lang="fr-CH" dirty="0" err="1"/>
+              <a:t>from</a:t>
+            </a:r>
+            <a:r>
+              <a:rPr lang="fr-CH" dirty="0"/>
+              <a:t> the Geneva </a:t>
+            </a:r>
+            <a:r>
+              <a:rPr lang="fr-CH" dirty="0" err="1"/>
+              <a:t>airport</a:t>
+            </a:r>
+            <a:endParaRPr lang="en-US" dirty="0"/>
+          </a:p>
+        </p:txBody>
+      </p:sp>
+      <p:sp>
+        <p:nvSpPr>
+          <p:cNvPr id="7" name="TextBox 6">
+            <a:extLst>
+              <a:ext uri="{FF2B5EF4-FFF2-40B4-BE49-F238E27FC236}">
+                <a16:creationId xmlns:a16="http://schemas.microsoft.com/office/drawing/2014/main" id="{EEF78711-7033-4AD3-8C8D-73C42D960CD4}"/>
+              </a:ext>
+            </a:extLst>
+          </p:cNvPr>
+          <p:cNvSpPr txBox="1"/>
+          <p:nvPr/>
+        </p:nvSpPr>
+        <p:spPr>
+          <a:xfrm>
+            <a:off x="9548325" y="2824826"/>
+            <a:ext cx="2390193" cy="1477328"/>
+          </a:xfrm>
+          <a:prstGeom prst="rect">
+            <a:avLst/>
+          </a:prstGeom>
+          <a:noFill/>
+        </p:spPr>
+        <p:txBody>
+          <a:bodyPr wrap="square" rtlCol="0">
+            <a:spAutoFit/>
+          </a:bodyPr>
+          <a:lstStyle/>
+          <a:p>
+            <a:r>
+              <a:rPr lang="fr-CH" dirty="0" err="1"/>
+              <a:t>Linear</a:t>
+            </a:r>
+            <a:r>
+              <a:rPr lang="fr-CH" dirty="0"/>
+              <a:t> model </a:t>
+            </a:r>
+            <a:r>
+              <a:rPr lang="fr-CH" dirty="0" err="1"/>
+              <a:t>based</a:t>
+            </a:r>
+            <a:r>
+              <a:rPr lang="fr-CH" dirty="0"/>
+              <a:t> on:</a:t>
+            </a:r>
+          </a:p>
+          <a:p>
+            <a:pPr marL="285750" indent="-285750">
+              <a:buFont typeface="Arial" panose="020B0604020202020204" pitchFamily="34" charset="0"/>
+              <a:buChar char="•"/>
+            </a:pPr>
+            <a:r>
+              <a:rPr lang="fr-CH" dirty="0" err="1"/>
+              <a:t>Insured</a:t>
+            </a:r>
+            <a:r>
+              <a:rPr lang="fr-CH" dirty="0"/>
+              <a:t> </a:t>
+            </a:r>
+            <a:r>
+              <a:rPr lang="fr-CH" dirty="0" err="1"/>
+              <a:t>amount</a:t>
+            </a:r>
+            <a:endParaRPr lang="fr-CH" dirty="0"/>
+          </a:p>
+          <a:p>
+            <a:pPr marL="285750" indent="-285750">
+              <a:buFont typeface="Arial" panose="020B0604020202020204" pitchFamily="34" charset="0"/>
+              <a:buChar char="•"/>
+            </a:pPr>
+            <a:r>
+              <a:rPr lang="fr-CH" dirty="0"/>
+              <a:t>Delay </a:t>
+            </a:r>
+            <a:r>
+              <a:rPr lang="fr-CH" dirty="0" err="1"/>
+              <a:t>probability</a:t>
+            </a:r>
+            <a:endParaRPr lang="fr-CH" dirty="0"/>
+          </a:p>
+          <a:p>
+            <a:pPr marL="285750" indent="-285750">
+              <a:buFont typeface="Arial" panose="020B0604020202020204" pitchFamily="34" charset="0"/>
+              <a:buChar char="•"/>
+            </a:pPr>
+            <a:r>
+              <a:rPr lang="fr-CH" dirty="0"/>
+              <a:t>Adaptive </a:t>
+            </a:r>
+            <a:r>
+              <a:rPr lang="fr-CH" dirty="0" err="1"/>
+              <a:t>parameters</a:t>
+            </a:r>
+            <a:r>
+              <a:rPr lang="fr-CH" dirty="0"/>
+              <a:t> </a:t>
+            </a:r>
+            <a:endParaRPr lang="en-US" dirty="0"/>
+          </a:p>
+        </p:txBody>
+      </p:sp>
+      <p:sp>
+        <p:nvSpPr>
+          <p:cNvPr id="8" name="TextBox 7">
+            <a:extLst>
+              <a:ext uri="{FF2B5EF4-FFF2-40B4-BE49-F238E27FC236}">
+                <a16:creationId xmlns:a16="http://schemas.microsoft.com/office/drawing/2014/main" id="{07A2A58D-28F0-44A8-87D0-C86DB8832003}"/>
+              </a:ext>
+            </a:extLst>
+          </p:cNvPr>
+          <p:cNvSpPr txBox="1"/>
+          <p:nvPr/>
+        </p:nvSpPr>
+        <p:spPr>
+          <a:xfrm>
+            <a:off x="3771124" y="2936170"/>
+            <a:ext cx="2211356" cy="1477328"/>
+          </a:xfrm>
+          <a:prstGeom prst="rect">
+            <a:avLst/>
+          </a:prstGeom>
+          <a:noFill/>
+        </p:spPr>
+        <p:txBody>
+          <a:bodyPr wrap="square" rtlCol="0">
+            <a:spAutoFit/>
+          </a:bodyPr>
+          <a:lstStyle/>
+          <a:p>
+            <a:r>
+              <a:rPr lang="fr-CH" dirty="0" err="1"/>
+              <a:t>Meaningful</a:t>
+            </a:r>
+            <a:r>
+              <a:rPr lang="fr-CH" dirty="0"/>
+              <a:t> </a:t>
+            </a:r>
+            <a:r>
+              <a:rPr lang="fr-CH" dirty="0" err="1"/>
+              <a:t>feature</a:t>
+            </a:r>
+            <a:r>
+              <a:rPr lang="fr-CH" dirty="0"/>
+              <a:t> identification</a:t>
+            </a:r>
+          </a:p>
+          <a:p>
+            <a:r>
+              <a:rPr lang="fr-CH" dirty="0"/>
+              <a:t>6 </a:t>
+            </a:r>
+            <a:r>
+              <a:rPr lang="fr-CH" dirty="0" err="1"/>
+              <a:t>factors</a:t>
+            </a:r>
+            <a:endParaRPr lang="fr-CH" dirty="0"/>
+          </a:p>
+          <a:p>
+            <a:r>
+              <a:rPr lang="fr-CH" dirty="0"/>
+              <a:t>2-3 </a:t>
+            </a:r>
+            <a:r>
+              <a:rPr lang="fr-CH" dirty="0" err="1"/>
+              <a:t>independent</a:t>
+            </a:r>
+            <a:r>
+              <a:rPr lang="fr-CH" dirty="0"/>
+              <a:t> variables</a:t>
+            </a:r>
+            <a:endParaRPr lang="en-US" dirty="0"/>
+          </a:p>
+        </p:txBody>
+      </p:sp>
+      <p:graphicFrame>
+        <p:nvGraphicFramePr>
+          <p:cNvPr id="9" name="Chart 8">
+            <a:extLst>
+              <a:ext uri="{FF2B5EF4-FFF2-40B4-BE49-F238E27FC236}">
+                <a16:creationId xmlns:a16="http://schemas.microsoft.com/office/drawing/2014/main" id="{D88E5B7B-A015-4865-8067-8FDFCC23888F}"/>
+              </a:ext>
+            </a:extLst>
+          </p:cNvPr>
+          <p:cNvGraphicFramePr>
+            <a:graphicFrameLocks/>
+          </p:cNvGraphicFramePr>
+          <p:nvPr>
+            <p:extLst>
+              <p:ext uri="{D42A27DB-BD31-4B8C-83A1-F6EECF244321}">
+                <p14:modId xmlns:p14="http://schemas.microsoft.com/office/powerpoint/2010/main" val="1820238542"/>
+              </p:ext>
+            </p:extLst>
+          </p:nvPr>
+        </p:nvGraphicFramePr>
+        <p:xfrm>
+          <a:off x="6943436" y="4440653"/>
+          <a:ext cx="5209777" cy="2510466"/>
+        </p:xfrm>
+        <a:graphic>
+          <a:graphicData uri="http://schemas.openxmlformats.org/drawingml/2006/chart">
+            <c:chart xmlns:c="http://schemas.openxmlformats.org/drawingml/2006/chart" xmlns:r="http://schemas.openxmlformats.org/officeDocument/2006/relationships" r:id="rId7"/>
+          </a:graphicData>
+        </a:graphic>
+      </p:graphicFrame>
+    </p:spTree>
+    <p:extLst>
+      <p:ext uri="{BB962C8B-B14F-4D97-AF65-F5344CB8AC3E}">
+        <p14:creationId xmlns:p14="http://schemas.microsoft.com/office/powerpoint/2010/main" val="1341764477"/>
+      </p:ext>
+    </p:extLst>
+  </p:cSld>
+  <p:clrMapOvr>
+    <a:masterClrMapping/>
+  </p:clrMapOvr>
+</p:sld>
+</file>
+
+<file path=ppt/slides/slide12.xml><?xml version="1.0" encoding="utf-8"?>
+<p:sld xmlns:a="http://schemas.openxmlformats.org/drawingml/2006/main" xmlns:r="http://schemas.openxmlformats.org/officeDocument/2006/relationships" xmlns:p="http://schemas.openxmlformats.org/presentationml/2006/main">
+  <p:cSld>
+    <p:spTree>
+      <p:nvGrpSpPr>
+        <p:cNvPr id="1" name=""/>
+        <p:cNvGrpSpPr/>
+        <p:nvPr/>
+      </p:nvGrpSpPr>
+      <p:grpSpPr>
+        <a:xfrm>
+          <a:off x="0" y="0"/>
+          <a:ext cx="0" cy="0"/>
+          <a:chOff x="0" y="0"/>
+          <a:chExt cx="0" cy="0"/>
+        </a:xfrm>
+      </p:grpSpPr>
+      <p:pic>
+        <p:nvPicPr>
+          <p:cNvPr id="5" name="Content Placeholder 4">
+            <a:extLst>
+              <a:ext uri="{FF2B5EF4-FFF2-40B4-BE49-F238E27FC236}">
+                <a16:creationId xmlns:a16="http://schemas.microsoft.com/office/drawing/2014/main" id="{6DD0700C-B407-4341-8DB1-BD88E75A38A8}"/>
+              </a:ext>
+            </a:extLst>
+          </p:cNvPr>
+          <p:cNvPicPr>
+            <a:picLocks noGrp="1" noChangeAspect="1"/>
+          </p:cNvPicPr>
+          <p:nvPr>
+            <p:ph idx="1"/>
+          </p:nvPr>
+        </p:nvPicPr>
+        <p:blipFill rotWithShape="1">
+          <a:blip r:embed="rId4">
+            <a:extLst>
+              <a:ext uri="{28A0092B-C50C-407E-A947-70E740481C1C}">
+                <a14:useLocalDpi xmlns:a14="http://schemas.microsoft.com/office/drawing/2010/main" val="0"/>
+              </a:ext>
+            </a:extLst>
+          </a:blip>
+          <a:srcRect b="9958"/>
+          <a:stretch/>
+        </p:blipFill>
+        <p:spPr>
+          <a:xfrm>
+            <a:off x="1" y="1"/>
+            <a:ext cx="12191999" cy="6858000"/>
+          </a:xfrm>
+        </p:spPr>
+      </p:pic>
+      <p:pic>
+        <p:nvPicPr>
+          <p:cNvPr id="9" name="Picture 8">
+            <a:extLst>
+              <a:ext uri="{FF2B5EF4-FFF2-40B4-BE49-F238E27FC236}">
+                <a16:creationId xmlns:a16="http://schemas.microsoft.com/office/drawing/2014/main" id="{07B0BFB6-D428-49D0-B9D4-88F128483575}"/>
+              </a:ext>
+            </a:extLst>
+          </p:cNvPr>
+          <p:cNvPicPr>
+            <a:picLocks noChangeAspect="1"/>
+          </p:cNvPicPr>
+          <p:nvPr/>
+        </p:nvPicPr>
+        <p:blipFill>
+          <a:blip r:embed="rId5">
+            <a:extLst>
+              <a:ext uri="{28A0092B-C50C-407E-A947-70E740481C1C}">
+                <a14:useLocalDpi xmlns:a14="http://schemas.microsoft.com/office/drawing/2010/main" val="0"/>
+              </a:ext>
+            </a:extLst>
+          </a:blip>
+          <a:stretch>
+            <a:fillRect/>
+          </a:stretch>
+        </p:blipFill>
+        <p:spPr>
+          <a:xfrm>
+            <a:off x="7152007" y="280599"/>
+            <a:ext cx="3846452" cy="2742520"/>
+          </a:xfrm>
+          <a:prstGeom prst="rect">
+            <a:avLst/>
+          </a:prstGeom>
+        </p:spPr>
+      </p:pic>
+      <p:sp>
+        <p:nvSpPr>
+          <p:cNvPr id="10" name="TextBox 9">
+            <a:extLst>
+              <a:ext uri="{FF2B5EF4-FFF2-40B4-BE49-F238E27FC236}">
+                <a16:creationId xmlns:a16="http://schemas.microsoft.com/office/drawing/2014/main" id="{2E96BD76-2997-43E9-BB29-30CBB900AA0F}"/>
+              </a:ext>
+            </a:extLst>
+          </p:cNvPr>
+          <p:cNvSpPr txBox="1"/>
+          <p:nvPr/>
+        </p:nvSpPr>
+        <p:spPr>
+          <a:xfrm>
+            <a:off x="2377407" y="5476265"/>
+            <a:ext cx="6965112" cy="584775"/>
+          </a:xfrm>
+          <a:prstGeom prst="rect">
+            <a:avLst/>
+          </a:prstGeom>
+          <a:noFill/>
+        </p:spPr>
+        <p:txBody>
+          <a:bodyPr wrap="none" rtlCol="0">
+            <a:spAutoFit/>
+          </a:bodyPr>
+          <a:lstStyle/>
+          <a:p>
+            <a:r>
+              <a:rPr lang="fr-CH" sz="3200" b="1" dirty="0" err="1"/>
+              <a:t>We</a:t>
+            </a:r>
+            <a:r>
+              <a:rPr lang="fr-CH" sz="3200" b="1" dirty="0"/>
+              <a:t> help Die </a:t>
+            </a:r>
+            <a:r>
+              <a:rPr lang="fr-CH" sz="3200" b="1" dirty="0" err="1"/>
+              <a:t>Mobiliar</a:t>
+            </a:r>
+            <a:r>
+              <a:rPr lang="fr-CH" sz="3200" b="1" dirty="0"/>
+              <a:t> to </a:t>
+            </a:r>
+            <a:r>
+              <a:rPr lang="fr-CH" sz="3200" b="1" dirty="0" err="1"/>
+              <a:t>fly</a:t>
+            </a:r>
+            <a:r>
+              <a:rPr lang="fr-CH" sz="3200" b="1" dirty="0"/>
+              <a:t> to the </a:t>
+            </a:r>
+            <a:r>
+              <a:rPr lang="fr-CH" sz="3200" b="1" dirty="0" err="1"/>
+              <a:t>moon</a:t>
+            </a:r>
+            <a:endParaRPr lang="fr-CH" sz="3200" b="1" dirty="0"/>
+          </a:p>
+        </p:txBody>
+      </p:sp>
+      <p:sp>
+        <p:nvSpPr>
+          <p:cNvPr id="11" name="TextBox 10">
+            <a:extLst>
+              <a:ext uri="{FF2B5EF4-FFF2-40B4-BE49-F238E27FC236}">
+                <a16:creationId xmlns:a16="http://schemas.microsoft.com/office/drawing/2014/main" id="{AD3B1353-D733-4D3C-AC2A-17E1F0124C90}"/>
+              </a:ext>
+            </a:extLst>
+          </p:cNvPr>
+          <p:cNvSpPr txBox="1"/>
+          <p:nvPr/>
+        </p:nvSpPr>
+        <p:spPr>
+          <a:xfrm>
+            <a:off x="993710" y="5291599"/>
+            <a:ext cx="2486771" cy="369332"/>
+          </a:xfrm>
+          <a:prstGeom prst="rect">
+            <a:avLst/>
+          </a:prstGeom>
+          <a:noFill/>
+        </p:spPr>
+        <p:txBody>
+          <a:bodyPr wrap="none" rtlCol="0">
+            <a:spAutoFit/>
+          </a:bodyPr>
+          <a:lstStyle/>
+          <a:p>
+            <a:r>
+              <a:rPr lang="fr-CH" dirty="0"/>
+              <a:t>End-to-end </a:t>
+            </a:r>
+            <a:r>
+              <a:rPr lang="fr-CH" dirty="0" err="1"/>
+              <a:t>digitalization</a:t>
+            </a:r>
+            <a:endParaRPr lang="fr-CH" dirty="0"/>
+          </a:p>
+        </p:txBody>
+      </p:sp>
+      <p:sp>
+        <p:nvSpPr>
+          <p:cNvPr id="12" name="TextBox 11">
+            <a:extLst>
+              <a:ext uri="{FF2B5EF4-FFF2-40B4-BE49-F238E27FC236}">
+                <a16:creationId xmlns:a16="http://schemas.microsoft.com/office/drawing/2014/main" id="{5486AD71-BCE6-4CD0-936A-60772B63A334}"/>
+              </a:ext>
+            </a:extLst>
+          </p:cNvPr>
+          <p:cNvSpPr txBox="1"/>
+          <p:nvPr/>
+        </p:nvSpPr>
+        <p:spPr>
+          <a:xfrm>
+            <a:off x="6797352" y="6169484"/>
+            <a:ext cx="2187650" cy="369332"/>
+          </a:xfrm>
+          <a:prstGeom prst="rect">
+            <a:avLst/>
+          </a:prstGeom>
+          <a:noFill/>
+        </p:spPr>
+        <p:txBody>
+          <a:bodyPr wrap="none" rtlCol="0">
+            <a:spAutoFit/>
+          </a:bodyPr>
+          <a:lstStyle/>
+          <a:p>
+            <a:r>
+              <a:rPr lang="fr-CH" dirty="0"/>
+              <a:t>Data-</a:t>
+            </a:r>
+            <a:r>
+              <a:rPr lang="fr-CH" dirty="0" err="1"/>
+              <a:t>driven</a:t>
+            </a:r>
+            <a:r>
+              <a:rPr lang="fr-CH" dirty="0"/>
+              <a:t> solutions</a:t>
+            </a:r>
+          </a:p>
+        </p:txBody>
+      </p:sp>
+      <p:sp>
+        <p:nvSpPr>
+          <p:cNvPr id="13" name="TextBox 12">
+            <a:extLst>
+              <a:ext uri="{FF2B5EF4-FFF2-40B4-BE49-F238E27FC236}">
+                <a16:creationId xmlns:a16="http://schemas.microsoft.com/office/drawing/2014/main" id="{A837E728-9264-4EB6-8E2C-E4A07BFBD7AB}"/>
+              </a:ext>
+            </a:extLst>
+          </p:cNvPr>
+          <p:cNvSpPr txBox="1"/>
+          <p:nvPr/>
+        </p:nvSpPr>
+        <p:spPr>
+          <a:xfrm>
+            <a:off x="5706008" y="5183155"/>
+            <a:ext cx="2415213" cy="369332"/>
+          </a:xfrm>
+          <a:prstGeom prst="rect">
+            <a:avLst/>
+          </a:prstGeom>
+          <a:noFill/>
+        </p:spPr>
+        <p:txBody>
+          <a:bodyPr wrap="none" rtlCol="0">
+            <a:spAutoFit/>
+          </a:bodyPr>
+          <a:lstStyle/>
+          <a:p>
+            <a:r>
+              <a:rPr lang="fr-CH" dirty="0" err="1"/>
+              <a:t>Predictive</a:t>
+            </a:r>
+            <a:r>
+              <a:rPr lang="fr-CH" dirty="0"/>
+              <a:t> </a:t>
+            </a:r>
+            <a:r>
+              <a:rPr lang="fr-CH" dirty="0" err="1"/>
+              <a:t>Underwriting</a:t>
+            </a:r>
+            <a:endParaRPr lang="fr-CH" dirty="0"/>
+          </a:p>
+        </p:txBody>
+      </p:sp>
+      <p:sp>
+        <p:nvSpPr>
+          <p:cNvPr id="14" name="TextBox 13">
+            <a:extLst>
+              <a:ext uri="{FF2B5EF4-FFF2-40B4-BE49-F238E27FC236}">
+                <a16:creationId xmlns:a16="http://schemas.microsoft.com/office/drawing/2014/main" id="{6EBB9F3D-C260-47FA-8230-A1F40213CC88}"/>
+              </a:ext>
+            </a:extLst>
+          </p:cNvPr>
+          <p:cNvSpPr txBox="1"/>
+          <p:nvPr/>
+        </p:nvSpPr>
+        <p:spPr>
+          <a:xfrm>
+            <a:off x="4694295" y="5930008"/>
+            <a:ext cx="1707455" cy="369332"/>
+          </a:xfrm>
+          <a:prstGeom prst="rect">
+            <a:avLst/>
+          </a:prstGeom>
+          <a:noFill/>
+        </p:spPr>
+        <p:txBody>
+          <a:bodyPr wrap="none" rtlCol="0">
+            <a:spAutoFit/>
+          </a:bodyPr>
+          <a:lstStyle/>
+          <a:p>
+            <a:r>
+              <a:rPr lang="fr-CH" dirty="0"/>
+              <a:t>Adaptive </a:t>
+            </a:r>
+            <a:r>
+              <a:rPr lang="fr-CH" dirty="0" err="1"/>
+              <a:t>pricing</a:t>
+            </a:r>
+            <a:endParaRPr lang="fr-CH" dirty="0"/>
+          </a:p>
+        </p:txBody>
+      </p:sp>
+      <p:sp>
+        <p:nvSpPr>
+          <p:cNvPr id="15" name="AutoShape 2" descr="Résultat de recherche d'images pour &quot;die mobiliar&quot;">
+            <a:extLst>
+              <a:ext uri="{FF2B5EF4-FFF2-40B4-BE49-F238E27FC236}">
+                <a16:creationId xmlns:a16="http://schemas.microsoft.com/office/drawing/2014/main" id="{6D654341-6A58-49B2-B90C-C1E14281C7C9}"/>
+              </a:ext>
+            </a:extLst>
+          </p:cNvPr>
+          <p:cNvSpPr>
+            <a:spLocks noChangeAspect="1" noChangeArrowheads="1"/>
+          </p:cNvSpPr>
+          <p:nvPr/>
+        </p:nvSpPr>
+        <p:spPr bwMode="auto">
+          <a:xfrm>
+            <a:off x="5943600" y="3276600"/>
+            <a:ext cx="304800" cy="304800"/>
+          </a:xfrm>
+          <a:prstGeom prst="rect">
+            <a:avLst/>
+          </a:prstGeom>
+          <a:noFill/>
+          <a:extLst>
+            <a:ext uri="{909E8E84-426E-40DD-AFC4-6F175D3DCCD1}">
+              <a14:hiddenFill xmlns:a14="http://schemas.microsoft.com/office/drawing/2010/main">
+                <a:solidFill>
+                  <a:srgbClr val="FFFFFF"/>
+                </a:solidFill>
+              </a14:hiddenFill>
+            </a:ext>
+          </a:extLst>
+        </p:spPr>
+        <p:txBody>
+          <a:bodyPr vert="horz" wrap="square" lIns="91440" tIns="45720" rIns="91440" bIns="45720" numCol="1" anchor="t" anchorCtr="0" compatLnSpc="1">
+            <a:prstTxWarp prst="textNoShape">
+              <a:avLst/>
+            </a:prstTxWarp>
+          </a:bodyPr>
+          <a:lstStyle/>
+          <a:p>
+            <a:endParaRPr lang="fr-CH"/>
+          </a:p>
+        </p:txBody>
+      </p:sp>
+      <p:pic>
+        <p:nvPicPr>
+          <p:cNvPr id="23" name="Fly Me To The Moon - Frank Sinatra - LyricsUIF">
+            <a:hlinkClick r:id="" action="ppaction://media"/>
+            <a:extLst>
+              <a:ext uri="{FF2B5EF4-FFF2-40B4-BE49-F238E27FC236}">
+                <a16:creationId xmlns:a16="http://schemas.microsoft.com/office/drawing/2014/main" id="{BE5BF5FB-83E4-48C4-B59E-6CDB26879FA8}"/>
+              </a:ext>
+            </a:extLst>
+          </p:cNvPr>
+          <p:cNvPicPr>
+            <a:picLocks noChangeAspect="1"/>
+          </p:cNvPicPr>
+          <p:nvPr>
+            <a:audioFile r:link="rId2"/>
+            <p:extLst>
+              <p:ext uri="{DAA4B4D4-6D71-4841-9C94-3DE7FCFB9230}">
+                <p14:media xmlns:p14="http://schemas.microsoft.com/office/powerpoint/2010/main" r:embed="rId1"/>
+              </p:ext>
+            </p:extLst>
+          </p:nvPr>
+        </p:nvPicPr>
+        <p:blipFill>
+          <a:blip r:embed="rId6"/>
+          <a:stretch>
+            <a:fillRect/>
+          </a:stretch>
+        </p:blipFill>
+        <p:spPr>
+          <a:xfrm>
+            <a:off x="11791108" y="6538816"/>
+            <a:ext cx="271463" cy="271463"/>
+          </a:xfrm>
+          <a:prstGeom prst="rect">
+            <a:avLst/>
+          </a:prstGeom>
+        </p:spPr>
+      </p:pic>
+      <p:pic>
+        <p:nvPicPr>
+          <p:cNvPr id="30" name="Picture 29">
+            <a:extLst>
+              <a:ext uri="{FF2B5EF4-FFF2-40B4-BE49-F238E27FC236}">
+                <a16:creationId xmlns:a16="http://schemas.microsoft.com/office/drawing/2014/main" id="{DCAA514D-71CF-4CEA-8826-8E098AEAFA87}"/>
+              </a:ext>
+            </a:extLst>
+          </p:cNvPr>
+          <p:cNvPicPr>
+            <a:picLocks noChangeAspect="1"/>
+          </p:cNvPicPr>
+          <p:nvPr/>
+        </p:nvPicPr>
+        <p:blipFill>
+          <a:blip r:embed="rId7">
+            <a:extLst>
+              <a:ext uri="{28A0092B-C50C-407E-A947-70E740481C1C}">
+                <a14:useLocalDpi xmlns:a14="http://schemas.microsoft.com/office/drawing/2010/main" val="0"/>
+              </a:ext>
+            </a:extLst>
+          </a:blip>
+          <a:stretch>
+            <a:fillRect/>
+          </a:stretch>
+        </p:blipFill>
+        <p:spPr>
+          <a:xfrm>
+            <a:off x="3440395" y="2883159"/>
+            <a:ext cx="723765" cy="723765"/>
+          </a:xfrm>
+          <a:prstGeom prst="rect">
+            <a:avLst/>
+          </a:prstGeom>
+        </p:spPr>
+      </p:pic>
+    </p:spTree>
+    <p:extLst>
+      <p:ext uri="{BB962C8B-B14F-4D97-AF65-F5344CB8AC3E}">
+        <p14:creationId xmlns:p14="http://schemas.microsoft.com/office/powerpoint/2010/main" val="4019498274"/>
+      </p:ext>
+    </p:extLst>
+  </p:cSld>
+  <p:clrMapOvr>
+    <a:masterClrMapping/>
+  </p:clrMapOvr>
+  <p:timing>
+    <p:tnLst>
+      <p:par>
+        <p:cTn id="1" dur="indefinite" restart="never" nodeType="tmRoot">
+          <p:childTnLst>
+            <p:seq concurrent="1" nextAc="seek">
+              <p:cTn id="2" dur="indefinite" nodeType="mainSeq">
+                <p:childTnLst>
+                  <p:par>
+                    <p:cTn id="3" fill="hold">
+                      <p:stCondLst>
+                        <p:cond delay="indefinite"/>
+                        <p:cond evt="onBegin" delay="0">
+                          <p:tn val="2"/>
+                        </p:cond>
+                      </p:stCondLst>
+                      <p:childTnLst>
+                        <p:par>
+                          <p:cTn id="4" fill="hold">
+                            <p:stCondLst>
+                              <p:cond delay="0"/>
+                            </p:stCondLst>
+                            <p:childTnLst>
+                              <p:par>
+                                <p:cTn id="5" presetID="1" presetClass="mediacall" presetSubtype="0" fill="hold" nodeType="withEffect">
+                                  <p:stCondLst>
+                                    <p:cond delay="0"/>
+                                  </p:stCondLst>
+                                  <p:childTnLst>
+                                    <p:cmd type="call" cmd="playFrom(0.0)">
+                                      <p:cBhvr>
+                                        <p:cTn id="6" dur="16807" fill="hold"/>
+                                        <p:tgtEl>
+                                          <p:spTgt spid="23"/>
+                                        </p:tgtEl>
+                                      </p:cBhvr>
+                                    </p:cmd>
+                                  </p:childTnLst>
+                                </p:cTn>
+                              </p:par>
+                            </p:childTnLst>
+                          </p:cTn>
+                        </p:par>
+                      </p:childTnLst>
+                    </p:cTn>
+                  </p:par>
+                </p:childTnLst>
+              </p:cTn>
+              <p:prevCondLst>
+                <p:cond evt="onPrev" delay="0">
+                  <p:tgtEl>
+                    <p:sldTgt/>
+                  </p:tgtEl>
+                </p:cond>
+              </p:prevCondLst>
+              <p:nextCondLst>
+                <p:cond evt="onNext" delay="0">
+                  <p:tgtEl>
+                    <p:sldTgt/>
+                  </p:tgtEl>
+                </p:cond>
+              </p:nextCondLst>
+            </p:seq>
+            <p:audio>
+              <p:cMediaNode vol="80000">
+                <p:cTn id="7" fill="hold" display="0">
+                  <p:stCondLst>
+                    <p:cond delay="indefinite"/>
+                  </p:stCondLst>
+                  <p:endCondLst>
+                    <p:cond evt="onStopAudio" delay="0">
+                      <p:tgtEl>
+                        <p:sldTgt/>
+                      </p:tgtEl>
+                    </p:cond>
+                  </p:endCondLst>
+                </p:cTn>
+                <p:tgtEl>
+                  <p:spTgt spid="23"/>
+                </p:tgtEl>
+              </p:cMediaNode>
+            </p:audio>
+          </p:childTnLst>
+        </p:cTn>
+      </p:par>
+    </p:tnLst>
+  </p:timing>
+</p:sld>
+</file>
+
+<file path=ppt/slides/slide13.xml><?xml version="1.0" encoding="utf-8"?>
 <p:sld xmlns:a="http://schemas.openxmlformats.org/drawingml/2006/main" xmlns:r="http://schemas.openxmlformats.org/officeDocument/2006/relationships" xmlns:p="http://schemas.openxmlformats.org/presentationml/2006/main">
   <p:cSld>
     <p:spTree>

--- a/unchained-flight-insurance-web/Notes techniques.pptx
+++ b/unchained-flight-insurance-web/Notes techniques.pptx
@@ -2114,7 +2114,7 @@
           <c:spPr>
             <a:ln w="28575" cap="rnd">
               <a:solidFill>
-                <a:schemeClr val="accent1"/>
+                <a:schemeClr val="accent4"/>
               </a:solidFill>
               <a:round/>
             </a:ln>
@@ -2225,7 +2225,7 @@
           <c:spPr>
             <a:ln w="28575" cap="rnd">
               <a:solidFill>
-                <a:schemeClr val="accent2"/>
+                <a:schemeClr val="accent3"/>
               </a:solidFill>
               <a:round/>
             </a:ln>
@@ -2336,7 +2336,7 @@
           <c:spPr>
             <a:ln w="28575" cap="rnd">
               <a:solidFill>
-                <a:schemeClr val="accent3"/>
+                <a:schemeClr val="accent2"/>
               </a:solidFill>
               <a:round/>
             </a:ln>
@@ -2811,7 +2811,7 @@
               <c:strCache>
                 <c:ptCount val="1"/>
                 <c:pt idx="0">
-                  <c:v>Ultimate</c:v>
+                  <c:v>Gold</c:v>
                 </c:pt>
               </c:strCache>
             </c:strRef>
@@ -2819,7 +2819,7 @@
           <c:spPr>
             <a:ln w="28575" cap="rnd">
               <a:solidFill>
-                <a:schemeClr val="accent1"/>
+                <a:schemeClr val="accent4"/>
               </a:solidFill>
               <a:round/>
             </a:ln>
@@ -2922,7 +2922,7 @@
               <c:strCache>
                 <c:ptCount val="1"/>
                 <c:pt idx="0">
-                  <c:v>Medium</c:v>
+                  <c:v>Silver</c:v>
                 </c:pt>
               </c:strCache>
             </c:strRef>
@@ -2930,7 +2930,7 @@
           <c:spPr>
             <a:ln w="28575" cap="rnd">
               <a:solidFill>
-                <a:schemeClr val="accent2"/>
+                <a:schemeClr val="accent3"/>
               </a:solidFill>
               <a:round/>
             </a:ln>
@@ -3033,7 +3033,7 @@
               <c:strCache>
                 <c:ptCount val="1"/>
                 <c:pt idx="0">
-                  <c:v>Basic</c:v>
+                  <c:v>Bronze</c:v>
                 </c:pt>
               </c:strCache>
             </c:strRef>
@@ -3041,7 +3041,7 @@
           <c:spPr>
             <a:ln w="28575" cap="rnd">
               <a:solidFill>
-                <a:schemeClr val="accent3"/>
+                <a:schemeClr val="accent2"/>
               </a:solidFill>
               <a:round/>
             </a:ln>
@@ -12501,6 +12501,9 @@
           <a:avLst/>
         </a:prstGeom>
         <a:ln xmlns:a="http://schemas.openxmlformats.org/drawingml/2006/main" w="28575">
+          <a:solidFill>
+            <a:schemeClr val="accent4"/>
+          </a:solidFill>
           <a:prstDash val="dash"/>
         </a:ln>
       </cdr:spPr>
@@ -12651,6 +12654,9 @@
           <a:avLst/>
         </a:prstGeom>
         <a:ln xmlns:a="http://schemas.openxmlformats.org/drawingml/2006/main" w="28575">
+          <a:solidFill>
+            <a:schemeClr val="accent4"/>
+          </a:solidFill>
           <a:prstDash val="dash"/>
         </a:ln>
       </cdr:spPr>
@@ -12873,7 +12879,7 @@
           <a:p>
             <a:fld id="{15A1B14F-DD63-4D69-B4A0-7EFAFE1980FC}" type="datetimeFigureOut">
               <a:rPr lang="fr-CH" smtClean="0"/>
-              <a:t>07.06.2018</a:t>
+              <a:t>08.06.2018</a:t>
             </a:fld>
             <a:endParaRPr lang="fr-CH"/>
           </a:p>
@@ -13073,7 +13079,7 @@
           <a:p>
             <a:fld id="{15A1B14F-DD63-4D69-B4A0-7EFAFE1980FC}" type="datetimeFigureOut">
               <a:rPr lang="fr-CH" smtClean="0"/>
-              <a:t>07.06.2018</a:t>
+              <a:t>08.06.2018</a:t>
             </a:fld>
             <a:endParaRPr lang="fr-CH"/>
           </a:p>
@@ -13283,7 +13289,7 @@
           <a:p>
             <a:fld id="{15A1B14F-DD63-4D69-B4A0-7EFAFE1980FC}" type="datetimeFigureOut">
               <a:rPr lang="fr-CH" smtClean="0"/>
-              <a:t>07.06.2018</a:t>
+              <a:t>08.06.2018</a:t>
             </a:fld>
             <a:endParaRPr lang="fr-CH"/>
           </a:p>
@@ -13483,7 +13489,7 @@
           <a:p>
             <a:fld id="{15A1B14F-DD63-4D69-B4A0-7EFAFE1980FC}" type="datetimeFigureOut">
               <a:rPr lang="fr-CH" smtClean="0"/>
-              <a:t>07.06.2018</a:t>
+              <a:t>08.06.2018</a:t>
             </a:fld>
             <a:endParaRPr lang="fr-CH"/>
           </a:p>
@@ -13759,7 +13765,7 @@
           <a:p>
             <a:fld id="{15A1B14F-DD63-4D69-B4A0-7EFAFE1980FC}" type="datetimeFigureOut">
               <a:rPr lang="fr-CH" smtClean="0"/>
-              <a:t>07.06.2018</a:t>
+              <a:t>08.06.2018</a:t>
             </a:fld>
             <a:endParaRPr lang="fr-CH"/>
           </a:p>
@@ -14027,7 +14033,7 @@
           <a:p>
             <a:fld id="{15A1B14F-DD63-4D69-B4A0-7EFAFE1980FC}" type="datetimeFigureOut">
               <a:rPr lang="fr-CH" smtClean="0"/>
-              <a:t>07.06.2018</a:t>
+              <a:t>08.06.2018</a:t>
             </a:fld>
             <a:endParaRPr lang="fr-CH"/>
           </a:p>
@@ -14442,7 +14448,7 @@
           <a:p>
             <a:fld id="{15A1B14F-DD63-4D69-B4A0-7EFAFE1980FC}" type="datetimeFigureOut">
               <a:rPr lang="fr-CH" smtClean="0"/>
-              <a:t>07.06.2018</a:t>
+              <a:t>08.06.2018</a:t>
             </a:fld>
             <a:endParaRPr lang="fr-CH"/>
           </a:p>
@@ -14584,7 +14590,7 @@
           <a:p>
             <a:fld id="{15A1B14F-DD63-4D69-B4A0-7EFAFE1980FC}" type="datetimeFigureOut">
               <a:rPr lang="fr-CH" smtClean="0"/>
-              <a:t>07.06.2018</a:t>
+              <a:t>08.06.2018</a:t>
             </a:fld>
             <a:endParaRPr lang="fr-CH"/>
           </a:p>
@@ -14697,7 +14703,7 @@
           <a:p>
             <a:fld id="{15A1B14F-DD63-4D69-B4A0-7EFAFE1980FC}" type="datetimeFigureOut">
               <a:rPr lang="fr-CH" smtClean="0"/>
-              <a:t>07.06.2018</a:t>
+              <a:t>08.06.2018</a:t>
             </a:fld>
             <a:endParaRPr lang="fr-CH"/>
           </a:p>
@@ -15010,7 +15016,7 @@
           <a:p>
             <a:fld id="{15A1B14F-DD63-4D69-B4A0-7EFAFE1980FC}" type="datetimeFigureOut">
               <a:rPr lang="fr-CH" smtClean="0"/>
-              <a:t>07.06.2018</a:t>
+              <a:t>08.06.2018</a:t>
             </a:fld>
             <a:endParaRPr lang="fr-CH"/>
           </a:p>
@@ -15299,7 +15305,7 @@
           <a:p>
             <a:fld id="{15A1B14F-DD63-4D69-B4A0-7EFAFE1980FC}" type="datetimeFigureOut">
               <a:rPr lang="fr-CH" smtClean="0"/>
-              <a:t>07.06.2018</a:t>
+              <a:t>08.06.2018</a:t>
             </a:fld>
             <a:endParaRPr lang="fr-CH"/>
           </a:p>
@@ -15542,7 +15548,7 @@
           <a:p>
             <a:fld id="{15A1B14F-DD63-4D69-B4A0-7EFAFE1980FC}" type="datetimeFigureOut">
               <a:rPr lang="fr-CH" smtClean="0"/>
-              <a:t>07.06.2018</a:t>
+              <a:t>08.06.2018</a:t>
             </a:fld>
             <a:endParaRPr lang="fr-CH"/>
           </a:p>
@@ -16225,8 +16231,8 @@
           </a:p>
         </p:txBody>
       </p:sp>
-      <mc:AlternateContent xmlns:mc="http://schemas.openxmlformats.org/markup-compatibility/2006">
-        <mc:Choice xmlns:a14="http://schemas.microsoft.com/office/drawing/2010/main" Requires="a14">
+      <mc:AlternateContent xmlns:mc="http://schemas.openxmlformats.org/markup-compatibility/2006" xmlns:a14="http://schemas.microsoft.com/office/drawing/2010/main">
+        <mc:Choice Requires="a14">
           <p:sp>
             <p:nvSpPr>
               <p:cNvPr id="4" name="TextBox 3">
@@ -16398,7 +16404,7 @@
             </p:txBody>
           </p:sp>
         </mc:Choice>
-        <mc:Fallback>
+        <mc:Fallback xmlns="">
           <p:sp>
             <p:nvSpPr>
               <p:cNvPr id="4" name="TextBox 3">
@@ -17192,7 +17198,7 @@
           <p:nvPr>
             <p:extLst>
               <p:ext uri="{D42A27DB-BD31-4B8C-83A1-F6EECF244321}">
-                <p14:modId xmlns:p14="http://schemas.microsoft.com/office/powerpoint/2010/main" val="1994028662"/>
+                <p14:modId xmlns:p14="http://schemas.microsoft.com/office/powerpoint/2010/main" val="2065261845"/>
               </p:ext>
             </p:extLst>
           </p:nvPr>
@@ -17631,7 +17637,7 @@
           <p:nvPr>
             <p:extLst>
               <p:ext uri="{D42A27DB-BD31-4B8C-83A1-F6EECF244321}">
-                <p14:modId xmlns:p14="http://schemas.microsoft.com/office/powerpoint/2010/main" val="1820238542"/>
+                <p14:modId xmlns:p14="http://schemas.microsoft.com/office/powerpoint/2010/main" val="2404437516"/>
               </p:ext>
             </p:extLst>
           </p:nvPr>
